--- a/OptimalPlanning.pptx
+++ b/OptimalPlanning.pptx
@@ -6,8 +6,9 @@
   </p:sldMasterIdLst>
   <p:sldIdLst>
     <p:sldId id="256" r:id="rId2"/>
-    <p:sldId id="257" r:id="rId3"/>
-    <p:sldId id="258" r:id="rId4"/>
+    <p:sldId id="259" r:id="rId3"/>
+    <p:sldId id="257" r:id="rId4"/>
+    <p:sldId id="258" r:id="rId5"/>
   </p:sldIdLst>
   <p:sldSz cx="9144000" cy="6858000" type="screen4x3"/>
   <p:notesSz cx="6858000" cy="9144000"/>
@@ -291,7 +292,7 @@
             <a:fld id="{5BBEAD13-0566-4C6C-97E7-55F17F24B09F}" type="datetimeFigureOut">
               <a:rPr lang="zh-TW" altLang="en-US" smtClean="0"/>
               <a:pPr/>
-              <a:t>2011/6/8</a:t>
+              <a:t>2011/6/21</a:t>
             </a:fld>
             <a:endParaRPr lang="zh-TW" altLang="en-US"/>
           </a:p>
@@ -458,7 +459,7 @@
             <a:fld id="{5BBEAD13-0566-4C6C-97E7-55F17F24B09F}" type="datetimeFigureOut">
               <a:rPr lang="zh-TW" altLang="en-US" smtClean="0"/>
               <a:pPr/>
-              <a:t>2011/6/8</a:t>
+              <a:t>2011/6/21</a:t>
             </a:fld>
             <a:endParaRPr lang="zh-TW" altLang="en-US"/>
           </a:p>
@@ -635,7 +636,7 @@
             <a:fld id="{5BBEAD13-0566-4C6C-97E7-55F17F24B09F}" type="datetimeFigureOut">
               <a:rPr lang="zh-TW" altLang="en-US" smtClean="0"/>
               <a:pPr/>
-              <a:t>2011/6/8</a:t>
+              <a:t>2011/6/21</a:t>
             </a:fld>
             <a:endParaRPr lang="zh-TW" altLang="en-US"/>
           </a:p>
@@ -802,7 +803,7 @@
             <a:fld id="{5BBEAD13-0566-4C6C-97E7-55F17F24B09F}" type="datetimeFigureOut">
               <a:rPr lang="zh-TW" altLang="en-US" smtClean="0"/>
               <a:pPr/>
-              <a:t>2011/6/8</a:t>
+              <a:t>2011/6/21</a:t>
             </a:fld>
             <a:endParaRPr lang="zh-TW" altLang="en-US"/>
           </a:p>
@@ -1045,7 +1046,7 @@
             <a:fld id="{5BBEAD13-0566-4C6C-97E7-55F17F24B09F}" type="datetimeFigureOut">
               <a:rPr lang="zh-TW" altLang="en-US" smtClean="0"/>
               <a:pPr/>
-              <a:t>2011/6/8</a:t>
+              <a:t>2011/6/21</a:t>
             </a:fld>
             <a:endParaRPr lang="zh-TW" altLang="en-US"/>
           </a:p>
@@ -1330,7 +1331,7 @@
             <a:fld id="{5BBEAD13-0566-4C6C-97E7-55F17F24B09F}" type="datetimeFigureOut">
               <a:rPr lang="zh-TW" altLang="en-US" smtClean="0"/>
               <a:pPr/>
-              <a:t>2011/6/8</a:t>
+              <a:t>2011/6/21</a:t>
             </a:fld>
             <a:endParaRPr lang="zh-TW" altLang="en-US"/>
           </a:p>
@@ -1749,7 +1750,7 @@
             <a:fld id="{5BBEAD13-0566-4C6C-97E7-55F17F24B09F}" type="datetimeFigureOut">
               <a:rPr lang="zh-TW" altLang="en-US" smtClean="0"/>
               <a:pPr/>
-              <a:t>2011/6/8</a:t>
+              <a:t>2011/6/21</a:t>
             </a:fld>
             <a:endParaRPr lang="zh-TW" altLang="en-US"/>
           </a:p>
@@ -1864,7 +1865,7 @@
             <a:fld id="{5BBEAD13-0566-4C6C-97E7-55F17F24B09F}" type="datetimeFigureOut">
               <a:rPr lang="zh-TW" altLang="en-US" smtClean="0"/>
               <a:pPr/>
-              <a:t>2011/6/8</a:t>
+              <a:t>2011/6/21</a:t>
             </a:fld>
             <a:endParaRPr lang="zh-TW" altLang="en-US"/>
           </a:p>
@@ -1956,7 +1957,7 @@
             <a:fld id="{5BBEAD13-0566-4C6C-97E7-55F17F24B09F}" type="datetimeFigureOut">
               <a:rPr lang="zh-TW" altLang="en-US" smtClean="0"/>
               <a:pPr/>
-              <a:t>2011/6/8</a:t>
+              <a:t>2011/6/21</a:t>
             </a:fld>
             <a:endParaRPr lang="zh-TW" altLang="en-US"/>
           </a:p>
@@ -2230,7 +2231,7 @@
             <a:fld id="{5BBEAD13-0566-4C6C-97E7-55F17F24B09F}" type="datetimeFigureOut">
               <a:rPr lang="zh-TW" altLang="en-US" smtClean="0"/>
               <a:pPr/>
-              <a:t>2011/6/8</a:t>
+              <a:t>2011/6/21</a:t>
             </a:fld>
             <a:endParaRPr lang="zh-TW" altLang="en-US"/>
           </a:p>
@@ -2480,7 +2481,7 @@
             <a:fld id="{5BBEAD13-0566-4C6C-97E7-55F17F24B09F}" type="datetimeFigureOut">
               <a:rPr lang="zh-TW" altLang="en-US" smtClean="0"/>
               <a:pPr/>
-              <a:t>2011/6/8</a:t>
+              <a:t>2011/6/21</a:t>
             </a:fld>
             <a:endParaRPr lang="zh-TW" altLang="en-US"/>
           </a:p>
@@ -2690,7 +2691,7 @@
             <a:fld id="{5BBEAD13-0566-4C6C-97E7-55F17F24B09F}" type="datetimeFigureOut">
               <a:rPr lang="zh-TW" altLang="en-US" smtClean="0"/>
               <a:pPr/>
-              <a:t>2011/6/8</a:t>
+              <a:t>2011/6/21</a:t>
             </a:fld>
             <a:endParaRPr lang="zh-TW" altLang="en-US"/>
           </a:p>
@@ -3141,7 +3142,11 @@
           <a:p>
             <a:r>
               <a:rPr lang="en-US" altLang="zh-TW" dirty="0" smtClean="0"/>
-              <a:t>Optimality is not that important</a:t>
+              <a:t>Linear </a:t>
+            </a:r>
+            <a:r>
+              <a:rPr lang="en-US" altLang="zh-TW" dirty="0" err="1" smtClean="0"/>
+              <a:t>Dyna</a:t>
             </a:r>
             <a:endParaRPr lang="zh-TW" altLang="en-US" dirty="0"/>
           </a:p>
@@ -3159,21 +3164,95 @@
         </p:nvSpPr>
         <p:spPr/>
         <p:txBody>
-          <a:bodyPr/>
+          <a:bodyPr>
+            <a:normAutofit fontScale="92500" lnSpcReduction="20000"/>
+          </a:bodyPr>
           <a:lstStyle/>
           <a:p>
             <a:r>
               <a:rPr lang="en-US" altLang="zh-TW" dirty="0" smtClean="0"/>
-              <a:t>There are many path to the goal</a:t>
-            </a:r>
-          </a:p>
-          <a:p>
-            <a:pPr lvl="1"/>
+              <a:t>As before, </a:t>
+            </a:r>
+            <a:r>
+              <a:rPr lang="en-US" altLang="zh-TW" dirty="0" err="1" smtClean="0"/>
+              <a:t>Dyna</a:t>
+            </a:r>
             <a:r>
               <a:rPr lang="en-US" altLang="zh-TW" dirty="0" smtClean="0"/>
-              <a:t>Little of them are completely wrong</a:t>
-            </a:r>
-            <a:endParaRPr lang="zh-TW" altLang="en-US" dirty="0"/>
+              <a:t>-MG </a:t>
+            </a:r>
+            <a:r>
+              <a:rPr lang="en-US" altLang="zh-TW" dirty="0" smtClean="0"/>
+              <a:t>showed a </a:t>
+            </a:r>
+            <a:r>
+              <a:rPr lang="en-US" altLang="zh-TW" dirty="0" smtClean="0"/>
+              <a:t>distinct advantage over the model-free method </a:t>
+            </a:r>
+            <a:r>
+              <a:rPr lang="en-US" altLang="zh-TW" dirty="0" smtClean="0">
+                <a:solidFill>
+                  <a:srgbClr val="FF0000"/>
+                </a:solidFill>
+              </a:rPr>
+              <a:t>in </a:t>
+            </a:r>
+            <a:r>
+              <a:rPr lang="en-US" altLang="zh-TW" dirty="0" smtClean="0">
+                <a:solidFill>
+                  <a:srgbClr val="FF0000"/>
+                </a:solidFill>
+              </a:rPr>
+              <a:t>terms of </a:t>
+            </a:r>
+            <a:r>
+              <a:rPr lang="en-US" altLang="zh-TW" dirty="0" smtClean="0">
+                <a:solidFill>
+                  <a:srgbClr val="FF0000"/>
+                </a:solidFill>
+              </a:rPr>
+              <a:t>learning rate</a:t>
+            </a:r>
+            <a:r>
+              <a:rPr lang="en-US" altLang="zh-TW" dirty="0" smtClean="0"/>
+              <a:t>. There </a:t>
+            </a:r>
+            <a:r>
+              <a:rPr lang="en-US" altLang="zh-TW" dirty="0" smtClean="0"/>
+              <a:t>was no clear advantage for either method in the second half of the experiment. We note that, asymptotically, </a:t>
+            </a:r>
+            <a:r>
+              <a:rPr lang="en-US" altLang="zh-TW" dirty="0" smtClean="0">
+                <a:solidFill>
+                  <a:srgbClr val="FF0000"/>
+                </a:solidFill>
+              </a:rPr>
+              <a:t>model-free methods are never worse than model-based methods</a:t>
+            </a:r>
+            <a:r>
+              <a:rPr lang="en-US" altLang="zh-TW" dirty="0" smtClean="0"/>
+              <a:t>, and are often better because the model does not converge exactly to the true system because of structural modeling assumptions. </a:t>
+            </a:r>
+            <a:r>
+              <a:rPr lang="en-US" altLang="zh-TW" dirty="0" smtClean="0">
+                <a:solidFill>
+                  <a:srgbClr val="FF0000"/>
+                </a:solidFill>
+              </a:rPr>
+              <a:t>The </a:t>
+            </a:r>
+            <a:r>
+              <a:rPr lang="en-US" altLang="zh-TW" dirty="0" smtClean="0">
+                <a:solidFill>
+                  <a:srgbClr val="FF0000"/>
+                </a:solidFill>
+              </a:rPr>
+              <a:t>benefit of models, and of planning generally, is in rapid adaptation </a:t>
+            </a:r>
+            <a:r>
+              <a:rPr lang="en-US" altLang="zh-TW" dirty="0" smtClean="0"/>
+              <a:t>to new problems and situations </a:t>
+            </a:r>
           </a:p>
         </p:txBody>
       </p:sp>
@@ -3186,6 +3265,84 @@
 </file>
 
 <file path=ppt/slides/slide3.xml><?xml version="1.0" encoding="utf-8"?>
+<p:sld xmlns:a="http://schemas.openxmlformats.org/drawingml/2006/main" xmlns:r="http://schemas.openxmlformats.org/officeDocument/2006/relationships" xmlns:p="http://schemas.openxmlformats.org/presentationml/2006/main">
+  <p:cSld>
+    <p:spTree>
+      <p:nvGrpSpPr>
+        <p:cNvPr id="1" name=""/>
+        <p:cNvGrpSpPr/>
+        <p:nvPr/>
+      </p:nvGrpSpPr>
+      <p:grpSpPr>
+        <a:xfrm>
+          <a:off x="0" y="0"/>
+          <a:ext cx="0" cy="0"/>
+          <a:chOff x="0" y="0"/>
+          <a:chExt cx="0" cy="0"/>
+        </a:xfrm>
+      </p:grpSpPr>
+      <p:sp>
+        <p:nvSpPr>
+          <p:cNvPr id="2" name="標題 1"/>
+          <p:cNvSpPr>
+            <a:spLocks noGrp="1"/>
+          </p:cNvSpPr>
+          <p:nvPr>
+            <p:ph type="title"/>
+          </p:nvPr>
+        </p:nvSpPr>
+        <p:spPr/>
+        <p:txBody>
+          <a:bodyPr/>
+          <a:lstStyle/>
+          <a:p>
+            <a:r>
+              <a:rPr lang="en-US" altLang="zh-TW" dirty="0" smtClean="0"/>
+              <a:t>Optimality is not that important</a:t>
+            </a:r>
+            <a:endParaRPr lang="zh-TW" altLang="en-US" dirty="0"/>
+          </a:p>
+        </p:txBody>
+      </p:sp>
+      <p:sp>
+        <p:nvSpPr>
+          <p:cNvPr id="3" name="內容版面配置區 2"/>
+          <p:cNvSpPr>
+            <a:spLocks noGrp="1"/>
+          </p:cNvSpPr>
+          <p:nvPr>
+            <p:ph idx="1"/>
+          </p:nvPr>
+        </p:nvSpPr>
+        <p:spPr/>
+        <p:txBody>
+          <a:bodyPr/>
+          <a:lstStyle/>
+          <a:p>
+            <a:r>
+              <a:rPr lang="en-US" altLang="zh-TW" dirty="0" smtClean="0"/>
+              <a:t>There are many path to the goal</a:t>
+            </a:r>
+          </a:p>
+          <a:p>
+            <a:pPr lvl="1"/>
+            <a:r>
+              <a:rPr lang="en-US" altLang="zh-TW" dirty="0" smtClean="0"/>
+              <a:t>Little of them are completely wrong</a:t>
+            </a:r>
+            <a:endParaRPr lang="zh-TW" altLang="en-US" dirty="0"/>
+          </a:p>
+        </p:txBody>
+      </p:sp>
+    </p:spTree>
+  </p:cSld>
+  <p:clrMapOvr>
+    <a:masterClrMapping/>
+  </p:clrMapOvr>
+</p:sld>
+</file>
+
+<file path=ppt/slides/slide4.xml><?xml version="1.0" encoding="utf-8"?>
 <p:sld xmlns:a="http://schemas.openxmlformats.org/drawingml/2006/main" xmlns:r="http://schemas.openxmlformats.org/officeDocument/2006/relationships" xmlns:p="http://schemas.openxmlformats.org/presentationml/2006/main">
   <p:cSld>
     <p:spTree>

--- a/OptimalPlanning.pptx
+++ b/OptimalPlanning.pptx
@@ -4,11 +4,27 @@
   <p:sldMasterIdLst>
     <p:sldMasterId id="2147483648" r:id="rId1"/>
   </p:sldMasterIdLst>
+  <p:notesMasterIdLst>
+    <p:notesMasterId r:id="rId19"/>
+  </p:notesMasterIdLst>
   <p:sldIdLst>
     <p:sldId id="256" r:id="rId2"/>
-    <p:sldId id="259" r:id="rId3"/>
-    <p:sldId id="257" r:id="rId4"/>
-    <p:sldId id="258" r:id="rId5"/>
+    <p:sldId id="260" r:id="rId3"/>
+    <p:sldId id="262" r:id="rId4"/>
+    <p:sldId id="259" r:id="rId5"/>
+    <p:sldId id="261" r:id="rId6"/>
+    <p:sldId id="263" r:id="rId7"/>
+    <p:sldId id="264" r:id="rId8"/>
+    <p:sldId id="267" r:id="rId9"/>
+    <p:sldId id="271" r:id="rId10"/>
+    <p:sldId id="266" r:id="rId11"/>
+    <p:sldId id="265" r:id="rId12"/>
+    <p:sldId id="268" r:id="rId13"/>
+    <p:sldId id="269" r:id="rId14"/>
+    <p:sldId id="272" r:id="rId15"/>
+    <p:sldId id="270" r:id="rId16"/>
+    <p:sldId id="257" r:id="rId17"/>
+    <p:sldId id="258" r:id="rId18"/>
   </p:sldIdLst>
   <p:sldSz cx="9144000" cy="6858000" type="screen4x3"/>
   <p:notesSz cx="6858000" cy="9144000"/>
@@ -110,6 +126,1730 @@
 </p:presentation>
 </file>
 
+<file path=ppt/notesMasters/notesMaster1.xml><?xml version="1.0" encoding="utf-8"?>
+<p:notesMaster xmlns:a="http://schemas.openxmlformats.org/drawingml/2006/main" xmlns:r="http://schemas.openxmlformats.org/officeDocument/2006/relationships" xmlns:p="http://schemas.openxmlformats.org/presentationml/2006/main">
+  <p:cSld>
+    <p:bg>
+      <p:bgRef idx="1001">
+        <a:schemeClr val="bg1"/>
+      </p:bgRef>
+    </p:bg>
+    <p:spTree>
+      <p:nvGrpSpPr>
+        <p:cNvPr id="1" name=""/>
+        <p:cNvGrpSpPr/>
+        <p:nvPr/>
+      </p:nvGrpSpPr>
+      <p:grpSpPr>
+        <a:xfrm>
+          <a:off x="0" y="0"/>
+          <a:ext cx="0" cy="0"/>
+          <a:chOff x="0" y="0"/>
+          <a:chExt cx="0" cy="0"/>
+        </a:xfrm>
+      </p:grpSpPr>
+      <p:sp>
+        <p:nvSpPr>
+          <p:cNvPr id="2" name="頁首版面配置區 1"/>
+          <p:cNvSpPr>
+            <a:spLocks noGrp="1"/>
+          </p:cNvSpPr>
+          <p:nvPr>
+            <p:ph type="hdr" sz="quarter"/>
+          </p:nvPr>
+        </p:nvSpPr>
+        <p:spPr>
+          <a:xfrm>
+            <a:off x="0" y="0"/>
+            <a:ext cx="2971800" cy="457200"/>
+          </a:xfrm>
+          <a:prstGeom prst="rect">
+            <a:avLst/>
+          </a:prstGeom>
+        </p:spPr>
+        <p:txBody>
+          <a:bodyPr vert="horz" lIns="91440" tIns="45720" rIns="91440" bIns="45720" rtlCol="0"/>
+          <a:lstStyle>
+            <a:lvl1pPr algn="l">
+              <a:defRPr sz="1200"/>
+            </a:lvl1pPr>
+          </a:lstStyle>
+          <a:p>
+            <a:endParaRPr lang="en-CA"/>
+          </a:p>
+        </p:txBody>
+      </p:sp>
+      <p:sp>
+        <p:nvSpPr>
+          <p:cNvPr id="3" name="日期版面配置區 2"/>
+          <p:cNvSpPr>
+            <a:spLocks noGrp="1"/>
+          </p:cNvSpPr>
+          <p:nvPr>
+            <p:ph type="dt" idx="1"/>
+          </p:nvPr>
+        </p:nvSpPr>
+        <p:spPr>
+          <a:xfrm>
+            <a:off x="3884613" y="0"/>
+            <a:ext cx="2971800" cy="457200"/>
+          </a:xfrm>
+          <a:prstGeom prst="rect">
+            <a:avLst/>
+          </a:prstGeom>
+        </p:spPr>
+        <p:txBody>
+          <a:bodyPr vert="horz" lIns="91440" tIns="45720" rIns="91440" bIns="45720" rtlCol="0"/>
+          <a:lstStyle>
+            <a:lvl1pPr algn="r">
+              <a:defRPr sz="1200"/>
+            </a:lvl1pPr>
+          </a:lstStyle>
+          <a:p>
+            <a:fld id="{41C79C29-2E6F-4CFC-9D0D-ACF4D3C334D4}" type="datetimeFigureOut">
+              <a:rPr lang="en-US" smtClean="0"/>
+              <a:t>6/28/2011</a:t>
+            </a:fld>
+            <a:endParaRPr lang="en-CA"/>
+          </a:p>
+        </p:txBody>
+      </p:sp>
+      <p:sp>
+        <p:nvSpPr>
+          <p:cNvPr id="4" name="投影片圖像版面配置區 3"/>
+          <p:cNvSpPr>
+            <a:spLocks noGrp="1" noRot="1" noChangeAspect="1"/>
+          </p:cNvSpPr>
+          <p:nvPr>
+            <p:ph type="sldImg" idx="2"/>
+          </p:nvPr>
+        </p:nvSpPr>
+        <p:spPr>
+          <a:xfrm>
+            <a:off x="1143000" y="685800"/>
+            <a:ext cx="4572000" cy="3429000"/>
+          </a:xfrm>
+          <a:prstGeom prst="rect">
+            <a:avLst/>
+          </a:prstGeom>
+          <a:noFill/>
+          <a:ln w="12700">
+            <a:solidFill>
+              <a:prstClr val="black"/>
+            </a:solidFill>
+          </a:ln>
+        </p:spPr>
+        <p:txBody>
+          <a:bodyPr vert="horz" lIns="91440" tIns="45720" rIns="91440" bIns="45720" rtlCol="0" anchor="ctr"/>
+          <a:lstStyle/>
+          <a:p>
+            <a:endParaRPr lang="en-CA"/>
+          </a:p>
+        </p:txBody>
+      </p:sp>
+      <p:sp>
+        <p:nvSpPr>
+          <p:cNvPr id="5" name="備忘稿版面配置區 4"/>
+          <p:cNvSpPr>
+            <a:spLocks noGrp="1"/>
+          </p:cNvSpPr>
+          <p:nvPr>
+            <p:ph type="body" sz="quarter" idx="3"/>
+          </p:nvPr>
+        </p:nvSpPr>
+        <p:spPr>
+          <a:xfrm>
+            <a:off x="685800" y="4343400"/>
+            <a:ext cx="5486400" cy="4114800"/>
+          </a:xfrm>
+          <a:prstGeom prst="rect">
+            <a:avLst/>
+          </a:prstGeom>
+        </p:spPr>
+        <p:txBody>
+          <a:bodyPr vert="horz" lIns="91440" tIns="45720" rIns="91440" bIns="45720" rtlCol="0">
+            <a:normAutofit/>
+          </a:bodyPr>
+          <a:lstStyle/>
+          <a:p>
+            <a:pPr lvl="0"/>
+            <a:r>
+              <a:rPr lang="zh-TW" altLang="en-US" smtClean="0"/>
+              <a:t>按一下以編輯母片文字樣式</a:t>
+            </a:r>
+          </a:p>
+          <a:p>
+            <a:pPr lvl="1"/>
+            <a:r>
+              <a:rPr lang="zh-TW" altLang="en-US" smtClean="0"/>
+              <a:t>第二層</a:t>
+            </a:r>
+          </a:p>
+          <a:p>
+            <a:pPr lvl="2"/>
+            <a:r>
+              <a:rPr lang="zh-TW" altLang="en-US" smtClean="0"/>
+              <a:t>第三層</a:t>
+            </a:r>
+          </a:p>
+          <a:p>
+            <a:pPr lvl="3"/>
+            <a:r>
+              <a:rPr lang="zh-TW" altLang="en-US" smtClean="0"/>
+              <a:t>第四層</a:t>
+            </a:r>
+          </a:p>
+          <a:p>
+            <a:pPr lvl="4"/>
+            <a:r>
+              <a:rPr lang="zh-TW" altLang="en-US" smtClean="0"/>
+              <a:t>第五層</a:t>
+            </a:r>
+            <a:endParaRPr lang="en-CA"/>
+          </a:p>
+        </p:txBody>
+      </p:sp>
+      <p:sp>
+        <p:nvSpPr>
+          <p:cNvPr id="6" name="頁尾版面配置區 5"/>
+          <p:cNvSpPr>
+            <a:spLocks noGrp="1"/>
+          </p:cNvSpPr>
+          <p:nvPr>
+            <p:ph type="ftr" sz="quarter" idx="4"/>
+          </p:nvPr>
+        </p:nvSpPr>
+        <p:spPr>
+          <a:xfrm>
+            <a:off x="0" y="8685213"/>
+            <a:ext cx="2971800" cy="457200"/>
+          </a:xfrm>
+          <a:prstGeom prst="rect">
+            <a:avLst/>
+          </a:prstGeom>
+        </p:spPr>
+        <p:txBody>
+          <a:bodyPr vert="horz" lIns="91440" tIns="45720" rIns="91440" bIns="45720" rtlCol="0" anchor="b"/>
+          <a:lstStyle>
+            <a:lvl1pPr algn="l">
+              <a:defRPr sz="1200"/>
+            </a:lvl1pPr>
+          </a:lstStyle>
+          <a:p>
+            <a:endParaRPr lang="en-CA"/>
+          </a:p>
+        </p:txBody>
+      </p:sp>
+      <p:sp>
+        <p:nvSpPr>
+          <p:cNvPr id="7" name="投影片編號版面配置區 6"/>
+          <p:cNvSpPr>
+            <a:spLocks noGrp="1"/>
+          </p:cNvSpPr>
+          <p:nvPr>
+            <p:ph type="sldNum" sz="quarter" idx="5"/>
+          </p:nvPr>
+        </p:nvSpPr>
+        <p:spPr>
+          <a:xfrm>
+            <a:off x="3884613" y="8685213"/>
+            <a:ext cx="2971800" cy="457200"/>
+          </a:xfrm>
+          <a:prstGeom prst="rect">
+            <a:avLst/>
+          </a:prstGeom>
+        </p:spPr>
+        <p:txBody>
+          <a:bodyPr vert="horz" lIns="91440" tIns="45720" rIns="91440" bIns="45720" rtlCol="0" anchor="b"/>
+          <a:lstStyle>
+            <a:lvl1pPr algn="r">
+              <a:defRPr sz="1200"/>
+            </a:lvl1pPr>
+          </a:lstStyle>
+          <a:p>
+            <a:fld id="{4746D9A5-85CA-4182-8A94-C906263A7ECD}" type="slidenum">
+              <a:rPr lang="en-CA" smtClean="0"/>
+              <a:t>‹#›</a:t>
+            </a:fld>
+            <a:endParaRPr lang="en-CA"/>
+          </a:p>
+        </p:txBody>
+      </p:sp>
+    </p:spTree>
+  </p:cSld>
+  <p:clrMap bg1="lt1" tx1="dk1" bg2="lt2" tx2="dk2" accent1="accent1" accent2="accent2" accent3="accent3" accent4="accent4" accent5="accent5" accent6="accent6" hlink="hlink" folHlink="folHlink"/>
+  <p:notesStyle>
+    <a:lvl1pPr marL="0" algn="l" defTabSz="914400" rtl="0" eaLnBrk="1" latinLnBrk="0" hangingPunct="1">
+      <a:defRPr sz="1200" kern="1200">
+        <a:solidFill>
+          <a:schemeClr val="tx1"/>
+        </a:solidFill>
+        <a:latin typeface="+mn-lt"/>
+        <a:ea typeface="+mn-ea"/>
+        <a:cs typeface="+mn-cs"/>
+      </a:defRPr>
+    </a:lvl1pPr>
+    <a:lvl2pPr marL="457200" algn="l" defTabSz="914400" rtl="0" eaLnBrk="1" latinLnBrk="0" hangingPunct="1">
+      <a:defRPr sz="1200" kern="1200">
+        <a:solidFill>
+          <a:schemeClr val="tx1"/>
+        </a:solidFill>
+        <a:latin typeface="+mn-lt"/>
+        <a:ea typeface="+mn-ea"/>
+        <a:cs typeface="+mn-cs"/>
+      </a:defRPr>
+    </a:lvl2pPr>
+    <a:lvl3pPr marL="914400" algn="l" defTabSz="914400" rtl="0" eaLnBrk="1" latinLnBrk="0" hangingPunct="1">
+      <a:defRPr sz="1200" kern="1200">
+        <a:solidFill>
+          <a:schemeClr val="tx1"/>
+        </a:solidFill>
+        <a:latin typeface="+mn-lt"/>
+        <a:ea typeface="+mn-ea"/>
+        <a:cs typeface="+mn-cs"/>
+      </a:defRPr>
+    </a:lvl3pPr>
+    <a:lvl4pPr marL="1371600" algn="l" defTabSz="914400" rtl="0" eaLnBrk="1" latinLnBrk="0" hangingPunct="1">
+      <a:defRPr sz="1200" kern="1200">
+        <a:solidFill>
+          <a:schemeClr val="tx1"/>
+        </a:solidFill>
+        <a:latin typeface="+mn-lt"/>
+        <a:ea typeface="+mn-ea"/>
+        <a:cs typeface="+mn-cs"/>
+      </a:defRPr>
+    </a:lvl4pPr>
+    <a:lvl5pPr marL="1828800" algn="l" defTabSz="914400" rtl="0" eaLnBrk="1" latinLnBrk="0" hangingPunct="1">
+      <a:defRPr sz="1200" kern="1200">
+        <a:solidFill>
+          <a:schemeClr val="tx1"/>
+        </a:solidFill>
+        <a:latin typeface="+mn-lt"/>
+        <a:ea typeface="+mn-ea"/>
+        <a:cs typeface="+mn-cs"/>
+      </a:defRPr>
+    </a:lvl5pPr>
+    <a:lvl6pPr marL="2286000" algn="l" defTabSz="914400" rtl="0" eaLnBrk="1" latinLnBrk="0" hangingPunct="1">
+      <a:defRPr sz="1200" kern="1200">
+        <a:solidFill>
+          <a:schemeClr val="tx1"/>
+        </a:solidFill>
+        <a:latin typeface="+mn-lt"/>
+        <a:ea typeface="+mn-ea"/>
+        <a:cs typeface="+mn-cs"/>
+      </a:defRPr>
+    </a:lvl6pPr>
+    <a:lvl7pPr marL="2743200" algn="l" defTabSz="914400" rtl="0" eaLnBrk="1" latinLnBrk="0" hangingPunct="1">
+      <a:defRPr sz="1200" kern="1200">
+        <a:solidFill>
+          <a:schemeClr val="tx1"/>
+        </a:solidFill>
+        <a:latin typeface="+mn-lt"/>
+        <a:ea typeface="+mn-ea"/>
+        <a:cs typeface="+mn-cs"/>
+      </a:defRPr>
+    </a:lvl7pPr>
+    <a:lvl8pPr marL="3200400" algn="l" defTabSz="914400" rtl="0" eaLnBrk="1" latinLnBrk="0" hangingPunct="1">
+      <a:defRPr sz="1200" kern="1200">
+        <a:solidFill>
+          <a:schemeClr val="tx1"/>
+        </a:solidFill>
+        <a:latin typeface="+mn-lt"/>
+        <a:ea typeface="+mn-ea"/>
+        <a:cs typeface="+mn-cs"/>
+      </a:defRPr>
+    </a:lvl8pPr>
+    <a:lvl9pPr marL="3657600" algn="l" defTabSz="914400" rtl="0" eaLnBrk="1" latinLnBrk="0" hangingPunct="1">
+      <a:defRPr sz="1200" kern="1200">
+        <a:solidFill>
+          <a:schemeClr val="tx1"/>
+        </a:solidFill>
+        <a:latin typeface="+mn-lt"/>
+        <a:ea typeface="+mn-ea"/>
+        <a:cs typeface="+mn-cs"/>
+      </a:defRPr>
+    </a:lvl9pPr>
+  </p:notesStyle>
+</p:notesMaster>
+</file>
+
+<file path=ppt/notesSlides/notesSlide1.xml><?xml version="1.0" encoding="utf-8"?>
+<p:notes xmlns:a="http://schemas.openxmlformats.org/drawingml/2006/main" xmlns:r="http://schemas.openxmlformats.org/officeDocument/2006/relationships" xmlns:p="http://schemas.openxmlformats.org/presentationml/2006/main">
+  <p:cSld>
+    <p:spTree>
+      <p:nvGrpSpPr>
+        <p:cNvPr id="1" name=""/>
+        <p:cNvGrpSpPr/>
+        <p:nvPr/>
+      </p:nvGrpSpPr>
+      <p:grpSpPr>
+        <a:xfrm>
+          <a:off x="0" y="0"/>
+          <a:ext cx="0" cy="0"/>
+          <a:chOff x="0" y="0"/>
+          <a:chExt cx="0" cy="0"/>
+        </a:xfrm>
+      </p:grpSpPr>
+      <p:sp>
+        <p:nvSpPr>
+          <p:cNvPr id="2" name="投影片圖像版面配置區 1"/>
+          <p:cNvSpPr>
+            <a:spLocks noGrp="1" noRot="1" noChangeAspect="1"/>
+          </p:cNvSpPr>
+          <p:nvPr>
+            <p:ph type="sldImg"/>
+          </p:nvPr>
+        </p:nvSpPr>
+        <p:spPr/>
+      </p:sp>
+      <p:sp>
+        <p:nvSpPr>
+          <p:cNvPr id="3" name="備忘稿版面配置區 2"/>
+          <p:cNvSpPr>
+            <a:spLocks noGrp="1"/>
+          </p:cNvSpPr>
+          <p:nvPr>
+            <p:ph type="body" idx="1"/>
+          </p:nvPr>
+        </p:nvSpPr>
+        <p:spPr/>
+        <p:txBody>
+          <a:bodyPr>
+            <a:normAutofit/>
+          </a:bodyPr>
+          <a:lstStyle/>
+          <a:p>
+            <a:endParaRPr lang="en-CA"/>
+          </a:p>
+        </p:txBody>
+      </p:sp>
+      <p:sp>
+        <p:nvSpPr>
+          <p:cNvPr id="4" name="投影片編號版面配置區 3"/>
+          <p:cNvSpPr>
+            <a:spLocks noGrp="1"/>
+          </p:cNvSpPr>
+          <p:nvPr>
+            <p:ph type="sldNum" sz="quarter" idx="10"/>
+          </p:nvPr>
+        </p:nvSpPr>
+        <p:spPr/>
+        <p:txBody>
+          <a:bodyPr/>
+          <a:lstStyle/>
+          <a:p>
+            <a:fld id="{4746D9A5-85CA-4182-8A94-C906263A7ECD}" type="slidenum">
+              <a:rPr lang="en-CA" smtClean="0"/>
+              <a:t>1</a:t>
+            </a:fld>
+            <a:endParaRPr lang="en-CA"/>
+          </a:p>
+        </p:txBody>
+      </p:sp>
+    </p:spTree>
+  </p:cSld>
+  <p:clrMapOvr>
+    <a:masterClrMapping/>
+  </p:clrMapOvr>
+</p:notes>
+</file>
+
+<file path=ppt/notesSlides/notesSlide10.xml><?xml version="1.0" encoding="utf-8"?>
+<p:notes xmlns:a="http://schemas.openxmlformats.org/drawingml/2006/main" xmlns:r="http://schemas.openxmlformats.org/officeDocument/2006/relationships" xmlns:p="http://schemas.openxmlformats.org/presentationml/2006/main">
+  <p:cSld>
+    <p:spTree>
+      <p:nvGrpSpPr>
+        <p:cNvPr id="1" name=""/>
+        <p:cNvGrpSpPr/>
+        <p:nvPr/>
+      </p:nvGrpSpPr>
+      <p:grpSpPr>
+        <a:xfrm>
+          <a:off x="0" y="0"/>
+          <a:ext cx="0" cy="0"/>
+          <a:chOff x="0" y="0"/>
+          <a:chExt cx="0" cy="0"/>
+        </a:xfrm>
+      </p:grpSpPr>
+      <p:sp>
+        <p:nvSpPr>
+          <p:cNvPr id="2" name="投影片圖像版面配置區 1"/>
+          <p:cNvSpPr>
+            <a:spLocks noGrp="1" noRot="1" noChangeAspect="1"/>
+          </p:cNvSpPr>
+          <p:nvPr>
+            <p:ph type="sldImg"/>
+          </p:nvPr>
+        </p:nvSpPr>
+        <p:spPr/>
+      </p:sp>
+      <p:sp>
+        <p:nvSpPr>
+          <p:cNvPr id="3" name="備忘稿版面配置區 2"/>
+          <p:cNvSpPr>
+            <a:spLocks noGrp="1"/>
+          </p:cNvSpPr>
+          <p:nvPr>
+            <p:ph type="body" idx="1"/>
+          </p:nvPr>
+        </p:nvSpPr>
+        <p:spPr/>
+        <p:txBody>
+          <a:bodyPr>
+            <a:normAutofit/>
+          </a:bodyPr>
+          <a:lstStyle/>
+          <a:p>
+            <a:endParaRPr lang="en-CA"/>
+          </a:p>
+        </p:txBody>
+      </p:sp>
+      <p:sp>
+        <p:nvSpPr>
+          <p:cNvPr id="4" name="投影片編號版面配置區 3"/>
+          <p:cNvSpPr>
+            <a:spLocks noGrp="1"/>
+          </p:cNvSpPr>
+          <p:nvPr>
+            <p:ph type="sldNum" sz="quarter" idx="10"/>
+          </p:nvPr>
+        </p:nvSpPr>
+        <p:spPr/>
+        <p:txBody>
+          <a:bodyPr/>
+          <a:lstStyle/>
+          <a:p>
+            <a:fld id="{4746D9A5-85CA-4182-8A94-C906263A7ECD}" type="slidenum">
+              <a:rPr lang="en-CA" smtClean="0"/>
+              <a:t>10</a:t>
+            </a:fld>
+            <a:endParaRPr lang="en-CA"/>
+          </a:p>
+        </p:txBody>
+      </p:sp>
+    </p:spTree>
+  </p:cSld>
+  <p:clrMapOvr>
+    <a:masterClrMapping/>
+  </p:clrMapOvr>
+</p:notes>
+</file>
+
+<file path=ppt/notesSlides/notesSlide11.xml><?xml version="1.0" encoding="utf-8"?>
+<p:notes xmlns:a="http://schemas.openxmlformats.org/drawingml/2006/main" xmlns:r="http://schemas.openxmlformats.org/officeDocument/2006/relationships" xmlns:p="http://schemas.openxmlformats.org/presentationml/2006/main">
+  <p:cSld>
+    <p:spTree>
+      <p:nvGrpSpPr>
+        <p:cNvPr id="1" name=""/>
+        <p:cNvGrpSpPr/>
+        <p:nvPr/>
+      </p:nvGrpSpPr>
+      <p:grpSpPr>
+        <a:xfrm>
+          <a:off x="0" y="0"/>
+          <a:ext cx="0" cy="0"/>
+          <a:chOff x="0" y="0"/>
+          <a:chExt cx="0" cy="0"/>
+        </a:xfrm>
+      </p:grpSpPr>
+      <p:sp>
+        <p:nvSpPr>
+          <p:cNvPr id="2" name="投影片圖像版面配置區 1"/>
+          <p:cNvSpPr>
+            <a:spLocks noGrp="1" noRot="1" noChangeAspect="1"/>
+          </p:cNvSpPr>
+          <p:nvPr>
+            <p:ph type="sldImg"/>
+          </p:nvPr>
+        </p:nvSpPr>
+        <p:spPr/>
+      </p:sp>
+      <p:sp>
+        <p:nvSpPr>
+          <p:cNvPr id="3" name="備忘稿版面配置區 2"/>
+          <p:cNvSpPr>
+            <a:spLocks noGrp="1"/>
+          </p:cNvSpPr>
+          <p:nvPr>
+            <p:ph type="body" idx="1"/>
+          </p:nvPr>
+        </p:nvSpPr>
+        <p:spPr/>
+        <p:txBody>
+          <a:bodyPr>
+            <a:normAutofit/>
+          </a:bodyPr>
+          <a:lstStyle/>
+          <a:p>
+            <a:endParaRPr lang="en-CA"/>
+          </a:p>
+        </p:txBody>
+      </p:sp>
+      <p:sp>
+        <p:nvSpPr>
+          <p:cNvPr id="4" name="投影片編號版面配置區 3"/>
+          <p:cNvSpPr>
+            <a:spLocks noGrp="1"/>
+          </p:cNvSpPr>
+          <p:nvPr>
+            <p:ph type="sldNum" sz="quarter" idx="10"/>
+          </p:nvPr>
+        </p:nvSpPr>
+        <p:spPr/>
+        <p:txBody>
+          <a:bodyPr/>
+          <a:lstStyle/>
+          <a:p>
+            <a:fld id="{4746D9A5-85CA-4182-8A94-C906263A7ECD}" type="slidenum">
+              <a:rPr lang="en-CA" smtClean="0"/>
+              <a:t>11</a:t>
+            </a:fld>
+            <a:endParaRPr lang="en-CA"/>
+          </a:p>
+        </p:txBody>
+      </p:sp>
+    </p:spTree>
+  </p:cSld>
+  <p:clrMapOvr>
+    <a:masterClrMapping/>
+  </p:clrMapOvr>
+</p:notes>
+</file>
+
+<file path=ppt/notesSlides/notesSlide12.xml><?xml version="1.0" encoding="utf-8"?>
+<p:notes xmlns:a="http://schemas.openxmlformats.org/drawingml/2006/main" xmlns:r="http://schemas.openxmlformats.org/officeDocument/2006/relationships" xmlns:p="http://schemas.openxmlformats.org/presentationml/2006/main">
+  <p:cSld>
+    <p:spTree>
+      <p:nvGrpSpPr>
+        <p:cNvPr id="1" name=""/>
+        <p:cNvGrpSpPr/>
+        <p:nvPr/>
+      </p:nvGrpSpPr>
+      <p:grpSpPr>
+        <a:xfrm>
+          <a:off x="0" y="0"/>
+          <a:ext cx="0" cy="0"/>
+          <a:chOff x="0" y="0"/>
+          <a:chExt cx="0" cy="0"/>
+        </a:xfrm>
+      </p:grpSpPr>
+      <p:sp>
+        <p:nvSpPr>
+          <p:cNvPr id="2" name="投影片圖像版面配置區 1"/>
+          <p:cNvSpPr>
+            <a:spLocks noGrp="1" noRot="1" noChangeAspect="1"/>
+          </p:cNvSpPr>
+          <p:nvPr>
+            <p:ph type="sldImg"/>
+          </p:nvPr>
+        </p:nvSpPr>
+        <p:spPr/>
+      </p:sp>
+      <p:sp>
+        <p:nvSpPr>
+          <p:cNvPr id="3" name="備忘稿版面配置區 2"/>
+          <p:cNvSpPr>
+            <a:spLocks noGrp="1"/>
+          </p:cNvSpPr>
+          <p:nvPr>
+            <p:ph type="body" idx="1"/>
+          </p:nvPr>
+        </p:nvSpPr>
+        <p:spPr/>
+        <p:txBody>
+          <a:bodyPr>
+            <a:normAutofit/>
+          </a:bodyPr>
+          <a:lstStyle/>
+          <a:p>
+            <a:endParaRPr lang="en-CA"/>
+          </a:p>
+        </p:txBody>
+      </p:sp>
+      <p:sp>
+        <p:nvSpPr>
+          <p:cNvPr id="4" name="投影片編號版面配置區 3"/>
+          <p:cNvSpPr>
+            <a:spLocks noGrp="1"/>
+          </p:cNvSpPr>
+          <p:nvPr>
+            <p:ph type="sldNum" sz="quarter" idx="10"/>
+          </p:nvPr>
+        </p:nvSpPr>
+        <p:spPr/>
+        <p:txBody>
+          <a:bodyPr/>
+          <a:lstStyle/>
+          <a:p>
+            <a:fld id="{4746D9A5-85CA-4182-8A94-C906263A7ECD}" type="slidenum">
+              <a:rPr lang="en-CA" smtClean="0"/>
+              <a:t>12</a:t>
+            </a:fld>
+            <a:endParaRPr lang="en-CA"/>
+          </a:p>
+        </p:txBody>
+      </p:sp>
+    </p:spTree>
+  </p:cSld>
+  <p:clrMapOvr>
+    <a:masterClrMapping/>
+  </p:clrMapOvr>
+</p:notes>
+</file>
+
+<file path=ppt/notesSlides/notesSlide13.xml><?xml version="1.0" encoding="utf-8"?>
+<p:notes xmlns:a="http://schemas.openxmlformats.org/drawingml/2006/main" xmlns:r="http://schemas.openxmlformats.org/officeDocument/2006/relationships" xmlns:p="http://schemas.openxmlformats.org/presentationml/2006/main">
+  <p:cSld>
+    <p:spTree>
+      <p:nvGrpSpPr>
+        <p:cNvPr id="1" name=""/>
+        <p:cNvGrpSpPr/>
+        <p:nvPr/>
+      </p:nvGrpSpPr>
+      <p:grpSpPr>
+        <a:xfrm>
+          <a:off x="0" y="0"/>
+          <a:ext cx="0" cy="0"/>
+          <a:chOff x="0" y="0"/>
+          <a:chExt cx="0" cy="0"/>
+        </a:xfrm>
+      </p:grpSpPr>
+      <p:sp>
+        <p:nvSpPr>
+          <p:cNvPr id="2" name="投影片圖像版面配置區 1"/>
+          <p:cNvSpPr>
+            <a:spLocks noGrp="1" noRot="1" noChangeAspect="1"/>
+          </p:cNvSpPr>
+          <p:nvPr>
+            <p:ph type="sldImg"/>
+          </p:nvPr>
+        </p:nvSpPr>
+        <p:spPr/>
+      </p:sp>
+      <p:sp>
+        <p:nvSpPr>
+          <p:cNvPr id="3" name="備忘稿版面配置區 2"/>
+          <p:cNvSpPr>
+            <a:spLocks noGrp="1"/>
+          </p:cNvSpPr>
+          <p:nvPr>
+            <p:ph type="body" idx="1"/>
+          </p:nvPr>
+        </p:nvSpPr>
+        <p:spPr/>
+        <p:txBody>
+          <a:bodyPr>
+            <a:normAutofit/>
+          </a:bodyPr>
+          <a:lstStyle/>
+          <a:p>
+            <a:endParaRPr lang="en-CA"/>
+          </a:p>
+        </p:txBody>
+      </p:sp>
+      <p:sp>
+        <p:nvSpPr>
+          <p:cNvPr id="4" name="投影片編號版面配置區 3"/>
+          <p:cNvSpPr>
+            <a:spLocks noGrp="1"/>
+          </p:cNvSpPr>
+          <p:nvPr>
+            <p:ph type="sldNum" sz="quarter" idx="10"/>
+          </p:nvPr>
+        </p:nvSpPr>
+        <p:spPr/>
+        <p:txBody>
+          <a:bodyPr/>
+          <a:lstStyle/>
+          <a:p>
+            <a:fld id="{4746D9A5-85CA-4182-8A94-C906263A7ECD}" type="slidenum">
+              <a:rPr lang="en-CA" smtClean="0"/>
+              <a:t>13</a:t>
+            </a:fld>
+            <a:endParaRPr lang="en-CA"/>
+          </a:p>
+        </p:txBody>
+      </p:sp>
+    </p:spTree>
+  </p:cSld>
+  <p:clrMapOvr>
+    <a:masterClrMapping/>
+  </p:clrMapOvr>
+</p:notes>
+</file>
+
+<file path=ppt/notesSlides/notesSlide14.xml><?xml version="1.0" encoding="utf-8"?>
+<p:notes xmlns:a="http://schemas.openxmlformats.org/drawingml/2006/main" xmlns:r="http://schemas.openxmlformats.org/officeDocument/2006/relationships" xmlns:p="http://schemas.openxmlformats.org/presentationml/2006/main">
+  <p:cSld>
+    <p:spTree>
+      <p:nvGrpSpPr>
+        <p:cNvPr id="1" name=""/>
+        <p:cNvGrpSpPr/>
+        <p:nvPr/>
+      </p:nvGrpSpPr>
+      <p:grpSpPr>
+        <a:xfrm>
+          <a:off x="0" y="0"/>
+          <a:ext cx="0" cy="0"/>
+          <a:chOff x="0" y="0"/>
+          <a:chExt cx="0" cy="0"/>
+        </a:xfrm>
+      </p:grpSpPr>
+      <p:sp>
+        <p:nvSpPr>
+          <p:cNvPr id="2" name="投影片圖像版面配置區 1"/>
+          <p:cNvSpPr>
+            <a:spLocks noGrp="1" noRot="1" noChangeAspect="1"/>
+          </p:cNvSpPr>
+          <p:nvPr>
+            <p:ph type="sldImg"/>
+          </p:nvPr>
+        </p:nvSpPr>
+        <p:spPr/>
+      </p:sp>
+      <p:sp>
+        <p:nvSpPr>
+          <p:cNvPr id="3" name="備忘稿版面配置區 2"/>
+          <p:cNvSpPr>
+            <a:spLocks noGrp="1"/>
+          </p:cNvSpPr>
+          <p:nvPr>
+            <p:ph type="body" idx="1"/>
+          </p:nvPr>
+        </p:nvSpPr>
+        <p:spPr/>
+        <p:txBody>
+          <a:bodyPr>
+            <a:normAutofit/>
+          </a:bodyPr>
+          <a:lstStyle/>
+          <a:p>
+            <a:endParaRPr lang="en-CA"/>
+          </a:p>
+        </p:txBody>
+      </p:sp>
+      <p:sp>
+        <p:nvSpPr>
+          <p:cNvPr id="4" name="投影片編號版面配置區 3"/>
+          <p:cNvSpPr>
+            <a:spLocks noGrp="1"/>
+          </p:cNvSpPr>
+          <p:nvPr>
+            <p:ph type="sldNum" sz="quarter" idx="10"/>
+          </p:nvPr>
+        </p:nvSpPr>
+        <p:spPr/>
+        <p:txBody>
+          <a:bodyPr/>
+          <a:lstStyle/>
+          <a:p>
+            <a:fld id="{4746D9A5-85CA-4182-8A94-C906263A7ECD}" type="slidenum">
+              <a:rPr lang="en-CA" smtClean="0"/>
+              <a:t>14</a:t>
+            </a:fld>
+            <a:endParaRPr lang="en-CA"/>
+          </a:p>
+        </p:txBody>
+      </p:sp>
+    </p:spTree>
+  </p:cSld>
+  <p:clrMapOvr>
+    <a:masterClrMapping/>
+  </p:clrMapOvr>
+</p:notes>
+</file>
+
+<file path=ppt/notesSlides/notesSlide15.xml><?xml version="1.0" encoding="utf-8"?>
+<p:notes xmlns:a="http://schemas.openxmlformats.org/drawingml/2006/main" xmlns:r="http://schemas.openxmlformats.org/officeDocument/2006/relationships" xmlns:p="http://schemas.openxmlformats.org/presentationml/2006/main">
+  <p:cSld>
+    <p:spTree>
+      <p:nvGrpSpPr>
+        <p:cNvPr id="1" name=""/>
+        <p:cNvGrpSpPr/>
+        <p:nvPr/>
+      </p:nvGrpSpPr>
+      <p:grpSpPr>
+        <a:xfrm>
+          <a:off x="0" y="0"/>
+          <a:ext cx="0" cy="0"/>
+          <a:chOff x="0" y="0"/>
+          <a:chExt cx="0" cy="0"/>
+        </a:xfrm>
+      </p:grpSpPr>
+      <p:sp>
+        <p:nvSpPr>
+          <p:cNvPr id="2" name="投影片圖像版面配置區 1"/>
+          <p:cNvSpPr>
+            <a:spLocks noGrp="1" noRot="1" noChangeAspect="1"/>
+          </p:cNvSpPr>
+          <p:nvPr>
+            <p:ph type="sldImg"/>
+          </p:nvPr>
+        </p:nvSpPr>
+        <p:spPr/>
+      </p:sp>
+      <p:sp>
+        <p:nvSpPr>
+          <p:cNvPr id="3" name="備忘稿版面配置區 2"/>
+          <p:cNvSpPr>
+            <a:spLocks noGrp="1"/>
+          </p:cNvSpPr>
+          <p:nvPr>
+            <p:ph type="body" idx="1"/>
+          </p:nvPr>
+        </p:nvSpPr>
+        <p:spPr/>
+        <p:txBody>
+          <a:bodyPr>
+            <a:normAutofit/>
+          </a:bodyPr>
+          <a:lstStyle/>
+          <a:p>
+            <a:endParaRPr lang="en-CA"/>
+          </a:p>
+        </p:txBody>
+      </p:sp>
+      <p:sp>
+        <p:nvSpPr>
+          <p:cNvPr id="4" name="投影片編號版面配置區 3"/>
+          <p:cNvSpPr>
+            <a:spLocks noGrp="1"/>
+          </p:cNvSpPr>
+          <p:nvPr>
+            <p:ph type="sldNum" sz="quarter" idx="10"/>
+          </p:nvPr>
+        </p:nvSpPr>
+        <p:spPr/>
+        <p:txBody>
+          <a:bodyPr/>
+          <a:lstStyle/>
+          <a:p>
+            <a:fld id="{4746D9A5-85CA-4182-8A94-C906263A7ECD}" type="slidenum">
+              <a:rPr lang="en-CA" smtClean="0"/>
+              <a:t>15</a:t>
+            </a:fld>
+            <a:endParaRPr lang="en-CA"/>
+          </a:p>
+        </p:txBody>
+      </p:sp>
+    </p:spTree>
+  </p:cSld>
+  <p:clrMapOvr>
+    <a:masterClrMapping/>
+  </p:clrMapOvr>
+</p:notes>
+</file>
+
+<file path=ppt/notesSlides/notesSlide16.xml><?xml version="1.0" encoding="utf-8"?>
+<p:notes xmlns:a="http://schemas.openxmlformats.org/drawingml/2006/main" xmlns:r="http://schemas.openxmlformats.org/officeDocument/2006/relationships" xmlns:p="http://schemas.openxmlformats.org/presentationml/2006/main">
+  <p:cSld>
+    <p:spTree>
+      <p:nvGrpSpPr>
+        <p:cNvPr id="1" name=""/>
+        <p:cNvGrpSpPr/>
+        <p:nvPr/>
+      </p:nvGrpSpPr>
+      <p:grpSpPr>
+        <a:xfrm>
+          <a:off x="0" y="0"/>
+          <a:ext cx="0" cy="0"/>
+          <a:chOff x="0" y="0"/>
+          <a:chExt cx="0" cy="0"/>
+        </a:xfrm>
+      </p:grpSpPr>
+      <p:sp>
+        <p:nvSpPr>
+          <p:cNvPr id="2" name="投影片圖像版面配置區 1"/>
+          <p:cNvSpPr>
+            <a:spLocks noGrp="1" noRot="1" noChangeAspect="1"/>
+          </p:cNvSpPr>
+          <p:nvPr>
+            <p:ph type="sldImg"/>
+          </p:nvPr>
+        </p:nvSpPr>
+        <p:spPr/>
+      </p:sp>
+      <p:sp>
+        <p:nvSpPr>
+          <p:cNvPr id="3" name="備忘稿版面配置區 2"/>
+          <p:cNvSpPr>
+            <a:spLocks noGrp="1"/>
+          </p:cNvSpPr>
+          <p:nvPr>
+            <p:ph type="body" idx="1"/>
+          </p:nvPr>
+        </p:nvSpPr>
+        <p:spPr/>
+        <p:txBody>
+          <a:bodyPr>
+            <a:normAutofit/>
+          </a:bodyPr>
+          <a:lstStyle/>
+          <a:p>
+            <a:endParaRPr lang="en-CA"/>
+          </a:p>
+        </p:txBody>
+      </p:sp>
+      <p:sp>
+        <p:nvSpPr>
+          <p:cNvPr id="4" name="投影片編號版面配置區 3"/>
+          <p:cNvSpPr>
+            <a:spLocks noGrp="1"/>
+          </p:cNvSpPr>
+          <p:nvPr>
+            <p:ph type="sldNum" sz="quarter" idx="10"/>
+          </p:nvPr>
+        </p:nvSpPr>
+        <p:spPr/>
+        <p:txBody>
+          <a:bodyPr/>
+          <a:lstStyle/>
+          <a:p>
+            <a:fld id="{4746D9A5-85CA-4182-8A94-C906263A7ECD}" type="slidenum">
+              <a:rPr lang="en-CA" smtClean="0"/>
+              <a:t>16</a:t>
+            </a:fld>
+            <a:endParaRPr lang="en-CA"/>
+          </a:p>
+        </p:txBody>
+      </p:sp>
+    </p:spTree>
+  </p:cSld>
+  <p:clrMapOvr>
+    <a:masterClrMapping/>
+  </p:clrMapOvr>
+</p:notes>
+</file>
+
+<file path=ppt/notesSlides/notesSlide17.xml><?xml version="1.0" encoding="utf-8"?>
+<p:notes xmlns:a="http://schemas.openxmlformats.org/drawingml/2006/main" xmlns:r="http://schemas.openxmlformats.org/officeDocument/2006/relationships" xmlns:p="http://schemas.openxmlformats.org/presentationml/2006/main">
+  <p:cSld>
+    <p:spTree>
+      <p:nvGrpSpPr>
+        <p:cNvPr id="1" name=""/>
+        <p:cNvGrpSpPr/>
+        <p:nvPr/>
+      </p:nvGrpSpPr>
+      <p:grpSpPr>
+        <a:xfrm>
+          <a:off x="0" y="0"/>
+          <a:ext cx="0" cy="0"/>
+          <a:chOff x="0" y="0"/>
+          <a:chExt cx="0" cy="0"/>
+        </a:xfrm>
+      </p:grpSpPr>
+      <p:sp>
+        <p:nvSpPr>
+          <p:cNvPr id="2" name="投影片圖像版面配置區 1"/>
+          <p:cNvSpPr>
+            <a:spLocks noGrp="1" noRot="1" noChangeAspect="1"/>
+          </p:cNvSpPr>
+          <p:nvPr>
+            <p:ph type="sldImg"/>
+          </p:nvPr>
+        </p:nvSpPr>
+        <p:spPr/>
+      </p:sp>
+      <p:sp>
+        <p:nvSpPr>
+          <p:cNvPr id="3" name="備忘稿版面配置區 2"/>
+          <p:cNvSpPr>
+            <a:spLocks noGrp="1"/>
+          </p:cNvSpPr>
+          <p:nvPr>
+            <p:ph type="body" idx="1"/>
+          </p:nvPr>
+        </p:nvSpPr>
+        <p:spPr/>
+        <p:txBody>
+          <a:bodyPr>
+            <a:normAutofit/>
+          </a:bodyPr>
+          <a:lstStyle/>
+          <a:p>
+            <a:endParaRPr lang="en-CA"/>
+          </a:p>
+        </p:txBody>
+      </p:sp>
+      <p:sp>
+        <p:nvSpPr>
+          <p:cNvPr id="4" name="投影片編號版面配置區 3"/>
+          <p:cNvSpPr>
+            <a:spLocks noGrp="1"/>
+          </p:cNvSpPr>
+          <p:nvPr>
+            <p:ph type="sldNum" sz="quarter" idx="10"/>
+          </p:nvPr>
+        </p:nvSpPr>
+        <p:spPr/>
+        <p:txBody>
+          <a:bodyPr/>
+          <a:lstStyle/>
+          <a:p>
+            <a:fld id="{4746D9A5-85CA-4182-8A94-C906263A7ECD}" type="slidenum">
+              <a:rPr lang="en-CA" smtClean="0"/>
+              <a:t>17</a:t>
+            </a:fld>
+            <a:endParaRPr lang="en-CA"/>
+          </a:p>
+        </p:txBody>
+      </p:sp>
+    </p:spTree>
+  </p:cSld>
+  <p:clrMapOvr>
+    <a:masterClrMapping/>
+  </p:clrMapOvr>
+</p:notes>
+</file>
+
+<file path=ppt/notesSlides/notesSlide2.xml><?xml version="1.0" encoding="utf-8"?>
+<p:notes xmlns:a="http://schemas.openxmlformats.org/drawingml/2006/main" xmlns:r="http://schemas.openxmlformats.org/officeDocument/2006/relationships" xmlns:p="http://schemas.openxmlformats.org/presentationml/2006/main">
+  <p:cSld>
+    <p:spTree>
+      <p:nvGrpSpPr>
+        <p:cNvPr id="1" name=""/>
+        <p:cNvGrpSpPr/>
+        <p:nvPr/>
+      </p:nvGrpSpPr>
+      <p:grpSpPr>
+        <a:xfrm>
+          <a:off x="0" y="0"/>
+          <a:ext cx="0" cy="0"/>
+          <a:chOff x="0" y="0"/>
+          <a:chExt cx="0" cy="0"/>
+        </a:xfrm>
+      </p:grpSpPr>
+      <p:sp>
+        <p:nvSpPr>
+          <p:cNvPr id="2" name="投影片圖像版面配置區 1"/>
+          <p:cNvSpPr>
+            <a:spLocks noGrp="1" noRot="1" noChangeAspect="1"/>
+          </p:cNvSpPr>
+          <p:nvPr>
+            <p:ph type="sldImg"/>
+          </p:nvPr>
+        </p:nvSpPr>
+        <p:spPr/>
+      </p:sp>
+      <p:sp>
+        <p:nvSpPr>
+          <p:cNvPr id="3" name="備忘稿版面配置區 2"/>
+          <p:cNvSpPr>
+            <a:spLocks noGrp="1"/>
+          </p:cNvSpPr>
+          <p:nvPr>
+            <p:ph type="body" idx="1"/>
+          </p:nvPr>
+        </p:nvSpPr>
+        <p:spPr/>
+        <p:txBody>
+          <a:bodyPr>
+            <a:normAutofit/>
+          </a:bodyPr>
+          <a:lstStyle/>
+          <a:p>
+            <a:endParaRPr lang="en-CA"/>
+          </a:p>
+        </p:txBody>
+      </p:sp>
+      <p:sp>
+        <p:nvSpPr>
+          <p:cNvPr id="4" name="投影片編號版面配置區 3"/>
+          <p:cNvSpPr>
+            <a:spLocks noGrp="1"/>
+          </p:cNvSpPr>
+          <p:nvPr>
+            <p:ph type="sldNum" sz="quarter" idx="10"/>
+          </p:nvPr>
+        </p:nvSpPr>
+        <p:spPr/>
+        <p:txBody>
+          <a:bodyPr/>
+          <a:lstStyle/>
+          <a:p>
+            <a:fld id="{4746D9A5-85CA-4182-8A94-C906263A7ECD}" type="slidenum">
+              <a:rPr lang="en-CA" smtClean="0"/>
+              <a:t>2</a:t>
+            </a:fld>
+            <a:endParaRPr lang="en-CA"/>
+          </a:p>
+        </p:txBody>
+      </p:sp>
+    </p:spTree>
+  </p:cSld>
+  <p:clrMapOvr>
+    <a:masterClrMapping/>
+  </p:clrMapOvr>
+</p:notes>
+</file>
+
+<file path=ppt/notesSlides/notesSlide3.xml><?xml version="1.0" encoding="utf-8"?>
+<p:notes xmlns:a="http://schemas.openxmlformats.org/drawingml/2006/main" xmlns:r="http://schemas.openxmlformats.org/officeDocument/2006/relationships" xmlns:p="http://schemas.openxmlformats.org/presentationml/2006/main">
+  <p:cSld>
+    <p:spTree>
+      <p:nvGrpSpPr>
+        <p:cNvPr id="1" name=""/>
+        <p:cNvGrpSpPr/>
+        <p:nvPr/>
+      </p:nvGrpSpPr>
+      <p:grpSpPr>
+        <a:xfrm>
+          <a:off x="0" y="0"/>
+          <a:ext cx="0" cy="0"/>
+          <a:chOff x="0" y="0"/>
+          <a:chExt cx="0" cy="0"/>
+        </a:xfrm>
+      </p:grpSpPr>
+      <p:sp>
+        <p:nvSpPr>
+          <p:cNvPr id="2" name="投影片圖像版面配置區 1"/>
+          <p:cNvSpPr>
+            <a:spLocks noGrp="1" noRot="1" noChangeAspect="1"/>
+          </p:cNvSpPr>
+          <p:nvPr>
+            <p:ph type="sldImg"/>
+          </p:nvPr>
+        </p:nvSpPr>
+        <p:spPr/>
+      </p:sp>
+      <p:sp>
+        <p:nvSpPr>
+          <p:cNvPr id="3" name="備忘稿版面配置區 2"/>
+          <p:cNvSpPr>
+            <a:spLocks noGrp="1"/>
+          </p:cNvSpPr>
+          <p:nvPr>
+            <p:ph type="body" idx="1"/>
+          </p:nvPr>
+        </p:nvSpPr>
+        <p:spPr/>
+        <p:txBody>
+          <a:bodyPr>
+            <a:normAutofit/>
+          </a:bodyPr>
+          <a:lstStyle/>
+          <a:p>
+            <a:endParaRPr lang="en-CA"/>
+          </a:p>
+        </p:txBody>
+      </p:sp>
+      <p:sp>
+        <p:nvSpPr>
+          <p:cNvPr id="4" name="投影片編號版面配置區 3"/>
+          <p:cNvSpPr>
+            <a:spLocks noGrp="1"/>
+          </p:cNvSpPr>
+          <p:nvPr>
+            <p:ph type="sldNum" sz="quarter" idx="10"/>
+          </p:nvPr>
+        </p:nvSpPr>
+        <p:spPr/>
+        <p:txBody>
+          <a:bodyPr/>
+          <a:lstStyle/>
+          <a:p>
+            <a:fld id="{4746D9A5-85CA-4182-8A94-C906263A7ECD}" type="slidenum">
+              <a:rPr lang="en-CA" smtClean="0"/>
+              <a:t>3</a:t>
+            </a:fld>
+            <a:endParaRPr lang="en-CA"/>
+          </a:p>
+        </p:txBody>
+      </p:sp>
+    </p:spTree>
+  </p:cSld>
+  <p:clrMapOvr>
+    <a:masterClrMapping/>
+  </p:clrMapOvr>
+</p:notes>
+</file>
+
+<file path=ppt/notesSlides/notesSlide4.xml><?xml version="1.0" encoding="utf-8"?>
+<p:notes xmlns:a="http://schemas.openxmlformats.org/drawingml/2006/main" xmlns:r="http://schemas.openxmlformats.org/officeDocument/2006/relationships" xmlns:p="http://schemas.openxmlformats.org/presentationml/2006/main">
+  <p:cSld>
+    <p:spTree>
+      <p:nvGrpSpPr>
+        <p:cNvPr id="1" name=""/>
+        <p:cNvGrpSpPr/>
+        <p:nvPr/>
+      </p:nvGrpSpPr>
+      <p:grpSpPr>
+        <a:xfrm>
+          <a:off x="0" y="0"/>
+          <a:ext cx="0" cy="0"/>
+          <a:chOff x="0" y="0"/>
+          <a:chExt cx="0" cy="0"/>
+        </a:xfrm>
+      </p:grpSpPr>
+      <p:sp>
+        <p:nvSpPr>
+          <p:cNvPr id="2" name="投影片圖像版面配置區 1"/>
+          <p:cNvSpPr>
+            <a:spLocks noGrp="1" noRot="1" noChangeAspect="1"/>
+          </p:cNvSpPr>
+          <p:nvPr>
+            <p:ph type="sldImg"/>
+          </p:nvPr>
+        </p:nvSpPr>
+        <p:spPr/>
+      </p:sp>
+      <p:sp>
+        <p:nvSpPr>
+          <p:cNvPr id="3" name="備忘稿版面配置區 2"/>
+          <p:cNvSpPr>
+            <a:spLocks noGrp="1"/>
+          </p:cNvSpPr>
+          <p:nvPr>
+            <p:ph type="body" idx="1"/>
+          </p:nvPr>
+        </p:nvSpPr>
+        <p:spPr/>
+        <p:txBody>
+          <a:bodyPr>
+            <a:normAutofit/>
+          </a:bodyPr>
+          <a:lstStyle/>
+          <a:p>
+            <a:endParaRPr lang="en-CA"/>
+          </a:p>
+        </p:txBody>
+      </p:sp>
+      <p:sp>
+        <p:nvSpPr>
+          <p:cNvPr id="4" name="投影片編號版面配置區 3"/>
+          <p:cNvSpPr>
+            <a:spLocks noGrp="1"/>
+          </p:cNvSpPr>
+          <p:nvPr>
+            <p:ph type="sldNum" sz="quarter" idx="10"/>
+          </p:nvPr>
+        </p:nvSpPr>
+        <p:spPr/>
+        <p:txBody>
+          <a:bodyPr/>
+          <a:lstStyle/>
+          <a:p>
+            <a:fld id="{4746D9A5-85CA-4182-8A94-C906263A7ECD}" type="slidenum">
+              <a:rPr lang="en-CA" smtClean="0"/>
+              <a:t>4</a:t>
+            </a:fld>
+            <a:endParaRPr lang="en-CA"/>
+          </a:p>
+        </p:txBody>
+      </p:sp>
+    </p:spTree>
+  </p:cSld>
+  <p:clrMapOvr>
+    <a:masterClrMapping/>
+  </p:clrMapOvr>
+</p:notes>
+</file>
+
+<file path=ppt/notesSlides/notesSlide5.xml><?xml version="1.0" encoding="utf-8"?>
+<p:notes xmlns:a="http://schemas.openxmlformats.org/drawingml/2006/main" xmlns:r="http://schemas.openxmlformats.org/officeDocument/2006/relationships" xmlns:p="http://schemas.openxmlformats.org/presentationml/2006/main">
+  <p:cSld>
+    <p:spTree>
+      <p:nvGrpSpPr>
+        <p:cNvPr id="1" name=""/>
+        <p:cNvGrpSpPr/>
+        <p:nvPr/>
+      </p:nvGrpSpPr>
+      <p:grpSpPr>
+        <a:xfrm>
+          <a:off x="0" y="0"/>
+          <a:ext cx="0" cy="0"/>
+          <a:chOff x="0" y="0"/>
+          <a:chExt cx="0" cy="0"/>
+        </a:xfrm>
+      </p:grpSpPr>
+      <p:sp>
+        <p:nvSpPr>
+          <p:cNvPr id="2" name="投影片圖像版面配置區 1"/>
+          <p:cNvSpPr>
+            <a:spLocks noGrp="1" noRot="1" noChangeAspect="1"/>
+          </p:cNvSpPr>
+          <p:nvPr>
+            <p:ph type="sldImg"/>
+          </p:nvPr>
+        </p:nvSpPr>
+        <p:spPr/>
+      </p:sp>
+      <p:sp>
+        <p:nvSpPr>
+          <p:cNvPr id="3" name="備忘稿版面配置區 2"/>
+          <p:cNvSpPr>
+            <a:spLocks noGrp="1"/>
+          </p:cNvSpPr>
+          <p:nvPr>
+            <p:ph type="body" idx="1"/>
+          </p:nvPr>
+        </p:nvSpPr>
+        <p:spPr/>
+        <p:txBody>
+          <a:bodyPr>
+            <a:normAutofit/>
+          </a:bodyPr>
+          <a:lstStyle/>
+          <a:p>
+            <a:endParaRPr lang="en-CA"/>
+          </a:p>
+        </p:txBody>
+      </p:sp>
+      <p:sp>
+        <p:nvSpPr>
+          <p:cNvPr id="4" name="投影片編號版面配置區 3"/>
+          <p:cNvSpPr>
+            <a:spLocks noGrp="1"/>
+          </p:cNvSpPr>
+          <p:nvPr>
+            <p:ph type="sldNum" sz="quarter" idx="10"/>
+          </p:nvPr>
+        </p:nvSpPr>
+        <p:spPr/>
+        <p:txBody>
+          <a:bodyPr/>
+          <a:lstStyle/>
+          <a:p>
+            <a:fld id="{4746D9A5-85CA-4182-8A94-C906263A7ECD}" type="slidenum">
+              <a:rPr lang="en-CA" smtClean="0"/>
+              <a:t>5</a:t>
+            </a:fld>
+            <a:endParaRPr lang="en-CA"/>
+          </a:p>
+        </p:txBody>
+      </p:sp>
+    </p:spTree>
+  </p:cSld>
+  <p:clrMapOvr>
+    <a:masterClrMapping/>
+  </p:clrMapOvr>
+</p:notes>
+</file>
+
+<file path=ppt/notesSlides/notesSlide6.xml><?xml version="1.0" encoding="utf-8"?>
+<p:notes xmlns:a="http://schemas.openxmlformats.org/drawingml/2006/main" xmlns:r="http://schemas.openxmlformats.org/officeDocument/2006/relationships" xmlns:p="http://schemas.openxmlformats.org/presentationml/2006/main">
+  <p:cSld>
+    <p:spTree>
+      <p:nvGrpSpPr>
+        <p:cNvPr id="1" name=""/>
+        <p:cNvGrpSpPr/>
+        <p:nvPr/>
+      </p:nvGrpSpPr>
+      <p:grpSpPr>
+        <a:xfrm>
+          <a:off x="0" y="0"/>
+          <a:ext cx="0" cy="0"/>
+          <a:chOff x="0" y="0"/>
+          <a:chExt cx="0" cy="0"/>
+        </a:xfrm>
+      </p:grpSpPr>
+      <p:sp>
+        <p:nvSpPr>
+          <p:cNvPr id="2" name="投影片圖像版面配置區 1"/>
+          <p:cNvSpPr>
+            <a:spLocks noGrp="1" noRot="1" noChangeAspect="1"/>
+          </p:cNvSpPr>
+          <p:nvPr>
+            <p:ph type="sldImg"/>
+          </p:nvPr>
+        </p:nvSpPr>
+        <p:spPr/>
+      </p:sp>
+      <p:sp>
+        <p:nvSpPr>
+          <p:cNvPr id="3" name="備忘稿版面配置區 2"/>
+          <p:cNvSpPr>
+            <a:spLocks noGrp="1"/>
+          </p:cNvSpPr>
+          <p:nvPr>
+            <p:ph type="body" idx="1"/>
+          </p:nvPr>
+        </p:nvSpPr>
+        <p:spPr/>
+        <p:txBody>
+          <a:bodyPr>
+            <a:normAutofit/>
+          </a:bodyPr>
+          <a:lstStyle/>
+          <a:p>
+            <a:endParaRPr lang="en-CA"/>
+          </a:p>
+        </p:txBody>
+      </p:sp>
+      <p:sp>
+        <p:nvSpPr>
+          <p:cNvPr id="4" name="投影片編號版面配置區 3"/>
+          <p:cNvSpPr>
+            <a:spLocks noGrp="1"/>
+          </p:cNvSpPr>
+          <p:nvPr>
+            <p:ph type="sldNum" sz="quarter" idx="10"/>
+          </p:nvPr>
+        </p:nvSpPr>
+        <p:spPr/>
+        <p:txBody>
+          <a:bodyPr/>
+          <a:lstStyle/>
+          <a:p>
+            <a:fld id="{4746D9A5-85CA-4182-8A94-C906263A7ECD}" type="slidenum">
+              <a:rPr lang="en-CA" smtClean="0"/>
+              <a:t>6</a:t>
+            </a:fld>
+            <a:endParaRPr lang="en-CA"/>
+          </a:p>
+        </p:txBody>
+      </p:sp>
+    </p:spTree>
+  </p:cSld>
+  <p:clrMapOvr>
+    <a:masterClrMapping/>
+  </p:clrMapOvr>
+</p:notes>
+</file>
+
+<file path=ppt/notesSlides/notesSlide7.xml><?xml version="1.0" encoding="utf-8"?>
+<p:notes xmlns:a="http://schemas.openxmlformats.org/drawingml/2006/main" xmlns:r="http://schemas.openxmlformats.org/officeDocument/2006/relationships" xmlns:p="http://schemas.openxmlformats.org/presentationml/2006/main">
+  <p:cSld>
+    <p:spTree>
+      <p:nvGrpSpPr>
+        <p:cNvPr id="1" name=""/>
+        <p:cNvGrpSpPr/>
+        <p:nvPr/>
+      </p:nvGrpSpPr>
+      <p:grpSpPr>
+        <a:xfrm>
+          <a:off x="0" y="0"/>
+          <a:ext cx="0" cy="0"/>
+          <a:chOff x="0" y="0"/>
+          <a:chExt cx="0" cy="0"/>
+        </a:xfrm>
+      </p:grpSpPr>
+      <p:sp>
+        <p:nvSpPr>
+          <p:cNvPr id="2" name="投影片圖像版面配置區 1"/>
+          <p:cNvSpPr>
+            <a:spLocks noGrp="1" noRot="1" noChangeAspect="1"/>
+          </p:cNvSpPr>
+          <p:nvPr>
+            <p:ph type="sldImg"/>
+          </p:nvPr>
+        </p:nvSpPr>
+        <p:spPr/>
+      </p:sp>
+      <p:sp>
+        <p:nvSpPr>
+          <p:cNvPr id="3" name="備忘稿版面配置區 2"/>
+          <p:cNvSpPr>
+            <a:spLocks noGrp="1"/>
+          </p:cNvSpPr>
+          <p:nvPr>
+            <p:ph type="body" idx="1"/>
+          </p:nvPr>
+        </p:nvSpPr>
+        <p:spPr/>
+        <p:txBody>
+          <a:bodyPr>
+            <a:normAutofit/>
+          </a:bodyPr>
+          <a:lstStyle/>
+          <a:p>
+            <a:endParaRPr lang="en-CA"/>
+          </a:p>
+        </p:txBody>
+      </p:sp>
+      <p:sp>
+        <p:nvSpPr>
+          <p:cNvPr id="4" name="投影片編號版面配置區 3"/>
+          <p:cNvSpPr>
+            <a:spLocks noGrp="1"/>
+          </p:cNvSpPr>
+          <p:nvPr>
+            <p:ph type="sldNum" sz="quarter" idx="10"/>
+          </p:nvPr>
+        </p:nvSpPr>
+        <p:spPr/>
+        <p:txBody>
+          <a:bodyPr/>
+          <a:lstStyle/>
+          <a:p>
+            <a:fld id="{4746D9A5-85CA-4182-8A94-C906263A7ECD}" type="slidenum">
+              <a:rPr lang="en-CA" smtClean="0"/>
+              <a:t>7</a:t>
+            </a:fld>
+            <a:endParaRPr lang="en-CA"/>
+          </a:p>
+        </p:txBody>
+      </p:sp>
+    </p:spTree>
+  </p:cSld>
+  <p:clrMapOvr>
+    <a:masterClrMapping/>
+  </p:clrMapOvr>
+</p:notes>
+</file>
+
+<file path=ppt/notesSlides/notesSlide8.xml><?xml version="1.0" encoding="utf-8"?>
+<p:notes xmlns:a="http://schemas.openxmlformats.org/drawingml/2006/main" xmlns:r="http://schemas.openxmlformats.org/officeDocument/2006/relationships" xmlns:p="http://schemas.openxmlformats.org/presentationml/2006/main">
+  <p:cSld>
+    <p:spTree>
+      <p:nvGrpSpPr>
+        <p:cNvPr id="1" name=""/>
+        <p:cNvGrpSpPr/>
+        <p:nvPr/>
+      </p:nvGrpSpPr>
+      <p:grpSpPr>
+        <a:xfrm>
+          <a:off x="0" y="0"/>
+          <a:ext cx="0" cy="0"/>
+          <a:chOff x="0" y="0"/>
+          <a:chExt cx="0" cy="0"/>
+        </a:xfrm>
+      </p:grpSpPr>
+      <p:sp>
+        <p:nvSpPr>
+          <p:cNvPr id="2" name="投影片圖像版面配置區 1"/>
+          <p:cNvSpPr>
+            <a:spLocks noGrp="1" noRot="1" noChangeAspect="1"/>
+          </p:cNvSpPr>
+          <p:nvPr>
+            <p:ph type="sldImg"/>
+          </p:nvPr>
+        </p:nvSpPr>
+        <p:spPr/>
+      </p:sp>
+      <p:sp>
+        <p:nvSpPr>
+          <p:cNvPr id="3" name="備忘稿版面配置區 2"/>
+          <p:cNvSpPr>
+            <a:spLocks noGrp="1"/>
+          </p:cNvSpPr>
+          <p:nvPr>
+            <p:ph type="body" idx="1"/>
+          </p:nvPr>
+        </p:nvSpPr>
+        <p:spPr/>
+        <p:txBody>
+          <a:bodyPr>
+            <a:normAutofit/>
+          </a:bodyPr>
+          <a:lstStyle/>
+          <a:p>
+            <a:endParaRPr lang="en-CA"/>
+          </a:p>
+        </p:txBody>
+      </p:sp>
+      <p:sp>
+        <p:nvSpPr>
+          <p:cNvPr id="4" name="投影片編號版面配置區 3"/>
+          <p:cNvSpPr>
+            <a:spLocks noGrp="1"/>
+          </p:cNvSpPr>
+          <p:nvPr>
+            <p:ph type="sldNum" sz="quarter" idx="10"/>
+          </p:nvPr>
+        </p:nvSpPr>
+        <p:spPr/>
+        <p:txBody>
+          <a:bodyPr/>
+          <a:lstStyle/>
+          <a:p>
+            <a:fld id="{4746D9A5-85CA-4182-8A94-C906263A7ECD}" type="slidenum">
+              <a:rPr lang="en-CA" smtClean="0"/>
+              <a:t>8</a:t>
+            </a:fld>
+            <a:endParaRPr lang="en-CA"/>
+          </a:p>
+        </p:txBody>
+      </p:sp>
+    </p:spTree>
+  </p:cSld>
+  <p:clrMapOvr>
+    <a:masterClrMapping/>
+  </p:clrMapOvr>
+</p:notes>
+</file>
+
+<file path=ppt/notesSlides/notesSlide9.xml><?xml version="1.0" encoding="utf-8"?>
+<p:notes xmlns:a="http://schemas.openxmlformats.org/drawingml/2006/main" xmlns:r="http://schemas.openxmlformats.org/officeDocument/2006/relationships" xmlns:p="http://schemas.openxmlformats.org/presentationml/2006/main">
+  <p:cSld>
+    <p:spTree>
+      <p:nvGrpSpPr>
+        <p:cNvPr id="1" name=""/>
+        <p:cNvGrpSpPr/>
+        <p:nvPr/>
+      </p:nvGrpSpPr>
+      <p:grpSpPr>
+        <a:xfrm>
+          <a:off x="0" y="0"/>
+          <a:ext cx="0" cy="0"/>
+          <a:chOff x="0" y="0"/>
+          <a:chExt cx="0" cy="0"/>
+        </a:xfrm>
+      </p:grpSpPr>
+      <p:sp>
+        <p:nvSpPr>
+          <p:cNvPr id="2" name="投影片圖像版面配置區 1"/>
+          <p:cNvSpPr>
+            <a:spLocks noGrp="1" noRot="1" noChangeAspect="1"/>
+          </p:cNvSpPr>
+          <p:nvPr>
+            <p:ph type="sldImg"/>
+          </p:nvPr>
+        </p:nvSpPr>
+        <p:spPr/>
+      </p:sp>
+      <p:sp>
+        <p:nvSpPr>
+          <p:cNvPr id="3" name="備忘稿版面配置區 2"/>
+          <p:cNvSpPr>
+            <a:spLocks noGrp="1"/>
+          </p:cNvSpPr>
+          <p:nvPr>
+            <p:ph type="body" idx="1"/>
+          </p:nvPr>
+        </p:nvSpPr>
+        <p:spPr/>
+        <p:txBody>
+          <a:bodyPr>
+            <a:normAutofit/>
+          </a:bodyPr>
+          <a:lstStyle/>
+          <a:p>
+            <a:endParaRPr lang="en-CA"/>
+          </a:p>
+        </p:txBody>
+      </p:sp>
+      <p:sp>
+        <p:nvSpPr>
+          <p:cNvPr id="4" name="投影片編號版面配置區 3"/>
+          <p:cNvSpPr>
+            <a:spLocks noGrp="1"/>
+          </p:cNvSpPr>
+          <p:nvPr>
+            <p:ph type="sldNum" sz="quarter" idx="10"/>
+          </p:nvPr>
+        </p:nvSpPr>
+        <p:spPr/>
+        <p:txBody>
+          <a:bodyPr/>
+          <a:lstStyle/>
+          <a:p>
+            <a:fld id="{4746D9A5-85CA-4182-8A94-C906263A7ECD}" type="slidenum">
+              <a:rPr lang="en-CA" smtClean="0"/>
+              <a:t>9</a:t>
+            </a:fld>
+            <a:endParaRPr lang="en-CA"/>
+          </a:p>
+        </p:txBody>
+      </p:sp>
+    </p:spTree>
+  </p:cSld>
+  <p:clrMapOvr>
+    <a:masterClrMapping/>
+  </p:clrMapOvr>
+</p:notes>
+</file>
+
 <file path=ppt/slideLayouts/slideLayout1.xml><?xml version="1.0" encoding="utf-8"?>
 <p:sldLayout xmlns:a="http://schemas.openxmlformats.org/drawingml/2006/main" xmlns:r="http://schemas.openxmlformats.org/officeDocument/2006/relationships" xmlns:p="http://schemas.openxmlformats.org/presentationml/2006/main" type="title" preserve="1">
   <p:cSld name="標題投影片">
@@ -292,7 +2032,7 @@
             <a:fld id="{5BBEAD13-0566-4C6C-97E7-55F17F24B09F}" type="datetimeFigureOut">
               <a:rPr lang="zh-TW" altLang="en-US" smtClean="0"/>
               <a:pPr/>
-              <a:t>2011/6/21</a:t>
+              <a:t>2011/6/28</a:t>
             </a:fld>
             <a:endParaRPr lang="zh-TW" altLang="en-US"/>
           </a:p>
@@ -459,7 +2199,7 @@
             <a:fld id="{5BBEAD13-0566-4C6C-97E7-55F17F24B09F}" type="datetimeFigureOut">
               <a:rPr lang="zh-TW" altLang="en-US" smtClean="0"/>
               <a:pPr/>
-              <a:t>2011/6/21</a:t>
+              <a:t>2011/6/28</a:t>
             </a:fld>
             <a:endParaRPr lang="zh-TW" altLang="en-US"/>
           </a:p>
@@ -636,7 +2376,7 @@
             <a:fld id="{5BBEAD13-0566-4C6C-97E7-55F17F24B09F}" type="datetimeFigureOut">
               <a:rPr lang="zh-TW" altLang="en-US" smtClean="0"/>
               <a:pPr/>
-              <a:t>2011/6/21</a:t>
+              <a:t>2011/6/28</a:t>
             </a:fld>
             <a:endParaRPr lang="zh-TW" altLang="en-US"/>
           </a:p>
@@ -803,7 +2543,7 @@
             <a:fld id="{5BBEAD13-0566-4C6C-97E7-55F17F24B09F}" type="datetimeFigureOut">
               <a:rPr lang="zh-TW" altLang="en-US" smtClean="0"/>
               <a:pPr/>
-              <a:t>2011/6/21</a:t>
+              <a:t>2011/6/28</a:t>
             </a:fld>
             <a:endParaRPr lang="zh-TW" altLang="en-US"/>
           </a:p>
@@ -1046,7 +2786,7 @@
             <a:fld id="{5BBEAD13-0566-4C6C-97E7-55F17F24B09F}" type="datetimeFigureOut">
               <a:rPr lang="zh-TW" altLang="en-US" smtClean="0"/>
               <a:pPr/>
-              <a:t>2011/6/21</a:t>
+              <a:t>2011/6/28</a:t>
             </a:fld>
             <a:endParaRPr lang="zh-TW" altLang="en-US"/>
           </a:p>
@@ -1331,7 +3071,7 @@
             <a:fld id="{5BBEAD13-0566-4C6C-97E7-55F17F24B09F}" type="datetimeFigureOut">
               <a:rPr lang="zh-TW" altLang="en-US" smtClean="0"/>
               <a:pPr/>
-              <a:t>2011/6/21</a:t>
+              <a:t>2011/6/28</a:t>
             </a:fld>
             <a:endParaRPr lang="zh-TW" altLang="en-US"/>
           </a:p>
@@ -1750,7 +3490,7 @@
             <a:fld id="{5BBEAD13-0566-4C6C-97E7-55F17F24B09F}" type="datetimeFigureOut">
               <a:rPr lang="zh-TW" altLang="en-US" smtClean="0"/>
               <a:pPr/>
-              <a:t>2011/6/21</a:t>
+              <a:t>2011/6/28</a:t>
             </a:fld>
             <a:endParaRPr lang="zh-TW" altLang="en-US"/>
           </a:p>
@@ -1865,7 +3605,7 @@
             <a:fld id="{5BBEAD13-0566-4C6C-97E7-55F17F24B09F}" type="datetimeFigureOut">
               <a:rPr lang="zh-TW" altLang="en-US" smtClean="0"/>
               <a:pPr/>
-              <a:t>2011/6/21</a:t>
+              <a:t>2011/6/28</a:t>
             </a:fld>
             <a:endParaRPr lang="zh-TW" altLang="en-US"/>
           </a:p>
@@ -1957,7 +3697,7 @@
             <a:fld id="{5BBEAD13-0566-4C6C-97E7-55F17F24B09F}" type="datetimeFigureOut">
               <a:rPr lang="zh-TW" altLang="en-US" smtClean="0"/>
               <a:pPr/>
-              <a:t>2011/6/21</a:t>
+              <a:t>2011/6/28</a:t>
             </a:fld>
             <a:endParaRPr lang="zh-TW" altLang="en-US"/>
           </a:p>
@@ -2231,7 +3971,7 @@
             <a:fld id="{5BBEAD13-0566-4C6C-97E7-55F17F24B09F}" type="datetimeFigureOut">
               <a:rPr lang="zh-TW" altLang="en-US" smtClean="0"/>
               <a:pPr/>
-              <a:t>2011/6/21</a:t>
+              <a:t>2011/6/28</a:t>
             </a:fld>
             <a:endParaRPr lang="zh-TW" altLang="en-US"/>
           </a:p>
@@ -2481,7 +4221,7 @@
             <a:fld id="{5BBEAD13-0566-4C6C-97E7-55F17F24B09F}" type="datetimeFigureOut">
               <a:rPr lang="zh-TW" altLang="en-US" smtClean="0"/>
               <a:pPr/>
-              <a:t>2011/6/21</a:t>
+              <a:t>2011/6/28</a:t>
             </a:fld>
             <a:endParaRPr lang="zh-TW" altLang="en-US"/>
           </a:p>
@@ -2691,7 +4431,7 @@
             <a:fld id="{5BBEAD13-0566-4C6C-97E7-55F17F24B09F}" type="datetimeFigureOut">
               <a:rPr lang="zh-TW" altLang="en-US" smtClean="0"/>
               <a:pPr/>
-              <a:t>2011/6/21</a:t>
+              <a:t>2011/6/28</a:t>
             </a:fld>
             <a:endParaRPr lang="zh-TW" altLang="en-US"/>
           </a:p>
@@ -3096,7 +4836,686 @@
           <a:bodyPr/>
           <a:lstStyle/>
           <a:p>
-            <a:endParaRPr lang="zh-TW" altLang="en-US"/>
+            <a:r>
+              <a:rPr lang="en-CA" altLang="zh-TW" dirty="0" smtClean="0"/>
+              <a:t>MSc presentation</a:t>
+            </a:r>
+            <a:endParaRPr lang="zh-TW" altLang="en-US" dirty="0"/>
+          </a:p>
+        </p:txBody>
+      </p:sp>
+    </p:spTree>
+  </p:cSld>
+  <p:clrMapOvr>
+    <a:masterClrMapping/>
+  </p:clrMapOvr>
+</p:sld>
+</file>
+
+<file path=ppt/slides/slide10.xml><?xml version="1.0" encoding="utf-8"?>
+<p:sld xmlns:a="http://schemas.openxmlformats.org/drawingml/2006/main" xmlns:r="http://schemas.openxmlformats.org/officeDocument/2006/relationships" xmlns:p="http://schemas.openxmlformats.org/presentationml/2006/main">
+  <p:cSld>
+    <p:spTree>
+      <p:nvGrpSpPr>
+        <p:cNvPr id="1" name=""/>
+        <p:cNvGrpSpPr/>
+        <p:nvPr/>
+      </p:nvGrpSpPr>
+      <p:grpSpPr>
+        <a:xfrm>
+          <a:off x="0" y="0"/>
+          <a:ext cx="0" cy="0"/>
+          <a:chOff x="0" y="0"/>
+          <a:chExt cx="0" cy="0"/>
+        </a:xfrm>
+      </p:grpSpPr>
+      <p:sp>
+        <p:nvSpPr>
+          <p:cNvPr id="2" name="標題 1"/>
+          <p:cNvSpPr>
+            <a:spLocks noGrp="1"/>
+          </p:cNvSpPr>
+          <p:nvPr>
+            <p:ph type="title"/>
+          </p:nvPr>
+        </p:nvSpPr>
+        <p:spPr/>
+        <p:txBody>
+          <a:bodyPr/>
+          <a:lstStyle/>
+          <a:p>
+            <a:r>
+              <a:rPr lang="en-CA" dirty="0" smtClean="0"/>
+              <a:t>Algorithm</a:t>
+            </a:r>
+            <a:endParaRPr lang="en-CA" dirty="0"/>
+          </a:p>
+        </p:txBody>
+      </p:sp>
+      <p:sp>
+        <p:nvSpPr>
+          <p:cNvPr id="3" name="內容版面配置區 2"/>
+          <p:cNvSpPr>
+            <a:spLocks noGrp="1"/>
+          </p:cNvSpPr>
+          <p:nvPr>
+            <p:ph idx="1"/>
+          </p:nvPr>
+        </p:nvSpPr>
+        <p:spPr/>
+        <p:txBody>
+          <a:bodyPr/>
+          <a:lstStyle/>
+          <a:p>
+            <a:endParaRPr lang="en-CA"/>
+          </a:p>
+        </p:txBody>
+      </p:sp>
+    </p:spTree>
+  </p:cSld>
+  <p:clrMapOvr>
+    <a:masterClrMapping/>
+  </p:clrMapOvr>
+</p:sld>
+</file>
+
+<file path=ppt/slides/slide11.xml><?xml version="1.0" encoding="utf-8"?>
+<p:sld xmlns:a="http://schemas.openxmlformats.org/drawingml/2006/main" xmlns:r="http://schemas.openxmlformats.org/officeDocument/2006/relationships" xmlns:p="http://schemas.openxmlformats.org/presentationml/2006/main">
+  <p:cSld>
+    <p:spTree>
+      <p:nvGrpSpPr>
+        <p:cNvPr id="1" name=""/>
+        <p:cNvGrpSpPr/>
+        <p:nvPr/>
+      </p:nvGrpSpPr>
+      <p:grpSpPr>
+        <a:xfrm>
+          <a:off x="0" y="0"/>
+          <a:ext cx="0" cy="0"/>
+          <a:chOff x="0" y="0"/>
+          <a:chExt cx="0" cy="0"/>
+        </a:xfrm>
+      </p:grpSpPr>
+      <p:sp>
+        <p:nvSpPr>
+          <p:cNvPr id="2" name="標題 1"/>
+          <p:cNvSpPr>
+            <a:spLocks noGrp="1"/>
+          </p:cNvSpPr>
+          <p:nvPr>
+            <p:ph type="title"/>
+          </p:nvPr>
+        </p:nvSpPr>
+        <p:spPr/>
+        <p:txBody>
+          <a:bodyPr/>
+          <a:lstStyle/>
+          <a:p>
+            <a:r>
+              <a:rPr lang="en-CA" dirty="0" smtClean="0"/>
+              <a:t>Theorem</a:t>
+            </a:r>
+            <a:endParaRPr lang="en-CA" dirty="0"/>
+          </a:p>
+        </p:txBody>
+      </p:sp>
+      <p:sp>
+        <p:nvSpPr>
+          <p:cNvPr id="3" name="內容版面配置區 2"/>
+          <p:cNvSpPr>
+            <a:spLocks noGrp="1"/>
+          </p:cNvSpPr>
+          <p:nvPr>
+            <p:ph idx="1"/>
+          </p:nvPr>
+        </p:nvSpPr>
+        <p:spPr/>
+        <p:txBody>
+          <a:bodyPr/>
+          <a:lstStyle/>
+          <a:p>
+            <a:r>
+              <a:rPr lang="en-CA" dirty="0" smtClean="0"/>
+              <a:t>Show that the optimal policy can be learned</a:t>
+            </a:r>
+            <a:endParaRPr lang="en-CA" dirty="0"/>
+          </a:p>
+        </p:txBody>
+      </p:sp>
+    </p:spTree>
+  </p:cSld>
+  <p:clrMapOvr>
+    <a:masterClrMapping/>
+  </p:clrMapOvr>
+</p:sld>
+</file>
+
+<file path=ppt/slides/slide12.xml><?xml version="1.0" encoding="utf-8"?>
+<p:sld xmlns:a="http://schemas.openxmlformats.org/drawingml/2006/main" xmlns:r="http://schemas.openxmlformats.org/officeDocument/2006/relationships" xmlns:p="http://schemas.openxmlformats.org/presentationml/2006/main">
+  <p:cSld>
+    <p:spTree>
+      <p:nvGrpSpPr>
+        <p:cNvPr id="1" name=""/>
+        <p:cNvGrpSpPr/>
+        <p:nvPr/>
+      </p:nvGrpSpPr>
+      <p:grpSpPr>
+        <a:xfrm>
+          <a:off x="0" y="0"/>
+          <a:ext cx="0" cy="0"/>
+          <a:chOff x="0" y="0"/>
+          <a:chExt cx="0" cy="0"/>
+        </a:xfrm>
+      </p:grpSpPr>
+      <p:sp>
+        <p:nvSpPr>
+          <p:cNvPr id="2" name="標題 1"/>
+          <p:cNvSpPr>
+            <a:spLocks noGrp="1"/>
+          </p:cNvSpPr>
+          <p:nvPr>
+            <p:ph type="title"/>
+          </p:nvPr>
+        </p:nvSpPr>
+        <p:spPr/>
+        <p:txBody>
+          <a:bodyPr/>
+          <a:lstStyle/>
+          <a:p>
+            <a:r>
+              <a:rPr lang="en-CA" dirty="0" smtClean="0"/>
+              <a:t>Pseudo-Reward</a:t>
+            </a:r>
+            <a:endParaRPr lang="en-CA" dirty="0"/>
+          </a:p>
+        </p:txBody>
+      </p:sp>
+      <p:sp>
+        <p:nvSpPr>
+          <p:cNvPr id="3" name="內容版面配置區 2"/>
+          <p:cNvSpPr>
+            <a:spLocks noGrp="1"/>
+          </p:cNvSpPr>
+          <p:nvPr>
+            <p:ph idx="1"/>
+          </p:nvPr>
+        </p:nvSpPr>
+        <p:spPr/>
+        <p:txBody>
+          <a:bodyPr/>
+          <a:lstStyle/>
+          <a:p>
+            <a:r>
+              <a:rPr lang="en-CA" dirty="0" smtClean="0"/>
+              <a:t>Hierarchically Optimal policy sounds great</a:t>
+            </a:r>
+          </a:p>
+          <a:p>
+            <a:pPr lvl="1"/>
+            <a:r>
+              <a:rPr lang="en-CA" dirty="0" smtClean="0"/>
+              <a:t>But.... useless</a:t>
+            </a:r>
+          </a:p>
+          <a:p>
+            <a:pPr lvl="1"/>
+            <a:r>
+              <a:rPr lang="en-CA" dirty="0" smtClean="0"/>
+              <a:t>Show with an experiment or motivating example</a:t>
+            </a:r>
+          </a:p>
+          <a:p>
+            <a:pPr lvl="1"/>
+            <a:r>
+              <a:rPr lang="en-CA" dirty="0" smtClean="0"/>
+              <a:t>Boss asks you to make </a:t>
+            </a:r>
+            <a:r>
+              <a:rPr lang="en-CA" dirty="0" err="1" smtClean="0"/>
+              <a:t>iRobot</a:t>
+            </a:r>
+            <a:r>
+              <a:rPr lang="en-CA" dirty="0" smtClean="0"/>
+              <a:t>, but you make a terminator</a:t>
+            </a:r>
+          </a:p>
+          <a:p>
+            <a:pPr lvl="1"/>
+            <a:r>
+              <a:rPr lang="en-CA" dirty="0" smtClean="0"/>
+              <a:t>Experiment -&gt; hierarchically optimal is worse than Q-learning</a:t>
+            </a:r>
+          </a:p>
+        </p:txBody>
+      </p:sp>
+    </p:spTree>
+  </p:cSld>
+  <p:clrMapOvr>
+    <a:masterClrMapping/>
+  </p:clrMapOvr>
+</p:sld>
+</file>
+
+<file path=ppt/slides/slide13.xml><?xml version="1.0" encoding="utf-8"?>
+<p:sld xmlns:a="http://schemas.openxmlformats.org/drawingml/2006/main" xmlns:r="http://schemas.openxmlformats.org/officeDocument/2006/relationships" xmlns:p="http://schemas.openxmlformats.org/presentationml/2006/main">
+  <p:cSld>
+    <p:spTree>
+      <p:nvGrpSpPr>
+        <p:cNvPr id="1" name=""/>
+        <p:cNvGrpSpPr/>
+        <p:nvPr/>
+      </p:nvGrpSpPr>
+      <p:grpSpPr>
+        <a:xfrm>
+          <a:off x="0" y="0"/>
+          <a:ext cx="0" cy="0"/>
+          <a:chOff x="0" y="0"/>
+          <a:chExt cx="0" cy="0"/>
+        </a:xfrm>
+      </p:grpSpPr>
+      <p:sp>
+        <p:nvSpPr>
+          <p:cNvPr id="2" name="標題 1"/>
+          <p:cNvSpPr>
+            <a:spLocks noGrp="1"/>
+          </p:cNvSpPr>
+          <p:nvPr>
+            <p:ph type="title"/>
+          </p:nvPr>
+        </p:nvSpPr>
+        <p:spPr/>
+        <p:txBody>
+          <a:bodyPr/>
+          <a:lstStyle/>
+          <a:p>
+            <a:endParaRPr lang="en-CA"/>
+          </a:p>
+        </p:txBody>
+      </p:sp>
+      <p:sp>
+        <p:nvSpPr>
+          <p:cNvPr id="3" name="內容版面配置區 2"/>
+          <p:cNvSpPr>
+            <a:spLocks noGrp="1"/>
+          </p:cNvSpPr>
+          <p:nvPr>
+            <p:ph idx="1"/>
+          </p:nvPr>
+        </p:nvSpPr>
+        <p:spPr/>
+        <p:txBody>
+          <a:bodyPr/>
+          <a:lstStyle/>
+          <a:p>
+            <a:r>
+              <a:rPr lang="en-CA" dirty="0" smtClean="0"/>
+              <a:t>Sol: a pseudo-reward, and decrease over time</a:t>
+            </a:r>
+            <a:endParaRPr lang="en-CA" dirty="0"/>
+          </a:p>
+        </p:txBody>
+      </p:sp>
+    </p:spTree>
+  </p:cSld>
+  <p:clrMapOvr>
+    <a:masterClrMapping/>
+  </p:clrMapOvr>
+</p:sld>
+</file>
+
+<file path=ppt/slides/slide14.xml><?xml version="1.0" encoding="utf-8"?>
+<p:sld xmlns:a="http://schemas.openxmlformats.org/drawingml/2006/main" xmlns:r="http://schemas.openxmlformats.org/officeDocument/2006/relationships" xmlns:p="http://schemas.openxmlformats.org/presentationml/2006/main">
+  <p:cSld>
+    <p:spTree>
+      <p:nvGrpSpPr>
+        <p:cNvPr id="1" name=""/>
+        <p:cNvGrpSpPr/>
+        <p:nvPr/>
+      </p:nvGrpSpPr>
+      <p:grpSpPr>
+        <a:xfrm>
+          <a:off x="0" y="0"/>
+          <a:ext cx="0" cy="0"/>
+          <a:chOff x="0" y="0"/>
+          <a:chExt cx="0" cy="0"/>
+        </a:xfrm>
+      </p:grpSpPr>
+      <p:sp>
+        <p:nvSpPr>
+          <p:cNvPr id="2" name="標題 1"/>
+          <p:cNvSpPr>
+            <a:spLocks noGrp="1"/>
+          </p:cNvSpPr>
+          <p:nvPr>
+            <p:ph type="title"/>
+          </p:nvPr>
+        </p:nvSpPr>
+        <p:spPr/>
+        <p:txBody>
+          <a:bodyPr/>
+          <a:lstStyle/>
+          <a:p>
+            <a:r>
+              <a:rPr lang="en-CA" dirty="0" smtClean="0"/>
+              <a:t>Static </a:t>
+            </a:r>
+            <a:r>
+              <a:rPr lang="en-CA" smtClean="0"/>
+              <a:t>Assumption Planning</a:t>
+            </a:r>
+            <a:endParaRPr lang="en-CA"/>
+          </a:p>
+        </p:txBody>
+      </p:sp>
+      <p:sp>
+        <p:nvSpPr>
+          <p:cNvPr id="3" name="內容版面配置區 2"/>
+          <p:cNvSpPr>
+            <a:spLocks noGrp="1"/>
+          </p:cNvSpPr>
+          <p:nvPr>
+            <p:ph idx="1"/>
+          </p:nvPr>
+        </p:nvSpPr>
+        <p:spPr/>
+        <p:txBody>
+          <a:bodyPr/>
+          <a:lstStyle/>
+          <a:p>
+            <a:endParaRPr lang="en-CA"/>
+          </a:p>
+        </p:txBody>
+      </p:sp>
+    </p:spTree>
+  </p:cSld>
+  <p:clrMapOvr>
+    <a:masterClrMapping/>
+  </p:clrMapOvr>
+</p:sld>
+</file>
+
+<file path=ppt/slides/slide15.xml><?xml version="1.0" encoding="utf-8"?>
+<p:sld xmlns:a="http://schemas.openxmlformats.org/drawingml/2006/main" xmlns:r="http://schemas.openxmlformats.org/officeDocument/2006/relationships" xmlns:p="http://schemas.openxmlformats.org/presentationml/2006/main">
+  <p:cSld>
+    <p:spTree>
+      <p:nvGrpSpPr>
+        <p:cNvPr id="1" name=""/>
+        <p:cNvGrpSpPr/>
+        <p:nvPr/>
+      </p:nvGrpSpPr>
+      <p:grpSpPr>
+        <a:xfrm>
+          <a:off x="0" y="0"/>
+          <a:ext cx="0" cy="0"/>
+          <a:chOff x="0" y="0"/>
+          <a:chExt cx="0" cy="0"/>
+        </a:xfrm>
+      </p:grpSpPr>
+      <p:sp>
+        <p:nvSpPr>
+          <p:cNvPr id="2" name="標題 1"/>
+          <p:cNvSpPr>
+            <a:spLocks noGrp="1"/>
+          </p:cNvSpPr>
+          <p:nvPr>
+            <p:ph type="title"/>
+          </p:nvPr>
+        </p:nvSpPr>
+        <p:spPr/>
+        <p:txBody>
+          <a:bodyPr/>
+          <a:lstStyle/>
+          <a:p>
+            <a:endParaRPr lang="en-CA"/>
+          </a:p>
+        </p:txBody>
+      </p:sp>
+      <p:sp>
+        <p:nvSpPr>
+          <p:cNvPr id="3" name="內容版面配置區 2"/>
+          <p:cNvSpPr>
+            <a:spLocks noGrp="1"/>
+          </p:cNvSpPr>
+          <p:nvPr>
+            <p:ph idx="1"/>
+          </p:nvPr>
+        </p:nvSpPr>
+        <p:spPr/>
+        <p:txBody>
+          <a:bodyPr/>
+          <a:lstStyle/>
+          <a:p>
+            <a:r>
+              <a:rPr lang="en-CA" dirty="0" smtClean="0"/>
+              <a:t>Mario:</a:t>
+            </a:r>
+          </a:p>
+          <a:p>
+            <a:pPr lvl="1"/>
+            <a:r>
+              <a:rPr lang="en-CA" dirty="0" smtClean="0"/>
+              <a:t>Why model-based is </a:t>
+            </a:r>
+            <a:r>
+              <a:rPr lang="en-CA" dirty="0" err="1" smtClean="0"/>
+              <a:t>neccessary</a:t>
+            </a:r>
+            <a:r>
+              <a:rPr lang="en-CA" dirty="0" smtClean="0"/>
+              <a:t>-&gt;the pit</a:t>
+            </a:r>
+          </a:p>
+          <a:p>
+            <a:pPr lvl="1"/>
+            <a:r>
+              <a:rPr lang="en-CA" dirty="0" smtClean="0"/>
+              <a:t>Why model-free is </a:t>
+            </a:r>
+            <a:r>
+              <a:rPr lang="en-CA" dirty="0" err="1" smtClean="0"/>
+              <a:t>neccessary</a:t>
+            </a:r>
+            <a:r>
+              <a:rPr lang="en-CA" dirty="0" smtClean="0"/>
+              <a:t> -&gt;</a:t>
+            </a:r>
+          </a:p>
+          <a:p>
+            <a:pPr lvl="2"/>
+            <a:r>
+              <a:rPr lang="en-CA" dirty="0" smtClean="0"/>
+              <a:t>Not everything can be modeled –</a:t>
+            </a:r>
+          </a:p>
+          <a:p>
+            <a:pPr lvl="3"/>
+            <a:r>
+              <a:rPr lang="en-CA" dirty="0" smtClean="0"/>
+              <a:t>Moving monster</a:t>
+            </a:r>
+          </a:p>
+          <a:p>
+            <a:pPr lvl="3"/>
+            <a:r>
+              <a:rPr lang="en-CA" dirty="0" smtClean="0"/>
+              <a:t>Turtle-&gt;shell</a:t>
+            </a:r>
+          </a:p>
+          <a:p>
+            <a:pPr lvl="3"/>
+            <a:r>
+              <a:rPr lang="en-CA" dirty="0" smtClean="0"/>
+              <a:t>Kick shell to the wall</a:t>
+            </a:r>
+          </a:p>
+          <a:p>
+            <a:pPr lvl="3"/>
+            <a:r>
+              <a:rPr lang="en-CA" dirty="0" err="1" smtClean="0"/>
+              <a:t>Piraha</a:t>
+            </a:r>
+            <a:r>
+              <a:rPr lang="en-CA" dirty="0" smtClean="0"/>
+              <a:t> flower</a:t>
+            </a:r>
+            <a:endParaRPr lang="en-CA" dirty="0"/>
+          </a:p>
+        </p:txBody>
+      </p:sp>
+    </p:spTree>
+  </p:cSld>
+  <p:clrMapOvr>
+    <a:masterClrMapping/>
+  </p:clrMapOvr>
+</p:sld>
+</file>
+
+<file path=ppt/slides/slide16.xml><?xml version="1.0" encoding="utf-8"?>
+<p:sld xmlns:a="http://schemas.openxmlformats.org/drawingml/2006/main" xmlns:r="http://schemas.openxmlformats.org/officeDocument/2006/relationships" xmlns:p="http://schemas.openxmlformats.org/presentationml/2006/main">
+  <p:cSld>
+    <p:spTree>
+      <p:nvGrpSpPr>
+        <p:cNvPr id="1" name=""/>
+        <p:cNvGrpSpPr/>
+        <p:nvPr/>
+      </p:nvGrpSpPr>
+      <p:grpSpPr>
+        <a:xfrm>
+          <a:off x="0" y="0"/>
+          <a:ext cx="0" cy="0"/>
+          <a:chOff x="0" y="0"/>
+          <a:chExt cx="0" cy="0"/>
+        </a:xfrm>
+      </p:grpSpPr>
+      <p:sp>
+        <p:nvSpPr>
+          <p:cNvPr id="2" name="標題 1"/>
+          <p:cNvSpPr>
+            <a:spLocks noGrp="1"/>
+          </p:cNvSpPr>
+          <p:nvPr>
+            <p:ph type="title"/>
+          </p:nvPr>
+        </p:nvSpPr>
+        <p:spPr/>
+        <p:txBody>
+          <a:bodyPr/>
+          <a:lstStyle/>
+          <a:p>
+            <a:r>
+              <a:rPr lang="en-US" altLang="zh-TW" dirty="0" smtClean="0"/>
+              <a:t>Optimality is not that important</a:t>
+            </a:r>
+            <a:endParaRPr lang="zh-TW" altLang="en-US" dirty="0"/>
+          </a:p>
+        </p:txBody>
+      </p:sp>
+      <p:sp>
+        <p:nvSpPr>
+          <p:cNvPr id="3" name="內容版面配置區 2"/>
+          <p:cNvSpPr>
+            <a:spLocks noGrp="1"/>
+          </p:cNvSpPr>
+          <p:nvPr>
+            <p:ph idx="1"/>
+          </p:nvPr>
+        </p:nvSpPr>
+        <p:spPr/>
+        <p:txBody>
+          <a:bodyPr/>
+          <a:lstStyle/>
+          <a:p>
+            <a:r>
+              <a:rPr lang="en-US" altLang="zh-TW" dirty="0" smtClean="0"/>
+              <a:t>There are many path to the goal</a:t>
+            </a:r>
+          </a:p>
+          <a:p>
+            <a:pPr lvl="1"/>
+            <a:r>
+              <a:rPr lang="en-US" altLang="zh-TW" dirty="0" smtClean="0"/>
+              <a:t>Little of them are completely wrong</a:t>
+            </a:r>
+            <a:endParaRPr lang="zh-TW" altLang="en-US" dirty="0"/>
+          </a:p>
+        </p:txBody>
+      </p:sp>
+    </p:spTree>
+  </p:cSld>
+  <p:clrMapOvr>
+    <a:masterClrMapping/>
+  </p:clrMapOvr>
+</p:sld>
+</file>
+
+<file path=ppt/slides/slide17.xml><?xml version="1.0" encoding="utf-8"?>
+<p:sld xmlns:a="http://schemas.openxmlformats.org/drawingml/2006/main" xmlns:r="http://schemas.openxmlformats.org/officeDocument/2006/relationships" xmlns:p="http://schemas.openxmlformats.org/presentationml/2006/main">
+  <p:cSld>
+    <p:spTree>
+      <p:nvGrpSpPr>
+        <p:cNvPr id="1" name=""/>
+        <p:cNvGrpSpPr/>
+        <p:nvPr/>
+      </p:nvGrpSpPr>
+      <p:grpSpPr>
+        <a:xfrm>
+          <a:off x="0" y="0"/>
+          <a:ext cx="0" cy="0"/>
+          <a:chOff x="0" y="0"/>
+          <a:chExt cx="0" cy="0"/>
+        </a:xfrm>
+      </p:grpSpPr>
+      <p:sp>
+        <p:nvSpPr>
+          <p:cNvPr id="2" name="標題 1"/>
+          <p:cNvSpPr>
+            <a:spLocks noGrp="1"/>
+          </p:cNvSpPr>
+          <p:nvPr>
+            <p:ph type="title"/>
+          </p:nvPr>
+        </p:nvSpPr>
+        <p:spPr/>
+        <p:txBody>
+          <a:bodyPr/>
+          <a:lstStyle/>
+          <a:p>
+            <a:r>
+              <a:rPr lang="en-US" altLang="zh-TW" dirty="0" smtClean="0"/>
+              <a:t>Life or death</a:t>
+            </a:r>
+            <a:endParaRPr lang="zh-TW" altLang="en-US" dirty="0"/>
+          </a:p>
+        </p:txBody>
+      </p:sp>
+      <p:sp>
+        <p:nvSpPr>
+          <p:cNvPr id="3" name="內容版面配置區 2"/>
+          <p:cNvSpPr>
+            <a:spLocks noGrp="1"/>
+          </p:cNvSpPr>
+          <p:nvPr>
+            <p:ph idx="1"/>
+          </p:nvPr>
+        </p:nvSpPr>
+        <p:spPr/>
+        <p:txBody>
+          <a:bodyPr/>
+          <a:lstStyle/>
+          <a:p>
+            <a:r>
+              <a:rPr lang="en-US" altLang="zh-TW" dirty="0" err="1" smtClean="0"/>
+              <a:t>Suboptimality</a:t>
+            </a:r>
+            <a:r>
+              <a:rPr lang="en-US" altLang="zh-TW" dirty="0" smtClean="0"/>
+              <a:t> lead </a:t>
+            </a:r>
+            <a:r>
+              <a:rPr lang="en-US" altLang="zh-TW" smtClean="0"/>
+              <a:t>to certain death</a:t>
+            </a:r>
+            <a:endParaRPr lang="zh-TW" altLang="en-US" dirty="0"/>
           </a:p>
         </p:txBody>
       </p:sp>
@@ -3141,14 +5560,10 @@
           <a:lstStyle/>
           <a:p>
             <a:r>
-              <a:rPr lang="en-US" altLang="zh-TW" dirty="0" smtClean="0"/>
-              <a:t>Linear </a:t>
-            </a:r>
-            <a:r>
-              <a:rPr lang="en-US" altLang="zh-TW" dirty="0" err="1" smtClean="0"/>
-              <a:t>Dyna</a:t>
-            </a:r>
-            <a:endParaRPr lang="zh-TW" altLang="en-US" dirty="0"/>
+              <a:rPr lang="en-CA" dirty="0" smtClean="0"/>
+              <a:t>Recursive Optimal</a:t>
+            </a:r>
+            <a:endParaRPr lang="en-CA" dirty="0"/>
           </a:p>
         </p:txBody>
       </p:sp>
@@ -3164,95 +5579,10 @@
         </p:nvSpPr>
         <p:spPr/>
         <p:txBody>
-          <a:bodyPr>
-            <a:normAutofit fontScale="92500" lnSpcReduction="20000"/>
-          </a:bodyPr>
-          <a:lstStyle/>
-          <a:p>
-            <a:r>
-              <a:rPr lang="en-US" altLang="zh-TW" dirty="0" smtClean="0"/>
-              <a:t>As before, </a:t>
-            </a:r>
-            <a:r>
-              <a:rPr lang="en-US" altLang="zh-TW" dirty="0" err="1" smtClean="0"/>
-              <a:t>Dyna</a:t>
-            </a:r>
-            <a:r>
-              <a:rPr lang="en-US" altLang="zh-TW" dirty="0" smtClean="0"/>
-              <a:t>-MG </a:t>
-            </a:r>
-            <a:r>
-              <a:rPr lang="en-US" altLang="zh-TW" dirty="0" smtClean="0"/>
-              <a:t>showed a </a:t>
-            </a:r>
-            <a:r>
-              <a:rPr lang="en-US" altLang="zh-TW" dirty="0" smtClean="0"/>
-              <a:t>distinct advantage over the model-free method </a:t>
-            </a:r>
-            <a:r>
-              <a:rPr lang="en-US" altLang="zh-TW" dirty="0" smtClean="0">
-                <a:solidFill>
-                  <a:srgbClr val="FF0000"/>
-                </a:solidFill>
-              </a:rPr>
-              <a:t>in </a:t>
-            </a:r>
-            <a:r>
-              <a:rPr lang="en-US" altLang="zh-TW" dirty="0" smtClean="0">
-                <a:solidFill>
-                  <a:srgbClr val="FF0000"/>
-                </a:solidFill>
-              </a:rPr>
-              <a:t>terms of </a:t>
-            </a:r>
-            <a:r>
-              <a:rPr lang="en-US" altLang="zh-TW" dirty="0" smtClean="0">
-                <a:solidFill>
-                  <a:srgbClr val="FF0000"/>
-                </a:solidFill>
-              </a:rPr>
-              <a:t>learning rate</a:t>
-            </a:r>
-            <a:r>
-              <a:rPr lang="en-US" altLang="zh-TW" dirty="0" smtClean="0"/>
-              <a:t>. There </a:t>
-            </a:r>
-            <a:r>
-              <a:rPr lang="en-US" altLang="zh-TW" dirty="0" smtClean="0"/>
-              <a:t>was no clear advantage for either method in the second half of the experiment. We note that, asymptotically, </a:t>
-            </a:r>
-            <a:r>
-              <a:rPr lang="en-US" altLang="zh-TW" dirty="0" smtClean="0">
-                <a:solidFill>
-                  <a:srgbClr val="FF0000"/>
-                </a:solidFill>
-              </a:rPr>
-              <a:t>model-free methods are never worse than model-based methods</a:t>
-            </a:r>
-            <a:r>
-              <a:rPr lang="en-US" altLang="zh-TW" dirty="0" smtClean="0"/>
-              <a:t>, and are often better because the model does not converge exactly to the true system because of structural modeling assumptions. </a:t>
-            </a:r>
-            <a:r>
-              <a:rPr lang="en-US" altLang="zh-TW" dirty="0" smtClean="0">
-                <a:solidFill>
-                  <a:srgbClr val="FF0000"/>
-                </a:solidFill>
-              </a:rPr>
-              <a:t>The </a:t>
-            </a:r>
-            <a:r>
-              <a:rPr lang="en-US" altLang="zh-TW" dirty="0" smtClean="0">
-                <a:solidFill>
-                  <a:srgbClr val="FF0000"/>
-                </a:solidFill>
-              </a:rPr>
-              <a:t>benefit of models, and of planning generally, is in rapid adaptation </a:t>
-            </a:r>
-            <a:r>
-              <a:rPr lang="en-US" altLang="zh-TW" dirty="0" smtClean="0"/>
-              <a:t>to new problems and situations </a:t>
-            </a:r>
+          <a:bodyPr/>
+          <a:lstStyle/>
+          <a:p>
+            <a:endParaRPr lang="en-CA"/>
           </a:p>
         </p:txBody>
       </p:sp>
@@ -3297,10 +5627,18 @@
           <a:lstStyle/>
           <a:p>
             <a:r>
-              <a:rPr lang="en-US" altLang="zh-TW" dirty="0" smtClean="0"/>
-              <a:t>Optimality is not that important</a:t>
-            </a:r>
-            <a:endParaRPr lang="zh-TW" altLang="en-US" dirty="0"/>
+              <a:rPr lang="en-CA" dirty="0" smtClean="0"/>
+              <a:t>Model-Based </a:t>
+            </a:r>
+            <a:r>
+              <a:rPr lang="en-CA" dirty="0" err="1" smtClean="0"/>
+              <a:t>vs</a:t>
+            </a:r>
+            <a:r>
+              <a:rPr lang="en-CA" dirty="0" smtClean="0"/>
+              <a:t> Model-Free</a:t>
+            </a:r>
+            <a:endParaRPr lang="en-CA" dirty="0"/>
           </a:p>
         </p:txBody>
       </p:sp>
@@ -3319,18 +5657,7 @@
           <a:bodyPr/>
           <a:lstStyle/>
           <a:p>
-            <a:r>
-              <a:rPr lang="en-US" altLang="zh-TW" dirty="0" smtClean="0"/>
-              <a:t>There are many path to the goal</a:t>
-            </a:r>
-          </a:p>
-          <a:p>
-            <a:pPr lvl="1"/>
-            <a:r>
-              <a:rPr lang="en-US" altLang="zh-TW" dirty="0" smtClean="0"/>
-              <a:t>Little of them are completely wrong</a:t>
-            </a:r>
-            <a:endParaRPr lang="zh-TW" altLang="en-US" dirty="0"/>
+            <a:endParaRPr lang="en-CA"/>
           </a:p>
         </p:txBody>
       </p:sp>
@@ -3376,7 +5703,11 @@
           <a:p>
             <a:r>
               <a:rPr lang="en-US" altLang="zh-TW" dirty="0" smtClean="0"/>
-              <a:t>Life or death</a:t>
+              <a:t>Linear </a:t>
+            </a:r>
+            <a:r>
+              <a:rPr lang="en-US" altLang="zh-TW" dirty="0" err="1" smtClean="0"/>
+              <a:t>Dyna</a:t>
             </a:r>
             <a:endParaRPr lang="zh-TW" altLang="en-US" dirty="0"/>
           </a:p>
@@ -3394,22 +5725,939 @@
         </p:nvSpPr>
         <p:spPr/>
         <p:txBody>
-          <a:bodyPr/>
-          <a:lstStyle/>
-          <a:p>
+          <a:bodyPr>
+            <a:normAutofit fontScale="92500" lnSpcReduction="20000"/>
+          </a:bodyPr>
+          <a:lstStyle/>
+          <a:p>
+            <a:r>
+              <a:rPr lang="en-US" altLang="zh-TW" dirty="0" smtClean="0"/>
+              <a:t>As before, </a:t>
+            </a:r>
             <a:r>
               <a:rPr lang="en-US" altLang="zh-TW" dirty="0" err="1" smtClean="0"/>
-              <a:t>Suboptimality</a:t>
+              <a:t>Dyna</a:t>
             </a:r>
             <a:r>
               <a:rPr lang="en-US" altLang="zh-TW" dirty="0" smtClean="0"/>
-              <a:t> lead </a:t>
-            </a:r>
-            <a:r>
-              <a:rPr lang="en-US" altLang="zh-TW" smtClean="0"/>
-              <a:t>to certain death</a:t>
-            </a:r>
-            <a:endParaRPr lang="zh-TW" altLang="en-US" dirty="0"/>
+              <a:t>-MG showed a distinct advantage over the model-free method </a:t>
+            </a:r>
+            <a:r>
+              <a:rPr lang="en-US" altLang="zh-TW" dirty="0" smtClean="0">
+                <a:solidFill>
+                  <a:srgbClr val="FF0000"/>
+                </a:solidFill>
+              </a:rPr>
+              <a:t>in terms of learning rate</a:t>
+            </a:r>
+            <a:r>
+              <a:rPr lang="en-US" altLang="zh-TW" dirty="0" smtClean="0"/>
+              <a:t>. There was no clear advantage for either method in the second half of the experiment. We note that, asymptotically, </a:t>
+            </a:r>
+            <a:r>
+              <a:rPr lang="en-US" altLang="zh-TW" dirty="0" smtClean="0">
+                <a:solidFill>
+                  <a:srgbClr val="FF0000"/>
+                </a:solidFill>
+              </a:rPr>
+              <a:t>model-free methods are never worse than model-based methods</a:t>
+            </a:r>
+            <a:r>
+              <a:rPr lang="en-US" altLang="zh-TW" dirty="0" smtClean="0"/>
+              <a:t>, and are often better because the model does not converge exactly to the true system because of structural modeling assumptions. </a:t>
+            </a:r>
+            <a:r>
+              <a:rPr lang="en-US" altLang="zh-TW" dirty="0" smtClean="0">
+                <a:solidFill>
+                  <a:srgbClr val="FF0000"/>
+                </a:solidFill>
+              </a:rPr>
+              <a:t>The benefit of models, and of planning generally, is in rapid adaptation </a:t>
+            </a:r>
+            <a:r>
+              <a:rPr lang="en-US" altLang="zh-TW" dirty="0" smtClean="0"/>
+              <a:t>to new problems and situations </a:t>
+            </a:r>
+          </a:p>
+        </p:txBody>
+      </p:sp>
+    </p:spTree>
+  </p:cSld>
+  <p:clrMapOvr>
+    <a:masterClrMapping/>
+  </p:clrMapOvr>
+</p:sld>
+</file>
+
+<file path=ppt/slides/slide5.xml><?xml version="1.0" encoding="utf-8"?>
+<p:sld xmlns:a="http://schemas.openxmlformats.org/drawingml/2006/main" xmlns:r="http://schemas.openxmlformats.org/officeDocument/2006/relationships" xmlns:p="http://schemas.openxmlformats.org/presentationml/2006/main">
+  <p:cSld>
+    <p:spTree>
+      <p:nvGrpSpPr>
+        <p:cNvPr id="1" name=""/>
+        <p:cNvGrpSpPr/>
+        <p:nvPr/>
+      </p:nvGrpSpPr>
+      <p:grpSpPr>
+        <a:xfrm>
+          <a:off x="0" y="0"/>
+          <a:ext cx="0" cy="0"/>
+          <a:chOff x="0" y="0"/>
+          <a:chExt cx="0" cy="0"/>
+        </a:xfrm>
+      </p:grpSpPr>
+      <p:sp>
+        <p:nvSpPr>
+          <p:cNvPr id="2" name="標題 1"/>
+          <p:cNvSpPr>
+            <a:spLocks noGrp="1"/>
+          </p:cNvSpPr>
+          <p:nvPr>
+            <p:ph type="title"/>
+          </p:nvPr>
+        </p:nvSpPr>
+        <p:spPr/>
+        <p:txBody>
+          <a:bodyPr/>
+          <a:lstStyle/>
+          <a:p>
+            <a:endParaRPr lang="en-CA" dirty="0"/>
+          </a:p>
+        </p:txBody>
+      </p:sp>
+      <p:sp>
+        <p:nvSpPr>
+          <p:cNvPr id="3" name="內容版面配置區 2"/>
+          <p:cNvSpPr>
+            <a:spLocks noGrp="1"/>
+          </p:cNvSpPr>
+          <p:nvPr>
+            <p:ph idx="1"/>
+          </p:nvPr>
+        </p:nvSpPr>
+        <p:spPr/>
+        <p:txBody>
+          <a:bodyPr/>
+          <a:lstStyle/>
+          <a:p>
+            <a:r>
+              <a:rPr lang="en-CA" dirty="0" smtClean="0"/>
+              <a:t>Can we get the both of it?</a:t>
+            </a:r>
+          </a:p>
+          <a:p>
+            <a:pPr lvl="1"/>
+            <a:r>
+              <a:rPr lang="en-CA" dirty="0" smtClean="0"/>
+              <a:t>Structural Assumption is not satisfied</a:t>
+            </a:r>
+          </a:p>
+          <a:p>
+            <a:pPr lvl="1"/>
+            <a:r>
+              <a:rPr lang="en-CA" dirty="0" smtClean="0"/>
+              <a:t>Converge to optimal policy</a:t>
+            </a:r>
+            <a:endParaRPr lang="en-CA" dirty="0"/>
+          </a:p>
+        </p:txBody>
+      </p:sp>
+    </p:spTree>
+  </p:cSld>
+  <p:clrMapOvr>
+    <a:masterClrMapping/>
+  </p:clrMapOvr>
+</p:sld>
+</file>
+
+<file path=ppt/slides/slide6.xml><?xml version="1.0" encoding="utf-8"?>
+<p:sld xmlns:a="http://schemas.openxmlformats.org/drawingml/2006/main" xmlns:r="http://schemas.openxmlformats.org/officeDocument/2006/relationships" xmlns:p="http://schemas.openxmlformats.org/presentationml/2006/main">
+  <p:cSld>
+    <p:spTree>
+      <p:nvGrpSpPr>
+        <p:cNvPr id="1" name=""/>
+        <p:cNvGrpSpPr/>
+        <p:nvPr/>
+      </p:nvGrpSpPr>
+      <p:grpSpPr>
+        <a:xfrm>
+          <a:off x="0" y="0"/>
+          <a:ext cx="0" cy="0"/>
+          <a:chOff x="0" y="0"/>
+          <a:chExt cx="0" cy="0"/>
+        </a:xfrm>
+      </p:grpSpPr>
+      <p:sp>
+        <p:nvSpPr>
+          <p:cNvPr id="2" name="標題 1"/>
+          <p:cNvSpPr>
+            <a:spLocks noGrp="1"/>
+          </p:cNvSpPr>
+          <p:nvPr>
+            <p:ph type="title"/>
+          </p:nvPr>
+        </p:nvSpPr>
+        <p:spPr/>
+        <p:txBody>
+          <a:bodyPr/>
+          <a:lstStyle/>
+          <a:p>
+            <a:endParaRPr lang="en-CA"/>
+          </a:p>
+        </p:txBody>
+      </p:sp>
+      <p:sp>
+        <p:nvSpPr>
+          <p:cNvPr id="3" name="內容版面配置區 2"/>
+          <p:cNvSpPr>
+            <a:spLocks noGrp="1"/>
+          </p:cNvSpPr>
+          <p:nvPr>
+            <p:ph idx="1"/>
+          </p:nvPr>
+        </p:nvSpPr>
+        <p:spPr/>
+        <p:txBody>
+          <a:bodyPr/>
+          <a:lstStyle/>
+          <a:p>
+            <a:r>
+              <a:rPr lang="en-CA" dirty="0" smtClean="0"/>
+              <a:t>Yes</a:t>
+            </a:r>
+            <a:endParaRPr lang="en-CA" dirty="0"/>
+          </a:p>
+        </p:txBody>
+      </p:sp>
+    </p:spTree>
+  </p:cSld>
+  <p:clrMapOvr>
+    <a:masterClrMapping/>
+  </p:clrMapOvr>
+</p:sld>
+</file>
+
+<file path=ppt/slides/slide7.xml><?xml version="1.0" encoding="utf-8"?>
+<p:sld xmlns:a="http://schemas.openxmlformats.org/drawingml/2006/main" xmlns:r="http://schemas.openxmlformats.org/officeDocument/2006/relationships" xmlns:p="http://schemas.openxmlformats.org/presentationml/2006/main">
+  <p:cSld>
+    <p:spTree>
+      <p:nvGrpSpPr>
+        <p:cNvPr id="1" name=""/>
+        <p:cNvGrpSpPr/>
+        <p:nvPr/>
+      </p:nvGrpSpPr>
+      <p:grpSpPr>
+        <a:xfrm>
+          <a:off x="0" y="0"/>
+          <a:ext cx="0" cy="0"/>
+          <a:chOff x="0" y="0"/>
+          <a:chExt cx="0" cy="0"/>
+        </a:xfrm>
+      </p:grpSpPr>
+      <p:sp>
+        <p:nvSpPr>
+          <p:cNvPr id="2" name="標題 1"/>
+          <p:cNvSpPr>
+            <a:spLocks noGrp="1"/>
+          </p:cNvSpPr>
+          <p:nvPr>
+            <p:ph type="title"/>
+          </p:nvPr>
+        </p:nvSpPr>
+        <p:spPr/>
+        <p:txBody>
+          <a:bodyPr/>
+          <a:lstStyle/>
+          <a:p>
+            <a:r>
+              <a:rPr lang="en-CA" dirty="0" smtClean="0"/>
+              <a:t>A motivating example</a:t>
+            </a:r>
+            <a:endParaRPr lang="en-CA" dirty="0"/>
+          </a:p>
+        </p:txBody>
+      </p:sp>
+      <p:sp>
+        <p:nvSpPr>
+          <p:cNvPr id="3" name="內容版面配置區 2"/>
+          <p:cNvSpPr>
+            <a:spLocks noGrp="1"/>
+          </p:cNvSpPr>
+          <p:nvPr>
+            <p:ph idx="1"/>
+          </p:nvPr>
+        </p:nvSpPr>
+        <p:spPr/>
+        <p:txBody>
+          <a:bodyPr/>
+          <a:lstStyle/>
+          <a:p>
+            <a:endParaRPr lang="en-CA" dirty="0"/>
+          </a:p>
+        </p:txBody>
+      </p:sp>
+    </p:spTree>
+  </p:cSld>
+  <p:clrMapOvr>
+    <a:masterClrMapping/>
+  </p:clrMapOvr>
+</p:sld>
+</file>
+
+<file path=ppt/slides/slide8.xml><?xml version="1.0" encoding="utf-8"?>
+<p:sld xmlns:a="http://schemas.openxmlformats.org/drawingml/2006/main" xmlns:r="http://schemas.openxmlformats.org/officeDocument/2006/relationships" xmlns:p="http://schemas.openxmlformats.org/presentationml/2006/main">
+  <p:cSld>
+    <p:spTree>
+      <p:nvGrpSpPr>
+        <p:cNvPr id="1" name=""/>
+        <p:cNvGrpSpPr/>
+        <p:nvPr/>
+      </p:nvGrpSpPr>
+      <p:grpSpPr>
+        <a:xfrm>
+          <a:off x="0" y="0"/>
+          <a:ext cx="0" cy="0"/>
+          <a:chOff x="0" y="0"/>
+          <a:chExt cx="0" cy="0"/>
+        </a:xfrm>
+      </p:grpSpPr>
+      <p:sp>
+        <p:nvSpPr>
+          <p:cNvPr id="20" name="圓角矩形 19"/>
+          <p:cNvSpPr/>
+          <p:nvPr/>
+        </p:nvSpPr>
+        <p:spPr>
+          <a:xfrm>
+            <a:off x="2143108" y="1285860"/>
+            <a:ext cx="3571900" cy="2143140"/>
+          </a:xfrm>
+          <a:prstGeom prst="roundRect">
+            <a:avLst/>
+          </a:prstGeom>
+        </p:spPr>
+        <p:style>
+          <a:lnRef idx="2">
+            <a:schemeClr val="accent2"/>
+          </a:lnRef>
+          <a:fillRef idx="1">
+            <a:schemeClr val="lt1"/>
+          </a:fillRef>
+          <a:effectRef idx="0">
+            <a:schemeClr val="accent2"/>
+          </a:effectRef>
+          <a:fontRef idx="minor">
+            <a:schemeClr val="dk1"/>
+          </a:fontRef>
+        </p:style>
+        <p:txBody>
+          <a:bodyPr rtlCol="0" anchor="ctr"/>
+          <a:lstStyle/>
+          <a:p>
+            <a:pPr algn="ctr"/>
+            <a:endParaRPr lang="en-CA"/>
+          </a:p>
+        </p:txBody>
+      </p:sp>
+      <p:sp>
+        <p:nvSpPr>
+          <p:cNvPr id="2" name="標題 1"/>
+          <p:cNvSpPr>
+            <a:spLocks noGrp="1"/>
+          </p:cNvSpPr>
+          <p:nvPr>
+            <p:ph type="title"/>
+          </p:nvPr>
+        </p:nvSpPr>
+        <p:spPr/>
+        <p:txBody>
+          <a:bodyPr/>
+          <a:lstStyle/>
+          <a:p>
+            <a:endParaRPr lang="en-CA"/>
+          </a:p>
+        </p:txBody>
+      </p:sp>
+      <p:sp>
+        <p:nvSpPr>
+          <p:cNvPr id="4" name="橢圓 3"/>
+          <p:cNvSpPr/>
+          <p:nvPr/>
+        </p:nvSpPr>
+        <p:spPr>
+          <a:xfrm>
+            <a:off x="3643306" y="1500174"/>
+            <a:ext cx="428628" cy="428628"/>
+          </a:xfrm>
+          <a:prstGeom prst="ellipse">
+            <a:avLst/>
+          </a:prstGeom>
+        </p:spPr>
+        <p:style>
+          <a:lnRef idx="2">
+            <a:schemeClr val="dk1"/>
+          </a:lnRef>
+          <a:fillRef idx="1">
+            <a:schemeClr val="lt1"/>
+          </a:fillRef>
+          <a:effectRef idx="0">
+            <a:schemeClr val="dk1"/>
+          </a:effectRef>
+          <a:fontRef idx="minor">
+            <a:schemeClr val="dk1"/>
+          </a:fontRef>
+        </p:style>
+        <p:txBody>
+          <a:bodyPr rtlCol="0" anchor="ctr"/>
+          <a:lstStyle/>
+          <a:p>
+            <a:pPr algn="ctr"/>
+            <a:endParaRPr lang="en-CA"/>
+          </a:p>
+        </p:txBody>
+      </p:sp>
+      <p:sp>
+        <p:nvSpPr>
+          <p:cNvPr id="6" name="橢圓 5"/>
+          <p:cNvSpPr/>
+          <p:nvPr/>
+        </p:nvSpPr>
+        <p:spPr>
+          <a:xfrm>
+            <a:off x="3000364" y="2214554"/>
+            <a:ext cx="428628" cy="428628"/>
+          </a:xfrm>
+          <a:prstGeom prst="ellipse">
+            <a:avLst/>
+          </a:prstGeom>
+        </p:spPr>
+        <p:style>
+          <a:lnRef idx="2">
+            <a:schemeClr val="dk1"/>
+          </a:lnRef>
+          <a:fillRef idx="1">
+            <a:schemeClr val="lt1"/>
+          </a:fillRef>
+          <a:effectRef idx="0">
+            <a:schemeClr val="dk1"/>
+          </a:effectRef>
+          <a:fontRef idx="minor">
+            <a:schemeClr val="dk1"/>
+          </a:fontRef>
+        </p:style>
+        <p:txBody>
+          <a:bodyPr rtlCol="0" anchor="ctr"/>
+          <a:lstStyle/>
+          <a:p>
+            <a:pPr algn="ctr"/>
+            <a:endParaRPr lang="en-CA"/>
+          </a:p>
+        </p:txBody>
+      </p:sp>
+      <p:sp>
+        <p:nvSpPr>
+          <p:cNvPr id="8" name="橢圓 7"/>
+          <p:cNvSpPr/>
+          <p:nvPr/>
+        </p:nvSpPr>
+        <p:spPr>
+          <a:xfrm>
+            <a:off x="2643174" y="2857496"/>
+            <a:ext cx="428628" cy="428628"/>
+          </a:xfrm>
+          <a:prstGeom prst="ellipse">
+            <a:avLst/>
+          </a:prstGeom>
+        </p:spPr>
+        <p:style>
+          <a:lnRef idx="2">
+            <a:schemeClr val="dk1"/>
+          </a:lnRef>
+          <a:fillRef idx="1">
+            <a:schemeClr val="lt1"/>
+          </a:fillRef>
+          <a:effectRef idx="0">
+            <a:schemeClr val="dk1"/>
+          </a:effectRef>
+          <a:fontRef idx="minor">
+            <a:schemeClr val="dk1"/>
+          </a:fontRef>
+        </p:style>
+        <p:txBody>
+          <a:bodyPr rtlCol="0" anchor="ctr"/>
+          <a:lstStyle/>
+          <a:p>
+            <a:pPr algn="ctr"/>
+            <a:endParaRPr lang="en-CA"/>
+          </a:p>
+        </p:txBody>
+      </p:sp>
+      <p:sp>
+        <p:nvSpPr>
+          <p:cNvPr id="9" name="橢圓 8"/>
+          <p:cNvSpPr/>
+          <p:nvPr/>
+        </p:nvSpPr>
+        <p:spPr>
+          <a:xfrm>
+            <a:off x="3357554" y="2857496"/>
+            <a:ext cx="428628" cy="428628"/>
+          </a:xfrm>
+          <a:prstGeom prst="ellipse">
+            <a:avLst/>
+          </a:prstGeom>
+        </p:spPr>
+        <p:style>
+          <a:lnRef idx="2">
+            <a:schemeClr val="dk1"/>
+          </a:lnRef>
+          <a:fillRef idx="1">
+            <a:schemeClr val="lt1"/>
+          </a:fillRef>
+          <a:effectRef idx="0">
+            <a:schemeClr val="dk1"/>
+          </a:effectRef>
+          <a:fontRef idx="minor">
+            <a:schemeClr val="dk1"/>
+          </a:fontRef>
+        </p:style>
+        <p:txBody>
+          <a:bodyPr rtlCol="0" anchor="ctr"/>
+          <a:lstStyle/>
+          <a:p>
+            <a:pPr algn="ctr"/>
+            <a:endParaRPr lang="en-CA"/>
+          </a:p>
+        </p:txBody>
+      </p:sp>
+      <p:sp>
+        <p:nvSpPr>
+          <p:cNvPr id="12" name="橢圓 11"/>
+          <p:cNvSpPr/>
+          <p:nvPr/>
+        </p:nvSpPr>
+        <p:spPr>
+          <a:xfrm>
+            <a:off x="4429124" y="2214554"/>
+            <a:ext cx="428628" cy="428628"/>
+          </a:xfrm>
+          <a:prstGeom prst="ellipse">
+            <a:avLst/>
+          </a:prstGeom>
+        </p:spPr>
+        <p:style>
+          <a:lnRef idx="2">
+            <a:schemeClr val="dk1"/>
+          </a:lnRef>
+          <a:fillRef idx="1">
+            <a:schemeClr val="lt1"/>
+          </a:fillRef>
+          <a:effectRef idx="0">
+            <a:schemeClr val="dk1"/>
+          </a:effectRef>
+          <a:fontRef idx="minor">
+            <a:schemeClr val="dk1"/>
+          </a:fontRef>
+        </p:style>
+        <p:txBody>
+          <a:bodyPr rtlCol="0" anchor="ctr"/>
+          <a:lstStyle/>
+          <a:p>
+            <a:pPr algn="ctr"/>
+            <a:endParaRPr lang="en-CA"/>
+          </a:p>
+        </p:txBody>
+      </p:sp>
+      <p:sp>
+        <p:nvSpPr>
+          <p:cNvPr id="13" name="橢圓 12"/>
+          <p:cNvSpPr/>
+          <p:nvPr/>
+        </p:nvSpPr>
+        <p:spPr>
+          <a:xfrm>
+            <a:off x="4071934" y="2857496"/>
+            <a:ext cx="428628" cy="428628"/>
+          </a:xfrm>
+          <a:prstGeom prst="ellipse">
+            <a:avLst/>
+          </a:prstGeom>
+        </p:spPr>
+        <p:style>
+          <a:lnRef idx="2">
+            <a:schemeClr val="dk1"/>
+          </a:lnRef>
+          <a:fillRef idx="1">
+            <a:schemeClr val="lt1"/>
+          </a:fillRef>
+          <a:effectRef idx="0">
+            <a:schemeClr val="dk1"/>
+          </a:effectRef>
+          <a:fontRef idx="minor">
+            <a:schemeClr val="dk1"/>
+          </a:fontRef>
+        </p:style>
+        <p:txBody>
+          <a:bodyPr rtlCol="0" anchor="ctr"/>
+          <a:lstStyle/>
+          <a:p>
+            <a:pPr algn="ctr"/>
+            <a:endParaRPr lang="en-CA"/>
+          </a:p>
+        </p:txBody>
+      </p:sp>
+      <p:sp>
+        <p:nvSpPr>
+          <p:cNvPr id="14" name="橢圓 13"/>
+          <p:cNvSpPr/>
+          <p:nvPr/>
+        </p:nvSpPr>
+        <p:spPr>
+          <a:xfrm>
+            <a:off x="4786314" y="2857496"/>
+            <a:ext cx="428628" cy="428628"/>
+          </a:xfrm>
+          <a:prstGeom prst="ellipse">
+            <a:avLst/>
+          </a:prstGeom>
+        </p:spPr>
+        <p:style>
+          <a:lnRef idx="2">
+            <a:schemeClr val="dk1"/>
+          </a:lnRef>
+          <a:fillRef idx="1">
+            <a:schemeClr val="lt1"/>
+          </a:fillRef>
+          <a:effectRef idx="0">
+            <a:schemeClr val="dk1"/>
+          </a:effectRef>
+          <a:fontRef idx="minor">
+            <a:schemeClr val="dk1"/>
+          </a:fontRef>
+        </p:style>
+        <p:txBody>
+          <a:bodyPr rtlCol="0" anchor="ctr"/>
+          <a:lstStyle/>
+          <a:p>
+            <a:pPr algn="ctr"/>
+            <a:endParaRPr lang="en-CA"/>
+          </a:p>
+        </p:txBody>
+      </p:sp>
+      <p:sp>
+        <p:nvSpPr>
+          <p:cNvPr id="15" name="橢圓 14"/>
+          <p:cNvSpPr/>
+          <p:nvPr/>
+        </p:nvSpPr>
+        <p:spPr>
+          <a:xfrm>
+            <a:off x="2285984" y="3571876"/>
+            <a:ext cx="428628" cy="428628"/>
+          </a:xfrm>
+          <a:prstGeom prst="ellipse">
+            <a:avLst/>
+          </a:prstGeom>
+        </p:spPr>
+        <p:style>
+          <a:lnRef idx="2">
+            <a:schemeClr val="dk1"/>
+          </a:lnRef>
+          <a:fillRef idx="1">
+            <a:schemeClr val="lt1"/>
+          </a:fillRef>
+          <a:effectRef idx="0">
+            <a:schemeClr val="dk1"/>
+          </a:effectRef>
+          <a:fontRef idx="minor">
+            <a:schemeClr val="dk1"/>
+          </a:fontRef>
+        </p:style>
+        <p:txBody>
+          <a:bodyPr rtlCol="0" anchor="ctr"/>
+          <a:lstStyle/>
+          <a:p>
+            <a:pPr algn="ctr"/>
+            <a:endParaRPr lang="en-CA"/>
+          </a:p>
+        </p:txBody>
+      </p:sp>
+      <p:sp>
+        <p:nvSpPr>
+          <p:cNvPr id="16" name="橢圓 15"/>
+          <p:cNvSpPr/>
+          <p:nvPr/>
+        </p:nvSpPr>
+        <p:spPr>
+          <a:xfrm>
+            <a:off x="3000364" y="3571876"/>
+            <a:ext cx="428628" cy="428628"/>
+          </a:xfrm>
+          <a:prstGeom prst="ellipse">
+            <a:avLst/>
+          </a:prstGeom>
+        </p:spPr>
+        <p:style>
+          <a:lnRef idx="2">
+            <a:schemeClr val="dk1"/>
+          </a:lnRef>
+          <a:fillRef idx="1">
+            <a:schemeClr val="lt1"/>
+          </a:fillRef>
+          <a:effectRef idx="0">
+            <a:schemeClr val="dk1"/>
+          </a:effectRef>
+          <a:fontRef idx="minor">
+            <a:schemeClr val="dk1"/>
+          </a:fontRef>
+        </p:style>
+        <p:txBody>
+          <a:bodyPr rtlCol="0" anchor="ctr"/>
+          <a:lstStyle/>
+          <a:p>
+            <a:pPr algn="ctr"/>
+            <a:endParaRPr lang="en-CA"/>
+          </a:p>
+        </p:txBody>
+      </p:sp>
+      <p:sp>
+        <p:nvSpPr>
+          <p:cNvPr id="17" name="橢圓 16"/>
+          <p:cNvSpPr/>
+          <p:nvPr/>
+        </p:nvSpPr>
+        <p:spPr>
+          <a:xfrm>
+            <a:off x="3714744" y="3571876"/>
+            <a:ext cx="428628" cy="428628"/>
+          </a:xfrm>
+          <a:prstGeom prst="ellipse">
+            <a:avLst/>
+          </a:prstGeom>
+        </p:spPr>
+        <p:style>
+          <a:lnRef idx="2">
+            <a:schemeClr val="dk1"/>
+          </a:lnRef>
+          <a:fillRef idx="1">
+            <a:schemeClr val="lt1"/>
+          </a:fillRef>
+          <a:effectRef idx="0">
+            <a:schemeClr val="dk1"/>
+          </a:effectRef>
+          <a:fontRef idx="minor">
+            <a:schemeClr val="dk1"/>
+          </a:fontRef>
+        </p:style>
+        <p:txBody>
+          <a:bodyPr rtlCol="0" anchor="ctr"/>
+          <a:lstStyle/>
+          <a:p>
+            <a:pPr algn="ctr"/>
+            <a:endParaRPr lang="en-CA"/>
+          </a:p>
+        </p:txBody>
+      </p:sp>
+      <p:sp>
+        <p:nvSpPr>
+          <p:cNvPr id="18" name="橢圓 17"/>
+          <p:cNvSpPr/>
+          <p:nvPr/>
+        </p:nvSpPr>
+        <p:spPr>
+          <a:xfrm>
+            <a:off x="4429124" y="3571876"/>
+            <a:ext cx="428628" cy="428628"/>
+          </a:xfrm>
+          <a:prstGeom prst="ellipse">
+            <a:avLst/>
+          </a:prstGeom>
+        </p:spPr>
+        <p:style>
+          <a:lnRef idx="2">
+            <a:schemeClr val="dk1"/>
+          </a:lnRef>
+          <a:fillRef idx="1">
+            <a:schemeClr val="lt1"/>
+          </a:fillRef>
+          <a:effectRef idx="0">
+            <a:schemeClr val="dk1"/>
+          </a:effectRef>
+          <a:fontRef idx="minor">
+            <a:schemeClr val="dk1"/>
+          </a:fontRef>
+        </p:style>
+        <p:txBody>
+          <a:bodyPr rtlCol="0" anchor="ctr"/>
+          <a:lstStyle/>
+          <a:p>
+            <a:pPr algn="ctr"/>
+            <a:endParaRPr lang="en-CA"/>
+          </a:p>
+        </p:txBody>
+      </p:sp>
+      <p:sp>
+        <p:nvSpPr>
+          <p:cNvPr id="19" name="橢圓 18"/>
+          <p:cNvSpPr/>
+          <p:nvPr/>
+        </p:nvSpPr>
+        <p:spPr>
+          <a:xfrm>
+            <a:off x="5214942" y="3571876"/>
+            <a:ext cx="428628" cy="428628"/>
+          </a:xfrm>
+          <a:prstGeom prst="ellipse">
+            <a:avLst/>
+          </a:prstGeom>
+        </p:spPr>
+        <p:style>
+          <a:lnRef idx="2">
+            <a:schemeClr val="dk1"/>
+          </a:lnRef>
+          <a:fillRef idx="1">
+            <a:schemeClr val="lt1"/>
+          </a:fillRef>
+          <a:effectRef idx="0">
+            <a:schemeClr val="dk1"/>
+          </a:effectRef>
+          <a:fontRef idx="minor">
+            <a:schemeClr val="dk1"/>
+          </a:fontRef>
+        </p:style>
+        <p:txBody>
+          <a:bodyPr rtlCol="0" anchor="ctr"/>
+          <a:lstStyle/>
+          <a:p>
+            <a:pPr algn="ctr"/>
+            <a:endParaRPr lang="en-CA"/>
+          </a:p>
+        </p:txBody>
+      </p:sp>
+      <p:sp>
+        <p:nvSpPr>
+          <p:cNvPr id="21" name="文字方塊 20"/>
+          <p:cNvSpPr txBox="1"/>
+          <p:nvPr/>
+        </p:nvSpPr>
+        <p:spPr>
+          <a:xfrm>
+            <a:off x="6143636" y="2285992"/>
+            <a:ext cx="784189" cy="369332"/>
+          </a:xfrm>
+          <a:prstGeom prst="rect">
+            <a:avLst/>
+          </a:prstGeom>
+          <a:noFill/>
+        </p:spPr>
+        <p:txBody>
+          <a:bodyPr wrap="none" rtlCol="0">
+            <a:spAutoFit/>
+          </a:bodyPr>
+          <a:lstStyle/>
+          <a:p>
+            <a:r>
+              <a:rPr lang="en-CA" dirty="0" smtClean="0"/>
+              <a:t>MAXQ</a:t>
+            </a:r>
+            <a:endParaRPr lang="en-CA" dirty="0"/>
+          </a:p>
+        </p:txBody>
+      </p:sp>
+      <p:sp>
+        <p:nvSpPr>
+          <p:cNvPr id="22" name="文字方塊 21"/>
+          <p:cNvSpPr txBox="1"/>
+          <p:nvPr/>
+        </p:nvSpPr>
+        <p:spPr>
+          <a:xfrm>
+            <a:off x="6215074" y="3571876"/>
+            <a:ext cx="904415" cy="369332"/>
+          </a:xfrm>
+          <a:prstGeom prst="rect">
+            <a:avLst/>
+          </a:prstGeom>
+          <a:noFill/>
+        </p:spPr>
+        <p:txBody>
+          <a:bodyPr wrap="none" rtlCol="0">
+            <a:spAutoFit/>
+          </a:bodyPr>
+          <a:lstStyle/>
+          <a:p>
+            <a:r>
+              <a:rPr lang="en-CA" dirty="0" smtClean="0"/>
+              <a:t>HORDQ</a:t>
+            </a:r>
+            <a:endParaRPr lang="en-CA" dirty="0"/>
+          </a:p>
+        </p:txBody>
+      </p:sp>
+    </p:spTree>
+  </p:cSld>
+  <p:clrMapOvr>
+    <a:masterClrMapping/>
+  </p:clrMapOvr>
+</p:sld>
+</file>
+
+<file path=ppt/slides/slide9.xml><?xml version="1.0" encoding="utf-8"?>
+<p:sld xmlns:a="http://schemas.openxmlformats.org/drawingml/2006/main" xmlns:r="http://schemas.openxmlformats.org/officeDocument/2006/relationships" xmlns:p="http://schemas.openxmlformats.org/presentationml/2006/main">
+  <p:cSld>
+    <p:spTree>
+      <p:nvGrpSpPr>
+        <p:cNvPr id="1" name=""/>
+        <p:cNvGrpSpPr/>
+        <p:nvPr/>
+      </p:nvGrpSpPr>
+      <p:grpSpPr>
+        <a:xfrm>
+          <a:off x="0" y="0"/>
+          <a:ext cx="0" cy="0"/>
+          <a:chOff x="0" y="0"/>
+          <a:chExt cx="0" cy="0"/>
+        </a:xfrm>
+      </p:grpSpPr>
+      <p:sp>
+        <p:nvSpPr>
+          <p:cNvPr id="2" name="標題 1"/>
+          <p:cNvSpPr>
+            <a:spLocks noGrp="1"/>
+          </p:cNvSpPr>
+          <p:nvPr>
+            <p:ph type="title"/>
+          </p:nvPr>
+        </p:nvSpPr>
+        <p:spPr/>
+        <p:txBody>
+          <a:bodyPr/>
+          <a:lstStyle/>
+          <a:p>
+            <a:endParaRPr lang="en-CA"/>
+          </a:p>
+        </p:txBody>
+      </p:sp>
+      <p:sp>
+        <p:nvSpPr>
+          <p:cNvPr id="3" name="內容版面配置區 2"/>
+          <p:cNvSpPr>
+            <a:spLocks noGrp="1"/>
+          </p:cNvSpPr>
+          <p:nvPr>
+            <p:ph idx="1"/>
+          </p:nvPr>
+        </p:nvSpPr>
+        <p:spPr/>
+        <p:txBody>
+          <a:bodyPr/>
+          <a:lstStyle/>
+          <a:p>
+            <a:r>
+              <a:rPr lang="en-CA" dirty="0" smtClean="0"/>
+              <a:t>Leaf Cover</a:t>
+            </a:r>
+            <a:endParaRPr lang="en-CA" dirty="0"/>
           </a:p>
         </p:txBody>
       </p:sp>
@@ -3702,4 +6950,287 @@
   <a:objectDefaults/>
   <a:extraClrSchemeLst/>
 </a:theme>
+</file>
+
+<file path=ppt/theme/theme2.xml><?xml version="1.0" encoding="utf-8"?>
+<a:theme xmlns:a="http://schemas.openxmlformats.org/drawingml/2006/main" name="Office 佈景主題">
+  <a:themeElements>
+    <a:clrScheme name="Office">
+      <a:dk1>
+        <a:sysClr val="windowText" lastClr="000000"/>
+      </a:dk1>
+      <a:lt1>
+        <a:sysClr val="window" lastClr="FFFFFF"/>
+      </a:lt1>
+      <a:dk2>
+        <a:srgbClr val="1F497D"/>
+      </a:dk2>
+      <a:lt2>
+        <a:srgbClr val="EEECE1"/>
+      </a:lt2>
+      <a:accent1>
+        <a:srgbClr val="4F81BD"/>
+      </a:accent1>
+      <a:accent2>
+        <a:srgbClr val="C0504D"/>
+      </a:accent2>
+      <a:accent3>
+        <a:srgbClr val="9BBB59"/>
+      </a:accent3>
+      <a:accent4>
+        <a:srgbClr val="8064A2"/>
+      </a:accent4>
+      <a:accent5>
+        <a:srgbClr val="4BACC6"/>
+      </a:accent5>
+      <a:accent6>
+        <a:srgbClr val="F79646"/>
+      </a:accent6>
+      <a:hlink>
+        <a:srgbClr val="0000FF"/>
+      </a:hlink>
+      <a:folHlink>
+        <a:srgbClr val="800080"/>
+      </a:folHlink>
+    </a:clrScheme>
+    <a:fontScheme name="Office">
+      <a:majorFont>
+        <a:latin typeface="Calibri"/>
+        <a:ea typeface=""/>
+        <a:cs typeface=""/>
+        <a:font script="Jpan" typeface="ＭＳ Ｐゴシック"/>
+        <a:font script="Hang" typeface="맑은 고딕"/>
+        <a:font script="Hans" typeface="宋体"/>
+        <a:font script="Hant" typeface="新細明體"/>
+        <a:font script="Arab" typeface="Times New Roman"/>
+        <a:font script="Hebr" typeface="Times New Roman"/>
+        <a:font script="Thai" typeface="Angsana New"/>
+        <a:font script="Ethi" typeface="Nyala"/>
+        <a:font script="Beng" typeface="Vrinda"/>
+        <a:font script="Gujr" typeface="Shruti"/>
+        <a:font script="Khmr" typeface="MoolBoran"/>
+        <a:font script="Knda" typeface="Tunga"/>
+        <a:font script="Guru" typeface="Raavi"/>
+        <a:font script="Cans" typeface="Euphemia"/>
+        <a:font script="Cher" typeface="Plantagenet Cherokee"/>
+        <a:font script="Yiii" typeface="Microsoft Yi Baiti"/>
+        <a:font script="Tibt" typeface="Microsoft Himalaya"/>
+        <a:font script="Thaa" typeface="MV Boli"/>
+        <a:font script="Deva" typeface="Mangal"/>
+        <a:font script="Telu" typeface="Gautami"/>
+        <a:font script="Taml" typeface="Latha"/>
+        <a:font script="Syrc" typeface="Estrangelo Edessa"/>
+        <a:font script="Orya" typeface="Kalinga"/>
+        <a:font script="Mlym" typeface="Kartika"/>
+        <a:font script="Laoo" typeface="DokChampa"/>
+        <a:font script="Sinh" typeface="Iskoola Pota"/>
+        <a:font script="Mong" typeface="Mongolian Baiti"/>
+        <a:font script="Viet" typeface="Times New Roman"/>
+        <a:font script="Uigh" typeface="Microsoft Uighur"/>
+      </a:majorFont>
+      <a:minorFont>
+        <a:latin typeface="Calibri"/>
+        <a:ea typeface=""/>
+        <a:cs typeface=""/>
+        <a:font script="Jpan" typeface="ＭＳ Ｐゴシック"/>
+        <a:font script="Hang" typeface="맑은 고딕"/>
+        <a:font script="Hans" typeface="宋体"/>
+        <a:font script="Hant" typeface="新細明體"/>
+        <a:font script="Arab" typeface="Arial"/>
+        <a:font script="Hebr" typeface="Arial"/>
+        <a:font script="Thai" typeface="Cordia New"/>
+        <a:font script="Ethi" typeface="Nyala"/>
+        <a:font script="Beng" typeface="Vrinda"/>
+        <a:font script="Gujr" typeface="Shruti"/>
+        <a:font script="Khmr" typeface="DaunPenh"/>
+        <a:font script="Knda" typeface="Tunga"/>
+        <a:font script="Guru" typeface="Raavi"/>
+        <a:font script="Cans" typeface="Euphemia"/>
+        <a:font script="Cher" typeface="Plantagenet Cherokee"/>
+        <a:font script="Yiii" typeface="Microsoft Yi Baiti"/>
+        <a:font script="Tibt" typeface="Microsoft Himalaya"/>
+        <a:font script="Thaa" typeface="MV Boli"/>
+        <a:font script="Deva" typeface="Mangal"/>
+        <a:font script="Telu" typeface="Gautami"/>
+        <a:font script="Taml" typeface="Latha"/>
+        <a:font script="Syrc" typeface="Estrangelo Edessa"/>
+        <a:font script="Orya" typeface="Kalinga"/>
+        <a:font script="Mlym" typeface="Kartika"/>
+        <a:font script="Laoo" typeface="DokChampa"/>
+        <a:font script="Sinh" typeface="Iskoola Pota"/>
+        <a:font script="Mong" typeface="Mongolian Baiti"/>
+        <a:font script="Viet" typeface="Arial"/>
+        <a:font script="Uigh" typeface="Microsoft Uighur"/>
+      </a:minorFont>
+    </a:fontScheme>
+    <a:fmtScheme name="Office">
+      <a:fillStyleLst>
+        <a:solidFill>
+          <a:schemeClr val="phClr"/>
+        </a:solidFill>
+        <a:gradFill rotWithShape="1">
+          <a:gsLst>
+            <a:gs pos="0">
+              <a:schemeClr val="phClr">
+                <a:tint val="50000"/>
+                <a:satMod val="300000"/>
+              </a:schemeClr>
+            </a:gs>
+            <a:gs pos="35000">
+              <a:schemeClr val="phClr">
+                <a:tint val="37000"/>
+                <a:satMod val="300000"/>
+              </a:schemeClr>
+            </a:gs>
+            <a:gs pos="100000">
+              <a:schemeClr val="phClr">
+                <a:tint val="15000"/>
+                <a:satMod val="350000"/>
+              </a:schemeClr>
+            </a:gs>
+          </a:gsLst>
+          <a:lin ang="16200000" scaled="1"/>
+        </a:gradFill>
+        <a:gradFill rotWithShape="1">
+          <a:gsLst>
+            <a:gs pos="0">
+              <a:schemeClr val="phClr">
+                <a:shade val="51000"/>
+                <a:satMod val="130000"/>
+              </a:schemeClr>
+            </a:gs>
+            <a:gs pos="80000">
+              <a:schemeClr val="phClr">
+                <a:shade val="93000"/>
+                <a:satMod val="130000"/>
+              </a:schemeClr>
+            </a:gs>
+            <a:gs pos="100000">
+              <a:schemeClr val="phClr">
+                <a:shade val="94000"/>
+                <a:satMod val="135000"/>
+              </a:schemeClr>
+            </a:gs>
+          </a:gsLst>
+          <a:lin ang="16200000" scaled="0"/>
+        </a:gradFill>
+      </a:fillStyleLst>
+      <a:lnStyleLst>
+        <a:ln w="9525" cap="flat" cmpd="sng" algn="ctr">
+          <a:solidFill>
+            <a:schemeClr val="phClr">
+              <a:shade val="95000"/>
+              <a:satMod val="105000"/>
+            </a:schemeClr>
+          </a:solidFill>
+          <a:prstDash val="solid"/>
+        </a:ln>
+        <a:ln w="25400" cap="flat" cmpd="sng" algn="ctr">
+          <a:solidFill>
+            <a:schemeClr val="phClr"/>
+          </a:solidFill>
+          <a:prstDash val="solid"/>
+        </a:ln>
+        <a:ln w="38100" cap="flat" cmpd="sng" algn="ctr">
+          <a:solidFill>
+            <a:schemeClr val="phClr"/>
+          </a:solidFill>
+          <a:prstDash val="solid"/>
+        </a:ln>
+      </a:lnStyleLst>
+      <a:effectStyleLst>
+        <a:effectStyle>
+          <a:effectLst>
+            <a:outerShdw blurRad="40000" dist="20000" dir="5400000" rotWithShape="0">
+              <a:srgbClr val="000000">
+                <a:alpha val="38000"/>
+              </a:srgbClr>
+            </a:outerShdw>
+          </a:effectLst>
+        </a:effectStyle>
+        <a:effectStyle>
+          <a:effectLst>
+            <a:outerShdw blurRad="40000" dist="23000" dir="5400000" rotWithShape="0">
+              <a:srgbClr val="000000">
+                <a:alpha val="35000"/>
+              </a:srgbClr>
+            </a:outerShdw>
+          </a:effectLst>
+        </a:effectStyle>
+        <a:effectStyle>
+          <a:effectLst>
+            <a:outerShdw blurRad="40000" dist="23000" dir="5400000" rotWithShape="0">
+              <a:srgbClr val="000000">
+                <a:alpha val="35000"/>
+              </a:srgbClr>
+            </a:outerShdw>
+          </a:effectLst>
+          <a:scene3d>
+            <a:camera prst="orthographicFront">
+              <a:rot lat="0" lon="0" rev="0"/>
+            </a:camera>
+            <a:lightRig rig="threePt" dir="t">
+              <a:rot lat="0" lon="0" rev="1200000"/>
+            </a:lightRig>
+          </a:scene3d>
+          <a:sp3d>
+            <a:bevelT w="63500" h="25400"/>
+          </a:sp3d>
+        </a:effectStyle>
+      </a:effectStyleLst>
+      <a:bgFillStyleLst>
+        <a:solidFill>
+          <a:schemeClr val="phClr"/>
+        </a:solidFill>
+        <a:gradFill rotWithShape="1">
+          <a:gsLst>
+            <a:gs pos="0">
+              <a:schemeClr val="phClr">
+                <a:tint val="40000"/>
+                <a:satMod val="350000"/>
+              </a:schemeClr>
+            </a:gs>
+            <a:gs pos="40000">
+              <a:schemeClr val="phClr">
+                <a:tint val="45000"/>
+                <a:shade val="99000"/>
+                <a:satMod val="350000"/>
+              </a:schemeClr>
+            </a:gs>
+            <a:gs pos="100000">
+              <a:schemeClr val="phClr">
+                <a:shade val="20000"/>
+                <a:satMod val="255000"/>
+              </a:schemeClr>
+            </a:gs>
+          </a:gsLst>
+          <a:path path="circle">
+            <a:fillToRect l="50000" t="-80000" r="50000" b="180000"/>
+          </a:path>
+        </a:gradFill>
+        <a:gradFill rotWithShape="1">
+          <a:gsLst>
+            <a:gs pos="0">
+              <a:schemeClr val="phClr">
+                <a:tint val="80000"/>
+                <a:satMod val="300000"/>
+              </a:schemeClr>
+            </a:gs>
+            <a:gs pos="100000">
+              <a:schemeClr val="phClr">
+                <a:shade val="30000"/>
+                <a:satMod val="200000"/>
+              </a:schemeClr>
+            </a:gs>
+          </a:gsLst>
+          <a:path path="circle">
+            <a:fillToRect l="50000" t="50000" r="50000" b="50000"/>
+          </a:path>
+        </a:gradFill>
+      </a:bgFillStyleLst>
+    </a:fmtScheme>
+  </a:themeElements>
+  <a:objectDefaults/>
+  <a:extraClrSchemeLst/>
+</a:theme>
 </file>
--- a/OptimalPlanning.pptx
+++ b/OptimalPlanning.pptx
@@ -5,7 +5,7 @@
     <p:sldMasterId id="2147483648" r:id="rId1"/>
   </p:sldMasterIdLst>
   <p:notesMasterIdLst>
-    <p:notesMasterId r:id="rId19"/>
+    <p:notesMasterId r:id="rId23"/>
   </p:notesMasterIdLst>
   <p:sldIdLst>
     <p:sldId id="256" r:id="rId2"/>
@@ -22,9 +22,13 @@
     <p:sldId id="268" r:id="rId13"/>
     <p:sldId id="269" r:id="rId14"/>
     <p:sldId id="272" r:id="rId15"/>
-    <p:sldId id="270" r:id="rId16"/>
-    <p:sldId id="257" r:id="rId17"/>
-    <p:sldId id="258" r:id="rId18"/>
+    <p:sldId id="274" r:id="rId16"/>
+    <p:sldId id="273" r:id="rId17"/>
+    <p:sldId id="270" r:id="rId18"/>
+    <p:sldId id="275" r:id="rId19"/>
+    <p:sldId id="276" r:id="rId20"/>
+    <p:sldId id="257" r:id="rId21"/>
+    <p:sldId id="258" r:id="rId22"/>
   </p:sldIdLst>
   <p:sldSz cx="9144000" cy="6858000" type="screen4x3"/>
   <p:notesSz cx="6858000" cy="9144000"/>
@@ -208,7 +212,8 @@
           <a:p>
             <a:fld id="{41C79C29-2E6F-4CFC-9D0D-ACF4D3C334D4}" type="datetimeFigureOut">
               <a:rPr lang="en-US" smtClean="0"/>
-              <a:t>6/28/2011</a:t>
+              <a:pPr/>
+              <a:t>7/12/2011</a:t>
             </a:fld>
             <a:endParaRPr lang="en-CA"/>
           </a:p>
@@ -369,6 +374,7 @@
           <a:p>
             <a:fld id="{4746D9A5-85CA-4182-8A94-C906263A7ECD}" type="slidenum">
               <a:rPr lang="en-CA" smtClean="0"/>
+              <a:pPr/>
               <a:t>‹#›</a:t>
             </a:fld>
             <a:endParaRPr lang="en-CA"/>
@@ -540,6 +546,7 @@
           <a:p>
             <a:fld id="{4746D9A5-85CA-4182-8A94-C906263A7ECD}" type="slidenum">
               <a:rPr lang="en-CA" smtClean="0"/>
+              <a:pPr/>
               <a:t>1</a:t>
             </a:fld>
             <a:endParaRPr lang="en-CA"/>
@@ -621,6 +628,7 @@
           <a:p>
             <a:fld id="{4746D9A5-85CA-4182-8A94-C906263A7ECD}" type="slidenum">
               <a:rPr lang="en-CA" smtClean="0"/>
+              <a:pPr/>
               <a:t>10</a:t>
             </a:fld>
             <a:endParaRPr lang="en-CA"/>
@@ -702,6 +710,7 @@
           <a:p>
             <a:fld id="{4746D9A5-85CA-4182-8A94-C906263A7ECD}" type="slidenum">
               <a:rPr lang="en-CA" smtClean="0"/>
+              <a:pPr/>
               <a:t>11</a:t>
             </a:fld>
             <a:endParaRPr lang="en-CA"/>
@@ -783,6 +792,7 @@
           <a:p>
             <a:fld id="{4746D9A5-85CA-4182-8A94-C906263A7ECD}" type="slidenum">
               <a:rPr lang="en-CA" smtClean="0"/>
+              <a:pPr/>
               <a:t>12</a:t>
             </a:fld>
             <a:endParaRPr lang="en-CA"/>
@@ -864,6 +874,7 @@
           <a:p>
             <a:fld id="{4746D9A5-85CA-4182-8A94-C906263A7ECD}" type="slidenum">
               <a:rPr lang="en-CA" smtClean="0"/>
+              <a:pPr/>
               <a:t>13</a:t>
             </a:fld>
             <a:endParaRPr lang="en-CA"/>
@@ -945,6 +956,7 @@
           <a:p>
             <a:fld id="{4746D9A5-85CA-4182-8A94-C906263A7ECD}" type="slidenum">
               <a:rPr lang="en-CA" smtClean="0"/>
+              <a:pPr/>
               <a:t>14</a:t>
             </a:fld>
             <a:endParaRPr lang="en-CA"/>
@@ -1026,6 +1038,7 @@
           <a:p>
             <a:fld id="{4746D9A5-85CA-4182-8A94-C906263A7ECD}" type="slidenum">
               <a:rPr lang="en-CA" smtClean="0"/>
+              <a:pPr/>
               <a:t>15</a:t>
             </a:fld>
             <a:endParaRPr lang="en-CA"/>
@@ -1107,6 +1120,7 @@
           <a:p>
             <a:fld id="{4746D9A5-85CA-4182-8A94-C906263A7ECD}" type="slidenum">
               <a:rPr lang="en-CA" smtClean="0"/>
+              <a:pPr/>
               <a:t>16</a:t>
             </a:fld>
             <a:endParaRPr lang="en-CA"/>
@@ -1188,7 +1202,172 @@
           <a:p>
             <a:fld id="{4746D9A5-85CA-4182-8A94-C906263A7ECD}" type="slidenum">
               <a:rPr lang="en-CA" smtClean="0"/>
+              <a:pPr/>
               <a:t>17</a:t>
+            </a:fld>
+            <a:endParaRPr lang="en-CA"/>
+          </a:p>
+        </p:txBody>
+      </p:sp>
+    </p:spTree>
+  </p:cSld>
+  <p:clrMapOvr>
+    <a:masterClrMapping/>
+  </p:clrMapOvr>
+</p:notes>
+</file>
+
+<file path=ppt/notesSlides/notesSlide18.xml><?xml version="1.0" encoding="utf-8"?>
+<p:notes xmlns:a="http://schemas.openxmlformats.org/drawingml/2006/main" xmlns:r="http://schemas.openxmlformats.org/officeDocument/2006/relationships" xmlns:p="http://schemas.openxmlformats.org/presentationml/2006/main">
+  <p:cSld>
+    <p:spTree>
+      <p:nvGrpSpPr>
+        <p:cNvPr id="1" name=""/>
+        <p:cNvGrpSpPr/>
+        <p:nvPr/>
+      </p:nvGrpSpPr>
+      <p:grpSpPr>
+        <a:xfrm>
+          <a:off x="0" y="0"/>
+          <a:ext cx="0" cy="0"/>
+          <a:chOff x="0" y="0"/>
+          <a:chExt cx="0" cy="0"/>
+        </a:xfrm>
+      </p:grpSpPr>
+      <p:sp>
+        <p:nvSpPr>
+          <p:cNvPr id="2" name="投影片圖像版面配置區 1"/>
+          <p:cNvSpPr>
+            <a:spLocks noGrp="1" noRot="1" noChangeAspect="1"/>
+          </p:cNvSpPr>
+          <p:nvPr>
+            <p:ph type="sldImg"/>
+          </p:nvPr>
+        </p:nvSpPr>
+        <p:spPr/>
+      </p:sp>
+      <p:sp>
+        <p:nvSpPr>
+          <p:cNvPr id="3" name="備忘稿版面配置區 2"/>
+          <p:cNvSpPr>
+            <a:spLocks noGrp="1"/>
+          </p:cNvSpPr>
+          <p:nvPr>
+            <p:ph type="body" idx="1"/>
+          </p:nvPr>
+        </p:nvSpPr>
+        <p:spPr/>
+        <p:txBody>
+          <a:bodyPr>
+            <a:normAutofit/>
+          </a:bodyPr>
+          <a:lstStyle/>
+          <a:p>
+            <a:endParaRPr lang="en-CA"/>
+          </a:p>
+        </p:txBody>
+      </p:sp>
+      <p:sp>
+        <p:nvSpPr>
+          <p:cNvPr id="4" name="投影片編號版面配置區 3"/>
+          <p:cNvSpPr>
+            <a:spLocks noGrp="1"/>
+          </p:cNvSpPr>
+          <p:nvPr>
+            <p:ph type="sldNum" sz="quarter" idx="10"/>
+          </p:nvPr>
+        </p:nvSpPr>
+        <p:spPr/>
+        <p:txBody>
+          <a:bodyPr/>
+          <a:lstStyle/>
+          <a:p>
+            <a:fld id="{4746D9A5-85CA-4182-8A94-C906263A7ECD}" type="slidenum">
+              <a:rPr lang="en-CA" smtClean="0"/>
+              <a:pPr/>
+              <a:t>18</a:t>
+            </a:fld>
+            <a:endParaRPr lang="en-CA"/>
+          </a:p>
+        </p:txBody>
+      </p:sp>
+    </p:spTree>
+  </p:cSld>
+  <p:clrMapOvr>
+    <a:masterClrMapping/>
+  </p:clrMapOvr>
+</p:notes>
+</file>
+
+<file path=ppt/notesSlides/notesSlide19.xml><?xml version="1.0" encoding="utf-8"?>
+<p:notes xmlns:a="http://schemas.openxmlformats.org/drawingml/2006/main" xmlns:r="http://schemas.openxmlformats.org/officeDocument/2006/relationships" xmlns:p="http://schemas.openxmlformats.org/presentationml/2006/main">
+  <p:cSld>
+    <p:spTree>
+      <p:nvGrpSpPr>
+        <p:cNvPr id="1" name=""/>
+        <p:cNvGrpSpPr/>
+        <p:nvPr/>
+      </p:nvGrpSpPr>
+      <p:grpSpPr>
+        <a:xfrm>
+          <a:off x="0" y="0"/>
+          <a:ext cx="0" cy="0"/>
+          <a:chOff x="0" y="0"/>
+          <a:chExt cx="0" cy="0"/>
+        </a:xfrm>
+      </p:grpSpPr>
+      <p:sp>
+        <p:nvSpPr>
+          <p:cNvPr id="2" name="投影片圖像版面配置區 1"/>
+          <p:cNvSpPr>
+            <a:spLocks noGrp="1" noRot="1" noChangeAspect="1"/>
+          </p:cNvSpPr>
+          <p:nvPr>
+            <p:ph type="sldImg"/>
+          </p:nvPr>
+        </p:nvSpPr>
+        <p:spPr/>
+      </p:sp>
+      <p:sp>
+        <p:nvSpPr>
+          <p:cNvPr id="3" name="備忘稿版面配置區 2"/>
+          <p:cNvSpPr>
+            <a:spLocks noGrp="1"/>
+          </p:cNvSpPr>
+          <p:nvPr>
+            <p:ph type="body" idx="1"/>
+          </p:nvPr>
+        </p:nvSpPr>
+        <p:spPr/>
+        <p:txBody>
+          <a:bodyPr>
+            <a:normAutofit/>
+          </a:bodyPr>
+          <a:lstStyle/>
+          <a:p>
+            <a:endParaRPr lang="en-CA"/>
+          </a:p>
+        </p:txBody>
+      </p:sp>
+      <p:sp>
+        <p:nvSpPr>
+          <p:cNvPr id="4" name="投影片編號版面配置區 3"/>
+          <p:cNvSpPr>
+            <a:spLocks noGrp="1"/>
+          </p:cNvSpPr>
+          <p:nvPr>
+            <p:ph type="sldNum" sz="quarter" idx="10"/>
+          </p:nvPr>
+        </p:nvSpPr>
+        <p:spPr/>
+        <p:txBody>
+          <a:bodyPr/>
+          <a:lstStyle/>
+          <a:p>
+            <a:fld id="{4746D9A5-85CA-4182-8A94-C906263A7ECD}" type="slidenum">
+              <a:rPr lang="en-CA" smtClean="0"/>
+              <a:pPr/>
+              <a:t>19</a:t>
             </a:fld>
             <a:endParaRPr lang="en-CA"/>
           </a:p>
@@ -1269,7 +1448,172 @@
           <a:p>
             <a:fld id="{4746D9A5-85CA-4182-8A94-C906263A7ECD}" type="slidenum">
               <a:rPr lang="en-CA" smtClean="0"/>
+              <a:pPr/>
               <a:t>2</a:t>
+            </a:fld>
+            <a:endParaRPr lang="en-CA"/>
+          </a:p>
+        </p:txBody>
+      </p:sp>
+    </p:spTree>
+  </p:cSld>
+  <p:clrMapOvr>
+    <a:masterClrMapping/>
+  </p:clrMapOvr>
+</p:notes>
+</file>
+
+<file path=ppt/notesSlides/notesSlide20.xml><?xml version="1.0" encoding="utf-8"?>
+<p:notes xmlns:a="http://schemas.openxmlformats.org/drawingml/2006/main" xmlns:r="http://schemas.openxmlformats.org/officeDocument/2006/relationships" xmlns:p="http://schemas.openxmlformats.org/presentationml/2006/main">
+  <p:cSld>
+    <p:spTree>
+      <p:nvGrpSpPr>
+        <p:cNvPr id="1" name=""/>
+        <p:cNvGrpSpPr/>
+        <p:nvPr/>
+      </p:nvGrpSpPr>
+      <p:grpSpPr>
+        <a:xfrm>
+          <a:off x="0" y="0"/>
+          <a:ext cx="0" cy="0"/>
+          <a:chOff x="0" y="0"/>
+          <a:chExt cx="0" cy="0"/>
+        </a:xfrm>
+      </p:grpSpPr>
+      <p:sp>
+        <p:nvSpPr>
+          <p:cNvPr id="2" name="投影片圖像版面配置區 1"/>
+          <p:cNvSpPr>
+            <a:spLocks noGrp="1" noRot="1" noChangeAspect="1"/>
+          </p:cNvSpPr>
+          <p:nvPr>
+            <p:ph type="sldImg"/>
+          </p:nvPr>
+        </p:nvSpPr>
+        <p:spPr/>
+      </p:sp>
+      <p:sp>
+        <p:nvSpPr>
+          <p:cNvPr id="3" name="備忘稿版面配置區 2"/>
+          <p:cNvSpPr>
+            <a:spLocks noGrp="1"/>
+          </p:cNvSpPr>
+          <p:nvPr>
+            <p:ph type="body" idx="1"/>
+          </p:nvPr>
+        </p:nvSpPr>
+        <p:spPr/>
+        <p:txBody>
+          <a:bodyPr>
+            <a:normAutofit/>
+          </a:bodyPr>
+          <a:lstStyle/>
+          <a:p>
+            <a:endParaRPr lang="en-CA"/>
+          </a:p>
+        </p:txBody>
+      </p:sp>
+      <p:sp>
+        <p:nvSpPr>
+          <p:cNvPr id="4" name="投影片編號版面配置區 3"/>
+          <p:cNvSpPr>
+            <a:spLocks noGrp="1"/>
+          </p:cNvSpPr>
+          <p:nvPr>
+            <p:ph type="sldNum" sz="quarter" idx="10"/>
+          </p:nvPr>
+        </p:nvSpPr>
+        <p:spPr/>
+        <p:txBody>
+          <a:bodyPr/>
+          <a:lstStyle/>
+          <a:p>
+            <a:fld id="{4746D9A5-85CA-4182-8A94-C906263A7ECD}" type="slidenum">
+              <a:rPr lang="en-CA" smtClean="0"/>
+              <a:pPr/>
+              <a:t>20</a:t>
+            </a:fld>
+            <a:endParaRPr lang="en-CA"/>
+          </a:p>
+        </p:txBody>
+      </p:sp>
+    </p:spTree>
+  </p:cSld>
+  <p:clrMapOvr>
+    <a:masterClrMapping/>
+  </p:clrMapOvr>
+</p:notes>
+</file>
+
+<file path=ppt/notesSlides/notesSlide21.xml><?xml version="1.0" encoding="utf-8"?>
+<p:notes xmlns:a="http://schemas.openxmlformats.org/drawingml/2006/main" xmlns:r="http://schemas.openxmlformats.org/officeDocument/2006/relationships" xmlns:p="http://schemas.openxmlformats.org/presentationml/2006/main">
+  <p:cSld>
+    <p:spTree>
+      <p:nvGrpSpPr>
+        <p:cNvPr id="1" name=""/>
+        <p:cNvGrpSpPr/>
+        <p:nvPr/>
+      </p:nvGrpSpPr>
+      <p:grpSpPr>
+        <a:xfrm>
+          <a:off x="0" y="0"/>
+          <a:ext cx="0" cy="0"/>
+          <a:chOff x="0" y="0"/>
+          <a:chExt cx="0" cy="0"/>
+        </a:xfrm>
+      </p:grpSpPr>
+      <p:sp>
+        <p:nvSpPr>
+          <p:cNvPr id="2" name="投影片圖像版面配置區 1"/>
+          <p:cNvSpPr>
+            <a:spLocks noGrp="1" noRot="1" noChangeAspect="1"/>
+          </p:cNvSpPr>
+          <p:nvPr>
+            <p:ph type="sldImg"/>
+          </p:nvPr>
+        </p:nvSpPr>
+        <p:spPr/>
+      </p:sp>
+      <p:sp>
+        <p:nvSpPr>
+          <p:cNvPr id="3" name="備忘稿版面配置區 2"/>
+          <p:cNvSpPr>
+            <a:spLocks noGrp="1"/>
+          </p:cNvSpPr>
+          <p:nvPr>
+            <p:ph type="body" idx="1"/>
+          </p:nvPr>
+        </p:nvSpPr>
+        <p:spPr/>
+        <p:txBody>
+          <a:bodyPr>
+            <a:normAutofit/>
+          </a:bodyPr>
+          <a:lstStyle/>
+          <a:p>
+            <a:endParaRPr lang="en-CA"/>
+          </a:p>
+        </p:txBody>
+      </p:sp>
+      <p:sp>
+        <p:nvSpPr>
+          <p:cNvPr id="4" name="投影片編號版面配置區 3"/>
+          <p:cNvSpPr>
+            <a:spLocks noGrp="1"/>
+          </p:cNvSpPr>
+          <p:nvPr>
+            <p:ph type="sldNum" sz="quarter" idx="10"/>
+          </p:nvPr>
+        </p:nvSpPr>
+        <p:spPr/>
+        <p:txBody>
+          <a:bodyPr/>
+          <a:lstStyle/>
+          <a:p>
+            <a:fld id="{4746D9A5-85CA-4182-8A94-C906263A7ECD}" type="slidenum">
+              <a:rPr lang="en-CA" smtClean="0"/>
+              <a:pPr/>
+              <a:t>21</a:t>
             </a:fld>
             <a:endParaRPr lang="en-CA"/>
           </a:p>
@@ -1350,6 +1694,7 @@
           <a:p>
             <a:fld id="{4746D9A5-85CA-4182-8A94-C906263A7ECD}" type="slidenum">
               <a:rPr lang="en-CA" smtClean="0"/>
+              <a:pPr/>
               <a:t>3</a:t>
             </a:fld>
             <a:endParaRPr lang="en-CA"/>
@@ -1431,6 +1776,7 @@
           <a:p>
             <a:fld id="{4746D9A5-85CA-4182-8A94-C906263A7ECD}" type="slidenum">
               <a:rPr lang="en-CA" smtClean="0"/>
+              <a:pPr/>
               <a:t>4</a:t>
             </a:fld>
             <a:endParaRPr lang="en-CA"/>
@@ -1512,6 +1858,7 @@
           <a:p>
             <a:fld id="{4746D9A5-85CA-4182-8A94-C906263A7ECD}" type="slidenum">
               <a:rPr lang="en-CA" smtClean="0"/>
+              <a:pPr/>
               <a:t>5</a:t>
             </a:fld>
             <a:endParaRPr lang="en-CA"/>
@@ -1593,6 +1940,7 @@
           <a:p>
             <a:fld id="{4746D9A5-85CA-4182-8A94-C906263A7ECD}" type="slidenum">
               <a:rPr lang="en-CA" smtClean="0"/>
+              <a:pPr/>
               <a:t>6</a:t>
             </a:fld>
             <a:endParaRPr lang="en-CA"/>
@@ -1674,6 +2022,7 @@
           <a:p>
             <a:fld id="{4746D9A5-85CA-4182-8A94-C906263A7ECD}" type="slidenum">
               <a:rPr lang="en-CA" smtClean="0"/>
+              <a:pPr/>
               <a:t>7</a:t>
             </a:fld>
             <a:endParaRPr lang="en-CA"/>
@@ -1755,6 +2104,7 @@
           <a:p>
             <a:fld id="{4746D9A5-85CA-4182-8A94-C906263A7ECD}" type="slidenum">
               <a:rPr lang="en-CA" smtClean="0"/>
+              <a:pPr/>
               <a:t>8</a:t>
             </a:fld>
             <a:endParaRPr lang="en-CA"/>
@@ -1836,6 +2186,7 @@
           <a:p>
             <a:fld id="{4746D9A5-85CA-4182-8A94-C906263A7ECD}" type="slidenum">
               <a:rPr lang="en-CA" smtClean="0"/>
+              <a:pPr/>
               <a:t>9</a:t>
             </a:fld>
             <a:endParaRPr lang="en-CA"/>
@@ -2032,7 +2383,7 @@
             <a:fld id="{5BBEAD13-0566-4C6C-97E7-55F17F24B09F}" type="datetimeFigureOut">
               <a:rPr lang="zh-TW" altLang="en-US" smtClean="0"/>
               <a:pPr/>
-              <a:t>2011/6/28</a:t>
+              <a:t>2011/7/12</a:t>
             </a:fld>
             <a:endParaRPr lang="zh-TW" altLang="en-US"/>
           </a:p>
@@ -2199,7 +2550,7 @@
             <a:fld id="{5BBEAD13-0566-4C6C-97E7-55F17F24B09F}" type="datetimeFigureOut">
               <a:rPr lang="zh-TW" altLang="en-US" smtClean="0"/>
               <a:pPr/>
-              <a:t>2011/6/28</a:t>
+              <a:t>2011/7/12</a:t>
             </a:fld>
             <a:endParaRPr lang="zh-TW" altLang="en-US"/>
           </a:p>
@@ -2376,7 +2727,7 @@
             <a:fld id="{5BBEAD13-0566-4C6C-97E7-55F17F24B09F}" type="datetimeFigureOut">
               <a:rPr lang="zh-TW" altLang="en-US" smtClean="0"/>
               <a:pPr/>
-              <a:t>2011/6/28</a:t>
+              <a:t>2011/7/12</a:t>
             </a:fld>
             <a:endParaRPr lang="zh-TW" altLang="en-US"/>
           </a:p>
@@ -2543,7 +2894,7 @@
             <a:fld id="{5BBEAD13-0566-4C6C-97E7-55F17F24B09F}" type="datetimeFigureOut">
               <a:rPr lang="zh-TW" altLang="en-US" smtClean="0"/>
               <a:pPr/>
-              <a:t>2011/6/28</a:t>
+              <a:t>2011/7/12</a:t>
             </a:fld>
             <a:endParaRPr lang="zh-TW" altLang="en-US"/>
           </a:p>
@@ -2786,7 +3137,7 @@
             <a:fld id="{5BBEAD13-0566-4C6C-97E7-55F17F24B09F}" type="datetimeFigureOut">
               <a:rPr lang="zh-TW" altLang="en-US" smtClean="0"/>
               <a:pPr/>
-              <a:t>2011/6/28</a:t>
+              <a:t>2011/7/12</a:t>
             </a:fld>
             <a:endParaRPr lang="zh-TW" altLang="en-US"/>
           </a:p>
@@ -3071,7 +3422,7 @@
             <a:fld id="{5BBEAD13-0566-4C6C-97E7-55F17F24B09F}" type="datetimeFigureOut">
               <a:rPr lang="zh-TW" altLang="en-US" smtClean="0"/>
               <a:pPr/>
-              <a:t>2011/6/28</a:t>
+              <a:t>2011/7/12</a:t>
             </a:fld>
             <a:endParaRPr lang="zh-TW" altLang="en-US"/>
           </a:p>
@@ -3490,7 +3841,7 @@
             <a:fld id="{5BBEAD13-0566-4C6C-97E7-55F17F24B09F}" type="datetimeFigureOut">
               <a:rPr lang="zh-TW" altLang="en-US" smtClean="0"/>
               <a:pPr/>
-              <a:t>2011/6/28</a:t>
+              <a:t>2011/7/12</a:t>
             </a:fld>
             <a:endParaRPr lang="zh-TW" altLang="en-US"/>
           </a:p>
@@ -3605,7 +3956,7 @@
             <a:fld id="{5BBEAD13-0566-4C6C-97E7-55F17F24B09F}" type="datetimeFigureOut">
               <a:rPr lang="zh-TW" altLang="en-US" smtClean="0"/>
               <a:pPr/>
-              <a:t>2011/6/28</a:t>
+              <a:t>2011/7/12</a:t>
             </a:fld>
             <a:endParaRPr lang="zh-TW" altLang="en-US"/>
           </a:p>
@@ -3697,7 +4048,7 @@
             <a:fld id="{5BBEAD13-0566-4C6C-97E7-55F17F24B09F}" type="datetimeFigureOut">
               <a:rPr lang="zh-TW" altLang="en-US" smtClean="0"/>
               <a:pPr/>
-              <a:t>2011/6/28</a:t>
+              <a:t>2011/7/12</a:t>
             </a:fld>
             <a:endParaRPr lang="zh-TW" altLang="en-US"/>
           </a:p>
@@ -3971,7 +4322,7 @@
             <a:fld id="{5BBEAD13-0566-4C6C-97E7-55F17F24B09F}" type="datetimeFigureOut">
               <a:rPr lang="zh-TW" altLang="en-US" smtClean="0"/>
               <a:pPr/>
-              <a:t>2011/6/28</a:t>
+              <a:t>2011/7/12</a:t>
             </a:fld>
             <a:endParaRPr lang="zh-TW" altLang="en-US"/>
           </a:p>
@@ -4221,7 +4572,7 @@
             <a:fld id="{5BBEAD13-0566-4C6C-97E7-55F17F24B09F}" type="datetimeFigureOut">
               <a:rPr lang="zh-TW" altLang="en-US" smtClean="0"/>
               <a:pPr/>
-              <a:t>2011/6/28</a:t>
+              <a:t>2011/7/12</a:t>
             </a:fld>
             <a:endParaRPr lang="zh-TW" altLang="en-US"/>
           </a:p>
@@ -4431,7 +4782,7 @@
             <a:fld id="{5BBEAD13-0566-4C6C-97E7-55F17F24B09F}" type="datetimeFigureOut">
               <a:rPr lang="zh-TW" altLang="en-US" smtClean="0"/>
               <a:pPr/>
-              <a:t>2011/6/28</a:t>
+              <a:t>2011/7/12</a:t>
             </a:fld>
             <a:endParaRPr lang="zh-TW" altLang="en-US"/>
           </a:p>
@@ -5287,77 +5638,27 @@
           <a:p>
             <a:r>
               <a:rPr lang="en-CA" dirty="0" smtClean="0"/>
-              <a:t>Mario:</a:t>
+              <a:t>Two Baseline Algorithm</a:t>
             </a:r>
           </a:p>
           <a:p>
             <a:pPr lvl="1"/>
             <a:r>
               <a:rPr lang="en-CA" dirty="0" smtClean="0"/>
-              <a:t>Why model-based is </a:t>
-            </a:r>
-            <a:r>
-              <a:rPr lang="en-CA" dirty="0" err="1" smtClean="0"/>
-              <a:t>neccessary</a:t>
-            </a:r>
+              <a:t>Mario Competition 2009 Champion</a:t>
+            </a:r>
+          </a:p>
+          <a:p>
+            <a:pPr lvl="1"/>
             <a:r>
               <a:rPr lang="en-CA" dirty="0" smtClean="0"/>
-              <a:t>-&gt;the pit</a:t>
-            </a:r>
-          </a:p>
-          <a:p>
-            <a:pPr lvl="1"/>
-            <a:r>
-              <a:rPr lang="en-CA" dirty="0" smtClean="0"/>
-              <a:t>Why model-free is </a:t>
-            </a:r>
-            <a:r>
-              <a:rPr lang="en-CA" dirty="0" err="1" smtClean="0"/>
-              <a:t>neccessary</a:t>
-            </a:r>
-            <a:r>
-              <a:rPr lang="en-CA" dirty="0" smtClean="0"/>
-              <a:t> -&gt;</a:t>
-            </a:r>
-          </a:p>
-          <a:p>
-            <a:pPr lvl="2"/>
-            <a:r>
-              <a:rPr lang="en-CA" dirty="0" smtClean="0"/>
-              <a:t>Not everything can be modeled –</a:t>
-            </a:r>
-          </a:p>
-          <a:p>
-            <a:pPr lvl="3"/>
-            <a:r>
-              <a:rPr lang="en-CA" dirty="0" smtClean="0"/>
-              <a:t>Moving monster</a:t>
-            </a:r>
-          </a:p>
-          <a:p>
-            <a:pPr lvl="3"/>
-            <a:r>
-              <a:rPr lang="en-CA" dirty="0" smtClean="0"/>
-              <a:t>Turtle-&gt;shell</a:t>
-            </a:r>
-          </a:p>
-          <a:p>
-            <a:pPr lvl="3"/>
-            <a:r>
-              <a:rPr lang="en-CA" dirty="0" smtClean="0"/>
-              <a:t>Kick shell to the wall</a:t>
-            </a:r>
-          </a:p>
-          <a:p>
-            <a:pPr lvl="3"/>
-            <a:r>
-              <a:rPr lang="en-CA" dirty="0" err="1" smtClean="0"/>
-              <a:t>Piraha</a:t>
-            </a:r>
-            <a:r>
-              <a:rPr lang="en-CA" dirty="0" smtClean="0"/>
-              <a:t> flower</a:t>
-            </a:r>
+              <a:t>RL Competition 2009 Champion</a:t>
+            </a:r>
+          </a:p>
+          <a:p>
+            <a:pPr lvl="1">
+              <a:buNone/>
+            </a:pPr>
             <a:endParaRPr lang="en-CA" dirty="0"/>
           </a:p>
         </p:txBody>
@@ -5403,10 +5704,10 @@
           <a:lstStyle/>
           <a:p>
             <a:r>
-              <a:rPr lang="en-US" altLang="zh-TW" dirty="0" smtClean="0"/>
-              <a:t>Optimality is not that important</a:t>
-            </a:r>
-            <a:endParaRPr lang="zh-TW" altLang="en-US" dirty="0"/>
+              <a:rPr lang="en-CA" dirty="0" smtClean="0"/>
+              <a:t>Mario Competition Champion</a:t>
+            </a:r>
+            <a:endParaRPr lang="en-CA" dirty="0"/>
           </a:p>
         </p:txBody>
       </p:sp>
@@ -5426,17 +5727,36 @@
           <a:lstStyle/>
           <a:p>
             <a:r>
-              <a:rPr lang="en-US" altLang="zh-TW" dirty="0" smtClean="0"/>
-              <a:t>There are many path to the goal</a:t>
+              <a:rPr lang="en-CA" dirty="0" smtClean="0"/>
+              <a:t>A*</a:t>
+            </a:r>
+          </a:p>
+          <a:p>
+            <a:r>
+              <a:rPr lang="en-CA" dirty="0" smtClean="0"/>
+              <a:t>Assume a perfect knowledge about the game</a:t>
             </a:r>
           </a:p>
           <a:p>
             <a:pPr lvl="1"/>
             <a:r>
-              <a:rPr lang="en-US" altLang="zh-TW" dirty="0" smtClean="0"/>
-              <a:t>Little of them are completely wrong</a:t>
-            </a:r>
-            <a:endParaRPr lang="zh-TW" altLang="en-US" dirty="0"/>
+              <a:rPr lang="en-CA" dirty="0" smtClean="0"/>
+              <a:t>Have access to the simulator interface</a:t>
+            </a:r>
+          </a:p>
+          <a:p>
+            <a:r>
+              <a:rPr lang="en-CA" dirty="0" smtClean="0"/>
+              <a:t>My approach: A* with “learned model”</a:t>
+            </a:r>
+          </a:p>
+          <a:p>
+            <a:pPr lvl="1"/>
+            <a:r>
+              <a:rPr lang="en-CA" dirty="0" smtClean="0"/>
+              <a:t>And static assumption</a:t>
+            </a:r>
+            <a:endParaRPr lang="en-CA" dirty="0"/>
           </a:p>
         </p:txBody>
       </p:sp>
@@ -5480,11 +5800,7 @@
           <a:bodyPr/>
           <a:lstStyle/>
           <a:p>
-            <a:r>
-              <a:rPr lang="en-US" altLang="zh-TW" dirty="0" smtClean="0"/>
-              <a:t>Life or death</a:t>
-            </a:r>
-            <a:endParaRPr lang="zh-TW" altLang="en-US" dirty="0"/>
+            <a:endParaRPr lang="en-CA"/>
           </a:p>
         </p:txBody>
       </p:sp>
@@ -5504,18 +5820,232 @@
           <a:lstStyle/>
           <a:p>
             <a:r>
-              <a:rPr lang="en-US" altLang="zh-TW" dirty="0" err="1" smtClean="0"/>
-              <a:t>Suboptimality</a:t>
-            </a:r>
-            <a:r>
-              <a:rPr lang="en-US" altLang="zh-TW" dirty="0" smtClean="0"/>
-              <a:t> lead </a:t>
-            </a:r>
-            <a:r>
-              <a:rPr lang="en-US" altLang="zh-TW" smtClean="0"/>
-              <a:t>to certain death</a:t>
-            </a:r>
-            <a:endParaRPr lang="zh-TW" altLang="en-US" dirty="0"/>
+              <a:rPr lang="en-CA" dirty="0" smtClean="0"/>
+              <a:t>Mario:</a:t>
+            </a:r>
+          </a:p>
+          <a:p>
+            <a:pPr lvl="1"/>
+            <a:r>
+              <a:rPr lang="en-CA" dirty="0" smtClean="0"/>
+              <a:t>Why model-based is </a:t>
+            </a:r>
+            <a:r>
+              <a:rPr lang="en-CA" dirty="0" err="1" smtClean="0"/>
+              <a:t>neccessary</a:t>
+            </a:r>
+            <a:r>
+              <a:rPr lang="en-CA" dirty="0" smtClean="0"/>
+              <a:t>-&gt;the pit</a:t>
+            </a:r>
+          </a:p>
+          <a:p>
+            <a:pPr lvl="1"/>
+            <a:r>
+              <a:rPr lang="en-CA" dirty="0" smtClean="0"/>
+              <a:t>Why model-free is </a:t>
+            </a:r>
+            <a:r>
+              <a:rPr lang="en-CA" dirty="0" err="1" smtClean="0"/>
+              <a:t>neccessary</a:t>
+            </a:r>
+            <a:r>
+              <a:rPr lang="en-CA" dirty="0" smtClean="0"/>
+              <a:t> -&gt;</a:t>
+            </a:r>
+          </a:p>
+          <a:p>
+            <a:pPr lvl="2"/>
+            <a:r>
+              <a:rPr lang="en-CA" dirty="0" smtClean="0"/>
+              <a:t>Not everything can be modeled –</a:t>
+            </a:r>
+          </a:p>
+          <a:p>
+            <a:pPr lvl="3"/>
+            <a:r>
+              <a:rPr lang="en-CA" dirty="0" smtClean="0"/>
+              <a:t>Moving monster</a:t>
+            </a:r>
+          </a:p>
+          <a:p>
+            <a:pPr lvl="3"/>
+            <a:r>
+              <a:rPr lang="en-CA" dirty="0" smtClean="0"/>
+              <a:t>Turtle-&gt;shell</a:t>
+            </a:r>
+          </a:p>
+          <a:p>
+            <a:pPr lvl="3"/>
+            <a:r>
+              <a:rPr lang="en-CA" dirty="0" smtClean="0"/>
+              <a:t>Kick shell to the wall</a:t>
+            </a:r>
+          </a:p>
+          <a:p>
+            <a:pPr lvl="3"/>
+            <a:r>
+              <a:rPr lang="en-CA" dirty="0" err="1" smtClean="0"/>
+              <a:t>Piraha</a:t>
+            </a:r>
+            <a:r>
+              <a:rPr lang="en-CA" dirty="0" smtClean="0"/>
+              <a:t> flower</a:t>
+            </a:r>
+            <a:endParaRPr lang="en-CA" dirty="0"/>
+          </a:p>
+        </p:txBody>
+      </p:sp>
+    </p:spTree>
+  </p:cSld>
+  <p:clrMapOvr>
+    <a:masterClrMapping/>
+  </p:clrMapOvr>
+</p:sld>
+</file>
+
+<file path=ppt/slides/slide18.xml><?xml version="1.0" encoding="utf-8"?>
+<p:sld xmlns:a="http://schemas.openxmlformats.org/drawingml/2006/main" xmlns:r="http://schemas.openxmlformats.org/officeDocument/2006/relationships" xmlns:p="http://schemas.openxmlformats.org/presentationml/2006/main">
+  <p:cSld>
+    <p:spTree>
+      <p:nvGrpSpPr>
+        <p:cNvPr id="1" name=""/>
+        <p:cNvGrpSpPr/>
+        <p:nvPr/>
+      </p:nvGrpSpPr>
+      <p:grpSpPr>
+        <a:xfrm>
+          <a:off x="0" y="0"/>
+          <a:ext cx="0" cy="0"/>
+          <a:chOff x="0" y="0"/>
+          <a:chExt cx="0" cy="0"/>
+        </a:xfrm>
+      </p:grpSpPr>
+      <p:sp>
+        <p:nvSpPr>
+          <p:cNvPr id="2" name="標題 1"/>
+          <p:cNvSpPr>
+            <a:spLocks noGrp="1"/>
+          </p:cNvSpPr>
+          <p:nvPr>
+            <p:ph type="title"/>
+          </p:nvPr>
+        </p:nvSpPr>
+        <p:spPr/>
+        <p:txBody>
+          <a:bodyPr/>
+          <a:lstStyle/>
+          <a:p>
+            <a:r>
+              <a:rPr lang="en-CA" dirty="0" smtClean="0"/>
+              <a:t>RL Competition</a:t>
+            </a:r>
+            <a:endParaRPr lang="en-CA" dirty="0"/>
+          </a:p>
+        </p:txBody>
+      </p:sp>
+      <p:sp>
+        <p:nvSpPr>
+          <p:cNvPr id="3" name="內容版面配置區 2"/>
+          <p:cNvSpPr>
+            <a:spLocks noGrp="1"/>
+          </p:cNvSpPr>
+          <p:nvPr>
+            <p:ph idx="1"/>
+          </p:nvPr>
+        </p:nvSpPr>
+        <p:spPr/>
+        <p:txBody>
+          <a:bodyPr/>
+          <a:lstStyle/>
+          <a:p>
+            <a:r>
+              <a:rPr lang="en-CA" dirty="0" smtClean="0"/>
+              <a:t>Linear </a:t>
+            </a:r>
+            <a:r>
+              <a:rPr lang="en-CA" dirty="0" err="1" smtClean="0"/>
+              <a:t>Sarsa</a:t>
+            </a:r>
+            <a:endParaRPr lang="en-CA" dirty="0" smtClean="0"/>
+          </a:p>
+          <a:p>
+            <a:r>
+              <a:rPr lang="en-CA" dirty="0" smtClean="0"/>
+              <a:t>3 nearest monster or pit</a:t>
+            </a:r>
+            <a:endParaRPr lang="en-CA" dirty="0"/>
+          </a:p>
+        </p:txBody>
+      </p:sp>
+    </p:spTree>
+  </p:cSld>
+  <p:clrMapOvr>
+    <a:masterClrMapping/>
+  </p:clrMapOvr>
+</p:sld>
+</file>
+
+<file path=ppt/slides/slide19.xml><?xml version="1.0" encoding="utf-8"?>
+<p:sld xmlns:a="http://schemas.openxmlformats.org/drawingml/2006/main" xmlns:r="http://schemas.openxmlformats.org/officeDocument/2006/relationships" xmlns:p="http://schemas.openxmlformats.org/presentationml/2006/main">
+  <p:cSld>
+    <p:spTree>
+      <p:nvGrpSpPr>
+        <p:cNvPr id="1" name=""/>
+        <p:cNvGrpSpPr/>
+        <p:nvPr/>
+      </p:nvGrpSpPr>
+      <p:grpSpPr>
+        <a:xfrm>
+          <a:off x="0" y="0"/>
+          <a:ext cx="0" cy="0"/>
+          <a:chOff x="0" y="0"/>
+          <a:chExt cx="0" cy="0"/>
+        </a:xfrm>
+      </p:grpSpPr>
+      <p:sp>
+        <p:nvSpPr>
+          <p:cNvPr id="2" name="標題 1"/>
+          <p:cNvSpPr>
+            <a:spLocks noGrp="1"/>
+          </p:cNvSpPr>
+          <p:nvPr>
+            <p:ph type="title"/>
+          </p:nvPr>
+        </p:nvSpPr>
+        <p:spPr/>
+        <p:txBody>
+          <a:bodyPr/>
+          <a:lstStyle/>
+          <a:p>
+            <a:r>
+              <a:rPr lang="en-CA" dirty="0" smtClean="0"/>
+              <a:t>Conclusion</a:t>
+            </a:r>
+            <a:endParaRPr lang="en-CA" dirty="0"/>
+          </a:p>
+        </p:txBody>
+      </p:sp>
+      <p:sp>
+        <p:nvSpPr>
+          <p:cNvPr id="3" name="內容版面配置區 2"/>
+          <p:cNvSpPr>
+            <a:spLocks noGrp="1"/>
+          </p:cNvSpPr>
+          <p:nvPr>
+            <p:ph idx="1"/>
+          </p:nvPr>
+        </p:nvSpPr>
+        <p:spPr/>
+        <p:txBody>
+          <a:bodyPr/>
+          <a:lstStyle/>
+          <a:p>
+            <a:r>
+              <a:rPr lang="en-CA" dirty="0" smtClean="0"/>
+              <a:t>I combine two champion approaches and produce a better one</a:t>
+            </a:r>
+            <a:endParaRPr lang="en-CA" dirty="0"/>
           </a:p>
         </p:txBody>
       </p:sp>
@@ -5583,6 +6113,163 @@
           <a:lstStyle/>
           <a:p>
             <a:endParaRPr lang="en-CA"/>
+          </a:p>
+        </p:txBody>
+      </p:sp>
+    </p:spTree>
+  </p:cSld>
+  <p:clrMapOvr>
+    <a:masterClrMapping/>
+  </p:clrMapOvr>
+</p:sld>
+</file>
+
+<file path=ppt/slides/slide20.xml><?xml version="1.0" encoding="utf-8"?>
+<p:sld xmlns:a="http://schemas.openxmlformats.org/drawingml/2006/main" xmlns:r="http://schemas.openxmlformats.org/officeDocument/2006/relationships" xmlns:p="http://schemas.openxmlformats.org/presentationml/2006/main">
+  <p:cSld>
+    <p:spTree>
+      <p:nvGrpSpPr>
+        <p:cNvPr id="1" name=""/>
+        <p:cNvGrpSpPr/>
+        <p:nvPr/>
+      </p:nvGrpSpPr>
+      <p:grpSpPr>
+        <a:xfrm>
+          <a:off x="0" y="0"/>
+          <a:ext cx="0" cy="0"/>
+          <a:chOff x="0" y="0"/>
+          <a:chExt cx="0" cy="0"/>
+        </a:xfrm>
+      </p:grpSpPr>
+      <p:sp>
+        <p:nvSpPr>
+          <p:cNvPr id="2" name="標題 1"/>
+          <p:cNvSpPr>
+            <a:spLocks noGrp="1"/>
+          </p:cNvSpPr>
+          <p:nvPr>
+            <p:ph type="title"/>
+          </p:nvPr>
+        </p:nvSpPr>
+        <p:spPr/>
+        <p:txBody>
+          <a:bodyPr/>
+          <a:lstStyle/>
+          <a:p>
+            <a:r>
+              <a:rPr lang="en-US" altLang="zh-TW" dirty="0" smtClean="0"/>
+              <a:t>Optimality is not that important</a:t>
+            </a:r>
+            <a:endParaRPr lang="zh-TW" altLang="en-US" dirty="0"/>
+          </a:p>
+        </p:txBody>
+      </p:sp>
+      <p:sp>
+        <p:nvSpPr>
+          <p:cNvPr id="3" name="內容版面配置區 2"/>
+          <p:cNvSpPr>
+            <a:spLocks noGrp="1"/>
+          </p:cNvSpPr>
+          <p:nvPr>
+            <p:ph idx="1"/>
+          </p:nvPr>
+        </p:nvSpPr>
+        <p:spPr/>
+        <p:txBody>
+          <a:bodyPr/>
+          <a:lstStyle/>
+          <a:p>
+            <a:r>
+              <a:rPr lang="en-US" altLang="zh-TW" dirty="0" smtClean="0"/>
+              <a:t>There are many path to the goal</a:t>
+            </a:r>
+          </a:p>
+          <a:p>
+            <a:pPr lvl="1"/>
+            <a:r>
+              <a:rPr lang="en-US" altLang="zh-TW" dirty="0" smtClean="0"/>
+              <a:t>Little of them are completely wrong</a:t>
+            </a:r>
+            <a:endParaRPr lang="zh-TW" altLang="en-US" dirty="0"/>
+          </a:p>
+        </p:txBody>
+      </p:sp>
+    </p:spTree>
+  </p:cSld>
+  <p:clrMapOvr>
+    <a:masterClrMapping/>
+  </p:clrMapOvr>
+</p:sld>
+</file>
+
+<file path=ppt/slides/slide21.xml><?xml version="1.0" encoding="utf-8"?>
+<p:sld xmlns:a="http://schemas.openxmlformats.org/drawingml/2006/main" xmlns:r="http://schemas.openxmlformats.org/officeDocument/2006/relationships" xmlns:p="http://schemas.openxmlformats.org/presentationml/2006/main">
+  <p:cSld>
+    <p:spTree>
+      <p:nvGrpSpPr>
+        <p:cNvPr id="1" name=""/>
+        <p:cNvGrpSpPr/>
+        <p:nvPr/>
+      </p:nvGrpSpPr>
+      <p:grpSpPr>
+        <a:xfrm>
+          <a:off x="0" y="0"/>
+          <a:ext cx="0" cy="0"/>
+          <a:chOff x="0" y="0"/>
+          <a:chExt cx="0" cy="0"/>
+        </a:xfrm>
+      </p:grpSpPr>
+      <p:sp>
+        <p:nvSpPr>
+          <p:cNvPr id="2" name="標題 1"/>
+          <p:cNvSpPr>
+            <a:spLocks noGrp="1"/>
+          </p:cNvSpPr>
+          <p:nvPr>
+            <p:ph type="title"/>
+          </p:nvPr>
+        </p:nvSpPr>
+        <p:spPr/>
+        <p:txBody>
+          <a:bodyPr/>
+          <a:lstStyle/>
+          <a:p>
+            <a:r>
+              <a:rPr lang="en-US" altLang="zh-TW" dirty="0" smtClean="0"/>
+              <a:t>Life or death</a:t>
+            </a:r>
+            <a:endParaRPr lang="zh-TW" altLang="en-US" dirty="0"/>
+          </a:p>
+        </p:txBody>
+      </p:sp>
+      <p:sp>
+        <p:nvSpPr>
+          <p:cNvPr id="3" name="內容版面配置區 2"/>
+          <p:cNvSpPr>
+            <a:spLocks noGrp="1"/>
+          </p:cNvSpPr>
+          <p:nvPr>
+            <p:ph idx="1"/>
+          </p:nvPr>
+        </p:nvSpPr>
+        <p:spPr/>
+        <p:txBody>
+          <a:bodyPr/>
+          <a:lstStyle/>
+          <a:p>
+            <a:r>
+              <a:rPr lang="en-US" altLang="zh-TW" dirty="0" err="1" smtClean="0"/>
+              <a:t>Suboptimality</a:t>
+            </a:r>
+            <a:r>
+              <a:rPr lang="en-US" altLang="zh-TW" dirty="0" smtClean="0"/>
+              <a:t> lead </a:t>
+            </a:r>
+            <a:r>
+              <a:rPr lang="en-US" altLang="zh-TW" smtClean="0"/>
+              <a:t>to certain death</a:t>
+            </a:r>
+            <a:endParaRPr lang="zh-TW" altLang="en-US" dirty="0"/>
           </a:p>
         </p:txBody>
       </p:sp>

--- a/OptimalPlanning.pptx
+++ b/OptimalPlanning.pptx
@@ -5,30 +5,31 @@
     <p:sldMasterId id="2147483648" r:id="rId1"/>
   </p:sldMasterIdLst>
   <p:notesMasterIdLst>
-    <p:notesMasterId r:id="rId23"/>
+    <p:notesMasterId r:id="rId24"/>
   </p:notesMasterIdLst>
   <p:sldIdLst>
     <p:sldId id="256" r:id="rId2"/>
-    <p:sldId id="260" r:id="rId3"/>
-    <p:sldId id="262" r:id="rId4"/>
-    <p:sldId id="259" r:id="rId5"/>
-    <p:sldId id="261" r:id="rId6"/>
-    <p:sldId id="263" r:id="rId7"/>
-    <p:sldId id="264" r:id="rId8"/>
-    <p:sldId id="267" r:id="rId9"/>
-    <p:sldId id="271" r:id="rId10"/>
-    <p:sldId id="266" r:id="rId11"/>
-    <p:sldId id="265" r:id="rId12"/>
-    <p:sldId id="268" r:id="rId13"/>
-    <p:sldId id="269" r:id="rId14"/>
-    <p:sldId id="272" r:id="rId15"/>
-    <p:sldId id="274" r:id="rId16"/>
-    <p:sldId id="273" r:id="rId17"/>
-    <p:sldId id="270" r:id="rId18"/>
-    <p:sldId id="275" r:id="rId19"/>
-    <p:sldId id="276" r:id="rId20"/>
-    <p:sldId id="257" r:id="rId21"/>
-    <p:sldId id="258" r:id="rId22"/>
+    <p:sldId id="277" r:id="rId3"/>
+    <p:sldId id="260" r:id="rId4"/>
+    <p:sldId id="262" r:id="rId5"/>
+    <p:sldId id="259" r:id="rId6"/>
+    <p:sldId id="261" r:id="rId7"/>
+    <p:sldId id="263" r:id="rId8"/>
+    <p:sldId id="264" r:id="rId9"/>
+    <p:sldId id="267" r:id="rId10"/>
+    <p:sldId id="271" r:id="rId11"/>
+    <p:sldId id="266" r:id="rId12"/>
+    <p:sldId id="265" r:id="rId13"/>
+    <p:sldId id="268" r:id="rId14"/>
+    <p:sldId id="269" r:id="rId15"/>
+    <p:sldId id="272" r:id="rId16"/>
+    <p:sldId id="274" r:id="rId17"/>
+    <p:sldId id="273" r:id="rId18"/>
+    <p:sldId id="270" r:id="rId19"/>
+    <p:sldId id="275" r:id="rId20"/>
+    <p:sldId id="276" r:id="rId21"/>
+    <p:sldId id="257" r:id="rId22"/>
+    <p:sldId id="258" r:id="rId23"/>
   </p:sldIdLst>
   <p:sldSz cx="9144000" cy="6858000" type="screen4x3"/>
   <p:notesSz cx="6858000" cy="9144000"/>
@@ -1614,6 +1615,88 @@
               <a:rPr lang="en-CA" smtClean="0"/>
               <a:pPr/>
               <a:t>21</a:t>
+            </a:fld>
+            <a:endParaRPr lang="en-CA"/>
+          </a:p>
+        </p:txBody>
+      </p:sp>
+    </p:spTree>
+  </p:cSld>
+  <p:clrMapOvr>
+    <a:masterClrMapping/>
+  </p:clrMapOvr>
+</p:notes>
+</file>
+
+<file path=ppt/notesSlides/notesSlide22.xml><?xml version="1.0" encoding="utf-8"?>
+<p:notes xmlns:a="http://schemas.openxmlformats.org/drawingml/2006/main" xmlns:r="http://schemas.openxmlformats.org/officeDocument/2006/relationships" xmlns:p="http://schemas.openxmlformats.org/presentationml/2006/main">
+  <p:cSld>
+    <p:spTree>
+      <p:nvGrpSpPr>
+        <p:cNvPr id="1" name=""/>
+        <p:cNvGrpSpPr/>
+        <p:nvPr/>
+      </p:nvGrpSpPr>
+      <p:grpSpPr>
+        <a:xfrm>
+          <a:off x="0" y="0"/>
+          <a:ext cx="0" cy="0"/>
+          <a:chOff x="0" y="0"/>
+          <a:chExt cx="0" cy="0"/>
+        </a:xfrm>
+      </p:grpSpPr>
+      <p:sp>
+        <p:nvSpPr>
+          <p:cNvPr id="2" name="投影片圖像版面配置區 1"/>
+          <p:cNvSpPr>
+            <a:spLocks noGrp="1" noRot="1" noChangeAspect="1"/>
+          </p:cNvSpPr>
+          <p:nvPr>
+            <p:ph type="sldImg"/>
+          </p:nvPr>
+        </p:nvSpPr>
+        <p:spPr/>
+      </p:sp>
+      <p:sp>
+        <p:nvSpPr>
+          <p:cNvPr id="3" name="備忘稿版面配置區 2"/>
+          <p:cNvSpPr>
+            <a:spLocks noGrp="1"/>
+          </p:cNvSpPr>
+          <p:nvPr>
+            <p:ph type="body" idx="1"/>
+          </p:nvPr>
+        </p:nvSpPr>
+        <p:spPr/>
+        <p:txBody>
+          <a:bodyPr>
+            <a:normAutofit/>
+          </a:bodyPr>
+          <a:lstStyle/>
+          <a:p>
+            <a:endParaRPr lang="en-CA"/>
+          </a:p>
+        </p:txBody>
+      </p:sp>
+      <p:sp>
+        <p:nvSpPr>
+          <p:cNvPr id="4" name="投影片編號版面配置區 3"/>
+          <p:cNvSpPr>
+            <a:spLocks noGrp="1"/>
+          </p:cNvSpPr>
+          <p:nvPr>
+            <p:ph type="sldNum" sz="quarter" idx="10"/>
+          </p:nvPr>
+        </p:nvSpPr>
+        <p:spPr/>
+        <p:txBody>
+          <a:bodyPr/>
+          <a:lstStyle/>
+          <a:p>
+            <a:fld id="{4746D9A5-85CA-4182-8A94-C906263A7ECD}" type="slidenum">
+              <a:rPr lang="en-CA" smtClean="0"/>
+              <a:pPr/>
+              <a:t>22</a:t>
             </a:fld>
             <a:endParaRPr lang="en-CA"/>
           </a:p>
@@ -5235,30 +5318,30 @@
           <a:bodyPr/>
           <a:lstStyle/>
           <a:p>
+            <a:endParaRPr lang="en-CA"/>
+          </a:p>
+        </p:txBody>
+      </p:sp>
+      <p:sp>
+        <p:nvSpPr>
+          <p:cNvPr id="3" name="內容版面配置區 2"/>
+          <p:cNvSpPr>
+            <a:spLocks noGrp="1"/>
+          </p:cNvSpPr>
+          <p:nvPr>
+            <p:ph idx="1"/>
+          </p:nvPr>
+        </p:nvSpPr>
+        <p:spPr/>
+        <p:txBody>
+          <a:bodyPr/>
+          <a:lstStyle/>
+          <a:p>
             <a:r>
               <a:rPr lang="en-CA" dirty="0" smtClean="0"/>
-              <a:t>Algorithm</a:t>
+              <a:t>Leaf Cover</a:t>
             </a:r>
             <a:endParaRPr lang="en-CA" dirty="0"/>
-          </a:p>
-        </p:txBody>
-      </p:sp>
-      <p:sp>
-        <p:nvSpPr>
-          <p:cNvPr id="3" name="內容版面配置區 2"/>
-          <p:cNvSpPr>
-            <a:spLocks noGrp="1"/>
-          </p:cNvSpPr>
-          <p:nvPr>
-            <p:ph idx="1"/>
-          </p:nvPr>
-        </p:nvSpPr>
-        <p:spPr/>
-        <p:txBody>
-          <a:bodyPr/>
-          <a:lstStyle/>
-          <a:p>
-            <a:endParaRPr lang="en-CA"/>
           </a:p>
         </p:txBody>
       </p:sp>
@@ -5304,7 +5387,7 @@
           <a:p>
             <a:r>
               <a:rPr lang="en-CA" dirty="0" smtClean="0"/>
-              <a:t>Theorem</a:t>
+              <a:t>Algorithm</a:t>
             </a:r>
             <a:endParaRPr lang="en-CA" dirty="0"/>
           </a:p>
@@ -5325,11 +5408,7 @@
           <a:bodyPr/>
           <a:lstStyle/>
           <a:p>
-            <a:r>
-              <a:rPr lang="en-CA" dirty="0" smtClean="0"/>
-              <a:t>Show that the optimal policy can be learned</a:t>
-            </a:r>
-            <a:endParaRPr lang="en-CA" dirty="0"/>
+            <a:endParaRPr lang="en-CA"/>
           </a:p>
         </p:txBody>
       </p:sp>
@@ -5375,7 +5454,7 @@
           <a:p>
             <a:r>
               <a:rPr lang="en-CA" dirty="0" smtClean="0"/>
-              <a:t>Pseudo-Reward</a:t>
+              <a:t>Theorem</a:t>
             </a:r>
             <a:endParaRPr lang="en-CA" dirty="0"/>
           </a:p>
@@ -5398,44 +5477,9 @@
           <a:p>
             <a:r>
               <a:rPr lang="en-CA" dirty="0" smtClean="0"/>
-              <a:t>Hierarchically Optimal policy sounds great</a:t>
-            </a:r>
-          </a:p>
-          <a:p>
-            <a:pPr lvl="1"/>
-            <a:r>
-              <a:rPr lang="en-CA" dirty="0" smtClean="0"/>
-              <a:t>But.... useless</a:t>
-            </a:r>
-          </a:p>
-          <a:p>
-            <a:pPr lvl="1"/>
-            <a:r>
-              <a:rPr lang="en-CA" dirty="0" smtClean="0"/>
-              <a:t>Show with an experiment or motivating example</a:t>
-            </a:r>
-          </a:p>
-          <a:p>
-            <a:pPr lvl="1"/>
-            <a:r>
-              <a:rPr lang="en-CA" dirty="0" smtClean="0"/>
-              <a:t>Boss asks you to make </a:t>
-            </a:r>
-            <a:r>
-              <a:rPr lang="en-CA" dirty="0" err="1" smtClean="0"/>
-              <a:t>iRobot</a:t>
-            </a:r>
-            <a:r>
-              <a:rPr lang="en-CA" dirty="0" smtClean="0"/>
-              <a:t>, but you make a terminator</a:t>
-            </a:r>
-          </a:p>
-          <a:p>
-            <a:pPr lvl="1"/>
-            <a:r>
-              <a:rPr lang="en-CA" dirty="0" smtClean="0"/>
-              <a:t>Experiment -&gt; hierarchically optimal is worse than Q-learning</a:t>
-            </a:r>
+              <a:t>Show that the optimal policy can be learned</a:t>
+            </a:r>
+            <a:endParaRPr lang="en-CA" dirty="0"/>
           </a:p>
         </p:txBody>
       </p:sp>
@@ -5479,7 +5523,11 @@
           <a:bodyPr/>
           <a:lstStyle/>
           <a:p>
-            <a:endParaRPr lang="en-CA"/>
+            <a:r>
+              <a:rPr lang="en-CA" dirty="0" smtClean="0"/>
+              <a:t>Pseudo-Reward</a:t>
+            </a:r>
+            <a:endParaRPr lang="en-CA" dirty="0"/>
           </a:p>
         </p:txBody>
       </p:sp>
@@ -5500,9 +5548,44 @@
           <a:p>
             <a:r>
               <a:rPr lang="en-CA" dirty="0" smtClean="0"/>
-              <a:t>Sol: a pseudo-reward, and decrease over time</a:t>
-            </a:r>
-            <a:endParaRPr lang="en-CA" dirty="0"/>
+              <a:t>Hierarchically Optimal policy sounds great</a:t>
+            </a:r>
+          </a:p>
+          <a:p>
+            <a:pPr lvl="1"/>
+            <a:r>
+              <a:rPr lang="en-CA" dirty="0" smtClean="0"/>
+              <a:t>But.... useless</a:t>
+            </a:r>
+          </a:p>
+          <a:p>
+            <a:pPr lvl="1"/>
+            <a:r>
+              <a:rPr lang="en-CA" dirty="0" smtClean="0"/>
+              <a:t>Show with an experiment or motivating example</a:t>
+            </a:r>
+          </a:p>
+          <a:p>
+            <a:pPr lvl="1"/>
+            <a:r>
+              <a:rPr lang="en-CA" dirty="0" smtClean="0"/>
+              <a:t>Boss asks you to make </a:t>
+            </a:r>
+            <a:r>
+              <a:rPr lang="en-CA" dirty="0" err="1" smtClean="0"/>
+              <a:t>iRobot</a:t>
+            </a:r>
+            <a:r>
+              <a:rPr lang="en-CA" dirty="0" smtClean="0"/>
+              <a:t>, but you make a terminator</a:t>
+            </a:r>
+          </a:p>
+          <a:p>
+            <a:pPr lvl="1"/>
+            <a:r>
+              <a:rPr lang="en-CA" dirty="0" smtClean="0"/>
+              <a:t>Experiment -&gt; hierarchically optimal is worse than Q-learning</a:t>
+            </a:r>
           </a:p>
         </p:txBody>
       </p:sp>
@@ -5546,34 +5629,30 @@
           <a:bodyPr/>
           <a:lstStyle/>
           <a:p>
+            <a:endParaRPr lang="en-CA"/>
+          </a:p>
+        </p:txBody>
+      </p:sp>
+      <p:sp>
+        <p:nvSpPr>
+          <p:cNvPr id="3" name="內容版面配置區 2"/>
+          <p:cNvSpPr>
+            <a:spLocks noGrp="1"/>
+          </p:cNvSpPr>
+          <p:nvPr>
+            <p:ph idx="1"/>
+          </p:nvPr>
+        </p:nvSpPr>
+        <p:spPr/>
+        <p:txBody>
+          <a:bodyPr/>
+          <a:lstStyle/>
+          <a:p>
             <a:r>
               <a:rPr lang="en-CA" dirty="0" smtClean="0"/>
-              <a:t>Static </a:t>
-            </a:r>
-            <a:r>
-              <a:rPr lang="en-CA" smtClean="0"/>
-              <a:t>Assumption Planning</a:t>
-            </a:r>
-            <a:endParaRPr lang="en-CA"/>
-          </a:p>
-        </p:txBody>
-      </p:sp>
-      <p:sp>
-        <p:nvSpPr>
-          <p:cNvPr id="3" name="內容版面配置區 2"/>
-          <p:cNvSpPr>
-            <a:spLocks noGrp="1"/>
-          </p:cNvSpPr>
-          <p:nvPr>
-            <p:ph idx="1"/>
-          </p:nvPr>
-        </p:nvSpPr>
-        <p:spPr/>
-        <p:txBody>
-          <a:bodyPr/>
-          <a:lstStyle/>
-          <a:p>
-            <a:endParaRPr lang="en-CA"/>
+              <a:t>Sol: a pseudo-reward, and decrease over time</a:t>
+            </a:r>
+            <a:endParaRPr lang="en-CA" dirty="0"/>
           </a:p>
         </p:txBody>
       </p:sp>
@@ -5617,6 +5696,14 @@
           <a:bodyPr/>
           <a:lstStyle/>
           <a:p>
+            <a:r>
+              <a:rPr lang="en-CA" dirty="0" smtClean="0"/>
+              <a:t>Static </a:t>
+            </a:r>
+            <a:r>
+              <a:rPr lang="en-CA" smtClean="0"/>
+              <a:t>Assumption Planning</a:t>
+            </a:r>
             <a:endParaRPr lang="en-CA"/>
           </a:p>
         </p:txBody>
@@ -5636,30 +5723,7 @@
           <a:bodyPr/>
           <a:lstStyle/>
           <a:p>
-            <a:r>
-              <a:rPr lang="en-CA" dirty="0" smtClean="0"/>
-              <a:t>Two Baseline Algorithm</a:t>
-            </a:r>
-          </a:p>
-          <a:p>
-            <a:pPr lvl="1"/>
-            <a:r>
-              <a:rPr lang="en-CA" dirty="0" smtClean="0"/>
-              <a:t>Mario Competition 2009 Champion</a:t>
-            </a:r>
-          </a:p>
-          <a:p>
-            <a:pPr lvl="1"/>
-            <a:r>
-              <a:rPr lang="en-CA" dirty="0" smtClean="0"/>
-              <a:t>RL Competition 2009 Champion</a:t>
-            </a:r>
-          </a:p>
-          <a:p>
-            <a:pPr lvl="1">
-              <a:buNone/>
-            </a:pPr>
-            <a:endParaRPr lang="en-CA" dirty="0"/>
+            <a:endParaRPr lang="en-CA"/>
           </a:p>
         </p:txBody>
       </p:sp>
@@ -5703,59 +5767,48 @@
           <a:bodyPr/>
           <a:lstStyle/>
           <a:p>
+            <a:endParaRPr lang="en-CA"/>
+          </a:p>
+        </p:txBody>
+      </p:sp>
+      <p:sp>
+        <p:nvSpPr>
+          <p:cNvPr id="3" name="內容版面配置區 2"/>
+          <p:cNvSpPr>
+            <a:spLocks noGrp="1"/>
+          </p:cNvSpPr>
+          <p:nvPr>
+            <p:ph idx="1"/>
+          </p:nvPr>
+        </p:nvSpPr>
+        <p:spPr/>
+        <p:txBody>
+          <a:bodyPr/>
+          <a:lstStyle/>
+          <a:p>
             <a:r>
               <a:rPr lang="en-CA" dirty="0" smtClean="0"/>
-              <a:t>Mario Competition Champion</a:t>
-            </a:r>
-            <a:endParaRPr lang="en-CA" dirty="0"/>
-          </a:p>
-        </p:txBody>
-      </p:sp>
-      <p:sp>
-        <p:nvSpPr>
-          <p:cNvPr id="3" name="內容版面配置區 2"/>
-          <p:cNvSpPr>
-            <a:spLocks noGrp="1"/>
-          </p:cNvSpPr>
-          <p:nvPr>
-            <p:ph idx="1"/>
-          </p:nvPr>
-        </p:nvSpPr>
-        <p:spPr/>
-        <p:txBody>
-          <a:bodyPr/>
-          <a:lstStyle/>
-          <a:p>
+              <a:t>Two Baseline Algorithm</a:t>
+            </a:r>
+          </a:p>
+          <a:p>
+            <a:pPr lvl="1"/>
             <a:r>
               <a:rPr lang="en-CA" dirty="0" smtClean="0"/>
-              <a:t>A*</a:t>
-            </a:r>
-          </a:p>
-          <a:p>
+              <a:t>Mario Competition 2009 Champion</a:t>
+            </a:r>
+          </a:p>
+          <a:p>
+            <a:pPr lvl="1"/>
             <a:r>
               <a:rPr lang="en-CA" dirty="0" smtClean="0"/>
-              <a:t>Assume a perfect knowledge about the game</a:t>
-            </a:r>
-          </a:p>
-          <a:p>
-            <a:pPr lvl="1"/>
-            <a:r>
-              <a:rPr lang="en-CA" dirty="0" smtClean="0"/>
-              <a:t>Have access to the simulator interface</a:t>
-            </a:r>
-          </a:p>
-          <a:p>
-            <a:r>
-              <a:rPr lang="en-CA" dirty="0" smtClean="0"/>
-              <a:t>My approach: A* with “learned model”</a:t>
-            </a:r>
-          </a:p>
-          <a:p>
-            <a:pPr lvl="1"/>
-            <a:r>
-              <a:rPr lang="en-CA" dirty="0" smtClean="0"/>
-              <a:t>And static assumption</a:t>
-            </a:r>
+              <a:t>RL Competition 2009 Champion</a:t>
+            </a:r>
+          </a:p>
+          <a:p>
+            <a:pPr lvl="1">
+              <a:buNone/>
+            </a:pPr>
             <a:endParaRPr lang="en-CA" dirty="0"/>
           </a:p>
         </p:txBody>
@@ -5800,7 +5853,11 @@
           <a:bodyPr/>
           <a:lstStyle/>
           <a:p>
-            <a:endParaRPr lang="en-CA"/>
+            <a:r>
+              <a:rPr lang="en-CA" dirty="0" smtClean="0"/>
+              <a:t>Mario Competition Champion</a:t>
+            </a:r>
+            <a:endParaRPr lang="en-CA" dirty="0"/>
           </a:p>
         </p:txBody>
       </p:sp>
@@ -5821,76 +5878,33 @@
           <a:p>
             <a:r>
               <a:rPr lang="en-CA" dirty="0" smtClean="0"/>
-              <a:t>Mario:</a:t>
+              <a:t>A*</a:t>
+            </a:r>
+          </a:p>
+          <a:p>
+            <a:r>
+              <a:rPr lang="en-CA" dirty="0" smtClean="0"/>
+              <a:t>Assume a perfect knowledge about the game</a:t>
             </a:r>
           </a:p>
           <a:p>
             <a:pPr lvl="1"/>
             <a:r>
               <a:rPr lang="en-CA" dirty="0" smtClean="0"/>
-              <a:t>Why model-based is </a:t>
-            </a:r>
-            <a:r>
-              <a:rPr lang="en-CA" dirty="0" err="1" smtClean="0"/>
-              <a:t>neccessary</a:t>
-            </a:r>
+              <a:t>Have access to the simulator interface</a:t>
+            </a:r>
+          </a:p>
+          <a:p>
             <a:r>
               <a:rPr lang="en-CA" dirty="0" smtClean="0"/>
-              <a:t>-&gt;the pit</a:t>
+              <a:t>My approach: A* with “learned model”</a:t>
             </a:r>
           </a:p>
           <a:p>
             <a:pPr lvl="1"/>
             <a:r>
               <a:rPr lang="en-CA" dirty="0" smtClean="0"/>
-              <a:t>Why model-free is </a:t>
-            </a:r>
-            <a:r>
-              <a:rPr lang="en-CA" dirty="0" err="1" smtClean="0"/>
-              <a:t>neccessary</a:t>
-            </a:r>
-            <a:r>
-              <a:rPr lang="en-CA" dirty="0" smtClean="0"/>
-              <a:t> -&gt;</a:t>
-            </a:r>
-          </a:p>
-          <a:p>
-            <a:pPr lvl="2"/>
-            <a:r>
-              <a:rPr lang="en-CA" dirty="0" smtClean="0"/>
-              <a:t>Not everything can be modeled –</a:t>
-            </a:r>
-          </a:p>
-          <a:p>
-            <a:pPr lvl="3"/>
-            <a:r>
-              <a:rPr lang="en-CA" dirty="0" smtClean="0"/>
-              <a:t>Moving monster</a:t>
-            </a:r>
-          </a:p>
-          <a:p>
-            <a:pPr lvl="3"/>
-            <a:r>
-              <a:rPr lang="en-CA" dirty="0" smtClean="0"/>
-              <a:t>Turtle-&gt;shell</a:t>
-            </a:r>
-          </a:p>
-          <a:p>
-            <a:pPr lvl="3"/>
-            <a:r>
-              <a:rPr lang="en-CA" dirty="0" smtClean="0"/>
-              <a:t>Kick shell to the wall</a:t>
-            </a:r>
-          </a:p>
-          <a:p>
-            <a:pPr lvl="3"/>
-            <a:r>
-              <a:rPr lang="en-CA" dirty="0" err="1" smtClean="0"/>
-              <a:t>Piraha</a:t>
-            </a:r>
-            <a:r>
-              <a:rPr lang="en-CA" dirty="0" smtClean="0"/>
-              <a:t> flower</a:t>
+              <a:t>And static assumption</a:t>
             </a:r>
             <a:endParaRPr lang="en-CA" dirty="0"/>
           </a:p>
@@ -5936,43 +5950,97 @@
           <a:bodyPr/>
           <a:lstStyle/>
           <a:p>
+            <a:endParaRPr lang="en-CA"/>
+          </a:p>
+        </p:txBody>
+      </p:sp>
+      <p:sp>
+        <p:nvSpPr>
+          <p:cNvPr id="3" name="內容版面配置區 2"/>
+          <p:cNvSpPr>
+            <a:spLocks noGrp="1"/>
+          </p:cNvSpPr>
+          <p:nvPr>
+            <p:ph idx="1"/>
+          </p:nvPr>
+        </p:nvSpPr>
+        <p:spPr/>
+        <p:txBody>
+          <a:bodyPr/>
+          <a:lstStyle/>
+          <a:p>
             <a:r>
               <a:rPr lang="en-CA" dirty="0" smtClean="0"/>
-              <a:t>RL Competition</a:t>
-            </a:r>
-            <a:endParaRPr lang="en-CA" dirty="0"/>
-          </a:p>
-        </p:txBody>
-      </p:sp>
-      <p:sp>
-        <p:nvSpPr>
-          <p:cNvPr id="3" name="內容版面配置區 2"/>
-          <p:cNvSpPr>
-            <a:spLocks noGrp="1"/>
-          </p:cNvSpPr>
-          <p:nvPr>
-            <p:ph idx="1"/>
-          </p:nvPr>
-        </p:nvSpPr>
-        <p:spPr/>
-        <p:txBody>
-          <a:bodyPr/>
-          <a:lstStyle/>
-          <a:p>
+              <a:t>Mario:</a:t>
+            </a:r>
+          </a:p>
+          <a:p>
+            <a:pPr lvl="1"/>
             <a:r>
               <a:rPr lang="en-CA" dirty="0" smtClean="0"/>
-              <a:t>Linear </a:t>
+              <a:t>Why model-based is </a:t>
             </a:r>
             <a:r>
               <a:rPr lang="en-CA" dirty="0" err="1" smtClean="0"/>
-              <a:t>Sarsa</a:t>
-            </a:r>
-            <a:endParaRPr lang="en-CA" dirty="0" smtClean="0"/>
-          </a:p>
-          <a:p>
+              <a:t>neccessary</a:t>
+            </a:r>
             <a:r>
               <a:rPr lang="en-CA" dirty="0" smtClean="0"/>
-              <a:t>3 nearest monster or pit</a:t>
+              <a:t>-&gt;the pit</a:t>
+            </a:r>
+          </a:p>
+          <a:p>
+            <a:pPr lvl="1"/>
+            <a:r>
+              <a:rPr lang="en-CA" dirty="0" smtClean="0"/>
+              <a:t>Why model-free is </a:t>
+            </a:r>
+            <a:r>
+              <a:rPr lang="en-CA" dirty="0" err="1" smtClean="0"/>
+              <a:t>neccessary</a:t>
+            </a:r>
+            <a:r>
+              <a:rPr lang="en-CA" dirty="0" smtClean="0"/>
+              <a:t> -&gt;</a:t>
+            </a:r>
+          </a:p>
+          <a:p>
+            <a:pPr lvl="2"/>
+            <a:r>
+              <a:rPr lang="en-CA" dirty="0" smtClean="0"/>
+              <a:t>Not everything can be modeled –</a:t>
+            </a:r>
+          </a:p>
+          <a:p>
+            <a:pPr lvl="3"/>
+            <a:r>
+              <a:rPr lang="en-CA" dirty="0" smtClean="0"/>
+              <a:t>Moving monster</a:t>
+            </a:r>
+          </a:p>
+          <a:p>
+            <a:pPr lvl="3"/>
+            <a:r>
+              <a:rPr lang="en-CA" dirty="0" smtClean="0"/>
+              <a:t>Turtle-&gt;shell</a:t>
+            </a:r>
+          </a:p>
+          <a:p>
+            <a:pPr lvl="3"/>
+            <a:r>
+              <a:rPr lang="en-CA" dirty="0" smtClean="0"/>
+              <a:t>Kick shell to the wall</a:t>
+            </a:r>
+          </a:p>
+          <a:p>
+            <a:pPr lvl="3"/>
+            <a:r>
+              <a:rPr lang="en-CA" dirty="0" err="1" smtClean="0"/>
+              <a:t>Piraha</a:t>
+            </a:r>
+            <a:r>
+              <a:rPr lang="en-CA" dirty="0" smtClean="0"/>
+              <a:t> flower</a:t>
             </a:r>
             <a:endParaRPr lang="en-CA" dirty="0"/>
           </a:p>
@@ -6020,7 +6088,7 @@
           <a:p>
             <a:r>
               <a:rPr lang="en-CA" dirty="0" smtClean="0"/>
-              <a:t>Conclusion</a:t>
+              <a:t>RL Competition</a:t>
             </a:r>
             <a:endParaRPr lang="en-CA" dirty="0"/>
           </a:p>
@@ -6043,7 +6111,18 @@
           <a:p>
             <a:r>
               <a:rPr lang="en-CA" dirty="0" smtClean="0"/>
-              <a:t>I combine two champion approaches and produce a better one</a:t>
+              <a:t>Linear </a:t>
+            </a:r>
+            <a:r>
+              <a:rPr lang="en-CA" dirty="0" err="1" smtClean="0"/>
+              <a:t>Sarsa</a:t>
+            </a:r>
+            <a:endParaRPr lang="en-CA" dirty="0" smtClean="0"/>
+          </a:p>
+          <a:p>
+            <a:r>
+              <a:rPr lang="en-CA" dirty="0" smtClean="0"/>
+              <a:t>3 nearest monster or pit</a:t>
             </a:r>
             <a:endParaRPr lang="en-CA" dirty="0"/>
           </a:p>
@@ -6089,29 +6168,54 @@
           <a:bodyPr/>
           <a:lstStyle/>
           <a:p>
+            <a:endParaRPr lang="en-CA"/>
+          </a:p>
+        </p:txBody>
+      </p:sp>
+      <p:sp>
+        <p:nvSpPr>
+          <p:cNvPr id="3" name="內容版面配置區 2"/>
+          <p:cNvSpPr>
+            <a:spLocks noGrp="1"/>
+          </p:cNvSpPr>
+          <p:nvPr>
+            <p:ph idx="1"/>
+          </p:nvPr>
+        </p:nvSpPr>
+        <p:spPr/>
+        <p:txBody>
+          <a:bodyPr/>
+          <a:lstStyle/>
+          <a:p>
+            <a:r>
+              <a:rPr lang="en-CA" dirty="0" err="1" smtClean="0"/>
+              <a:t>Acknoledgement</a:t>
+            </a:r>
+            <a:endParaRPr lang="en-CA" dirty="0" smtClean="0"/>
+          </a:p>
+          <a:p>
+            <a:pPr lvl="1"/>
             <a:r>
               <a:rPr lang="en-CA" dirty="0" smtClean="0"/>
-              <a:t>Recursive Optimal</a:t>
-            </a:r>
-            <a:endParaRPr lang="en-CA" dirty="0"/>
-          </a:p>
-        </p:txBody>
-      </p:sp>
-      <p:sp>
-        <p:nvSpPr>
-          <p:cNvPr id="3" name="內容版面配置區 2"/>
-          <p:cNvSpPr>
-            <a:spLocks noGrp="1"/>
-          </p:cNvSpPr>
-          <p:nvPr>
-            <p:ph idx="1"/>
-          </p:nvPr>
-        </p:nvSpPr>
-        <p:spPr/>
-        <p:txBody>
-          <a:bodyPr/>
-          <a:lstStyle/>
-          <a:p>
+              <a:t>Mom</a:t>
+            </a:r>
+          </a:p>
+          <a:p>
+            <a:pPr lvl="1"/>
+            <a:r>
+              <a:rPr lang="en-CA" dirty="0" smtClean="0"/>
+              <a:t>Supervisor</a:t>
+            </a:r>
+          </a:p>
+          <a:p>
+            <a:pPr lvl="1"/>
+            <a:r>
+              <a:rPr lang="en-CA" smtClean="0"/>
+              <a:t>Bruno</a:t>
+            </a:r>
+          </a:p>
+          <a:p>
+            <a:pPr lvl="1"/>
             <a:endParaRPr lang="en-CA"/>
           </a:p>
         </p:txBody>
@@ -6157,10 +6261,10 @@
           <a:lstStyle/>
           <a:p>
             <a:r>
-              <a:rPr lang="en-US" altLang="zh-TW" dirty="0" smtClean="0"/>
-              <a:t>Optimality is not that important</a:t>
-            </a:r>
-            <a:endParaRPr lang="zh-TW" altLang="en-US" dirty="0"/>
+              <a:rPr lang="en-CA" dirty="0" smtClean="0"/>
+              <a:t>Conclusion</a:t>
+            </a:r>
+            <a:endParaRPr lang="en-CA" dirty="0"/>
           </a:p>
         </p:txBody>
       </p:sp>
@@ -6180,17 +6284,10 @@
           <a:lstStyle/>
           <a:p>
             <a:r>
-              <a:rPr lang="en-US" altLang="zh-TW" dirty="0" smtClean="0"/>
-              <a:t>There are many path to the goal</a:t>
-            </a:r>
-          </a:p>
-          <a:p>
-            <a:pPr lvl="1"/>
-            <a:r>
-              <a:rPr lang="en-US" altLang="zh-TW" dirty="0" smtClean="0"/>
-              <a:t>Little of them are completely wrong</a:t>
-            </a:r>
-            <a:endParaRPr lang="zh-TW" altLang="en-US" dirty="0"/>
+              <a:rPr lang="en-CA" dirty="0" smtClean="0"/>
+              <a:t>I combine two champion approaches and produce a better one</a:t>
+            </a:r>
+            <a:endParaRPr lang="en-CA" dirty="0"/>
           </a:p>
         </p:txBody>
       </p:sp>
@@ -6236,6 +6333,84 @@
           <a:p>
             <a:r>
               <a:rPr lang="en-US" altLang="zh-TW" dirty="0" smtClean="0"/>
+              <a:t>Optimality is not that important</a:t>
+            </a:r>
+            <a:endParaRPr lang="zh-TW" altLang="en-US" dirty="0"/>
+          </a:p>
+        </p:txBody>
+      </p:sp>
+      <p:sp>
+        <p:nvSpPr>
+          <p:cNvPr id="3" name="內容版面配置區 2"/>
+          <p:cNvSpPr>
+            <a:spLocks noGrp="1"/>
+          </p:cNvSpPr>
+          <p:nvPr>
+            <p:ph idx="1"/>
+          </p:nvPr>
+        </p:nvSpPr>
+        <p:spPr/>
+        <p:txBody>
+          <a:bodyPr/>
+          <a:lstStyle/>
+          <a:p>
+            <a:r>
+              <a:rPr lang="en-US" altLang="zh-TW" dirty="0" smtClean="0"/>
+              <a:t>There are many path to the goal</a:t>
+            </a:r>
+          </a:p>
+          <a:p>
+            <a:pPr lvl="1"/>
+            <a:r>
+              <a:rPr lang="en-US" altLang="zh-TW" dirty="0" smtClean="0"/>
+              <a:t>Little of them are completely wrong</a:t>
+            </a:r>
+            <a:endParaRPr lang="zh-TW" altLang="en-US" dirty="0"/>
+          </a:p>
+        </p:txBody>
+      </p:sp>
+    </p:spTree>
+  </p:cSld>
+  <p:clrMapOvr>
+    <a:masterClrMapping/>
+  </p:clrMapOvr>
+</p:sld>
+</file>
+
+<file path=ppt/slides/slide22.xml><?xml version="1.0" encoding="utf-8"?>
+<p:sld xmlns:a="http://schemas.openxmlformats.org/drawingml/2006/main" xmlns:r="http://schemas.openxmlformats.org/officeDocument/2006/relationships" xmlns:p="http://schemas.openxmlformats.org/presentationml/2006/main">
+  <p:cSld>
+    <p:spTree>
+      <p:nvGrpSpPr>
+        <p:cNvPr id="1" name=""/>
+        <p:cNvGrpSpPr/>
+        <p:nvPr/>
+      </p:nvGrpSpPr>
+      <p:grpSpPr>
+        <a:xfrm>
+          <a:off x="0" y="0"/>
+          <a:ext cx="0" cy="0"/>
+          <a:chOff x="0" y="0"/>
+          <a:chExt cx="0" cy="0"/>
+        </a:xfrm>
+      </p:grpSpPr>
+      <p:sp>
+        <p:nvSpPr>
+          <p:cNvPr id="2" name="標題 1"/>
+          <p:cNvSpPr>
+            <a:spLocks noGrp="1"/>
+          </p:cNvSpPr>
+          <p:nvPr>
+            <p:ph type="title"/>
+          </p:nvPr>
+        </p:nvSpPr>
+        <p:spPr/>
+        <p:txBody>
+          <a:bodyPr/>
+          <a:lstStyle/>
+          <a:p>
+            <a:r>
+              <a:rPr lang="en-US" altLang="zh-TW" dirty="0" smtClean="0"/>
               <a:t>Life or death</a:t>
             </a:r>
             <a:endParaRPr lang="zh-TW" altLang="en-US" dirty="0"/>
@@ -6315,15 +6490,7 @@
           <a:p>
             <a:r>
               <a:rPr lang="en-CA" dirty="0" smtClean="0"/>
-              <a:t>Model-Based </a:t>
-            </a:r>
-            <a:r>
-              <a:rPr lang="en-CA" dirty="0" err="1" smtClean="0"/>
-              <a:t>vs</a:t>
-            </a:r>
-            <a:r>
-              <a:rPr lang="en-CA" dirty="0" smtClean="0"/>
-              <a:t> Model-Free</a:t>
+              <a:t>Recursive Optimal</a:t>
             </a:r>
             <a:endParaRPr lang="en-CA" dirty="0"/>
           </a:p>
@@ -6389,14 +6556,18 @@
           <a:lstStyle/>
           <a:p>
             <a:r>
-              <a:rPr lang="en-US" altLang="zh-TW" dirty="0" smtClean="0"/>
-              <a:t>Linear </a:t>
-            </a:r>
-            <a:r>
-              <a:rPr lang="en-US" altLang="zh-TW" dirty="0" err="1" smtClean="0"/>
-              <a:t>Dyna</a:t>
-            </a:r>
-            <a:endParaRPr lang="zh-TW" altLang="en-US" dirty="0"/>
+              <a:rPr lang="en-CA" dirty="0" smtClean="0"/>
+              <a:t>Model-Based </a:t>
+            </a:r>
+            <a:r>
+              <a:rPr lang="en-CA" dirty="0" err="1" smtClean="0"/>
+              <a:t>vs</a:t>
+            </a:r>
+            <a:r>
+              <a:rPr lang="en-CA" dirty="0" smtClean="0"/>
+              <a:t> Model-Free</a:t>
+            </a:r>
+            <a:endParaRPr lang="en-CA" dirty="0"/>
           </a:p>
         </p:txBody>
       </p:sp>
@@ -6412,59 +6583,10 @@
         </p:nvSpPr>
         <p:spPr/>
         <p:txBody>
-          <a:bodyPr>
-            <a:normAutofit fontScale="92500" lnSpcReduction="20000"/>
-          </a:bodyPr>
-          <a:lstStyle/>
-          <a:p>
-            <a:r>
-              <a:rPr lang="en-US" altLang="zh-TW" dirty="0" smtClean="0"/>
-              <a:t>As before, </a:t>
-            </a:r>
-            <a:r>
-              <a:rPr lang="en-US" altLang="zh-TW" dirty="0" err="1" smtClean="0"/>
-              <a:t>Dyna</a:t>
-            </a:r>
-            <a:r>
-              <a:rPr lang="en-US" altLang="zh-TW" dirty="0" smtClean="0"/>
-              <a:t>-MG showed a distinct advantage over the model-free method </a:t>
-            </a:r>
-            <a:r>
-              <a:rPr lang="en-US" altLang="zh-TW" dirty="0" smtClean="0">
-                <a:solidFill>
-                  <a:srgbClr val="FF0000"/>
-                </a:solidFill>
-              </a:rPr>
-              <a:t>in terms of learning rate</a:t>
-            </a:r>
-            <a:r>
-              <a:rPr lang="en-US" altLang="zh-TW" dirty="0" smtClean="0"/>
-              <a:t>. There was no clear advantage for either method in the second half of the experiment. We note that, asymptotically, </a:t>
-            </a:r>
-            <a:r>
-              <a:rPr lang="en-US" altLang="zh-TW" dirty="0" smtClean="0">
-                <a:solidFill>
-                  <a:srgbClr val="FF0000"/>
-                </a:solidFill>
-              </a:rPr>
-              <a:t>model-free methods are never worse than model-based methods</a:t>
-            </a:r>
-            <a:r>
-              <a:rPr lang="en-US" altLang="zh-TW" dirty="0" smtClean="0"/>
-              <a:t>, and are often better because the model does not converge exactly to the true system because of structural modeling assumptions. </a:t>
-            </a:r>
-            <a:r>
-              <a:rPr lang="en-US" altLang="zh-TW" dirty="0" smtClean="0">
-                <a:solidFill>
-                  <a:srgbClr val="FF0000"/>
-                </a:solidFill>
-              </a:rPr>
-              <a:t>The benefit of models, and of planning generally, is in rapid adaptation </a:t>
-            </a:r>
-            <a:r>
-              <a:rPr lang="en-US" altLang="zh-TW" dirty="0" smtClean="0"/>
-              <a:t>to new problems and situations </a:t>
-            </a:r>
+          <a:bodyPr/>
+          <a:lstStyle/>
+          <a:p>
+            <a:endParaRPr lang="en-CA"/>
           </a:p>
         </p:txBody>
       </p:sp>
@@ -6508,7 +6630,15 @@
           <a:bodyPr/>
           <a:lstStyle/>
           <a:p>
-            <a:endParaRPr lang="en-CA" dirty="0"/>
+            <a:r>
+              <a:rPr lang="en-US" altLang="zh-TW" dirty="0" smtClean="0"/>
+              <a:t>Linear </a:t>
+            </a:r>
+            <a:r>
+              <a:rPr lang="en-US" altLang="zh-TW" dirty="0" err="1" smtClean="0"/>
+              <a:t>Dyna</a:t>
+            </a:r>
+            <a:endParaRPr lang="zh-TW" altLang="en-US" dirty="0"/>
           </a:p>
         </p:txBody>
       </p:sp>
@@ -6524,28 +6654,59 @@
         </p:nvSpPr>
         <p:spPr/>
         <p:txBody>
-          <a:bodyPr/>
-          <a:lstStyle/>
-          <a:p>
-            <a:r>
-              <a:rPr lang="en-CA" dirty="0" smtClean="0"/>
-              <a:t>Can we get the both of it?</a:t>
-            </a:r>
-          </a:p>
-          <a:p>
-            <a:pPr lvl="1"/>
-            <a:r>
-              <a:rPr lang="en-CA" dirty="0" smtClean="0"/>
-              <a:t>Structural Assumption is not satisfied</a:t>
-            </a:r>
-          </a:p>
-          <a:p>
-            <a:pPr lvl="1"/>
-            <a:r>
-              <a:rPr lang="en-CA" dirty="0" smtClean="0"/>
-              <a:t>Converge to optimal policy</a:t>
-            </a:r>
-            <a:endParaRPr lang="en-CA" dirty="0"/>
+          <a:bodyPr>
+            <a:normAutofit fontScale="92500" lnSpcReduction="20000"/>
+          </a:bodyPr>
+          <a:lstStyle/>
+          <a:p>
+            <a:r>
+              <a:rPr lang="en-US" altLang="zh-TW" dirty="0" smtClean="0"/>
+              <a:t>As before, </a:t>
+            </a:r>
+            <a:r>
+              <a:rPr lang="en-US" altLang="zh-TW" dirty="0" err="1" smtClean="0"/>
+              <a:t>Dyna</a:t>
+            </a:r>
+            <a:r>
+              <a:rPr lang="en-US" altLang="zh-TW" dirty="0" smtClean="0"/>
+              <a:t>-MG showed a distinct advantage over the model-free method </a:t>
+            </a:r>
+            <a:r>
+              <a:rPr lang="en-US" altLang="zh-TW" dirty="0" smtClean="0">
+                <a:solidFill>
+                  <a:srgbClr val="FF0000"/>
+                </a:solidFill>
+              </a:rPr>
+              <a:t>in terms of learning rate</a:t>
+            </a:r>
+            <a:r>
+              <a:rPr lang="en-US" altLang="zh-TW" dirty="0" smtClean="0"/>
+              <a:t>. There was no clear advantage for either method in the second half of the experiment. We note that, asymptotically, </a:t>
+            </a:r>
+            <a:r>
+              <a:rPr lang="en-US" altLang="zh-TW" dirty="0" smtClean="0">
+                <a:solidFill>
+                  <a:srgbClr val="FF0000"/>
+                </a:solidFill>
+              </a:rPr>
+              <a:t>model-free methods are never worse than model-based methods</a:t>
+            </a:r>
+            <a:r>
+              <a:rPr lang="en-US" altLang="zh-TW" dirty="0" smtClean="0"/>
+              <a:t>, and are often better because the model does not converge exactly to the true system because of structural modeling assumptions. </a:t>
+            </a:r>
+            <a:r>
+              <a:rPr lang="en-US" altLang="zh-TW" dirty="0" smtClean="0">
+                <a:solidFill>
+                  <a:srgbClr val="FF0000"/>
+                </a:solidFill>
+              </a:rPr>
+              <a:t>The benefit of models, and of planning generally, is in rapid adaptation </a:t>
+            </a:r>
+            <a:r>
+              <a:rPr lang="en-US" altLang="zh-TW" dirty="0" smtClean="0"/>
+              <a:t>to new problems and situations </a:t>
+            </a:r>
           </a:p>
         </p:txBody>
       </p:sp>
@@ -6589,7 +6750,7 @@
           <a:bodyPr/>
           <a:lstStyle/>
           <a:p>
-            <a:endParaRPr lang="en-CA"/>
+            <a:endParaRPr lang="en-CA" dirty="0"/>
           </a:p>
         </p:txBody>
       </p:sp>
@@ -6610,7 +6771,21 @@
           <a:p>
             <a:r>
               <a:rPr lang="en-CA" dirty="0" smtClean="0"/>
-              <a:t>Yes</a:t>
+              <a:t>Can we get the both of it?</a:t>
+            </a:r>
+          </a:p>
+          <a:p>
+            <a:pPr lvl="1"/>
+            <a:r>
+              <a:rPr lang="en-CA" dirty="0" smtClean="0"/>
+              <a:t>Structural Assumption is not satisfied</a:t>
+            </a:r>
+          </a:p>
+          <a:p>
+            <a:pPr lvl="1"/>
+            <a:r>
+              <a:rPr lang="en-CA" dirty="0" smtClean="0"/>
+              <a:t>Converge to optimal policy</a:t>
             </a:r>
             <a:endParaRPr lang="en-CA" dirty="0"/>
           </a:p>
@@ -6656,29 +6831,29 @@
           <a:bodyPr/>
           <a:lstStyle/>
           <a:p>
+            <a:endParaRPr lang="en-CA"/>
+          </a:p>
+        </p:txBody>
+      </p:sp>
+      <p:sp>
+        <p:nvSpPr>
+          <p:cNvPr id="3" name="內容版面配置區 2"/>
+          <p:cNvSpPr>
+            <a:spLocks noGrp="1"/>
+          </p:cNvSpPr>
+          <p:nvPr>
+            <p:ph idx="1"/>
+          </p:nvPr>
+        </p:nvSpPr>
+        <p:spPr/>
+        <p:txBody>
+          <a:bodyPr/>
+          <a:lstStyle/>
+          <a:p>
             <a:r>
               <a:rPr lang="en-CA" dirty="0" smtClean="0"/>
-              <a:t>A motivating example</a:t>
-            </a:r>
-            <a:endParaRPr lang="en-CA" dirty="0"/>
-          </a:p>
-        </p:txBody>
-      </p:sp>
-      <p:sp>
-        <p:nvSpPr>
-          <p:cNvPr id="3" name="內容版面配置區 2"/>
-          <p:cNvSpPr>
-            <a:spLocks noGrp="1"/>
-          </p:cNvSpPr>
-          <p:nvPr>
-            <p:ph idx="1"/>
-          </p:nvPr>
-        </p:nvSpPr>
-        <p:spPr/>
-        <p:txBody>
-          <a:bodyPr/>
-          <a:lstStyle/>
-          <a:p>
+              <a:t>Yes</a:t>
+            </a:r>
             <a:endParaRPr lang="en-CA" dirty="0"/>
           </a:p>
         </p:txBody>
@@ -6710,44 +6885,6 @@
       </p:grpSpPr>
       <p:sp>
         <p:nvSpPr>
-          <p:cNvPr id="20" name="圓角矩形 19"/>
-          <p:cNvSpPr/>
-          <p:nvPr/>
-        </p:nvSpPr>
-        <p:spPr>
-          <a:xfrm>
-            <a:off x="2143108" y="1285860"/>
-            <a:ext cx="3571900" cy="2143140"/>
-          </a:xfrm>
-          <a:prstGeom prst="roundRect">
-            <a:avLst/>
-          </a:prstGeom>
-        </p:spPr>
-        <p:style>
-          <a:lnRef idx="2">
-            <a:schemeClr val="accent2"/>
-          </a:lnRef>
-          <a:fillRef idx="1">
-            <a:schemeClr val="lt1"/>
-          </a:fillRef>
-          <a:effectRef idx="0">
-            <a:schemeClr val="accent2"/>
-          </a:effectRef>
-          <a:fontRef idx="minor">
-            <a:schemeClr val="dk1"/>
-          </a:fontRef>
-        </p:style>
-        <p:txBody>
-          <a:bodyPr rtlCol="0" anchor="ctr"/>
-          <a:lstStyle/>
-          <a:p>
-            <a:pPr algn="ctr"/>
-            <a:endParaRPr lang="en-CA"/>
-          </a:p>
-        </p:txBody>
-      </p:sp>
-      <p:sp>
-        <p:nvSpPr>
           <p:cNvPr id="2" name="標題 1"/>
           <p:cNvSpPr>
             <a:spLocks noGrp="1"/>
@@ -6761,491 +6898,9 @@
           <a:bodyPr/>
           <a:lstStyle/>
           <a:p>
-            <a:endParaRPr lang="en-CA"/>
-          </a:p>
-        </p:txBody>
-      </p:sp>
-      <p:sp>
-        <p:nvSpPr>
-          <p:cNvPr id="4" name="橢圓 3"/>
-          <p:cNvSpPr/>
-          <p:nvPr/>
-        </p:nvSpPr>
-        <p:spPr>
-          <a:xfrm>
-            <a:off x="3643306" y="1500174"/>
-            <a:ext cx="428628" cy="428628"/>
-          </a:xfrm>
-          <a:prstGeom prst="ellipse">
-            <a:avLst/>
-          </a:prstGeom>
-        </p:spPr>
-        <p:style>
-          <a:lnRef idx="2">
-            <a:schemeClr val="dk1"/>
-          </a:lnRef>
-          <a:fillRef idx="1">
-            <a:schemeClr val="lt1"/>
-          </a:fillRef>
-          <a:effectRef idx="0">
-            <a:schemeClr val="dk1"/>
-          </a:effectRef>
-          <a:fontRef idx="minor">
-            <a:schemeClr val="dk1"/>
-          </a:fontRef>
-        </p:style>
-        <p:txBody>
-          <a:bodyPr rtlCol="0" anchor="ctr"/>
-          <a:lstStyle/>
-          <a:p>
-            <a:pPr algn="ctr"/>
-            <a:endParaRPr lang="en-CA"/>
-          </a:p>
-        </p:txBody>
-      </p:sp>
-      <p:sp>
-        <p:nvSpPr>
-          <p:cNvPr id="6" name="橢圓 5"/>
-          <p:cNvSpPr/>
-          <p:nvPr/>
-        </p:nvSpPr>
-        <p:spPr>
-          <a:xfrm>
-            <a:off x="3000364" y="2214554"/>
-            <a:ext cx="428628" cy="428628"/>
-          </a:xfrm>
-          <a:prstGeom prst="ellipse">
-            <a:avLst/>
-          </a:prstGeom>
-        </p:spPr>
-        <p:style>
-          <a:lnRef idx="2">
-            <a:schemeClr val="dk1"/>
-          </a:lnRef>
-          <a:fillRef idx="1">
-            <a:schemeClr val="lt1"/>
-          </a:fillRef>
-          <a:effectRef idx="0">
-            <a:schemeClr val="dk1"/>
-          </a:effectRef>
-          <a:fontRef idx="minor">
-            <a:schemeClr val="dk1"/>
-          </a:fontRef>
-        </p:style>
-        <p:txBody>
-          <a:bodyPr rtlCol="0" anchor="ctr"/>
-          <a:lstStyle/>
-          <a:p>
-            <a:pPr algn="ctr"/>
-            <a:endParaRPr lang="en-CA"/>
-          </a:p>
-        </p:txBody>
-      </p:sp>
-      <p:sp>
-        <p:nvSpPr>
-          <p:cNvPr id="8" name="橢圓 7"/>
-          <p:cNvSpPr/>
-          <p:nvPr/>
-        </p:nvSpPr>
-        <p:spPr>
-          <a:xfrm>
-            <a:off x="2643174" y="2857496"/>
-            <a:ext cx="428628" cy="428628"/>
-          </a:xfrm>
-          <a:prstGeom prst="ellipse">
-            <a:avLst/>
-          </a:prstGeom>
-        </p:spPr>
-        <p:style>
-          <a:lnRef idx="2">
-            <a:schemeClr val="dk1"/>
-          </a:lnRef>
-          <a:fillRef idx="1">
-            <a:schemeClr val="lt1"/>
-          </a:fillRef>
-          <a:effectRef idx="0">
-            <a:schemeClr val="dk1"/>
-          </a:effectRef>
-          <a:fontRef idx="minor">
-            <a:schemeClr val="dk1"/>
-          </a:fontRef>
-        </p:style>
-        <p:txBody>
-          <a:bodyPr rtlCol="0" anchor="ctr"/>
-          <a:lstStyle/>
-          <a:p>
-            <a:pPr algn="ctr"/>
-            <a:endParaRPr lang="en-CA"/>
-          </a:p>
-        </p:txBody>
-      </p:sp>
-      <p:sp>
-        <p:nvSpPr>
-          <p:cNvPr id="9" name="橢圓 8"/>
-          <p:cNvSpPr/>
-          <p:nvPr/>
-        </p:nvSpPr>
-        <p:spPr>
-          <a:xfrm>
-            <a:off x="3357554" y="2857496"/>
-            <a:ext cx="428628" cy="428628"/>
-          </a:xfrm>
-          <a:prstGeom prst="ellipse">
-            <a:avLst/>
-          </a:prstGeom>
-        </p:spPr>
-        <p:style>
-          <a:lnRef idx="2">
-            <a:schemeClr val="dk1"/>
-          </a:lnRef>
-          <a:fillRef idx="1">
-            <a:schemeClr val="lt1"/>
-          </a:fillRef>
-          <a:effectRef idx="0">
-            <a:schemeClr val="dk1"/>
-          </a:effectRef>
-          <a:fontRef idx="minor">
-            <a:schemeClr val="dk1"/>
-          </a:fontRef>
-        </p:style>
-        <p:txBody>
-          <a:bodyPr rtlCol="0" anchor="ctr"/>
-          <a:lstStyle/>
-          <a:p>
-            <a:pPr algn="ctr"/>
-            <a:endParaRPr lang="en-CA"/>
-          </a:p>
-        </p:txBody>
-      </p:sp>
-      <p:sp>
-        <p:nvSpPr>
-          <p:cNvPr id="12" name="橢圓 11"/>
-          <p:cNvSpPr/>
-          <p:nvPr/>
-        </p:nvSpPr>
-        <p:spPr>
-          <a:xfrm>
-            <a:off x="4429124" y="2214554"/>
-            <a:ext cx="428628" cy="428628"/>
-          </a:xfrm>
-          <a:prstGeom prst="ellipse">
-            <a:avLst/>
-          </a:prstGeom>
-        </p:spPr>
-        <p:style>
-          <a:lnRef idx="2">
-            <a:schemeClr val="dk1"/>
-          </a:lnRef>
-          <a:fillRef idx="1">
-            <a:schemeClr val="lt1"/>
-          </a:fillRef>
-          <a:effectRef idx="0">
-            <a:schemeClr val="dk1"/>
-          </a:effectRef>
-          <a:fontRef idx="minor">
-            <a:schemeClr val="dk1"/>
-          </a:fontRef>
-        </p:style>
-        <p:txBody>
-          <a:bodyPr rtlCol="0" anchor="ctr"/>
-          <a:lstStyle/>
-          <a:p>
-            <a:pPr algn="ctr"/>
-            <a:endParaRPr lang="en-CA"/>
-          </a:p>
-        </p:txBody>
-      </p:sp>
-      <p:sp>
-        <p:nvSpPr>
-          <p:cNvPr id="13" name="橢圓 12"/>
-          <p:cNvSpPr/>
-          <p:nvPr/>
-        </p:nvSpPr>
-        <p:spPr>
-          <a:xfrm>
-            <a:off x="4071934" y="2857496"/>
-            <a:ext cx="428628" cy="428628"/>
-          </a:xfrm>
-          <a:prstGeom prst="ellipse">
-            <a:avLst/>
-          </a:prstGeom>
-        </p:spPr>
-        <p:style>
-          <a:lnRef idx="2">
-            <a:schemeClr val="dk1"/>
-          </a:lnRef>
-          <a:fillRef idx="1">
-            <a:schemeClr val="lt1"/>
-          </a:fillRef>
-          <a:effectRef idx="0">
-            <a:schemeClr val="dk1"/>
-          </a:effectRef>
-          <a:fontRef idx="minor">
-            <a:schemeClr val="dk1"/>
-          </a:fontRef>
-        </p:style>
-        <p:txBody>
-          <a:bodyPr rtlCol="0" anchor="ctr"/>
-          <a:lstStyle/>
-          <a:p>
-            <a:pPr algn="ctr"/>
-            <a:endParaRPr lang="en-CA"/>
-          </a:p>
-        </p:txBody>
-      </p:sp>
-      <p:sp>
-        <p:nvSpPr>
-          <p:cNvPr id="14" name="橢圓 13"/>
-          <p:cNvSpPr/>
-          <p:nvPr/>
-        </p:nvSpPr>
-        <p:spPr>
-          <a:xfrm>
-            <a:off x="4786314" y="2857496"/>
-            <a:ext cx="428628" cy="428628"/>
-          </a:xfrm>
-          <a:prstGeom prst="ellipse">
-            <a:avLst/>
-          </a:prstGeom>
-        </p:spPr>
-        <p:style>
-          <a:lnRef idx="2">
-            <a:schemeClr val="dk1"/>
-          </a:lnRef>
-          <a:fillRef idx="1">
-            <a:schemeClr val="lt1"/>
-          </a:fillRef>
-          <a:effectRef idx="0">
-            <a:schemeClr val="dk1"/>
-          </a:effectRef>
-          <a:fontRef idx="minor">
-            <a:schemeClr val="dk1"/>
-          </a:fontRef>
-        </p:style>
-        <p:txBody>
-          <a:bodyPr rtlCol="0" anchor="ctr"/>
-          <a:lstStyle/>
-          <a:p>
-            <a:pPr algn="ctr"/>
-            <a:endParaRPr lang="en-CA"/>
-          </a:p>
-        </p:txBody>
-      </p:sp>
-      <p:sp>
-        <p:nvSpPr>
-          <p:cNvPr id="15" name="橢圓 14"/>
-          <p:cNvSpPr/>
-          <p:nvPr/>
-        </p:nvSpPr>
-        <p:spPr>
-          <a:xfrm>
-            <a:off x="2285984" y="3571876"/>
-            <a:ext cx="428628" cy="428628"/>
-          </a:xfrm>
-          <a:prstGeom prst="ellipse">
-            <a:avLst/>
-          </a:prstGeom>
-        </p:spPr>
-        <p:style>
-          <a:lnRef idx="2">
-            <a:schemeClr val="dk1"/>
-          </a:lnRef>
-          <a:fillRef idx="1">
-            <a:schemeClr val="lt1"/>
-          </a:fillRef>
-          <a:effectRef idx="0">
-            <a:schemeClr val="dk1"/>
-          </a:effectRef>
-          <a:fontRef idx="minor">
-            <a:schemeClr val="dk1"/>
-          </a:fontRef>
-        </p:style>
-        <p:txBody>
-          <a:bodyPr rtlCol="0" anchor="ctr"/>
-          <a:lstStyle/>
-          <a:p>
-            <a:pPr algn="ctr"/>
-            <a:endParaRPr lang="en-CA"/>
-          </a:p>
-        </p:txBody>
-      </p:sp>
-      <p:sp>
-        <p:nvSpPr>
-          <p:cNvPr id="16" name="橢圓 15"/>
-          <p:cNvSpPr/>
-          <p:nvPr/>
-        </p:nvSpPr>
-        <p:spPr>
-          <a:xfrm>
-            <a:off x="3000364" y="3571876"/>
-            <a:ext cx="428628" cy="428628"/>
-          </a:xfrm>
-          <a:prstGeom prst="ellipse">
-            <a:avLst/>
-          </a:prstGeom>
-        </p:spPr>
-        <p:style>
-          <a:lnRef idx="2">
-            <a:schemeClr val="dk1"/>
-          </a:lnRef>
-          <a:fillRef idx="1">
-            <a:schemeClr val="lt1"/>
-          </a:fillRef>
-          <a:effectRef idx="0">
-            <a:schemeClr val="dk1"/>
-          </a:effectRef>
-          <a:fontRef idx="minor">
-            <a:schemeClr val="dk1"/>
-          </a:fontRef>
-        </p:style>
-        <p:txBody>
-          <a:bodyPr rtlCol="0" anchor="ctr"/>
-          <a:lstStyle/>
-          <a:p>
-            <a:pPr algn="ctr"/>
-            <a:endParaRPr lang="en-CA"/>
-          </a:p>
-        </p:txBody>
-      </p:sp>
-      <p:sp>
-        <p:nvSpPr>
-          <p:cNvPr id="17" name="橢圓 16"/>
-          <p:cNvSpPr/>
-          <p:nvPr/>
-        </p:nvSpPr>
-        <p:spPr>
-          <a:xfrm>
-            <a:off x="3714744" y="3571876"/>
-            <a:ext cx="428628" cy="428628"/>
-          </a:xfrm>
-          <a:prstGeom prst="ellipse">
-            <a:avLst/>
-          </a:prstGeom>
-        </p:spPr>
-        <p:style>
-          <a:lnRef idx="2">
-            <a:schemeClr val="dk1"/>
-          </a:lnRef>
-          <a:fillRef idx="1">
-            <a:schemeClr val="lt1"/>
-          </a:fillRef>
-          <a:effectRef idx="0">
-            <a:schemeClr val="dk1"/>
-          </a:effectRef>
-          <a:fontRef idx="minor">
-            <a:schemeClr val="dk1"/>
-          </a:fontRef>
-        </p:style>
-        <p:txBody>
-          <a:bodyPr rtlCol="0" anchor="ctr"/>
-          <a:lstStyle/>
-          <a:p>
-            <a:pPr algn="ctr"/>
-            <a:endParaRPr lang="en-CA"/>
-          </a:p>
-        </p:txBody>
-      </p:sp>
-      <p:sp>
-        <p:nvSpPr>
-          <p:cNvPr id="18" name="橢圓 17"/>
-          <p:cNvSpPr/>
-          <p:nvPr/>
-        </p:nvSpPr>
-        <p:spPr>
-          <a:xfrm>
-            <a:off x="4429124" y="3571876"/>
-            <a:ext cx="428628" cy="428628"/>
-          </a:xfrm>
-          <a:prstGeom prst="ellipse">
-            <a:avLst/>
-          </a:prstGeom>
-        </p:spPr>
-        <p:style>
-          <a:lnRef idx="2">
-            <a:schemeClr val="dk1"/>
-          </a:lnRef>
-          <a:fillRef idx="1">
-            <a:schemeClr val="lt1"/>
-          </a:fillRef>
-          <a:effectRef idx="0">
-            <a:schemeClr val="dk1"/>
-          </a:effectRef>
-          <a:fontRef idx="minor">
-            <a:schemeClr val="dk1"/>
-          </a:fontRef>
-        </p:style>
-        <p:txBody>
-          <a:bodyPr rtlCol="0" anchor="ctr"/>
-          <a:lstStyle/>
-          <a:p>
-            <a:pPr algn="ctr"/>
-            <a:endParaRPr lang="en-CA"/>
-          </a:p>
-        </p:txBody>
-      </p:sp>
-      <p:sp>
-        <p:nvSpPr>
-          <p:cNvPr id="19" name="橢圓 18"/>
-          <p:cNvSpPr/>
-          <p:nvPr/>
-        </p:nvSpPr>
-        <p:spPr>
-          <a:xfrm>
-            <a:off x="5214942" y="3571876"/>
-            <a:ext cx="428628" cy="428628"/>
-          </a:xfrm>
-          <a:prstGeom prst="ellipse">
-            <a:avLst/>
-          </a:prstGeom>
-        </p:spPr>
-        <p:style>
-          <a:lnRef idx="2">
-            <a:schemeClr val="dk1"/>
-          </a:lnRef>
-          <a:fillRef idx="1">
-            <a:schemeClr val="lt1"/>
-          </a:fillRef>
-          <a:effectRef idx="0">
-            <a:schemeClr val="dk1"/>
-          </a:effectRef>
-          <a:fontRef idx="minor">
-            <a:schemeClr val="dk1"/>
-          </a:fontRef>
-        </p:style>
-        <p:txBody>
-          <a:bodyPr rtlCol="0" anchor="ctr"/>
-          <a:lstStyle/>
-          <a:p>
-            <a:pPr algn="ctr"/>
-            <a:endParaRPr lang="en-CA"/>
-          </a:p>
-        </p:txBody>
-      </p:sp>
-      <p:sp>
-        <p:nvSpPr>
-          <p:cNvPr id="21" name="文字方塊 20"/>
-          <p:cNvSpPr txBox="1"/>
-          <p:nvPr/>
-        </p:nvSpPr>
-        <p:spPr>
-          <a:xfrm>
-            <a:off x="6143636" y="2285992"/>
-            <a:ext cx="784189" cy="369332"/>
-          </a:xfrm>
-          <a:prstGeom prst="rect">
-            <a:avLst/>
-          </a:prstGeom>
-          <a:noFill/>
-        </p:spPr>
-        <p:txBody>
-          <a:bodyPr wrap="none" rtlCol="0">
-            <a:spAutoFit/>
-          </a:bodyPr>
-          <a:lstStyle/>
-          <a:p>
             <a:r>
               <a:rPr lang="en-CA" dirty="0" smtClean="0"/>
-              <a:t>MAXQ</a:t>
+              <a:t>A motivating example</a:t>
             </a:r>
             <a:endParaRPr lang="en-CA" dirty="0"/>
           </a:p>
@@ -7253,30 +6908,19 @@
       </p:sp>
       <p:sp>
         <p:nvSpPr>
-          <p:cNvPr id="22" name="文字方塊 21"/>
-          <p:cNvSpPr txBox="1"/>
-          <p:nvPr/>
-        </p:nvSpPr>
-        <p:spPr>
-          <a:xfrm>
-            <a:off x="6215074" y="3571876"/>
-            <a:ext cx="904415" cy="369332"/>
-          </a:xfrm>
-          <a:prstGeom prst="rect">
-            <a:avLst/>
-          </a:prstGeom>
-          <a:noFill/>
-        </p:spPr>
-        <p:txBody>
-          <a:bodyPr wrap="none" rtlCol="0">
-            <a:spAutoFit/>
-          </a:bodyPr>
-          <a:lstStyle/>
-          <a:p>
-            <a:r>
-              <a:rPr lang="en-CA" dirty="0" smtClean="0"/>
-              <a:t>HORDQ</a:t>
-            </a:r>
+          <p:cNvPr id="3" name="內容版面配置區 2"/>
+          <p:cNvSpPr>
+            <a:spLocks noGrp="1"/>
+          </p:cNvSpPr>
+          <p:nvPr>
+            <p:ph idx="1"/>
+          </p:nvPr>
+        </p:nvSpPr>
+        <p:spPr/>
+        <p:txBody>
+          <a:bodyPr/>
+          <a:lstStyle/>
+          <a:p>
             <a:endParaRPr lang="en-CA" dirty="0"/>
           </a:p>
         </p:txBody>
@@ -7308,6 +6952,44 @@
       </p:grpSpPr>
       <p:sp>
         <p:nvSpPr>
+          <p:cNvPr id="20" name="圓角矩形 19"/>
+          <p:cNvSpPr/>
+          <p:nvPr/>
+        </p:nvSpPr>
+        <p:spPr>
+          <a:xfrm>
+            <a:off x="2143108" y="1285860"/>
+            <a:ext cx="3571900" cy="2143140"/>
+          </a:xfrm>
+          <a:prstGeom prst="roundRect">
+            <a:avLst/>
+          </a:prstGeom>
+        </p:spPr>
+        <p:style>
+          <a:lnRef idx="2">
+            <a:schemeClr val="accent2"/>
+          </a:lnRef>
+          <a:fillRef idx="1">
+            <a:schemeClr val="lt1"/>
+          </a:fillRef>
+          <a:effectRef idx="0">
+            <a:schemeClr val="accent2"/>
+          </a:effectRef>
+          <a:fontRef idx="minor">
+            <a:schemeClr val="dk1"/>
+          </a:fontRef>
+        </p:style>
+        <p:txBody>
+          <a:bodyPr rtlCol="0" anchor="ctr"/>
+          <a:lstStyle/>
+          <a:p>
+            <a:pPr algn="ctr"/>
+            <a:endParaRPr lang="en-CA"/>
+          </a:p>
+        </p:txBody>
+      </p:sp>
+      <p:sp>
+        <p:nvSpPr>
           <p:cNvPr id="2" name="標題 1"/>
           <p:cNvSpPr>
             <a:spLocks noGrp="1"/>
@@ -7327,22 +7009,515 @@
       </p:sp>
       <p:sp>
         <p:nvSpPr>
-          <p:cNvPr id="3" name="內容版面配置區 2"/>
-          <p:cNvSpPr>
-            <a:spLocks noGrp="1"/>
-          </p:cNvSpPr>
-          <p:nvPr>
-            <p:ph idx="1"/>
-          </p:nvPr>
-        </p:nvSpPr>
-        <p:spPr/>
-        <p:txBody>
-          <a:bodyPr/>
+          <p:cNvPr id="4" name="橢圓 3"/>
+          <p:cNvSpPr/>
+          <p:nvPr/>
+        </p:nvSpPr>
+        <p:spPr>
+          <a:xfrm>
+            <a:off x="3643306" y="1500174"/>
+            <a:ext cx="428628" cy="428628"/>
+          </a:xfrm>
+          <a:prstGeom prst="ellipse">
+            <a:avLst/>
+          </a:prstGeom>
+        </p:spPr>
+        <p:style>
+          <a:lnRef idx="2">
+            <a:schemeClr val="dk1"/>
+          </a:lnRef>
+          <a:fillRef idx="1">
+            <a:schemeClr val="lt1"/>
+          </a:fillRef>
+          <a:effectRef idx="0">
+            <a:schemeClr val="dk1"/>
+          </a:effectRef>
+          <a:fontRef idx="minor">
+            <a:schemeClr val="dk1"/>
+          </a:fontRef>
+        </p:style>
+        <p:txBody>
+          <a:bodyPr rtlCol="0" anchor="ctr"/>
+          <a:lstStyle/>
+          <a:p>
+            <a:pPr algn="ctr"/>
+            <a:endParaRPr lang="en-CA"/>
+          </a:p>
+        </p:txBody>
+      </p:sp>
+      <p:sp>
+        <p:nvSpPr>
+          <p:cNvPr id="6" name="橢圓 5"/>
+          <p:cNvSpPr/>
+          <p:nvPr/>
+        </p:nvSpPr>
+        <p:spPr>
+          <a:xfrm>
+            <a:off x="3000364" y="2214554"/>
+            <a:ext cx="428628" cy="428628"/>
+          </a:xfrm>
+          <a:prstGeom prst="ellipse">
+            <a:avLst/>
+          </a:prstGeom>
+        </p:spPr>
+        <p:style>
+          <a:lnRef idx="2">
+            <a:schemeClr val="dk1"/>
+          </a:lnRef>
+          <a:fillRef idx="1">
+            <a:schemeClr val="lt1"/>
+          </a:fillRef>
+          <a:effectRef idx="0">
+            <a:schemeClr val="dk1"/>
+          </a:effectRef>
+          <a:fontRef idx="minor">
+            <a:schemeClr val="dk1"/>
+          </a:fontRef>
+        </p:style>
+        <p:txBody>
+          <a:bodyPr rtlCol="0" anchor="ctr"/>
+          <a:lstStyle/>
+          <a:p>
+            <a:pPr algn="ctr"/>
+            <a:endParaRPr lang="en-CA"/>
+          </a:p>
+        </p:txBody>
+      </p:sp>
+      <p:sp>
+        <p:nvSpPr>
+          <p:cNvPr id="8" name="橢圓 7"/>
+          <p:cNvSpPr/>
+          <p:nvPr/>
+        </p:nvSpPr>
+        <p:spPr>
+          <a:xfrm>
+            <a:off x="2643174" y="2857496"/>
+            <a:ext cx="428628" cy="428628"/>
+          </a:xfrm>
+          <a:prstGeom prst="ellipse">
+            <a:avLst/>
+          </a:prstGeom>
+        </p:spPr>
+        <p:style>
+          <a:lnRef idx="2">
+            <a:schemeClr val="dk1"/>
+          </a:lnRef>
+          <a:fillRef idx="1">
+            <a:schemeClr val="lt1"/>
+          </a:fillRef>
+          <a:effectRef idx="0">
+            <a:schemeClr val="dk1"/>
+          </a:effectRef>
+          <a:fontRef idx="minor">
+            <a:schemeClr val="dk1"/>
+          </a:fontRef>
+        </p:style>
+        <p:txBody>
+          <a:bodyPr rtlCol="0" anchor="ctr"/>
+          <a:lstStyle/>
+          <a:p>
+            <a:pPr algn="ctr"/>
+            <a:endParaRPr lang="en-CA"/>
+          </a:p>
+        </p:txBody>
+      </p:sp>
+      <p:sp>
+        <p:nvSpPr>
+          <p:cNvPr id="9" name="橢圓 8"/>
+          <p:cNvSpPr/>
+          <p:nvPr/>
+        </p:nvSpPr>
+        <p:spPr>
+          <a:xfrm>
+            <a:off x="3357554" y="2857496"/>
+            <a:ext cx="428628" cy="428628"/>
+          </a:xfrm>
+          <a:prstGeom prst="ellipse">
+            <a:avLst/>
+          </a:prstGeom>
+        </p:spPr>
+        <p:style>
+          <a:lnRef idx="2">
+            <a:schemeClr val="dk1"/>
+          </a:lnRef>
+          <a:fillRef idx="1">
+            <a:schemeClr val="lt1"/>
+          </a:fillRef>
+          <a:effectRef idx="0">
+            <a:schemeClr val="dk1"/>
+          </a:effectRef>
+          <a:fontRef idx="minor">
+            <a:schemeClr val="dk1"/>
+          </a:fontRef>
+        </p:style>
+        <p:txBody>
+          <a:bodyPr rtlCol="0" anchor="ctr"/>
+          <a:lstStyle/>
+          <a:p>
+            <a:pPr algn="ctr"/>
+            <a:endParaRPr lang="en-CA"/>
+          </a:p>
+        </p:txBody>
+      </p:sp>
+      <p:sp>
+        <p:nvSpPr>
+          <p:cNvPr id="12" name="橢圓 11"/>
+          <p:cNvSpPr/>
+          <p:nvPr/>
+        </p:nvSpPr>
+        <p:spPr>
+          <a:xfrm>
+            <a:off x="4429124" y="2214554"/>
+            <a:ext cx="428628" cy="428628"/>
+          </a:xfrm>
+          <a:prstGeom prst="ellipse">
+            <a:avLst/>
+          </a:prstGeom>
+        </p:spPr>
+        <p:style>
+          <a:lnRef idx="2">
+            <a:schemeClr val="dk1"/>
+          </a:lnRef>
+          <a:fillRef idx="1">
+            <a:schemeClr val="lt1"/>
+          </a:fillRef>
+          <a:effectRef idx="0">
+            <a:schemeClr val="dk1"/>
+          </a:effectRef>
+          <a:fontRef idx="minor">
+            <a:schemeClr val="dk1"/>
+          </a:fontRef>
+        </p:style>
+        <p:txBody>
+          <a:bodyPr rtlCol="0" anchor="ctr"/>
+          <a:lstStyle/>
+          <a:p>
+            <a:pPr algn="ctr"/>
+            <a:endParaRPr lang="en-CA"/>
+          </a:p>
+        </p:txBody>
+      </p:sp>
+      <p:sp>
+        <p:nvSpPr>
+          <p:cNvPr id="13" name="橢圓 12"/>
+          <p:cNvSpPr/>
+          <p:nvPr/>
+        </p:nvSpPr>
+        <p:spPr>
+          <a:xfrm>
+            <a:off x="4071934" y="2857496"/>
+            <a:ext cx="428628" cy="428628"/>
+          </a:xfrm>
+          <a:prstGeom prst="ellipse">
+            <a:avLst/>
+          </a:prstGeom>
+        </p:spPr>
+        <p:style>
+          <a:lnRef idx="2">
+            <a:schemeClr val="dk1"/>
+          </a:lnRef>
+          <a:fillRef idx="1">
+            <a:schemeClr val="lt1"/>
+          </a:fillRef>
+          <a:effectRef idx="0">
+            <a:schemeClr val="dk1"/>
+          </a:effectRef>
+          <a:fontRef idx="minor">
+            <a:schemeClr val="dk1"/>
+          </a:fontRef>
+        </p:style>
+        <p:txBody>
+          <a:bodyPr rtlCol="0" anchor="ctr"/>
+          <a:lstStyle/>
+          <a:p>
+            <a:pPr algn="ctr"/>
+            <a:endParaRPr lang="en-CA"/>
+          </a:p>
+        </p:txBody>
+      </p:sp>
+      <p:sp>
+        <p:nvSpPr>
+          <p:cNvPr id="14" name="橢圓 13"/>
+          <p:cNvSpPr/>
+          <p:nvPr/>
+        </p:nvSpPr>
+        <p:spPr>
+          <a:xfrm>
+            <a:off x="4786314" y="2857496"/>
+            <a:ext cx="428628" cy="428628"/>
+          </a:xfrm>
+          <a:prstGeom prst="ellipse">
+            <a:avLst/>
+          </a:prstGeom>
+        </p:spPr>
+        <p:style>
+          <a:lnRef idx="2">
+            <a:schemeClr val="dk1"/>
+          </a:lnRef>
+          <a:fillRef idx="1">
+            <a:schemeClr val="lt1"/>
+          </a:fillRef>
+          <a:effectRef idx="0">
+            <a:schemeClr val="dk1"/>
+          </a:effectRef>
+          <a:fontRef idx="minor">
+            <a:schemeClr val="dk1"/>
+          </a:fontRef>
+        </p:style>
+        <p:txBody>
+          <a:bodyPr rtlCol="0" anchor="ctr"/>
+          <a:lstStyle/>
+          <a:p>
+            <a:pPr algn="ctr"/>
+            <a:endParaRPr lang="en-CA"/>
+          </a:p>
+        </p:txBody>
+      </p:sp>
+      <p:sp>
+        <p:nvSpPr>
+          <p:cNvPr id="15" name="橢圓 14"/>
+          <p:cNvSpPr/>
+          <p:nvPr/>
+        </p:nvSpPr>
+        <p:spPr>
+          <a:xfrm>
+            <a:off x="2285984" y="3571876"/>
+            <a:ext cx="428628" cy="428628"/>
+          </a:xfrm>
+          <a:prstGeom prst="ellipse">
+            <a:avLst/>
+          </a:prstGeom>
+        </p:spPr>
+        <p:style>
+          <a:lnRef idx="2">
+            <a:schemeClr val="dk1"/>
+          </a:lnRef>
+          <a:fillRef idx="1">
+            <a:schemeClr val="lt1"/>
+          </a:fillRef>
+          <a:effectRef idx="0">
+            <a:schemeClr val="dk1"/>
+          </a:effectRef>
+          <a:fontRef idx="minor">
+            <a:schemeClr val="dk1"/>
+          </a:fontRef>
+        </p:style>
+        <p:txBody>
+          <a:bodyPr rtlCol="0" anchor="ctr"/>
+          <a:lstStyle/>
+          <a:p>
+            <a:pPr algn="ctr"/>
+            <a:endParaRPr lang="en-CA"/>
+          </a:p>
+        </p:txBody>
+      </p:sp>
+      <p:sp>
+        <p:nvSpPr>
+          <p:cNvPr id="16" name="橢圓 15"/>
+          <p:cNvSpPr/>
+          <p:nvPr/>
+        </p:nvSpPr>
+        <p:spPr>
+          <a:xfrm>
+            <a:off x="3000364" y="3571876"/>
+            <a:ext cx="428628" cy="428628"/>
+          </a:xfrm>
+          <a:prstGeom prst="ellipse">
+            <a:avLst/>
+          </a:prstGeom>
+        </p:spPr>
+        <p:style>
+          <a:lnRef idx="2">
+            <a:schemeClr val="dk1"/>
+          </a:lnRef>
+          <a:fillRef idx="1">
+            <a:schemeClr val="lt1"/>
+          </a:fillRef>
+          <a:effectRef idx="0">
+            <a:schemeClr val="dk1"/>
+          </a:effectRef>
+          <a:fontRef idx="minor">
+            <a:schemeClr val="dk1"/>
+          </a:fontRef>
+        </p:style>
+        <p:txBody>
+          <a:bodyPr rtlCol="0" anchor="ctr"/>
+          <a:lstStyle/>
+          <a:p>
+            <a:pPr algn="ctr"/>
+            <a:endParaRPr lang="en-CA"/>
+          </a:p>
+        </p:txBody>
+      </p:sp>
+      <p:sp>
+        <p:nvSpPr>
+          <p:cNvPr id="17" name="橢圓 16"/>
+          <p:cNvSpPr/>
+          <p:nvPr/>
+        </p:nvSpPr>
+        <p:spPr>
+          <a:xfrm>
+            <a:off x="3714744" y="3571876"/>
+            <a:ext cx="428628" cy="428628"/>
+          </a:xfrm>
+          <a:prstGeom prst="ellipse">
+            <a:avLst/>
+          </a:prstGeom>
+        </p:spPr>
+        <p:style>
+          <a:lnRef idx="2">
+            <a:schemeClr val="dk1"/>
+          </a:lnRef>
+          <a:fillRef idx="1">
+            <a:schemeClr val="lt1"/>
+          </a:fillRef>
+          <a:effectRef idx="0">
+            <a:schemeClr val="dk1"/>
+          </a:effectRef>
+          <a:fontRef idx="minor">
+            <a:schemeClr val="dk1"/>
+          </a:fontRef>
+        </p:style>
+        <p:txBody>
+          <a:bodyPr rtlCol="0" anchor="ctr"/>
+          <a:lstStyle/>
+          <a:p>
+            <a:pPr algn="ctr"/>
+            <a:endParaRPr lang="en-CA"/>
+          </a:p>
+        </p:txBody>
+      </p:sp>
+      <p:sp>
+        <p:nvSpPr>
+          <p:cNvPr id="18" name="橢圓 17"/>
+          <p:cNvSpPr/>
+          <p:nvPr/>
+        </p:nvSpPr>
+        <p:spPr>
+          <a:xfrm>
+            <a:off x="4429124" y="3571876"/>
+            <a:ext cx="428628" cy="428628"/>
+          </a:xfrm>
+          <a:prstGeom prst="ellipse">
+            <a:avLst/>
+          </a:prstGeom>
+        </p:spPr>
+        <p:style>
+          <a:lnRef idx="2">
+            <a:schemeClr val="dk1"/>
+          </a:lnRef>
+          <a:fillRef idx="1">
+            <a:schemeClr val="lt1"/>
+          </a:fillRef>
+          <a:effectRef idx="0">
+            <a:schemeClr val="dk1"/>
+          </a:effectRef>
+          <a:fontRef idx="minor">
+            <a:schemeClr val="dk1"/>
+          </a:fontRef>
+        </p:style>
+        <p:txBody>
+          <a:bodyPr rtlCol="0" anchor="ctr"/>
+          <a:lstStyle/>
+          <a:p>
+            <a:pPr algn="ctr"/>
+            <a:endParaRPr lang="en-CA"/>
+          </a:p>
+        </p:txBody>
+      </p:sp>
+      <p:sp>
+        <p:nvSpPr>
+          <p:cNvPr id="19" name="橢圓 18"/>
+          <p:cNvSpPr/>
+          <p:nvPr/>
+        </p:nvSpPr>
+        <p:spPr>
+          <a:xfrm>
+            <a:off x="5214942" y="3571876"/>
+            <a:ext cx="428628" cy="428628"/>
+          </a:xfrm>
+          <a:prstGeom prst="ellipse">
+            <a:avLst/>
+          </a:prstGeom>
+        </p:spPr>
+        <p:style>
+          <a:lnRef idx="2">
+            <a:schemeClr val="dk1"/>
+          </a:lnRef>
+          <a:fillRef idx="1">
+            <a:schemeClr val="lt1"/>
+          </a:fillRef>
+          <a:effectRef idx="0">
+            <a:schemeClr val="dk1"/>
+          </a:effectRef>
+          <a:fontRef idx="minor">
+            <a:schemeClr val="dk1"/>
+          </a:fontRef>
+        </p:style>
+        <p:txBody>
+          <a:bodyPr rtlCol="0" anchor="ctr"/>
+          <a:lstStyle/>
+          <a:p>
+            <a:pPr algn="ctr"/>
+            <a:endParaRPr lang="en-CA"/>
+          </a:p>
+        </p:txBody>
+      </p:sp>
+      <p:sp>
+        <p:nvSpPr>
+          <p:cNvPr id="21" name="文字方塊 20"/>
+          <p:cNvSpPr txBox="1"/>
+          <p:nvPr/>
+        </p:nvSpPr>
+        <p:spPr>
+          <a:xfrm>
+            <a:off x="6143636" y="2285992"/>
+            <a:ext cx="784189" cy="369332"/>
+          </a:xfrm>
+          <a:prstGeom prst="rect">
+            <a:avLst/>
+          </a:prstGeom>
+          <a:noFill/>
+        </p:spPr>
+        <p:txBody>
+          <a:bodyPr wrap="none" rtlCol="0">
+            <a:spAutoFit/>
+          </a:bodyPr>
           <a:lstStyle/>
           <a:p>
             <a:r>
               <a:rPr lang="en-CA" dirty="0" smtClean="0"/>
-              <a:t>Leaf Cover</a:t>
+              <a:t>MAXQ</a:t>
+            </a:r>
+            <a:endParaRPr lang="en-CA" dirty="0"/>
+          </a:p>
+        </p:txBody>
+      </p:sp>
+      <p:sp>
+        <p:nvSpPr>
+          <p:cNvPr id="22" name="文字方塊 21"/>
+          <p:cNvSpPr txBox="1"/>
+          <p:nvPr/>
+        </p:nvSpPr>
+        <p:spPr>
+          <a:xfrm>
+            <a:off x="6215074" y="3571876"/>
+            <a:ext cx="904415" cy="369332"/>
+          </a:xfrm>
+          <a:prstGeom prst="rect">
+            <a:avLst/>
+          </a:prstGeom>
+          <a:noFill/>
+        </p:spPr>
+        <p:txBody>
+          <a:bodyPr wrap="none" rtlCol="0">
+            <a:spAutoFit/>
+          </a:bodyPr>
+          <a:lstStyle/>
+          <a:p>
+            <a:r>
+              <a:rPr lang="en-CA" dirty="0" smtClean="0"/>
+              <a:t>HORDQ</a:t>
             </a:r>
             <a:endParaRPr lang="en-CA" dirty="0"/>
           </a:p>

--- a/OptimalPlanning.pptx
+++ b/OptimalPlanning.pptx
@@ -5,7 +5,7 @@
     <p:sldMasterId id="2147483648" r:id="rId1"/>
   </p:sldMasterIdLst>
   <p:notesMasterIdLst>
-    <p:notesMasterId r:id="rId23"/>
+    <p:notesMasterId r:id="rId24"/>
   </p:notesMasterIdLst>
   <p:sldIdLst>
     <p:sldId id="256" r:id="rId2"/>
@@ -21,14 +21,15 @@
     <p:sldId id="265" r:id="rId12"/>
     <p:sldId id="268" r:id="rId13"/>
     <p:sldId id="269" r:id="rId14"/>
-    <p:sldId id="272" r:id="rId15"/>
-    <p:sldId id="274" r:id="rId16"/>
-    <p:sldId id="273" r:id="rId17"/>
-    <p:sldId id="270" r:id="rId18"/>
-    <p:sldId id="275" r:id="rId19"/>
-    <p:sldId id="276" r:id="rId20"/>
-    <p:sldId id="257" r:id="rId21"/>
-    <p:sldId id="258" r:id="rId22"/>
+    <p:sldId id="274" r:id="rId15"/>
+    <p:sldId id="273" r:id="rId16"/>
+    <p:sldId id="279" r:id="rId17"/>
+    <p:sldId id="280" r:id="rId18"/>
+    <p:sldId id="278" r:id="rId19"/>
+    <p:sldId id="275" r:id="rId20"/>
+    <p:sldId id="276" r:id="rId21"/>
+    <p:sldId id="257" r:id="rId22"/>
+    <p:sldId id="258" r:id="rId23"/>
   </p:sldIdLst>
   <p:sldSz cx="9144000" cy="6858000" type="screen4x3"/>
   <p:notesSz cx="6858000" cy="9144000"/>
@@ -213,7 +214,7 @@
             <a:fld id="{41C79C29-2E6F-4CFC-9D0D-ACF4D3C334D4}" type="datetimeFigureOut">
               <a:rPr lang="en-US" smtClean="0"/>
               <a:pPr/>
-              <a:t>7/12/2011</a:t>
+              <a:t>7/13/2011</a:t>
             </a:fld>
             <a:endParaRPr lang="en-CA"/>
           </a:p>
@@ -1121,7 +1122,7 @@
             <a:fld id="{4746D9A5-85CA-4182-8A94-C906263A7ECD}" type="slidenum">
               <a:rPr lang="en-CA" smtClean="0"/>
               <a:pPr/>
-              <a:t>16</a:t>
+              <a:t>17</a:t>
             </a:fld>
             <a:endParaRPr lang="en-CA"/>
           </a:p>
@@ -1203,7 +1204,7 @@
             <a:fld id="{4746D9A5-85CA-4182-8A94-C906263A7ECD}" type="slidenum">
               <a:rPr lang="en-CA" smtClean="0"/>
               <a:pPr/>
-              <a:t>17</a:t>
+              <a:t>18</a:t>
             </a:fld>
             <a:endParaRPr lang="en-CA"/>
           </a:p>
@@ -1285,7 +1286,7 @@
             <a:fld id="{4746D9A5-85CA-4182-8A94-C906263A7ECD}" type="slidenum">
               <a:rPr lang="en-CA" smtClean="0"/>
               <a:pPr/>
-              <a:t>18</a:t>
+              <a:t>19</a:t>
             </a:fld>
             <a:endParaRPr lang="en-CA"/>
           </a:p>
@@ -1367,7 +1368,7 @@
             <a:fld id="{4746D9A5-85CA-4182-8A94-C906263A7ECD}" type="slidenum">
               <a:rPr lang="en-CA" smtClean="0"/>
               <a:pPr/>
-              <a:t>19</a:t>
+              <a:t>20</a:t>
             </a:fld>
             <a:endParaRPr lang="en-CA"/>
           </a:p>
@@ -1531,7 +1532,7 @@
             <a:fld id="{4746D9A5-85CA-4182-8A94-C906263A7ECD}" type="slidenum">
               <a:rPr lang="en-CA" smtClean="0"/>
               <a:pPr/>
-              <a:t>20</a:t>
+              <a:t>21</a:t>
             </a:fld>
             <a:endParaRPr lang="en-CA"/>
           </a:p>
@@ -1613,7 +1614,7 @@
             <a:fld id="{4746D9A5-85CA-4182-8A94-C906263A7ECD}" type="slidenum">
               <a:rPr lang="en-CA" smtClean="0"/>
               <a:pPr/>
-              <a:t>21</a:t>
+              <a:t>22</a:t>
             </a:fld>
             <a:endParaRPr lang="en-CA"/>
           </a:p>
@@ -2383,7 +2384,7 @@
             <a:fld id="{5BBEAD13-0566-4C6C-97E7-55F17F24B09F}" type="datetimeFigureOut">
               <a:rPr lang="zh-TW" altLang="en-US" smtClean="0"/>
               <a:pPr/>
-              <a:t>2011/7/12</a:t>
+              <a:t>2011/7/13</a:t>
             </a:fld>
             <a:endParaRPr lang="zh-TW" altLang="en-US"/>
           </a:p>
@@ -2550,7 +2551,7 @@
             <a:fld id="{5BBEAD13-0566-4C6C-97E7-55F17F24B09F}" type="datetimeFigureOut">
               <a:rPr lang="zh-TW" altLang="en-US" smtClean="0"/>
               <a:pPr/>
-              <a:t>2011/7/12</a:t>
+              <a:t>2011/7/13</a:t>
             </a:fld>
             <a:endParaRPr lang="zh-TW" altLang="en-US"/>
           </a:p>
@@ -2727,7 +2728,7 @@
             <a:fld id="{5BBEAD13-0566-4C6C-97E7-55F17F24B09F}" type="datetimeFigureOut">
               <a:rPr lang="zh-TW" altLang="en-US" smtClean="0"/>
               <a:pPr/>
-              <a:t>2011/7/12</a:t>
+              <a:t>2011/7/13</a:t>
             </a:fld>
             <a:endParaRPr lang="zh-TW" altLang="en-US"/>
           </a:p>
@@ -2894,7 +2895,7 @@
             <a:fld id="{5BBEAD13-0566-4C6C-97E7-55F17F24B09F}" type="datetimeFigureOut">
               <a:rPr lang="zh-TW" altLang="en-US" smtClean="0"/>
               <a:pPr/>
-              <a:t>2011/7/12</a:t>
+              <a:t>2011/7/13</a:t>
             </a:fld>
             <a:endParaRPr lang="zh-TW" altLang="en-US"/>
           </a:p>
@@ -3137,7 +3138,7 @@
             <a:fld id="{5BBEAD13-0566-4C6C-97E7-55F17F24B09F}" type="datetimeFigureOut">
               <a:rPr lang="zh-TW" altLang="en-US" smtClean="0"/>
               <a:pPr/>
-              <a:t>2011/7/12</a:t>
+              <a:t>2011/7/13</a:t>
             </a:fld>
             <a:endParaRPr lang="zh-TW" altLang="en-US"/>
           </a:p>
@@ -3422,7 +3423,7 @@
             <a:fld id="{5BBEAD13-0566-4C6C-97E7-55F17F24B09F}" type="datetimeFigureOut">
               <a:rPr lang="zh-TW" altLang="en-US" smtClean="0"/>
               <a:pPr/>
-              <a:t>2011/7/12</a:t>
+              <a:t>2011/7/13</a:t>
             </a:fld>
             <a:endParaRPr lang="zh-TW" altLang="en-US"/>
           </a:p>
@@ -3841,7 +3842,7 @@
             <a:fld id="{5BBEAD13-0566-4C6C-97E7-55F17F24B09F}" type="datetimeFigureOut">
               <a:rPr lang="zh-TW" altLang="en-US" smtClean="0"/>
               <a:pPr/>
-              <a:t>2011/7/12</a:t>
+              <a:t>2011/7/13</a:t>
             </a:fld>
             <a:endParaRPr lang="zh-TW" altLang="en-US"/>
           </a:p>
@@ -3956,7 +3957,7 @@
             <a:fld id="{5BBEAD13-0566-4C6C-97E7-55F17F24B09F}" type="datetimeFigureOut">
               <a:rPr lang="zh-TW" altLang="en-US" smtClean="0"/>
               <a:pPr/>
-              <a:t>2011/7/12</a:t>
+              <a:t>2011/7/13</a:t>
             </a:fld>
             <a:endParaRPr lang="zh-TW" altLang="en-US"/>
           </a:p>
@@ -4048,7 +4049,7 @@
             <a:fld id="{5BBEAD13-0566-4C6C-97E7-55F17F24B09F}" type="datetimeFigureOut">
               <a:rPr lang="zh-TW" altLang="en-US" smtClean="0"/>
               <a:pPr/>
-              <a:t>2011/7/12</a:t>
+              <a:t>2011/7/13</a:t>
             </a:fld>
             <a:endParaRPr lang="zh-TW" altLang="en-US"/>
           </a:p>
@@ -4322,7 +4323,7 @@
             <a:fld id="{5BBEAD13-0566-4C6C-97E7-55F17F24B09F}" type="datetimeFigureOut">
               <a:rPr lang="zh-TW" altLang="en-US" smtClean="0"/>
               <a:pPr/>
-              <a:t>2011/7/12</a:t>
+              <a:t>2011/7/13</a:t>
             </a:fld>
             <a:endParaRPr lang="zh-TW" altLang="en-US"/>
           </a:p>
@@ -4572,7 +4573,7 @@
             <a:fld id="{5BBEAD13-0566-4C6C-97E7-55F17F24B09F}" type="datetimeFigureOut">
               <a:rPr lang="zh-TW" altLang="en-US" smtClean="0"/>
               <a:pPr/>
-              <a:t>2011/7/12</a:t>
+              <a:t>2011/7/13</a:t>
             </a:fld>
             <a:endParaRPr lang="zh-TW" altLang="en-US"/>
           </a:p>
@@ -4782,7 +4783,7 @@
             <a:fld id="{5BBEAD13-0566-4C6C-97E7-55F17F24B09F}" type="datetimeFigureOut">
               <a:rPr lang="zh-TW" altLang="en-US" smtClean="0"/>
               <a:pPr/>
-              <a:t>2011/7/12</a:t>
+              <a:t>2011/7/13</a:t>
             </a:fld>
             <a:endParaRPr lang="zh-TW" altLang="en-US"/>
           </a:p>
@@ -5546,34 +5547,49 @@
           <a:bodyPr/>
           <a:lstStyle/>
           <a:p>
+            <a:endParaRPr lang="en-CA"/>
+          </a:p>
+        </p:txBody>
+      </p:sp>
+      <p:sp>
+        <p:nvSpPr>
+          <p:cNvPr id="3" name="內容版面配置區 2"/>
+          <p:cNvSpPr>
+            <a:spLocks noGrp="1"/>
+          </p:cNvSpPr>
+          <p:nvPr>
+            <p:ph idx="1"/>
+          </p:nvPr>
+        </p:nvSpPr>
+        <p:spPr/>
+        <p:txBody>
+          <a:bodyPr/>
+          <a:lstStyle/>
+          <a:p>
             <a:r>
               <a:rPr lang="en-CA" dirty="0" smtClean="0"/>
-              <a:t>Static </a:t>
-            </a:r>
-            <a:r>
-              <a:rPr lang="en-CA" smtClean="0"/>
-              <a:t>Assumption Planning</a:t>
-            </a:r>
-            <a:endParaRPr lang="en-CA"/>
-          </a:p>
-        </p:txBody>
-      </p:sp>
-      <p:sp>
-        <p:nvSpPr>
-          <p:cNvPr id="3" name="內容版面配置區 2"/>
-          <p:cNvSpPr>
-            <a:spLocks noGrp="1"/>
-          </p:cNvSpPr>
-          <p:nvPr>
-            <p:ph idx="1"/>
-          </p:nvPr>
-        </p:nvSpPr>
-        <p:spPr/>
-        <p:txBody>
-          <a:bodyPr/>
-          <a:lstStyle/>
-          <a:p>
-            <a:endParaRPr lang="en-CA"/>
+              <a:t>Two Baseline Algorithm</a:t>
+            </a:r>
+          </a:p>
+          <a:p>
+            <a:pPr lvl="1"/>
+            <a:r>
+              <a:rPr lang="en-CA" dirty="0" smtClean="0"/>
+              <a:t>Mario Competition 2009 Champion</a:t>
+            </a:r>
+          </a:p>
+          <a:p>
+            <a:pPr lvl="1"/>
+            <a:r>
+              <a:rPr lang="en-CA" dirty="0" smtClean="0"/>
+              <a:t>RL Competition 2009 Champion</a:t>
+            </a:r>
+          </a:p>
+          <a:p>
+            <a:pPr lvl="1">
+              <a:buNone/>
+            </a:pPr>
+            <a:endParaRPr lang="en-CA" dirty="0"/>
           </a:p>
         </p:txBody>
       </p:sp>
@@ -5617,7 +5633,11 @@
           <a:bodyPr/>
           <a:lstStyle/>
           <a:p>
-            <a:endParaRPr lang="en-CA"/>
+            <a:r>
+              <a:rPr lang="en-CA" dirty="0" smtClean="0"/>
+              <a:t>Mario Competition Champion</a:t>
+            </a:r>
+            <a:endParaRPr lang="en-CA" dirty="0"/>
           </a:p>
         </p:txBody>
       </p:sp>
@@ -5638,27 +5658,34 @@
           <a:p>
             <a:r>
               <a:rPr lang="en-CA" dirty="0" smtClean="0"/>
-              <a:t>Two Baseline Algorithm</a:t>
+              <a:t>A*</a:t>
+            </a:r>
+          </a:p>
+          <a:p>
+            <a:r>
+              <a:rPr lang="en-CA" dirty="0" smtClean="0"/>
+              <a:t>Assume a perfect knowledge about the game</a:t>
             </a:r>
           </a:p>
           <a:p>
             <a:pPr lvl="1"/>
             <a:r>
               <a:rPr lang="en-CA" dirty="0" smtClean="0"/>
-              <a:t>Mario Competition 2009 Champion</a:t>
+              <a:t>Have access to the simulator interface</a:t>
+            </a:r>
+          </a:p>
+          <a:p>
+            <a:r>
+              <a:rPr lang="en-CA" dirty="0" smtClean="0"/>
+              <a:t>My approach: A* with “learned model”</a:t>
             </a:r>
           </a:p>
           <a:p>
             <a:pPr lvl="1"/>
             <a:r>
               <a:rPr lang="en-CA" dirty="0" smtClean="0"/>
-              <a:t>RL Competition 2009 Champion</a:t>
-            </a:r>
-          </a:p>
-          <a:p>
-            <a:pPr lvl="1">
-              <a:buNone/>
-            </a:pPr>
+              <a:t>And static assumption</a:t>
+            </a:r>
             <a:endParaRPr lang="en-CA" dirty="0"/>
           </a:p>
         </p:txBody>
@@ -5703,11 +5730,7 @@
           <a:bodyPr/>
           <a:lstStyle/>
           <a:p>
-            <a:r>
-              <a:rPr lang="en-CA" dirty="0" smtClean="0"/>
-              <a:t>Mario Competition Champion</a:t>
-            </a:r>
-            <a:endParaRPr lang="en-CA" dirty="0"/>
+            <a:endParaRPr lang="zh-TW" altLang="en-US"/>
           </a:p>
         </p:txBody>
       </p:sp>
@@ -5727,36 +5750,60 @@
           <a:lstStyle/>
           <a:p>
             <a:r>
-              <a:rPr lang="en-CA" dirty="0" smtClean="0"/>
-              <a:t>A*</a:t>
-            </a:r>
-          </a:p>
-          <a:p>
-            <a:r>
-              <a:rPr lang="en-CA" dirty="0" smtClean="0"/>
-              <a:t>Assume a perfect knowledge about the game</a:t>
+              <a:rPr lang="en-US" altLang="zh-TW" dirty="0" smtClean="0"/>
+              <a:t>The Hierarchy for Mario</a:t>
             </a:r>
           </a:p>
           <a:p>
             <a:pPr lvl="1"/>
             <a:r>
-              <a:rPr lang="en-CA" dirty="0" smtClean="0"/>
-              <a:t>Have access to the simulator interface</a:t>
-            </a:r>
-          </a:p>
-          <a:p>
-            <a:r>
-              <a:rPr lang="en-CA" dirty="0" smtClean="0"/>
-              <a:t>My approach: A* with “learned model”</a:t>
+              <a:rPr lang="en-US" altLang="zh-TW" dirty="0" err="1" smtClean="0"/>
+              <a:t>Pics</a:t>
+            </a:r>
+            <a:r>
+              <a:rPr lang="en-US" altLang="zh-TW" dirty="0" smtClean="0"/>
+              <a:t> here</a:t>
+            </a:r>
+          </a:p>
+          <a:p>
+            <a:r>
+              <a:rPr lang="en-US" altLang="zh-TW" dirty="0" smtClean="0"/>
+              <a:t>No temporal abstraction and spatial abstraction</a:t>
             </a:r>
           </a:p>
           <a:p>
             <a:pPr lvl="1"/>
             <a:r>
-              <a:rPr lang="en-CA" dirty="0" smtClean="0"/>
-              <a:t>And static assumption</a:t>
-            </a:r>
-            <a:endParaRPr lang="en-CA" dirty="0"/>
+              <a:rPr lang="en-US" altLang="zh-TW" dirty="0" smtClean="0"/>
+              <a:t>No benefit from hierarchical representation</a:t>
+            </a:r>
+          </a:p>
+          <a:p>
+            <a:r>
+              <a:rPr lang="en-US" altLang="zh-TW" dirty="0" smtClean="0"/>
+              <a:t>The benefit from my </a:t>
+            </a:r>
+            <a:r>
+              <a:rPr lang="en-US" altLang="zh-TW" dirty="0" err="1" smtClean="0"/>
+              <a:t>appraoch</a:t>
+            </a:r>
+            <a:endParaRPr lang="en-US" altLang="zh-TW" dirty="0" smtClean="0"/>
+          </a:p>
+          <a:p>
+            <a:pPr lvl="1"/>
+            <a:r>
+              <a:rPr lang="en-US" altLang="zh-TW" dirty="0" smtClean="0"/>
+              <a:t>The combination of two complementary </a:t>
+            </a:r>
+            <a:r>
+              <a:rPr lang="en-US" altLang="zh-TW" dirty="0" err="1" smtClean="0"/>
+              <a:t>appraoch</a:t>
+            </a:r>
+            <a:endParaRPr lang="en-US" altLang="zh-TW" dirty="0" smtClean="0"/>
+          </a:p>
+          <a:p>
+            <a:pPr lvl="1"/>
+            <a:endParaRPr lang="zh-TW" altLang="en-US" dirty="0"/>
           </a:p>
         </p:txBody>
       </p:sp>
@@ -5800,6 +5847,14 @@
           <a:bodyPr/>
           <a:lstStyle/>
           <a:p>
+            <a:r>
+              <a:rPr lang="en-CA" dirty="0" smtClean="0"/>
+              <a:t>Static </a:t>
+            </a:r>
+            <a:r>
+              <a:rPr lang="en-CA" smtClean="0"/>
+              <a:t>Assumption Planning</a:t>
+            </a:r>
             <a:endParaRPr lang="en-CA"/>
           </a:p>
         </p:txBody>
@@ -5821,77 +5876,26 @@
           <a:p>
             <a:r>
               <a:rPr lang="en-CA" dirty="0" smtClean="0"/>
-              <a:t>Mario:</a:t>
+              <a:t>Learner</a:t>
             </a:r>
           </a:p>
           <a:p>
             <a:pPr lvl="1"/>
             <a:r>
               <a:rPr lang="en-CA" dirty="0" smtClean="0"/>
-              <a:t>Why model-based is </a:t>
+              <a:t>Predict the future location of </a:t>
             </a:r>
             <a:r>
               <a:rPr lang="en-CA" dirty="0" err="1" smtClean="0"/>
-              <a:t>neccessary</a:t>
+              <a:t>mario</a:t>
             </a:r>
             <a:r>
               <a:rPr lang="en-CA" dirty="0" smtClean="0"/>
-              <a:t>-&gt;the pit</a:t>
+              <a:t>, and speed</a:t>
             </a:r>
           </a:p>
           <a:p>
             <a:pPr lvl="1"/>
-            <a:r>
-              <a:rPr lang="en-CA" dirty="0" smtClean="0"/>
-              <a:t>Why model-free is </a:t>
-            </a:r>
-            <a:r>
-              <a:rPr lang="en-CA" dirty="0" err="1" smtClean="0"/>
-              <a:t>neccessary</a:t>
-            </a:r>
-            <a:r>
-              <a:rPr lang="en-CA" dirty="0" smtClean="0"/>
-              <a:t> -&gt;</a:t>
-            </a:r>
-          </a:p>
-          <a:p>
-            <a:pPr lvl="2"/>
-            <a:r>
-              <a:rPr lang="en-CA" dirty="0" smtClean="0"/>
-              <a:t>Not everything can be modeled –</a:t>
-            </a:r>
-          </a:p>
-          <a:p>
-            <a:pPr lvl="3"/>
-            <a:r>
-              <a:rPr lang="en-CA" dirty="0" smtClean="0"/>
-              <a:t>Moving monster</a:t>
-            </a:r>
-          </a:p>
-          <a:p>
-            <a:pPr lvl="3"/>
-            <a:r>
-              <a:rPr lang="en-CA" dirty="0" smtClean="0"/>
-              <a:t>Turtle-&gt;shell</a:t>
-            </a:r>
-          </a:p>
-          <a:p>
-            <a:pPr lvl="3"/>
-            <a:r>
-              <a:rPr lang="en-CA" dirty="0" smtClean="0"/>
-              <a:t>Kick shell to the wall</a:t>
-            </a:r>
-          </a:p>
-          <a:p>
-            <a:pPr lvl="3"/>
-            <a:r>
-              <a:rPr lang="en-CA" dirty="0" err="1" smtClean="0"/>
-              <a:t>Piraha</a:t>
-            </a:r>
-            <a:r>
-              <a:rPr lang="en-CA" dirty="0" smtClean="0"/>
-              <a:t> flower</a:t>
-            </a:r>
             <a:endParaRPr lang="en-CA" dirty="0"/>
           </a:p>
         </p:txBody>
@@ -5936,43 +5940,148 @@
           <a:bodyPr/>
           <a:lstStyle/>
           <a:p>
+            <a:endParaRPr lang="en-CA"/>
+          </a:p>
+        </p:txBody>
+      </p:sp>
+      <p:sp>
+        <p:nvSpPr>
+          <p:cNvPr id="3" name="內容版面配置區 2"/>
+          <p:cNvSpPr>
+            <a:spLocks noGrp="1"/>
+          </p:cNvSpPr>
+          <p:nvPr>
+            <p:ph idx="1"/>
+          </p:nvPr>
+        </p:nvSpPr>
+        <p:spPr/>
+        <p:txBody>
+          <a:bodyPr>
+            <a:normAutofit fontScale="92500" lnSpcReduction="10000"/>
+          </a:bodyPr>
+          <a:lstStyle/>
+          <a:p>
             <a:r>
               <a:rPr lang="en-CA" dirty="0" smtClean="0"/>
-              <a:t>RL Competition</a:t>
-            </a:r>
-            <a:endParaRPr lang="en-CA" dirty="0"/>
-          </a:p>
-        </p:txBody>
-      </p:sp>
-      <p:sp>
-        <p:nvSpPr>
-          <p:cNvPr id="3" name="內容版面配置區 2"/>
-          <p:cNvSpPr>
-            <a:spLocks noGrp="1"/>
-          </p:cNvSpPr>
-          <p:nvPr>
-            <p:ph idx="1"/>
-          </p:nvPr>
-        </p:nvSpPr>
-        <p:spPr/>
-        <p:txBody>
-          <a:bodyPr/>
-          <a:lstStyle/>
-          <a:p>
+              <a:t>Mario:</a:t>
+            </a:r>
+          </a:p>
+          <a:p>
+            <a:pPr lvl="1"/>
             <a:r>
               <a:rPr lang="en-CA" dirty="0" smtClean="0"/>
-              <a:t>Linear </a:t>
+              <a:t>Why model-based is </a:t>
             </a:r>
             <a:r>
               <a:rPr lang="en-CA" dirty="0" err="1" smtClean="0"/>
-              <a:t>Sarsa</a:t>
+              <a:t>neccessary</a:t>
+            </a:r>
+            <a:r>
+              <a:rPr lang="en-CA" dirty="0" smtClean="0"/>
+              <a:t>-&gt;the pit</a:t>
+            </a:r>
+          </a:p>
+          <a:p>
+            <a:pPr lvl="1"/>
+            <a:r>
+              <a:rPr lang="en-CA" dirty="0" smtClean="0"/>
+              <a:t>Why model-free is </a:t>
+            </a:r>
+            <a:r>
+              <a:rPr lang="en-CA" dirty="0" err="1" smtClean="0"/>
+              <a:t>neccessary</a:t>
+            </a:r>
+            <a:r>
+              <a:rPr lang="en-CA" dirty="0" smtClean="0"/>
+              <a:t> -&gt;</a:t>
+            </a:r>
+          </a:p>
+          <a:p>
+            <a:pPr lvl="2"/>
+            <a:r>
+              <a:rPr lang="en-CA" dirty="0" smtClean="0"/>
+              <a:t>Not everything can be modeled </a:t>
+            </a:r>
+            <a:r>
+              <a:rPr lang="en-CA" dirty="0" smtClean="0"/>
+              <a:t>–</a:t>
+            </a:r>
+          </a:p>
+          <a:p>
+            <a:pPr lvl="3"/>
+            <a:r>
+              <a:rPr lang="en-CA" dirty="0" smtClean="0"/>
+              <a:t>We don’t know when</a:t>
             </a:r>
             <a:endParaRPr lang="en-CA" dirty="0" smtClean="0"/>
           </a:p>
           <a:p>
+            <a:pPr lvl="3"/>
             <a:r>
               <a:rPr lang="en-CA" dirty="0" smtClean="0"/>
-              <a:t>3 nearest monster or pit</a:t>
+              <a:t>Moving monster</a:t>
+            </a:r>
+          </a:p>
+          <a:p>
+            <a:pPr lvl="3"/>
+            <a:r>
+              <a:rPr lang="en-CA" dirty="0" smtClean="0"/>
+              <a:t> Turtle will </a:t>
+            </a:r>
+            <a:r>
+              <a:rPr lang="en-CA" dirty="0" smtClean="0"/>
+              <a:t>be turned </a:t>
+            </a:r>
+            <a:r>
+              <a:rPr lang="en-CA" smtClean="0"/>
+              <a:t>into shell </a:t>
+            </a:r>
+            <a:r>
+              <a:rPr lang="en-CA" smtClean="0"/>
+              <a:t>Turtle-</a:t>
+            </a:r>
+            <a:r>
+              <a:rPr lang="en-CA" dirty="0" smtClean="0"/>
+              <a:t>&gt;shell</a:t>
+            </a:r>
+          </a:p>
+          <a:p>
+            <a:pPr lvl="3"/>
+            <a:r>
+              <a:rPr lang="en-CA" dirty="0" smtClean="0"/>
+              <a:t>Kick shell to the wall</a:t>
+            </a:r>
+          </a:p>
+          <a:p>
+            <a:pPr lvl="3"/>
+            <a:r>
+              <a:rPr lang="en-CA" dirty="0" err="1" smtClean="0"/>
+              <a:t>Piraha</a:t>
+            </a:r>
+            <a:r>
+              <a:rPr lang="en-CA" dirty="0" smtClean="0"/>
+              <a:t> flower</a:t>
+            </a:r>
+          </a:p>
+          <a:p>
+            <a:pPr lvl="3"/>
+            <a:r>
+              <a:rPr lang="en-CA" dirty="0" smtClean="0"/>
+              <a:t>Monsters comes out from right edge of the screen</a:t>
+            </a:r>
+          </a:p>
+          <a:p>
+            <a:pPr lvl="3"/>
+            <a:r>
+              <a:rPr lang="en-CA" dirty="0" smtClean="0"/>
+              <a:t>Fireball kills the monster</a:t>
+            </a:r>
+          </a:p>
+          <a:p>
+            <a:pPr lvl="2"/>
+            <a:r>
+              <a:rPr lang="en-CA" dirty="0" smtClean="0"/>
+              <a:t>Mario is the only moving subject</a:t>
             </a:r>
             <a:endParaRPr lang="en-CA" dirty="0"/>
           </a:p>
@@ -6020,7 +6129,7 @@
           <a:p>
             <a:r>
               <a:rPr lang="en-CA" dirty="0" smtClean="0"/>
-              <a:t>Conclusion</a:t>
+              <a:t>RL Competition</a:t>
             </a:r>
             <a:endParaRPr lang="en-CA" dirty="0"/>
           </a:p>
@@ -6043,7 +6152,18 @@
           <a:p>
             <a:r>
               <a:rPr lang="en-CA" dirty="0" smtClean="0"/>
-              <a:t>I combine two champion approaches and produce a better one</a:t>
+              <a:t>Linear </a:t>
+            </a:r>
+            <a:r>
+              <a:rPr lang="en-CA" dirty="0" err="1" smtClean="0"/>
+              <a:t>Sarsa</a:t>
+            </a:r>
+            <a:endParaRPr lang="en-CA" dirty="0" smtClean="0"/>
+          </a:p>
+          <a:p>
+            <a:r>
+              <a:rPr lang="en-CA" dirty="0" smtClean="0"/>
+              <a:t>3 nearest monster or pit</a:t>
             </a:r>
             <a:endParaRPr lang="en-CA" dirty="0"/>
           </a:p>
@@ -6157,10 +6277,10 @@
           <a:lstStyle/>
           <a:p>
             <a:r>
-              <a:rPr lang="en-US" altLang="zh-TW" dirty="0" smtClean="0"/>
-              <a:t>Optimality is not that important</a:t>
-            </a:r>
-            <a:endParaRPr lang="zh-TW" altLang="en-US" dirty="0"/>
+              <a:rPr lang="en-CA" dirty="0" smtClean="0"/>
+              <a:t>Conclusion</a:t>
+            </a:r>
+            <a:endParaRPr lang="en-CA" dirty="0"/>
           </a:p>
         </p:txBody>
       </p:sp>
@@ -6180,17 +6300,10 @@
           <a:lstStyle/>
           <a:p>
             <a:r>
-              <a:rPr lang="en-US" altLang="zh-TW" dirty="0" smtClean="0"/>
-              <a:t>There are many path to the goal</a:t>
-            </a:r>
-          </a:p>
-          <a:p>
-            <a:pPr lvl="1"/>
-            <a:r>
-              <a:rPr lang="en-US" altLang="zh-TW" dirty="0" smtClean="0"/>
-              <a:t>Little of them are completely wrong</a:t>
-            </a:r>
-            <a:endParaRPr lang="zh-TW" altLang="en-US" dirty="0"/>
+              <a:rPr lang="en-CA" dirty="0" smtClean="0"/>
+              <a:t>I combine two champion approaches and produce a better one</a:t>
+            </a:r>
+            <a:endParaRPr lang="en-CA" dirty="0"/>
           </a:p>
         </p:txBody>
       </p:sp>
@@ -6203,6 +6316,84 @@
 </file>
 
 <file path=ppt/slides/slide21.xml><?xml version="1.0" encoding="utf-8"?>
+<p:sld xmlns:a="http://schemas.openxmlformats.org/drawingml/2006/main" xmlns:r="http://schemas.openxmlformats.org/officeDocument/2006/relationships" xmlns:p="http://schemas.openxmlformats.org/presentationml/2006/main">
+  <p:cSld>
+    <p:spTree>
+      <p:nvGrpSpPr>
+        <p:cNvPr id="1" name=""/>
+        <p:cNvGrpSpPr/>
+        <p:nvPr/>
+      </p:nvGrpSpPr>
+      <p:grpSpPr>
+        <a:xfrm>
+          <a:off x="0" y="0"/>
+          <a:ext cx="0" cy="0"/>
+          <a:chOff x="0" y="0"/>
+          <a:chExt cx="0" cy="0"/>
+        </a:xfrm>
+      </p:grpSpPr>
+      <p:sp>
+        <p:nvSpPr>
+          <p:cNvPr id="2" name="標題 1"/>
+          <p:cNvSpPr>
+            <a:spLocks noGrp="1"/>
+          </p:cNvSpPr>
+          <p:nvPr>
+            <p:ph type="title"/>
+          </p:nvPr>
+        </p:nvSpPr>
+        <p:spPr/>
+        <p:txBody>
+          <a:bodyPr/>
+          <a:lstStyle/>
+          <a:p>
+            <a:r>
+              <a:rPr lang="en-US" altLang="zh-TW" dirty="0" smtClean="0"/>
+              <a:t>Optimality is not that important</a:t>
+            </a:r>
+            <a:endParaRPr lang="zh-TW" altLang="en-US" dirty="0"/>
+          </a:p>
+        </p:txBody>
+      </p:sp>
+      <p:sp>
+        <p:nvSpPr>
+          <p:cNvPr id="3" name="內容版面配置區 2"/>
+          <p:cNvSpPr>
+            <a:spLocks noGrp="1"/>
+          </p:cNvSpPr>
+          <p:nvPr>
+            <p:ph idx="1"/>
+          </p:nvPr>
+        </p:nvSpPr>
+        <p:spPr/>
+        <p:txBody>
+          <a:bodyPr/>
+          <a:lstStyle/>
+          <a:p>
+            <a:r>
+              <a:rPr lang="en-US" altLang="zh-TW" dirty="0" smtClean="0"/>
+              <a:t>There are many path to the goal</a:t>
+            </a:r>
+          </a:p>
+          <a:p>
+            <a:pPr lvl="1"/>
+            <a:r>
+              <a:rPr lang="en-US" altLang="zh-TW" dirty="0" smtClean="0"/>
+              <a:t>Little of them are completely wrong</a:t>
+            </a:r>
+            <a:endParaRPr lang="zh-TW" altLang="en-US" dirty="0"/>
+          </a:p>
+        </p:txBody>
+      </p:sp>
+    </p:spTree>
+  </p:cSld>
+  <p:clrMapOvr>
+    <a:masterClrMapping/>
+  </p:clrMapOvr>
+</p:sld>
+</file>
+
+<file path=ppt/slides/slide22.xml><?xml version="1.0" encoding="utf-8"?>
 <p:sld xmlns:a="http://schemas.openxmlformats.org/drawingml/2006/main" xmlns:r="http://schemas.openxmlformats.org/officeDocument/2006/relationships" xmlns:p="http://schemas.openxmlformats.org/presentationml/2006/main">
   <p:cSld>
     <p:spTree>

--- a/OptimalPlanning.pptx
+++ b/OptimalPlanning.pptx
@@ -5,7 +5,7 @@
     <p:sldMasterId id="2147483648" r:id="rId1"/>
   </p:sldMasterIdLst>
   <p:notesMasterIdLst>
-    <p:notesMasterId r:id="rId24"/>
+    <p:notesMasterId r:id="rId25"/>
   </p:notesMasterIdLst>
   <p:sldIdLst>
     <p:sldId id="256" r:id="rId2"/>
@@ -27,9 +27,10 @@
     <p:sldId id="280" r:id="rId18"/>
     <p:sldId id="278" r:id="rId19"/>
     <p:sldId id="275" r:id="rId20"/>
-    <p:sldId id="276" r:id="rId21"/>
-    <p:sldId id="257" r:id="rId22"/>
-    <p:sldId id="258" r:id="rId23"/>
+    <p:sldId id="281" r:id="rId21"/>
+    <p:sldId id="276" r:id="rId22"/>
+    <p:sldId id="257" r:id="rId23"/>
+    <p:sldId id="258" r:id="rId24"/>
   </p:sldIdLst>
   <p:sldSz cx="9144000" cy="6858000" type="screen4x3"/>
   <p:notesSz cx="6858000" cy="9144000"/>
@@ -214,7 +215,7 @@
             <a:fld id="{41C79C29-2E6F-4CFC-9D0D-ACF4D3C334D4}" type="datetimeFigureOut">
               <a:rPr lang="en-US" smtClean="0"/>
               <a:pPr/>
-              <a:t>7/13/2011</a:t>
+              <a:t>7/14/2011</a:t>
             </a:fld>
             <a:endParaRPr lang="en-CA"/>
           </a:p>
@@ -1368,7 +1369,7 @@
             <a:fld id="{4746D9A5-85CA-4182-8A94-C906263A7ECD}" type="slidenum">
               <a:rPr lang="en-CA" smtClean="0"/>
               <a:pPr/>
-              <a:t>20</a:t>
+              <a:t>21</a:t>
             </a:fld>
             <a:endParaRPr lang="en-CA"/>
           </a:p>
@@ -1532,7 +1533,7 @@
             <a:fld id="{4746D9A5-85CA-4182-8A94-C906263A7ECD}" type="slidenum">
               <a:rPr lang="en-CA" smtClean="0"/>
               <a:pPr/>
-              <a:t>21</a:t>
+              <a:t>22</a:t>
             </a:fld>
             <a:endParaRPr lang="en-CA"/>
           </a:p>
@@ -1614,7 +1615,7 @@
             <a:fld id="{4746D9A5-85CA-4182-8A94-C906263A7ECD}" type="slidenum">
               <a:rPr lang="en-CA" smtClean="0"/>
               <a:pPr/>
-              <a:t>22</a:t>
+              <a:t>23</a:t>
             </a:fld>
             <a:endParaRPr lang="en-CA"/>
           </a:p>
@@ -2384,7 +2385,7 @@
             <a:fld id="{5BBEAD13-0566-4C6C-97E7-55F17F24B09F}" type="datetimeFigureOut">
               <a:rPr lang="zh-TW" altLang="en-US" smtClean="0"/>
               <a:pPr/>
-              <a:t>2011/7/13</a:t>
+              <a:t>2011/7/14</a:t>
             </a:fld>
             <a:endParaRPr lang="zh-TW" altLang="en-US"/>
           </a:p>
@@ -2551,7 +2552,7 @@
             <a:fld id="{5BBEAD13-0566-4C6C-97E7-55F17F24B09F}" type="datetimeFigureOut">
               <a:rPr lang="zh-TW" altLang="en-US" smtClean="0"/>
               <a:pPr/>
-              <a:t>2011/7/13</a:t>
+              <a:t>2011/7/14</a:t>
             </a:fld>
             <a:endParaRPr lang="zh-TW" altLang="en-US"/>
           </a:p>
@@ -2728,7 +2729,7 @@
             <a:fld id="{5BBEAD13-0566-4C6C-97E7-55F17F24B09F}" type="datetimeFigureOut">
               <a:rPr lang="zh-TW" altLang="en-US" smtClean="0"/>
               <a:pPr/>
-              <a:t>2011/7/13</a:t>
+              <a:t>2011/7/14</a:t>
             </a:fld>
             <a:endParaRPr lang="zh-TW" altLang="en-US"/>
           </a:p>
@@ -2895,7 +2896,7 @@
             <a:fld id="{5BBEAD13-0566-4C6C-97E7-55F17F24B09F}" type="datetimeFigureOut">
               <a:rPr lang="zh-TW" altLang="en-US" smtClean="0"/>
               <a:pPr/>
-              <a:t>2011/7/13</a:t>
+              <a:t>2011/7/14</a:t>
             </a:fld>
             <a:endParaRPr lang="zh-TW" altLang="en-US"/>
           </a:p>
@@ -3138,7 +3139,7 @@
             <a:fld id="{5BBEAD13-0566-4C6C-97E7-55F17F24B09F}" type="datetimeFigureOut">
               <a:rPr lang="zh-TW" altLang="en-US" smtClean="0"/>
               <a:pPr/>
-              <a:t>2011/7/13</a:t>
+              <a:t>2011/7/14</a:t>
             </a:fld>
             <a:endParaRPr lang="zh-TW" altLang="en-US"/>
           </a:p>
@@ -3423,7 +3424,7 @@
             <a:fld id="{5BBEAD13-0566-4C6C-97E7-55F17F24B09F}" type="datetimeFigureOut">
               <a:rPr lang="zh-TW" altLang="en-US" smtClean="0"/>
               <a:pPr/>
-              <a:t>2011/7/13</a:t>
+              <a:t>2011/7/14</a:t>
             </a:fld>
             <a:endParaRPr lang="zh-TW" altLang="en-US"/>
           </a:p>
@@ -3842,7 +3843,7 @@
             <a:fld id="{5BBEAD13-0566-4C6C-97E7-55F17F24B09F}" type="datetimeFigureOut">
               <a:rPr lang="zh-TW" altLang="en-US" smtClean="0"/>
               <a:pPr/>
-              <a:t>2011/7/13</a:t>
+              <a:t>2011/7/14</a:t>
             </a:fld>
             <a:endParaRPr lang="zh-TW" altLang="en-US"/>
           </a:p>
@@ -3957,7 +3958,7 @@
             <a:fld id="{5BBEAD13-0566-4C6C-97E7-55F17F24B09F}" type="datetimeFigureOut">
               <a:rPr lang="zh-TW" altLang="en-US" smtClean="0"/>
               <a:pPr/>
-              <a:t>2011/7/13</a:t>
+              <a:t>2011/7/14</a:t>
             </a:fld>
             <a:endParaRPr lang="zh-TW" altLang="en-US"/>
           </a:p>
@@ -4049,7 +4050,7 @@
             <a:fld id="{5BBEAD13-0566-4C6C-97E7-55F17F24B09F}" type="datetimeFigureOut">
               <a:rPr lang="zh-TW" altLang="en-US" smtClean="0"/>
               <a:pPr/>
-              <a:t>2011/7/13</a:t>
+              <a:t>2011/7/14</a:t>
             </a:fld>
             <a:endParaRPr lang="zh-TW" altLang="en-US"/>
           </a:p>
@@ -4323,7 +4324,7 @@
             <a:fld id="{5BBEAD13-0566-4C6C-97E7-55F17F24B09F}" type="datetimeFigureOut">
               <a:rPr lang="zh-TW" altLang="en-US" smtClean="0"/>
               <a:pPr/>
-              <a:t>2011/7/13</a:t>
+              <a:t>2011/7/14</a:t>
             </a:fld>
             <a:endParaRPr lang="zh-TW" altLang="en-US"/>
           </a:p>
@@ -4573,7 +4574,7 @@
             <a:fld id="{5BBEAD13-0566-4C6C-97E7-55F17F24B09F}" type="datetimeFigureOut">
               <a:rPr lang="zh-TW" altLang="en-US" smtClean="0"/>
               <a:pPr/>
-              <a:t>2011/7/13</a:t>
+              <a:t>2011/7/14</a:t>
             </a:fld>
             <a:endParaRPr lang="zh-TW" altLang="en-US"/>
           </a:p>
@@ -4783,7 +4784,7 @@
             <a:fld id="{5BBEAD13-0566-4C6C-97E7-55F17F24B09F}" type="datetimeFigureOut">
               <a:rPr lang="zh-TW" altLang="en-US" smtClean="0"/>
               <a:pPr/>
-              <a:t>2011/7/13</a:t>
+              <a:t>2011/7/14</a:t>
             </a:fld>
             <a:endParaRPr lang="zh-TW" altLang="en-US"/>
           </a:p>
@@ -5762,8 +5763,20 @@
             </a:r>
             <a:r>
               <a:rPr lang="en-US" altLang="zh-TW" dirty="0" smtClean="0"/>
-              <a:t> here</a:t>
-            </a:r>
+              <a:t> </a:t>
+            </a:r>
+            <a:r>
+              <a:rPr lang="en-US" altLang="zh-TW" dirty="0" smtClean="0"/>
+              <a:t>here</a:t>
+            </a:r>
+          </a:p>
+          <a:p>
+            <a:pPr lvl="1"/>
+            <a:r>
+              <a:rPr lang="en-US" altLang="zh-TW" dirty="0" smtClean="0"/>
+              <a:t>9 actions</a:t>
+            </a:r>
+            <a:endParaRPr lang="en-US" altLang="zh-TW" dirty="0" smtClean="0"/>
           </a:p>
           <a:p>
             <a:r>
@@ -5883,6 +5896,13 @@
             <a:pPr lvl="1"/>
             <a:r>
               <a:rPr lang="en-CA" dirty="0" smtClean="0"/>
+              <a:t>Regression Tree</a:t>
+            </a:r>
+          </a:p>
+          <a:p>
+            <a:pPr lvl="1"/>
+            <a:r>
+              <a:rPr lang="en-CA" dirty="0" smtClean="0"/>
               <a:t>Predict the future location of </a:t>
             </a:r>
             <a:r>
@@ -5891,8 +5911,13 @@
             </a:r>
             <a:r>
               <a:rPr lang="en-CA" dirty="0" smtClean="0"/>
-              <a:t>, and speed</a:t>
-            </a:r>
+              <a:t>, and speed </a:t>
+            </a:r>
+            <a:r>
+              <a:rPr lang="en-CA" smtClean="0"/>
+              <a:t>and reward</a:t>
+            </a:r>
+            <a:endParaRPr lang="en-CA" dirty="0" smtClean="0"/>
           </a:p>
           <a:p>
             <a:pPr lvl="1"/>
@@ -6000,11 +6025,7 @@
             <a:pPr lvl="2"/>
             <a:r>
               <a:rPr lang="en-CA" dirty="0" smtClean="0"/>
-              <a:t>Not everything can be modeled </a:t>
-            </a:r>
-            <a:r>
-              <a:rPr lang="en-CA" dirty="0" smtClean="0"/>
-              <a:t>–</a:t>
+              <a:t>Not everything can be modeled –</a:t>
             </a:r>
           </a:p>
           <a:p>
@@ -6013,7 +6034,6 @@
               <a:rPr lang="en-CA" dirty="0" smtClean="0"/>
               <a:t>We don’t know when</a:t>
             </a:r>
-            <a:endParaRPr lang="en-CA" dirty="0" smtClean="0"/>
           </a:p>
           <a:p>
             <a:pPr lvl="3"/>
@@ -6026,19 +6046,11 @@
             <a:pPr lvl="3"/>
             <a:r>
               <a:rPr lang="en-CA" dirty="0" smtClean="0"/>
-              <a:t> Turtle will </a:t>
-            </a:r>
-            <a:r>
-              <a:rPr lang="en-CA" dirty="0" smtClean="0"/>
-              <a:t>be turned </a:t>
+              <a:t> Turtle will be turned </a:t>
             </a:r>
             <a:r>
               <a:rPr lang="en-CA" smtClean="0"/>
-              <a:t>into shell </a:t>
-            </a:r>
-            <a:r>
-              <a:rPr lang="en-CA" smtClean="0"/>
-              <a:t>Turtle-</a:t>
+              <a:t>into shell Turtle-</a:t>
             </a:r>
             <a:r>
               <a:rPr lang="en-CA" dirty="0" smtClean="0"/>
@@ -6152,6 +6164,26 @@
           <a:p>
             <a:r>
               <a:rPr lang="en-CA" dirty="0" smtClean="0"/>
+              <a:t>Input Features:</a:t>
+            </a:r>
+          </a:p>
+          <a:p>
+            <a:pPr lvl="1"/>
+            <a:r>
+              <a:rPr lang="en-CA" dirty="0" smtClean="0"/>
+              <a:t>22x16 Tiles (not including monsters)</a:t>
+            </a:r>
+          </a:p>
+          <a:p>
+            <a:pPr lvl="1"/>
+            <a:r>
+              <a:rPr lang="en-CA" dirty="0" smtClean="0"/>
+              <a:t>List of monsters (including speed and position)</a:t>
+            </a:r>
+          </a:p>
+          <a:p>
+            <a:r>
+              <a:rPr lang="en-CA" dirty="0" smtClean="0"/>
               <a:t>Linear </a:t>
             </a:r>
             <a:r>
@@ -6164,6 +6196,31 @@
             <a:r>
               <a:rPr lang="en-CA" dirty="0" smtClean="0"/>
               <a:t>3 nearest monster or pit</a:t>
+            </a:r>
+          </a:p>
+          <a:p>
+            <a:pPr lvl="1"/>
+            <a:r>
+              <a:rPr lang="en-CA" dirty="0" smtClean="0"/>
+              <a:t>How to represent the </a:t>
+            </a:r>
+            <a:r>
+              <a:rPr lang="en-CA" dirty="0" smtClean="0"/>
+              <a:t>pit</a:t>
+            </a:r>
+          </a:p>
+          <a:p>
+            <a:pPr lvl="1"/>
+            <a:r>
+              <a:rPr lang="en-CA" dirty="0" smtClean="0"/>
+              <a:t>Theirs-&gt; hand-coded the pit feature</a:t>
+            </a:r>
+          </a:p>
+          <a:p>
+            <a:pPr lvl="1"/>
+            <a:r>
+              <a:rPr lang="en-CA" dirty="0" smtClean="0"/>
+              <a:t>Mine-&gt; work on 5x5 tiles</a:t>
             </a:r>
             <a:endParaRPr lang="en-CA" dirty="0"/>
           </a:p>
@@ -6276,11 +6333,7 @@
           <a:bodyPr/>
           <a:lstStyle/>
           <a:p>
-            <a:r>
-              <a:rPr lang="en-CA" dirty="0" smtClean="0"/>
-              <a:t>Conclusion</a:t>
-            </a:r>
-            <a:endParaRPr lang="en-CA" dirty="0"/>
+            <a:endParaRPr lang="zh-TW" altLang="en-US"/>
           </a:p>
         </p:txBody>
       </p:sp>
@@ -6300,10 +6353,16 @@
           <a:lstStyle/>
           <a:p>
             <a:r>
-              <a:rPr lang="en-CA" dirty="0" smtClean="0"/>
-              <a:t>I combine two champion approaches and produce a better one</a:t>
-            </a:r>
-            <a:endParaRPr lang="en-CA" dirty="0"/>
+              <a:rPr lang="en-US" altLang="zh-TW" dirty="0" smtClean="0"/>
+              <a:t>Why model-based approach can handle pit?</a:t>
+            </a:r>
+          </a:p>
+          <a:p>
+            <a:r>
+              <a:rPr lang="en-US" altLang="zh-TW" dirty="0" smtClean="0"/>
+              <a:t>Why model-free approach can’t?</a:t>
+            </a:r>
+            <a:endParaRPr lang="zh-TW" altLang="en-US" dirty="0"/>
           </a:p>
         </p:txBody>
       </p:sp>
@@ -6348,10 +6407,10 @@
           <a:lstStyle/>
           <a:p>
             <a:r>
-              <a:rPr lang="en-US" altLang="zh-TW" dirty="0" smtClean="0"/>
-              <a:t>Optimality is not that important</a:t>
-            </a:r>
-            <a:endParaRPr lang="zh-TW" altLang="en-US" dirty="0"/>
+              <a:rPr lang="en-CA" dirty="0" smtClean="0"/>
+              <a:t>Conclusion</a:t>
+            </a:r>
+            <a:endParaRPr lang="en-CA" dirty="0"/>
           </a:p>
         </p:txBody>
       </p:sp>
@@ -6371,17 +6430,10 @@
           <a:lstStyle/>
           <a:p>
             <a:r>
-              <a:rPr lang="en-US" altLang="zh-TW" dirty="0" smtClean="0"/>
-              <a:t>There are many path to the goal</a:t>
-            </a:r>
-          </a:p>
-          <a:p>
-            <a:pPr lvl="1"/>
-            <a:r>
-              <a:rPr lang="en-US" altLang="zh-TW" dirty="0" smtClean="0"/>
-              <a:t>Little of them are completely wrong</a:t>
-            </a:r>
-            <a:endParaRPr lang="zh-TW" altLang="en-US" dirty="0"/>
+              <a:rPr lang="en-CA" dirty="0" smtClean="0"/>
+              <a:t>I combine two champion approaches and produce a better one</a:t>
+            </a:r>
+            <a:endParaRPr lang="en-CA" dirty="0"/>
           </a:p>
         </p:txBody>
       </p:sp>
@@ -6394,6 +6446,84 @@
 </file>
 
 <file path=ppt/slides/slide22.xml><?xml version="1.0" encoding="utf-8"?>
+<p:sld xmlns:a="http://schemas.openxmlformats.org/drawingml/2006/main" xmlns:r="http://schemas.openxmlformats.org/officeDocument/2006/relationships" xmlns:p="http://schemas.openxmlformats.org/presentationml/2006/main">
+  <p:cSld>
+    <p:spTree>
+      <p:nvGrpSpPr>
+        <p:cNvPr id="1" name=""/>
+        <p:cNvGrpSpPr/>
+        <p:nvPr/>
+      </p:nvGrpSpPr>
+      <p:grpSpPr>
+        <a:xfrm>
+          <a:off x="0" y="0"/>
+          <a:ext cx="0" cy="0"/>
+          <a:chOff x="0" y="0"/>
+          <a:chExt cx="0" cy="0"/>
+        </a:xfrm>
+      </p:grpSpPr>
+      <p:sp>
+        <p:nvSpPr>
+          <p:cNvPr id="2" name="標題 1"/>
+          <p:cNvSpPr>
+            <a:spLocks noGrp="1"/>
+          </p:cNvSpPr>
+          <p:nvPr>
+            <p:ph type="title"/>
+          </p:nvPr>
+        </p:nvSpPr>
+        <p:spPr/>
+        <p:txBody>
+          <a:bodyPr/>
+          <a:lstStyle/>
+          <a:p>
+            <a:r>
+              <a:rPr lang="en-US" altLang="zh-TW" dirty="0" smtClean="0"/>
+              <a:t>Optimality is not that important</a:t>
+            </a:r>
+            <a:endParaRPr lang="zh-TW" altLang="en-US" dirty="0"/>
+          </a:p>
+        </p:txBody>
+      </p:sp>
+      <p:sp>
+        <p:nvSpPr>
+          <p:cNvPr id="3" name="內容版面配置區 2"/>
+          <p:cNvSpPr>
+            <a:spLocks noGrp="1"/>
+          </p:cNvSpPr>
+          <p:nvPr>
+            <p:ph idx="1"/>
+          </p:nvPr>
+        </p:nvSpPr>
+        <p:spPr/>
+        <p:txBody>
+          <a:bodyPr/>
+          <a:lstStyle/>
+          <a:p>
+            <a:r>
+              <a:rPr lang="en-US" altLang="zh-TW" dirty="0" smtClean="0"/>
+              <a:t>There are many path to the goal</a:t>
+            </a:r>
+          </a:p>
+          <a:p>
+            <a:pPr lvl="1"/>
+            <a:r>
+              <a:rPr lang="en-US" altLang="zh-TW" dirty="0" smtClean="0"/>
+              <a:t>Little of them are completely wrong</a:t>
+            </a:r>
+            <a:endParaRPr lang="zh-TW" altLang="en-US" dirty="0"/>
+          </a:p>
+        </p:txBody>
+      </p:sp>
+    </p:spTree>
+  </p:cSld>
+  <p:clrMapOvr>
+    <a:masterClrMapping/>
+  </p:clrMapOvr>
+</p:sld>
+</file>
+
+<file path=ppt/slides/slide23.xml><?xml version="1.0" encoding="utf-8"?>
 <p:sld xmlns:a="http://schemas.openxmlformats.org/drawingml/2006/main" xmlns:r="http://schemas.openxmlformats.org/officeDocument/2006/relationships" xmlns:p="http://schemas.openxmlformats.org/presentationml/2006/main">
   <p:cSld>
     <p:spTree>

--- a/OptimalPlanning.pptx
+++ b/OptimalPlanning.pptx
@@ -5,7 +5,7 @@
     <p:sldMasterId id="2147483648" r:id="rId1"/>
   </p:sldMasterIdLst>
   <p:notesMasterIdLst>
-    <p:notesMasterId r:id="rId25"/>
+    <p:notesMasterId r:id="rId26"/>
   </p:notesMasterIdLst>
   <p:sldIdLst>
     <p:sldId id="256" r:id="rId2"/>
@@ -31,6 +31,7 @@
     <p:sldId id="276" r:id="rId22"/>
     <p:sldId id="257" r:id="rId23"/>
     <p:sldId id="258" r:id="rId24"/>
+    <p:sldId id="283" r:id="rId25"/>
   </p:sldIdLst>
   <p:sldSz cx="9144000" cy="6858000" type="screen4x3"/>
   <p:notesSz cx="6858000" cy="9144000"/>
@@ -5763,11 +5764,7 @@
             </a:r>
             <a:r>
               <a:rPr lang="en-US" altLang="zh-TW" dirty="0" smtClean="0"/>
-              <a:t> </a:t>
-            </a:r>
-            <a:r>
-              <a:rPr lang="en-US" altLang="zh-TW" dirty="0" smtClean="0"/>
-              <a:t>here</a:t>
+              <a:t> here</a:t>
             </a:r>
           </a:p>
           <a:p>
@@ -5776,7 +5773,6 @@
               <a:rPr lang="en-US" altLang="zh-TW" dirty="0" smtClean="0"/>
               <a:t>9 actions</a:t>
             </a:r>
-            <a:endParaRPr lang="en-US" altLang="zh-TW" dirty="0" smtClean="0"/>
           </a:p>
           <a:p>
             <a:r>
@@ -6202,11 +6198,7 @@
             <a:pPr lvl="1"/>
             <a:r>
               <a:rPr lang="en-CA" dirty="0" smtClean="0"/>
-              <a:t>How to represent the </a:t>
-            </a:r>
-            <a:r>
-              <a:rPr lang="en-CA" dirty="0" smtClean="0"/>
-              <a:t>pit</a:t>
+              <a:t>How to represent the pit</a:t>
             </a:r>
           </a:p>
           <a:p>
@@ -6589,6 +6581,103 @@
             <a:r>
               <a:rPr lang="en-US" altLang="zh-TW" smtClean="0"/>
               <a:t>to certain death</a:t>
+            </a:r>
+            <a:endParaRPr lang="zh-TW" altLang="en-US" dirty="0"/>
+          </a:p>
+        </p:txBody>
+      </p:sp>
+    </p:spTree>
+  </p:cSld>
+  <p:clrMapOvr>
+    <a:masterClrMapping/>
+  </p:clrMapOvr>
+</p:sld>
+</file>
+
+<file path=ppt/slides/slide24.xml><?xml version="1.0" encoding="utf-8"?>
+<p:sld xmlns:a="http://schemas.openxmlformats.org/drawingml/2006/main" xmlns:r="http://schemas.openxmlformats.org/officeDocument/2006/relationships" xmlns:p="http://schemas.openxmlformats.org/presentationml/2006/main">
+  <p:cSld>
+    <p:spTree>
+      <p:nvGrpSpPr>
+        <p:cNvPr id="1" name=""/>
+        <p:cNvGrpSpPr/>
+        <p:nvPr/>
+      </p:nvGrpSpPr>
+      <p:grpSpPr>
+        <a:xfrm>
+          <a:off x="0" y="0"/>
+          <a:ext cx="0" cy="0"/>
+          <a:chOff x="0" y="0"/>
+          <a:chExt cx="0" cy="0"/>
+        </a:xfrm>
+      </p:grpSpPr>
+      <p:sp>
+        <p:nvSpPr>
+          <p:cNvPr id="2" name="標題 1"/>
+          <p:cNvSpPr>
+            <a:spLocks noGrp="1"/>
+          </p:cNvSpPr>
+          <p:nvPr>
+            <p:ph type="title"/>
+          </p:nvPr>
+        </p:nvSpPr>
+        <p:spPr/>
+        <p:txBody>
+          <a:bodyPr/>
+          <a:lstStyle/>
+          <a:p>
+            <a:r>
+              <a:rPr lang="en-US" altLang="zh-TW" dirty="0" smtClean="0"/>
+              <a:t>A solution to many open problems</a:t>
+            </a:r>
+            <a:endParaRPr lang="zh-TW" altLang="en-US" dirty="0"/>
+          </a:p>
+        </p:txBody>
+      </p:sp>
+      <p:sp>
+        <p:nvSpPr>
+          <p:cNvPr id="3" name="內容版面配置區 2"/>
+          <p:cNvSpPr>
+            <a:spLocks noGrp="1"/>
+          </p:cNvSpPr>
+          <p:nvPr>
+            <p:ph idx="1"/>
+          </p:nvPr>
+        </p:nvSpPr>
+        <p:spPr/>
+        <p:txBody>
+          <a:bodyPr/>
+          <a:lstStyle/>
+          <a:p>
+            <a:r>
+              <a:rPr lang="en-US" altLang="zh-TW" dirty="0" smtClean="0"/>
+              <a:t>1. Linear </a:t>
+            </a:r>
+            <a:r>
+              <a:rPr lang="en-US" altLang="zh-TW" dirty="0" err="1" smtClean="0"/>
+              <a:t>Dyna</a:t>
+            </a:r>
+            <a:r>
+              <a:rPr lang="en-US" altLang="zh-TW" dirty="0" smtClean="0"/>
+              <a:t> 2008</a:t>
+            </a:r>
+          </a:p>
+          <a:p>
+            <a:r>
+              <a:rPr lang="en-US" altLang="zh-TW" dirty="0" smtClean="0"/>
+              <a:t>2. Peter’s Stone (or </a:t>
+            </a:r>
+            <a:r>
+              <a:rPr lang="en-US" altLang="zh-TW" dirty="0" err="1" smtClean="0"/>
+              <a:t>rutegur</a:t>
+            </a:r>
+            <a:r>
+              <a:rPr lang="en-US" altLang="zh-TW" dirty="0" smtClean="0"/>
+              <a:t>) model-based cannot </a:t>
+            </a:r>
+            <a:r>
+              <a:rPr lang="en-US" altLang="zh-TW" smtClean="0"/>
+              <a:t>model everything </a:t>
             </a:r>
             <a:endParaRPr lang="zh-TW" altLang="en-US" dirty="0"/>
           </a:p>

--- a/OptimalPlanning.pptx
+++ b/OptimalPlanning.pptx
@@ -5,7 +5,7 @@
     <p:sldMasterId id="2147483648" r:id="rId1"/>
   </p:sldMasterIdLst>
   <p:notesMasterIdLst>
-    <p:notesMasterId r:id="rId26"/>
+    <p:notesMasterId r:id="rId30"/>
   </p:notesMasterIdLst>
   <p:sldIdLst>
     <p:sldId id="256" r:id="rId2"/>
@@ -20,18 +20,22 @@
     <p:sldId id="266" r:id="rId11"/>
     <p:sldId id="265" r:id="rId12"/>
     <p:sldId id="268" r:id="rId13"/>
-    <p:sldId id="269" r:id="rId14"/>
-    <p:sldId id="274" r:id="rId15"/>
-    <p:sldId id="273" r:id="rId16"/>
-    <p:sldId id="279" r:id="rId17"/>
-    <p:sldId id="280" r:id="rId18"/>
-    <p:sldId id="278" r:id="rId19"/>
-    <p:sldId id="275" r:id="rId20"/>
-    <p:sldId id="281" r:id="rId21"/>
-    <p:sldId id="276" r:id="rId22"/>
-    <p:sldId id="257" r:id="rId23"/>
-    <p:sldId id="258" r:id="rId24"/>
-    <p:sldId id="283" r:id="rId25"/>
+    <p:sldId id="285" r:id="rId14"/>
+    <p:sldId id="286" r:id="rId15"/>
+    <p:sldId id="269" r:id="rId16"/>
+    <p:sldId id="274" r:id="rId17"/>
+    <p:sldId id="273" r:id="rId18"/>
+    <p:sldId id="279" r:id="rId19"/>
+    <p:sldId id="280" r:id="rId20"/>
+    <p:sldId id="278" r:id="rId21"/>
+    <p:sldId id="281" r:id="rId22"/>
+    <p:sldId id="287" r:id="rId23"/>
+    <p:sldId id="275" r:id="rId24"/>
+    <p:sldId id="276" r:id="rId25"/>
+    <p:sldId id="257" r:id="rId26"/>
+    <p:sldId id="258" r:id="rId27"/>
+    <p:sldId id="283" r:id="rId28"/>
+    <p:sldId id="284" r:id="rId29"/>
   </p:sldIdLst>
   <p:sldSz cx="9144000" cy="6858000" type="screen4x3"/>
   <p:notesSz cx="6858000" cy="9144000"/>
@@ -216,7 +220,7 @@
             <a:fld id="{41C79C29-2E6F-4CFC-9D0D-ACF4D3C334D4}" type="datetimeFigureOut">
               <a:rPr lang="en-US" smtClean="0"/>
               <a:pPr/>
-              <a:t>7/14/2011</a:t>
+              <a:t>7/22/2011</a:t>
             </a:fld>
             <a:endParaRPr lang="en-CA"/>
           </a:p>
@@ -878,7 +882,7 @@
             <a:fld id="{4746D9A5-85CA-4182-8A94-C906263A7ECD}" type="slidenum">
               <a:rPr lang="en-CA" smtClean="0"/>
               <a:pPr/>
-              <a:t>13</a:t>
+              <a:t>15</a:t>
             </a:fld>
             <a:endParaRPr lang="en-CA"/>
           </a:p>
@@ -960,7 +964,7 @@
             <a:fld id="{4746D9A5-85CA-4182-8A94-C906263A7ECD}" type="slidenum">
               <a:rPr lang="en-CA" smtClean="0"/>
               <a:pPr/>
-              <a:t>14</a:t>
+              <a:t>16</a:t>
             </a:fld>
             <a:endParaRPr lang="en-CA"/>
           </a:p>
@@ -1042,7 +1046,7 @@
             <a:fld id="{4746D9A5-85CA-4182-8A94-C906263A7ECD}" type="slidenum">
               <a:rPr lang="en-CA" smtClean="0"/>
               <a:pPr/>
-              <a:t>15</a:t>
+              <a:t>17</a:t>
             </a:fld>
             <a:endParaRPr lang="en-CA"/>
           </a:p>
@@ -1124,7 +1128,7 @@
             <a:fld id="{4746D9A5-85CA-4182-8A94-C906263A7ECD}" type="slidenum">
               <a:rPr lang="en-CA" smtClean="0"/>
               <a:pPr/>
-              <a:t>17</a:t>
+              <a:t>19</a:t>
             </a:fld>
             <a:endParaRPr lang="en-CA"/>
           </a:p>
@@ -1206,7 +1210,7 @@
             <a:fld id="{4746D9A5-85CA-4182-8A94-C906263A7ECD}" type="slidenum">
               <a:rPr lang="en-CA" smtClean="0"/>
               <a:pPr/>
-              <a:t>18</a:t>
+              <a:t>20</a:t>
             </a:fld>
             <a:endParaRPr lang="en-CA"/>
           </a:p>
@@ -1288,7 +1292,7 @@
             <a:fld id="{4746D9A5-85CA-4182-8A94-C906263A7ECD}" type="slidenum">
               <a:rPr lang="en-CA" smtClean="0"/>
               <a:pPr/>
-              <a:t>19</a:t>
+              <a:t>23</a:t>
             </a:fld>
             <a:endParaRPr lang="en-CA"/>
           </a:p>
@@ -1370,7 +1374,7 @@
             <a:fld id="{4746D9A5-85CA-4182-8A94-C906263A7ECD}" type="slidenum">
               <a:rPr lang="en-CA" smtClean="0"/>
               <a:pPr/>
-              <a:t>21</a:t>
+              <a:t>24</a:t>
             </a:fld>
             <a:endParaRPr lang="en-CA"/>
           </a:p>
@@ -1534,7 +1538,7 @@
             <a:fld id="{4746D9A5-85CA-4182-8A94-C906263A7ECD}" type="slidenum">
               <a:rPr lang="en-CA" smtClean="0"/>
               <a:pPr/>
-              <a:t>22</a:t>
+              <a:t>25</a:t>
             </a:fld>
             <a:endParaRPr lang="en-CA"/>
           </a:p>
@@ -1616,7 +1620,7 @@
             <a:fld id="{4746D9A5-85CA-4182-8A94-C906263A7ECD}" type="slidenum">
               <a:rPr lang="en-CA" smtClean="0"/>
               <a:pPr/>
-              <a:t>23</a:t>
+              <a:t>26</a:t>
             </a:fld>
             <a:endParaRPr lang="en-CA"/>
           </a:p>
@@ -2386,7 +2390,7 @@
             <a:fld id="{5BBEAD13-0566-4C6C-97E7-55F17F24B09F}" type="datetimeFigureOut">
               <a:rPr lang="zh-TW" altLang="en-US" smtClean="0"/>
               <a:pPr/>
-              <a:t>2011/7/14</a:t>
+              <a:t>2011/7/22</a:t>
             </a:fld>
             <a:endParaRPr lang="zh-TW" altLang="en-US"/>
           </a:p>
@@ -2553,7 +2557,7 @@
             <a:fld id="{5BBEAD13-0566-4C6C-97E7-55F17F24B09F}" type="datetimeFigureOut">
               <a:rPr lang="zh-TW" altLang="en-US" smtClean="0"/>
               <a:pPr/>
-              <a:t>2011/7/14</a:t>
+              <a:t>2011/7/22</a:t>
             </a:fld>
             <a:endParaRPr lang="zh-TW" altLang="en-US"/>
           </a:p>
@@ -2730,7 +2734,7 @@
             <a:fld id="{5BBEAD13-0566-4C6C-97E7-55F17F24B09F}" type="datetimeFigureOut">
               <a:rPr lang="zh-TW" altLang="en-US" smtClean="0"/>
               <a:pPr/>
-              <a:t>2011/7/14</a:t>
+              <a:t>2011/7/22</a:t>
             </a:fld>
             <a:endParaRPr lang="zh-TW" altLang="en-US"/>
           </a:p>
@@ -2897,7 +2901,7 @@
             <a:fld id="{5BBEAD13-0566-4C6C-97E7-55F17F24B09F}" type="datetimeFigureOut">
               <a:rPr lang="zh-TW" altLang="en-US" smtClean="0"/>
               <a:pPr/>
-              <a:t>2011/7/14</a:t>
+              <a:t>2011/7/22</a:t>
             </a:fld>
             <a:endParaRPr lang="zh-TW" altLang="en-US"/>
           </a:p>
@@ -3140,7 +3144,7 @@
             <a:fld id="{5BBEAD13-0566-4C6C-97E7-55F17F24B09F}" type="datetimeFigureOut">
               <a:rPr lang="zh-TW" altLang="en-US" smtClean="0"/>
               <a:pPr/>
-              <a:t>2011/7/14</a:t>
+              <a:t>2011/7/22</a:t>
             </a:fld>
             <a:endParaRPr lang="zh-TW" altLang="en-US"/>
           </a:p>
@@ -3425,7 +3429,7 @@
             <a:fld id="{5BBEAD13-0566-4C6C-97E7-55F17F24B09F}" type="datetimeFigureOut">
               <a:rPr lang="zh-TW" altLang="en-US" smtClean="0"/>
               <a:pPr/>
-              <a:t>2011/7/14</a:t>
+              <a:t>2011/7/22</a:t>
             </a:fld>
             <a:endParaRPr lang="zh-TW" altLang="en-US"/>
           </a:p>
@@ -3844,7 +3848,7 @@
             <a:fld id="{5BBEAD13-0566-4C6C-97E7-55F17F24B09F}" type="datetimeFigureOut">
               <a:rPr lang="zh-TW" altLang="en-US" smtClean="0"/>
               <a:pPr/>
-              <a:t>2011/7/14</a:t>
+              <a:t>2011/7/22</a:t>
             </a:fld>
             <a:endParaRPr lang="zh-TW" altLang="en-US"/>
           </a:p>
@@ -3959,7 +3963,7 @@
             <a:fld id="{5BBEAD13-0566-4C6C-97E7-55F17F24B09F}" type="datetimeFigureOut">
               <a:rPr lang="zh-TW" altLang="en-US" smtClean="0"/>
               <a:pPr/>
-              <a:t>2011/7/14</a:t>
+              <a:t>2011/7/22</a:t>
             </a:fld>
             <a:endParaRPr lang="zh-TW" altLang="en-US"/>
           </a:p>
@@ -4051,7 +4055,7 @@
             <a:fld id="{5BBEAD13-0566-4C6C-97E7-55F17F24B09F}" type="datetimeFigureOut">
               <a:rPr lang="zh-TW" altLang="en-US" smtClean="0"/>
               <a:pPr/>
-              <a:t>2011/7/14</a:t>
+              <a:t>2011/7/22</a:t>
             </a:fld>
             <a:endParaRPr lang="zh-TW" altLang="en-US"/>
           </a:p>
@@ -4325,7 +4329,7 @@
             <a:fld id="{5BBEAD13-0566-4C6C-97E7-55F17F24B09F}" type="datetimeFigureOut">
               <a:rPr lang="zh-TW" altLang="en-US" smtClean="0"/>
               <a:pPr/>
-              <a:t>2011/7/14</a:t>
+              <a:t>2011/7/22</a:t>
             </a:fld>
             <a:endParaRPr lang="zh-TW" altLang="en-US"/>
           </a:p>
@@ -4575,7 +4579,7 @@
             <a:fld id="{5BBEAD13-0566-4C6C-97E7-55F17F24B09F}" type="datetimeFigureOut">
               <a:rPr lang="zh-TW" altLang="en-US" smtClean="0"/>
               <a:pPr/>
-              <a:t>2011/7/14</a:t>
+              <a:t>2011/7/22</a:t>
             </a:fld>
             <a:endParaRPr lang="zh-TW" altLang="en-US"/>
           </a:p>
@@ -4785,7 +4789,7 @@
             <a:fld id="{5BBEAD13-0566-4C6C-97E7-55F17F24B09F}" type="datetimeFigureOut">
               <a:rPr lang="zh-TW" altLang="en-US" smtClean="0"/>
               <a:pPr/>
-              <a:t>2011/7/14</a:t>
+              <a:t>2011/7/22</a:t>
             </a:fld>
             <a:endParaRPr lang="zh-TW" altLang="en-US"/>
           </a:p>
@@ -5482,7 +5486,7 @@
           <a:bodyPr/>
           <a:lstStyle/>
           <a:p>
-            <a:endParaRPr lang="en-CA"/>
+            <a:endParaRPr lang="zh-TW" altLang="en-US" dirty="0"/>
           </a:p>
         </p:txBody>
       </p:sp>
@@ -5502,10 +5506,46 @@
           <a:lstStyle/>
           <a:p>
             <a:r>
-              <a:rPr lang="en-CA" dirty="0" smtClean="0"/>
-              <a:t>Sol: a pseudo-reward, and decrease over time</a:t>
-            </a:r>
-            <a:endParaRPr lang="en-CA" dirty="0"/>
+              <a:rPr lang="en-US" altLang="zh-TW" dirty="0" err="1" smtClean="0"/>
+              <a:t>Pseduo</a:t>
+            </a:r>
+            <a:r>
+              <a:rPr lang="en-US" altLang="zh-TW" dirty="0" smtClean="0"/>
+              <a:t>-Reward high-&gt; high confidence in</a:t>
+            </a:r>
+          </a:p>
+          <a:p>
+            <a:pPr lvl="1"/>
+            <a:r>
+              <a:rPr lang="en-US" altLang="zh-TW" dirty="0" err="1" smtClean="0"/>
+              <a:t>maxQ</a:t>
+            </a:r>
+            <a:r>
+              <a:rPr lang="en-US" altLang="zh-TW" dirty="0" smtClean="0"/>
+              <a:t> hierarchy</a:t>
+            </a:r>
+          </a:p>
+          <a:p>
+            <a:pPr lvl="1"/>
+            <a:r>
+              <a:rPr lang="en-US" altLang="zh-TW" dirty="0" smtClean="0"/>
+              <a:t>Low-&gt; low confidence</a:t>
+            </a:r>
+          </a:p>
+          <a:p>
+            <a:pPr lvl="1"/>
+            <a:r>
+              <a:rPr lang="en-US" altLang="zh-TW" dirty="0" smtClean="0"/>
+              <a:t>High-pseudo reward increase the learning rate</a:t>
+            </a:r>
+          </a:p>
+          <a:p>
+            <a:pPr lvl="1"/>
+            <a:r>
+              <a:rPr lang="en-US" altLang="zh-TW" dirty="0" smtClean="0"/>
+              <a:t>But decrease the policy quality</a:t>
+            </a:r>
+            <a:endParaRPr lang="zh-TW" altLang="en-US" dirty="0"/>
           </a:p>
         </p:txBody>
       </p:sp>
@@ -5549,7 +5589,7 @@
           <a:bodyPr/>
           <a:lstStyle/>
           <a:p>
-            <a:endParaRPr lang="en-CA"/>
+            <a:endParaRPr lang="zh-TW" altLang="en-US"/>
           </a:p>
         </p:txBody>
       </p:sp>
@@ -5569,29 +5609,53 @@
           <a:lstStyle/>
           <a:p>
             <a:r>
-              <a:rPr lang="en-CA" dirty="0" smtClean="0"/>
-              <a:t>Two Baseline Algorithm</a:t>
+              <a:rPr lang="en-US" altLang="zh-TW" dirty="0" smtClean="0"/>
+              <a:t>How I played video games:</a:t>
             </a:r>
           </a:p>
           <a:p>
             <a:pPr lvl="1"/>
             <a:r>
-              <a:rPr lang="en-CA" dirty="0" smtClean="0"/>
-              <a:t>Mario Competition 2009 Champion</a:t>
+              <a:rPr lang="en-US" altLang="zh-TW" dirty="0" smtClean="0"/>
+              <a:t>Prediction (planning)</a:t>
             </a:r>
           </a:p>
           <a:p>
             <a:pPr lvl="1"/>
             <a:r>
-              <a:rPr lang="en-CA" dirty="0" smtClean="0"/>
-              <a:t>RL Competition 2009 Champion</a:t>
-            </a:r>
-          </a:p>
-          <a:p>
-            <a:pPr lvl="1">
-              <a:buNone/>
-            </a:pPr>
-            <a:endParaRPr lang="en-CA" dirty="0"/>
+              <a:rPr lang="en-US" altLang="zh-TW" dirty="0" smtClean="0"/>
+              <a:t>In a complex </a:t>
+            </a:r>
+            <a:r>
+              <a:rPr lang="en-US" altLang="zh-TW" dirty="0" err="1" smtClean="0"/>
+              <a:t>secenario</a:t>
+            </a:r>
+            <a:r>
+              <a:rPr lang="en-US" altLang="zh-TW" dirty="0" smtClean="0"/>
+              <a:t> (too many monsters)</a:t>
+            </a:r>
+          </a:p>
+          <a:p>
+            <a:pPr lvl="2"/>
+            <a:r>
+              <a:rPr lang="en-US" altLang="zh-TW" dirty="0" smtClean="0"/>
+              <a:t>Planning doesn’t work</a:t>
+            </a:r>
+          </a:p>
+          <a:p>
+            <a:pPr lvl="2"/>
+            <a:r>
+              <a:rPr lang="en-US" altLang="zh-TW" dirty="0" smtClean="0"/>
+              <a:t>Trial and error-&gt; use experience </a:t>
+            </a:r>
+            <a:r>
+              <a:rPr lang="en-US" altLang="zh-TW" smtClean="0"/>
+              <a:t>and memory</a:t>
+            </a:r>
+          </a:p>
+          <a:p>
+            <a:pPr lvl="3"/>
+            <a:endParaRPr lang="zh-TW" altLang="en-US" dirty="0"/>
           </a:p>
         </p:txBody>
       </p:sp>
@@ -5635,58 +5699,28 @@
           <a:bodyPr/>
           <a:lstStyle/>
           <a:p>
+            <a:endParaRPr lang="en-CA"/>
+          </a:p>
+        </p:txBody>
+      </p:sp>
+      <p:sp>
+        <p:nvSpPr>
+          <p:cNvPr id="3" name="內容版面配置區 2"/>
+          <p:cNvSpPr>
+            <a:spLocks noGrp="1"/>
+          </p:cNvSpPr>
+          <p:nvPr>
+            <p:ph idx="1"/>
+          </p:nvPr>
+        </p:nvSpPr>
+        <p:spPr/>
+        <p:txBody>
+          <a:bodyPr/>
+          <a:lstStyle/>
+          <a:p>
             <a:r>
               <a:rPr lang="en-CA" dirty="0" smtClean="0"/>
-              <a:t>Mario Competition Champion</a:t>
-            </a:r>
-            <a:endParaRPr lang="en-CA" dirty="0"/>
-          </a:p>
-        </p:txBody>
-      </p:sp>
-      <p:sp>
-        <p:nvSpPr>
-          <p:cNvPr id="3" name="內容版面配置區 2"/>
-          <p:cNvSpPr>
-            <a:spLocks noGrp="1"/>
-          </p:cNvSpPr>
-          <p:nvPr>
-            <p:ph idx="1"/>
-          </p:nvPr>
-        </p:nvSpPr>
-        <p:spPr/>
-        <p:txBody>
-          <a:bodyPr/>
-          <a:lstStyle/>
-          <a:p>
-            <a:r>
-              <a:rPr lang="en-CA" dirty="0" smtClean="0"/>
-              <a:t>A*</a:t>
-            </a:r>
-          </a:p>
-          <a:p>
-            <a:r>
-              <a:rPr lang="en-CA" dirty="0" smtClean="0"/>
-              <a:t>Assume a perfect knowledge about the game</a:t>
-            </a:r>
-          </a:p>
-          <a:p>
-            <a:pPr lvl="1"/>
-            <a:r>
-              <a:rPr lang="en-CA" dirty="0" smtClean="0"/>
-              <a:t>Have access to the simulator interface</a:t>
-            </a:r>
-          </a:p>
-          <a:p>
-            <a:r>
-              <a:rPr lang="en-CA" dirty="0" smtClean="0"/>
-              <a:t>My approach: A* with “learned model”</a:t>
-            </a:r>
-          </a:p>
-          <a:p>
-            <a:pPr lvl="1"/>
-            <a:r>
-              <a:rPr lang="en-CA" dirty="0" smtClean="0"/>
-              <a:t>And static assumption</a:t>
+              <a:t>Sol: a pseudo-reward, and decrease over time</a:t>
             </a:r>
             <a:endParaRPr lang="en-CA" dirty="0"/>
           </a:p>
@@ -5732,7 +5766,7 @@
           <a:bodyPr/>
           <a:lstStyle/>
           <a:p>
-            <a:endParaRPr lang="zh-TW" altLang="en-US"/>
+            <a:endParaRPr lang="en-CA"/>
           </a:p>
         </p:txBody>
       </p:sp>
@@ -5752,67 +5786,29 @@
           <a:lstStyle/>
           <a:p>
             <a:r>
-              <a:rPr lang="en-US" altLang="zh-TW" dirty="0" smtClean="0"/>
-              <a:t>The Hierarchy for Mario</a:t>
+              <a:rPr lang="en-CA" dirty="0" smtClean="0"/>
+              <a:t>Two Baseline Algorithm</a:t>
             </a:r>
           </a:p>
           <a:p>
             <a:pPr lvl="1"/>
             <a:r>
-              <a:rPr lang="en-US" altLang="zh-TW" dirty="0" err="1" smtClean="0"/>
-              <a:t>Pics</a:t>
-            </a:r>
-            <a:r>
-              <a:rPr lang="en-US" altLang="zh-TW" dirty="0" smtClean="0"/>
-              <a:t> here</a:t>
+              <a:rPr lang="en-CA" dirty="0" smtClean="0"/>
+              <a:t>Mario Competition 2009 Champion</a:t>
             </a:r>
           </a:p>
           <a:p>
             <a:pPr lvl="1"/>
             <a:r>
-              <a:rPr lang="en-US" altLang="zh-TW" dirty="0" smtClean="0"/>
-              <a:t>9 actions</a:t>
-            </a:r>
-          </a:p>
-          <a:p>
-            <a:r>
-              <a:rPr lang="en-US" altLang="zh-TW" dirty="0" smtClean="0"/>
-              <a:t>No temporal abstraction and spatial abstraction</a:t>
-            </a:r>
-          </a:p>
-          <a:p>
-            <a:pPr lvl="1"/>
-            <a:r>
-              <a:rPr lang="en-US" altLang="zh-TW" dirty="0" smtClean="0"/>
-              <a:t>No benefit from hierarchical representation</a:t>
-            </a:r>
-          </a:p>
-          <a:p>
-            <a:r>
-              <a:rPr lang="en-US" altLang="zh-TW" dirty="0" smtClean="0"/>
-              <a:t>The benefit from my </a:t>
-            </a:r>
-            <a:r>
-              <a:rPr lang="en-US" altLang="zh-TW" dirty="0" err="1" smtClean="0"/>
-              <a:t>appraoch</a:t>
-            </a:r>
-            <a:endParaRPr lang="en-US" altLang="zh-TW" dirty="0" smtClean="0"/>
-          </a:p>
-          <a:p>
-            <a:pPr lvl="1"/>
-            <a:r>
-              <a:rPr lang="en-US" altLang="zh-TW" dirty="0" smtClean="0"/>
-              <a:t>The combination of two complementary </a:t>
-            </a:r>
-            <a:r>
-              <a:rPr lang="en-US" altLang="zh-TW" dirty="0" err="1" smtClean="0"/>
-              <a:t>appraoch</a:t>
-            </a:r>
-            <a:endParaRPr lang="en-US" altLang="zh-TW" dirty="0" smtClean="0"/>
-          </a:p>
-          <a:p>
-            <a:pPr lvl="1"/>
-            <a:endParaRPr lang="zh-TW" altLang="en-US" dirty="0"/>
+              <a:rPr lang="en-CA" dirty="0" smtClean="0"/>
+              <a:t>RL Competition 2009 Champion</a:t>
+            </a:r>
+          </a:p>
+          <a:p>
+            <a:pPr lvl="1">
+              <a:buNone/>
+            </a:pPr>
+            <a:endParaRPr lang="en-CA" dirty="0"/>
           </a:p>
         </p:txBody>
       </p:sp>
@@ -5858,13 +5854,9 @@
           <a:p>
             <a:r>
               <a:rPr lang="en-CA" dirty="0" smtClean="0"/>
-              <a:t>Static </a:t>
-            </a:r>
-            <a:r>
-              <a:rPr lang="en-CA" smtClean="0"/>
-              <a:t>Assumption Planning</a:t>
-            </a:r>
-            <a:endParaRPr lang="en-CA"/>
+              <a:t>Mario Competition Champion</a:t>
+            </a:r>
+            <a:endParaRPr lang="en-CA" dirty="0"/>
           </a:p>
         </p:txBody>
       </p:sp>
@@ -5885,38 +5877,34 @@
           <a:p>
             <a:r>
               <a:rPr lang="en-CA" dirty="0" smtClean="0"/>
-              <a:t>Learner</a:t>
+              <a:t>A*</a:t>
+            </a:r>
+          </a:p>
+          <a:p>
+            <a:r>
+              <a:rPr lang="en-CA" dirty="0" smtClean="0"/>
+              <a:t>Assume a perfect knowledge about the game</a:t>
             </a:r>
           </a:p>
           <a:p>
             <a:pPr lvl="1"/>
             <a:r>
               <a:rPr lang="en-CA" dirty="0" smtClean="0"/>
-              <a:t>Regression Tree</a:t>
+              <a:t>Have access to the simulator interface</a:t>
+            </a:r>
+          </a:p>
+          <a:p>
+            <a:r>
+              <a:rPr lang="en-CA" dirty="0" smtClean="0"/>
+              <a:t>My approach: A* with “learned model”</a:t>
             </a:r>
           </a:p>
           <a:p>
             <a:pPr lvl="1"/>
             <a:r>
               <a:rPr lang="en-CA" dirty="0" smtClean="0"/>
-              <a:t>Predict the future location of </a:t>
-            </a:r>
-            <a:r>
-              <a:rPr lang="en-CA" dirty="0" err="1" smtClean="0"/>
-              <a:t>mario</a:t>
-            </a:r>
-            <a:r>
-              <a:rPr lang="en-CA" dirty="0" smtClean="0"/>
-              <a:t>, and speed </a:t>
-            </a:r>
-            <a:r>
-              <a:rPr lang="en-CA" smtClean="0"/>
-              <a:t>and reward</a:t>
-            </a:r>
-            <a:endParaRPr lang="en-CA" dirty="0" smtClean="0"/>
-          </a:p>
-          <a:p>
-            <a:pPr lvl="1"/>
+              <a:t>And static assumption</a:t>
+            </a:r>
             <a:endParaRPr lang="en-CA" dirty="0"/>
           </a:p>
         </p:txBody>
@@ -5961,7 +5949,7 @@
           <a:bodyPr/>
           <a:lstStyle/>
           <a:p>
-            <a:endParaRPr lang="en-CA"/>
+            <a:endParaRPr lang="zh-TW" altLang="en-US"/>
           </a:p>
         </p:txBody>
       </p:sp>
@@ -5977,121 +5965,71 @@
         </p:nvSpPr>
         <p:spPr/>
         <p:txBody>
-          <a:bodyPr>
-            <a:normAutofit fontScale="92500" lnSpcReduction="10000"/>
-          </a:bodyPr>
-          <a:lstStyle/>
-          <a:p>
-            <a:r>
-              <a:rPr lang="en-CA" dirty="0" smtClean="0"/>
-              <a:t>Mario:</a:t>
+          <a:bodyPr/>
+          <a:lstStyle/>
+          <a:p>
+            <a:r>
+              <a:rPr lang="en-US" altLang="zh-TW" dirty="0" smtClean="0"/>
+              <a:t>The Hierarchy for Mario</a:t>
             </a:r>
           </a:p>
           <a:p>
             <a:pPr lvl="1"/>
             <a:r>
-              <a:rPr lang="en-CA" dirty="0" smtClean="0"/>
-              <a:t>Why model-based is </a:t>
-            </a:r>
-            <a:r>
-              <a:rPr lang="en-CA" dirty="0" err="1" smtClean="0"/>
-              <a:t>neccessary</a:t>
-            </a:r>
-            <a:r>
-              <a:rPr lang="en-CA" dirty="0" smtClean="0"/>
-              <a:t>-&gt;the pit</a:t>
+              <a:rPr lang="en-US" altLang="zh-TW" dirty="0" err="1" smtClean="0"/>
+              <a:t>Pics</a:t>
+            </a:r>
+            <a:r>
+              <a:rPr lang="en-US" altLang="zh-TW" dirty="0" smtClean="0"/>
+              <a:t> here</a:t>
             </a:r>
           </a:p>
           <a:p>
             <a:pPr lvl="1"/>
             <a:r>
-              <a:rPr lang="en-CA" dirty="0" smtClean="0"/>
-              <a:t>Why model-free is </a:t>
-            </a:r>
-            <a:r>
-              <a:rPr lang="en-CA" dirty="0" err="1" smtClean="0"/>
-              <a:t>neccessary</a:t>
-            </a:r>
-            <a:r>
-              <a:rPr lang="en-CA" dirty="0" smtClean="0"/>
-              <a:t> -&gt;</a:t>
-            </a:r>
-          </a:p>
-          <a:p>
-            <a:pPr lvl="2"/>
-            <a:r>
-              <a:rPr lang="en-CA" dirty="0" smtClean="0"/>
-              <a:t>Not everything can be modeled –</a:t>
-            </a:r>
-          </a:p>
-          <a:p>
-            <a:pPr lvl="3"/>
-            <a:r>
-              <a:rPr lang="en-CA" dirty="0" smtClean="0"/>
-              <a:t>We don’t know when</a:t>
-            </a:r>
-          </a:p>
-          <a:p>
-            <a:pPr lvl="3"/>
-            <a:r>
-              <a:rPr lang="en-CA" dirty="0" smtClean="0"/>
-              <a:t>Moving monster</a:t>
-            </a:r>
-          </a:p>
-          <a:p>
-            <a:pPr lvl="3"/>
-            <a:r>
-              <a:rPr lang="en-CA" dirty="0" smtClean="0"/>
-              <a:t> Turtle will be turned </a:t>
-            </a:r>
-            <a:r>
-              <a:rPr lang="en-CA" smtClean="0"/>
-              <a:t>into shell Turtle-</a:t>
-            </a:r>
-            <a:r>
-              <a:rPr lang="en-CA" dirty="0" smtClean="0"/>
-              <a:t>&gt;shell</a:t>
-            </a:r>
-          </a:p>
-          <a:p>
-            <a:pPr lvl="3"/>
-            <a:r>
-              <a:rPr lang="en-CA" dirty="0" smtClean="0"/>
-              <a:t>Kick shell to the wall</a:t>
-            </a:r>
-          </a:p>
-          <a:p>
-            <a:pPr lvl="3"/>
-            <a:r>
-              <a:rPr lang="en-CA" dirty="0" err="1" smtClean="0"/>
-              <a:t>Piraha</a:t>
-            </a:r>
-            <a:r>
-              <a:rPr lang="en-CA" dirty="0" smtClean="0"/>
-              <a:t> flower</a:t>
-            </a:r>
-          </a:p>
-          <a:p>
-            <a:pPr lvl="3"/>
-            <a:r>
-              <a:rPr lang="en-CA" dirty="0" smtClean="0"/>
-              <a:t>Monsters comes out from right edge of the screen</a:t>
-            </a:r>
-          </a:p>
-          <a:p>
-            <a:pPr lvl="3"/>
-            <a:r>
-              <a:rPr lang="en-CA" dirty="0" smtClean="0"/>
-              <a:t>Fireball kills the monster</a:t>
-            </a:r>
-          </a:p>
-          <a:p>
-            <a:pPr lvl="2"/>
-            <a:r>
-              <a:rPr lang="en-CA" dirty="0" smtClean="0"/>
-              <a:t>Mario is the only moving subject</a:t>
-            </a:r>
-            <a:endParaRPr lang="en-CA" dirty="0"/>
+              <a:rPr lang="en-US" altLang="zh-TW" dirty="0" smtClean="0"/>
+              <a:t>9 actions</a:t>
+            </a:r>
+          </a:p>
+          <a:p>
+            <a:r>
+              <a:rPr lang="en-US" altLang="zh-TW" dirty="0" smtClean="0"/>
+              <a:t>No temporal abstraction and spatial abstraction</a:t>
+            </a:r>
+          </a:p>
+          <a:p>
+            <a:pPr lvl="1"/>
+            <a:r>
+              <a:rPr lang="en-US" altLang="zh-TW" dirty="0" smtClean="0"/>
+              <a:t>No benefit from hierarchical representation</a:t>
+            </a:r>
+          </a:p>
+          <a:p>
+            <a:r>
+              <a:rPr lang="en-US" altLang="zh-TW" dirty="0" smtClean="0"/>
+              <a:t>The benefit from my </a:t>
+            </a:r>
+            <a:r>
+              <a:rPr lang="en-US" altLang="zh-TW" dirty="0" err="1" smtClean="0"/>
+              <a:t>appraoch</a:t>
+            </a:r>
+            <a:endParaRPr lang="en-US" altLang="zh-TW" dirty="0" smtClean="0"/>
+          </a:p>
+          <a:p>
+            <a:pPr lvl="1"/>
+            <a:r>
+              <a:rPr lang="en-US" altLang="zh-TW" dirty="0" smtClean="0"/>
+              <a:t>The combination of two complementary </a:t>
+            </a:r>
+            <a:r>
+              <a:rPr lang="en-US" altLang="zh-TW" dirty="0" err="1" smtClean="0"/>
+              <a:t>appraoch</a:t>
+            </a:r>
+            <a:endParaRPr lang="en-US" altLang="zh-TW" dirty="0" smtClean="0"/>
+          </a:p>
+          <a:p>
+            <a:pPr lvl="1"/>
+            <a:endParaRPr lang="zh-TW" altLang="en-US" dirty="0"/>
           </a:p>
         </p:txBody>
       </p:sp>
@@ -6137,9 +6075,13 @@
           <a:p>
             <a:r>
               <a:rPr lang="en-CA" dirty="0" smtClean="0"/>
-              <a:t>RL Competition</a:t>
-            </a:r>
-            <a:endParaRPr lang="en-CA" dirty="0"/>
+              <a:t>Static </a:t>
+            </a:r>
+            <a:r>
+              <a:rPr lang="en-CA" smtClean="0"/>
+              <a:t>Assumption Planning</a:t>
+            </a:r>
+            <a:endParaRPr lang="en-CA"/>
           </a:p>
         </p:txBody>
       </p:sp>
@@ -6160,60 +6102,54 @@
           <a:p>
             <a:r>
               <a:rPr lang="en-CA" dirty="0" smtClean="0"/>
-              <a:t>Input Features:</a:t>
+              <a:t>Learner</a:t>
             </a:r>
           </a:p>
           <a:p>
             <a:pPr lvl="1"/>
             <a:r>
               <a:rPr lang="en-CA" dirty="0" smtClean="0"/>
-              <a:t>22x16 Tiles (not including monsters)</a:t>
+              <a:t>Regression Tree</a:t>
             </a:r>
           </a:p>
           <a:p>
             <a:pPr lvl="1"/>
             <a:r>
               <a:rPr lang="en-CA" dirty="0" smtClean="0"/>
-              <a:t>List of monsters (including speed and position)</a:t>
-            </a:r>
-          </a:p>
-          <a:p>
+              <a:t>Predict the future location of </a:t>
+            </a:r>
+            <a:r>
+              <a:rPr lang="en-CA" dirty="0" err="1" smtClean="0"/>
+              <a:t>mario</a:t>
+            </a:r>
             <a:r>
               <a:rPr lang="en-CA" dirty="0" smtClean="0"/>
-              <a:t>Linear </a:t>
-            </a:r>
-            <a:r>
-              <a:rPr lang="en-CA" dirty="0" err="1" smtClean="0"/>
-              <a:t>Sarsa</a:t>
-            </a:r>
-            <a:endParaRPr lang="en-CA" dirty="0" smtClean="0"/>
-          </a:p>
-          <a:p>
+              <a:t>, and speed and reward</a:t>
+            </a:r>
+          </a:p>
+          <a:p>
+            <a:pPr lvl="1"/>
             <a:r>
               <a:rPr lang="en-CA" dirty="0" smtClean="0"/>
-              <a:t>3 nearest monster or pit</a:t>
+              <a:t>Heuristic to reduce the branch</a:t>
+            </a:r>
+          </a:p>
+          <a:p>
+            <a:pPr lvl="2"/>
+            <a:r>
+              <a:rPr lang="en-CA" dirty="0" smtClean="0"/>
+              <a:t>Jump</a:t>
+            </a:r>
+          </a:p>
+          <a:p>
+            <a:pPr lvl="2"/>
+            <a:r>
+              <a:rPr lang="en-CA" dirty="0" smtClean="0"/>
+              <a:t>From HORDQ</a:t>
             </a:r>
           </a:p>
           <a:p>
             <a:pPr lvl="1"/>
-            <a:r>
-              <a:rPr lang="en-CA" dirty="0" smtClean="0"/>
-              <a:t>How to represent the pit</a:t>
-            </a:r>
-          </a:p>
-          <a:p>
-            <a:pPr lvl="1"/>
-            <a:r>
-              <a:rPr lang="en-CA" dirty="0" smtClean="0"/>
-              <a:t>Theirs-&gt; hand-coded the pit feature</a:t>
-            </a:r>
-          </a:p>
-          <a:p>
-            <a:pPr lvl="1"/>
-            <a:r>
-              <a:rPr lang="en-CA" dirty="0" smtClean="0"/>
-              <a:t>Mine-&gt; work on 5x5 tiles</a:t>
-            </a:r>
             <a:endParaRPr lang="en-CA" dirty="0"/>
           </a:p>
         </p:txBody>
@@ -6325,7 +6261,7 @@
           <a:bodyPr/>
           <a:lstStyle/>
           <a:p>
-            <a:endParaRPr lang="zh-TW" altLang="en-US"/>
+            <a:endParaRPr lang="en-CA"/>
           </a:p>
         </p:txBody>
       </p:sp>
@@ -6341,20 +6277,121 @@
         </p:nvSpPr>
         <p:spPr/>
         <p:txBody>
-          <a:bodyPr/>
-          <a:lstStyle/>
-          <a:p>
-            <a:r>
-              <a:rPr lang="en-US" altLang="zh-TW" dirty="0" smtClean="0"/>
-              <a:t>Why model-based approach can handle pit?</a:t>
-            </a:r>
-          </a:p>
-          <a:p>
-            <a:r>
-              <a:rPr lang="en-US" altLang="zh-TW" dirty="0" smtClean="0"/>
-              <a:t>Why model-free approach can’t?</a:t>
-            </a:r>
-            <a:endParaRPr lang="zh-TW" altLang="en-US" dirty="0"/>
+          <a:bodyPr>
+            <a:normAutofit fontScale="92500" lnSpcReduction="10000"/>
+          </a:bodyPr>
+          <a:lstStyle/>
+          <a:p>
+            <a:r>
+              <a:rPr lang="en-CA" dirty="0" smtClean="0"/>
+              <a:t>Mario:</a:t>
+            </a:r>
+          </a:p>
+          <a:p>
+            <a:pPr lvl="1"/>
+            <a:r>
+              <a:rPr lang="en-CA" dirty="0" smtClean="0"/>
+              <a:t>Why model-based is </a:t>
+            </a:r>
+            <a:r>
+              <a:rPr lang="en-CA" dirty="0" err="1" smtClean="0"/>
+              <a:t>neccessary</a:t>
+            </a:r>
+            <a:r>
+              <a:rPr lang="en-CA" dirty="0" smtClean="0"/>
+              <a:t>-&gt;the pit</a:t>
+            </a:r>
+          </a:p>
+          <a:p>
+            <a:pPr lvl="1"/>
+            <a:r>
+              <a:rPr lang="en-CA" dirty="0" smtClean="0"/>
+              <a:t>Why model-free is </a:t>
+            </a:r>
+            <a:r>
+              <a:rPr lang="en-CA" dirty="0" err="1" smtClean="0"/>
+              <a:t>neccessary</a:t>
+            </a:r>
+            <a:r>
+              <a:rPr lang="en-CA" dirty="0" smtClean="0"/>
+              <a:t> -&gt;</a:t>
+            </a:r>
+          </a:p>
+          <a:p>
+            <a:pPr lvl="2"/>
+            <a:r>
+              <a:rPr lang="en-CA" dirty="0" smtClean="0"/>
+              <a:t>Not everything can be modeled –</a:t>
+            </a:r>
+          </a:p>
+          <a:p>
+            <a:pPr lvl="3"/>
+            <a:r>
+              <a:rPr lang="en-CA" dirty="0" smtClean="0"/>
+              <a:t>We don’t know when</a:t>
+            </a:r>
+          </a:p>
+          <a:p>
+            <a:pPr lvl="3"/>
+            <a:r>
+              <a:rPr lang="en-CA" dirty="0" smtClean="0"/>
+              <a:t>Moving monster</a:t>
+            </a:r>
+          </a:p>
+          <a:p>
+            <a:pPr lvl="3"/>
+            <a:r>
+              <a:rPr lang="en-CA" dirty="0" smtClean="0"/>
+              <a:t> Turtle will be turned </a:t>
+            </a:r>
+            <a:r>
+              <a:rPr lang="en-CA" smtClean="0"/>
+              <a:t>into shell Turtle-</a:t>
+            </a:r>
+            <a:r>
+              <a:rPr lang="en-CA" dirty="0" smtClean="0"/>
+              <a:t>&gt;shell</a:t>
+            </a:r>
+          </a:p>
+          <a:p>
+            <a:pPr lvl="3"/>
+            <a:r>
+              <a:rPr lang="en-CA" dirty="0" smtClean="0"/>
+              <a:t>Kick shell to the wall</a:t>
+            </a:r>
+          </a:p>
+          <a:p>
+            <a:pPr lvl="3"/>
+            <a:r>
+              <a:rPr lang="en-CA" dirty="0" err="1" smtClean="0"/>
+              <a:t>Piraha</a:t>
+            </a:r>
+            <a:r>
+              <a:rPr lang="en-CA" dirty="0" smtClean="0"/>
+              <a:t> flower</a:t>
+            </a:r>
+          </a:p>
+          <a:p>
+            <a:pPr lvl="3"/>
+            <a:r>
+              <a:rPr lang="en-CA" dirty="0" smtClean="0"/>
+              <a:t>Monsters comes out from right edge of the screen</a:t>
+            </a:r>
+          </a:p>
+          <a:p>
+            <a:pPr lvl="3"/>
+            <a:r>
+              <a:rPr lang="en-CA" dirty="0" smtClean="0"/>
+              <a:t>Fireball kills the monster</a:t>
+            </a:r>
+          </a:p>
+          <a:p>
+            <a:pPr lvl="2"/>
+            <a:r>
+              <a:rPr lang="en-CA" dirty="0" smtClean="0"/>
+              <a:t>Mario is the only moving subject</a:t>
+            </a:r>
+            <a:endParaRPr lang="en-CA" dirty="0"/>
           </a:p>
         </p:txBody>
       </p:sp>
@@ -6398,11 +6435,7 @@
           <a:bodyPr/>
           <a:lstStyle/>
           <a:p>
-            <a:r>
-              <a:rPr lang="en-CA" dirty="0" smtClean="0"/>
-              <a:t>Conclusion</a:t>
-            </a:r>
-            <a:endParaRPr lang="en-CA" dirty="0"/>
+            <a:endParaRPr lang="zh-TW" altLang="en-US"/>
           </a:p>
         </p:txBody>
       </p:sp>
@@ -6422,10 +6455,16 @@
           <a:lstStyle/>
           <a:p>
             <a:r>
-              <a:rPr lang="en-CA" dirty="0" smtClean="0"/>
-              <a:t>I combine two champion approaches and produce a better one</a:t>
-            </a:r>
-            <a:endParaRPr lang="en-CA" dirty="0"/>
+              <a:rPr lang="en-US" altLang="zh-TW" dirty="0" smtClean="0"/>
+              <a:t>Why model-based approach can handle pit?</a:t>
+            </a:r>
+          </a:p>
+          <a:p>
+            <a:r>
+              <a:rPr lang="en-US" altLang="zh-TW" dirty="0" smtClean="0"/>
+              <a:t>Why model-free approach can’t?</a:t>
+            </a:r>
+            <a:endParaRPr lang="zh-TW" altLang="en-US" dirty="0"/>
           </a:p>
         </p:txBody>
       </p:sp>
@@ -6469,11 +6508,7 @@
           <a:bodyPr/>
           <a:lstStyle/>
           <a:p>
-            <a:r>
-              <a:rPr lang="en-US" altLang="zh-TW" dirty="0" smtClean="0"/>
-              <a:t>Optimality is not that important</a:t>
-            </a:r>
-            <a:endParaRPr lang="zh-TW" altLang="en-US" dirty="0"/>
+            <a:endParaRPr lang="zh-TW" altLang="en-US"/>
           </a:p>
         </p:txBody>
       </p:sp>
@@ -6493,17 +6528,24 @@
           <a:lstStyle/>
           <a:p>
             <a:r>
-              <a:rPr lang="en-US" altLang="zh-TW" dirty="0" smtClean="0"/>
-              <a:t>There are many path to the goal</a:t>
-            </a:r>
-          </a:p>
-          <a:p>
-            <a:pPr lvl="1"/>
-            <a:r>
-              <a:rPr lang="en-US" altLang="zh-TW" dirty="0" smtClean="0"/>
-              <a:t>Little of them are completely wrong</a:t>
-            </a:r>
-            <a:endParaRPr lang="zh-TW" altLang="en-US" dirty="0"/>
+              <a:rPr lang="en-US" dirty="0" smtClean="0"/>
+              <a:t>Model-based approach encodes our prior knowledge about the </a:t>
+            </a:r>
+            <a:br>
+              <a:rPr lang="en-US" dirty="0" smtClean="0"/>
+            </a:br>
+            <a:r>
+              <a:rPr lang="en-US" dirty="0" smtClean="0"/>
+              <a:t>system dynamics. It is beneficial if the agent possess such knowledge.</a:t>
+            </a:r>
+            <a:br>
+              <a:rPr lang="en-US" dirty="0" smtClean="0"/>
+            </a:br>
+            <a:r>
+              <a:rPr lang="en-US" smtClean="0"/>
+              <a:t>However, our dynamical model may be not perfect....</a:t>
+            </a:r>
+            <a:endParaRPr lang="zh-TW" altLang="en-US"/>
           </a:p>
         </p:txBody>
       </p:sp>
@@ -6548,10 +6590,10 @@
           <a:lstStyle/>
           <a:p>
             <a:r>
-              <a:rPr lang="en-US" altLang="zh-TW" dirty="0" smtClean="0"/>
-              <a:t>Life or death</a:t>
-            </a:r>
-            <a:endParaRPr lang="zh-TW" altLang="en-US" dirty="0"/>
+              <a:rPr lang="en-CA" dirty="0" smtClean="0"/>
+              <a:t>RL Competition</a:t>
+            </a:r>
+            <a:endParaRPr lang="en-CA" dirty="0"/>
           </a:p>
         </p:txBody>
       </p:sp>
@@ -6567,22 +6609,130 @@
         </p:nvSpPr>
         <p:spPr/>
         <p:txBody>
-          <a:bodyPr/>
-          <a:lstStyle/>
-          <a:p>
-            <a:r>
-              <a:rPr lang="en-US" altLang="zh-TW" dirty="0" err="1" smtClean="0"/>
-              <a:t>Suboptimality</a:t>
-            </a:r>
-            <a:r>
-              <a:rPr lang="en-US" altLang="zh-TW" dirty="0" smtClean="0"/>
-              <a:t> lead </a:t>
-            </a:r>
-            <a:r>
-              <a:rPr lang="en-US" altLang="zh-TW" smtClean="0"/>
-              <a:t>to certain death</a:t>
-            </a:r>
-            <a:endParaRPr lang="zh-TW" altLang="en-US" dirty="0"/>
+          <a:bodyPr>
+            <a:normAutofit fontScale="85000" lnSpcReduction="20000"/>
+          </a:bodyPr>
+          <a:lstStyle/>
+          <a:p>
+            <a:r>
+              <a:rPr lang="en-CA" dirty="0" smtClean="0"/>
+              <a:t>Input Features:</a:t>
+            </a:r>
+          </a:p>
+          <a:p>
+            <a:pPr lvl="1"/>
+            <a:r>
+              <a:rPr lang="en-CA" dirty="0" smtClean="0"/>
+              <a:t>Screen features</a:t>
+            </a:r>
+          </a:p>
+          <a:p>
+            <a:pPr lvl="2"/>
+            <a:r>
+              <a:rPr lang="en-CA" dirty="0" smtClean="0"/>
+              <a:t>No </a:t>
+            </a:r>
+            <a:r>
+              <a:rPr lang="en-CA" dirty="0" err="1" smtClean="0"/>
+              <a:t>onGround</a:t>
+            </a:r>
+            <a:r>
+              <a:rPr lang="en-CA" dirty="0" smtClean="0"/>
+              <a:t>, </a:t>
+            </a:r>
+            <a:r>
+              <a:rPr lang="en-CA" dirty="0" err="1" smtClean="0"/>
+              <a:t>isSliding</a:t>
+            </a:r>
+            <a:r>
+              <a:rPr lang="en-CA" dirty="0" smtClean="0"/>
+              <a:t>, </a:t>
+            </a:r>
+            <a:r>
+              <a:rPr lang="en-CA" dirty="0" err="1" smtClean="0"/>
+              <a:t>isMonsterAhead</a:t>
+            </a:r>
+            <a:r>
+              <a:rPr lang="en-CA" dirty="0" smtClean="0"/>
+              <a:t>, </a:t>
+            </a:r>
+            <a:r>
+              <a:rPr lang="en-CA" dirty="0" err="1" smtClean="0"/>
+              <a:t>isPit</a:t>
+            </a:r>
+            <a:endParaRPr lang="en-CA" dirty="0" smtClean="0"/>
+          </a:p>
+          <a:p>
+            <a:pPr lvl="2"/>
+            <a:r>
+              <a:rPr lang="en-CA" dirty="0" smtClean="0"/>
+              <a:t>Unlike Mario competition</a:t>
+            </a:r>
+          </a:p>
+          <a:p>
+            <a:pPr lvl="3"/>
+            <a:r>
+              <a:rPr lang="en-CA" dirty="0" smtClean="0"/>
+              <a:t>No </a:t>
+            </a:r>
+            <a:r>
+              <a:rPr lang="en-CA" dirty="0" err="1" smtClean="0"/>
+              <a:t>fireflower</a:t>
+            </a:r>
+            <a:endParaRPr lang="en-CA" dirty="0" smtClean="0"/>
+          </a:p>
+          <a:p>
+            <a:pPr lvl="1"/>
+            <a:r>
+              <a:rPr lang="en-CA" dirty="0" smtClean="0"/>
+              <a:t>22x16 Tiles (not including monsters)</a:t>
+            </a:r>
+          </a:p>
+          <a:p>
+            <a:pPr lvl="1"/>
+            <a:r>
+              <a:rPr lang="en-CA" dirty="0" smtClean="0"/>
+              <a:t>List of monsters (including speed and position)</a:t>
+            </a:r>
+          </a:p>
+          <a:p>
+            <a:r>
+              <a:rPr lang="en-CA" dirty="0" smtClean="0"/>
+              <a:t>Linear </a:t>
+            </a:r>
+            <a:r>
+              <a:rPr lang="en-CA" dirty="0" err="1" smtClean="0"/>
+              <a:t>Sarsa</a:t>
+            </a:r>
+            <a:endParaRPr lang="en-CA" dirty="0" smtClean="0"/>
+          </a:p>
+          <a:p>
+            <a:r>
+              <a:rPr lang="en-CA" dirty="0" smtClean="0"/>
+              <a:t>3 nearest monster or pit</a:t>
+            </a:r>
+          </a:p>
+          <a:p>
+            <a:pPr lvl="1"/>
+            <a:r>
+              <a:rPr lang="en-CA" dirty="0" smtClean="0"/>
+              <a:t>How to represent the pit</a:t>
+            </a:r>
+          </a:p>
+          <a:p>
+            <a:pPr lvl="1"/>
+            <a:r>
+              <a:rPr lang="en-CA" dirty="0" smtClean="0"/>
+              <a:t>Theirs-&gt; hand-coded the pit feature</a:t>
+            </a:r>
+          </a:p>
+          <a:p>
+            <a:pPr lvl="1"/>
+            <a:r>
+              <a:rPr lang="en-CA" dirty="0" smtClean="0"/>
+              <a:t>Mine-&gt; work on 5x5 tiles</a:t>
+            </a:r>
+            <a:endParaRPr lang="en-CA" dirty="0"/>
           </a:p>
         </p:txBody>
       </p:sp>
@@ -6627,6 +6777,234 @@
           <a:lstStyle/>
           <a:p>
             <a:r>
+              <a:rPr lang="en-CA" dirty="0" smtClean="0"/>
+              <a:t>Conclusion</a:t>
+            </a:r>
+            <a:endParaRPr lang="en-CA" dirty="0"/>
+          </a:p>
+        </p:txBody>
+      </p:sp>
+      <p:sp>
+        <p:nvSpPr>
+          <p:cNvPr id="3" name="內容版面配置區 2"/>
+          <p:cNvSpPr>
+            <a:spLocks noGrp="1"/>
+          </p:cNvSpPr>
+          <p:nvPr>
+            <p:ph idx="1"/>
+          </p:nvPr>
+        </p:nvSpPr>
+        <p:spPr/>
+        <p:txBody>
+          <a:bodyPr/>
+          <a:lstStyle/>
+          <a:p>
+            <a:r>
+              <a:rPr lang="en-CA" dirty="0" smtClean="0"/>
+              <a:t>I combine two champion approaches and produce a better one</a:t>
+            </a:r>
+            <a:endParaRPr lang="en-CA" dirty="0"/>
+          </a:p>
+        </p:txBody>
+      </p:sp>
+    </p:spTree>
+  </p:cSld>
+  <p:clrMapOvr>
+    <a:masterClrMapping/>
+  </p:clrMapOvr>
+</p:sld>
+</file>
+
+<file path=ppt/slides/slide25.xml><?xml version="1.0" encoding="utf-8"?>
+<p:sld xmlns:a="http://schemas.openxmlformats.org/drawingml/2006/main" xmlns:r="http://schemas.openxmlformats.org/officeDocument/2006/relationships" xmlns:p="http://schemas.openxmlformats.org/presentationml/2006/main">
+  <p:cSld>
+    <p:spTree>
+      <p:nvGrpSpPr>
+        <p:cNvPr id="1" name=""/>
+        <p:cNvGrpSpPr/>
+        <p:nvPr/>
+      </p:nvGrpSpPr>
+      <p:grpSpPr>
+        <a:xfrm>
+          <a:off x="0" y="0"/>
+          <a:ext cx="0" cy="0"/>
+          <a:chOff x="0" y="0"/>
+          <a:chExt cx="0" cy="0"/>
+        </a:xfrm>
+      </p:grpSpPr>
+      <p:sp>
+        <p:nvSpPr>
+          <p:cNvPr id="2" name="標題 1"/>
+          <p:cNvSpPr>
+            <a:spLocks noGrp="1"/>
+          </p:cNvSpPr>
+          <p:nvPr>
+            <p:ph type="title"/>
+          </p:nvPr>
+        </p:nvSpPr>
+        <p:spPr/>
+        <p:txBody>
+          <a:bodyPr/>
+          <a:lstStyle/>
+          <a:p>
+            <a:r>
+              <a:rPr lang="en-US" altLang="zh-TW" dirty="0" smtClean="0"/>
+              <a:t>Optimality is not that important</a:t>
+            </a:r>
+            <a:endParaRPr lang="zh-TW" altLang="en-US" dirty="0"/>
+          </a:p>
+        </p:txBody>
+      </p:sp>
+      <p:sp>
+        <p:nvSpPr>
+          <p:cNvPr id="3" name="內容版面配置區 2"/>
+          <p:cNvSpPr>
+            <a:spLocks noGrp="1"/>
+          </p:cNvSpPr>
+          <p:nvPr>
+            <p:ph idx="1"/>
+          </p:nvPr>
+        </p:nvSpPr>
+        <p:spPr/>
+        <p:txBody>
+          <a:bodyPr/>
+          <a:lstStyle/>
+          <a:p>
+            <a:r>
+              <a:rPr lang="en-US" altLang="zh-TW" dirty="0" smtClean="0"/>
+              <a:t>There are many path to the goal</a:t>
+            </a:r>
+          </a:p>
+          <a:p>
+            <a:pPr lvl="1"/>
+            <a:r>
+              <a:rPr lang="en-US" altLang="zh-TW" dirty="0" smtClean="0"/>
+              <a:t>Little of them are completely wrong</a:t>
+            </a:r>
+            <a:endParaRPr lang="zh-TW" altLang="en-US" dirty="0"/>
+          </a:p>
+        </p:txBody>
+      </p:sp>
+    </p:spTree>
+  </p:cSld>
+  <p:clrMapOvr>
+    <a:masterClrMapping/>
+  </p:clrMapOvr>
+</p:sld>
+</file>
+
+<file path=ppt/slides/slide26.xml><?xml version="1.0" encoding="utf-8"?>
+<p:sld xmlns:a="http://schemas.openxmlformats.org/drawingml/2006/main" xmlns:r="http://schemas.openxmlformats.org/officeDocument/2006/relationships" xmlns:p="http://schemas.openxmlformats.org/presentationml/2006/main">
+  <p:cSld>
+    <p:spTree>
+      <p:nvGrpSpPr>
+        <p:cNvPr id="1" name=""/>
+        <p:cNvGrpSpPr/>
+        <p:nvPr/>
+      </p:nvGrpSpPr>
+      <p:grpSpPr>
+        <a:xfrm>
+          <a:off x="0" y="0"/>
+          <a:ext cx="0" cy="0"/>
+          <a:chOff x="0" y="0"/>
+          <a:chExt cx="0" cy="0"/>
+        </a:xfrm>
+      </p:grpSpPr>
+      <p:sp>
+        <p:nvSpPr>
+          <p:cNvPr id="2" name="標題 1"/>
+          <p:cNvSpPr>
+            <a:spLocks noGrp="1"/>
+          </p:cNvSpPr>
+          <p:nvPr>
+            <p:ph type="title"/>
+          </p:nvPr>
+        </p:nvSpPr>
+        <p:spPr/>
+        <p:txBody>
+          <a:bodyPr/>
+          <a:lstStyle/>
+          <a:p>
+            <a:r>
+              <a:rPr lang="en-US" altLang="zh-TW" dirty="0" smtClean="0"/>
+              <a:t>Life or death</a:t>
+            </a:r>
+            <a:endParaRPr lang="zh-TW" altLang="en-US" dirty="0"/>
+          </a:p>
+        </p:txBody>
+      </p:sp>
+      <p:sp>
+        <p:nvSpPr>
+          <p:cNvPr id="3" name="內容版面配置區 2"/>
+          <p:cNvSpPr>
+            <a:spLocks noGrp="1"/>
+          </p:cNvSpPr>
+          <p:nvPr>
+            <p:ph idx="1"/>
+          </p:nvPr>
+        </p:nvSpPr>
+        <p:spPr/>
+        <p:txBody>
+          <a:bodyPr/>
+          <a:lstStyle/>
+          <a:p>
+            <a:r>
+              <a:rPr lang="en-US" altLang="zh-TW" dirty="0" err="1" smtClean="0"/>
+              <a:t>Suboptimality</a:t>
+            </a:r>
+            <a:r>
+              <a:rPr lang="en-US" altLang="zh-TW" dirty="0" smtClean="0"/>
+              <a:t> lead </a:t>
+            </a:r>
+            <a:r>
+              <a:rPr lang="en-US" altLang="zh-TW" smtClean="0"/>
+              <a:t>to certain death</a:t>
+            </a:r>
+            <a:endParaRPr lang="zh-TW" altLang="en-US" dirty="0"/>
+          </a:p>
+        </p:txBody>
+      </p:sp>
+    </p:spTree>
+  </p:cSld>
+  <p:clrMapOvr>
+    <a:masterClrMapping/>
+  </p:clrMapOvr>
+</p:sld>
+</file>
+
+<file path=ppt/slides/slide27.xml><?xml version="1.0" encoding="utf-8"?>
+<p:sld xmlns:a="http://schemas.openxmlformats.org/drawingml/2006/main" xmlns:r="http://schemas.openxmlformats.org/officeDocument/2006/relationships" xmlns:p="http://schemas.openxmlformats.org/presentationml/2006/main">
+  <p:cSld>
+    <p:spTree>
+      <p:nvGrpSpPr>
+        <p:cNvPr id="1" name=""/>
+        <p:cNvGrpSpPr/>
+        <p:nvPr/>
+      </p:nvGrpSpPr>
+      <p:grpSpPr>
+        <a:xfrm>
+          <a:off x="0" y="0"/>
+          <a:ext cx="0" cy="0"/>
+          <a:chOff x="0" y="0"/>
+          <a:chExt cx="0" cy="0"/>
+        </a:xfrm>
+      </p:grpSpPr>
+      <p:sp>
+        <p:nvSpPr>
+          <p:cNvPr id="2" name="標題 1"/>
+          <p:cNvSpPr>
+            <a:spLocks noGrp="1"/>
+          </p:cNvSpPr>
+          <p:nvPr>
+            <p:ph type="title"/>
+          </p:nvPr>
+        </p:nvSpPr>
+        <p:spPr/>
+        <p:txBody>
+          <a:bodyPr/>
+          <a:lstStyle/>
+          <a:p>
+            <a:r>
               <a:rPr lang="en-US" altLang="zh-TW" dirty="0" smtClean="0"/>
               <a:t>A solution to many open problems</a:t>
             </a:r>
@@ -6673,11 +7051,101 @@
             </a:r>
             <a:r>
               <a:rPr lang="en-US" altLang="zh-TW" dirty="0" smtClean="0"/>
-              <a:t>) model-based cannot </a:t>
+              <a:t>) model-based cannot model everything </a:t>
+            </a:r>
+          </a:p>
+          <a:p>
+            <a:r>
+              <a:rPr lang="en-US" altLang="zh-TW" dirty="0" smtClean="0"/>
+              <a:t>3. MAXQ -&gt; no need to find safe </a:t>
             </a:r>
             <a:r>
               <a:rPr lang="en-US" altLang="zh-TW" smtClean="0"/>
-              <a:t>model everything </a:t>
+              <a:t>state abstraction</a:t>
+            </a:r>
+            <a:endParaRPr lang="zh-TW" altLang="en-US" dirty="0"/>
+          </a:p>
+        </p:txBody>
+      </p:sp>
+    </p:spTree>
+  </p:cSld>
+  <p:clrMapOvr>
+    <a:masterClrMapping/>
+  </p:clrMapOvr>
+</p:sld>
+</file>
+
+<file path=ppt/slides/slide28.xml><?xml version="1.0" encoding="utf-8"?>
+<p:sld xmlns:a="http://schemas.openxmlformats.org/drawingml/2006/main" xmlns:r="http://schemas.openxmlformats.org/officeDocument/2006/relationships" xmlns:p="http://schemas.openxmlformats.org/presentationml/2006/main">
+  <p:cSld>
+    <p:spTree>
+      <p:nvGrpSpPr>
+        <p:cNvPr id="1" name=""/>
+        <p:cNvGrpSpPr/>
+        <p:nvPr/>
+      </p:nvGrpSpPr>
+      <p:grpSpPr>
+        <a:xfrm>
+          <a:off x="0" y="0"/>
+          <a:ext cx="0" cy="0"/>
+          <a:chOff x="0" y="0"/>
+          <a:chExt cx="0" cy="0"/>
+        </a:xfrm>
+      </p:grpSpPr>
+      <p:sp>
+        <p:nvSpPr>
+          <p:cNvPr id="2" name="標題 1"/>
+          <p:cNvSpPr>
+            <a:spLocks noGrp="1"/>
+          </p:cNvSpPr>
+          <p:nvPr>
+            <p:ph type="title"/>
+          </p:nvPr>
+        </p:nvSpPr>
+        <p:spPr/>
+        <p:txBody>
+          <a:bodyPr/>
+          <a:lstStyle/>
+          <a:p>
+            <a:endParaRPr lang="zh-TW" altLang="en-US"/>
+          </a:p>
+        </p:txBody>
+      </p:sp>
+      <p:sp>
+        <p:nvSpPr>
+          <p:cNvPr id="3" name="內容版面配置區 2"/>
+          <p:cNvSpPr>
+            <a:spLocks noGrp="1"/>
+          </p:cNvSpPr>
+          <p:nvPr>
+            <p:ph idx="1"/>
+          </p:nvPr>
+        </p:nvSpPr>
+        <p:spPr/>
+        <p:txBody>
+          <a:bodyPr/>
+          <a:lstStyle/>
+          <a:p>
+            <a:r>
+              <a:rPr lang="en-US" altLang="zh-TW" dirty="0" smtClean="0"/>
+              <a:t>Video: 30 min, 3 hour</a:t>
+            </a:r>
+          </a:p>
+          <a:p>
+            <a:pPr lvl="1"/>
+            <a:r>
+              <a:rPr lang="en-US" altLang="zh-TW" dirty="0" smtClean="0"/>
+              <a:t>Music</a:t>
+            </a:r>
+          </a:p>
+          <a:p>
+            <a:r>
+              <a:rPr lang="en-US" altLang="zh-TW" dirty="0" smtClean="0"/>
+              <a:t>Other video on </a:t>
+            </a:r>
+            <a:r>
+              <a:rPr lang="en-US" altLang="zh-TW" dirty="0" err="1" smtClean="0"/>
+              <a:t>youtube</a:t>
             </a:r>
             <a:endParaRPr lang="zh-TW" altLang="en-US" dirty="0"/>
           </a:p>

--- a/OptimalPlanning.pptx
+++ b/OptimalPlanning.pptx
@@ -5,7 +5,7 @@
     <p:sldMasterId id="2147483648" r:id="rId1"/>
   </p:sldMasterIdLst>
   <p:notesMasterIdLst>
-    <p:notesMasterId r:id="rId30"/>
+    <p:notesMasterId r:id="rId35"/>
   </p:notesMasterIdLst>
   <p:sldIdLst>
     <p:sldId id="256" r:id="rId2"/>
@@ -17,25 +17,30 @@
     <p:sldId id="264" r:id="rId8"/>
     <p:sldId id="267" r:id="rId9"/>
     <p:sldId id="271" r:id="rId10"/>
-    <p:sldId id="266" r:id="rId11"/>
-    <p:sldId id="265" r:id="rId12"/>
-    <p:sldId id="268" r:id="rId13"/>
-    <p:sldId id="285" r:id="rId14"/>
-    <p:sldId id="286" r:id="rId15"/>
-    <p:sldId id="269" r:id="rId16"/>
-    <p:sldId id="274" r:id="rId17"/>
-    <p:sldId id="273" r:id="rId18"/>
-    <p:sldId id="279" r:id="rId19"/>
-    <p:sldId id="280" r:id="rId20"/>
-    <p:sldId id="278" r:id="rId21"/>
-    <p:sldId id="281" r:id="rId22"/>
-    <p:sldId id="287" r:id="rId23"/>
-    <p:sldId id="275" r:id="rId24"/>
-    <p:sldId id="276" r:id="rId25"/>
-    <p:sldId id="257" r:id="rId26"/>
-    <p:sldId id="258" r:id="rId27"/>
-    <p:sldId id="283" r:id="rId28"/>
-    <p:sldId id="284" r:id="rId29"/>
+    <p:sldId id="293" r:id="rId11"/>
+    <p:sldId id="266" r:id="rId12"/>
+    <p:sldId id="265" r:id="rId13"/>
+    <p:sldId id="292" r:id="rId14"/>
+    <p:sldId id="268" r:id="rId15"/>
+    <p:sldId id="285" r:id="rId16"/>
+    <p:sldId id="286" r:id="rId17"/>
+    <p:sldId id="269" r:id="rId18"/>
+    <p:sldId id="274" r:id="rId19"/>
+    <p:sldId id="273" r:id="rId20"/>
+    <p:sldId id="279" r:id="rId21"/>
+    <p:sldId id="280" r:id="rId22"/>
+    <p:sldId id="278" r:id="rId23"/>
+    <p:sldId id="290" r:id="rId24"/>
+    <p:sldId id="288" r:id="rId25"/>
+    <p:sldId id="289" r:id="rId26"/>
+    <p:sldId id="281" r:id="rId27"/>
+    <p:sldId id="287" r:id="rId28"/>
+    <p:sldId id="275" r:id="rId29"/>
+    <p:sldId id="276" r:id="rId30"/>
+    <p:sldId id="257" r:id="rId31"/>
+    <p:sldId id="258" r:id="rId32"/>
+    <p:sldId id="283" r:id="rId33"/>
+    <p:sldId id="284" r:id="rId34"/>
   </p:sldIdLst>
   <p:sldSz cx="9144000" cy="6858000" type="screen4x3"/>
   <p:notesSz cx="6858000" cy="9144000"/>
@@ -220,7 +225,7 @@
             <a:fld id="{41C79C29-2E6F-4CFC-9D0D-ACF4D3C334D4}" type="datetimeFigureOut">
               <a:rPr lang="en-US" smtClean="0"/>
               <a:pPr/>
-              <a:t>7/22/2011</a:t>
+              <a:t>7/24/2011</a:t>
             </a:fld>
             <a:endParaRPr lang="en-CA"/>
           </a:p>
@@ -636,7 +641,7 @@
             <a:fld id="{4746D9A5-85CA-4182-8A94-C906263A7ECD}" type="slidenum">
               <a:rPr lang="en-CA" smtClean="0"/>
               <a:pPr/>
-              <a:t>10</a:t>
+              <a:t>11</a:t>
             </a:fld>
             <a:endParaRPr lang="en-CA"/>
           </a:p>
@@ -718,7 +723,7 @@
             <a:fld id="{4746D9A5-85CA-4182-8A94-C906263A7ECD}" type="slidenum">
               <a:rPr lang="en-CA" smtClean="0"/>
               <a:pPr/>
-              <a:t>11</a:t>
+              <a:t>12</a:t>
             </a:fld>
             <a:endParaRPr lang="en-CA"/>
           </a:p>
@@ -800,7 +805,7 @@
             <a:fld id="{4746D9A5-85CA-4182-8A94-C906263A7ECD}" type="slidenum">
               <a:rPr lang="en-CA" smtClean="0"/>
               <a:pPr/>
-              <a:t>12</a:t>
+              <a:t>14</a:t>
             </a:fld>
             <a:endParaRPr lang="en-CA"/>
           </a:p>
@@ -882,7 +887,7 @@
             <a:fld id="{4746D9A5-85CA-4182-8A94-C906263A7ECD}" type="slidenum">
               <a:rPr lang="en-CA" smtClean="0"/>
               <a:pPr/>
-              <a:t>15</a:t>
+              <a:t>17</a:t>
             </a:fld>
             <a:endParaRPr lang="en-CA"/>
           </a:p>
@@ -964,7 +969,7 @@
             <a:fld id="{4746D9A5-85CA-4182-8A94-C906263A7ECD}" type="slidenum">
               <a:rPr lang="en-CA" smtClean="0"/>
               <a:pPr/>
-              <a:t>16</a:t>
+              <a:t>18</a:t>
             </a:fld>
             <a:endParaRPr lang="en-CA"/>
           </a:p>
@@ -1046,7 +1051,7 @@
             <a:fld id="{4746D9A5-85CA-4182-8A94-C906263A7ECD}" type="slidenum">
               <a:rPr lang="en-CA" smtClean="0"/>
               <a:pPr/>
-              <a:t>17</a:t>
+              <a:t>19</a:t>
             </a:fld>
             <a:endParaRPr lang="en-CA"/>
           </a:p>
@@ -1128,7 +1133,7 @@
             <a:fld id="{4746D9A5-85CA-4182-8A94-C906263A7ECD}" type="slidenum">
               <a:rPr lang="en-CA" smtClean="0"/>
               <a:pPr/>
-              <a:t>19</a:t>
+              <a:t>21</a:t>
             </a:fld>
             <a:endParaRPr lang="en-CA"/>
           </a:p>
@@ -1210,7 +1215,7 @@
             <a:fld id="{4746D9A5-85CA-4182-8A94-C906263A7ECD}" type="slidenum">
               <a:rPr lang="en-CA" smtClean="0"/>
               <a:pPr/>
-              <a:t>20</a:t>
+              <a:t>22</a:t>
             </a:fld>
             <a:endParaRPr lang="en-CA"/>
           </a:p>
@@ -1292,7 +1297,7 @@
             <a:fld id="{4746D9A5-85CA-4182-8A94-C906263A7ECD}" type="slidenum">
               <a:rPr lang="en-CA" smtClean="0"/>
               <a:pPr/>
-              <a:t>23</a:t>
+              <a:t>28</a:t>
             </a:fld>
             <a:endParaRPr lang="en-CA"/>
           </a:p>
@@ -1374,7 +1379,7 @@
             <a:fld id="{4746D9A5-85CA-4182-8A94-C906263A7ECD}" type="slidenum">
               <a:rPr lang="en-CA" smtClean="0"/>
               <a:pPr/>
-              <a:t>24</a:t>
+              <a:t>29</a:t>
             </a:fld>
             <a:endParaRPr lang="en-CA"/>
           </a:p>
@@ -1538,7 +1543,7 @@
             <a:fld id="{4746D9A5-85CA-4182-8A94-C906263A7ECD}" type="slidenum">
               <a:rPr lang="en-CA" smtClean="0"/>
               <a:pPr/>
-              <a:t>25</a:t>
+              <a:t>30</a:t>
             </a:fld>
             <a:endParaRPr lang="en-CA"/>
           </a:p>
@@ -1620,7 +1625,7 @@
             <a:fld id="{4746D9A5-85CA-4182-8A94-C906263A7ECD}" type="slidenum">
               <a:rPr lang="en-CA" smtClean="0"/>
               <a:pPr/>
-              <a:t>26</a:t>
+              <a:t>31</a:t>
             </a:fld>
             <a:endParaRPr lang="en-CA"/>
           </a:p>
@@ -2390,7 +2395,7 @@
             <a:fld id="{5BBEAD13-0566-4C6C-97E7-55F17F24B09F}" type="datetimeFigureOut">
               <a:rPr lang="zh-TW" altLang="en-US" smtClean="0"/>
               <a:pPr/>
-              <a:t>2011/7/22</a:t>
+              <a:t>2011/7/24</a:t>
             </a:fld>
             <a:endParaRPr lang="zh-TW" altLang="en-US"/>
           </a:p>
@@ -2557,7 +2562,7 @@
             <a:fld id="{5BBEAD13-0566-4C6C-97E7-55F17F24B09F}" type="datetimeFigureOut">
               <a:rPr lang="zh-TW" altLang="en-US" smtClean="0"/>
               <a:pPr/>
-              <a:t>2011/7/22</a:t>
+              <a:t>2011/7/24</a:t>
             </a:fld>
             <a:endParaRPr lang="zh-TW" altLang="en-US"/>
           </a:p>
@@ -2734,7 +2739,7 @@
             <a:fld id="{5BBEAD13-0566-4C6C-97E7-55F17F24B09F}" type="datetimeFigureOut">
               <a:rPr lang="zh-TW" altLang="en-US" smtClean="0"/>
               <a:pPr/>
-              <a:t>2011/7/22</a:t>
+              <a:t>2011/7/24</a:t>
             </a:fld>
             <a:endParaRPr lang="zh-TW" altLang="en-US"/>
           </a:p>
@@ -2901,7 +2906,7 @@
             <a:fld id="{5BBEAD13-0566-4C6C-97E7-55F17F24B09F}" type="datetimeFigureOut">
               <a:rPr lang="zh-TW" altLang="en-US" smtClean="0"/>
               <a:pPr/>
-              <a:t>2011/7/22</a:t>
+              <a:t>2011/7/24</a:t>
             </a:fld>
             <a:endParaRPr lang="zh-TW" altLang="en-US"/>
           </a:p>
@@ -3144,7 +3149,7 @@
             <a:fld id="{5BBEAD13-0566-4C6C-97E7-55F17F24B09F}" type="datetimeFigureOut">
               <a:rPr lang="zh-TW" altLang="en-US" smtClean="0"/>
               <a:pPr/>
-              <a:t>2011/7/22</a:t>
+              <a:t>2011/7/24</a:t>
             </a:fld>
             <a:endParaRPr lang="zh-TW" altLang="en-US"/>
           </a:p>
@@ -3429,7 +3434,7 @@
             <a:fld id="{5BBEAD13-0566-4C6C-97E7-55F17F24B09F}" type="datetimeFigureOut">
               <a:rPr lang="zh-TW" altLang="en-US" smtClean="0"/>
               <a:pPr/>
-              <a:t>2011/7/22</a:t>
+              <a:t>2011/7/24</a:t>
             </a:fld>
             <a:endParaRPr lang="zh-TW" altLang="en-US"/>
           </a:p>
@@ -3848,7 +3853,7 @@
             <a:fld id="{5BBEAD13-0566-4C6C-97E7-55F17F24B09F}" type="datetimeFigureOut">
               <a:rPr lang="zh-TW" altLang="en-US" smtClean="0"/>
               <a:pPr/>
-              <a:t>2011/7/22</a:t>
+              <a:t>2011/7/24</a:t>
             </a:fld>
             <a:endParaRPr lang="zh-TW" altLang="en-US"/>
           </a:p>
@@ -3963,7 +3968,7 @@
             <a:fld id="{5BBEAD13-0566-4C6C-97E7-55F17F24B09F}" type="datetimeFigureOut">
               <a:rPr lang="zh-TW" altLang="en-US" smtClean="0"/>
               <a:pPr/>
-              <a:t>2011/7/22</a:t>
+              <a:t>2011/7/24</a:t>
             </a:fld>
             <a:endParaRPr lang="zh-TW" altLang="en-US"/>
           </a:p>
@@ -4055,7 +4060,7 @@
             <a:fld id="{5BBEAD13-0566-4C6C-97E7-55F17F24B09F}" type="datetimeFigureOut">
               <a:rPr lang="zh-TW" altLang="en-US" smtClean="0"/>
               <a:pPr/>
-              <a:t>2011/7/22</a:t>
+              <a:t>2011/7/24</a:t>
             </a:fld>
             <a:endParaRPr lang="zh-TW" altLang="en-US"/>
           </a:p>
@@ -4329,7 +4334,7 @@
             <a:fld id="{5BBEAD13-0566-4C6C-97E7-55F17F24B09F}" type="datetimeFigureOut">
               <a:rPr lang="zh-TW" altLang="en-US" smtClean="0"/>
               <a:pPr/>
-              <a:t>2011/7/22</a:t>
+              <a:t>2011/7/24</a:t>
             </a:fld>
             <a:endParaRPr lang="zh-TW" altLang="en-US"/>
           </a:p>
@@ -4579,7 +4584,7 @@
             <a:fld id="{5BBEAD13-0566-4C6C-97E7-55F17F24B09F}" type="datetimeFigureOut">
               <a:rPr lang="zh-TW" altLang="en-US" smtClean="0"/>
               <a:pPr/>
-              <a:t>2011/7/22</a:t>
+              <a:t>2011/7/24</a:t>
             </a:fld>
             <a:endParaRPr lang="zh-TW" altLang="en-US"/>
           </a:p>
@@ -4789,7 +4794,7 @@
             <a:fld id="{5BBEAD13-0566-4C6C-97E7-55F17F24B09F}" type="datetimeFigureOut">
               <a:rPr lang="zh-TW" altLang="en-US" smtClean="0"/>
               <a:pPr/>
-              <a:t>2011/7/22</a:t>
+              <a:t>2011/7/24</a:t>
             </a:fld>
             <a:endParaRPr lang="zh-TW" altLang="en-US"/>
           </a:p>
@@ -5242,11 +5247,7 @@
           <a:bodyPr/>
           <a:lstStyle/>
           <a:p>
-            <a:r>
-              <a:rPr lang="en-CA" dirty="0" smtClean="0"/>
-              <a:t>Algorithm</a:t>
-            </a:r>
-            <a:endParaRPr lang="en-CA" dirty="0"/>
+            <a:endParaRPr lang="zh-TW" altLang="en-US"/>
           </a:p>
         </p:txBody>
       </p:sp>
@@ -5265,7 +5266,65 @@
           <a:bodyPr/>
           <a:lstStyle/>
           <a:p>
-            <a:endParaRPr lang="en-CA"/>
+            <a:r>
+              <a:rPr lang="en-US" altLang="zh-TW" dirty="0" smtClean="0"/>
+              <a:t>The previous work on</a:t>
+            </a:r>
+          </a:p>
+          <a:p>
+            <a:pPr lvl="1"/>
+            <a:r>
+              <a:rPr lang="en-US" altLang="zh-TW" dirty="0" smtClean="0"/>
+              <a:t>Model-based approach + model-free one</a:t>
+            </a:r>
+          </a:p>
+          <a:p>
+            <a:pPr lvl="1"/>
+            <a:r>
+              <a:rPr lang="en-US" altLang="zh-TW" dirty="0" err="1" smtClean="0"/>
+              <a:t>Vlad</a:t>
+            </a:r>
+            <a:endParaRPr lang="en-US" altLang="zh-TW" dirty="0" smtClean="0"/>
+          </a:p>
+          <a:p>
+            <a:pPr lvl="1"/>
+            <a:r>
+              <a:rPr lang="en-US" altLang="zh-TW" dirty="0" smtClean="0"/>
+              <a:t>CMU tech report</a:t>
+            </a:r>
+          </a:p>
+          <a:p>
+            <a:pPr lvl="1"/>
+            <a:r>
+              <a:rPr lang="en-US" altLang="zh-TW" dirty="0" smtClean="0"/>
+              <a:t>Another</a:t>
+            </a:r>
+          </a:p>
+          <a:p>
+            <a:pPr lvl="1"/>
+            <a:r>
+              <a:rPr lang="en-US" altLang="zh-TW" dirty="0" smtClean="0"/>
+              <a:t>Include the school and conf name\</a:t>
+            </a:r>
+          </a:p>
+          <a:p>
+            <a:pPr lvl="1"/>
+            <a:r>
+              <a:rPr lang="en-US" altLang="zh-TW" dirty="0" smtClean="0"/>
+              <a:t>Their approach cannot learn the optimal policy</a:t>
+            </a:r>
+          </a:p>
+          <a:p>
+            <a:pPr lvl="2"/>
+            <a:r>
+              <a:rPr lang="en-US" altLang="zh-TW" dirty="0" smtClean="0"/>
+              <a:t>If </a:t>
+            </a:r>
+            <a:r>
+              <a:rPr lang="en-US" altLang="zh-TW" smtClean="0"/>
+              <a:t>model-based approach cannot</a:t>
+            </a:r>
+            <a:endParaRPr lang="zh-TW" altLang="en-US" dirty="0"/>
           </a:p>
         </p:txBody>
       </p:sp>
@@ -5311,7 +5370,7 @@
           <a:p>
             <a:r>
               <a:rPr lang="en-CA" dirty="0" smtClean="0"/>
-              <a:t>Theorem</a:t>
+              <a:t>Algorithm</a:t>
             </a:r>
             <a:endParaRPr lang="en-CA" dirty="0"/>
           </a:p>
@@ -5332,11 +5391,7 @@
           <a:bodyPr/>
           <a:lstStyle/>
           <a:p>
-            <a:r>
-              <a:rPr lang="en-CA" dirty="0" smtClean="0"/>
-              <a:t>Show that the optimal policy can be learned</a:t>
-            </a:r>
-            <a:endParaRPr lang="en-CA" dirty="0"/>
+            <a:endParaRPr lang="en-CA"/>
           </a:p>
         </p:txBody>
       </p:sp>
@@ -5382,7 +5437,7 @@
           <a:p>
             <a:r>
               <a:rPr lang="en-CA" dirty="0" smtClean="0"/>
-              <a:t>Pseudo-Reward</a:t>
+              <a:t>Theorem</a:t>
             </a:r>
             <a:endParaRPr lang="en-CA" dirty="0"/>
           </a:p>
@@ -5405,44 +5460,9 @@
           <a:p>
             <a:r>
               <a:rPr lang="en-CA" dirty="0" smtClean="0"/>
-              <a:t>Hierarchically Optimal policy sounds great</a:t>
-            </a:r>
-          </a:p>
-          <a:p>
-            <a:pPr lvl="1"/>
-            <a:r>
-              <a:rPr lang="en-CA" dirty="0" smtClean="0"/>
-              <a:t>But.... useless</a:t>
-            </a:r>
-          </a:p>
-          <a:p>
-            <a:pPr lvl="1"/>
-            <a:r>
-              <a:rPr lang="en-CA" dirty="0" smtClean="0"/>
-              <a:t>Show with an experiment or motivating example</a:t>
-            </a:r>
-          </a:p>
-          <a:p>
-            <a:pPr lvl="1"/>
-            <a:r>
-              <a:rPr lang="en-CA" dirty="0" smtClean="0"/>
-              <a:t>Boss asks you to make </a:t>
-            </a:r>
-            <a:r>
-              <a:rPr lang="en-CA" dirty="0" err="1" smtClean="0"/>
-              <a:t>iRobot</a:t>
-            </a:r>
-            <a:r>
-              <a:rPr lang="en-CA" dirty="0" smtClean="0"/>
-              <a:t>, but you make a terminator</a:t>
-            </a:r>
-          </a:p>
-          <a:p>
-            <a:pPr lvl="1"/>
-            <a:r>
-              <a:rPr lang="en-CA" dirty="0" smtClean="0"/>
-              <a:t>Experiment -&gt; hierarchically optimal is worse than Q-learning</a:t>
-            </a:r>
+              <a:t>Show that the optimal policy can be learned</a:t>
+            </a:r>
+            <a:endParaRPr lang="en-CA" dirty="0"/>
           </a:p>
         </p:txBody>
       </p:sp>
@@ -5486,6 +5506,10 @@
           <a:bodyPr/>
           <a:lstStyle/>
           <a:p>
+            <a:r>
+              <a:rPr lang="en-US" altLang="zh-TW" dirty="0" smtClean="0"/>
+              <a:t>application</a:t>
+            </a:r>
             <a:endParaRPr lang="zh-TW" altLang="en-US" dirty="0"/>
           </a:p>
         </p:txBody>
@@ -5506,44 +5530,61 @@
           <a:lstStyle/>
           <a:p>
             <a:r>
+              <a:rPr lang="en-US" altLang="zh-TW" dirty="0" smtClean="0"/>
+              <a:t>Linear </a:t>
+            </a:r>
+            <a:r>
               <a:rPr lang="en-US" altLang="zh-TW" dirty="0" err="1" smtClean="0"/>
-              <a:t>Pseduo</a:t>
+              <a:t>Dyna</a:t>
             </a:r>
             <a:r>
               <a:rPr lang="en-US" altLang="zh-TW" dirty="0" smtClean="0"/>
-              <a:t>-Reward high-&gt; high confidence in</a:t>
+              <a:t> and decision tree </a:t>
+            </a:r>
+            <a:r>
+              <a:rPr lang="en-US" altLang="zh-TW" dirty="0" err="1" smtClean="0"/>
+              <a:t>Dyna</a:t>
+            </a:r>
+            <a:endParaRPr lang="en-US" altLang="zh-TW" dirty="0" smtClean="0"/>
+          </a:p>
+          <a:p>
+            <a:r>
+              <a:rPr lang="en-US" altLang="zh-TW" dirty="0" smtClean="0"/>
+              <a:t>Peter’s model-based paper</a:t>
             </a:r>
           </a:p>
           <a:p>
             <a:pPr lvl="1"/>
             <a:r>
-              <a:rPr lang="en-US" altLang="zh-TW" dirty="0" err="1" smtClean="0"/>
-              <a:t>maxQ</a:t>
-            </a:r>
-            <a:r>
               <a:rPr lang="en-US" altLang="zh-TW" dirty="0" smtClean="0"/>
-              <a:t> hierarchy</a:t>
+              <a:t>No need to model everything</a:t>
+            </a:r>
+          </a:p>
+          <a:p>
+            <a:r>
+              <a:rPr lang="en-US" altLang="zh-TW" dirty="0" smtClean="0"/>
+              <a:t>MAXQ</a:t>
             </a:r>
           </a:p>
           <a:p>
             <a:pPr lvl="1"/>
             <a:r>
               <a:rPr lang="en-US" altLang="zh-TW" dirty="0" smtClean="0"/>
-              <a:t>Low-&gt; low confidence</a:t>
+              <a:t>State abstraction is important</a:t>
             </a:r>
           </a:p>
           <a:p>
             <a:pPr lvl="1"/>
             <a:r>
               <a:rPr lang="en-US" altLang="zh-TW" dirty="0" smtClean="0"/>
-              <a:t>High-pseudo reward increase the learning rate</a:t>
+              <a:t>But it’s hard to find a “safe state abstraction”</a:t>
             </a:r>
           </a:p>
           <a:p>
             <a:pPr lvl="1"/>
             <a:r>
               <a:rPr lang="en-US" altLang="zh-TW" dirty="0" smtClean="0"/>
-              <a:t>But decrease the policy quality</a:t>
+              <a:t>Model-free + model-free</a:t>
             </a:r>
             <a:endParaRPr lang="zh-TW" altLang="en-US" dirty="0"/>
           </a:p>
@@ -5589,7 +5630,11 @@
           <a:bodyPr/>
           <a:lstStyle/>
           <a:p>
-            <a:endParaRPr lang="zh-TW" altLang="en-US"/>
+            <a:r>
+              <a:rPr lang="en-CA" dirty="0" smtClean="0"/>
+              <a:t>Pseudo-Reward</a:t>
+            </a:r>
+            <a:endParaRPr lang="en-CA" dirty="0"/>
           </a:p>
         </p:txBody>
       </p:sp>
@@ -5609,53 +5654,45 @@
           <a:lstStyle/>
           <a:p>
             <a:r>
-              <a:rPr lang="en-US" altLang="zh-TW" dirty="0" smtClean="0"/>
-              <a:t>How I played video games:</a:t>
+              <a:rPr lang="en-CA" dirty="0" smtClean="0"/>
+              <a:t>Hierarchically Optimal policy sounds great</a:t>
             </a:r>
           </a:p>
           <a:p>
             <a:pPr lvl="1"/>
             <a:r>
-              <a:rPr lang="en-US" altLang="zh-TW" dirty="0" smtClean="0"/>
-              <a:t>Prediction (planning)</a:t>
+              <a:rPr lang="en-CA" dirty="0" smtClean="0"/>
+              <a:t>But.... useless</a:t>
             </a:r>
           </a:p>
           <a:p>
             <a:pPr lvl="1"/>
             <a:r>
-              <a:rPr lang="en-US" altLang="zh-TW" dirty="0" smtClean="0"/>
-              <a:t>In a complex </a:t>
-            </a:r>
-            <a:r>
-              <a:rPr lang="en-US" altLang="zh-TW" dirty="0" err="1" smtClean="0"/>
-              <a:t>secenario</a:t>
-            </a:r>
-            <a:r>
-              <a:rPr lang="en-US" altLang="zh-TW" dirty="0" smtClean="0"/>
-              <a:t> (too many monsters)</a:t>
-            </a:r>
-          </a:p>
-          <a:p>
-            <a:pPr lvl="2"/>
-            <a:r>
-              <a:rPr lang="en-US" altLang="zh-TW" dirty="0" smtClean="0"/>
-              <a:t>Planning doesn’t work</a:t>
-            </a:r>
-          </a:p>
-          <a:p>
-            <a:pPr lvl="2"/>
-            <a:r>
-              <a:rPr lang="en-US" altLang="zh-TW" dirty="0" smtClean="0"/>
-              <a:t>Trial and error-&gt; use experience </a:t>
-            </a:r>
-            <a:r>
-              <a:rPr lang="en-US" altLang="zh-TW" smtClean="0"/>
-              <a:t>and memory</a:t>
-            </a:r>
-          </a:p>
-          <a:p>
-            <a:pPr lvl="3"/>
-            <a:endParaRPr lang="zh-TW" altLang="en-US" dirty="0"/>
+              <a:rPr lang="en-CA" dirty="0" smtClean="0"/>
+              <a:t>Show with an experiment or motivating example</a:t>
+            </a:r>
+          </a:p>
+          <a:p>
+            <a:pPr lvl="1"/>
+            <a:r>
+              <a:rPr lang="en-CA" dirty="0" smtClean="0"/>
+              <a:t>Boss asks you to make </a:t>
+            </a:r>
+            <a:r>
+              <a:rPr lang="en-CA" dirty="0" err="1" smtClean="0"/>
+              <a:t>iRobot</a:t>
+            </a:r>
+            <a:r>
+              <a:rPr lang="en-CA" dirty="0" smtClean="0"/>
+              <a:t>, but you make a terminator</a:t>
+            </a:r>
+          </a:p>
+          <a:p>
+            <a:pPr lvl="1"/>
+            <a:r>
+              <a:rPr lang="en-CA" dirty="0" smtClean="0"/>
+              <a:t>Experiment -&gt; hierarchically optimal is worse than Q-learning</a:t>
+            </a:r>
           </a:p>
         </p:txBody>
       </p:sp>
@@ -5699,7 +5736,7 @@
           <a:bodyPr/>
           <a:lstStyle/>
           <a:p>
-            <a:endParaRPr lang="en-CA"/>
+            <a:endParaRPr lang="zh-TW" altLang="en-US" dirty="0"/>
           </a:p>
         </p:txBody>
       </p:sp>
@@ -5719,10 +5756,46 @@
           <a:lstStyle/>
           <a:p>
             <a:r>
-              <a:rPr lang="en-CA" dirty="0" smtClean="0"/>
-              <a:t>Sol: a pseudo-reward, and decrease over time</a:t>
-            </a:r>
-            <a:endParaRPr lang="en-CA" dirty="0"/>
+              <a:rPr lang="en-US" altLang="zh-TW" dirty="0" err="1" smtClean="0"/>
+              <a:t>Pseduo</a:t>
+            </a:r>
+            <a:r>
+              <a:rPr lang="en-US" altLang="zh-TW" dirty="0" smtClean="0"/>
+              <a:t>-Reward high-&gt; high confidence in</a:t>
+            </a:r>
+          </a:p>
+          <a:p>
+            <a:pPr lvl="1"/>
+            <a:r>
+              <a:rPr lang="en-US" altLang="zh-TW" dirty="0" err="1" smtClean="0"/>
+              <a:t>maxQ</a:t>
+            </a:r>
+            <a:r>
+              <a:rPr lang="en-US" altLang="zh-TW" dirty="0" smtClean="0"/>
+              <a:t> hierarchy</a:t>
+            </a:r>
+          </a:p>
+          <a:p>
+            <a:pPr lvl="1"/>
+            <a:r>
+              <a:rPr lang="en-US" altLang="zh-TW" dirty="0" smtClean="0"/>
+              <a:t>Low-&gt; low confidence</a:t>
+            </a:r>
+          </a:p>
+          <a:p>
+            <a:pPr lvl="1"/>
+            <a:r>
+              <a:rPr lang="en-US" altLang="zh-TW" dirty="0" smtClean="0"/>
+              <a:t>High-pseudo reward increase the learning rate</a:t>
+            </a:r>
+          </a:p>
+          <a:p>
+            <a:pPr lvl="1"/>
+            <a:r>
+              <a:rPr lang="en-US" altLang="zh-TW" dirty="0" smtClean="0"/>
+              <a:t>But decrease the policy quality</a:t>
+            </a:r>
+            <a:endParaRPr lang="zh-TW" altLang="en-US" dirty="0"/>
           </a:p>
         </p:txBody>
       </p:sp>
@@ -5766,7 +5839,7 @@
           <a:bodyPr/>
           <a:lstStyle/>
           <a:p>
-            <a:endParaRPr lang="en-CA"/>
+            <a:endParaRPr lang="zh-TW" altLang="en-US"/>
           </a:p>
         </p:txBody>
       </p:sp>
@@ -5786,29 +5859,53 @@
           <a:lstStyle/>
           <a:p>
             <a:r>
-              <a:rPr lang="en-CA" dirty="0" smtClean="0"/>
-              <a:t>Two Baseline Algorithm</a:t>
+              <a:rPr lang="en-US" altLang="zh-TW" dirty="0" smtClean="0"/>
+              <a:t>How I played video games:</a:t>
             </a:r>
           </a:p>
           <a:p>
             <a:pPr lvl="1"/>
             <a:r>
-              <a:rPr lang="en-CA" dirty="0" smtClean="0"/>
-              <a:t>Mario Competition 2009 Champion</a:t>
+              <a:rPr lang="en-US" altLang="zh-TW" dirty="0" smtClean="0"/>
+              <a:t>Prediction (planning)</a:t>
             </a:r>
           </a:p>
           <a:p>
             <a:pPr lvl="1"/>
             <a:r>
-              <a:rPr lang="en-CA" dirty="0" smtClean="0"/>
-              <a:t>RL Competition 2009 Champion</a:t>
-            </a:r>
-          </a:p>
-          <a:p>
-            <a:pPr lvl="1">
-              <a:buNone/>
-            </a:pPr>
-            <a:endParaRPr lang="en-CA" dirty="0"/>
+              <a:rPr lang="en-US" altLang="zh-TW" dirty="0" smtClean="0"/>
+              <a:t>In a complex </a:t>
+            </a:r>
+            <a:r>
+              <a:rPr lang="en-US" altLang="zh-TW" dirty="0" err="1" smtClean="0"/>
+              <a:t>secenario</a:t>
+            </a:r>
+            <a:r>
+              <a:rPr lang="en-US" altLang="zh-TW" dirty="0" smtClean="0"/>
+              <a:t> (too many monsters)</a:t>
+            </a:r>
+          </a:p>
+          <a:p>
+            <a:pPr lvl="2"/>
+            <a:r>
+              <a:rPr lang="en-US" altLang="zh-TW" dirty="0" smtClean="0"/>
+              <a:t>Planning doesn’t work</a:t>
+            </a:r>
+          </a:p>
+          <a:p>
+            <a:pPr lvl="2"/>
+            <a:r>
+              <a:rPr lang="en-US" altLang="zh-TW" dirty="0" smtClean="0"/>
+              <a:t>Trial and error-&gt; use experience </a:t>
+            </a:r>
+            <a:r>
+              <a:rPr lang="en-US" altLang="zh-TW" smtClean="0"/>
+              <a:t>and memory</a:t>
+            </a:r>
+          </a:p>
+          <a:p>
+            <a:pPr lvl="3"/>
+            <a:endParaRPr lang="zh-TW" altLang="en-US" dirty="0"/>
           </a:p>
         </p:txBody>
       </p:sp>
@@ -5852,58 +5949,28 @@
           <a:bodyPr/>
           <a:lstStyle/>
           <a:p>
+            <a:endParaRPr lang="en-CA"/>
+          </a:p>
+        </p:txBody>
+      </p:sp>
+      <p:sp>
+        <p:nvSpPr>
+          <p:cNvPr id="3" name="內容版面配置區 2"/>
+          <p:cNvSpPr>
+            <a:spLocks noGrp="1"/>
+          </p:cNvSpPr>
+          <p:nvPr>
+            <p:ph idx="1"/>
+          </p:nvPr>
+        </p:nvSpPr>
+        <p:spPr/>
+        <p:txBody>
+          <a:bodyPr/>
+          <a:lstStyle/>
+          <a:p>
             <a:r>
               <a:rPr lang="en-CA" dirty="0" smtClean="0"/>
-              <a:t>Mario Competition Champion</a:t>
-            </a:r>
-            <a:endParaRPr lang="en-CA" dirty="0"/>
-          </a:p>
-        </p:txBody>
-      </p:sp>
-      <p:sp>
-        <p:nvSpPr>
-          <p:cNvPr id="3" name="內容版面配置區 2"/>
-          <p:cNvSpPr>
-            <a:spLocks noGrp="1"/>
-          </p:cNvSpPr>
-          <p:nvPr>
-            <p:ph idx="1"/>
-          </p:nvPr>
-        </p:nvSpPr>
-        <p:spPr/>
-        <p:txBody>
-          <a:bodyPr/>
-          <a:lstStyle/>
-          <a:p>
-            <a:r>
-              <a:rPr lang="en-CA" dirty="0" smtClean="0"/>
-              <a:t>A*</a:t>
-            </a:r>
-          </a:p>
-          <a:p>
-            <a:r>
-              <a:rPr lang="en-CA" dirty="0" smtClean="0"/>
-              <a:t>Assume a perfect knowledge about the game</a:t>
-            </a:r>
-          </a:p>
-          <a:p>
-            <a:pPr lvl="1"/>
-            <a:r>
-              <a:rPr lang="en-CA" dirty="0" smtClean="0"/>
-              <a:t>Have access to the simulator interface</a:t>
-            </a:r>
-          </a:p>
-          <a:p>
-            <a:r>
-              <a:rPr lang="en-CA" dirty="0" smtClean="0"/>
-              <a:t>My approach: A* with “learned model”</a:t>
-            </a:r>
-          </a:p>
-          <a:p>
-            <a:pPr lvl="1"/>
-            <a:r>
-              <a:rPr lang="en-CA" dirty="0" smtClean="0"/>
-              <a:t>And static assumption</a:t>
+              <a:t>Sol: a pseudo-reward, and decrease over time</a:t>
             </a:r>
             <a:endParaRPr lang="en-CA" dirty="0"/>
           </a:p>
@@ -5949,7 +6016,7 @@
           <a:bodyPr/>
           <a:lstStyle/>
           <a:p>
-            <a:endParaRPr lang="zh-TW" altLang="en-US"/>
+            <a:endParaRPr lang="en-CA"/>
           </a:p>
         </p:txBody>
       </p:sp>
@@ -5969,67 +6036,29 @@
           <a:lstStyle/>
           <a:p>
             <a:r>
-              <a:rPr lang="en-US" altLang="zh-TW" dirty="0" smtClean="0"/>
-              <a:t>The Hierarchy for Mario</a:t>
+              <a:rPr lang="en-CA" dirty="0" smtClean="0"/>
+              <a:t>Two Baseline Algorithm</a:t>
             </a:r>
           </a:p>
           <a:p>
             <a:pPr lvl="1"/>
             <a:r>
-              <a:rPr lang="en-US" altLang="zh-TW" dirty="0" err="1" smtClean="0"/>
-              <a:t>Pics</a:t>
-            </a:r>
-            <a:r>
-              <a:rPr lang="en-US" altLang="zh-TW" dirty="0" smtClean="0"/>
-              <a:t> here</a:t>
+              <a:rPr lang="en-CA" dirty="0" smtClean="0"/>
+              <a:t>Mario Competition 2009 Champion</a:t>
             </a:r>
           </a:p>
           <a:p>
             <a:pPr lvl="1"/>
             <a:r>
-              <a:rPr lang="en-US" altLang="zh-TW" dirty="0" smtClean="0"/>
-              <a:t>9 actions</a:t>
-            </a:r>
-          </a:p>
-          <a:p>
-            <a:r>
-              <a:rPr lang="en-US" altLang="zh-TW" dirty="0" smtClean="0"/>
-              <a:t>No temporal abstraction and spatial abstraction</a:t>
-            </a:r>
-          </a:p>
-          <a:p>
-            <a:pPr lvl="1"/>
-            <a:r>
-              <a:rPr lang="en-US" altLang="zh-TW" dirty="0" smtClean="0"/>
-              <a:t>No benefit from hierarchical representation</a:t>
-            </a:r>
-          </a:p>
-          <a:p>
-            <a:r>
-              <a:rPr lang="en-US" altLang="zh-TW" dirty="0" smtClean="0"/>
-              <a:t>The benefit from my </a:t>
-            </a:r>
-            <a:r>
-              <a:rPr lang="en-US" altLang="zh-TW" dirty="0" err="1" smtClean="0"/>
-              <a:t>appraoch</a:t>
-            </a:r>
-            <a:endParaRPr lang="en-US" altLang="zh-TW" dirty="0" smtClean="0"/>
-          </a:p>
-          <a:p>
-            <a:pPr lvl="1"/>
-            <a:r>
-              <a:rPr lang="en-US" altLang="zh-TW" dirty="0" smtClean="0"/>
-              <a:t>The combination of two complementary </a:t>
-            </a:r>
-            <a:r>
-              <a:rPr lang="en-US" altLang="zh-TW" dirty="0" err="1" smtClean="0"/>
-              <a:t>appraoch</a:t>
-            </a:r>
-            <a:endParaRPr lang="en-US" altLang="zh-TW" dirty="0" smtClean="0"/>
-          </a:p>
-          <a:p>
-            <a:pPr lvl="1"/>
-            <a:endParaRPr lang="zh-TW" altLang="en-US" dirty="0"/>
+              <a:rPr lang="en-CA" dirty="0" smtClean="0"/>
+              <a:t>RL Competition 2009 Champion</a:t>
+            </a:r>
+          </a:p>
+          <a:p>
+            <a:pPr lvl="1">
+              <a:buNone/>
+            </a:pPr>
+            <a:endParaRPr lang="en-CA" dirty="0"/>
           </a:p>
         </p:txBody>
       </p:sp>
@@ -6075,13 +6104,9 @@
           <a:p>
             <a:r>
               <a:rPr lang="en-CA" dirty="0" smtClean="0"/>
-              <a:t>Static </a:t>
-            </a:r>
-            <a:r>
-              <a:rPr lang="en-CA" smtClean="0"/>
-              <a:t>Assumption Planning</a:t>
-            </a:r>
-            <a:endParaRPr lang="en-CA"/>
+              <a:t>Mario Competition Champion</a:t>
+            </a:r>
+            <a:endParaRPr lang="en-CA" dirty="0"/>
           </a:p>
         </p:txBody>
       </p:sp>
@@ -6102,54 +6127,34 @@
           <a:p>
             <a:r>
               <a:rPr lang="en-CA" dirty="0" smtClean="0"/>
-              <a:t>Learner</a:t>
+              <a:t>A*</a:t>
+            </a:r>
+          </a:p>
+          <a:p>
+            <a:r>
+              <a:rPr lang="en-CA" dirty="0" smtClean="0"/>
+              <a:t>Assume a perfect knowledge about the game</a:t>
             </a:r>
           </a:p>
           <a:p>
             <a:pPr lvl="1"/>
             <a:r>
               <a:rPr lang="en-CA" dirty="0" smtClean="0"/>
-              <a:t>Regression Tree</a:t>
+              <a:t>Have access to the simulator interface</a:t>
+            </a:r>
+          </a:p>
+          <a:p>
+            <a:r>
+              <a:rPr lang="en-CA" dirty="0" smtClean="0"/>
+              <a:t>My approach: A* with “learned model”</a:t>
             </a:r>
           </a:p>
           <a:p>
             <a:pPr lvl="1"/>
             <a:r>
               <a:rPr lang="en-CA" dirty="0" smtClean="0"/>
-              <a:t>Predict the future location of </a:t>
-            </a:r>
-            <a:r>
-              <a:rPr lang="en-CA" dirty="0" err="1" smtClean="0"/>
-              <a:t>mario</a:t>
-            </a:r>
-            <a:r>
-              <a:rPr lang="en-CA" dirty="0" smtClean="0"/>
-              <a:t>, and speed and reward</a:t>
-            </a:r>
-          </a:p>
-          <a:p>
-            <a:pPr lvl="1"/>
-            <a:r>
-              <a:rPr lang="en-CA" dirty="0" smtClean="0"/>
-              <a:t>Heuristic to reduce the branch</a:t>
-            </a:r>
-          </a:p>
-          <a:p>
-            <a:pPr lvl="2"/>
-            <a:r>
-              <a:rPr lang="en-CA" dirty="0" smtClean="0"/>
-              <a:t>Jump</a:t>
-            </a:r>
-          </a:p>
-          <a:p>
-            <a:pPr lvl="2"/>
-            <a:r>
-              <a:rPr lang="en-CA" dirty="0" smtClean="0"/>
-              <a:t>From HORDQ</a:t>
-            </a:r>
-          </a:p>
-          <a:p>
-            <a:pPr lvl="1"/>
+              <a:t>And static assumption</a:t>
+            </a:r>
             <a:endParaRPr lang="en-CA" dirty="0"/>
           </a:p>
         </p:txBody>
@@ -6261,7 +6266,7 @@
           <a:bodyPr/>
           <a:lstStyle/>
           <a:p>
-            <a:endParaRPr lang="en-CA"/>
+            <a:endParaRPr lang="zh-TW" altLang="en-US"/>
           </a:p>
         </p:txBody>
       </p:sp>
@@ -6277,121 +6282,71 @@
         </p:nvSpPr>
         <p:spPr/>
         <p:txBody>
-          <a:bodyPr>
-            <a:normAutofit fontScale="92500" lnSpcReduction="10000"/>
-          </a:bodyPr>
-          <a:lstStyle/>
-          <a:p>
-            <a:r>
-              <a:rPr lang="en-CA" dirty="0" smtClean="0"/>
-              <a:t>Mario:</a:t>
+          <a:bodyPr/>
+          <a:lstStyle/>
+          <a:p>
+            <a:r>
+              <a:rPr lang="en-US" altLang="zh-TW" dirty="0" smtClean="0"/>
+              <a:t>The Hierarchy for Mario</a:t>
             </a:r>
           </a:p>
           <a:p>
             <a:pPr lvl="1"/>
             <a:r>
-              <a:rPr lang="en-CA" dirty="0" smtClean="0"/>
-              <a:t>Why model-based is </a:t>
-            </a:r>
-            <a:r>
-              <a:rPr lang="en-CA" dirty="0" err="1" smtClean="0"/>
-              <a:t>neccessary</a:t>
-            </a:r>
-            <a:r>
-              <a:rPr lang="en-CA" dirty="0" smtClean="0"/>
-              <a:t>-&gt;the pit</a:t>
+              <a:rPr lang="en-US" altLang="zh-TW" dirty="0" err="1" smtClean="0"/>
+              <a:t>Pics</a:t>
+            </a:r>
+            <a:r>
+              <a:rPr lang="en-US" altLang="zh-TW" dirty="0" smtClean="0"/>
+              <a:t> here</a:t>
             </a:r>
           </a:p>
           <a:p>
             <a:pPr lvl="1"/>
             <a:r>
-              <a:rPr lang="en-CA" dirty="0" smtClean="0"/>
-              <a:t>Why model-free is </a:t>
-            </a:r>
-            <a:r>
-              <a:rPr lang="en-CA" dirty="0" err="1" smtClean="0"/>
-              <a:t>neccessary</a:t>
-            </a:r>
-            <a:r>
-              <a:rPr lang="en-CA" dirty="0" smtClean="0"/>
-              <a:t> -&gt;</a:t>
-            </a:r>
-          </a:p>
-          <a:p>
-            <a:pPr lvl="2"/>
-            <a:r>
-              <a:rPr lang="en-CA" dirty="0" smtClean="0"/>
-              <a:t>Not everything can be modeled –</a:t>
-            </a:r>
-          </a:p>
-          <a:p>
-            <a:pPr lvl="3"/>
-            <a:r>
-              <a:rPr lang="en-CA" dirty="0" smtClean="0"/>
-              <a:t>We don’t know when</a:t>
-            </a:r>
-          </a:p>
-          <a:p>
-            <a:pPr lvl="3"/>
-            <a:r>
-              <a:rPr lang="en-CA" dirty="0" smtClean="0"/>
-              <a:t>Moving monster</a:t>
-            </a:r>
-          </a:p>
-          <a:p>
-            <a:pPr lvl="3"/>
-            <a:r>
-              <a:rPr lang="en-CA" dirty="0" smtClean="0"/>
-              <a:t> Turtle will be turned </a:t>
-            </a:r>
-            <a:r>
-              <a:rPr lang="en-CA" smtClean="0"/>
-              <a:t>into shell Turtle-</a:t>
-            </a:r>
-            <a:r>
-              <a:rPr lang="en-CA" dirty="0" smtClean="0"/>
-              <a:t>&gt;shell</a:t>
-            </a:r>
-          </a:p>
-          <a:p>
-            <a:pPr lvl="3"/>
-            <a:r>
-              <a:rPr lang="en-CA" dirty="0" smtClean="0"/>
-              <a:t>Kick shell to the wall</a:t>
-            </a:r>
-          </a:p>
-          <a:p>
-            <a:pPr lvl="3"/>
-            <a:r>
-              <a:rPr lang="en-CA" dirty="0" err="1" smtClean="0"/>
-              <a:t>Piraha</a:t>
-            </a:r>
-            <a:r>
-              <a:rPr lang="en-CA" dirty="0" smtClean="0"/>
-              <a:t> flower</a:t>
-            </a:r>
-          </a:p>
-          <a:p>
-            <a:pPr lvl="3"/>
-            <a:r>
-              <a:rPr lang="en-CA" dirty="0" smtClean="0"/>
-              <a:t>Monsters comes out from right edge of the screen</a:t>
-            </a:r>
-          </a:p>
-          <a:p>
-            <a:pPr lvl="3"/>
-            <a:r>
-              <a:rPr lang="en-CA" dirty="0" smtClean="0"/>
-              <a:t>Fireball kills the monster</a:t>
-            </a:r>
-          </a:p>
-          <a:p>
-            <a:pPr lvl="2"/>
-            <a:r>
-              <a:rPr lang="en-CA" dirty="0" smtClean="0"/>
-              <a:t>Mario is the only moving subject</a:t>
-            </a:r>
-            <a:endParaRPr lang="en-CA" dirty="0"/>
+              <a:rPr lang="en-US" altLang="zh-TW" dirty="0" smtClean="0"/>
+              <a:t>9 actions</a:t>
+            </a:r>
+          </a:p>
+          <a:p>
+            <a:r>
+              <a:rPr lang="en-US" altLang="zh-TW" dirty="0" smtClean="0"/>
+              <a:t>No temporal abstraction and spatial abstraction</a:t>
+            </a:r>
+          </a:p>
+          <a:p>
+            <a:pPr lvl="1"/>
+            <a:r>
+              <a:rPr lang="en-US" altLang="zh-TW" dirty="0" smtClean="0"/>
+              <a:t>No benefit from hierarchical representation</a:t>
+            </a:r>
+          </a:p>
+          <a:p>
+            <a:r>
+              <a:rPr lang="en-US" altLang="zh-TW" dirty="0" smtClean="0"/>
+              <a:t>The benefit from my </a:t>
+            </a:r>
+            <a:r>
+              <a:rPr lang="en-US" altLang="zh-TW" dirty="0" err="1" smtClean="0"/>
+              <a:t>appraoch</a:t>
+            </a:r>
+            <a:endParaRPr lang="en-US" altLang="zh-TW" dirty="0" smtClean="0"/>
+          </a:p>
+          <a:p>
+            <a:pPr lvl="1"/>
+            <a:r>
+              <a:rPr lang="en-US" altLang="zh-TW" dirty="0" smtClean="0"/>
+              <a:t>The combination of two complementary </a:t>
+            </a:r>
+            <a:r>
+              <a:rPr lang="en-US" altLang="zh-TW" dirty="0" err="1" smtClean="0"/>
+              <a:t>appraoch</a:t>
+            </a:r>
+            <a:endParaRPr lang="en-US" altLang="zh-TW" dirty="0" smtClean="0"/>
+          </a:p>
+          <a:p>
+            <a:pPr lvl="1"/>
+            <a:endParaRPr lang="zh-TW" altLang="en-US" dirty="0"/>
           </a:p>
         </p:txBody>
       </p:sp>
@@ -6435,7 +6390,15 @@
           <a:bodyPr/>
           <a:lstStyle/>
           <a:p>
-            <a:endParaRPr lang="zh-TW" altLang="en-US"/>
+            <a:r>
+              <a:rPr lang="en-CA" dirty="0" smtClean="0"/>
+              <a:t>Static </a:t>
+            </a:r>
+            <a:r>
+              <a:rPr lang="en-CA" smtClean="0"/>
+              <a:t>Assumption Planning</a:t>
+            </a:r>
+            <a:endParaRPr lang="en-CA"/>
           </a:p>
         </p:txBody>
       </p:sp>
@@ -6455,16 +6418,56 @@
           <a:lstStyle/>
           <a:p>
             <a:r>
-              <a:rPr lang="en-US" altLang="zh-TW" dirty="0" smtClean="0"/>
-              <a:t>Why model-based approach can handle pit?</a:t>
-            </a:r>
-          </a:p>
-          <a:p>
-            <a:r>
-              <a:rPr lang="en-US" altLang="zh-TW" dirty="0" smtClean="0"/>
-              <a:t>Why model-free approach can’t?</a:t>
-            </a:r>
-            <a:endParaRPr lang="zh-TW" altLang="en-US" dirty="0"/>
+              <a:rPr lang="en-CA" dirty="0" smtClean="0"/>
+              <a:t>Learner</a:t>
+            </a:r>
+          </a:p>
+          <a:p>
+            <a:pPr lvl="1"/>
+            <a:r>
+              <a:rPr lang="en-CA" dirty="0" smtClean="0"/>
+              <a:t>Regression Tree</a:t>
+            </a:r>
+          </a:p>
+          <a:p>
+            <a:pPr lvl="1"/>
+            <a:r>
+              <a:rPr lang="en-CA" dirty="0" smtClean="0"/>
+              <a:t>Predict the future location of </a:t>
+            </a:r>
+            <a:r>
+              <a:rPr lang="en-CA" dirty="0" err="1" smtClean="0"/>
+              <a:t>mario</a:t>
+            </a:r>
+            <a:r>
+              <a:rPr lang="en-CA" dirty="0" smtClean="0"/>
+              <a:t>, and speed and reward</a:t>
+            </a:r>
+          </a:p>
+          <a:p>
+            <a:pPr lvl="1"/>
+            <a:r>
+              <a:rPr lang="en-CA" dirty="0" smtClean="0"/>
+              <a:t>Heuristic to reduce the branch</a:t>
+            </a:r>
+          </a:p>
+          <a:p>
+            <a:pPr lvl="2"/>
+            <a:r>
+              <a:rPr lang="en-CA" dirty="0" smtClean="0"/>
+              <a:t>Jump</a:t>
+            </a:r>
+          </a:p>
+          <a:p>
+            <a:pPr lvl="2"/>
+            <a:r>
+              <a:rPr lang="en-CA" dirty="0" smtClean="0"/>
+              <a:t>From HORDQ</a:t>
+            </a:r>
+          </a:p>
+          <a:p>
+            <a:pPr lvl="1"/>
+            <a:endParaRPr lang="en-CA" dirty="0"/>
           </a:p>
         </p:txBody>
       </p:sp>
@@ -6508,7 +6511,7 @@
           <a:bodyPr/>
           <a:lstStyle/>
           <a:p>
-            <a:endParaRPr lang="zh-TW" altLang="en-US"/>
+            <a:endParaRPr lang="en-CA"/>
           </a:p>
         </p:txBody>
       </p:sp>
@@ -6524,28 +6527,135 @@
         </p:nvSpPr>
         <p:spPr/>
         <p:txBody>
-          <a:bodyPr/>
-          <a:lstStyle/>
-          <a:p>
-            <a:r>
-              <a:rPr lang="en-US" dirty="0" smtClean="0"/>
-              <a:t>Model-based approach encodes our prior knowledge about the </a:t>
-            </a:r>
-            <a:br>
-              <a:rPr lang="en-US" dirty="0" smtClean="0"/>
-            </a:br>
-            <a:r>
-              <a:rPr lang="en-US" dirty="0" smtClean="0"/>
-              <a:t>system dynamics. It is beneficial if the agent possess such knowledge.</a:t>
-            </a:r>
-            <a:br>
-              <a:rPr lang="en-US" dirty="0" smtClean="0"/>
-            </a:br>
-            <a:r>
-              <a:rPr lang="en-US" smtClean="0"/>
-              <a:t>However, our dynamical model may be not perfect....</a:t>
-            </a:r>
-            <a:endParaRPr lang="zh-TW" altLang="en-US"/>
+          <a:bodyPr>
+            <a:normAutofit fontScale="85000" lnSpcReduction="20000"/>
+          </a:bodyPr>
+          <a:lstStyle/>
+          <a:p>
+            <a:r>
+              <a:rPr lang="en-CA" dirty="0" smtClean="0"/>
+              <a:t>Mario:</a:t>
+            </a:r>
+          </a:p>
+          <a:p>
+            <a:pPr lvl="1"/>
+            <a:r>
+              <a:rPr lang="en-CA" dirty="0" smtClean="0"/>
+              <a:t>Why model-based is </a:t>
+            </a:r>
+            <a:r>
+              <a:rPr lang="en-CA" dirty="0" err="1" smtClean="0"/>
+              <a:t>neccessary</a:t>
+            </a:r>
+            <a:r>
+              <a:rPr lang="en-CA" dirty="0" smtClean="0"/>
+              <a:t>-&gt;the pit</a:t>
+            </a:r>
+          </a:p>
+          <a:p>
+            <a:pPr lvl="1"/>
+            <a:r>
+              <a:rPr lang="en-CA" dirty="0" smtClean="0"/>
+              <a:t>Why model-free is </a:t>
+            </a:r>
+            <a:r>
+              <a:rPr lang="en-CA" dirty="0" err="1" smtClean="0"/>
+              <a:t>neccessary</a:t>
+            </a:r>
+            <a:r>
+              <a:rPr lang="en-CA" dirty="0" smtClean="0"/>
+              <a:t> -&gt;</a:t>
+            </a:r>
+          </a:p>
+          <a:p>
+            <a:pPr lvl="2"/>
+            <a:r>
+              <a:rPr lang="en-CA" dirty="0" smtClean="0"/>
+              <a:t>Not everything can be modeled –</a:t>
+            </a:r>
+          </a:p>
+          <a:p>
+            <a:pPr lvl="3"/>
+            <a:r>
+              <a:rPr lang="en-CA" dirty="0" smtClean="0"/>
+              <a:t>We don’t know when</a:t>
+            </a:r>
+          </a:p>
+          <a:p>
+            <a:pPr lvl="3"/>
+            <a:r>
+              <a:rPr lang="en-CA" dirty="0" smtClean="0"/>
+              <a:t>Moving monster</a:t>
+            </a:r>
+          </a:p>
+          <a:p>
+            <a:pPr lvl="3"/>
+            <a:r>
+              <a:rPr lang="en-CA" dirty="0" smtClean="0"/>
+              <a:t> Turtle will be turned into shell Turtle-&gt;shell</a:t>
+            </a:r>
+          </a:p>
+          <a:p>
+            <a:pPr lvl="3"/>
+            <a:r>
+              <a:rPr lang="en-CA" dirty="0" smtClean="0"/>
+              <a:t>Kick shell to the wall</a:t>
+            </a:r>
+          </a:p>
+          <a:p>
+            <a:pPr lvl="3"/>
+            <a:r>
+              <a:rPr lang="en-CA" dirty="0" err="1" smtClean="0"/>
+              <a:t>Piraha</a:t>
+            </a:r>
+            <a:r>
+              <a:rPr lang="en-CA" dirty="0" smtClean="0"/>
+              <a:t> flower</a:t>
+            </a:r>
+          </a:p>
+          <a:p>
+            <a:pPr lvl="3"/>
+            <a:r>
+              <a:rPr lang="en-CA" dirty="0" smtClean="0"/>
+              <a:t>Monsters comes out from right edge of the screen</a:t>
+            </a:r>
+          </a:p>
+          <a:p>
+            <a:pPr lvl="3"/>
+            <a:r>
+              <a:rPr lang="en-CA" dirty="0" smtClean="0"/>
+              <a:t>Fireball kills the monster</a:t>
+            </a:r>
+          </a:p>
+          <a:p>
+            <a:pPr lvl="2"/>
+            <a:r>
+              <a:rPr lang="en-CA" dirty="0" smtClean="0"/>
+              <a:t>Mario is the only moving subject</a:t>
+            </a:r>
+          </a:p>
+          <a:p>
+            <a:pPr lvl="2"/>
+            <a:r>
+              <a:rPr lang="en-CA" dirty="0" smtClean="0"/>
+              <a:t>No 100% </a:t>
+            </a:r>
+            <a:r>
+              <a:rPr lang="en-CA" dirty="0" err="1" smtClean="0"/>
+              <a:t>accurary</a:t>
+            </a:r>
+            <a:r>
+              <a:rPr lang="en-CA" dirty="0" smtClean="0"/>
+              <a:t> classifier</a:t>
+            </a:r>
+          </a:p>
+          <a:p>
+            <a:pPr lvl="3"/>
+            <a:r>
+              <a:rPr lang="en-CA" dirty="0" smtClean="0"/>
+              <a:t>It will make a suboptimal decision at some point</a:t>
+            </a:r>
+            <a:endParaRPr lang="en-CA" dirty="0"/>
           </a:p>
         </p:txBody>
       </p:sp>
@@ -6589,11 +6699,7 @@
           <a:bodyPr/>
           <a:lstStyle/>
           <a:p>
-            <a:r>
-              <a:rPr lang="en-CA" dirty="0" smtClean="0"/>
-              <a:t>RL Competition</a:t>
-            </a:r>
-            <a:endParaRPr lang="en-CA" dirty="0"/>
+            <a:endParaRPr lang="zh-TW" altLang="en-US"/>
           </a:p>
         </p:txBody>
       </p:sp>
@@ -6609,130 +6715,28 @@
         </p:nvSpPr>
         <p:spPr/>
         <p:txBody>
-          <a:bodyPr>
-            <a:normAutofit fontScale="85000" lnSpcReduction="20000"/>
-          </a:bodyPr>
-          <a:lstStyle/>
-          <a:p>
-            <a:r>
-              <a:rPr lang="en-CA" dirty="0" smtClean="0"/>
-              <a:t>Input Features:</a:t>
+          <a:bodyPr/>
+          <a:lstStyle/>
+          <a:p>
+            <a:r>
+              <a:rPr lang="en-US" altLang="zh-TW" dirty="0" smtClean="0"/>
+              <a:t>A picture with moving path</a:t>
             </a:r>
           </a:p>
           <a:p>
             <a:pPr lvl="1"/>
             <a:r>
-              <a:rPr lang="en-CA" dirty="0" smtClean="0"/>
-              <a:t>Screen features</a:t>
-            </a:r>
-          </a:p>
-          <a:p>
-            <a:pPr lvl="2"/>
-            <a:r>
-              <a:rPr lang="en-CA" dirty="0" smtClean="0"/>
-              <a:t>No </a:t>
-            </a:r>
-            <a:r>
-              <a:rPr lang="en-CA" dirty="0" err="1" smtClean="0"/>
-              <a:t>onGround</a:t>
-            </a:r>
-            <a:r>
-              <a:rPr lang="en-CA" dirty="0" smtClean="0"/>
-              <a:t>, </a:t>
-            </a:r>
-            <a:r>
-              <a:rPr lang="en-CA" dirty="0" err="1" smtClean="0"/>
-              <a:t>isSliding</a:t>
-            </a:r>
-            <a:r>
-              <a:rPr lang="en-CA" dirty="0" smtClean="0"/>
-              <a:t>, </a:t>
-            </a:r>
-            <a:r>
-              <a:rPr lang="en-CA" dirty="0" err="1" smtClean="0"/>
-              <a:t>isMonsterAhead</a:t>
-            </a:r>
-            <a:r>
-              <a:rPr lang="en-CA" dirty="0" smtClean="0"/>
-              <a:t>, </a:t>
-            </a:r>
-            <a:r>
-              <a:rPr lang="en-CA" dirty="0" err="1" smtClean="0"/>
-              <a:t>isPit</a:t>
-            </a:r>
-            <a:endParaRPr lang="en-CA" dirty="0" smtClean="0"/>
-          </a:p>
-          <a:p>
-            <a:pPr lvl="2"/>
-            <a:r>
-              <a:rPr lang="en-CA" dirty="0" smtClean="0"/>
-              <a:t>Unlike Mario competition</a:t>
-            </a:r>
-          </a:p>
-          <a:p>
-            <a:pPr lvl="3"/>
-            <a:r>
-              <a:rPr lang="en-CA" dirty="0" smtClean="0"/>
-              <a:t>No </a:t>
-            </a:r>
-            <a:r>
-              <a:rPr lang="en-CA" dirty="0" err="1" smtClean="0"/>
-              <a:t>fireflower</a:t>
-            </a:r>
-            <a:endParaRPr lang="en-CA" dirty="0" smtClean="0"/>
+              <a:rPr lang="en-US" altLang="zh-TW" dirty="0" smtClean="0"/>
+              <a:t>No monster </a:t>
+            </a:r>
           </a:p>
           <a:p>
             <a:pPr lvl="1"/>
             <a:r>
-              <a:rPr lang="en-CA" dirty="0" smtClean="0"/>
-              <a:t>22x16 Tiles (not including monsters)</a:t>
-            </a:r>
-          </a:p>
-          <a:p>
-            <a:pPr lvl="1"/>
-            <a:r>
-              <a:rPr lang="en-CA" dirty="0" smtClean="0"/>
-              <a:t>List of monsters (including speed and position)</a:t>
-            </a:r>
-          </a:p>
-          <a:p>
-            <a:r>
-              <a:rPr lang="en-CA" dirty="0" smtClean="0"/>
-              <a:t>Linear </a:t>
-            </a:r>
-            <a:r>
-              <a:rPr lang="en-CA" dirty="0" err="1" smtClean="0"/>
-              <a:t>Sarsa</a:t>
-            </a:r>
-            <a:endParaRPr lang="en-CA" dirty="0" smtClean="0"/>
-          </a:p>
-          <a:p>
-            <a:r>
-              <a:rPr lang="en-CA" dirty="0" smtClean="0"/>
-              <a:t>3 nearest monster or pit</a:t>
-            </a:r>
-          </a:p>
-          <a:p>
-            <a:pPr lvl="1"/>
-            <a:r>
-              <a:rPr lang="en-CA" dirty="0" smtClean="0"/>
-              <a:t>How to represent the pit</a:t>
-            </a:r>
-          </a:p>
-          <a:p>
-            <a:pPr lvl="1"/>
-            <a:r>
-              <a:rPr lang="en-CA" dirty="0" smtClean="0"/>
-              <a:t>Theirs-&gt; hand-coded the pit feature</a:t>
-            </a:r>
-          </a:p>
-          <a:p>
-            <a:pPr lvl="1"/>
-            <a:r>
-              <a:rPr lang="en-CA" dirty="0" smtClean="0"/>
-              <a:t>Mine-&gt; work on 5x5 tiles</a:t>
-            </a:r>
-            <a:endParaRPr lang="en-CA" dirty="0"/>
+              <a:rPr lang="en-US" altLang="zh-TW" dirty="0" smtClean="0"/>
+              <a:t>To show how Model-based approach can work</a:t>
+            </a:r>
+            <a:endParaRPr lang="zh-TW" altLang="en-US" dirty="0"/>
           </a:p>
         </p:txBody>
       </p:sp>
@@ -6776,11 +6780,7 @@
           <a:bodyPr/>
           <a:lstStyle/>
           <a:p>
-            <a:r>
-              <a:rPr lang="en-CA" dirty="0" smtClean="0"/>
-              <a:t>Conclusion</a:t>
-            </a:r>
-            <a:endParaRPr lang="en-CA" dirty="0"/>
+            <a:endParaRPr lang="zh-TW" altLang="en-US"/>
           </a:p>
         </p:txBody>
       </p:sp>
@@ -6800,10 +6800,51 @@
           <a:lstStyle/>
           <a:p>
             <a:r>
-              <a:rPr lang="en-CA" dirty="0" smtClean="0"/>
-              <a:t>I combine two champion approaches and produce a better one</a:t>
-            </a:r>
-            <a:endParaRPr lang="en-CA" dirty="0"/>
+              <a:rPr lang="en-US" altLang="zh-TW" dirty="0" smtClean="0"/>
+              <a:t>No dynamic programming anymore</a:t>
+            </a:r>
+          </a:p>
+          <a:p>
+            <a:pPr lvl="1"/>
+            <a:r>
+              <a:rPr lang="en-US" altLang="zh-TW" dirty="0" smtClean="0"/>
+              <a:t>(x, y, </a:t>
+            </a:r>
+            <a:r>
+              <a:rPr lang="en-US" altLang="zh-TW" dirty="0" err="1" smtClean="0"/>
+              <a:t>dx</a:t>
+            </a:r>
+            <a:r>
+              <a:rPr lang="en-US" altLang="zh-TW" dirty="0" smtClean="0"/>
+              <a:t>, </a:t>
+            </a:r>
+            <a:r>
+              <a:rPr lang="en-US" altLang="zh-TW" dirty="0" err="1" smtClean="0"/>
+              <a:t>dy</a:t>
+            </a:r>
+            <a:r>
+              <a:rPr lang="en-US" altLang="zh-TW" dirty="0" smtClean="0"/>
+              <a:t>) is too huge to </a:t>
+            </a:r>
+            <a:r>
+              <a:rPr lang="en-US" altLang="zh-TW" dirty="0" err="1" smtClean="0"/>
+              <a:t>emeuerate</a:t>
+            </a:r>
+            <a:endParaRPr lang="en-US" altLang="zh-TW" dirty="0" smtClean="0"/>
+          </a:p>
+          <a:p>
+            <a:r>
+              <a:rPr lang="en-US" altLang="zh-TW" dirty="0" smtClean="0"/>
+              <a:t>Use k-step look ahead planning</a:t>
+            </a:r>
+          </a:p>
+          <a:p>
+            <a:pPr lvl="1"/>
+            <a:r>
+              <a:rPr lang="en-US" altLang="zh-TW" dirty="0" smtClean="0"/>
+              <a:t>Similar to Robin’s idea</a:t>
+            </a:r>
+            <a:endParaRPr lang="zh-TW" altLang="en-US" dirty="0"/>
           </a:p>
         </p:txBody>
       </p:sp>
@@ -6847,41 +6888,64 @@
           <a:bodyPr/>
           <a:lstStyle/>
           <a:p>
+            <a:endParaRPr lang="zh-TW" altLang="en-US"/>
+          </a:p>
+        </p:txBody>
+      </p:sp>
+      <p:sp>
+        <p:nvSpPr>
+          <p:cNvPr id="3" name="內容版面配置區 2"/>
+          <p:cNvSpPr>
+            <a:spLocks noGrp="1"/>
+          </p:cNvSpPr>
+          <p:nvPr>
+            <p:ph idx="1"/>
+          </p:nvPr>
+        </p:nvSpPr>
+        <p:spPr/>
+        <p:txBody>
+          <a:bodyPr/>
+          <a:lstStyle/>
+          <a:p>
             <a:r>
               <a:rPr lang="en-US" altLang="zh-TW" dirty="0" smtClean="0"/>
-              <a:t>Optimality is not that important</a:t>
-            </a:r>
-            <a:endParaRPr lang="zh-TW" altLang="en-US" dirty="0"/>
-          </a:p>
-        </p:txBody>
-      </p:sp>
-      <p:sp>
-        <p:nvSpPr>
-          <p:cNvPr id="3" name="內容版面配置區 2"/>
-          <p:cNvSpPr>
-            <a:spLocks noGrp="1"/>
-          </p:cNvSpPr>
-          <p:nvPr>
-            <p:ph idx="1"/>
-          </p:nvPr>
-        </p:nvSpPr>
-        <p:spPr/>
-        <p:txBody>
-          <a:bodyPr/>
-          <a:lstStyle/>
-          <a:p>
+              <a:t>Model-free</a:t>
+            </a:r>
+          </a:p>
+          <a:p>
+            <a:pPr lvl="1"/>
             <a:r>
               <a:rPr lang="en-US" altLang="zh-TW" dirty="0" smtClean="0"/>
-              <a:t>There are many path to the goal</a:t>
+              <a:t>Use </a:t>
+            </a:r>
+            <a:r>
+              <a:rPr lang="en-US" altLang="zh-TW" dirty="0" err="1" smtClean="0"/>
+              <a:t>xx’s</a:t>
+            </a:r>
+            <a:r>
+              <a:rPr lang="en-US" altLang="zh-TW" dirty="0" smtClean="0"/>
+              <a:t> idea</a:t>
             </a:r>
           </a:p>
           <a:p>
             <a:pPr lvl="1"/>
             <a:r>
               <a:rPr lang="en-US" altLang="zh-TW" dirty="0" smtClean="0"/>
-              <a:t>Little of them are completely wrong</a:t>
-            </a:r>
-            <a:endParaRPr lang="zh-TW" altLang="en-US" dirty="0"/>
+              <a:t>State </a:t>
+            </a:r>
+            <a:r>
+              <a:rPr lang="en-US" altLang="zh-TW" dirty="0" err="1" smtClean="0"/>
+              <a:t>abstraciton</a:t>
+            </a:r>
+            <a:endParaRPr lang="en-US" altLang="zh-TW" dirty="0" smtClean="0"/>
+          </a:p>
+          <a:p>
+            <a:pPr lvl="1"/>
+            <a:r>
+              <a:rPr lang="en-US" altLang="zh-TW" smtClean="0"/>
+              <a:t>Feature </a:t>
+            </a:r>
+            <a:endParaRPr lang="zh-TW" altLang="en-US"/>
           </a:p>
         </p:txBody>
       </p:sp>
@@ -6925,40 +6989,34 @@
           <a:bodyPr/>
           <a:lstStyle/>
           <a:p>
+            <a:endParaRPr lang="zh-TW" altLang="en-US"/>
+          </a:p>
+        </p:txBody>
+      </p:sp>
+      <p:sp>
+        <p:nvSpPr>
+          <p:cNvPr id="3" name="內容版面配置區 2"/>
+          <p:cNvSpPr>
+            <a:spLocks noGrp="1"/>
+          </p:cNvSpPr>
+          <p:nvPr>
+            <p:ph idx="1"/>
+          </p:nvPr>
+        </p:nvSpPr>
+        <p:spPr/>
+        <p:txBody>
+          <a:bodyPr/>
+          <a:lstStyle/>
+          <a:p>
             <a:r>
               <a:rPr lang="en-US" altLang="zh-TW" dirty="0" smtClean="0"/>
-              <a:t>Life or death</a:t>
-            </a:r>
-            <a:endParaRPr lang="zh-TW" altLang="en-US" dirty="0"/>
-          </a:p>
-        </p:txBody>
-      </p:sp>
-      <p:sp>
-        <p:nvSpPr>
-          <p:cNvPr id="3" name="內容版面配置區 2"/>
-          <p:cNvSpPr>
-            <a:spLocks noGrp="1"/>
-          </p:cNvSpPr>
-          <p:nvPr>
-            <p:ph idx="1"/>
-          </p:nvPr>
-        </p:nvSpPr>
-        <p:spPr/>
-        <p:txBody>
-          <a:bodyPr/>
-          <a:lstStyle/>
-          <a:p>
-            <a:r>
-              <a:rPr lang="en-US" altLang="zh-TW" dirty="0" err="1" smtClean="0"/>
-              <a:t>Suboptimality</a:t>
-            </a:r>
+              <a:t>Why model-based approach can handle pit?</a:t>
+            </a:r>
+          </a:p>
+          <a:p>
             <a:r>
               <a:rPr lang="en-US" altLang="zh-TW" dirty="0" smtClean="0"/>
-              <a:t> lead </a:t>
-            </a:r>
-            <a:r>
-              <a:rPr lang="en-US" altLang="zh-TW" smtClean="0"/>
-              <a:t>to certain death</a:t>
+              <a:t>Why model-free approach can’t?</a:t>
             </a:r>
             <a:endParaRPr lang="zh-TW" altLang="en-US" dirty="0"/>
           </a:p>
@@ -7004,11 +7062,7 @@
           <a:bodyPr/>
           <a:lstStyle/>
           <a:p>
-            <a:r>
-              <a:rPr lang="en-US" altLang="zh-TW" dirty="0" smtClean="0"/>
-              <a:t>A solution to many open problems</a:t>
-            </a:r>
-            <a:endParaRPr lang="zh-TW" altLang="en-US" dirty="0"/>
+            <a:endParaRPr lang="zh-TW" altLang="en-US"/>
           </a:p>
         </p:txBody>
       </p:sp>
@@ -7028,42 +7082,24 @@
           <a:lstStyle/>
           <a:p>
             <a:r>
-              <a:rPr lang="en-US" altLang="zh-TW" dirty="0" smtClean="0"/>
-              <a:t>1. Linear </a:t>
-            </a:r>
-            <a:r>
-              <a:rPr lang="en-US" altLang="zh-TW" dirty="0" err="1" smtClean="0"/>
-              <a:t>Dyna</a:t>
-            </a:r>
-            <a:r>
-              <a:rPr lang="en-US" altLang="zh-TW" dirty="0" smtClean="0"/>
-              <a:t> 2008</a:t>
-            </a:r>
-          </a:p>
-          <a:p>
-            <a:r>
-              <a:rPr lang="en-US" altLang="zh-TW" dirty="0" smtClean="0"/>
-              <a:t>2. Peter’s Stone (or </a:t>
-            </a:r>
-            <a:r>
-              <a:rPr lang="en-US" altLang="zh-TW" dirty="0" err="1" smtClean="0"/>
-              <a:t>rutegur</a:t>
-            </a:r>
-            <a:r>
-              <a:rPr lang="en-US" altLang="zh-TW" dirty="0" smtClean="0"/>
-              <a:t>) model-based cannot model everything </a:t>
-            </a:r>
-          </a:p>
-          <a:p>
-            <a:r>
-              <a:rPr lang="en-US" altLang="zh-TW" dirty="0" smtClean="0"/>
-              <a:t>3. MAXQ -&gt; no need to find safe </a:t>
-            </a:r>
-            <a:r>
-              <a:rPr lang="en-US" altLang="zh-TW" smtClean="0"/>
-              <a:t>state abstraction</a:t>
-            </a:r>
-            <a:endParaRPr lang="zh-TW" altLang="en-US" dirty="0"/>
+              <a:rPr lang="en-US" dirty="0" smtClean="0"/>
+              <a:t>Model-based approach encodes our prior knowledge about the </a:t>
+            </a:r>
+            <a:br>
+              <a:rPr lang="en-US" dirty="0" smtClean="0"/>
+            </a:br>
+            <a:r>
+              <a:rPr lang="en-US" dirty="0" smtClean="0"/>
+              <a:t>system dynamics. It is beneficial if the agent possess such knowledge.</a:t>
+            </a:r>
+            <a:br>
+              <a:rPr lang="en-US" dirty="0" smtClean="0"/>
+            </a:br>
+            <a:r>
+              <a:rPr lang="en-US" smtClean="0"/>
+              <a:t>However, our dynamical model may be not perfect....</a:t>
+            </a:r>
+            <a:endParaRPr lang="zh-TW" altLang="en-US"/>
           </a:p>
         </p:txBody>
       </p:sp>
@@ -7107,7 +7143,11 @@
           <a:bodyPr/>
           <a:lstStyle/>
           <a:p>
-            <a:endParaRPr lang="zh-TW" altLang="en-US"/>
+            <a:r>
+              <a:rPr lang="en-CA" dirty="0" smtClean="0"/>
+              <a:t>RL Competition</a:t>
+            </a:r>
+            <a:endParaRPr lang="en-CA" dirty="0"/>
           </a:p>
         </p:txBody>
       </p:sp>
@@ -7123,31 +7163,201 @@
         </p:nvSpPr>
         <p:spPr/>
         <p:txBody>
-          <a:bodyPr/>
-          <a:lstStyle/>
-          <a:p>
-            <a:r>
-              <a:rPr lang="en-US" altLang="zh-TW" dirty="0" smtClean="0"/>
-              <a:t>Video: 30 min, 3 hour</a:t>
+          <a:bodyPr>
+            <a:normAutofit fontScale="85000" lnSpcReduction="20000"/>
+          </a:bodyPr>
+          <a:lstStyle/>
+          <a:p>
+            <a:r>
+              <a:rPr lang="en-CA" dirty="0" smtClean="0"/>
+              <a:t>Input Features:</a:t>
             </a:r>
           </a:p>
           <a:p>
             <a:pPr lvl="1"/>
             <a:r>
-              <a:rPr lang="en-US" altLang="zh-TW" dirty="0" smtClean="0"/>
-              <a:t>Music</a:t>
-            </a:r>
-          </a:p>
-          <a:p>
-            <a:r>
-              <a:rPr lang="en-US" altLang="zh-TW" dirty="0" smtClean="0"/>
-              <a:t>Other video on </a:t>
-            </a:r>
-            <a:r>
-              <a:rPr lang="en-US" altLang="zh-TW" dirty="0" err="1" smtClean="0"/>
-              <a:t>youtube</a:t>
-            </a:r>
-            <a:endParaRPr lang="zh-TW" altLang="en-US" dirty="0"/>
+              <a:rPr lang="en-CA" dirty="0" smtClean="0"/>
+              <a:t>Screen features</a:t>
+            </a:r>
+          </a:p>
+          <a:p>
+            <a:pPr lvl="2"/>
+            <a:r>
+              <a:rPr lang="en-CA" dirty="0" smtClean="0"/>
+              <a:t>No </a:t>
+            </a:r>
+            <a:r>
+              <a:rPr lang="en-CA" dirty="0" err="1" smtClean="0"/>
+              <a:t>onGround</a:t>
+            </a:r>
+            <a:r>
+              <a:rPr lang="en-CA" dirty="0" smtClean="0"/>
+              <a:t>, </a:t>
+            </a:r>
+            <a:r>
+              <a:rPr lang="en-CA" dirty="0" err="1" smtClean="0"/>
+              <a:t>isSliding</a:t>
+            </a:r>
+            <a:r>
+              <a:rPr lang="en-CA" dirty="0" smtClean="0"/>
+              <a:t>, </a:t>
+            </a:r>
+            <a:r>
+              <a:rPr lang="en-CA" dirty="0" err="1" smtClean="0"/>
+              <a:t>isMonsterAhead</a:t>
+            </a:r>
+            <a:r>
+              <a:rPr lang="en-CA" dirty="0" smtClean="0"/>
+              <a:t>, </a:t>
+            </a:r>
+            <a:r>
+              <a:rPr lang="en-CA" dirty="0" err="1" smtClean="0"/>
+              <a:t>isPit</a:t>
+            </a:r>
+            <a:endParaRPr lang="en-CA" dirty="0" smtClean="0"/>
+          </a:p>
+          <a:p>
+            <a:pPr lvl="2"/>
+            <a:r>
+              <a:rPr lang="en-CA" dirty="0" smtClean="0"/>
+              <a:t>Unlike Mario competition</a:t>
+            </a:r>
+          </a:p>
+          <a:p>
+            <a:pPr lvl="3"/>
+            <a:r>
+              <a:rPr lang="en-CA" dirty="0" smtClean="0"/>
+              <a:t>No </a:t>
+            </a:r>
+            <a:r>
+              <a:rPr lang="en-CA" dirty="0" err="1" smtClean="0"/>
+              <a:t>fireflower</a:t>
+            </a:r>
+            <a:endParaRPr lang="en-CA" dirty="0" smtClean="0"/>
+          </a:p>
+          <a:p>
+            <a:pPr lvl="1"/>
+            <a:r>
+              <a:rPr lang="en-CA" dirty="0" smtClean="0"/>
+              <a:t>22x16 Tiles (not including monsters)</a:t>
+            </a:r>
+          </a:p>
+          <a:p>
+            <a:pPr lvl="1"/>
+            <a:r>
+              <a:rPr lang="en-CA" dirty="0" smtClean="0"/>
+              <a:t>List of monsters (including speed and position)</a:t>
+            </a:r>
+          </a:p>
+          <a:p>
+            <a:r>
+              <a:rPr lang="en-CA" dirty="0" smtClean="0"/>
+              <a:t>Linear </a:t>
+            </a:r>
+            <a:r>
+              <a:rPr lang="en-CA" dirty="0" err="1" smtClean="0"/>
+              <a:t>Sarsa</a:t>
+            </a:r>
+            <a:endParaRPr lang="en-CA" dirty="0" smtClean="0"/>
+          </a:p>
+          <a:p>
+            <a:r>
+              <a:rPr lang="en-CA" dirty="0" smtClean="0"/>
+              <a:t>3 nearest monster or pit</a:t>
+            </a:r>
+          </a:p>
+          <a:p>
+            <a:pPr lvl="1"/>
+            <a:r>
+              <a:rPr lang="en-CA" dirty="0" smtClean="0"/>
+              <a:t>How to represent the pit</a:t>
+            </a:r>
+          </a:p>
+          <a:p>
+            <a:pPr lvl="1"/>
+            <a:r>
+              <a:rPr lang="en-CA" dirty="0" smtClean="0"/>
+              <a:t>Theirs-&gt; hand-coded the pit feature</a:t>
+            </a:r>
+          </a:p>
+          <a:p>
+            <a:pPr lvl="1"/>
+            <a:r>
+              <a:rPr lang="en-CA" dirty="0" smtClean="0"/>
+              <a:t>Mine-&gt; work on 5x5 tiles</a:t>
+            </a:r>
+            <a:endParaRPr lang="en-CA" dirty="0"/>
+          </a:p>
+        </p:txBody>
+      </p:sp>
+    </p:spTree>
+  </p:cSld>
+  <p:clrMapOvr>
+    <a:masterClrMapping/>
+  </p:clrMapOvr>
+</p:sld>
+</file>
+
+<file path=ppt/slides/slide29.xml><?xml version="1.0" encoding="utf-8"?>
+<p:sld xmlns:a="http://schemas.openxmlformats.org/drawingml/2006/main" xmlns:r="http://schemas.openxmlformats.org/officeDocument/2006/relationships" xmlns:p="http://schemas.openxmlformats.org/presentationml/2006/main">
+  <p:cSld>
+    <p:spTree>
+      <p:nvGrpSpPr>
+        <p:cNvPr id="1" name=""/>
+        <p:cNvGrpSpPr/>
+        <p:nvPr/>
+      </p:nvGrpSpPr>
+      <p:grpSpPr>
+        <a:xfrm>
+          <a:off x="0" y="0"/>
+          <a:ext cx="0" cy="0"/>
+          <a:chOff x="0" y="0"/>
+          <a:chExt cx="0" cy="0"/>
+        </a:xfrm>
+      </p:grpSpPr>
+      <p:sp>
+        <p:nvSpPr>
+          <p:cNvPr id="2" name="標題 1"/>
+          <p:cNvSpPr>
+            <a:spLocks noGrp="1"/>
+          </p:cNvSpPr>
+          <p:nvPr>
+            <p:ph type="title"/>
+          </p:nvPr>
+        </p:nvSpPr>
+        <p:spPr/>
+        <p:txBody>
+          <a:bodyPr/>
+          <a:lstStyle/>
+          <a:p>
+            <a:r>
+              <a:rPr lang="en-CA" dirty="0" smtClean="0"/>
+              <a:t>Conclusion</a:t>
+            </a:r>
+            <a:endParaRPr lang="en-CA" dirty="0"/>
+          </a:p>
+        </p:txBody>
+      </p:sp>
+      <p:sp>
+        <p:nvSpPr>
+          <p:cNvPr id="3" name="內容版面配置區 2"/>
+          <p:cNvSpPr>
+            <a:spLocks noGrp="1"/>
+          </p:cNvSpPr>
+          <p:nvPr>
+            <p:ph idx="1"/>
+          </p:nvPr>
+        </p:nvSpPr>
+        <p:spPr/>
+        <p:txBody>
+          <a:bodyPr/>
+          <a:lstStyle/>
+          <a:p>
+            <a:r>
+              <a:rPr lang="en-CA" dirty="0" smtClean="0"/>
+              <a:t>I combine two champion approaches and produce a better one</a:t>
+            </a:r>
+            <a:endParaRPr lang="en-CA" dirty="0"/>
           </a:p>
         </p:txBody>
       </p:sp>
@@ -7223,6 +7433,350 @@
           <a:lstStyle/>
           <a:p>
             <a:endParaRPr lang="en-CA"/>
+          </a:p>
+        </p:txBody>
+      </p:sp>
+    </p:spTree>
+  </p:cSld>
+  <p:clrMapOvr>
+    <a:masterClrMapping/>
+  </p:clrMapOvr>
+</p:sld>
+</file>
+
+<file path=ppt/slides/slide30.xml><?xml version="1.0" encoding="utf-8"?>
+<p:sld xmlns:a="http://schemas.openxmlformats.org/drawingml/2006/main" xmlns:r="http://schemas.openxmlformats.org/officeDocument/2006/relationships" xmlns:p="http://schemas.openxmlformats.org/presentationml/2006/main">
+  <p:cSld>
+    <p:spTree>
+      <p:nvGrpSpPr>
+        <p:cNvPr id="1" name=""/>
+        <p:cNvGrpSpPr/>
+        <p:nvPr/>
+      </p:nvGrpSpPr>
+      <p:grpSpPr>
+        <a:xfrm>
+          <a:off x="0" y="0"/>
+          <a:ext cx="0" cy="0"/>
+          <a:chOff x="0" y="0"/>
+          <a:chExt cx="0" cy="0"/>
+        </a:xfrm>
+      </p:grpSpPr>
+      <p:sp>
+        <p:nvSpPr>
+          <p:cNvPr id="2" name="標題 1"/>
+          <p:cNvSpPr>
+            <a:spLocks noGrp="1"/>
+          </p:cNvSpPr>
+          <p:nvPr>
+            <p:ph type="title"/>
+          </p:nvPr>
+        </p:nvSpPr>
+        <p:spPr/>
+        <p:txBody>
+          <a:bodyPr/>
+          <a:lstStyle/>
+          <a:p>
+            <a:r>
+              <a:rPr lang="en-US" altLang="zh-TW" dirty="0" smtClean="0"/>
+              <a:t>Optimality is not that important</a:t>
+            </a:r>
+            <a:endParaRPr lang="zh-TW" altLang="en-US" dirty="0"/>
+          </a:p>
+        </p:txBody>
+      </p:sp>
+      <p:sp>
+        <p:nvSpPr>
+          <p:cNvPr id="3" name="內容版面配置區 2"/>
+          <p:cNvSpPr>
+            <a:spLocks noGrp="1"/>
+          </p:cNvSpPr>
+          <p:nvPr>
+            <p:ph idx="1"/>
+          </p:nvPr>
+        </p:nvSpPr>
+        <p:spPr/>
+        <p:txBody>
+          <a:bodyPr/>
+          <a:lstStyle/>
+          <a:p>
+            <a:r>
+              <a:rPr lang="en-US" altLang="zh-TW" dirty="0" smtClean="0"/>
+              <a:t>There are many path to the goal</a:t>
+            </a:r>
+          </a:p>
+          <a:p>
+            <a:pPr lvl="1"/>
+            <a:r>
+              <a:rPr lang="en-US" altLang="zh-TW" dirty="0" smtClean="0"/>
+              <a:t>Little of them are completely wrong</a:t>
+            </a:r>
+            <a:endParaRPr lang="zh-TW" altLang="en-US" dirty="0"/>
+          </a:p>
+        </p:txBody>
+      </p:sp>
+    </p:spTree>
+  </p:cSld>
+  <p:clrMapOvr>
+    <a:masterClrMapping/>
+  </p:clrMapOvr>
+</p:sld>
+</file>
+
+<file path=ppt/slides/slide31.xml><?xml version="1.0" encoding="utf-8"?>
+<p:sld xmlns:a="http://schemas.openxmlformats.org/drawingml/2006/main" xmlns:r="http://schemas.openxmlformats.org/officeDocument/2006/relationships" xmlns:p="http://schemas.openxmlformats.org/presentationml/2006/main">
+  <p:cSld>
+    <p:spTree>
+      <p:nvGrpSpPr>
+        <p:cNvPr id="1" name=""/>
+        <p:cNvGrpSpPr/>
+        <p:nvPr/>
+      </p:nvGrpSpPr>
+      <p:grpSpPr>
+        <a:xfrm>
+          <a:off x="0" y="0"/>
+          <a:ext cx="0" cy="0"/>
+          <a:chOff x="0" y="0"/>
+          <a:chExt cx="0" cy="0"/>
+        </a:xfrm>
+      </p:grpSpPr>
+      <p:sp>
+        <p:nvSpPr>
+          <p:cNvPr id="2" name="標題 1"/>
+          <p:cNvSpPr>
+            <a:spLocks noGrp="1"/>
+          </p:cNvSpPr>
+          <p:nvPr>
+            <p:ph type="title"/>
+          </p:nvPr>
+        </p:nvSpPr>
+        <p:spPr/>
+        <p:txBody>
+          <a:bodyPr/>
+          <a:lstStyle/>
+          <a:p>
+            <a:r>
+              <a:rPr lang="en-US" altLang="zh-TW" dirty="0" smtClean="0"/>
+              <a:t>Life or death</a:t>
+            </a:r>
+            <a:endParaRPr lang="zh-TW" altLang="en-US" dirty="0"/>
+          </a:p>
+        </p:txBody>
+      </p:sp>
+      <p:sp>
+        <p:nvSpPr>
+          <p:cNvPr id="3" name="內容版面配置區 2"/>
+          <p:cNvSpPr>
+            <a:spLocks noGrp="1"/>
+          </p:cNvSpPr>
+          <p:nvPr>
+            <p:ph idx="1"/>
+          </p:nvPr>
+        </p:nvSpPr>
+        <p:spPr/>
+        <p:txBody>
+          <a:bodyPr/>
+          <a:lstStyle/>
+          <a:p>
+            <a:r>
+              <a:rPr lang="en-US" altLang="zh-TW" dirty="0" err="1" smtClean="0"/>
+              <a:t>Suboptimality</a:t>
+            </a:r>
+            <a:r>
+              <a:rPr lang="en-US" altLang="zh-TW" dirty="0" smtClean="0"/>
+              <a:t> lead </a:t>
+            </a:r>
+            <a:r>
+              <a:rPr lang="en-US" altLang="zh-TW" smtClean="0"/>
+              <a:t>to certain death</a:t>
+            </a:r>
+            <a:endParaRPr lang="zh-TW" altLang="en-US" dirty="0"/>
+          </a:p>
+        </p:txBody>
+      </p:sp>
+    </p:spTree>
+  </p:cSld>
+  <p:clrMapOvr>
+    <a:masterClrMapping/>
+  </p:clrMapOvr>
+</p:sld>
+</file>
+
+<file path=ppt/slides/slide32.xml><?xml version="1.0" encoding="utf-8"?>
+<p:sld xmlns:a="http://schemas.openxmlformats.org/drawingml/2006/main" xmlns:r="http://schemas.openxmlformats.org/officeDocument/2006/relationships" xmlns:p="http://schemas.openxmlformats.org/presentationml/2006/main">
+  <p:cSld>
+    <p:spTree>
+      <p:nvGrpSpPr>
+        <p:cNvPr id="1" name=""/>
+        <p:cNvGrpSpPr/>
+        <p:nvPr/>
+      </p:nvGrpSpPr>
+      <p:grpSpPr>
+        <a:xfrm>
+          <a:off x="0" y="0"/>
+          <a:ext cx="0" cy="0"/>
+          <a:chOff x="0" y="0"/>
+          <a:chExt cx="0" cy="0"/>
+        </a:xfrm>
+      </p:grpSpPr>
+      <p:sp>
+        <p:nvSpPr>
+          <p:cNvPr id="2" name="標題 1"/>
+          <p:cNvSpPr>
+            <a:spLocks noGrp="1"/>
+          </p:cNvSpPr>
+          <p:nvPr>
+            <p:ph type="title"/>
+          </p:nvPr>
+        </p:nvSpPr>
+        <p:spPr/>
+        <p:txBody>
+          <a:bodyPr/>
+          <a:lstStyle/>
+          <a:p>
+            <a:r>
+              <a:rPr lang="en-US" altLang="zh-TW" dirty="0" smtClean="0"/>
+              <a:t>A solution to many open problems</a:t>
+            </a:r>
+            <a:endParaRPr lang="zh-TW" altLang="en-US" dirty="0"/>
+          </a:p>
+        </p:txBody>
+      </p:sp>
+      <p:sp>
+        <p:nvSpPr>
+          <p:cNvPr id="3" name="內容版面配置區 2"/>
+          <p:cNvSpPr>
+            <a:spLocks noGrp="1"/>
+          </p:cNvSpPr>
+          <p:nvPr>
+            <p:ph idx="1"/>
+          </p:nvPr>
+        </p:nvSpPr>
+        <p:spPr/>
+        <p:txBody>
+          <a:bodyPr/>
+          <a:lstStyle/>
+          <a:p>
+            <a:r>
+              <a:rPr lang="en-US" altLang="zh-TW" dirty="0" smtClean="0"/>
+              <a:t>1. Linear </a:t>
+            </a:r>
+            <a:r>
+              <a:rPr lang="en-US" altLang="zh-TW" dirty="0" err="1" smtClean="0"/>
+              <a:t>Dyna</a:t>
+            </a:r>
+            <a:r>
+              <a:rPr lang="en-US" altLang="zh-TW" dirty="0" smtClean="0"/>
+              <a:t> 2008</a:t>
+            </a:r>
+          </a:p>
+          <a:p>
+            <a:r>
+              <a:rPr lang="en-US" altLang="zh-TW" dirty="0" smtClean="0"/>
+              <a:t>2. Peter’s Stone (or </a:t>
+            </a:r>
+            <a:r>
+              <a:rPr lang="en-US" altLang="zh-TW" dirty="0" err="1" smtClean="0"/>
+              <a:t>rutegur</a:t>
+            </a:r>
+            <a:r>
+              <a:rPr lang="en-US" altLang="zh-TW" dirty="0" smtClean="0"/>
+              <a:t>) model-based cannot model everything </a:t>
+            </a:r>
+          </a:p>
+          <a:p>
+            <a:r>
+              <a:rPr lang="en-US" altLang="zh-TW" dirty="0" smtClean="0"/>
+              <a:t>3. MAXQ -&gt; no need to find safe </a:t>
+            </a:r>
+            <a:r>
+              <a:rPr lang="en-US" altLang="zh-TW" smtClean="0"/>
+              <a:t>state abstraction</a:t>
+            </a:r>
+            <a:endParaRPr lang="zh-TW" altLang="en-US" dirty="0"/>
+          </a:p>
+        </p:txBody>
+      </p:sp>
+    </p:spTree>
+  </p:cSld>
+  <p:clrMapOvr>
+    <a:masterClrMapping/>
+  </p:clrMapOvr>
+</p:sld>
+</file>
+
+<file path=ppt/slides/slide33.xml><?xml version="1.0" encoding="utf-8"?>
+<p:sld xmlns:a="http://schemas.openxmlformats.org/drawingml/2006/main" xmlns:r="http://schemas.openxmlformats.org/officeDocument/2006/relationships" xmlns:p="http://schemas.openxmlformats.org/presentationml/2006/main">
+  <p:cSld>
+    <p:spTree>
+      <p:nvGrpSpPr>
+        <p:cNvPr id="1" name=""/>
+        <p:cNvGrpSpPr/>
+        <p:nvPr/>
+      </p:nvGrpSpPr>
+      <p:grpSpPr>
+        <a:xfrm>
+          <a:off x="0" y="0"/>
+          <a:ext cx="0" cy="0"/>
+          <a:chOff x="0" y="0"/>
+          <a:chExt cx="0" cy="0"/>
+        </a:xfrm>
+      </p:grpSpPr>
+      <p:sp>
+        <p:nvSpPr>
+          <p:cNvPr id="2" name="標題 1"/>
+          <p:cNvSpPr>
+            <a:spLocks noGrp="1"/>
+          </p:cNvSpPr>
+          <p:nvPr>
+            <p:ph type="title"/>
+          </p:nvPr>
+        </p:nvSpPr>
+        <p:spPr/>
+        <p:txBody>
+          <a:bodyPr/>
+          <a:lstStyle/>
+          <a:p>
+            <a:endParaRPr lang="zh-TW" altLang="en-US"/>
+          </a:p>
+        </p:txBody>
+      </p:sp>
+      <p:sp>
+        <p:nvSpPr>
+          <p:cNvPr id="3" name="內容版面配置區 2"/>
+          <p:cNvSpPr>
+            <a:spLocks noGrp="1"/>
+          </p:cNvSpPr>
+          <p:nvPr>
+            <p:ph idx="1"/>
+          </p:nvPr>
+        </p:nvSpPr>
+        <p:spPr/>
+        <p:txBody>
+          <a:bodyPr/>
+          <a:lstStyle/>
+          <a:p>
+            <a:r>
+              <a:rPr lang="en-US" altLang="zh-TW" dirty="0" smtClean="0"/>
+              <a:t>Video: 30 min, 3 hour</a:t>
+            </a:r>
+          </a:p>
+          <a:p>
+            <a:pPr lvl="1"/>
+            <a:r>
+              <a:rPr lang="en-US" altLang="zh-TW" dirty="0" smtClean="0"/>
+              <a:t>Music</a:t>
+            </a:r>
+          </a:p>
+          <a:p>
+            <a:r>
+              <a:rPr lang="en-US" altLang="zh-TW" dirty="0" smtClean="0"/>
+              <a:t>Other video on </a:t>
+            </a:r>
+            <a:r>
+              <a:rPr lang="en-US" altLang="zh-TW" dirty="0" err="1" smtClean="0"/>
+              <a:t>youtube</a:t>
+            </a:r>
+            <a:endParaRPr lang="zh-TW" altLang="en-US" dirty="0"/>
           </a:p>
         </p:txBody>
       </p:sp>

--- a/OptimalPlanning.pptx
+++ b/OptimalPlanning.pptx
@@ -5,7 +5,7 @@
     <p:sldMasterId id="2147483648" r:id="rId1"/>
   </p:sldMasterIdLst>
   <p:notesMasterIdLst>
-    <p:notesMasterId r:id="rId79"/>
+    <p:notesMasterId r:id="rId81"/>
   </p:notesMasterIdLst>
   <p:sldIdLst>
     <p:sldId id="256" r:id="rId2"/>
@@ -24,7 +24,7 @@
     <p:sldId id="339" r:id="rId15"/>
     <p:sldId id="342" r:id="rId16"/>
     <p:sldId id="336" r:id="rId17"/>
-    <p:sldId id="340" r:id="rId18"/>
+    <p:sldId id="396" r:id="rId18"/>
     <p:sldId id="360" r:id="rId19"/>
     <p:sldId id="334" r:id="rId20"/>
     <p:sldId id="350" r:id="rId21"/>
@@ -46,45 +46,47 @@
     <p:sldId id="379" r:id="rId37"/>
     <p:sldId id="383" r:id="rId38"/>
     <p:sldId id="387" r:id="rId39"/>
-    <p:sldId id="390" r:id="rId40"/>
-    <p:sldId id="391" r:id="rId41"/>
-    <p:sldId id="276" r:id="rId42"/>
-    <p:sldId id="388" r:id="rId43"/>
-    <p:sldId id="352" r:id="rId44"/>
-    <p:sldId id="257" r:id="rId45"/>
-    <p:sldId id="258" r:id="rId46"/>
-    <p:sldId id="283" r:id="rId47"/>
-    <p:sldId id="284" r:id="rId48"/>
-    <p:sldId id="358" r:id="rId49"/>
-    <p:sldId id="329" r:id="rId50"/>
-    <p:sldId id="330" r:id="rId51"/>
-    <p:sldId id="331" r:id="rId52"/>
-    <p:sldId id="326" r:id="rId53"/>
-    <p:sldId id="327" r:id="rId54"/>
-    <p:sldId id="345" r:id="rId55"/>
-    <p:sldId id="349" r:id="rId56"/>
-    <p:sldId id="355" r:id="rId57"/>
-    <p:sldId id="356" r:id="rId58"/>
-    <p:sldId id="357" r:id="rId59"/>
-    <p:sldId id="367" r:id="rId60"/>
-    <p:sldId id="371" r:id="rId61"/>
-    <p:sldId id="372" r:id="rId62"/>
-    <p:sldId id="373" r:id="rId63"/>
-    <p:sldId id="374" r:id="rId64"/>
-    <p:sldId id="375" r:id="rId65"/>
-    <p:sldId id="376" r:id="rId66"/>
-    <p:sldId id="377" r:id="rId67"/>
-    <p:sldId id="378" r:id="rId68"/>
-    <p:sldId id="380" r:id="rId69"/>
-    <p:sldId id="381" r:id="rId70"/>
-    <p:sldId id="382" r:id="rId71"/>
-    <p:sldId id="384" r:id="rId72"/>
-    <p:sldId id="385" r:id="rId73"/>
-    <p:sldId id="386" r:id="rId74"/>
-    <p:sldId id="389" r:id="rId75"/>
-    <p:sldId id="392" r:id="rId76"/>
-    <p:sldId id="393" r:id="rId77"/>
-    <p:sldId id="394" r:id="rId78"/>
+    <p:sldId id="395" r:id="rId40"/>
+    <p:sldId id="390" r:id="rId41"/>
+    <p:sldId id="391" r:id="rId42"/>
+    <p:sldId id="276" r:id="rId43"/>
+    <p:sldId id="388" r:id="rId44"/>
+    <p:sldId id="352" r:id="rId45"/>
+    <p:sldId id="257" r:id="rId46"/>
+    <p:sldId id="258" r:id="rId47"/>
+    <p:sldId id="283" r:id="rId48"/>
+    <p:sldId id="284" r:id="rId49"/>
+    <p:sldId id="358" r:id="rId50"/>
+    <p:sldId id="329" r:id="rId51"/>
+    <p:sldId id="330" r:id="rId52"/>
+    <p:sldId id="331" r:id="rId53"/>
+    <p:sldId id="326" r:id="rId54"/>
+    <p:sldId id="327" r:id="rId55"/>
+    <p:sldId id="345" r:id="rId56"/>
+    <p:sldId id="349" r:id="rId57"/>
+    <p:sldId id="355" r:id="rId58"/>
+    <p:sldId id="356" r:id="rId59"/>
+    <p:sldId id="357" r:id="rId60"/>
+    <p:sldId id="367" r:id="rId61"/>
+    <p:sldId id="371" r:id="rId62"/>
+    <p:sldId id="372" r:id="rId63"/>
+    <p:sldId id="373" r:id="rId64"/>
+    <p:sldId id="374" r:id="rId65"/>
+    <p:sldId id="375" r:id="rId66"/>
+    <p:sldId id="376" r:id="rId67"/>
+    <p:sldId id="377" r:id="rId68"/>
+    <p:sldId id="378" r:id="rId69"/>
+    <p:sldId id="380" r:id="rId70"/>
+    <p:sldId id="381" r:id="rId71"/>
+    <p:sldId id="382" r:id="rId72"/>
+    <p:sldId id="384" r:id="rId73"/>
+    <p:sldId id="385" r:id="rId74"/>
+    <p:sldId id="386" r:id="rId75"/>
+    <p:sldId id="389" r:id="rId76"/>
+    <p:sldId id="392" r:id="rId77"/>
+    <p:sldId id="393" r:id="rId78"/>
+    <p:sldId id="394" r:id="rId79"/>
+    <p:sldId id="397" r:id="rId80"/>
   </p:sldIdLst>
   <p:sldSz cx="9144000" cy="6858000" type="screen4x3"/>
   <p:notesSz cx="6858000" cy="9144000"/>
@@ -269,7 +271,7 @@
             <a:fld id="{41C79C29-2E6F-4CFC-9D0D-ACF4D3C334D4}" type="datetimeFigureOut">
               <a:rPr lang="en-US" smtClean="0"/>
               <a:pPr/>
-              <a:t>7/30/2011</a:t>
+              <a:t>8/3/2011</a:t>
             </a:fld>
             <a:endParaRPr lang="en-CA"/>
           </a:p>
@@ -1495,7 +1497,41 @@
           </a:bodyPr>
           <a:lstStyle/>
           <a:p>
-            <a:endParaRPr lang="en-CA"/>
+            <a:r>
+              <a:rPr lang="en-CA" dirty="0" smtClean="0"/>
+              <a:t>Show that the optimal policy can be learned</a:t>
+            </a:r>
+          </a:p>
+          <a:p>
+            <a:pPr lvl="1"/>
+            <a:r>
+              <a:rPr lang="en-CA" dirty="0" smtClean="0"/>
+              <a:t>Not just hierarchical optimal policy</a:t>
+            </a:r>
+          </a:p>
+          <a:p>
+            <a:pPr lvl="1"/>
+            <a:r>
+              <a:rPr lang="en-CA" dirty="0" smtClean="0"/>
+              <a:t>The optimal policy will be learned regardless of the policy on the top</a:t>
+            </a:r>
+          </a:p>
+          <a:p>
+            <a:pPr lvl="2"/>
+            <a:r>
+              <a:rPr lang="en-CA" dirty="0" smtClean="0"/>
+              <a:t>Picture</a:t>
+            </a:r>
+          </a:p>
+          <a:p>
+            <a:pPr lvl="2"/>
+            <a:r>
+              <a:rPr lang="en-CA" dirty="0" smtClean="0"/>
+              <a:t>We can put anything on top</a:t>
+            </a:r>
+          </a:p>
+          <a:p>
+            <a:endParaRPr lang="en-CA" dirty="0"/>
           </a:p>
         </p:txBody>
       </p:sp>
@@ -4249,7 +4285,34 @@
             <a:pPr lvl="1"/>
             <a:r>
               <a:rPr lang="en-US" altLang="zh-TW" dirty="0" smtClean="0"/>
-              <a:t>Build a model of it’s own dynamic through interaction</a:t>
+              <a:t>Model-free</a:t>
+            </a:r>
+            <a:r>
+              <a:rPr lang="en-US" altLang="zh-TW" baseline="0" dirty="0" smtClean="0"/>
+              <a:t> approaches fail to learn the </a:t>
+            </a:r>
+          </a:p>
+          <a:p>
+            <a:pPr lvl="1"/>
+            <a:r>
+              <a:rPr lang="en-US" altLang="zh-TW" baseline="0" dirty="0" smtClean="0"/>
+              <a:t>Model-based approaches</a:t>
+            </a:r>
+            <a:endParaRPr lang="en-US" altLang="zh-TW" dirty="0" smtClean="0"/>
+          </a:p>
+          <a:p>
+            <a:pPr lvl="1"/>
+            <a:endParaRPr lang="en-US" altLang="zh-TW" dirty="0" smtClean="0"/>
+          </a:p>
+          <a:p>
+            <a:pPr lvl="1"/>
+            <a:r>
+              <a:rPr lang="en-US" altLang="zh-TW" dirty="0" smtClean="0"/>
+              <a:t>Build </a:t>
+            </a:r>
+            <a:r>
+              <a:rPr lang="en-US" altLang="zh-TW" dirty="0" smtClean="0"/>
+              <a:t>a model of it’s own dynamic through interaction</a:t>
             </a:r>
           </a:p>
           <a:p>
@@ -4342,7 +4405,48 @@
           </a:bodyPr>
           <a:lstStyle/>
           <a:p>
-            <a:endParaRPr lang="en-CA"/>
+            <a:pPr lvl="1"/>
+            <a:r>
+              <a:rPr lang="en-US" altLang="zh-TW" dirty="0" smtClean="0"/>
+              <a:t>Model-free</a:t>
+            </a:r>
+            <a:r>
+              <a:rPr lang="en-US" altLang="zh-TW" baseline="0" dirty="0" smtClean="0"/>
+              <a:t> approaches fail to learn the </a:t>
+            </a:r>
+          </a:p>
+          <a:p>
+            <a:pPr lvl="1"/>
+            <a:r>
+              <a:rPr lang="en-US" altLang="zh-TW" baseline="0" dirty="0" smtClean="0"/>
+              <a:t>Model-based approaches</a:t>
+            </a:r>
+            <a:endParaRPr lang="en-US" altLang="zh-TW" dirty="0" smtClean="0"/>
+          </a:p>
+          <a:p>
+            <a:pPr lvl="1"/>
+            <a:endParaRPr lang="en-US" altLang="zh-TW" dirty="0" smtClean="0"/>
+          </a:p>
+          <a:p>
+            <a:pPr lvl="1"/>
+            <a:r>
+              <a:rPr lang="en-US" altLang="zh-TW" dirty="0" smtClean="0"/>
+              <a:t>Build </a:t>
+            </a:r>
+            <a:r>
+              <a:rPr lang="en-US" altLang="zh-TW" dirty="0" smtClean="0"/>
+              <a:t>a model of it’s own dynamic through interaction</a:t>
+            </a:r>
+          </a:p>
+          <a:p>
+            <a:pPr lvl="1"/>
+            <a:r>
+              <a:rPr lang="en-US" altLang="zh-TW" dirty="0" smtClean="0"/>
+              <a:t>Other unknown object cannot</a:t>
+            </a:r>
+          </a:p>
+          <a:p>
+            <a:endParaRPr lang="en-CA" dirty="0"/>
           </a:p>
         </p:txBody>
       </p:sp>
@@ -5755,8 +5859,9 @@
           <a:bodyPr/>
           <a:lstStyle/>
           <a:p>
-            <a:fld id="{9BC64386-D36B-4AFF-AEB3-EA0A4ECDF7F5}" type="slidenum">
+            <a:fld id="{4746D9A5-85CA-4182-8A94-C906263A7ECD}" type="slidenum">
               <a:rPr lang="en-CA" smtClean="0"/>
+              <a:pPr/>
               <a:t>54</a:t>
             </a:fld>
             <a:endParaRPr lang="en-CA"/>
@@ -5836,7 +5941,7 @@
           <a:bodyPr/>
           <a:lstStyle/>
           <a:p>
-            <a:fld id="{4746D9A5-85CA-4182-8A94-C906263A7ECD}" type="slidenum">
+            <a:fld id="{9BC64386-D36B-4AFF-AEB3-EA0A4ECDF7F5}" type="slidenum">
               <a:rPr lang="en-CA" smtClean="0"/>
               <a:pPr/>
               <a:t>55</a:t>
@@ -6965,15 +7070,7 @@
           </a:bodyPr>
           <a:lstStyle/>
           <a:p>
-            <a:r>
-              <a:rPr lang="en-US" altLang="zh-TW" dirty="0" smtClean="0"/>
-              <a:t>My work</a:t>
-            </a:r>
-            <a:r>
-              <a:rPr lang="en-US" altLang="zh-TW" baseline="0" dirty="0" smtClean="0"/>
-              <a:t> is not HRL</a:t>
-            </a:r>
-            <a:endParaRPr lang="zh-TW" altLang="en-US" dirty="0"/>
+            <a:endParaRPr lang="en-CA"/>
           </a:p>
         </p:txBody>
       </p:sp>
@@ -7055,7 +7152,15 @@
           </a:bodyPr>
           <a:lstStyle/>
           <a:p>
-            <a:endParaRPr lang="en-CA"/>
+            <a:r>
+              <a:rPr lang="en-US" altLang="zh-TW" dirty="0" smtClean="0"/>
+              <a:t>My work</a:t>
+            </a:r>
+            <a:r>
+              <a:rPr lang="en-US" altLang="zh-TW" baseline="0" dirty="0" smtClean="0"/>
+              <a:t> is not HRL</a:t>
+            </a:r>
+            <a:endParaRPr lang="zh-TW" altLang="en-US" dirty="0"/>
           </a:p>
         </p:txBody>
       </p:sp>
@@ -7340,8 +7445,9 @@
           <a:bodyPr/>
           <a:lstStyle/>
           <a:p>
-            <a:fld id="{CB23E318-03EF-4639-959D-667DB5E93610}" type="slidenum">
+            <a:fld id="{4746D9A5-85CA-4182-8A94-C906263A7ECD}" type="slidenum">
               <a:rPr lang="en-CA" smtClean="0"/>
+              <a:pPr/>
               <a:t>71</a:t>
             </a:fld>
             <a:endParaRPr lang="en-CA"/>
@@ -7421,7 +7527,7 @@
           <a:bodyPr/>
           <a:lstStyle/>
           <a:p>
-            <a:fld id="{4746D9A5-85CA-4182-8A94-C906263A7ECD}" type="slidenum">
+            <a:fld id="{CB23E318-03EF-4639-959D-667DB5E93610}" type="slidenum">
               <a:rPr lang="en-CA" smtClean="0"/>
               <a:pPr/>
               <a:t>72</a:t>
@@ -7835,6 +7941,170 @@
               <a:rPr lang="en-CA" smtClean="0"/>
               <a:pPr/>
               <a:t>77</a:t>
+            </a:fld>
+            <a:endParaRPr lang="en-CA"/>
+          </a:p>
+        </p:txBody>
+      </p:sp>
+    </p:spTree>
+  </p:cSld>
+  <p:clrMapOvr>
+    <a:masterClrMapping/>
+  </p:clrMapOvr>
+</p:notes>
+</file>
+
+<file path=ppt/notesSlides/notesSlide78.xml><?xml version="1.0" encoding="utf-8"?>
+<p:notes xmlns:a="http://schemas.openxmlformats.org/drawingml/2006/main" xmlns:r="http://schemas.openxmlformats.org/officeDocument/2006/relationships" xmlns:p="http://schemas.openxmlformats.org/presentationml/2006/main">
+  <p:cSld>
+    <p:spTree>
+      <p:nvGrpSpPr>
+        <p:cNvPr id="1" name=""/>
+        <p:cNvGrpSpPr/>
+        <p:nvPr/>
+      </p:nvGrpSpPr>
+      <p:grpSpPr>
+        <a:xfrm>
+          <a:off x="0" y="0"/>
+          <a:ext cx="0" cy="0"/>
+          <a:chOff x="0" y="0"/>
+          <a:chExt cx="0" cy="0"/>
+        </a:xfrm>
+      </p:grpSpPr>
+      <p:sp>
+        <p:nvSpPr>
+          <p:cNvPr id="2" name="投影片圖像版面配置區 1"/>
+          <p:cNvSpPr>
+            <a:spLocks noGrp="1" noRot="1" noChangeAspect="1"/>
+          </p:cNvSpPr>
+          <p:nvPr>
+            <p:ph type="sldImg"/>
+          </p:nvPr>
+        </p:nvSpPr>
+        <p:spPr/>
+      </p:sp>
+      <p:sp>
+        <p:nvSpPr>
+          <p:cNvPr id="3" name="備忘稿版面配置區 2"/>
+          <p:cNvSpPr>
+            <a:spLocks noGrp="1"/>
+          </p:cNvSpPr>
+          <p:nvPr>
+            <p:ph type="body" idx="1"/>
+          </p:nvPr>
+        </p:nvSpPr>
+        <p:spPr/>
+        <p:txBody>
+          <a:bodyPr>
+            <a:normAutofit/>
+          </a:bodyPr>
+          <a:lstStyle/>
+          <a:p>
+            <a:endParaRPr lang="en-CA"/>
+          </a:p>
+        </p:txBody>
+      </p:sp>
+      <p:sp>
+        <p:nvSpPr>
+          <p:cNvPr id="4" name="投影片編號版面配置區 3"/>
+          <p:cNvSpPr>
+            <a:spLocks noGrp="1"/>
+          </p:cNvSpPr>
+          <p:nvPr>
+            <p:ph type="sldNum" sz="quarter" idx="10"/>
+          </p:nvPr>
+        </p:nvSpPr>
+        <p:spPr/>
+        <p:txBody>
+          <a:bodyPr/>
+          <a:lstStyle/>
+          <a:p>
+            <a:fld id="{4746D9A5-85CA-4182-8A94-C906263A7ECD}" type="slidenum">
+              <a:rPr lang="en-CA" smtClean="0"/>
+              <a:pPr/>
+              <a:t>78</a:t>
+            </a:fld>
+            <a:endParaRPr lang="en-CA"/>
+          </a:p>
+        </p:txBody>
+      </p:sp>
+    </p:spTree>
+  </p:cSld>
+  <p:clrMapOvr>
+    <a:masterClrMapping/>
+  </p:clrMapOvr>
+</p:notes>
+</file>
+
+<file path=ppt/notesSlides/notesSlide79.xml><?xml version="1.0" encoding="utf-8"?>
+<p:notes xmlns:a="http://schemas.openxmlformats.org/drawingml/2006/main" xmlns:r="http://schemas.openxmlformats.org/officeDocument/2006/relationships" xmlns:p="http://schemas.openxmlformats.org/presentationml/2006/main">
+  <p:cSld>
+    <p:spTree>
+      <p:nvGrpSpPr>
+        <p:cNvPr id="1" name=""/>
+        <p:cNvGrpSpPr/>
+        <p:nvPr/>
+      </p:nvGrpSpPr>
+      <p:grpSpPr>
+        <a:xfrm>
+          <a:off x="0" y="0"/>
+          <a:ext cx="0" cy="0"/>
+          <a:chOff x="0" y="0"/>
+          <a:chExt cx="0" cy="0"/>
+        </a:xfrm>
+      </p:grpSpPr>
+      <p:sp>
+        <p:nvSpPr>
+          <p:cNvPr id="2" name="投影片圖像版面配置區 1"/>
+          <p:cNvSpPr>
+            <a:spLocks noGrp="1" noRot="1" noChangeAspect="1"/>
+          </p:cNvSpPr>
+          <p:nvPr>
+            <p:ph type="sldImg"/>
+          </p:nvPr>
+        </p:nvSpPr>
+        <p:spPr/>
+      </p:sp>
+      <p:sp>
+        <p:nvSpPr>
+          <p:cNvPr id="3" name="備忘稿版面配置區 2"/>
+          <p:cNvSpPr>
+            <a:spLocks noGrp="1"/>
+          </p:cNvSpPr>
+          <p:nvPr>
+            <p:ph type="body" idx="1"/>
+          </p:nvPr>
+        </p:nvSpPr>
+        <p:spPr/>
+        <p:txBody>
+          <a:bodyPr>
+            <a:normAutofit/>
+          </a:bodyPr>
+          <a:lstStyle/>
+          <a:p>
+            <a:endParaRPr lang="en-CA"/>
+          </a:p>
+        </p:txBody>
+      </p:sp>
+      <p:sp>
+        <p:nvSpPr>
+          <p:cNvPr id="4" name="投影片編號版面配置區 3"/>
+          <p:cNvSpPr>
+            <a:spLocks noGrp="1"/>
+          </p:cNvSpPr>
+          <p:nvPr>
+            <p:ph type="sldNum" sz="quarter" idx="10"/>
+          </p:nvPr>
+        </p:nvSpPr>
+        <p:spPr/>
+        <p:txBody>
+          <a:bodyPr/>
+          <a:lstStyle/>
+          <a:p>
+            <a:fld id="{4746D9A5-85CA-4182-8A94-C906263A7ECD}" type="slidenum">
+              <a:rPr lang="en-CA" smtClean="0"/>
+              <a:pPr/>
+              <a:t>79</a:t>
             </a:fld>
             <a:endParaRPr lang="en-CA"/>
           </a:p>
@@ -8194,7 +8464,7 @@
             <a:fld id="{5BBEAD13-0566-4C6C-97E7-55F17F24B09F}" type="datetimeFigureOut">
               <a:rPr lang="zh-TW" altLang="en-US" smtClean="0"/>
               <a:pPr/>
-              <a:t>2011/7/30</a:t>
+              <a:t>2011/8/3</a:t>
             </a:fld>
             <a:endParaRPr lang="zh-TW" altLang="en-US"/>
           </a:p>
@@ -8361,7 +8631,7 @@
             <a:fld id="{5BBEAD13-0566-4C6C-97E7-55F17F24B09F}" type="datetimeFigureOut">
               <a:rPr lang="zh-TW" altLang="en-US" smtClean="0"/>
               <a:pPr/>
-              <a:t>2011/7/30</a:t>
+              <a:t>2011/8/3</a:t>
             </a:fld>
             <a:endParaRPr lang="zh-TW" altLang="en-US"/>
           </a:p>
@@ -8538,7 +8808,7 @@
             <a:fld id="{5BBEAD13-0566-4C6C-97E7-55F17F24B09F}" type="datetimeFigureOut">
               <a:rPr lang="zh-TW" altLang="en-US" smtClean="0"/>
               <a:pPr/>
-              <a:t>2011/7/30</a:t>
+              <a:t>2011/8/3</a:t>
             </a:fld>
             <a:endParaRPr lang="zh-TW" altLang="en-US"/>
           </a:p>
@@ -8705,7 +8975,7 @@
             <a:fld id="{5BBEAD13-0566-4C6C-97E7-55F17F24B09F}" type="datetimeFigureOut">
               <a:rPr lang="zh-TW" altLang="en-US" smtClean="0"/>
               <a:pPr/>
-              <a:t>2011/7/30</a:t>
+              <a:t>2011/8/3</a:t>
             </a:fld>
             <a:endParaRPr lang="zh-TW" altLang="en-US"/>
           </a:p>
@@ -8948,7 +9218,7 @@
             <a:fld id="{5BBEAD13-0566-4C6C-97E7-55F17F24B09F}" type="datetimeFigureOut">
               <a:rPr lang="zh-TW" altLang="en-US" smtClean="0"/>
               <a:pPr/>
-              <a:t>2011/7/30</a:t>
+              <a:t>2011/8/3</a:t>
             </a:fld>
             <a:endParaRPr lang="zh-TW" altLang="en-US"/>
           </a:p>
@@ -9233,7 +9503,7 @@
             <a:fld id="{5BBEAD13-0566-4C6C-97E7-55F17F24B09F}" type="datetimeFigureOut">
               <a:rPr lang="zh-TW" altLang="en-US" smtClean="0"/>
               <a:pPr/>
-              <a:t>2011/7/30</a:t>
+              <a:t>2011/8/3</a:t>
             </a:fld>
             <a:endParaRPr lang="zh-TW" altLang="en-US"/>
           </a:p>
@@ -9652,7 +9922,7 @@
             <a:fld id="{5BBEAD13-0566-4C6C-97E7-55F17F24B09F}" type="datetimeFigureOut">
               <a:rPr lang="zh-TW" altLang="en-US" smtClean="0"/>
               <a:pPr/>
-              <a:t>2011/7/30</a:t>
+              <a:t>2011/8/3</a:t>
             </a:fld>
             <a:endParaRPr lang="zh-TW" altLang="en-US"/>
           </a:p>
@@ -9767,7 +10037,7 @@
             <a:fld id="{5BBEAD13-0566-4C6C-97E7-55F17F24B09F}" type="datetimeFigureOut">
               <a:rPr lang="zh-TW" altLang="en-US" smtClean="0"/>
               <a:pPr/>
-              <a:t>2011/7/30</a:t>
+              <a:t>2011/8/3</a:t>
             </a:fld>
             <a:endParaRPr lang="zh-TW" altLang="en-US"/>
           </a:p>
@@ -9859,7 +10129,7 @@
             <a:fld id="{5BBEAD13-0566-4C6C-97E7-55F17F24B09F}" type="datetimeFigureOut">
               <a:rPr lang="zh-TW" altLang="en-US" smtClean="0"/>
               <a:pPr/>
-              <a:t>2011/7/30</a:t>
+              <a:t>2011/8/3</a:t>
             </a:fld>
             <a:endParaRPr lang="zh-TW" altLang="en-US"/>
           </a:p>
@@ -10133,7 +10403,7 @@
             <a:fld id="{5BBEAD13-0566-4C6C-97E7-55F17F24B09F}" type="datetimeFigureOut">
               <a:rPr lang="zh-TW" altLang="en-US" smtClean="0"/>
               <a:pPr/>
-              <a:t>2011/7/30</a:t>
+              <a:t>2011/8/3</a:t>
             </a:fld>
             <a:endParaRPr lang="zh-TW" altLang="en-US"/>
           </a:p>
@@ -10383,7 +10653,7 @@
             <a:fld id="{5BBEAD13-0566-4C6C-97E7-55F17F24B09F}" type="datetimeFigureOut">
               <a:rPr lang="zh-TW" altLang="en-US" smtClean="0"/>
               <a:pPr/>
-              <a:t>2011/7/30</a:t>
+              <a:t>2011/8/3</a:t>
             </a:fld>
             <a:endParaRPr lang="zh-TW" altLang="en-US"/>
           </a:p>
@@ -10593,7 +10863,7 @@
             <a:fld id="{5BBEAD13-0566-4C6C-97E7-55F17F24B09F}" type="datetimeFigureOut">
               <a:rPr lang="zh-TW" altLang="en-US" smtClean="0"/>
               <a:pPr/>
-              <a:t>2011/7/30</a:t>
+              <a:t>2011/8/3</a:t>
             </a:fld>
             <a:endParaRPr lang="zh-TW" altLang="en-US"/>
           </a:p>
@@ -11024,15 +11294,7 @@
           <a:p>
             <a:r>
               <a:rPr lang="en-CA" altLang="zh-TW" sz="1700" dirty="0" smtClean="0"/>
-              <a:t>Computer Science </a:t>
-            </a:r>
-            <a:r>
-              <a:rPr lang="en-CA" altLang="zh-TW" sz="1700" dirty="0" smtClean="0"/>
-              <a:t>Department, University </a:t>
-            </a:r>
-            <a:r>
-              <a:rPr lang="en-CA" altLang="zh-TW" sz="1700" dirty="0" smtClean="0"/>
-              <a:t>of British Columbia</a:t>
+              <a:t>Computer Science Department, University of British Columbia</a:t>
             </a:r>
             <a:endParaRPr lang="zh-TW" altLang="en-US" sz="1700" dirty="0"/>
           </a:p>
@@ -11880,11 +12142,6 @@
                 </a:rPr>
                 <a:t>North</a:t>
               </a:r>
-              <a:endParaRPr lang="en-CA" altLang="zh-TW" sz="2000" dirty="0" smtClean="0">
-                <a:solidFill>
-                  <a:schemeClr val="tx1"/>
-                </a:solidFill>
-              </a:endParaRPr>
             </a:p>
           </p:txBody>
         </p:sp>
@@ -11936,11 +12193,6 @@
                 </a:rPr>
                 <a:t>South</a:t>
               </a:r>
-              <a:endParaRPr lang="en-CA" altLang="zh-TW" sz="2000" dirty="0" smtClean="0">
-                <a:solidFill>
-                  <a:schemeClr val="tx1"/>
-                </a:solidFill>
-              </a:endParaRPr>
             </a:p>
           </p:txBody>
         </p:sp>
@@ -11992,11 +12244,6 @@
                 </a:rPr>
                 <a:t>East</a:t>
               </a:r>
-              <a:endParaRPr lang="en-CA" altLang="zh-TW" sz="2000" dirty="0" smtClean="0">
-                <a:solidFill>
-                  <a:schemeClr val="tx1"/>
-                </a:solidFill>
-              </a:endParaRPr>
             </a:p>
           </p:txBody>
         </p:sp>
@@ -12048,11 +12295,6 @@
                 </a:rPr>
                 <a:t>West</a:t>
               </a:r>
-              <a:endParaRPr lang="en-CA" altLang="zh-TW" sz="2000" dirty="0" smtClean="0">
-                <a:solidFill>
-                  <a:schemeClr val="tx1"/>
-                </a:solidFill>
-              </a:endParaRPr>
             </a:p>
           </p:txBody>
         </p:sp>
@@ -12160,11 +12402,6 @@
                 </a:rPr>
                 <a:t>Pickup</a:t>
               </a:r>
-              <a:endParaRPr lang="en-CA" altLang="zh-TW" sz="2000" dirty="0" smtClean="0">
-                <a:solidFill>
-                  <a:schemeClr val="tx1"/>
-                </a:solidFill>
-              </a:endParaRPr>
             </a:p>
           </p:txBody>
         </p:sp>
@@ -12216,11 +12453,6 @@
                 </a:rPr>
                 <a:t>Putdown</a:t>
               </a:r>
-              <a:endParaRPr lang="en-CA" altLang="zh-TW" sz="1400" dirty="0" smtClean="0">
-                <a:solidFill>
-                  <a:schemeClr val="tx1"/>
-                </a:solidFill>
-              </a:endParaRPr>
             </a:p>
           </p:txBody>
         </p:sp>
@@ -13502,11 +13734,6 @@
               </a:rPr>
               <a:t>North</a:t>
             </a:r>
-            <a:endParaRPr lang="en-CA" altLang="zh-TW" sz="2000" dirty="0" smtClean="0">
-              <a:solidFill>
-                <a:schemeClr val="tx1"/>
-              </a:solidFill>
-            </a:endParaRPr>
           </a:p>
         </p:txBody>
       </p:sp>
@@ -13558,11 +13785,6 @@
               </a:rPr>
               <a:t>South</a:t>
             </a:r>
-            <a:endParaRPr lang="en-CA" altLang="zh-TW" sz="2000" dirty="0" smtClean="0">
-              <a:solidFill>
-                <a:schemeClr val="tx1"/>
-              </a:solidFill>
-            </a:endParaRPr>
           </a:p>
         </p:txBody>
       </p:sp>
@@ -13614,11 +13836,6 @@
               </a:rPr>
               <a:t>East</a:t>
             </a:r>
-            <a:endParaRPr lang="en-CA" altLang="zh-TW" sz="2000" dirty="0" smtClean="0">
-              <a:solidFill>
-                <a:schemeClr val="tx1"/>
-              </a:solidFill>
-            </a:endParaRPr>
           </a:p>
         </p:txBody>
       </p:sp>
@@ -13670,11 +13887,6 @@
               </a:rPr>
               <a:t>West</a:t>
             </a:r>
-            <a:endParaRPr lang="en-CA" altLang="zh-TW" sz="2000" dirty="0" smtClean="0">
-              <a:solidFill>
-                <a:schemeClr val="tx1"/>
-              </a:solidFill>
-            </a:endParaRPr>
           </a:p>
         </p:txBody>
       </p:sp>
@@ -13782,11 +13994,6 @@
               </a:rPr>
               <a:t>Pickup</a:t>
             </a:r>
-            <a:endParaRPr lang="en-CA" altLang="zh-TW" sz="2000" dirty="0" smtClean="0">
-              <a:solidFill>
-                <a:schemeClr val="tx1"/>
-              </a:solidFill>
-            </a:endParaRPr>
           </a:p>
         </p:txBody>
       </p:sp>
@@ -13838,11 +14045,6 @@
               </a:rPr>
               <a:t>Putdown</a:t>
             </a:r>
-            <a:endParaRPr lang="en-CA" altLang="zh-TW" sz="1400" dirty="0" smtClean="0">
-              <a:solidFill>
-                <a:schemeClr val="tx1"/>
-              </a:solidFill>
-            </a:endParaRPr>
           </a:p>
         </p:txBody>
       </p:sp>
@@ -13947,11 +14149,6 @@
                 </a:rPr>
                 <a:t>Putdown</a:t>
               </a:r>
-              <a:endParaRPr lang="en-CA" altLang="zh-TW" sz="1400" dirty="0" smtClean="0">
-                <a:solidFill>
-                  <a:schemeClr val="tx1"/>
-                </a:solidFill>
-              </a:endParaRPr>
             </a:p>
           </p:txBody>
         </p:sp>
@@ -14057,11 +14254,6 @@
                 </a:rPr>
                 <a:t>Pickup</a:t>
               </a:r>
-              <a:endParaRPr lang="en-CA" altLang="zh-TW" sz="2000" dirty="0" smtClean="0">
-                <a:solidFill>
-                  <a:schemeClr val="tx1"/>
-                </a:solidFill>
-              </a:endParaRPr>
             </a:p>
           </p:txBody>
         </p:sp>
@@ -14701,8 +14893,8 @@
         </p:nvSpPr>
         <p:spPr>
           <a:xfrm>
-            <a:off x="2143108" y="1285860"/>
-            <a:ext cx="3571900" cy="2143140"/>
+            <a:off x="2214546" y="2285992"/>
+            <a:ext cx="3571900" cy="2071702"/>
           </a:xfrm>
           <a:prstGeom prst="roundRect">
             <a:avLst/>
@@ -14758,7 +14950,7 @@
         </p:nvSpPr>
         <p:spPr>
           <a:xfrm>
-            <a:off x="3643306" y="1500174"/>
+            <a:off x="3714744" y="2500306"/>
             <a:ext cx="428628" cy="428628"/>
           </a:xfrm>
           <a:prstGeom prst="ellipse">
@@ -14796,7 +14988,7 @@
         </p:nvSpPr>
         <p:spPr>
           <a:xfrm>
-            <a:off x="3000364" y="2214554"/>
+            <a:off x="3071802" y="3214686"/>
             <a:ext cx="428628" cy="428628"/>
           </a:xfrm>
           <a:prstGeom prst="ellipse">
@@ -14834,7 +15026,7 @@
         </p:nvSpPr>
         <p:spPr>
           <a:xfrm>
-            <a:off x="2643174" y="2857496"/>
+            <a:off x="2714612" y="3857628"/>
             <a:ext cx="428628" cy="428628"/>
           </a:xfrm>
           <a:prstGeom prst="ellipse">
@@ -14872,7 +15064,7 @@
         </p:nvSpPr>
         <p:spPr>
           <a:xfrm>
-            <a:off x="3357554" y="2857496"/>
+            <a:off x="3428992" y="3857628"/>
             <a:ext cx="428628" cy="428628"/>
           </a:xfrm>
           <a:prstGeom prst="ellipse">
@@ -14910,7 +15102,7 @@
         </p:nvSpPr>
         <p:spPr>
           <a:xfrm>
-            <a:off x="4429124" y="2214554"/>
+            <a:off x="4429124" y="3214686"/>
             <a:ext cx="428628" cy="428628"/>
           </a:xfrm>
           <a:prstGeom prst="ellipse">
@@ -14948,7 +15140,7 @@
         </p:nvSpPr>
         <p:spPr>
           <a:xfrm>
-            <a:off x="4071934" y="2857496"/>
+            <a:off x="4143372" y="3857628"/>
             <a:ext cx="428628" cy="428628"/>
           </a:xfrm>
           <a:prstGeom prst="ellipse">
@@ -14986,7 +15178,7 @@
         </p:nvSpPr>
         <p:spPr>
           <a:xfrm>
-            <a:off x="4786314" y="2857496"/>
+            <a:off x="4857752" y="3857628"/>
             <a:ext cx="428628" cy="428628"/>
           </a:xfrm>
           <a:prstGeom prst="ellipse">
@@ -15024,7 +15216,7 @@
         </p:nvSpPr>
         <p:spPr>
           <a:xfrm>
-            <a:off x="2285984" y="3571876"/>
+            <a:off x="2214546" y="4643446"/>
             <a:ext cx="428628" cy="428628"/>
           </a:xfrm>
           <a:prstGeom prst="ellipse">
@@ -15062,7 +15254,7 @@
         </p:nvSpPr>
         <p:spPr>
           <a:xfrm>
-            <a:off x="3000364" y="3571876"/>
+            <a:off x="3000364" y="4643446"/>
             <a:ext cx="428628" cy="428628"/>
           </a:xfrm>
           <a:prstGeom prst="ellipse">
@@ -15100,7 +15292,7 @@
         </p:nvSpPr>
         <p:spPr>
           <a:xfrm>
-            <a:off x="3714744" y="3571876"/>
+            <a:off x="3786182" y="4643446"/>
             <a:ext cx="428628" cy="428628"/>
           </a:xfrm>
           <a:prstGeom prst="ellipse">
@@ -15138,7 +15330,7 @@
         </p:nvSpPr>
         <p:spPr>
           <a:xfrm>
-            <a:off x="4429124" y="3571876"/>
+            <a:off x="4500562" y="4643446"/>
             <a:ext cx="428628" cy="428628"/>
           </a:xfrm>
           <a:prstGeom prst="ellipse">
@@ -15176,7 +15368,7 @@
         </p:nvSpPr>
         <p:spPr>
           <a:xfrm>
-            <a:off x="5214942" y="3571876"/>
+            <a:off x="5286380" y="4643446"/>
             <a:ext cx="428628" cy="428628"/>
           </a:xfrm>
           <a:prstGeom prst="ellipse">
@@ -15214,8 +15406,8 @@
         </p:nvSpPr>
         <p:spPr>
           <a:xfrm>
-            <a:off x="6143636" y="2285992"/>
-            <a:ext cx="784189" cy="369332"/>
+            <a:off x="6215074" y="3286124"/>
+            <a:ext cx="1045671" cy="369332"/>
           </a:xfrm>
           <a:prstGeom prst="rect">
             <a:avLst/>
@@ -15229,10 +15421,18 @@
           <a:lstStyle/>
           <a:p>
             <a:r>
-              <a:rPr lang="en-CA" dirty="0" smtClean="0"/>
-              <a:t>MAXQ</a:t>
-            </a:r>
-            <a:endParaRPr lang="en-CA" dirty="0"/>
+              <a:rPr lang="en-CA" b="1" dirty="0" smtClean="0">
+                <a:solidFill>
+                  <a:schemeClr val="accent2"/>
+                </a:solidFill>
+              </a:rPr>
+              <a:t>Anything</a:t>
+            </a:r>
+            <a:endParaRPr lang="en-CA" b="1" dirty="0">
+              <a:solidFill>
+                <a:schemeClr val="accent2"/>
+              </a:solidFill>
+            </a:endParaRPr>
           </a:p>
         </p:txBody>
       </p:sp>
@@ -15244,8 +15444,8 @@
         </p:nvSpPr>
         <p:spPr>
           <a:xfrm>
-            <a:off x="6215074" y="3571876"/>
-            <a:ext cx="904415" cy="369332"/>
+            <a:off x="6286512" y="4572008"/>
+            <a:ext cx="920445" cy="369332"/>
           </a:xfrm>
           <a:prstGeom prst="rect">
             <a:avLst/>
@@ -15259,13 +15459,609 @@
           <a:lstStyle/>
           <a:p>
             <a:r>
-              <a:rPr lang="en-CA" dirty="0" smtClean="0"/>
+              <a:rPr lang="en-CA" b="1" dirty="0" smtClean="0">
+                <a:solidFill>
+                  <a:schemeClr val="tx2"/>
+                </a:solidFill>
+              </a:rPr>
               <a:t>HORDQ</a:t>
             </a:r>
-            <a:endParaRPr lang="en-CA" dirty="0"/>
-          </a:p>
-        </p:txBody>
-      </p:sp>
+            <a:endParaRPr lang="en-CA" b="1" dirty="0">
+              <a:solidFill>
+                <a:schemeClr val="tx2"/>
+              </a:solidFill>
+            </a:endParaRPr>
+          </a:p>
+        </p:txBody>
+      </p:sp>
+      <p:cxnSp>
+        <p:nvCxnSpPr>
+          <p:cNvPr id="26" name="直線單箭頭接點 25"/>
+          <p:cNvCxnSpPr>
+            <a:stCxn id="4" idx="5"/>
+            <a:endCxn id="12" idx="1"/>
+          </p:cNvCxnSpPr>
+          <p:nvPr/>
+        </p:nvCxnSpPr>
+        <p:spPr>
+          <a:xfrm rot="16200000" flipH="1">
+            <a:off x="4080601" y="2866163"/>
+            <a:ext cx="411294" cy="411294"/>
+          </a:xfrm>
+          <a:prstGeom prst="straightConnector1">
+            <a:avLst/>
+          </a:prstGeom>
+          <a:ln w="31750">
+            <a:solidFill>
+              <a:schemeClr val="tx1"/>
+            </a:solidFill>
+            <a:tailEnd type="arrow"/>
+          </a:ln>
+        </p:spPr>
+        <p:style>
+          <a:lnRef idx="1">
+            <a:schemeClr val="accent1"/>
+          </a:lnRef>
+          <a:fillRef idx="0">
+            <a:schemeClr val="accent1"/>
+          </a:fillRef>
+          <a:effectRef idx="0">
+            <a:schemeClr val="accent1"/>
+          </a:effectRef>
+          <a:fontRef idx="minor">
+            <a:schemeClr val="tx1"/>
+          </a:fontRef>
+        </p:style>
+      </p:cxnSp>
+      <p:cxnSp>
+        <p:nvCxnSpPr>
+          <p:cNvPr id="30" name="直線單箭頭接點 29"/>
+          <p:cNvCxnSpPr>
+            <a:stCxn id="4" idx="3"/>
+            <a:endCxn id="6" idx="7"/>
+          </p:cNvCxnSpPr>
+          <p:nvPr/>
+        </p:nvCxnSpPr>
+        <p:spPr>
+          <a:xfrm rot="5400000">
+            <a:off x="3401940" y="2901882"/>
+            <a:ext cx="411294" cy="339856"/>
+          </a:xfrm>
+          <a:prstGeom prst="straightConnector1">
+            <a:avLst/>
+          </a:prstGeom>
+          <a:ln w="31750">
+            <a:solidFill>
+              <a:schemeClr val="tx1"/>
+            </a:solidFill>
+            <a:tailEnd type="arrow"/>
+          </a:ln>
+        </p:spPr>
+        <p:style>
+          <a:lnRef idx="1">
+            <a:schemeClr val="accent1"/>
+          </a:lnRef>
+          <a:fillRef idx="0">
+            <a:schemeClr val="accent1"/>
+          </a:fillRef>
+          <a:effectRef idx="0">
+            <a:schemeClr val="accent1"/>
+          </a:effectRef>
+          <a:fontRef idx="minor">
+            <a:schemeClr val="tx1"/>
+          </a:fontRef>
+        </p:style>
+      </p:cxnSp>
+      <p:cxnSp>
+        <p:nvCxnSpPr>
+          <p:cNvPr id="33" name="直線單箭頭接點 32"/>
+          <p:cNvCxnSpPr>
+            <a:stCxn id="6" idx="3"/>
+            <a:endCxn id="8" idx="0"/>
+          </p:cNvCxnSpPr>
+          <p:nvPr/>
+        </p:nvCxnSpPr>
+        <p:spPr>
+          <a:xfrm rot="5400000">
+            <a:off x="2893208" y="3616262"/>
+            <a:ext cx="277085" cy="205647"/>
+          </a:xfrm>
+          <a:prstGeom prst="straightConnector1">
+            <a:avLst/>
+          </a:prstGeom>
+          <a:ln w="31750">
+            <a:solidFill>
+              <a:schemeClr val="tx1"/>
+            </a:solidFill>
+            <a:tailEnd type="arrow"/>
+          </a:ln>
+        </p:spPr>
+        <p:style>
+          <a:lnRef idx="1">
+            <a:schemeClr val="accent1"/>
+          </a:lnRef>
+          <a:fillRef idx="0">
+            <a:schemeClr val="accent1"/>
+          </a:fillRef>
+          <a:effectRef idx="0">
+            <a:schemeClr val="accent1"/>
+          </a:effectRef>
+          <a:fontRef idx="minor">
+            <a:schemeClr val="tx1"/>
+          </a:fontRef>
+        </p:style>
+      </p:cxnSp>
+      <p:cxnSp>
+        <p:nvCxnSpPr>
+          <p:cNvPr id="36" name="直線單箭頭接點 35"/>
+          <p:cNvCxnSpPr>
+            <a:stCxn id="6" idx="5"/>
+            <a:endCxn id="9" idx="0"/>
+          </p:cNvCxnSpPr>
+          <p:nvPr/>
+        </p:nvCxnSpPr>
+        <p:spPr>
+          <a:xfrm rot="16200000" flipH="1">
+            <a:off x="3401940" y="3616261"/>
+            <a:ext cx="277085" cy="205647"/>
+          </a:xfrm>
+          <a:prstGeom prst="straightConnector1">
+            <a:avLst/>
+          </a:prstGeom>
+          <a:ln w="31750">
+            <a:solidFill>
+              <a:schemeClr val="tx1"/>
+            </a:solidFill>
+            <a:tailEnd type="arrow"/>
+          </a:ln>
+        </p:spPr>
+        <p:style>
+          <a:lnRef idx="1">
+            <a:schemeClr val="accent1"/>
+          </a:lnRef>
+          <a:fillRef idx="0">
+            <a:schemeClr val="accent1"/>
+          </a:fillRef>
+          <a:effectRef idx="0">
+            <a:schemeClr val="accent1"/>
+          </a:effectRef>
+          <a:fontRef idx="minor">
+            <a:schemeClr val="tx1"/>
+          </a:fontRef>
+        </p:style>
+      </p:cxnSp>
+      <p:cxnSp>
+        <p:nvCxnSpPr>
+          <p:cNvPr id="39" name="直線單箭頭接點 38"/>
+          <p:cNvCxnSpPr>
+            <a:stCxn id="12" idx="3"/>
+            <a:endCxn id="13" idx="0"/>
+          </p:cNvCxnSpPr>
+          <p:nvPr/>
+        </p:nvCxnSpPr>
+        <p:spPr>
+          <a:xfrm rot="5400000">
+            <a:off x="4286249" y="3651981"/>
+            <a:ext cx="277085" cy="134209"/>
+          </a:xfrm>
+          <a:prstGeom prst="straightConnector1">
+            <a:avLst/>
+          </a:prstGeom>
+          <a:ln w="31750">
+            <a:solidFill>
+              <a:schemeClr val="tx1"/>
+            </a:solidFill>
+            <a:tailEnd type="arrow"/>
+          </a:ln>
+        </p:spPr>
+        <p:style>
+          <a:lnRef idx="1">
+            <a:schemeClr val="accent1"/>
+          </a:lnRef>
+          <a:fillRef idx="0">
+            <a:schemeClr val="accent1"/>
+          </a:fillRef>
+          <a:effectRef idx="0">
+            <a:schemeClr val="accent1"/>
+          </a:effectRef>
+          <a:fontRef idx="minor">
+            <a:schemeClr val="tx1"/>
+          </a:fontRef>
+        </p:style>
+      </p:cxnSp>
+      <p:cxnSp>
+        <p:nvCxnSpPr>
+          <p:cNvPr id="42" name="直線單箭頭接點 41"/>
+          <p:cNvCxnSpPr>
+            <a:stCxn id="12" idx="5"/>
+            <a:endCxn id="14" idx="0"/>
+          </p:cNvCxnSpPr>
+          <p:nvPr/>
+        </p:nvCxnSpPr>
+        <p:spPr>
+          <a:xfrm rot="16200000" flipH="1">
+            <a:off x="4794981" y="3580542"/>
+            <a:ext cx="277085" cy="277085"/>
+          </a:xfrm>
+          <a:prstGeom prst="straightConnector1">
+            <a:avLst/>
+          </a:prstGeom>
+          <a:ln w="31750">
+            <a:solidFill>
+              <a:schemeClr val="tx1"/>
+            </a:solidFill>
+            <a:tailEnd type="arrow"/>
+          </a:ln>
+        </p:spPr>
+        <p:style>
+          <a:lnRef idx="1">
+            <a:schemeClr val="accent1"/>
+          </a:lnRef>
+          <a:fillRef idx="0">
+            <a:schemeClr val="accent1"/>
+          </a:fillRef>
+          <a:effectRef idx="0">
+            <a:schemeClr val="accent1"/>
+          </a:effectRef>
+          <a:fontRef idx="minor">
+            <a:schemeClr val="tx1"/>
+          </a:fontRef>
+        </p:style>
+      </p:cxnSp>
+      <p:cxnSp>
+        <p:nvCxnSpPr>
+          <p:cNvPr id="50" name="直線單箭頭接點 49"/>
+          <p:cNvCxnSpPr>
+            <a:stCxn id="8" idx="3"/>
+            <a:endCxn id="15" idx="0"/>
+          </p:cNvCxnSpPr>
+          <p:nvPr/>
+        </p:nvCxnSpPr>
+        <p:spPr>
+          <a:xfrm rot="5400000">
+            <a:off x="2393142" y="4259204"/>
+            <a:ext cx="419961" cy="348523"/>
+          </a:xfrm>
+          <a:prstGeom prst="straightConnector1">
+            <a:avLst/>
+          </a:prstGeom>
+          <a:ln w="31750">
+            <a:solidFill>
+              <a:schemeClr val="tx1"/>
+            </a:solidFill>
+            <a:tailEnd type="arrow"/>
+          </a:ln>
+        </p:spPr>
+        <p:style>
+          <a:lnRef idx="1">
+            <a:schemeClr val="accent1"/>
+          </a:lnRef>
+          <a:fillRef idx="0">
+            <a:schemeClr val="accent1"/>
+          </a:fillRef>
+          <a:effectRef idx="0">
+            <a:schemeClr val="accent1"/>
+          </a:effectRef>
+          <a:fontRef idx="minor">
+            <a:schemeClr val="tx1"/>
+          </a:fontRef>
+        </p:style>
+      </p:cxnSp>
+      <p:cxnSp>
+        <p:nvCxnSpPr>
+          <p:cNvPr id="53" name="直線單箭頭接點 52"/>
+          <p:cNvCxnSpPr>
+            <a:stCxn id="8" idx="5"/>
+            <a:endCxn id="16" idx="0"/>
+          </p:cNvCxnSpPr>
+          <p:nvPr/>
+        </p:nvCxnSpPr>
+        <p:spPr>
+          <a:xfrm rot="16200000" flipH="1">
+            <a:off x="2937593" y="4366360"/>
+            <a:ext cx="419961" cy="134209"/>
+          </a:xfrm>
+          <a:prstGeom prst="straightConnector1">
+            <a:avLst/>
+          </a:prstGeom>
+          <a:ln w="31750">
+            <a:solidFill>
+              <a:schemeClr val="tx1"/>
+            </a:solidFill>
+            <a:tailEnd type="arrow"/>
+          </a:ln>
+        </p:spPr>
+        <p:style>
+          <a:lnRef idx="1">
+            <a:schemeClr val="accent1"/>
+          </a:lnRef>
+          <a:fillRef idx="0">
+            <a:schemeClr val="accent1"/>
+          </a:fillRef>
+          <a:effectRef idx="0">
+            <a:schemeClr val="accent1"/>
+          </a:effectRef>
+          <a:fontRef idx="minor">
+            <a:schemeClr val="tx1"/>
+          </a:fontRef>
+        </p:style>
+      </p:cxnSp>
+      <p:cxnSp>
+        <p:nvCxnSpPr>
+          <p:cNvPr id="56" name="直線單箭頭接點 55"/>
+          <p:cNvCxnSpPr>
+            <a:stCxn id="9" idx="3"/>
+            <a:endCxn id="16" idx="0"/>
+          </p:cNvCxnSpPr>
+          <p:nvPr/>
+        </p:nvCxnSpPr>
+        <p:spPr>
+          <a:xfrm rot="5400000">
+            <a:off x="3143241" y="4294923"/>
+            <a:ext cx="419961" cy="277085"/>
+          </a:xfrm>
+          <a:prstGeom prst="straightConnector1">
+            <a:avLst/>
+          </a:prstGeom>
+          <a:ln w="31750">
+            <a:solidFill>
+              <a:schemeClr val="tx1"/>
+            </a:solidFill>
+            <a:tailEnd type="arrow"/>
+          </a:ln>
+        </p:spPr>
+        <p:style>
+          <a:lnRef idx="1">
+            <a:schemeClr val="accent1"/>
+          </a:lnRef>
+          <a:fillRef idx="0">
+            <a:schemeClr val="accent1"/>
+          </a:fillRef>
+          <a:effectRef idx="0">
+            <a:schemeClr val="accent1"/>
+          </a:effectRef>
+          <a:fontRef idx="minor">
+            <a:schemeClr val="tx1"/>
+          </a:fontRef>
+        </p:style>
+      </p:cxnSp>
+      <p:cxnSp>
+        <p:nvCxnSpPr>
+          <p:cNvPr id="63" name="直線單箭頭接點 62"/>
+          <p:cNvCxnSpPr>
+            <a:stCxn id="9" idx="5"/>
+            <a:endCxn id="17" idx="0"/>
+          </p:cNvCxnSpPr>
+          <p:nvPr/>
+        </p:nvCxnSpPr>
+        <p:spPr>
+          <a:xfrm rot="16200000" flipH="1">
+            <a:off x="3687692" y="4330641"/>
+            <a:ext cx="419961" cy="205647"/>
+          </a:xfrm>
+          <a:prstGeom prst="straightConnector1">
+            <a:avLst/>
+          </a:prstGeom>
+          <a:ln w="31750">
+            <a:solidFill>
+              <a:schemeClr val="tx1"/>
+            </a:solidFill>
+            <a:tailEnd type="arrow"/>
+          </a:ln>
+        </p:spPr>
+        <p:style>
+          <a:lnRef idx="1">
+            <a:schemeClr val="accent1"/>
+          </a:lnRef>
+          <a:fillRef idx="0">
+            <a:schemeClr val="accent1"/>
+          </a:fillRef>
+          <a:effectRef idx="0">
+            <a:schemeClr val="accent1"/>
+          </a:effectRef>
+          <a:fontRef idx="minor">
+            <a:schemeClr val="tx1"/>
+          </a:fontRef>
+        </p:style>
+      </p:cxnSp>
+      <p:cxnSp>
+        <p:nvCxnSpPr>
+          <p:cNvPr id="68" name="直線單箭頭接點 67"/>
+          <p:cNvCxnSpPr>
+            <a:stCxn id="13" idx="3"/>
+            <a:endCxn id="17" idx="0"/>
+          </p:cNvCxnSpPr>
+          <p:nvPr/>
+        </p:nvCxnSpPr>
+        <p:spPr>
+          <a:xfrm rot="5400000">
+            <a:off x="3893340" y="4330642"/>
+            <a:ext cx="419961" cy="205647"/>
+          </a:xfrm>
+          <a:prstGeom prst="straightConnector1">
+            <a:avLst/>
+          </a:prstGeom>
+          <a:ln w="31750">
+            <a:solidFill>
+              <a:schemeClr val="tx1"/>
+            </a:solidFill>
+            <a:tailEnd type="arrow"/>
+          </a:ln>
+        </p:spPr>
+        <p:style>
+          <a:lnRef idx="1">
+            <a:schemeClr val="accent1"/>
+          </a:lnRef>
+          <a:fillRef idx="0">
+            <a:schemeClr val="accent1"/>
+          </a:fillRef>
+          <a:effectRef idx="0">
+            <a:schemeClr val="accent1"/>
+          </a:effectRef>
+          <a:fontRef idx="minor">
+            <a:schemeClr val="tx1"/>
+          </a:fontRef>
+        </p:style>
+      </p:cxnSp>
+      <p:sp>
+        <p:nvSpPr>
+          <p:cNvPr id="72" name="矩形 71"/>
+          <p:cNvSpPr/>
+          <p:nvPr/>
+        </p:nvSpPr>
+        <p:spPr>
+          <a:xfrm>
+            <a:off x="2000232" y="4429132"/>
+            <a:ext cx="3929090" cy="714380"/>
+          </a:xfrm>
+          <a:prstGeom prst="rect">
+            <a:avLst/>
+          </a:prstGeom>
+          <a:noFill/>
+          <a:ln w="38100"/>
+        </p:spPr>
+        <p:style>
+          <a:lnRef idx="2">
+            <a:schemeClr val="accent1">
+              <a:shade val="50000"/>
+            </a:schemeClr>
+          </a:lnRef>
+          <a:fillRef idx="1">
+            <a:schemeClr val="accent1"/>
+          </a:fillRef>
+          <a:effectRef idx="0">
+            <a:schemeClr val="accent1"/>
+          </a:effectRef>
+          <a:fontRef idx="minor">
+            <a:schemeClr val="lt1"/>
+          </a:fontRef>
+        </p:style>
+        <p:txBody>
+          <a:bodyPr rtlCol="0" anchor="ctr"/>
+          <a:lstStyle/>
+          <a:p>
+            <a:pPr algn="ctr"/>
+            <a:endParaRPr lang="en-CA"/>
+          </a:p>
+        </p:txBody>
+      </p:sp>
+      <p:cxnSp>
+        <p:nvCxnSpPr>
+          <p:cNvPr id="74" name="直線單箭頭接點 73"/>
+          <p:cNvCxnSpPr>
+            <a:stCxn id="13" idx="5"/>
+            <a:endCxn id="18" idx="0"/>
+          </p:cNvCxnSpPr>
+          <p:nvPr/>
+        </p:nvCxnSpPr>
+        <p:spPr>
+          <a:xfrm rot="16200000" flipH="1">
+            <a:off x="4402072" y="4330641"/>
+            <a:ext cx="419961" cy="205647"/>
+          </a:xfrm>
+          <a:prstGeom prst="straightConnector1">
+            <a:avLst/>
+          </a:prstGeom>
+          <a:ln w="31750">
+            <a:solidFill>
+              <a:schemeClr val="tx1"/>
+            </a:solidFill>
+            <a:tailEnd type="arrow"/>
+          </a:ln>
+        </p:spPr>
+        <p:style>
+          <a:lnRef idx="1">
+            <a:schemeClr val="accent1"/>
+          </a:lnRef>
+          <a:fillRef idx="0">
+            <a:schemeClr val="accent1"/>
+          </a:fillRef>
+          <a:effectRef idx="0">
+            <a:schemeClr val="accent1"/>
+          </a:effectRef>
+          <a:fontRef idx="minor">
+            <a:schemeClr val="tx1"/>
+          </a:fontRef>
+        </p:style>
+      </p:cxnSp>
+      <p:cxnSp>
+        <p:nvCxnSpPr>
+          <p:cNvPr id="77" name="直線單箭頭接點 76"/>
+          <p:cNvCxnSpPr>
+            <a:stCxn id="14" idx="3"/>
+            <a:endCxn id="18" idx="0"/>
+          </p:cNvCxnSpPr>
+          <p:nvPr/>
+        </p:nvCxnSpPr>
+        <p:spPr>
+          <a:xfrm rot="5400000">
+            <a:off x="4607720" y="4330642"/>
+            <a:ext cx="419961" cy="205647"/>
+          </a:xfrm>
+          <a:prstGeom prst="straightConnector1">
+            <a:avLst/>
+          </a:prstGeom>
+          <a:ln w="31750">
+            <a:solidFill>
+              <a:schemeClr val="tx1"/>
+            </a:solidFill>
+            <a:tailEnd type="arrow"/>
+          </a:ln>
+        </p:spPr>
+        <p:style>
+          <a:lnRef idx="1">
+            <a:schemeClr val="accent1"/>
+          </a:lnRef>
+          <a:fillRef idx="0">
+            <a:schemeClr val="accent1"/>
+          </a:fillRef>
+          <a:effectRef idx="0">
+            <a:schemeClr val="accent1"/>
+          </a:effectRef>
+          <a:fontRef idx="minor">
+            <a:schemeClr val="tx1"/>
+          </a:fontRef>
+        </p:style>
+      </p:cxnSp>
+      <p:cxnSp>
+        <p:nvCxnSpPr>
+          <p:cNvPr id="82" name="直線單箭頭接點 81"/>
+          <p:cNvCxnSpPr>
+            <a:stCxn id="14" idx="5"/>
+            <a:endCxn id="19" idx="0"/>
+          </p:cNvCxnSpPr>
+          <p:nvPr/>
+        </p:nvCxnSpPr>
+        <p:spPr>
+          <a:xfrm rot="16200000" flipH="1">
+            <a:off x="5152171" y="4294922"/>
+            <a:ext cx="419961" cy="277085"/>
+          </a:xfrm>
+          <a:prstGeom prst="straightConnector1">
+            <a:avLst/>
+          </a:prstGeom>
+          <a:ln w="31750">
+            <a:solidFill>
+              <a:schemeClr val="tx1"/>
+            </a:solidFill>
+            <a:tailEnd type="arrow"/>
+          </a:ln>
+        </p:spPr>
+        <p:style>
+          <a:lnRef idx="1">
+            <a:schemeClr val="accent1"/>
+          </a:lnRef>
+          <a:fillRef idx="0">
+            <a:schemeClr val="accent1"/>
+          </a:fillRef>
+          <a:effectRef idx="0">
+            <a:schemeClr val="accent1"/>
+          </a:effectRef>
+          <a:fontRef idx="minor">
+            <a:schemeClr val="tx1"/>
+          </a:fontRef>
+        </p:style>
+      </p:cxnSp>
     </p:spTree>
   </p:cSld>
   <p:clrMapOvr>
@@ -15478,8 +16274,8 @@
         </p:nvSpPr>
         <p:spPr>
           <a:xfrm>
-            <a:off x="2143108" y="1285860"/>
-            <a:ext cx="3571900" cy="2143140"/>
+            <a:off x="2214546" y="2285992"/>
+            <a:ext cx="3571900" cy="2071702"/>
           </a:xfrm>
           <a:prstGeom prst="roundRect">
             <a:avLst/>
@@ -15535,7 +16331,7 @@
         </p:nvSpPr>
         <p:spPr>
           <a:xfrm>
-            <a:off x="3643306" y="1500174"/>
+            <a:off x="3714744" y="2500306"/>
             <a:ext cx="428628" cy="428628"/>
           </a:xfrm>
           <a:prstGeom prst="ellipse">
@@ -15573,7 +16369,7 @@
         </p:nvSpPr>
         <p:spPr>
           <a:xfrm>
-            <a:off x="3000364" y="2214554"/>
+            <a:off x="3071802" y="3214686"/>
             <a:ext cx="428628" cy="428628"/>
           </a:xfrm>
           <a:prstGeom prst="ellipse">
@@ -15611,7 +16407,7 @@
         </p:nvSpPr>
         <p:spPr>
           <a:xfrm>
-            <a:off x="2643174" y="2857496"/>
+            <a:off x="2714612" y="3857628"/>
             <a:ext cx="428628" cy="428628"/>
           </a:xfrm>
           <a:prstGeom prst="ellipse">
@@ -15649,7 +16445,7 @@
         </p:nvSpPr>
         <p:spPr>
           <a:xfrm>
-            <a:off x="3357554" y="2857496"/>
+            <a:off x="3428992" y="3857628"/>
             <a:ext cx="428628" cy="428628"/>
           </a:xfrm>
           <a:prstGeom prst="ellipse">
@@ -15687,7 +16483,7 @@
         </p:nvSpPr>
         <p:spPr>
           <a:xfrm>
-            <a:off x="4429124" y="2214554"/>
+            <a:off x="4429124" y="3214686"/>
             <a:ext cx="428628" cy="428628"/>
           </a:xfrm>
           <a:prstGeom prst="ellipse">
@@ -15725,7 +16521,7 @@
         </p:nvSpPr>
         <p:spPr>
           <a:xfrm>
-            <a:off x="4071934" y="2857496"/>
+            <a:off x="4143372" y="3857628"/>
             <a:ext cx="428628" cy="428628"/>
           </a:xfrm>
           <a:prstGeom prst="ellipse">
@@ -15763,7 +16559,7 @@
         </p:nvSpPr>
         <p:spPr>
           <a:xfrm>
-            <a:off x="4786314" y="2857496"/>
+            <a:off x="4857752" y="3857628"/>
             <a:ext cx="428628" cy="428628"/>
           </a:xfrm>
           <a:prstGeom prst="ellipse">
@@ -15801,7 +16597,7 @@
         </p:nvSpPr>
         <p:spPr>
           <a:xfrm>
-            <a:off x="2285984" y="3571876"/>
+            <a:off x="2214546" y="4643446"/>
             <a:ext cx="428628" cy="428628"/>
           </a:xfrm>
           <a:prstGeom prst="ellipse">
@@ -15839,7 +16635,7 @@
         </p:nvSpPr>
         <p:spPr>
           <a:xfrm>
-            <a:off x="3000364" y="3571876"/>
+            <a:off x="3000364" y="4643446"/>
             <a:ext cx="428628" cy="428628"/>
           </a:xfrm>
           <a:prstGeom prst="ellipse">
@@ -15877,7 +16673,7 @@
         </p:nvSpPr>
         <p:spPr>
           <a:xfrm>
-            <a:off x="3714744" y="3571876"/>
+            <a:off x="3786182" y="4643446"/>
             <a:ext cx="428628" cy="428628"/>
           </a:xfrm>
           <a:prstGeom prst="ellipse">
@@ -15915,7 +16711,7 @@
         </p:nvSpPr>
         <p:spPr>
           <a:xfrm>
-            <a:off x="4429124" y="3571876"/>
+            <a:off x="4500562" y="4643446"/>
             <a:ext cx="428628" cy="428628"/>
           </a:xfrm>
           <a:prstGeom prst="ellipse">
@@ -15953,7 +16749,7 @@
         </p:nvSpPr>
         <p:spPr>
           <a:xfrm>
-            <a:off x="5214942" y="3571876"/>
+            <a:off x="5286380" y="4643446"/>
             <a:ext cx="428628" cy="428628"/>
           </a:xfrm>
           <a:prstGeom prst="ellipse">
@@ -15991,8 +16787,8 @@
         </p:nvSpPr>
         <p:spPr>
           <a:xfrm>
-            <a:off x="6143636" y="2285992"/>
-            <a:ext cx="784189" cy="369332"/>
+            <a:off x="6215074" y="3286124"/>
+            <a:ext cx="1045671" cy="369332"/>
           </a:xfrm>
           <a:prstGeom prst="rect">
             <a:avLst/>
@@ -16006,10 +16802,18 @@
           <a:lstStyle/>
           <a:p>
             <a:r>
-              <a:rPr lang="en-CA" dirty="0" smtClean="0"/>
-              <a:t>MAXQ</a:t>
-            </a:r>
-            <a:endParaRPr lang="en-CA" dirty="0"/>
+              <a:rPr lang="en-CA" b="1" dirty="0" smtClean="0">
+                <a:solidFill>
+                  <a:schemeClr val="accent2"/>
+                </a:solidFill>
+              </a:rPr>
+              <a:t>Anything</a:t>
+            </a:r>
+            <a:endParaRPr lang="en-CA" b="1" dirty="0">
+              <a:solidFill>
+                <a:schemeClr val="accent2"/>
+              </a:solidFill>
+            </a:endParaRPr>
           </a:p>
         </p:txBody>
       </p:sp>
@@ -16021,8 +16825,8 @@
         </p:nvSpPr>
         <p:spPr>
           <a:xfrm>
-            <a:off x="6215074" y="3571876"/>
-            <a:ext cx="904415" cy="369332"/>
+            <a:off x="6286512" y="4572008"/>
+            <a:ext cx="920445" cy="369332"/>
           </a:xfrm>
           <a:prstGeom prst="rect">
             <a:avLst/>
@@ -16036,27 +16840,466 @@
           <a:lstStyle/>
           <a:p>
             <a:r>
-              <a:rPr lang="en-CA" dirty="0" smtClean="0"/>
+              <a:rPr lang="en-CA" b="1" dirty="0" smtClean="0">
+                <a:solidFill>
+                  <a:schemeClr val="tx2"/>
+                </a:solidFill>
+              </a:rPr>
               <a:t>HORDQ</a:t>
             </a:r>
-            <a:endParaRPr lang="en-CA" dirty="0"/>
-          </a:p>
-        </p:txBody>
-      </p:sp>
-      <p:sp>
-        <p:nvSpPr>
-          <p:cNvPr id="23" name="向左箭號 22"/>
+            <a:endParaRPr lang="en-CA" b="1" dirty="0">
+              <a:solidFill>
+                <a:schemeClr val="tx2"/>
+              </a:solidFill>
+            </a:endParaRPr>
+          </a:p>
+        </p:txBody>
+      </p:sp>
+      <p:cxnSp>
+        <p:nvCxnSpPr>
+          <p:cNvPr id="26" name="直線單箭頭接點 25"/>
+          <p:cNvCxnSpPr>
+            <a:stCxn id="4" idx="5"/>
+            <a:endCxn id="12" idx="1"/>
+          </p:cNvCxnSpPr>
+          <p:nvPr/>
+        </p:nvCxnSpPr>
+        <p:spPr>
+          <a:xfrm rot="16200000" flipH="1">
+            <a:off x="4080601" y="2866163"/>
+            <a:ext cx="411294" cy="411294"/>
+          </a:xfrm>
+          <a:prstGeom prst="straightConnector1">
+            <a:avLst/>
+          </a:prstGeom>
+          <a:ln w="31750">
+            <a:solidFill>
+              <a:schemeClr val="tx1"/>
+            </a:solidFill>
+            <a:tailEnd type="arrow"/>
+          </a:ln>
+        </p:spPr>
+        <p:style>
+          <a:lnRef idx="1">
+            <a:schemeClr val="accent1"/>
+          </a:lnRef>
+          <a:fillRef idx="0">
+            <a:schemeClr val="accent1"/>
+          </a:fillRef>
+          <a:effectRef idx="0">
+            <a:schemeClr val="accent1"/>
+          </a:effectRef>
+          <a:fontRef idx="minor">
+            <a:schemeClr val="tx1"/>
+          </a:fontRef>
+        </p:style>
+      </p:cxnSp>
+      <p:cxnSp>
+        <p:nvCxnSpPr>
+          <p:cNvPr id="30" name="直線單箭頭接點 29"/>
+          <p:cNvCxnSpPr>
+            <a:stCxn id="4" idx="3"/>
+            <a:endCxn id="6" idx="7"/>
+          </p:cNvCxnSpPr>
+          <p:nvPr/>
+        </p:nvCxnSpPr>
+        <p:spPr>
+          <a:xfrm rot="5400000">
+            <a:off x="3401940" y="2901882"/>
+            <a:ext cx="411294" cy="339856"/>
+          </a:xfrm>
+          <a:prstGeom prst="straightConnector1">
+            <a:avLst/>
+          </a:prstGeom>
+          <a:ln w="31750">
+            <a:solidFill>
+              <a:schemeClr val="tx1"/>
+            </a:solidFill>
+            <a:tailEnd type="arrow"/>
+          </a:ln>
+        </p:spPr>
+        <p:style>
+          <a:lnRef idx="1">
+            <a:schemeClr val="accent1"/>
+          </a:lnRef>
+          <a:fillRef idx="0">
+            <a:schemeClr val="accent1"/>
+          </a:fillRef>
+          <a:effectRef idx="0">
+            <a:schemeClr val="accent1"/>
+          </a:effectRef>
+          <a:fontRef idx="minor">
+            <a:schemeClr val="tx1"/>
+          </a:fontRef>
+        </p:style>
+      </p:cxnSp>
+      <p:cxnSp>
+        <p:nvCxnSpPr>
+          <p:cNvPr id="33" name="直線單箭頭接點 32"/>
+          <p:cNvCxnSpPr>
+            <a:stCxn id="6" idx="3"/>
+            <a:endCxn id="8" idx="0"/>
+          </p:cNvCxnSpPr>
+          <p:nvPr/>
+        </p:nvCxnSpPr>
+        <p:spPr>
+          <a:xfrm rot="5400000">
+            <a:off x="2893208" y="3616262"/>
+            <a:ext cx="277085" cy="205647"/>
+          </a:xfrm>
+          <a:prstGeom prst="straightConnector1">
+            <a:avLst/>
+          </a:prstGeom>
+          <a:ln w="31750">
+            <a:solidFill>
+              <a:schemeClr val="tx1"/>
+            </a:solidFill>
+            <a:tailEnd type="arrow"/>
+          </a:ln>
+        </p:spPr>
+        <p:style>
+          <a:lnRef idx="1">
+            <a:schemeClr val="accent1"/>
+          </a:lnRef>
+          <a:fillRef idx="0">
+            <a:schemeClr val="accent1"/>
+          </a:fillRef>
+          <a:effectRef idx="0">
+            <a:schemeClr val="accent1"/>
+          </a:effectRef>
+          <a:fontRef idx="minor">
+            <a:schemeClr val="tx1"/>
+          </a:fontRef>
+        </p:style>
+      </p:cxnSp>
+      <p:cxnSp>
+        <p:nvCxnSpPr>
+          <p:cNvPr id="36" name="直線單箭頭接點 35"/>
+          <p:cNvCxnSpPr>
+            <a:stCxn id="6" idx="5"/>
+            <a:endCxn id="9" idx="0"/>
+          </p:cNvCxnSpPr>
+          <p:nvPr/>
+        </p:nvCxnSpPr>
+        <p:spPr>
+          <a:xfrm rot="16200000" flipH="1">
+            <a:off x="3401940" y="3616261"/>
+            <a:ext cx="277085" cy="205647"/>
+          </a:xfrm>
+          <a:prstGeom prst="straightConnector1">
+            <a:avLst/>
+          </a:prstGeom>
+          <a:ln w="31750">
+            <a:solidFill>
+              <a:schemeClr val="tx1"/>
+            </a:solidFill>
+            <a:tailEnd type="arrow"/>
+          </a:ln>
+        </p:spPr>
+        <p:style>
+          <a:lnRef idx="1">
+            <a:schemeClr val="accent1"/>
+          </a:lnRef>
+          <a:fillRef idx="0">
+            <a:schemeClr val="accent1"/>
+          </a:fillRef>
+          <a:effectRef idx="0">
+            <a:schemeClr val="accent1"/>
+          </a:effectRef>
+          <a:fontRef idx="minor">
+            <a:schemeClr val="tx1"/>
+          </a:fontRef>
+        </p:style>
+      </p:cxnSp>
+      <p:cxnSp>
+        <p:nvCxnSpPr>
+          <p:cNvPr id="39" name="直線單箭頭接點 38"/>
+          <p:cNvCxnSpPr>
+            <a:stCxn id="12" idx="3"/>
+            <a:endCxn id="13" idx="0"/>
+          </p:cNvCxnSpPr>
+          <p:nvPr/>
+        </p:nvCxnSpPr>
+        <p:spPr>
+          <a:xfrm rot="5400000">
+            <a:off x="4286249" y="3651981"/>
+            <a:ext cx="277085" cy="134209"/>
+          </a:xfrm>
+          <a:prstGeom prst="straightConnector1">
+            <a:avLst/>
+          </a:prstGeom>
+          <a:ln w="31750">
+            <a:solidFill>
+              <a:schemeClr val="tx1"/>
+            </a:solidFill>
+            <a:tailEnd type="arrow"/>
+          </a:ln>
+        </p:spPr>
+        <p:style>
+          <a:lnRef idx="1">
+            <a:schemeClr val="accent1"/>
+          </a:lnRef>
+          <a:fillRef idx="0">
+            <a:schemeClr val="accent1"/>
+          </a:fillRef>
+          <a:effectRef idx="0">
+            <a:schemeClr val="accent1"/>
+          </a:effectRef>
+          <a:fontRef idx="minor">
+            <a:schemeClr val="tx1"/>
+          </a:fontRef>
+        </p:style>
+      </p:cxnSp>
+      <p:cxnSp>
+        <p:nvCxnSpPr>
+          <p:cNvPr id="42" name="直線單箭頭接點 41"/>
+          <p:cNvCxnSpPr>
+            <a:stCxn id="12" idx="5"/>
+            <a:endCxn id="14" idx="0"/>
+          </p:cNvCxnSpPr>
+          <p:nvPr/>
+        </p:nvCxnSpPr>
+        <p:spPr>
+          <a:xfrm rot="16200000" flipH="1">
+            <a:off x="4794981" y="3580542"/>
+            <a:ext cx="277085" cy="277085"/>
+          </a:xfrm>
+          <a:prstGeom prst="straightConnector1">
+            <a:avLst/>
+          </a:prstGeom>
+          <a:ln w="31750">
+            <a:solidFill>
+              <a:schemeClr val="tx1"/>
+            </a:solidFill>
+            <a:tailEnd type="arrow"/>
+          </a:ln>
+        </p:spPr>
+        <p:style>
+          <a:lnRef idx="1">
+            <a:schemeClr val="accent1"/>
+          </a:lnRef>
+          <a:fillRef idx="0">
+            <a:schemeClr val="accent1"/>
+          </a:fillRef>
+          <a:effectRef idx="0">
+            <a:schemeClr val="accent1"/>
+          </a:effectRef>
+          <a:fontRef idx="minor">
+            <a:schemeClr val="tx1"/>
+          </a:fontRef>
+        </p:style>
+      </p:cxnSp>
+      <p:cxnSp>
+        <p:nvCxnSpPr>
+          <p:cNvPr id="50" name="直線單箭頭接點 49"/>
+          <p:cNvCxnSpPr>
+            <a:stCxn id="8" idx="3"/>
+            <a:endCxn id="15" idx="0"/>
+          </p:cNvCxnSpPr>
+          <p:nvPr/>
+        </p:nvCxnSpPr>
+        <p:spPr>
+          <a:xfrm rot="5400000">
+            <a:off x="2393142" y="4259204"/>
+            <a:ext cx="419961" cy="348523"/>
+          </a:xfrm>
+          <a:prstGeom prst="straightConnector1">
+            <a:avLst/>
+          </a:prstGeom>
+          <a:ln w="31750">
+            <a:solidFill>
+              <a:schemeClr val="tx1"/>
+            </a:solidFill>
+            <a:tailEnd type="arrow"/>
+          </a:ln>
+        </p:spPr>
+        <p:style>
+          <a:lnRef idx="1">
+            <a:schemeClr val="accent1"/>
+          </a:lnRef>
+          <a:fillRef idx="0">
+            <a:schemeClr val="accent1"/>
+          </a:fillRef>
+          <a:effectRef idx="0">
+            <a:schemeClr val="accent1"/>
+          </a:effectRef>
+          <a:fontRef idx="minor">
+            <a:schemeClr val="tx1"/>
+          </a:fontRef>
+        </p:style>
+      </p:cxnSp>
+      <p:cxnSp>
+        <p:nvCxnSpPr>
+          <p:cNvPr id="53" name="直線單箭頭接點 52"/>
+          <p:cNvCxnSpPr>
+            <a:stCxn id="8" idx="5"/>
+            <a:endCxn id="16" idx="0"/>
+          </p:cNvCxnSpPr>
+          <p:nvPr/>
+        </p:nvCxnSpPr>
+        <p:spPr>
+          <a:xfrm rot="16200000" flipH="1">
+            <a:off x="2937593" y="4366360"/>
+            <a:ext cx="419961" cy="134209"/>
+          </a:xfrm>
+          <a:prstGeom prst="straightConnector1">
+            <a:avLst/>
+          </a:prstGeom>
+          <a:ln w="31750">
+            <a:solidFill>
+              <a:schemeClr val="tx1"/>
+            </a:solidFill>
+            <a:tailEnd type="arrow"/>
+          </a:ln>
+        </p:spPr>
+        <p:style>
+          <a:lnRef idx="1">
+            <a:schemeClr val="accent1"/>
+          </a:lnRef>
+          <a:fillRef idx="0">
+            <a:schemeClr val="accent1"/>
+          </a:fillRef>
+          <a:effectRef idx="0">
+            <a:schemeClr val="accent1"/>
+          </a:effectRef>
+          <a:fontRef idx="minor">
+            <a:schemeClr val="tx1"/>
+          </a:fontRef>
+        </p:style>
+      </p:cxnSp>
+      <p:cxnSp>
+        <p:nvCxnSpPr>
+          <p:cNvPr id="56" name="直線單箭頭接點 55"/>
+          <p:cNvCxnSpPr>
+            <a:stCxn id="9" idx="3"/>
+            <a:endCxn id="16" idx="0"/>
+          </p:cNvCxnSpPr>
+          <p:nvPr/>
+        </p:nvCxnSpPr>
+        <p:spPr>
+          <a:xfrm rot="5400000">
+            <a:off x="3143241" y="4294923"/>
+            <a:ext cx="419961" cy="277085"/>
+          </a:xfrm>
+          <a:prstGeom prst="straightConnector1">
+            <a:avLst/>
+          </a:prstGeom>
+          <a:ln w="31750">
+            <a:solidFill>
+              <a:schemeClr val="tx1"/>
+            </a:solidFill>
+            <a:tailEnd type="arrow"/>
+          </a:ln>
+        </p:spPr>
+        <p:style>
+          <a:lnRef idx="1">
+            <a:schemeClr val="accent1"/>
+          </a:lnRef>
+          <a:fillRef idx="0">
+            <a:schemeClr val="accent1"/>
+          </a:fillRef>
+          <a:effectRef idx="0">
+            <a:schemeClr val="accent1"/>
+          </a:effectRef>
+          <a:fontRef idx="minor">
+            <a:schemeClr val="tx1"/>
+          </a:fontRef>
+        </p:style>
+      </p:cxnSp>
+      <p:cxnSp>
+        <p:nvCxnSpPr>
+          <p:cNvPr id="63" name="直線單箭頭接點 62"/>
+          <p:cNvCxnSpPr>
+            <a:stCxn id="9" idx="5"/>
+            <a:endCxn id="17" idx="0"/>
+          </p:cNvCxnSpPr>
+          <p:nvPr/>
+        </p:nvCxnSpPr>
+        <p:spPr>
+          <a:xfrm rot="16200000" flipH="1">
+            <a:off x="3687692" y="4330641"/>
+            <a:ext cx="419961" cy="205647"/>
+          </a:xfrm>
+          <a:prstGeom prst="straightConnector1">
+            <a:avLst/>
+          </a:prstGeom>
+          <a:ln w="31750">
+            <a:solidFill>
+              <a:schemeClr val="tx1"/>
+            </a:solidFill>
+            <a:tailEnd type="arrow"/>
+          </a:ln>
+        </p:spPr>
+        <p:style>
+          <a:lnRef idx="1">
+            <a:schemeClr val="accent1"/>
+          </a:lnRef>
+          <a:fillRef idx="0">
+            <a:schemeClr val="accent1"/>
+          </a:fillRef>
+          <a:effectRef idx="0">
+            <a:schemeClr val="accent1"/>
+          </a:effectRef>
+          <a:fontRef idx="minor">
+            <a:schemeClr val="tx1"/>
+          </a:fontRef>
+        </p:style>
+      </p:cxnSp>
+      <p:cxnSp>
+        <p:nvCxnSpPr>
+          <p:cNvPr id="68" name="直線單箭頭接點 67"/>
+          <p:cNvCxnSpPr>
+            <a:stCxn id="13" idx="3"/>
+            <a:endCxn id="17" idx="0"/>
+          </p:cNvCxnSpPr>
+          <p:nvPr/>
+        </p:nvCxnSpPr>
+        <p:spPr>
+          <a:xfrm rot="5400000">
+            <a:off x="3893340" y="4330642"/>
+            <a:ext cx="419961" cy="205647"/>
+          </a:xfrm>
+          <a:prstGeom prst="straightConnector1">
+            <a:avLst/>
+          </a:prstGeom>
+          <a:ln w="31750">
+            <a:solidFill>
+              <a:schemeClr val="tx1"/>
+            </a:solidFill>
+            <a:tailEnd type="arrow"/>
+          </a:ln>
+        </p:spPr>
+        <p:style>
+          <a:lnRef idx="1">
+            <a:schemeClr val="accent1"/>
+          </a:lnRef>
+          <a:fillRef idx="0">
+            <a:schemeClr val="accent1"/>
+          </a:fillRef>
+          <a:effectRef idx="0">
+            <a:schemeClr val="accent1"/>
+          </a:effectRef>
+          <a:fontRef idx="minor">
+            <a:schemeClr val="tx1"/>
+          </a:fontRef>
+        </p:style>
+      </p:cxnSp>
+      <p:sp>
+        <p:nvSpPr>
+          <p:cNvPr id="72" name="矩形 71"/>
           <p:cNvSpPr/>
           <p:nvPr/>
         </p:nvSpPr>
         <p:spPr>
           <a:xfrm>
-            <a:off x="6000760" y="1643050"/>
-            <a:ext cx="1285884" cy="428628"/>
+            <a:off x="2000232" y="4429132"/>
+            <a:ext cx="3929090" cy="714380"/>
           </a:xfrm>
-          <a:prstGeom prst="leftArrow">
+          <a:prstGeom prst="rect">
             <a:avLst/>
           </a:prstGeom>
+          <a:noFill/>
+          <a:ln w="38100"/>
         </p:spPr>
         <p:style>
           <a:lnRef idx="2">
@@ -16083,98 +17326,123 @@
           </a:p>
         </p:txBody>
       </p:sp>
-      <p:sp>
-        <p:nvSpPr>
-          <p:cNvPr id="24" name="文字方塊 23"/>
-          <p:cNvSpPr txBox="1"/>
+      <p:cxnSp>
+        <p:nvCxnSpPr>
+          <p:cNvPr id="74" name="直線單箭頭接點 73"/>
+          <p:cNvCxnSpPr>
+            <a:stCxn id="13" idx="5"/>
+            <a:endCxn id="18" idx="0"/>
+          </p:cNvCxnSpPr>
           <p:nvPr/>
-        </p:nvSpPr>
+        </p:nvCxnSpPr>
         <p:spPr>
-          <a:xfrm>
-            <a:off x="7500958" y="1714488"/>
-            <a:ext cx="2880597" cy="3416320"/>
+          <a:xfrm rot="16200000" flipH="1">
+            <a:off x="4402072" y="4330641"/>
+            <a:ext cx="419961" cy="205647"/>
           </a:xfrm>
-          <a:prstGeom prst="rect">
+          <a:prstGeom prst="straightConnector1">
             <a:avLst/>
           </a:prstGeom>
-          <a:noFill/>
+          <a:ln w="31750">
+            <a:solidFill>
+              <a:schemeClr val="tx1"/>
+            </a:solidFill>
+            <a:tailEnd type="arrow"/>
+          </a:ln>
         </p:spPr>
-        <p:txBody>
-          <a:bodyPr wrap="none" rtlCol="0">
-            <a:spAutoFit/>
-          </a:bodyPr>
-          <a:lstStyle/>
-          <a:p>
-            <a:r>
-              <a:rPr lang="en-CA" dirty="0" smtClean="0"/>
-              <a:t>You can put </a:t>
-            </a:r>
-          </a:p>
-          <a:p>
-            <a:r>
-              <a:rPr lang="en-CA" dirty="0" smtClean="0"/>
-              <a:t>Anything here:</a:t>
-            </a:r>
-          </a:p>
-          <a:p>
-            <a:r>
-              <a:rPr lang="en-CA" dirty="0" smtClean="0"/>
-              <a:t>Model-free RL</a:t>
-            </a:r>
-          </a:p>
-          <a:p>
-            <a:r>
-              <a:rPr lang="en-CA" dirty="0" smtClean="0"/>
-              <a:t>Model-based RL</a:t>
-            </a:r>
-          </a:p>
-          <a:p>
-            <a:r>
-              <a:rPr lang="en-CA" dirty="0" smtClean="0"/>
-              <a:t>Include all</a:t>
-            </a:r>
-          </a:p>
-          <a:p>
-            <a:r>
-              <a:rPr lang="en-CA" dirty="0" smtClean="0"/>
-              <a:t>Classical planning algorithms</a:t>
-            </a:r>
-          </a:p>
-          <a:p>
-            <a:r>
-              <a:rPr lang="en-CA" dirty="0" smtClean="0"/>
-              <a:t>And still get an optimal</a:t>
-            </a:r>
-          </a:p>
-          <a:p>
-            <a:r>
-              <a:rPr lang="en-CA" dirty="0" smtClean="0"/>
-              <a:t>Policy!! for an MDP</a:t>
-            </a:r>
-          </a:p>
-          <a:p>
-            <a:r>
-              <a:rPr lang="en-CA" dirty="0" smtClean="0"/>
-              <a:t>Symbolic programming</a:t>
-            </a:r>
-          </a:p>
-          <a:p>
-            <a:r>
-              <a:rPr lang="en-CA" dirty="0" smtClean="0"/>
-              <a:t>A*</a:t>
-            </a:r>
-          </a:p>
-          <a:p>
-            <a:r>
-              <a:rPr lang="en-CA" dirty="0" smtClean="0"/>
-              <a:t>STRIPS</a:t>
-            </a:r>
-          </a:p>
-          <a:p>
-            <a:endParaRPr lang="en-CA" dirty="0" smtClean="0"/>
-          </a:p>
-        </p:txBody>
-      </p:sp>
+        <p:style>
+          <a:lnRef idx="1">
+            <a:schemeClr val="accent1"/>
+          </a:lnRef>
+          <a:fillRef idx="0">
+            <a:schemeClr val="accent1"/>
+          </a:fillRef>
+          <a:effectRef idx="0">
+            <a:schemeClr val="accent1"/>
+          </a:effectRef>
+          <a:fontRef idx="minor">
+            <a:schemeClr val="tx1"/>
+          </a:fontRef>
+        </p:style>
+      </p:cxnSp>
+      <p:cxnSp>
+        <p:nvCxnSpPr>
+          <p:cNvPr id="77" name="直線單箭頭接點 76"/>
+          <p:cNvCxnSpPr>
+            <a:stCxn id="14" idx="3"/>
+            <a:endCxn id="18" idx="0"/>
+          </p:cNvCxnSpPr>
+          <p:nvPr/>
+        </p:nvCxnSpPr>
+        <p:spPr>
+          <a:xfrm rot="5400000">
+            <a:off x="4607720" y="4330642"/>
+            <a:ext cx="419961" cy="205647"/>
+          </a:xfrm>
+          <a:prstGeom prst="straightConnector1">
+            <a:avLst/>
+          </a:prstGeom>
+          <a:ln w="31750">
+            <a:solidFill>
+              <a:schemeClr val="tx1"/>
+            </a:solidFill>
+            <a:tailEnd type="arrow"/>
+          </a:ln>
+        </p:spPr>
+        <p:style>
+          <a:lnRef idx="1">
+            <a:schemeClr val="accent1"/>
+          </a:lnRef>
+          <a:fillRef idx="0">
+            <a:schemeClr val="accent1"/>
+          </a:fillRef>
+          <a:effectRef idx="0">
+            <a:schemeClr val="accent1"/>
+          </a:effectRef>
+          <a:fontRef idx="minor">
+            <a:schemeClr val="tx1"/>
+          </a:fontRef>
+        </p:style>
+      </p:cxnSp>
+      <p:cxnSp>
+        <p:nvCxnSpPr>
+          <p:cNvPr id="82" name="直線單箭頭接點 81"/>
+          <p:cNvCxnSpPr>
+            <a:stCxn id="14" idx="5"/>
+            <a:endCxn id="19" idx="0"/>
+          </p:cNvCxnSpPr>
+          <p:nvPr/>
+        </p:nvCxnSpPr>
+        <p:spPr>
+          <a:xfrm rot="16200000" flipH="1">
+            <a:off x="5152171" y="4294922"/>
+            <a:ext cx="419961" cy="277085"/>
+          </a:xfrm>
+          <a:prstGeom prst="straightConnector1">
+            <a:avLst/>
+          </a:prstGeom>
+          <a:ln w="31750">
+            <a:solidFill>
+              <a:schemeClr val="tx1"/>
+            </a:solidFill>
+            <a:tailEnd type="arrow"/>
+          </a:ln>
+        </p:spPr>
+        <p:style>
+          <a:lnRef idx="1">
+            <a:schemeClr val="accent1"/>
+          </a:lnRef>
+          <a:fillRef idx="0">
+            <a:schemeClr val="accent1"/>
+          </a:fillRef>
+          <a:effectRef idx="0">
+            <a:schemeClr val="accent1"/>
+          </a:effectRef>
+          <a:fontRef idx="minor">
+            <a:schemeClr val="tx1"/>
+          </a:fontRef>
+        </p:style>
+      </p:cxnSp>
     </p:spTree>
   </p:cSld>
   <p:clrMapOvr>
@@ -16567,11 +17835,7 @@
           <a:p>
             <a:r>
               <a:rPr lang="en-US" altLang="zh-TW" dirty="0" smtClean="0"/>
-              <a:t>Hierarchical </a:t>
-            </a:r>
-            <a:r>
-              <a:rPr lang="en-US" altLang="zh-TW" dirty="0" smtClean="0"/>
-              <a:t>Reinforcement Learning (HRL)</a:t>
+              <a:t>Hierarchical Reinforcement Learning (HRL)</a:t>
             </a:r>
           </a:p>
           <a:p>
@@ -16810,11 +18074,7 @@
             </a:pPr>
             <a:r>
               <a:rPr lang="en-CA" sz="2800" dirty="0" smtClean="0"/>
-              <a:t>Why MAXQ is the most popular HRL framework</a:t>
-            </a:r>
-            <a:r>
-              <a:rPr lang="en-CA" sz="2800" dirty="0" smtClean="0"/>
-              <a:t>?</a:t>
+              <a:t>Why MAXQ is the most popular HRL framework?</a:t>
             </a:r>
             <a:endParaRPr kumimoji="0" lang="en-CA" sz="2800" b="0" i="0" u="none" strike="noStrike" kern="1200" cap="none" spc="0" normalizeH="0" baseline="0" noProof="0" dirty="0" smtClean="0">
               <a:ln>
@@ -18146,11 +19406,6 @@
               </a:rPr>
               <a:t>North</a:t>
             </a:r>
-            <a:endParaRPr lang="en-CA" altLang="zh-TW" sz="2000" dirty="0" smtClean="0">
-              <a:solidFill>
-                <a:schemeClr val="tx1"/>
-              </a:solidFill>
-            </a:endParaRPr>
           </a:p>
         </p:txBody>
       </p:sp>
@@ -18202,11 +19457,6 @@
               </a:rPr>
               <a:t>South</a:t>
             </a:r>
-            <a:endParaRPr lang="en-CA" altLang="zh-TW" sz="2000" dirty="0" smtClean="0">
-              <a:solidFill>
-                <a:schemeClr val="tx1"/>
-              </a:solidFill>
-            </a:endParaRPr>
           </a:p>
         </p:txBody>
       </p:sp>
@@ -18258,11 +19508,6 @@
               </a:rPr>
               <a:t>East</a:t>
             </a:r>
-            <a:endParaRPr lang="en-CA" altLang="zh-TW" sz="2000" dirty="0" smtClean="0">
-              <a:solidFill>
-                <a:schemeClr val="tx1"/>
-              </a:solidFill>
-            </a:endParaRPr>
           </a:p>
         </p:txBody>
       </p:sp>
@@ -18314,11 +19559,6 @@
               </a:rPr>
               <a:t>West</a:t>
             </a:r>
-            <a:endParaRPr lang="en-CA" altLang="zh-TW" sz="2000" dirty="0" smtClean="0">
-              <a:solidFill>
-                <a:schemeClr val="tx1"/>
-              </a:solidFill>
-            </a:endParaRPr>
           </a:p>
         </p:txBody>
       </p:sp>
@@ -18595,11 +19835,7 @@
           <a:p>
             <a:r>
               <a:rPr lang="en-CA" dirty="0" smtClean="0"/>
-              <a:t>Experiment 1: </a:t>
-            </a:r>
-            <a:r>
-              <a:rPr lang="en-CA" dirty="0" smtClean="0"/>
-              <a:t>Result</a:t>
+              <a:t>Experiment 1: Result</a:t>
             </a:r>
             <a:endParaRPr lang="en-CA" dirty="0"/>
           </a:p>
@@ -19355,11 +20591,6 @@
               </a:rPr>
               <a:t>North</a:t>
             </a:r>
-            <a:endParaRPr lang="en-CA" altLang="zh-TW" sz="2000" dirty="0" smtClean="0">
-              <a:solidFill>
-                <a:schemeClr val="tx1"/>
-              </a:solidFill>
-            </a:endParaRPr>
           </a:p>
         </p:txBody>
       </p:sp>
@@ -19411,11 +20642,6 @@
               </a:rPr>
               <a:t>South</a:t>
             </a:r>
-            <a:endParaRPr lang="en-CA" altLang="zh-TW" sz="2000" dirty="0" smtClean="0">
-              <a:solidFill>
-                <a:schemeClr val="tx1"/>
-              </a:solidFill>
-            </a:endParaRPr>
           </a:p>
         </p:txBody>
       </p:sp>
@@ -19467,11 +20693,6 @@
               </a:rPr>
               <a:t>East</a:t>
             </a:r>
-            <a:endParaRPr lang="en-CA" altLang="zh-TW" sz="2000" dirty="0" smtClean="0">
-              <a:solidFill>
-                <a:schemeClr val="tx1"/>
-              </a:solidFill>
-            </a:endParaRPr>
           </a:p>
         </p:txBody>
       </p:sp>
@@ -19523,11 +20744,6 @@
               </a:rPr>
               <a:t>West</a:t>
             </a:r>
-            <a:endParaRPr lang="en-CA" altLang="zh-TW" sz="2000" dirty="0" smtClean="0">
-              <a:solidFill>
-                <a:schemeClr val="tx1"/>
-              </a:solidFill>
-            </a:endParaRPr>
           </a:p>
         </p:txBody>
       </p:sp>
@@ -19804,11 +21020,7 @@
           <a:p>
             <a:r>
               <a:rPr lang="en-CA" dirty="0" smtClean="0"/>
-              <a:t>Experiment 1: </a:t>
-            </a:r>
-            <a:r>
-              <a:rPr lang="en-CA" dirty="0" smtClean="0"/>
-              <a:t>Result</a:t>
+              <a:t>Experiment 1: Result</a:t>
             </a:r>
             <a:endParaRPr lang="en-CA" dirty="0"/>
           </a:p>
@@ -19956,7 +21168,6 @@
               <a:rPr lang="en-CA" dirty="0" smtClean="0"/>
               <a:t>To avoid break the bus</a:t>
             </a:r>
-            <a:endParaRPr lang="en-CA" dirty="0" smtClean="0"/>
           </a:p>
           <a:p>
             <a:r>
@@ -20065,15 +21276,7 @@
           <a:p>
             <a:r>
               <a:rPr lang="en-US" altLang="zh-TW" dirty="0" smtClean="0"/>
-              <a:t>What is the </a:t>
-            </a:r>
-            <a:r>
-              <a:rPr lang="en-US" altLang="zh-TW" dirty="0" smtClean="0"/>
-              <a:t>application to </a:t>
-            </a:r>
-            <a:r>
-              <a:rPr lang="en-US" altLang="zh-TW" dirty="0" smtClean="0"/>
-              <a:t>large</a:t>
+              <a:t>What is the application to large</a:t>
             </a:r>
             <a:r>
               <a:rPr lang="zh-TW" altLang="en-US" dirty="0" smtClean="0"/>
@@ -20083,7 +21286,6 @@
               <a:rPr lang="en-US" altLang="zh-TW" dirty="0" smtClean="0"/>
               <a:t>domains?</a:t>
             </a:r>
-            <a:endParaRPr lang="en-US" altLang="zh-TW" dirty="0" smtClean="0"/>
           </a:p>
           <a:p>
             <a:pPr lvl="1"/>
@@ -20096,13 +21298,8 @@
             <a:pPr lvl="1"/>
             <a:r>
               <a:rPr lang="en-US" altLang="zh-TW" dirty="0" smtClean="0"/>
-              <a:t>Not possible to learn the optimal </a:t>
-            </a:r>
-            <a:r>
-              <a:rPr lang="en-US" altLang="zh-TW" dirty="0" smtClean="0"/>
-              <a:t>policy</a:t>
-            </a:r>
-            <a:endParaRPr lang="en-US" altLang="zh-TW" dirty="0" smtClean="0"/>
+              <a:t>Not possible to learn the optimal policy</a:t>
+            </a:r>
           </a:p>
         </p:txBody>
       </p:sp>
@@ -20275,7 +21472,24 @@
                 <a:ea typeface="+mn-ea"/>
                 <a:cs typeface="+mn-cs"/>
               </a:rPr>
-              <a:t>Let the model-free approach handle the scenarios when</a:t>
+              <a:t>Let the model-free approach handle the </a:t>
+            </a:r>
+            <a:r>
+              <a:rPr kumimoji="0" lang="en-US" altLang="zh-TW" sz="2800" b="0" i="0" u="none" strike="noStrike" kern="1200" cap="none" spc="0" normalizeH="0" baseline="0" noProof="0" dirty="0" smtClean="0">
+                <a:ln>
+                  <a:noFill/>
+                </a:ln>
+                <a:solidFill>
+                  <a:schemeClr val="tx1"/>
+                </a:solidFill>
+                <a:effectLst/>
+                <a:uLnTx/>
+                <a:uFillTx/>
+                <a:latin typeface="+mn-lt"/>
+                <a:ea typeface="+mn-ea"/>
+                <a:cs typeface="+mn-cs"/>
+              </a:rPr>
+              <a:t>situations where</a:t>
             </a:r>
             <a:r>
               <a:rPr kumimoji="0" lang="en-US" altLang="zh-TW" sz="2800" b="0" i="0" u="none" strike="noStrike" kern="1200" cap="none" spc="0" normalizeH="0" noProof="0" dirty="0" smtClean="0">
@@ -20292,7 +21506,24 @@
                 <a:ea typeface="+mn-ea"/>
                 <a:cs typeface="+mn-cs"/>
               </a:rPr>
-              <a:t> model-based agent fails</a:t>
+              <a:t> the model-based approach </a:t>
+            </a:r>
+            <a:r>
+              <a:rPr kumimoji="0" lang="en-US" altLang="zh-TW" sz="2800" b="0" i="0" u="none" strike="noStrike" kern="1200" cap="none" spc="0" normalizeH="0" noProof="0" dirty="0" smtClean="0">
+                <a:ln>
+                  <a:noFill/>
+                </a:ln>
+                <a:solidFill>
+                  <a:schemeClr val="tx1"/>
+                </a:solidFill>
+                <a:effectLst/>
+                <a:uLnTx/>
+                <a:uFillTx/>
+                <a:latin typeface="+mn-lt"/>
+                <a:ea typeface="+mn-ea"/>
+                <a:cs typeface="+mn-cs"/>
+              </a:rPr>
+              <a:t>fails</a:t>
             </a:r>
             <a:endParaRPr kumimoji="0" lang="en-US" altLang="zh-TW" sz="2800" b="0" i="0" u="none" strike="noStrike" kern="1200" cap="none" spc="0" normalizeH="0" baseline="0" noProof="0" dirty="0" smtClean="0">
               <a:ln>
@@ -20901,11 +22132,7 @@
           <a:p>
             <a:r>
               <a:rPr lang="en-US" altLang="zh-TW" dirty="0" smtClean="0"/>
-              <a:t>Fully </a:t>
-            </a:r>
-            <a:r>
-              <a:rPr lang="en-US" altLang="zh-TW" dirty="0" smtClean="0"/>
-              <a:t>Observable</a:t>
+              <a:t>Fully Observable</a:t>
             </a:r>
             <a:endParaRPr lang="zh-TW" altLang="en-US" dirty="0"/>
           </a:p>
@@ -21799,11 +23026,7 @@
           <a:p>
             <a:r>
               <a:rPr lang="en-CA" dirty="0" smtClean="0"/>
-              <a:t>Experiment </a:t>
-            </a:r>
-            <a:r>
-              <a:rPr lang="en-CA" dirty="0" smtClean="0"/>
-              <a:t>2: Super Mario Bros.</a:t>
+              <a:t>Experiment 2: Super Mario Bros.</a:t>
             </a:r>
             <a:endParaRPr lang="en-CA" dirty="0"/>
           </a:p>
@@ -21833,11 +23056,7 @@
           <a:p>
             <a:r>
               <a:rPr lang="en-CA" dirty="0" smtClean="0"/>
-              <a:t>RL </a:t>
-            </a:r>
-            <a:r>
-              <a:rPr lang="en-CA" dirty="0" smtClean="0"/>
-              <a:t>Competition 2009</a:t>
+              <a:t>RL Competition 2009</a:t>
             </a:r>
           </a:p>
           <a:p>
@@ -21846,32 +23065,19 @@
               <a:rPr lang="en-CA" dirty="0" smtClean="0"/>
               <a:t>Image features:</a:t>
             </a:r>
-            <a:endParaRPr lang="en-CA" dirty="0" smtClean="0"/>
           </a:p>
           <a:p>
             <a:pPr lvl="2"/>
             <a:r>
               <a:rPr lang="en-CA" dirty="0" smtClean="0"/>
-              <a:t>22x16 </a:t>
-            </a:r>
+              <a:t>22x16 Tiles</a:t>
+            </a:r>
+          </a:p>
+          <a:p>
+            <a:pPr lvl="2"/>
             <a:r>
               <a:rPr lang="en-CA" dirty="0" smtClean="0"/>
-              <a:t>Tiles</a:t>
-            </a:r>
-          </a:p>
-          <a:p>
-            <a:pPr lvl="2"/>
-            <a:r>
-              <a:rPr lang="en-CA" dirty="0" smtClean="0"/>
-              <a:t>List </a:t>
-            </a:r>
-            <a:r>
-              <a:rPr lang="en-CA" dirty="0" smtClean="0"/>
-              <a:t>of </a:t>
-            </a:r>
-            <a:r>
-              <a:rPr lang="en-CA" dirty="0" smtClean="0"/>
-              <a:t>monsters</a:t>
+              <a:t>List of monsters</a:t>
             </a:r>
           </a:p>
           <a:p>
@@ -22016,11 +23222,7 @@
           <a:p>
             <a:r>
               <a:rPr lang="en-CA" dirty="0" smtClean="0"/>
-              <a:t>Experiment </a:t>
-            </a:r>
-            <a:r>
-              <a:rPr lang="en-CA" dirty="0" smtClean="0"/>
-              <a:t>2: Super Mario Bros.</a:t>
+              <a:t>Experiment 2: Super Mario Bros.</a:t>
             </a:r>
             <a:endParaRPr lang="en-CA" dirty="0"/>
           </a:p>
@@ -22071,11 +23273,7 @@
             <a:pPr lvl="3"/>
             <a:r>
               <a:rPr lang="en-US" altLang="zh-TW" dirty="0" smtClean="0"/>
-              <a:t>V</a:t>
-            </a:r>
-            <a:r>
-              <a:rPr lang="en-US" altLang="zh-TW" dirty="0" smtClean="0"/>
-              <a:t>ideo camera</a:t>
+              <a:t>Video camera</a:t>
             </a:r>
           </a:p>
           <a:p>
@@ -22089,30 +23287,14 @@
             <a:pPr lvl="3"/>
             <a:r>
               <a:rPr lang="en-CA" dirty="0" smtClean="0"/>
-              <a:t>Move </a:t>
-            </a:r>
+              <a:t>Move around obstacles</a:t>
+            </a:r>
+          </a:p>
+          <a:p>
+            <a:pPr lvl="3"/>
             <a:r>
               <a:rPr lang="en-CA" dirty="0" smtClean="0"/>
-              <a:t>around </a:t>
-            </a:r>
-            <a:r>
-              <a:rPr lang="en-CA" dirty="0" smtClean="0"/>
-              <a:t>obstacles</a:t>
-            </a:r>
-          </a:p>
-          <a:p>
-            <a:pPr lvl="3"/>
-            <a:r>
-              <a:rPr lang="en-CA" dirty="0" smtClean="0"/>
-              <a:t>Avoid </a:t>
-            </a:r>
-            <a:r>
-              <a:rPr lang="en-CA" dirty="0" smtClean="0"/>
-              <a:t>dangerous </a:t>
-            </a:r>
-            <a:r>
-              <a:rPr lang="en-CA" dirty="0" smtClean="0"/>
-              <a:t>creatures</a:t>
+              <a:t>Avoid dangerous creatures</a:t>
             </a:r>
           </a:p>
           <a:p>
@@ -22128,7 +23310,6 @@
               <a:rPr lang="en-CA" dirty="0" smtClean="0"/>
               <a:t>Execute a correct sequence of actions to achieve its goal</a:t>
             </a:r>
-            <a:endParaRPr lang="en-CA" dirty="0" smtClean="0"/>
           </a:p>
           <a:p>
             <a:pPr lvl="1"/>
@@ -22245,7 +23426,6 @@
               <a:rPr lang="en-CA" dirty="0" smtClean="0"/>
               <a:t>Model the dynamics of Mario</a:t>
             </a:r>
-            <a:endParaRPr lang="en-CA" dirty="0" smtClean="0"/>
           </a:p>
           <a:p>
             <a:pPr lvl="1"/>
@@ -22287,15 +23467,7 @@
             <a:pPr lvl="3"/>
             <a:r>
               <a:rPr lang="en-CA" dirty="0" smtClean="0"/>
-              <a:t>5x5 tiles around </a:t>
-            </a:r>
-            <a:r>
-              <a:rPr lang="en-CA" dirty="0" smtClean="0"/>
-              <a:t>M</a:t>
-            </a:r>
-            <a:r>
-              <a:rPr lang="en-CA" dirty="0" smtClean="0"/>
-              <a:t>ario</a:t>
+              <a:t>5x5 tiles around Mario</a:t>
             </a:r>
           </a:p>
           <a:p>
@@ -22304,7 +23476,6 @@
               <a:rPr lang="en-CA" dirty="0" smtClean="0"/>
               <a:t>Include monsters</a:t>
             </a:r>
-            <a:endParaRPr lang="en-CA" dirty="0" smtClean="0"/>
           </a:p>
           <a:p>
             <a:pPr lvl="3"/>
@@ -22333,29 +23504,19 @@
               <a:rPr lang="en-CA" dirty="0" smtClean="0"/>
               <a:t>The relative positions</a:t>
             </a:r>
-            <a:endParaRPr lang="en-CA" dirty="0" smtClean="0"/>
           </a:p>
           <a:p>
             <a:r>
               <a:rPr lang="en-CA" dirty="0" smtClean="0"/>
-              <a:t>Model </a:t>
-            </a:r>
+              <a:t>Model the rewards</a:t>
+            </a:r>
+          </a:p>
+          <a:p>
+            <a:pPr lvl="1"/>
             <a:r>
               <a:rPr lang="en-CA" dirty="0" smtClean="0"/>
-              <a:t>the rewards</a:t>
-            </a:r>
-          </a:p>
-          <a:p>
-            <a:pPr lvl="1"/>
-            <a:r>
-              <a:rPr lang="en-CA" dirty="0" smtClean="0"/>
-              <a:t>Regression Tree </a:t>
-            </a:r>
-            <a:r>
-              <a:rPr lang="en-CA" dirty="0" smtClean="0"/>
-              <a:t>with the same feature</a:t>
-            </a:r>
-            <a:endParaRPr lang="en-CA" dirty="0" smtClean="0"/>
+              <a:t>Regression Tree with the same feature</a:t>
+            </a:r>
           </a:p>
           <a:p>
             <a:pPr lvl="1"/>
@@ -22551,11 +23712,7 @@
             <a:pPr lvl="1"/>
             <a:r>
               <a:rPr lang="en-CA" dirty="0" smtClean="0"/>
-              <a:t>Find a path which moves Mario forward as far as </a:t>
-            </a:r>
-            <a:r>
-              <a:rPr lang="en-CA" dirty="0" smtClean="0"/>
-              <a:t>possible</a:t>
+              <a:t>Find a path which moves Mario forward as far as possible</a:t>
             </a:r>
           </a:p>
           <a:p>
@@ -22670,11 +23827,7 @@
           <a:p>
             <a:r>
               <a:rPr lang="en-CA" dirty="0" smtClean="0"/>
-              <a:t>Model-Free </a:t>
-            </a:r>
-            <a:r>
-              <a:rPr lang="en-CA" dirty="0" smtClean="0"/>
-              <a:t>Approach</a:t>
+              <a:t>Model-Free Approach</a:t>
             </a:r>
             <a:endParaRPr lang="en-CA" dirty="0"/>
           </a:p>
@@ -22924,11 +24077,7 @@
           <a:p>
             <a:r>
               <a:rPr lang="en-CA" dirty="0" smtClean="0"/>
-              <a:t>Why model-based is </a:t>
-            </a:r>
-            <a:r>
-              <a:rPr lang="en-CA" dirty="0" smtClean="0"/>
-              <a:t>necessary:</a:t>
+              <a:t>Why model-based is necessary:</a:t>
             </a:r>
           </a:p>
           <a:p>
@@ -22944,17 +24093,12 @@
               <a:rPr lang="en-CA" dirty="0" smtClean="0"/>
               <a:t>Let Mario move efficiently</a:t>
             </a:r>
-            <a:endParaRPr lang="en-CA" dirty="0" smtClean="0"/>
           </a:p>
           <a:p>
             <a:pPr lvl="1"/>
             <a:r>
               <a:rPr lang="en-CA" dirty="0" smtClean="0"/>
-              <a:t>The </a:t>
-            </a:r>
-            <a:r>
-              <a:rPr lang="en-CA" dirty="0" smtClean="0"/>
-              <a:t>pit</a:t>
+              <a:t>The pit</a:t>
             </a:r>
           </a:p>
           <a:p>
@@ -22963,7 +24107,6 @@
               <a:rPr lang="en-CA" dirty="0" smtClean="0"/>
               <a:t>Part of terrain information</a:t>
             </a:r>
-            <a:endParaRPr lang="en-CA" dirty="0" smtClean="0"/>
           </a:p>
         </p:txBody>
       </p:sp>
@@ -23302,15 +24445,7 @@
           <a:p>
             <a:r>
               <a:rPr lang="en-CA" dirty="0" smtClean="0"/>
-              <a:t>Why </a:t>
-            </a:r>
-            <a:r>
-              <a:rPr lang="en-CA" dirty="0" smtClean="0"/>
-              <a:t>model-free is </a:t>
-            </a:r>
-            <a:r>
-              <a:rPr lang="en-CA" dirty="0" smtClean="0"/>
-              <a:t>necessary:</a:t>
+              <a:t>Why model-free is necessary:</a:t>
             </a:r>
           </a:p>
           <a:p>
@@ -23326,7 +24461,6 @@
               <a:rPr lang="en-CA" dirty="0" smtClean="0"/>
               <a:t>Not everything can be modeled</a:t>
             </a:r>
-            <a:endParaRPr lang="en-CA" dirty="0" smtClean="0"/>
           </a:p>
           <a:p>
             <a:pPr lvl="2"/>
@@ -23355,25 +24489,12 @@
               <a:rPr lang="en-CA" dirty="0" smtClean="0"/>
               <a:t>Kick the shell may kill Mario</a:t>
             </a:r>
-            <a:endParaRPr lang="en-CA" dirty="0" smtClean="0"/>
           </a:p>
           <a:p>
             <a:pPr lvl="2"/>
             <a:r>
               <a:rPr lang="en-CA" dirty="0" smtClean="0"/>
-              <a:t>Monsters come </a:t>
-            </a:r>
-            <a:r>
-              <a:rPr lang="en-CA" dirty="0" smtClean="0"/>
-              <a:t>out from </a:t>
-            </a:r>
-            <a:r>
-              <a:rPr lang="en-CA" dirty="0" smtClean="0"/>
-              <a:t>the right </a:t>
-            </a:r>
-            <a:r>
-              <a:rPr lang="en-CA" dirty="0" smtClean="0"/>
-              <a:t>edge of the screen</a:t>
+              <a:t>Monsters come out from the right edge of the screen</a:t>
             </a:r>
           </a:p>
           <a:p>
@@ -23387,15 +24508,7 @@
             <a:pPr lvl="2"/>
             <a:r>
               <a:rPr lang="en-CA" dirty="0" smtClean="0"/>
-              <a:t>Fireball </a:t>
-            </a:r>
-            <a:r>
-              <a:rPr lang="en-CA" dirty="0" smtClean="0"/>
-              <a:t>kills the </a:t>
-            </a:r>
-            <a:r>
-              <a:rPr lang="en-CA" dirty="0" smtClean="0"/>
-              <a:t>monster</a:t>
+              <a:t>Fireball kills the monster</a:t>
             </a:r>
           </a:p>
           <a:p>
@@ -23588,11 +24701,6 @@
               </a:rPr>
               <a:t>Action(t)</a:t>
             </a:r>
-            <a:endParaRPr lang="en-CA" altLang="zh-TW" sz="2400" dirty="0" smtClean="0">
-              <a:solidFill>
-                <a:schemeClr val="dk1"/>
-              </a:solidFill>
-            </a:endParaRPr>
           </a:p>
         </p:txBody>
       </p:sp>
@@ -24026,11 +25134,7 @@
           <a:p>
             <a:r>
               <a:rPr lang="en-CA" dirty="0" smtClean="0"/>
-              <a:t>Experiment </a:t>
-            </a:r>
-            <a:r>
-              <a:rPr lang="en-CA" dirty="0" smtClean="0"/>
-              <a:t>2: Result</a:t>
+              <a:t>Experiment 2: Result</a:t>
             </a:r>
             <a:endParaRPr lang="en-CA" dirty="0"/>
           </a:p>
@@ -24077,26 +25181,35 @@
       </p:sp>
       <p:pic>
         <p:nvPicPr>
-          <p:cNvPr id="4" name="Content Placeholder 13" descr="infinitemariobross.gif"/>
+          <p:cNvPr id="1026" name="Picture 2"/>
           <p:cNvPicPr>
-            <a:picLocks noChangeAspect="1"/>
+            <a:picLocks noChangeAspect="1" noChangeArrowheads="1"/>
           </p:cNvPicPr>
           <p:nvPr/>
         </p:nvPicPr>
         <p:blipFill>
           <a:blip r:embed="rId3"/>
+          <a:srcRect/>
           <a:stretch>
             <a:fillRect/>
           </a:stretch>
         </p:blipFill>
-        <p:spPr>
+        <p:spPr bwMode="auto">
           <a:xfrm>
-            <a:off x="6578602" y="1447800"/>
-            <a:ext cx="2260597" cy="1695448"/>
+            <a:off x="1928794" y="2643182"/>
+            <a:ext cx="5334000" cy="4000500"/>
           </a:xfrm>
           <a:prstGeom prst="rect">
             <a:avLst/>
           </a:prstGeom>
+          <a:noFill/>
+          <a:ln w="9525">
+            <a:noFill/>
+            <a:miter lim="800000"/>
+            <a:headEnd/>
+            <a:tailEnd/>
+          </a:ln>
+          <a:effectLst/>
         </p:spPr>
       </p:pic>
     </p:spTree>
@@ -24148,7 +25261,7 @@
           <a:p>
             <a:r>
               <a:rPr lang="en-CA" dirty="0" smtClean="0"/>
-              <a:t>Discussion</a:t>
+              <a:t>Experiment 2: Result</a:t>
             </a:r>
             <a:endParaRPr lang="en-CA" dirty="0"/>
           </a:p>
@@ -24164,7 +25277,12 @@
             <p:ph idx="1"/>
           </p:nvPr>
         </p:nvSpPr>
-        <p:spPr/>
+        <p:spPr>
+          <a:xfrm>
+            <a:off x="457200" y="1600200"/>
+            <a:ext cx="8229600" cy="4757757"/>
+          </a:xfrm>
+        </p:spPr>
         <p:txBody>
           <a:bodyPr>
             <a:normAutofit/>
@@ -24173,26 +25291,39 @@
           <a:p>
             <a:r>
               <a:rPr lang="en-CA" dirty="0" smtClean="0"/>
-              <a:t>The pseudo reward shall</a:t>
-            </a:r>
+              <a:t>The number of times to pass the level:</a:t>
+            </a:r>
+            <a:endParaRPr lang="en-CA" dirty="0" smtClean="0"/>
           </a:p>
           <a:p>
             <a:pPr lvl="1"/>
             <a:r>
               <a:rPr lang="en-CA" dirty="0" smtClean="0"/>
-              <a:t>Large enough to let A* have access to all primitive actions when a pit is encountered</a:t>
+              <a:t>SARSA: 1/1000</a:t>
             </a:r>
           </a:p>
           <a:p>
             <a:pPr lvl="1"/>
             <a:r>
+              <a:rPr lang="en-CA" dirty="0" err="1" smtClean="0"/>
+              <a:t>Model+HORDQ</a:t>
+            </a:r>
+            <a:r>
               <a:rPr lang="en-CA" dirty="0" smtClean="0"/>
-              <a:t>Small enough so Mario will not be killed by the monster</a:t>
+              <a:t>(10): 277/1000</a:t>
             </a:r>
           </a:p>
           <a:p>
             <a:pPr lvl="1"/>
+            <a:r>
+              <a:rPr lang="en-CA" dirty="0" smtClean="0"/>
+              <a:t>Model: 0/1000</a:t>
+            </a:r>
             <a:endParaRPr lang="en-CA" dirty="0" smtClean="0"/>
+          </a:p>
+          <a:p>
+            <a:pPr lvl="2"/>
+            <a:endParaRPr lang="en-US" altLang="zh-TW" dirty="0" smtClean="0"/>
           </a:p>
         </p:txBody>
       </p:sp>
@@ -24273,15 +25404,7 @@
           <a:p>
             <a:r>
               <a:rPr lang="en-US" altLang="zh-TW" dirty="0" smtClean="0"/>
-              <a:t>MDP </a:t>
-            </a:r>
-            <a:r>
-              <a:rPr lang="en-US" altLang="zh-TW" dirty="0" smtClean="0"/>
-              <a:t>M = (S, A, P, R</a:t>
-            </a:r>
-            <a:r>
-              <a:rPr lang="en-US" altLang="zh-TW" dirty="0" smtClean="0"/>
-              <a:t>)</a:t>
+              <a:t>MDP M = (S, A, P, R)</a:t>
             </a:r>
           </a:p>
           <a:p>
@@ -24418,48 +25541,55 @@
         </p:nvSpPr>
         <p:spPr/>
         <p:txBody>
-          <a:bodyPr/>
+          <a:bodyPr>
+            <a:normAutofit/>
+          </a:bodyPr>
           <a:lstStyle/>
           <a:p>
             <a:r>
               <a:rPr lang="en-CA" dirty="0" smtClean="0"/>
-              <a:t>A general rule for pseudo-reward</a:t>
+              <a:t>The pseudo-reward </a:t>
+            </a:r>
+            <a:r>
+              <a:rPr lang="en-CA" dirty="0" smtClean="0"/>
+              <a:t>shall</a:t>
             </a:r>
           </a:p>
           <a:p>
             <a:pPr lvl="1"/>
             <a:r>
               <a:rPr lang="en-CA" dirty="0" smtClean="0"/>
-              <a:t>Large enough so that the model-free approach will pursue the </a:t>
-            </a:r>
-            <a:r>
-              <a:rPr lang="en-CA" dirty="0" err="1" smtClean="0"/>
-              <a:t>subgoal</a:t>
+              <a:t>Large enough to let A* have access to all primitive actions when a pit is encountered</a:t>
+            </a:r>
+          </a:p>
+          <a:p>
+            <a:pPr lvl="1"/>
+            <a:r>
+              <a:rPr lang="en-CA" dirty="0" smtClean="0"/>
+              <a:t>Small enough so Mario will not be killed by the </a:t>
+            </a:r>
+            <a:r>
+              <a:rPr lang="en-CA" dirty="0" smtClean="0"/>
+              <a:t>monster</a:t>
+            </a:r>
+          </a:p>
+          <a:p>
+            <a:r>
+              <a:rPr lang="en-CA" dirty="0" smtClean="0"/>
+              <a:t>Decrease the pseudo-reward to 0</a:t>
+            </a:r>
+          </a:p>
+          <a:p>
+            <a:pPr lvl="1"/>
+            <a:r>
+              <a:rPr lang="en-CA" dirty="0" smtClean="0"/>
+              <a:t> Will not lead to better policy anymore</a:t>
             </a:r>
             <a:endParaRPr lang="en-CA" dirty="0" smtClean="0"/>
           </a:p>
           <a:p>
-            <a:pPr lvl="2"/>
-            <a:r>
-              <a:rPr lang="en-CA" dirty="0" smtClean="0"/>
-              <a:t>When the model-based approach doesn’t have enough samples to build an approximately good model</a:t>
-            </a:r>
-          </a:p>
-          <a:p>
             <a:pPr lvl="1"/>
-            <a:r>
-              <a:rPr lang="en-CA" dirty="0" smtClean="0"/>
-              <a:t>Small enough to pass the control to model-free approach when </a:t>
-            </a:r>
-            <a:r>
-              <a:rPr lang="en-CA" dirty="0" smtClean="0"/>
-              <a:t>the model-based approach</a:t>
-            </a:r>
-            <a:r>
-              <a:rPr lang="en-CA" dirty="0" smtClean="0"/>
-              <a:t> doesn’t work</a:t>
-            </a:r>
-            <a:endParaRPr lang="en-CA" dirty="0"/>
+            <a:endParaRPr lang="en-CA" dirty="0" smtClean="0"/>
           </a:p>
         </p:txBody>
       </p:sp>
@@ -24512,7 +25642,7 @@
           <a:p>
             <a:r>
               <a:rPr lang="en-CA" dirty="0" smtClean="0"/>
-              <a:t>Conclusion</a:t>
+              <a:t>Discussion</a:t>
             </a:r>
             <a:endParaRPr lang="en-CA" dirty="0"/>
           </a:p>
@@ -24530,72 +25660,38 @@
         </p:nvSpPr>
         <p:spPr/>
         <p:txBody>
-          <a:bodyPr>
-            <a:normAutofit fontScale="92500" lnSpcReduction="20000"/>
-          </a:bodyPr>
+          <a:bodyPr/>
           <a:lstStyle/>
           <a:p>
             <a:r>
               <a:rPr lang="en-CA" dirty="0" smtClean="0"/>
-              <a:t>I combine two champion approaches and produce a better one</a:t>
-            </a:r>
-          </a:p>
-          <a:p>
+              <a:t>A general rule for pseudo-reward</a:t>
+            </a:r>
+          </a:p>
+          <a:p>
+            <a:pPr lvl="1"/>
             <a:r>
               <a:rPr lang="en-CA" dirty="0" smtClean="0"/>
-              <a:t>A* is still the state of the art for Mario</a:t>
+              <a:t>Large enough so that the model-free approach will pursue the </a:t>
+            </a:r>
+            <a:r>
+              <a:rPr lang="en-CA" dirty="0" err="1" smtClean="0"/>
+              <a:t>subgoal</a:t>
+            </a:r>
+            <a:endParaRPr lang="en-CA" dirty="0" smtClean="0"/>
+          </a:p>
+          <a:p>
+            <a:pPr lvl="2"/>
+            <a:r>
+              <a:rPr lang="en-CA" dirty="0" smtClean="0"/>
+              <a:t>When the model-based approach doesn’t have enough samples to build an approximately good model</a:t>
             </a:r>
           </a:p>
           <a:p>
             <a:pPr lvl="1"/>
             <a:r>
               <a:rPr lang="en-CA" dirty="0" smtClean="0"/>
-              <a:t>With a perfect model</a:t>
-            </a:r>
-          </a:p>
-          <a:p>
-            <a:pPr lvl="1"/>
-            <a:r>
-              <a:rPr lang="en-CA" dirty="0" smtClean="0"/>
-              <a:t>without, my approach is better</a:t>
-            </a:r>
-          </a:p>
-          <a:p>
-            <a:r>
-              <a:rPr lang="en-CA" dirty="0" smtClean="0"/>
-              <a:t>Compare to RL competition</a:t>
-            </a:r>
-          </a:p>
-          <a:p>
-            <a:pPr lvl="1"/>
-            <a:r>
-              <a:rPr lang="en-CA" dirty="0" smtClean="0"/>
-              <a:t>We include the terrain information</a:t>
-            </a:r>
-          </a:p>
-          <a:p>
-            <a:pPr lvl="1"/>
-            <a:r>
-              <a:rPr lang="en-CA" dirty="0" smtClean="0"/>
-              <a:t>Move efficiently</a:t>
-            </a:r>
-          </a:p>
-          <a:p>
-            <a:pPr lvl="1"/>
-            <a:r>
-              <a:rPr lang="en-CA" dirty="0" smtClean="0"/>
-              <a:t>Less sample</a:t>
-            </a:r>
-          </a:p>
-          <a:p>
-            <a:pPr lvl="1"/>
-            <a:r>
-              <a:rPr lang="en-CA" dirty="0" smtClean="0"/>
-              <a:t>Easier to generalize to </a:t>
-            </a:r>
-            <a:r>
-              <a:rPr lang="en-CA" smtClean="0"/>
-              <a:t>new level</a:t>
+              <a:t>Small enough to pass the control to model-free approach when the model-based approach doesn’t work</a:t>
             </a:r>
             <a:endParaRPr lang="en-CA" dirty="0"/>
           </a:p>
@@ -24648,7 +25744,11 @@
           <a:bodyPr/>
           <a:lstStyle/>
           <a:p>
-            <a:endParaRPr lang="en-CA"/>
+            <a:r>
+              <a:rPr lang="en-CA" dirty="0" smtClean="0"/>
+              <a:t>Conclusion</a:t>
+            </a:r>
+            <a:endParaRPr lang="en-CA" dirty="0"/>
           </a:p>
         </p:txBody>
       </p:sp>
@@ -24662,26 +25762,76 @@
             <p:ph idx="1"/>
           </p:nvPr>
         </p:nvSpPr>
-        <p:spPr>
-          <a:xfrm>
-            <a:off x="2285984" y="2928934"/>
-            <a:ext cx="6400816" cy="3197229"/>
-          </a:xfrm>
-        </p:spPr>
+        <p:spPr/>
         <p:txBody>
           <a:bodyPr>
-            <a:normAutofit/>
+            <a:normAutofit fontScale="92500" lnSpcReduction="20000"/>
           </a:bodyPr>
           <a:lstStyle/>
           <a:p>
-            <a:pPr>
-              <a:buNone/>
-            </a:pPr>
-            <a:r>
-              <a:rPr lang="en-CA" sz="7200" dirty="0" smtClean="0"/>
-              <a:t>Thank you</a:t>
-            </a:r>
-            <a:endParaRPr lang="en-CA" sz="7200" dirty="0"/>
+            <a:r>
+              <a:rPr lang="en-CA" dirty="0" smtClean="0"/>
+              <a:t>I combine two champion approaches and produce a better one</a:t>
+            </a:r>
+          </a:p>
+          <a:p>
+            <a:r>
+              <a:rPr lang="en-CA" dirty="0" smtClean="0"/>
+              <a:t>A* is still the state of the art for Mario</a:t>
+            </a:r>
+          </a:p>
+          <a:p>
+            <a:pPr lvl="1"/>
+            <a:r>
+              <a:rPr lang="en-CA" dirty="0" smtClean="0"/>
+              <a:t>With a perfect model</a:t>
+            </a:r>
+          </a:p>
+          <a:p>
+            <a:pPr lvl="1"/>
+            <a:r>
+              <a:rPr lang="en-CA" dirty="0" smtClean="0"/>
+              <a:t>without, my approach is better</a:t>
+            </a:r>
+          </a:p>
+          <a:p>
+            <a:r>
+              <a:rPr lang="en-CA" dirty="0" smtClean="0"/>
+              <a:t>Compare to RL competition</a:t>
+            </a:r>
+          </a:p>
+          <a:p>
+            <a:pPr lvl="1"/>
+            <a:r>
+              <a:rPr lang="en-CA" dirty="0" smtClean="0"/>
+              <a:t>We include the terrain information</a:t>
+            </a:r>
+          </a:p>
+          <a:p>
+            <a:pPr lvl="1"/>
+            <a:r>
+              <a:rPr lang="en-CA" dirty="0" smtClean="0"/>
+              <a:t>Move efficiently</a:t>
+            </a:r>
+          </a:p>
+          <a:p>
+            <a:pPr lvl="1"/>
+            <a:r>
+              <a:rPr lang="en-CA" dirty="0" smtClean="0"/>
+              <a:t>Less sample</a:t>
+            </a:r>
+          </a:p>
+          <a:p>
+            <a:pPr lvl="1"/>
+            <a:r>
+              <a:rPr lang="en-CA" dirty="0" smtClean="0"/>
+              <a:t>Easier to generalize to </a:t>
+            </a:r>
+            <a:r>
+              <a:rPr lang="en-CA" smtClean="0"/>
+              <a:t>new level</a:t>
+            </a:r>
+            <a:endParaRPr lang="en-CA" dirty="0"/>
           </a:p>
         </p:txBody>
       </p:sp>
@@ -24732,7 +25882,7 @@
           <a:bodyPr/>
           <a:lstStyle/>
           <a:p>
-            <a:endParaRPr lang="zh-TW" altLang="en-US"/>
+            <a:endParaRPr lang="en-CA"/>
           </a:p>
         </p:txBody>
       </p:sp>
@@ -24746,70 +25896,26 @@
             <p:ph idx="1"/>
           </p:nvPr>
         </p:nvSpPr>
-        <p:spPr/>
-        <p:txBody>
-          <a:bodyPr/>
-          <a:lstStyle/>
-          <a:p>
-            <a:r>
-              <a:rPr lang="en-US" altLang="zh-TW" dirty="0" smtClean="0"/>
-              <a:t>The previous work on</a:t>
-            </a:r>
-          </a:p>
-          <a:p>
-            <a:pPr lvl="1"/>
-            <a:r>
-              <a:rPr lang="en-US" altLang="zh-TW" dirty="0" smtClean="0"/>
-              <a:t>Model-based approach + model-free one</a:t>
-            </a:r>
-          </a:p>
-          <a:p>
-            <a:pPr lvl="1"/>
-            <a:r>
-              <a:rPr lang="en-US" altLang="zh-TW" dirty="0" err="1" smtClean="0"/>
-              <a:t>Vlad</a:t>
-            </a:r>
-            <a:endParaRPr lang="en-US" altLang="zh-TW" dirty="0" smtClean="0"/>
-          </a:p>
-          <a:p>
-            <a:pPr lvl="1"/>
-            <a:r>
-              <a:rPr lang="en-US" altLang="zh-TW" dirty="0" smtClean="0"/>
-              <a:t>CMU tech report</a:t>
-            </a:r>
-          </a:p>
-          <a:p>
-            <a:pPr lvl="1"/>
-            <a:r>
-              <a:rPr lang="en-US" altLang="zh-TW" dirty="0" smtClean="0"/>
-              <a:t>Another</a:t>
-            </a:r>
-          </a:p>
-          <a:p>
-            <a:pPr lvl="1"/>
-            <a:r>
-              <a:rPr lang="en-US" altLang="zh-TW" dirty="0" smtClean="0"/>
-              <a:t>Include the school and conf name\</a:t>
-            </a:r>
-          </a:p>
-          <a:p>
-            <a:pPr lvl="1"/>
-            <a:r>
-              <a:rPr lang="en-US" altLang="zh-TW" dirty="0" smtClean="0"/>
-              <a:t>Their approach cannot learn the optimal policy</a:t>
-            </a:r>
-          </a:p>
-          <a:p>
-            <a:pPr lvl="2"/>
-            <a:r>
-              <a:rPr lang="en-US" altLang="zh-TW" dirty="0" smtClean="0"/>
-              <a:t>If </a:t>
-            </a:r>
-            <a:r>
-              <a:rPr lang="en-US" altLang="zh-TW" smtClean="0"/>
-              <a:t>model-based approach cannot</a:t>
-            </a:r>
-            <a:endParaRPr lang="zh-TW" altLang="en-US" dirty="0"/>
+        <p:spPr>
+          <a:xfrm>
+            <a:off x="2285984" y="2928934"/>
+            <a:ext cx="6400816" cy="3197229"/>
+          </a:xfrm>
+        </p:spPr>
+        <p:txBody>
+          <a:bodyPr>
+            <a:normAutofit/>
+          </a:bodyPr>
+          <a:lstStyle/>
+          <a:p>
+            <a:pPr>
+              <a:buNone/>
+            </a:pPr>
+            <a:r>
+              <a:rPr lang="en-CA" sz="7200" dirty="0" smtClean="0"/>
+              <a:t>Thank you</a:t>
+            </a:r>
+            <a:endParaRPr lang="en-CA" sz="7200" dirty="0"/>
           </a:p>
         </p:txBody>
       </p:sp>
@@ -24860,39 +25966,82 @@
           <a:bodyPr/>
           <a:lstStyle/>
           <a:p>
+            <a:endParaRPr lang="zh-TW" altLang="en-US"/>
+          </a:p>
+        </p:txBody>
+      </p:sp>
+      <p:sp>
+        <p:nvSpPr>
+          <p:cNvPr id="3" name="內容版面配置區 2"/>
+          <p:cNvSpPr>
+            <a:spLocks noGrp="1"/>
+          </p:cNvSpPr>
+          <p:nvPr>
+            <p:ph idx="1"/>
+          </p:nvPr>
+        </p:nvSpPr>
+        <p:spPr/>
+        <p:txBody>
+          <a:bodyPr/>
+          <a:lstStyle/>
+          <a:p>
             <a:r>
               <a:rPr lang="en-US" altLang="zh-TW" dirty="0" smtClean="0"/>
-              <a:t>Optimality is not that important</a:t>
-            </a:r>
-            <a:endParaRPr lang="zh-TW" altLang="en-US" dirty="0"/>
-          </a:p>
-        </p:txBody>
-      </p:sp>
-      <p:sp>
-        <p:nvSpPr>
-          <p:cNvPr id="3" name="內容版面配置區 2"/>
-          <p:cNvSpPr>
-            <a:spLocks noGrp="1"/>
-          </p:cNvSpPr>
-          <p:nvPr>
-            <p:ph idx="1"/>
-          </p:nvPr>
-        </p:nvSpPr>
-        <p:spPr/>
-        <p:txBody>
-          <a:bodyPr/>
-          <a:lstStyle/>
-          <a:p>
+              <a:t>The previous work on</a:t>
+            </a:r>
+          </a:p>
+          <a:p>
+            <a:pPr lvl="1"/>
             <a:r>
               <a:rPr lang="en-US" altLang="zh-TW" dirty="0" smtClean="0"/>
-              <a:t>There are many path to the goal</a:t>
+              <a:t>Model-based approach + model-free one</a:t>
             </a:r>
           </a:p>
           <a:p>
             <a:pPr lvl="1"/>
             <a:r>
+              <a:rPr lang="en-US" altLang="zh-TW" dirty="0" err="1" smtClean="0"/>
+              <a:t>Vlad</a:t>
+            </a:r>
+            <a:endParaRPr lang="en-US" altLang="zh-TW" dirty="0" smtClean="0"/>
+          </a:p>
+          <a:p>
+            <a:pPr lvl="1"/>
+            <a:r>
               <a:rPr lang="en-US" altLang="zh-TW" dirty="0" smtClean="0"/>
-              <a:t>Little of them are completely wrong</a:t>
+              <a:t>CMU tech report</a:t>
+            </a:r>
+          </a:p>
+          <a:p>
+            <a:pPr lvl="1"/>
+            <a:r>
+              <a:rPr lang="en-US" altLang="zh-TW" dirty="0" smtClean="0"/>
+              <a:t>Another</a:t>
+            </a:r>
+          </a:p>
+          <a:p>
+            <a:pPr lvl="1"/>
+            <a:r>
+              <a:rPr lang="en-US" altLang="zh-TW" dirty="0" smtClean="0"/>
+              <a:t>Include the school and conf name\</a:t>
+            </a:r>
+          </a:p>
+          <a:p>
+            <a:pPr lvl="1"/>
+            <a:r>
+              <a:rPr lang="en-US" altLang="zh-TW" dirty="0" smtClean="0"/>
+              <a:t>Their approach cannot learn the optimal policy</a:t>
+            </a:r>
+          </a:p>
+          <a:p>
+            <a:pPr lvl="2"/>
+            <a:r>
+              <a:rPr lang="en-US" altLang="zh-TW" dirty="0" smtClean="0"/>
+              <a:t>If </a:t>
+            </a:r>
+            <a:r>
+              <a:rPr lang="en-US" altLang="zh-TW" smtClean="0"/>
+              <a:t>model-based approach cannot</a:t>
             </a:r>
             <a:endParaRPr lang="zh-TW" altLang="en-US" dirty="0"/>
           </a:p>
@@ -24947,7 +26096,7 @@
           <a:p>
             <a:r>
               <a:rPr lang="en-US" altLang="zh-TW" dirty="0" smtClean="0"/>
-              <a:t>Life or death</a:t>
+              <a:t>Optimality is not that important</a:t>
             </a:r>
             <a:endParaRPr lang="zh-TW" altLang="en-US" dirty="0"/>
           </a:p>
@@ -24969,16 +26118,15 @@
           <a:lstStyle/>
           <a:p>
             <a:r>
-              <a:rPr lang="en-US" altLang="zh-TW" dirty="0" err="1" smtClean="0"/>
-              <a:t>Suboptimality</a:t>
-            </a:r>
-            <a:r>
               <a:rPr lang="en-US" altLang="zh-TW" dirty="0" smtClean="0"/>
-              <a:t> lead </a:t>
-            </a:r>
-            <a:r>
-              <a:rPr lang="en-US" altLang="zh-TW" smtClean="0"/>
-              <a:t>to certain death</a:t>
+              <a:t>There are many path to the goal</a:t>
+            </a:r>
+          </a:p>
+          <a:p>
+            <a:pPr lvl="1"/>
+            <a:r>
+              <a:rPr lang="en-US" altLang="zh-TW" dirty="0" smtClean="0"/>
+              <a:t>Little of them are completely wrong</a:t>
             </a:r>
             <a:endParaRPr lang="zh-TW" altLang="en-US" dirty="0"/>
           </a:p>
@@ -25033,7 +26181,7 @@
           <a:p>
             <a:r>
               <a:rPr lang="en-US" altLang="zh-TW" dirty="0" smtClean="0"/>
-              <a:t>A solution to many open problems</a:t>
+              <a:t>Life or death</a:t>
             </a:r>
             <a:endParaRPr lang="zh-TW" altLang="en-US" dirty="0"/>
           </a:p>
@@ -25055,40 +26203,16 @@
           <a:lstStyle/>
           <a:p>
             <a:r>
+              <a:rPr lang="en-US" altLang="zh-TW" dirty="0" err="1" smtClean="0"/>
+              <a:t>Suboptimality</a:t>
+            </a:r>
+            <a:r>
               <a:rPr lang="en-US" altLang="zh-TW" dirty="0" smtClean="0"/>
-              <a:t>1. Linear </a:t>
-            </a:r>
-            <a:r>
-              <a:rPr lang="en-US" altLang="zh-TW" dirty="0" err="1" smtClean="0"/>
-              <a:t>Dyna</a:t>
-            </a:r>
-            <a:r>
-              <a:rPr lang="en-US" altLang="zh-TW" dirty="0" smtClean="0"/>
-              <a:t> 2008</a:t>
-            </a:r>
-          </a:p>
-          <a:p>
-            <a:r>
-              <a:rPr lang="en-US" altLang="zh-TW" dirty="0" smtClean="0"/>
-              <a:t>2. Peter’s Stone (or </a:t>
-            </a:r>
-            <a:r>
-              <a:rPr lang="en-US" altLang="zh-TW" dirty="0" err="1" smtClean="0"/>
-              <a:t>rutegur</a:t>
-            </a:r>
-            <a:r>
-              <a:rPr lang="en-US" altLang="zh-TW" dirty="0" smtClean="0"/>
-              <a:t>) model-based cannot model everything </a:t>
-            </a:r>
-          </a:p>
-          <a:p>
-            <a:r>
-              <a:rPr lang="en-US" altLang="zh-TW" dirty="0" smtClean="0"/>
-              <a:t>3. MAXQ -&gt; no need to find safe </a:t>
+              <a:t> lead </a:t>
             </a:r>
             <a:r>
               <a:rPr lang="en-US" altLang="zh-TW" smtClean="0"/>
-              <a:t>state abstraction</a:t>
+              <a:t>to certain death</a:t>
             </a:r>
             <a:endParaRPr lang="zh-TW" altLang="en-US" dirty="0"/>
           </a:p>
@@ -25141,7 +26265,11 @@
           <a:bodyPr/>
           <a:lstStyle/>
           <a:p>
-            <a:endParaRPr lang="zh-TW" altLang="en-US"/>
+            <a:r>
+              <a:rPr lang="en-US" altLang="zh-TW" dirty="0" smtClean="0"/>
+              <a:t>A solution to many open problems</a:t>
+            </a:r>
+            <a:endParaRPr lang="zh-TW" altLang="en-US" dirty="0"/>
           </a:p>
         </p:txBody>
       </p:sp>
@@ -25162,24 +26290,39 @@
           <a:p>
             <a:r>
               <a:rPr lang="en-US" altLang="zh-TW" dirty="0" smtClean="0"/>
-              <a:t>Video: 30 min, 3 hour</a:t>
-            </a:r>
-          </a:p>
-          <a:p>
-            <a:pPr lvl="1"/>
+              <a:t>1. Linear </a:t>
+            </a:r>
+            <a:r>
+              <a:rPr lang="en-US" altLang="zh-TW" dirty="0" err="1" smtClean="0"/>
+              <a:t>Dyna</a:t>
+            </a:r>
             <a:r>
               <a:rPr lang="en-US" altLang="zh-TW" dirty="0" smtClean="0"/>
-              <a:t>Music</a:t>
+              <a:t> 2008</a:t>
             </a:r>
           </a:p>
           <a:p>
             <a:r>
               <a:rPr lang="en-US" altLang="zh-TW" dirty="0" smtClean="0"/>
-              <a:t>Other video on </a:t>
+              <a:t>2. Peter’s Stone (or </a:t>
             </a:r>
             <a:r>
               <a:rPr lang="en-US" altLang="zh-TW" dirty="0" err="1" smtClean="0"/>
-              <a:t>youtube</a:t>
+              <a:t>rutegur</a:t>
+            </a:r>
+            <a:r>
+              <a:rPr lang="en-US" altLang="zh-TW" dirty="0" smtClean="0"/>
+              <a:t>) model-based cannot model everything </a:t>
+            </a:r>
+          </a:p>
+          <a:p>
+            <a:r>
+              <a:rPr lang="en-US" altLang="zh-TW" dirty="0" smtClean="0"/>
+              <a:t>3. MAXQ -&gt; no need to find safe </a:t>
+            </a:r>
+            <a:r>
+              <a:rPr lang="en-US" altLang="zh-TW" smtClean="0"/>
+              <a:t>state abstraction</a:t>
             </a:r>
             <a:endParaRPr lang="zh-TW" altLang="en-US" dirty="0"/>
           </a:p>
@@ -25232,7 +26375,7 @@
           <a:bodyPr/>
           <a:lstStyle/>
           <a:p>
-            <a:endParaRPr lang="en-CA"/>
+            <a:endParaRPr lang="zh-TW" altLang="en-US"/>
           </a:p>
         </p:txBody>
       </p:sp>
@@ -25252,35 +26395,27 @@
           <a:lstStyle/>
           <a:p>
             <a:r>
-              <a:rPr lang="en-CA" dirty="0" err="1" smtClean="0"/>
-              <a:t>Acknoledgement</a:t>
-            </a:r>
-            <a:endParaRPr lang="en-CA" dirty="0" smtClean="0"/>
+              <a:rPr lang="en-US" altLang="zh-TW" dirty="0" smtClean="0"/>
+              <a:t>Video: 30 min, 3 hour</a:t>
+            </a:r>
           </a:p>
           <a:p>
             <a:pPr lvl="1"/>
             <a:r>
-              <a:rPr lang="en-CA" dirty="0" smtClean="0"/>
-              <a:t>Mom</a:t>
-            </a:r>
-          </a:p>
-          <a:p>
-            <a:pPr lvl="1"/>
-            <a:r>
-              <a:rPr lang="en-CA" dirty="0" smtClean="0"/>
-              <a:t>Supervisor</a:t>
-            </a:r>
-          </a:p>
-          <a:p>
-            <a:pPr lvl="1"/>
-            <a:r>
-              <a:rPr lang="en-CA" smtClean="0"/>
-              <a:t>Bruno</a:t>
-            </a:r>
-          </a:p>
-          <a:p>
-            <a:pPr lvl="1"/>
-            <a:endParaRPr lang="en-CA"/>
+              <a:rPr lang="en-US" altLang="zh-TW" dirty="0" smtClean="0"/>
+              <a:t>Music</a:t>
+            </a:r>
+          </a:p>
+          <a:p>
+            <a:r>
+              <a:rPr lang="en-US" altLang="zh-TW" dirty="0" smtClean="0"/>
+              <a:t>Other video on </a:t>
+            </a:r>
+            <a:r>
+              <a:rPr lang="en-US" altLang="zh-TW" dirty="0" err="1" smtClean="0"/>
+              <a:t>youtube</a:t>
+            </a:r>
+            <a:endParaRPr lang="zh-TW" altLang="en-US" dirty="0"/>
           </a:p>
         </p:txBody>
       </p:sp>
@@ -25331,43 +26466,58 @@
           <a:bodyPr/>
           <a:lstStyle/>
           <a:p>
-            <a:endParaRPr lang="zh-TW" altLang="en-US"/>
-          </a:p>
-        </p:txBody>
-      </p:sp>
-      <p:pic>
-        <p:nvPicPr>
-          <p:cNvPr id="5" name="Picture 3"/>
-          <p:cNvPicPr>
-            <a:picLocks noChangeAspect="1" noChangeArrowheads="1"/>
-          </p:cNvPicPr>
-          <p:nvPr/>
-        </p:nvPicPr>
-        <p:blipFill>
-          <a:blip r:embed="rId3"/>
-          <a:srcRect/>
-          <a:stretch>
-            <a:fillRect/>
-          </a:stretch>
-        </p:blipFill>
-        <p:spPr bwMode="auto">
-          <a:xfrm>
-            <a:off x="1714480" y="1785926"/>
-            <a:ext cx="6623875" cy="4833937"/>
-          </a:xfrm>
-          <a:prstGeom prst="rect">
-            <a:avLst/>
-          </a:prstGeom>
-          <a:noFill/>
-          <a:ln w="9525">
-            <a:noFill/>
-            <a:miter lim="800000"/>
-            <a:headEnd/>
-            <a:tailEnd/>
-          </a:ln>
-          <a:effectLst/>
-        </p:spPr>
-      </p:pic>
+            <a:endParaRPr lang="en-CA"/>
+          </a:p>
+        </p:txBody>
+      </p:sp>
+      <p:sp>
+        <p:nvSpPr>
+          <p:cNvPr id="3" name="內容版面配置區 2"/>
+          <p:cNvSpPr>
+            <a:spLocks noGrp="1"/>
+          </p:cNvSpPr>
+          <p:nvPr>
+            <p:ph idx="1"/>
+          </p:nvPr>
+        </p:nvSpPr>
+        <p:spPr/>
+        <p:txBody>
+          <a:bodyPr/>
+          <a:lstStyle/>
+          <a:p>
+            <a:r>
+              <a:rPr lang="en-CA" dirty="0" err="1" smtClean="0"/>
+              <a:t>Acknoledgement</a:t>
+            </a:r>
+            <a:endParaRPr lang="en-CA" dirty="0" smtClean="0"/>
+          </a:p>
+          <a:p>
+            <a:pPr lvl="1"/>
+            <a:r>
+              <a:rPr lang="en-CA" dirty="0" smtClean="0"/>
+              <a:t>Mom</a:t>
+            </a:r>
+          </a:p>
+          <a:p>
+            <a:pPr lvl="1"/>
+            <a:r>
+              <a:rPr lang="en-CA" dirty="0" smtClean="0"/>
+              <a:t>Supervisor</a:t>
+            </a:r>
+          </a:p>
+          <a:p>
+            <a:pPr lvl="1"/>
+            <a:r>
+              <a:rPr lang="en-CA" smtClean="0"/>
+              <a:t>Bruno</a:t>
+            </a:r>
+          </a:p>
+          <a:p>
+            <a:pPr lvl="1"/>
+            <a:endParaRPr lang="en-CA"/>
+          </a:p>
+        </p:txBody>
+      </p:sp>
     </p:spTree>
   </p:cSld>
   <p:clrMapOvr>
@@ -26318,6 +27468,90 @@
       </p:sp>
       <p:pic>
         <p:nvPicPr>
+          <p:cNvPr id="5" name="Picture 3"/>
+          <p:cNvPicPr>
+            <a:picLocks noChangeAspect="1" noChangeArrowheads="1"/>
+          </p:cNvPicPr>
+          <p:nvPr/>
+        </p:nvPicPr>
+        <p:blipFill>
+          <a:blip r:embed="rId3"/>
+          <a:srcRect/>
+          <a:stretch>
+            <a:fillRect/>
+          </a:stretch>
+        </p:blipFill>
+        <p:spPr bwMode="auto">
+          <a:xfrm>
+            <a:off x="1714480" y="1785926"/>
+            <a:ext cx="6623875" cy="4833937"/>
+          </a:xfrm>
+          <a:prstGeom prst="rect">
+            <a:avLst/>
+          </a:prstGeom>
+          <a:noFill/>
+          <a:ln w="9525">
+            <a:noFill/>
+            <a:miter lim="800000"/>
+            <a:headEnd/>
+            <a:tailEnd/>
+          </a:ln>
+          <a:effectLst/>
+        </p:spPr>
+      </p:pic>
+    </p:spTree>
+  </p:cSld>
+  <p:clrMapOvr>
+    <a:masterClrMapping/>
+  </p:clrMapOvr>
+  <p:timing>
+    <p:tnLst>
+      <p:par>
+        <p:cTn id="1" dur="indefinite" restart="never" nodeType="tmRoot"/>
+      </p:par>
+    </p:tnLst>
+  </p:timing>
+</p:sld>
+</file>
+
+<file path=ppt/slides/slide51.xml><?xml version="1.0" encoding="utf-8"?>
+<p:sld xmlns:a="http://schemas.openxmlformats.org/drawingml/2006/main" xmlns:r="http://schemas.openxmlformats.org/officeDocument/2006/relationships" xmlns:p="http://schemas.openxmlformats.org/presentationml/2006/main">
+  <p:cSld>
+    <p:spTree>
+      <p:nvGrpSpPr>
+        <p:cNvPr id="1" name=""/>
+        <p:cNvGrpSpPr/>
+        <p:nvPr/>
+      </p:nvGrpSpPr>
+      <p:grpSpPr>
+        <a:xfrm>
+          <a:off x="0" y="0"/>
+          <a:ext cx="0" cy="0"/>
+          <a:chOff x="0" y="0"/>
+          <a:chExt cx="0" cy="0"/>
+        </a:xfrm>
+      </p:grpSpPr>
+      <p:sp>
+        <p:nvSpPr>
+          <p:cNvPr id="2" name="標題 1"/>
+          <p:cNvSpPr>
+            <a:spLocks noGrp="1"/>
+          </p:cNvSpPr>
+          <p:nvPr>
+            <p:ph type="title"/>
+          </p:nvPr>
+        </p:nvSpPr>
+        <p:spPr/>
+        <p:txBody>
+          <a:bodyPr/>
+          <a:lstStyle/>
+          <a:p>
+            <a:endParaRPr lang="zh-TW" altLang="en-US"/>
+          </a:p>
+        </p:txBody>
+      </p:sp>
+      <p:pic>
+        <p:nvPicPr>
           <p:cNvPr id="5122" name="Picture 2"/>
           <p:cNvPicPr>
             <a:picLocks noChangeAspect="1" noChangeArrowheads="1"/>
@@ -26364,7 +27598,7 @@
 </p:sld>
 </file>
 
-<file path=ppt/slides/slide51.xml><?xml version="1.0" encoding="utf-8"?>
+<file path=ppt/slides/slide52.xml><?xml version="1.0" encoding="utf-8"?>
 <p:sld xmlns:a="http://schemas.openxmlformats.org/drawingml/2006/main" xmlns:r="http://schemas.openxmlformats.org/officeDocument/2006/relationships" xmlns:p="http://schemas.openxmlformats.org/presentationml/2006/main">
   <p:cSld>
     <p:spTree>
@@ -26448,7 +27682,7 @@
 </p:sld>
 </file>
 
-<file path=ppt/slides/slide52.xml><?xml version="1.0" encoding="utf-8"?>
+<file path=ppt/slides/slide53.xml><?xml version="1.0" encoding="utf-8"?>
 <p:sld xmlns:a="http://schemas.openxmlformats.org/drawingml/2006/main" xmlns:r="http://schemas.openxmlformats.org/officeDocument/2006/relationships" xmlns:p="http://schemas.openxmlformats.org/presentationml/2006/main">
   <p:cSld>
     <p:spTree>
@@ -26532,7 +27766,7 @@
 </p:sld>
 </file>
 
-<file path=ppt/slides/slide53.xml><?xml version="1.0" encoding="utf-8"?>
+<file path=ppt/slides/slide54.xml><?xml version="1.0" encoding="utf-8"?>
 <p:sld xmlns:a="http://schemas.openxmlformats.org/drawingml/2006/main" xmlns:r="http://schemas.openxmlformats.org/officeDocument/2006/relationships" xmlns:p="http://schemas.openxmlformats.org/presentationml/2006/main">
   <p:cSld>
     <p:spTree>
@@ -26616,7 +27850,7 @@
 </p:sld>
 </file>
 
-<file path=ppt/slides/slide54.xml><?xml version="1.0" encoding="utf-8"?>
+<file path=ppt/slides/slide55.xml><?xml version="1.0" encoding="utf-8"?>
 <p:sld xmlns:a="http://schemas.openxmlformats.org/drawingml/2006/main" xmlns:r="http://schemas.openxmlformats.org/officeDocument/2006/relationships" xmlns:p="http://schemas.openxmlformats.org/presentationml/2006/main">
   <p:cSld>
     <p:spTree>
@@ -26870,80 +28104,6 @@
 </p:sld>
 </file>
 
-<file path=ppt/slides/slide55.xml><?xml version="1.0" encoding="utf-8"?>
-<p:sld xmlns:a="http://schemas.openxmlformats.org/drawingml/2006/main" xmlns:r="http://schemas.openxmlformats.org/officeDocument/2006/relationships" xmlns:p="http://schemas.openxmlformats.org/presentationml/2006/main">
-  <p:cSld>
-    <p:spTree>
-      <p:nvGrpSpPr>
-        <p:cNvPr id="1" name=""/>
-        <p:cNvGrpSpPr/>
-        <p:nvPr/>
-      </p:nvGrpSpPr>
-      <p:grpSpPr>
-        <a:xfrm>
-          <a:off x="0" y="0"/>
-          <a:ext cx="0" cy="0"/>
-          <a:chOff x="0" y="0"/>
-          <a:chExt cx="0" cy="0"/>
-        </a:xfrm>
-      </p:grpSpPr>
-      <p:sp>
-        <p:nvSpPr>
-          <p:cNvPr id="2" name="標題 1"/>
-          <p:cNvSpPr>
-            <a:spLocks noGrp="1"/>
-          </p:cNvSpPr>
-          <p:nvPr>
-            <p:ph type="title"/>
-          </p:nvPr>
-        </p:nvSpPr>
-        <p:spPr/>
-        <p:txBody>
-          <a:bodyPr/>
-          <a:lstStyle/>
-          <a:p>
-            <a:endParaRPr lang="zh-TW" altLang="en-US"/>
-          </a:p>
-        </p:txBody>
-      </p:sp>
-      <p:sp>
-        <p:nvSpPr>
-          <p:cNvPr id="3" name="內容版面配置區 2"/>
-          <p:cNvSpPr>
-            <a:spLocks noGrp="1"/>
-          </p:cNvSpPr>
-          <p:nvPr>
-            <p:ph idx="1"/>
-          </p:nvPr>
-        </p:nvSpPr>
-        <p:spPr/>
-        <p:txBody>
-          <a:bodyPr/>
-          <a:lstStyle/>
-          <a:p>
-            <a:r>
-              <a:rPr lang="en-US" altLang="zh-TW" dirty="0" smtClean="0"/>
-              <a:t>TODO: add theorem to show that it’s necessary to add all primitive subtasks</a:t>
-            </a:r>
-            <a:endParaRPr lang="zh-TW" altLang="en-US" dirty="0"/>
-          </a:p>
-        </p:txBody>
-      </p:sp>
-    </p:spTree>
-  </p:cSld>
-  <p:clrMapOvr>
-    <a:masterClrMapping/>
-  </p:clrMapOvr>
-  <p:timing>
-    <p:tnLst>
-      <p:par>
-        <p:cTn id="1" dur="indefinite" restart="never" nodeType="tmRoot"/>
-      </p:par>
-    </p:tnLst>
-  </p:timing>
-</p:sld>
-</file>
-
 <file path=ppt/slides/slide56.xml><?xml version="1.0" encoding="utf-8"?>
 <p:sld xmlns:a="http://schemas.openxmlformats.org/drawingml/2006/main" xmlns:r="http://schemas.openxmlformats.org/officeDocument/2006/relationships" xmlns:p="http://schemas.openxmlformats.org/presentationml/2006/main">
   <p:cSld>
@@ -26976,11 +28136,7 @@
           <a:bodyPr/>
           <a:lstStyle/>
           <a:p>
-            <a:r>
-              <a:rPr lang="en-CA" dirty="0" smtClean="0"/>
-              <a:t>Pseudo-Reward</a:t>
-            </a:r>
-            <a:endParaRPr lang="en-CA" dirty="0"/>
+            <a:endParaRPr lang="zh-TW" altLang="en-US"/>
           </a:p>
         </p:txBody>
       </p:sp>
@@ -26996,218 +28152,14 @@
         </p:nvSpPr>
         <p:spPr/>
         <p:txBody>
-          <a:bodyPr>
-            <a:normAutofit fontScale="55000" lnSpcReduction="20000"/>
-          </a:bodyPr>
-          <a:lstStyle/>
-          <a:p>
-            <a:r>
-              <a:rPr lang="en-CA" dirty="0" smtClean="0"/>
-              <a:t>Hierarchically Optimal policy sounds great</a:t>
-            </a:r>
-          </a:p>
-          <a:p>
-            <a:pPr lvl="1"/>
-            <a:r>
-              <a:rPr lang="en-CA" dirty="0" smtClean="0"/>
-              <a:t>But.... Useless</a:t>
-            </a:r>
-          </a:p>
-          <a:p>
-            <a:pPr lvl="1"/>
-            <a:r>
-              <a:rPr lang="en-CA" dirty="0" smtClean="0"/>
-              <a:t>That’s why people uses </a:t>
-            </a:r>
-            <a:r>
-              <a:rPr lang="en-CA" dirty="0" smtClean="0"/>
-              <a:t>MAXQ</a:t>
-            </a:r>
-          </a:p>
-          <a:p>
-            <a:pPr lvl="1"/>
-            <a:r>
-              <a:rPr lang="en-CA" dirty="0" smtClean="0"/>
-              <a:t>High pseudo reward behaves </a:t>
-            </a:r>
-            <a:r>
-              <a:rPr lang="en-CA" dirty="0" err="1" smtClean="0"/>
-              <a:t>like</a:t>
-            </a:r>
-            <a:r>
-              <a:rPr lang="en-CA" dirty="0" err="1" smtClean="0">
-                <a:sym typeface="Wingdings" pitchFamily="2" charset="2"/>
-              </a:rPr>
-              <a:t>MAXQ</a:t>
-            </a:r>
-            <a:r>
-              <a:rPr lang="en-CA" dirty="0" smtClean="0">
-                <a:sym typeface="Wingdings" pitchFamily="2" charset="2"/>
-              </a:rPr>
-              <a:t> (need to introduce MAXQ)</a:t>
-            </a:r>
-          </a:p>
-          <a:p>
-            <a:pPr lvl="2"/>
-            <a:r>
-              <a:rPr lang="en-CA" dirty="0" err="1" smtClean="0">
-                <a:sym typeface="Wingdings" pitchFamily="2" charset="2"/>
-              </a:rPr>
-              <a:t>Higer</a:t>
-            </a:r>
-            <a:r>
-              <a:rPr lang="en-CA" dirty="0" smtClean="0">
-                <a:sym typeface="Wingdings" pitchFamily="2" charset="2"/>
-              </a:rPr>
-              <a:t> learning rate, suboptimal policy</a:t>
-            </a:r>
-          </a:p>
-          <a:p>
-            <a:pPr lvl="1"/>
-            <a:r>
-              <a:rPr lang="en-CA" dirty="0" smtClean="0">
-                <a:sym typeface="Wingdings" pitchFamily="2" charset="2"/>
-              </a:rPr>
-              <a:t>Lower Pseudo reward -&gt; like HORDQ</a:t>
-            </a:r>
-          </a:p>
-          <a:p>
-            <a:pPr lvl="1"/>
-            <a:r>
-              <a:rPr lang="en-CA" dirty="0" smtClean="0">
-                <a:sym typeface="Wingdings" pitchFamily="2" charset="2"/>
-              </a:rPr>
-              <a:t>Low pseudo reward with Leaf cover hierarchy Q learning</a:t>
-            </a:r>
-          </a:p>
-          <a:p>
-            <a:pPr lvl="2"/>
-            <a:r>
-              <a:rPr lang="en-CA" dirty="0" smtClean="0">
-                <a:sym typeface="Wingdings" pitchFamily="2" charset="2"/>
-              </a:rPr>
-              <a:t>Lower learning rate, near optimal policy</a:t>
-            </a:r>
-            <a:endParaRPr lang="en-CA" dirty="0" smtClean="0"/>
-          </a:p>
-          <a:p>
-            <a:pPr lvl="1"/>
-            <a:r>
-              <a:rPr lang="en-CA" dirty="0" smtClean="0"/>
-              <a:t>How to choose pseudo-reward</a:t>
-            </a:r>
-          </a:p>
-          <a:p>
-            <a:pPr lvl="1"/>
-            <a:r>
-              <a:rPr lang="en-CA" dirty="0" smtClean="0"/>
-              <a:t>Show </a:t>
-            </a:r>
-            <a:r>
-              <a:rPr lang="en-CA" dirty="0" smtClean="0"/>
-              <a:t>with an experiment or motivating example</a:t>
-            </a:r>
-          </a:p>
-          <a:p>
-            <a:pPr lvl="1"/>
-            <a:r>
-              <a:rPr lang="en-CA" dirty="0" smtClean="0"/>
-              <a:t>Boss asks you to make </a:t>
-            </a:r>
-            <a:r>
-              <a:rPr lang="en-CA" dirty="0" err="1" smtClean="0"/>
-              <a:t>iRobot</a:t>
-            </a:r>
-            <a:r>
-              <a:rPr lang="en-CA" dirty="0" smtClean="0"/>
-              <a:t>, but you make a terminator</a:t>
-            </a:r>
-          </a:p>
-          <a:p>
-            <a:pPr lvl="1"/>
-            <a:r>
-              <a:rPr lang="en-CA" dirty="0" smtClean="0"/>
-              <a:t>Experiment -&gt; hierarchically optimal is worse than Q-learning</a:t>
-            </a:r>
-          </a:p>
-          <a:p>
-            <a:pPr lvl="1"/>
-            <a:r>
-              <a:rPr lang="en-CA" dirty="0" smtClean="0"/>
-              <a:t>But with Pseudo-Reward no more hierarchical optimal policy (nor optimal policy)</a:t>
-            </a:r>
-          </a:p>
-          <a:p>
-            <a:pPr lvl="2"/>
-            <a:r>
-              <a:rPr lang="en-CA" dirty="0" smtClean="0"/>
-              <a:t>Pseudo-reward indicates how much we believe our model</a:t>
-            </a:r>
-          </a:p>
-          <a:p>
-            <a:pPr lvl="3"/>
-            <a:r>
-              <a:rPr lang="en-CA" dirty="0" smtClean="0"/>
-              <a:t>But it’s the model-free one that learns the optimal policy</a:t>
-            </a:r>
-          </a:p>
-          <a:p>
-            <a:pPr lvl="2"/>
-            <a:r>
-              <a:rPr lang="en-CA" dirty="0" smtClean="0"/>
-              <a:t>You can use large reward to encourage </a:t>
-            </a:r>
-            <a:r>
-              <a:rPr lang="en-CA" dirty="0" err="1" smtClean="0"/>
-              <a:t>exporartion</a:t>
-            </a:r>
-            <a:r>
-              <a:rPr lang="en-CA" dirty="0" smtClean="0"/>
-              <a:t> in the early stage</a:t>
-            </a:r>
-          </a:p>
-          <a:p>
-            <a:pPr lvl="2"/>
-            <a:r>
-              <a:rPr lang="en-CA" dirty="0" smtClean="0"/>
-              <a:t>And decrease it overtime to learn the </a:t>
-            </a:r>
-            <a:r>
-              <a:rPr lang="en-CA" dirty="0" err="1" smtClean="0"/>
-              <a:t>opitmal</a:t>
-            </a:r>
-            <a:r>
-              <a:rPr lang="en-CA" dirty="0" smtClean="0"/>
-              <a:t> policy</a:t>
-            </a:r>
-          </a:p>
-          <a:p>
-            <a:pPr lvl="2"/>
-            <a:r>
-              <a:rPr lang="en-CA" dirty="0" smtClean="0"/>
-              <a:t>But optimal policy is not important, I just want the agent</a:t>
-            </a:r>
-          </a:p>
-          <a:p>
-            <a:pPr lvl="2"/>
-            <a:r>
-              <a:rPr lang="en-CA" dirty="0" smtClean="0"/>
-              <a:t>To finish the task</a:t>
-            </a:r>
-          </a:p>
-          <a:p>
-            <a:pPr lvl="3"/>
-            <a:r>
-              <a:rPr lang="en-CA" dirty="0" smtClean="0"/>
-              <a:t>Show it with school bus domain</a:t>
-            </a:r>
-          </a:p>
-          <a:p>
-            <a:pPr lvl="3"/>
-            <a:r>
-              <a:rPr lang="en-CA" dirty="0" smtClean="0"/>
-              <a:t>Model-based approach cannot finish the task</a:t>
-            </a:r>
+          <a:bodyPr/>
+          <a:lstStyle/>
+          <a:p>
+            <a:r>
+              <a:rPr lang="en-US" altLang="zh-TW" dirty="0" smtClean="0"/>
+              <a:t>TODO: add theorem to show that it’s necessary to add all primitive subtasks</a:t>
+            </a:r>
+            <a:endParaRPr lang="zh-TW" altLang="en-US" dirty="0"/>
           </a:p>
         </p:txBody>
       </p:sp>
@@ -27258,427 +28210,230 @@
           <a:bodyPr/>
           <a:lstStyle/>
           <a:p>
-            <a:endParaRPr lang="zh-TW" altLang="en-US"/>
-          </a:p>
-        </p:txBody>
-      </p:sp>
-      <p:sp>
-        <p:nvSpPr>
-          <p:cNvPr id="7" name="矩形 6"/>
-          <p:cNvSpPr/>
-          <p:nvPr/>
-        </p:nvSpPr>
-        <p:spPr>
-          <a:xfrm>
-            <a:off x="3214678" y="2071678"/>
-            <a:ext cx="1928826" cy="714380"/>
-          </a:xfrm>
-          <a:prstGeom prst="rect">
-            <a:avLst/>
-          </a:prstGeom>
-        </p:spPr>
-        <p:style>
-          <a:lnRef idx="2">
-            <a:schemeClr val="dk1"/>
-          </a:lnRef>
-          <a:fillRef idx="1">
-            <a:schemeClr val="lt1"/>
-          </a:fillRef>
-          <a:effectRef idx="0">
-            <a:schemeClr val="dk1"/>
-          </a:effectRef>
-          <a:fontRef idx="minor">
-            <a:schemeClr val="dk1"/>
-          </a:fontRef>
-        </p:style>
-        <p:txBody>
-          <a:bodyPr rtlCol="0" anchor="ctr"/>
-          <a:lstStyle/>
-          <a:p>
-            <a:pPr algn="ctr"/>
-            <a:r>
-              <a:rPr lang="en-US" altLang="zh-TW" sz="2400" dirty="0" smtClean="0"/>
-              <a:t>Root</a:t>
-            </a:r>
-            <a:endParaRPr lang="zh-TW" altLang="en-US" sz="2400" dirty="0"/>
-          </a:p>
-        </p:txBody>
-      </p:sp>
-      <p:sp>
-        <p:nvSpPr>
-          <p:cNvPr id="8" name="矩形 7"/>
-          <p:cNvSpPr/>
-          <p:nvPr/>
-        </p:nvSpPr>
-        <p:spPr>
-          <a:xfrm>
-            <a:off x="142844" y="3286124"/>
-            <a:ext cx="1071570" cy="571504"/>
-          </a:xfrm>
-          <a:prstGeom prst="rect">
-            <a:avLst/>
-          </a:prstGeom>
-        </p:spPr>
-        <p:style>
-          <a:lnRef idx="2">
-            <a:schemeClr val="dk1"/>
-          </a:lnRef>
-          <a:fillRef idx="1">
-            <a:schemeClr val="lt1"/>
-          </a:fillRef>
-          <a:effectRef idx="0">
-            <a:schemeClr val="dk1"/>
-          </a:effectRef>
-          <a:fontRef idx="minor">
-            <a:schemeClr val="dk1"/>
-          </a:fontRef>
-        </p:style>
-        <p:txBody>
-          <a:bodyPr rtlCol="0" anchor="ctr"/>
-          <a:lstStyle/>
-          <a:p>
-            <a:pPr algn="ctr"/>
-            <a:r>
-              <a:rPr lang="en-US" altLang="zh-TW" sz="2400" dirty="0" smtClean="0"/>
-              <a:t>Left</a:t>
-            </a:r>
-            <a:endParaRPr lang="zh-TW" altLang="en-US" sz="2400" dirty="0"/>
-          </a:p>
-        </p:txBody>
-      </p:sp>
-      <p:sp>
-        <p:nvSpPr>
-          <p:cNvPr id="9" name="矩形 8"/>
-          <p:cNvSpPr/>
-          <p:nvPr/>
-        </p:nvSpPr>
-        <p:spPr>
-          <a:xfrm>
-            <a:off x="1285884" y="3286124"/>
-            <a:ext cx="1571636" cy="571504"/>
-          </a:xfrm>
-          <a:prstGeom prst="rect">
-            <a:avLst/>
-          </a:prstGeom>
-        </p:spPr>
-        <p:style>
-          <a:lnRef idx="2">
-            <a:schemeClr val="dk1"/>
-          </a:lnRef>
-          <a:fillRef idx="1">
-            <a:schemeClr val="lt1"/>
-          </a:fillRef>
-          <a:effectRef idx="0">
-            <a:schemeClr val="dk1"/>
-          </a:effectRef>
-          <a:fontRef idx="minor">
-            <a:schemeClr val="dk1"/>
-          </a:fontRef>
-        </p:style>
-        <p:txBody>
-          <a:bodyPr rtlCol="0" anchor="ctr"/>
-          <a:lstStyle/>
-          <a:p>
-            <a:pPr algn="r"/>
-            <a:r>
-              <a:rPr lang="en-US" altLang="zh-TW" sz="2400" dirty="0" smtClean="0"/>
-              <a:t>Left Speed</a:t>
-            </a:r>
-            <a:endParaRPr lang="zh-TW" altLang="en-US" sz="2400" dirty="0"/>
-          </a:p>
-        </p:txBody>
-      </p:sp>
-      <p:sp>
-        <p:nvSpPr>
-          <p:cNvPr id="13" name="矩形 12"/>
-          <p:cNvSpPr/>
-          <p:nvPr/>
-        </p:nvSpPr>
-        <p:spPr>
-          <a:xfrm>
-            <a:off x="5357818" y="3357562"/>
-            <a:ext cx="1714512" cy="571504"/>
-          </a:xfrm>
-          <a:prstGeom prst="rect">
-            <a:avLst/>
-          </a:prstGeom>
-        </p:spPr>
-        <p:style>
-          <a:lnRef idx="2">
-            <a:schemeClr val="dk1"/>
-          </a:lnRef>
-          <a:fillRef idx="1">
-            <a:schemeClr val="lt1"/>
-          </a:fillRef>
-          <a:effectRef idx="0">
-            <a:schemeClr val="dk1"/>
-          </a:effectRef>
-          <a:fontRef idx="minor">
-            <a:schemeClr val="dk1"/>
-          </a:fontRef>
-        </p:style>
-        <p:txBody>
-          <a:bodyPr rtlCol="0" anchor="ctr"/>
-          <a:lstStyle/>
-          <a:p>
-            <a:pPr algn="ctr"/>
-            <a:r>
-              <a:rPr lang="en-US" altLang="zh-TW" sz="2400" dirty="0" smtClean="0"/>
-              <a:t>Right Speed</a:t>
-            </a:r>
-            <a:endParaRPr lang="zh-TW" altLang="en-US" sz="2400" dirty="0"/>
-          </a:p>
-        </p:txBody>
-      </p:sp>
-      <p:sp>
-        <p:nvSpPr>
-          <p:cNvPr id="15" name="矩形 14"/>
-          <p:cNvSpPr/>
-          <p:nvPr/>
-        </p:nvSpPr>
-        <p:spPr>
-          <a:xfrm>
-            <a:off x="7286644" y="3357562"/>
-            <a:ext cx="1571636" cy="571504"/>
-          </a:xfrm>
-          <a:prstGeom prst="rect">
-            <a:avLst/>
-          </a:prstGeom>
-        </p:spPr>
-        <p:style>
-          <a:lnRef idx="2">
-            <a:schemeClr val="dk1"/>
-          </a:lnRef>
-          <a:fillRef idx="1">
-            <a:schemeClr val="lt1"/>
-          </a:fillRef>
-          <a:effectRef idx="0">
-            <a:schemeClr val="dk1"/>
-          </a:effectRef>
-          <a:fontRef idx="minor">
-            <a:schemeClr val="dk1"/>
-          </a:fontRef>
-        </p:style>
-        <p:txBody>
-          <a:bodyPr rtlCol="0" anchor="ctr"/>
-          <a:lstStyle/>
-          <a:p>
-            <a:pPr algn="ctr"/>
-            <a:r>
-              <a:rPr lang="en-US" altLang="zh-TW" sz="2400" dirty="0" smtClean="0"/>
-              <a:t>Right Jump</a:t>
-            </a:r>
-            <a:endParaRPr lang="zh-TW" altLang="en-US" sz="2400" dirty="0"/>
-          </a:p>
-        </p:txBody>
-      </p:sp>
-      <p:sp>
-        <p:nvSpPr>
-          <p:cNvPr id="16" name="矩形 15"/>
-          <p:cNvSpPr/>
-          <p:nvPr/>
-        </p:nvSpPr>
-        <p:spPr>
-          <a:xfrm>
-            <a:off x="785786" y="4786322"/>
-            <a:ext cx="2347898" cy="571504"/>
-          </a:xfrm>
-          <a:prstGeom prst="rect">
-            <a:avLst/>
-          </a:prstGeom>
-        </p:spPr>
-        <p:style>
-          <a:lnRef idx="2">
-            <a:schemeClr val="dk1"/>
-          </a:lnRef>
-          <a:fillRef idx="1">
-            <a:schemeClr val="lt1"/>
-          </a:fillRef>
-          <a:effectRef idx="0">
-            <a:schemeClr val="dk1"/>
-          </a:effectRef>
-          <a:fontRef idx="minor">
-            <a:schemeClr val="dk1"/>
-          </a:fontRef>
-        </p:style>
-        <p:txBody>
-          <a:bodyPr rtlCol="0" anchor="ctr"/>
-          <a:lstStyle/>
-          <a:p>
-            <a:pPr algn="ctr"/>
-            <a:r>
-              <a:rPr lang="en-US" altLang="zh-TW" sz="2400" dirty="0" smtClean="0"/>
-              <a:t>Left Speed Jump</a:t>
-            </a:r>
-            <a:endParaRPr lang="zh-TW" altLang="en-US" sz="2400" dirty="0"/>
-          </a:p>
-        </p:txBody>
-      </p:sp>
-      <p:sp>
-        <p:nvSpPr>
-          <p:cNvPr id="17" name="矩形 16"/>
-          <p:cNvSpPr/>
-          <p:nvPr/>
-        </p:nvSpPr>
-        <p:spPr>
-          <a:xfrm>
-            <a:off x="4143372" y="3357562"/>
-            <a:ext cx="1071570" cy="571504"/>
-          </a:xfrm>
-          <a:prstGeom prst="rect">
-            <a:avLst/>
-          </a:prstGeom>
-        </p:spPr>
-        <p:style>
-          <a:lnRef idx="2">
-            <a:schemeClr val="dk1"/>
-          </a:lnRef>
-          <a:fillRef idx="1">
-            <a:schemeClr val="lt1"/>
-          </a:fillRef>
-          <a:effectRef idx="0">
-            <a:schemeClr val="dk1"/>
-          </a:effectRef>
-          <a:fontRef idx="minor">
-            <a:schemeClr val="dk1"/>
-          </a:fontRef>
-        </p:style>
-        <p:txBody>
-          <a:bodyPr rtlCol="0" anchor="ctr"/>
-          <a:lstStyle/>
-          <a:p>
-            <a:pPr algn="ctr"/>
-            <a:r>
-              <a:rPr lang="en-US" altLang="zh-TW" sz="2400" dirty="0" smtClean="0"/>
-              <a:t>Right</a:t>
-            </a:r>
-            <a:endParaRPr lang="zh-TW" altLang="en-US" sz="2400" dirty="0"/>
-          </a:p>
-        </p:txBody>
-      </p:sp>
-      <p:sp>
-        <p:nvSpPr>
-          <p:cNvPr id="18" name="矩形 17"/>
-          <p:cNvSpPr/>
-          <p:nvPr/>
-        </p:nvSpPr>
-        <p:spPr>
-          <a:xfrm>
-            <a:off x="3643306" y="3929066"/>
-            <a:ext cx="1071570" cy="571504"/>
-          </a:xfrm>
-          <a:prstGeom prst="rect">
-            <a:avLst/>
-          </a:prstGeom>
-        </p:spPr>
-        <p:style>
-          <a:lnRef idx="2">
-            <a:schemeClr val="dk1"/>
-          </a:lnRef>
-          <a:fillRef idx="1">
-            <a:schemeClr val="lt1"/>
-          </a:fillRef>
-          <a:effectRef idx="0">
-            <a:schemeClr val="dk1"/>
-          </a:effectRef>
-          <a:fontRef idx="minor">
-            <a:schemeClr val="dk1"/>
-          </a:fontRef>
-        </p:style>
-        <p:txBody>
-          <a:bodyPr rtlCol="0" anchor="ctr"/>
-          <a:lstStyle/>
-          <a:p>
-            <a:pPr algn="ctr"/>
-            <a:r>
-              <a:rPr lang="en-US" altLang="zh-TW" sz="2400" dirty="0" smtClean="0"/>
-              <a:t>Jump</a:t>
-            </a:r>
-            <a:endParaRPr lang="zh-TW" altLang="en-US" sz="2400" dirty="0"/>
-          </a:p>
-        </p:txBody>
-      </p:sp>
-      <p:sp>
-        <p:nvSpPr>
-          <p:cNvPr id="19" name="矩形 18"/>
-          <p:cNvSpPr/>
-          <p:nvPr/>
-        </p:nvSpPr>
-        <p:spPr>
-          <a:xfrm>
-            <a:off x="5929322" y="4286256"/>
-            <a:ext cx="2643174" cy="571504"/>
-          </a:xfrm>
-          <a:prstGeom prst="rect">
-            <a:avLst/>
-          </a:prstGeom>
-        </p:spPr>
-        <p:style>
-          <a:lnRef idx="2">
-            <a:schemeClr val="dk1"/>
-          </a:lnRef>
-          <a:fillRef idx="1">
-            <a:schemeClr val="lt1"/>
-          </a:fillRef>
-          <a:effectRef idx="0">
-            <a:schemeClr val="dk1"/>
-          </a:effectRef>
-          <a:fontRef idx="minor">
-            <a:schemeClr val="dk1"/>
-          </a:fontRef>
-        </p:style>
-        <p:txBody>
-          <a:bodyPr rtlCol="0" anchor="ctr"/>
-          <a:lstStyle/>
-          <a:p>
-            <a:pPr algn="ctr"/>
-            <a:r>
-              <a:rPr lang="en-US" altLang="zh-TW" sz="2400" dirty="0" smtClean="0"/>
-              <a:t>Right Speed Jump</a:t>
-            </a:r>
-            <a:endParaRPr lang="zh-TW" altLang="en-US" sz="2400" dirty="0"/>
-          </a:p>
-        </p:txBody>
-      </p:sp>
-      <p:sp>
-        <p:nvSpPr>
-          <p:cNvPr id="20" name="矩形 19"/>
-          <p:cNvSpPr/>
-          <p:nvPr/>
-        </p:nvSpPr>
-        <p:spPr>
-          <a:xfrm>
-            <a:off x="1500166" y="3857628"/>
-            <a:ext cx="1928826" cy="571504"/>
-          </a:xfrm>
-          <a:prstGeom prst="rect">
-            <a:avLst/>
-          </a:prstGeom>
-        </p:spPr>
-        <p:style>
-          <a:lnRef idx="2">
-            <a:schemeClr val="dk1"/>
-          </a:lnRef>
-          <a:fillRef idx="1">
-            <a:schemeClr val="lt1"/>
-          </a:fillRef>
-          <a:effectRef idx="0">
-            <a:schemeClr val="dk1"/>
-          </a:effectRef>
-          <a:fontRef idx="minor">
-            <a:schemeClr val="dk1"/>
-          </a:fontRef>
-        </p:style>
-        <p:txBody>
-          <a:bodyPr rtlCol="0" anchor="ctr"/>
-          <a:lstStyle/>
-          <a:p>
-            <a:pPr algn="ctr"/>
-            <a:r>
-              <a:rPr lang="en-US" altLang="zh-TW" sz="2400" dirty="0" smtClean="0"/>
-              <a:t>Jump Speed</a:t>
-            </a:r>
-            <a:endParaRPr lang="zh-TW" altLang="en-US" sz="2400" dirty="0"/>
+            <a:r>
+              <a:rPr lang="en-CA" dirty="0" smtClean="0"/>
+              <a:t>Pseudo-Reward</a:t>
+            </a:r>
+            <a:endParaRPr lang="en-CA" dirty="0"/>
+          </a:p>
+        </p:txBody>
+      </p:sp>
+      <p:sp>
+        <p:nvSpPr>
+          <p:cNvPr id="3" name="內容版面配置區 2"/>
+          <p:cNvSpPr>
+            <a:spLocks noGrp="1"/>
+          </p:cNvSpPr>
+          <p:nvPr>
+            <p:ph idx="1"/>
+          </p:nvPr>
+        </p:nvSpPr>
+        <p:spPr/>
+        <p:txBody>
+          <a:bodyPr>
+            <a:normAutofit fontScale="55000" lnSpcReduction="20000"/>
+          </a:bodyPr>
+          <a:lstStyle/>
+          <a:p>
+            <a:r>
+              <a:rPr lang="en-CA" dirty="0" smtClean="0"/>
+              <a:t>Hierarchically Optimal policy sounds great</a:t>
+            </a:r>
+          </a:p>
+          <a:p>
+            <a:pPr lvl="1"/>
+            <a:r>
+              <a:rPr lang="en-CA" dirty="0" smtClean="0"/>
+              <a:t>But.... Useless</a:t>
+            </a:r>
+          </a:p>
+          <a:p>
+            <a:pPr lvl="1"/>
+            <a:r>
+              <a:rPr lang="en-CA" dirty="0" smtClean="0"/>
+              <a:t>That’s why people uses MAXQ</a:t>
+            </a:r>
+          </a:p>
+          <a:p>
+            <a:pPr lvl="1"/>
+            <a:r>
+              <a:rPr lang="en-CA" dirty="0" smtClean="0"/>
+              <a:t>High pseudo reward behaves </a:t>
+            </a:r>
+            <a:r>
+              <a:rPr lang="en-CA" dirty="0" err="1" smtClean="0"/>
+              <a:t>like</a:t>
+            </a:r>
+            <a:r>
+              <a:rPr lang="en-CA" dirty="0" err="1" smtClean="0">
+                <a:sym typeface="Wingdings" pitchFamily="2" charset="2"/>
+              </a:rPr>
+              <a:t>MAXQ</a:t>
+            </a:r>
+            <a:r>
+              <a:rPr lang="en-CA" dirty="0" smtClean="0">
+                <a:sym typeface="Wingdings" pitchFamily="2" charset="2"/>
+              </a:rPr>
+              <a:t> (need to introduce MAXQ)</a:t>
+            </a:r>
+          </a:p>
+          <a:p>
+            <a:pPr lvl="2"/>
+            <a:r>
+              <a:rPr lang="en-CA" dirty="0" err="1" smtClean="0">
+                <a:sym typeface="Wingdings" pitchFamily="2" charset="2"/>
+              </a:rPr>
+              <a:t>Higer</a:t>
+            </a:r>
+            <a:r>
+              <a:rPr lang="en-CA" dirty="0" smtClean="0">
+                <a:sym typeface="Wingdings" pitchFamily="2" charset="2"/>
+              </a:rPr>
+              <a:t> learning rate, suboptimal policy</a:t>
+            </a:r>
+          </a:p>
+          <a:p>
+            <a:pPr lvl="1"/>
+            <a:r>
+              <a:rPr lang="en-CA" dirty="0" smtClean="0">
+                <a:sym typeface="Wingdings" pitchFamily="2" charset="2"/>
+              </a:rPr>
+              <a:t>Lower Pseudo reward -&gt; like HORDQ</a:t>
+            </a:r>
+          </a:p>
+          <a:p>
+            <a:pPr lvl="1"/>
+            <a:r>
+              <a:rPr lang="en-CA" dirty="0" smtClean="0">
+                <a:sym typeface="Wingdings" pitchFamily="2" charset="2"/>
+              </a:rPr>
+              <a:t>Low pseudo reward with Leaf cover hierarchy Q learning</a:t>
+            </a:r>
+          </a:p>
+          <a:p>
+            <a:pPr lvl="2"/>
+            <a:r>
+              <a:rPr lang="en-CA" dirty="0" smtClean="0">
+                <a:sym typeface="Wingdings" pitchFamily="2" charset="2"/>
+              </a:rPr>
+              <a:t>Lower learning rate, near optimal policy</a:t>
+            </a:r>
+            <a:endParaRPr lang="en-CA" dirty="0" smtClean="0"/>
+          </a:p>
+          <a:p>
+            <a:pPr lvl="1"/>
+            <a:r>
+              <a:rPr lang="en-CA" dirty="0" smtClean="0"/>
+              <a:t>How to choose pseudo-reward</a:t>
+            </a:r>
+          </a:p>
+          <a:p>
+            <a:pPr lvl="1"/>
+            <a:r>
+              <a:rPr lang="en-CA" dirty="0" smtClean="0"/>
+              <a:t>Show with an experiment or motivating example</a:t>
+            </a:r>
+          </a:p>
+          <a:p>
+            <a:pPr lvl="1"/>
+            <a:r>
+              <a:rPr lang="en-CA" dirty="0" smtClean="0"/>
+              <a:t>Boss asks you to make </a:t>
+            </a:r>
+            <a:r>
+              <a:rPr lang="en-CA" dirty="0" err="1" smtClean="0"/>
+              <a:t>iRobot</a:t>
+            </a:r>
+            <a:r>
+              <a:rPr lang="en-CA" dirty="0" smtClean="0"/>
+              <a:t>, but you make a terminator</a:t>
+            </a:r>
+          </a:p>
+          <a:p>
+            <a:pPr lvl="1"/>
+            <a:r>
+              <a:rPr lang="en-CA" dirty="0" smtClean="0"/>
+              <a:t>Experiment -&gt; hierarchically optimal is worse than Q-learning</a:t>
+            </a:r>
+          </a:p>
+          <a:p>
+            <a:pPr lvl="1"/>
+            <a:r>
+              <a:rPr lang="en-CA" dirty="0" smtClean="0"/>
+              <a:t>But with Pseudo-Reward no more hierarchical optimal policy (nor optimal policy)</a:t>
+            </a:r>
+          </a:p>
+          <a:p>
+            <a:pPr lvl="2"/>
+            <a:r>
+              <a:rPr lang="en-CA" dirty="0" smtClean="0"/>
+              <a:t>Pseudo-reward indicates how much we believe our model</a:t>
+            </a:r>
+          </a:p>
+          <a:p>
+            <a:pPr lvl="3"/>
+            <a:r>
+              <a:rPr lang="en-CA" dirty="0" smtClean="0"/>
+              <a:t>But it’s the model-free one that learns the optimal policy</a:t>
+            </a:r>
+          </a:p>
+          <a:p>
+            <a:pPr lvl="2"/>
+            <a:r>
+              <a:rPr lang="en-CA" dirty="0" smtClean="0"/>
+              <a:t>You can use large reward to encourage </a:t>
+            </a:r>
+            <a:r>
+              <a:rPr lang="en-CA" dirty="0" err="1" smtClean="0"/>
+              <a:t>exporartion</a:t>
+            </a:r>
+            <a:r>
+              <a:rPr lang="en-CA" dirty="0" smtClean="0"/>
+              <a:t> in the early stage</a:t>
+            </a:r>
+          </a:p>
+          <a:p>
+            <a:pPr lvl="2"/>
+            <a:r>
+              <a:rPr lang="en-CA" dirty="0" smtClean="0"/>
+              <a:t>And decrease it overtime to learn the </a:t>
+            </a:r>
+            <a:r>
+              <a:rPr lang="en-CA" dirty="0" err="1" smtClean="0"/>
+              <a:t>opitmal</a:t>
+            </a:r>
+            <a:r>
+              <a:rPr lang="en-CA" dirty="0" smtClean="0"/>
+              <a:t> policy</a:t>
+            </a:r>
+          </a:p>
+          <a:p>
+            <a:pPr lvl="2"/>
+            <a:r>
+              <a:rPr lang="en-CA" dirty="0" smtClean="0"/>
+              <a:t>But optimal policy is not important, I just want the agent</a:t>
+            </a:r>
+          </a:p>
+          <a:p>
+            <a:pPr lvl="2"/>
+            <a:r>
+              <a:rPr lang="en-CA" dirty="0" smtClean="0"/>
+              <a:t>To finish the task</a:t>
+            </a:r>
+          </a:p>
+          <a:p>
+            <a:pPr lvl="3"/>
+            <a:r>
+              <a:rPr lang="en-CA" dirty="0" smtClean="0"/>
+              <a:t>Show it with school bus domain</a:t>
+            </a:r>
+          </a:p>
+          <a:p>
+            <a:pPr lvl="3"/>
+            <a:r>
+              <a:rPr lang="en-CA" dirty="0" smtClean="0"/>
+              <a:t>Model-based approach cannot finish the task</a:t>
+            </a:r>
           </a:p>
         </p:txBody>
       </p:sp>
@@ -27735,67 +28490,421 @@
       </p:sp>
       <p:sp>
         <p:nvSpPr>
-          <p:cNvPr id="3" name="內容版面配置區 2"/>
-          <p:cNvSpPr>
-            <a:spLocks noGrp="1"/>
-          </p:cNvSpPr>
-          <p:nvPr>
-            <p:ph idx="1"/>
-          </p:nvPr>
-        </p:nvSpPr>
-        <p:spPr/>
-        <p:txBody>
-          <a:bodyPr/>
-          <a:lstStyle/>
-          <a:p>
-            <a:r>
-              <a:rPr lang="en-US" altLang="zh-TW" dirty="0" smtClean="0"/>
-              <a:t>How I played video games:</a:t>
-            </a:r>
-          </a:p>
-          <a:p>
-            <a:pPr lvl="1"/>
-            <a:r>
-              <a:rPr lang="en-US" altLang="zh-TW" dirty="0" smtClean="0"/>
-              <a:t>Prediction (planning)</a:t>
-            </a:r>
-          </a:p>
-          <a:p>
-            <a:pPr lvl="1"/>
-            <a:r>
-              <a:rPr lang="en-US" altLang="zh-TW" dirty="0" smtClean="0"/>
-              <a:t>In a complex </a:t>
-            </a:r>
-            <a:r>
-              <a:rPr lang="en-US" altLang="zh-TW" dirty="0" err="1" smtClean="0"/>
-              <a:t>secenario</a:t>
-            </a:r>
-            <a:r>
-              <a:rPr lang="en-US" altLang="zh-TW" dirty="0" smtClean="0"/>
-              <a:t> (too many monsters)</a:t>
-            </a:r>
-          </a:p>
-          <a:p>
-            <a:pPr lvl="2"/>
-            <a:r>
-              <a:rPr lang="en-US" altLang="zh-TW" dirty="0" smtClean="0"/>
-              <a:t>Planning doesn’t work</a:t>
-            </a:r>
-          </a:p>
-          <a:p>
-            <a:pPr lvl="2"/>
-            <a:r>
-              <a:rPr lang="en-US" altLang="zh-TW" dirty="0" smtClean="0"/>
-              <a:t>Trial and error-&gt; use experience </a:t>
-            </a:r>
-            <a:r>
-              <a:rPr lang="en-US" altLang="zh-TW" smtClean="0"/>
-              <a:t>and memory</a:t>
-            </a:r>
-          </a:p>
-          <a:p>
-            <a:pPr lvl="3"/>
-            <a:endParaRPr lang="zh-TW" altLang="en-US" dirty="0"/>
+          <p:cNvPr id="7" name="矩形 6"/>
+          <p:cNvSpPr/>
+          <p:nvPr/>
+        </p:nvSpPr>
+        <p:spPr>
+          <a:xfrm>
+            <a:off x="3214678" y="2071678"/>
+            <a:ext cx="1928826" cy="714380"/>
+          </a:xfrm>
+          <a:prstGeom prst="rect">
+            <a:avLst/>
+          </a:prstGeom>
+        </p:spPr>
+        <p:style>
+          <a:lnRef idx="2">
+            <a:schemeClr val="dk1"/>
+          </a:lnRef>
+          <a:fillRef idx="1">
+            <a:schemeClr val="lt1"/>
+          </a:fillRef>
+          <a:effectRef idx="0">
+            <a:schemeClr val="dk1"/>
+          </a:effectRef>
+          <a:fontRef idx="minor">
+            <a:schemeClr val="dk1"/>
+          </a:fontRef>
+        </p:style>
+        <p:txBody>
+          <a:bodyPr rtlCol="0" anchor="ctr"/>
+          <a:lstStyle/>
+          <a:p>
+            <a:pPr algn="ctr"/>
+            <a:r>
+              <a:rPr lang="en-US" altLang="zh-TW" sz="2400" dirty="0" smtClean="0"/>
+              <a:t>Root</a:t>
+            </a:r>
+            <a:endParaRPr lang="zh-TW" altLang="en-US" sz="2400" dirty="0"/>
+          </a:p>
+        </p:txBody>
+      </p:sp>
+      <p:sp>
+        <p:nvSpPr>
+          <p:cNvPr id="8" name="矩形 7"/>
+          <p:cNvSpPr/>
+          <p:nvPr/>
+        </p:nvSpPr>
+        <p:spPr>
+          <a:xfrm>
+            <a:off x="142844" y="3286124"/>
+            <a:ext cx="1071570" cy="571504"/>
+          </a:xfrm>
+          <a:prstGeom prst="rect">
+            <a:avLst/>
+          </a:prstGeom>
+        </p:spPr>
+        <p:style>
+          <a:lnRef idx="2">
+            <a:schemeClr val="dk1"/>
+          </a:lnRef>
+          <a:fillRef idx="1">
+            <a:schemeClr val="lt1"/>
+          </a:fillRef>
+          <a:effectRef idx="0">
+            <a:schemeClr val="dk1"/>
+          </a:effectRef>
+          <a:fontRef idx="minor">
+            <a:schemeClr val="dk1"/>
+          </a:fontRef>
+        </p:style>
+        <p:txBody>
+          <a:bodyPr rtlCol="0" anchor="ctr"/>
+          <a:lstStyle/>
+          <a:p>
+            <a:pPr algn="ctr"/>
+            <a:r>
+              <a:rPr lang="en-US" altLang="zh-TW" sz="2400" dirty="0" smtClean="0"/>
+              <a:t>Left</a:t>
+            </a:r>
+            <a:endParaRPr lang="zh-TW" altLang="en-US" sz="2400" dirty="0"/>
+          </a:p>
+        </p:txBody>
+      </p:sp>
+      <p:sp>
+        <p:nvSpPr>
+          <p:cNvPr id="9" name="矩形 8"/>
+          <p:cNvSpPr/>
+          <p:nvPr/>
+        </p:nvSpPr>
+        <p:spPr>
+          <a:xfrm>
+            <a:off x="1285884" y="3286124"/>
+            <a:ext cx="1571636" cy="571504"/>
+          </a:xfrm>
+          <a:prstGeom prst="rect">
+            <a:avLst/>
+          </a:prstGeom>
+        </p:spPr>
+        <p:style>
+          <a:lnRef idx="2">
+            <a:schemeClr val="dk1"/>
+          </a:lnRef>
+          <a:fillRef idx="1">
+            <a:schemeClr val="lt1"/>
+          </a:fillRef>
+          <a:effectRef idx="0">
+            <a:schemeClr val="dk1"/>
+          </a:effectRef>
+          <a:fontRef idx="minor">
+            <a:schemeClr val="dk1"/>
+          </a:fontRef>
+        </p:style>
+        <p:txBody>
+          <a:bodyPr rtlCol="0" anchor="ctr"/>
+          <a:lstStyle/>
+          <a:p>
+            <a:pPr algn="r"/>
+            <a:r>
+              <a:rPr lang="en-US" altLang="zh-TW" sz="2400" dirty="0" smtClean="0"/>
+              <a:t>Left Speed</a:t>
+            </a:r>
+            <a:endParaRPr lang="zh-TW" altLang="en-US" sz="2400" dirty="0"/>
+          </a:p>
+        </p:txBody>
+      </p:sp>
+      <p:sp>
+        <p:nvSpPr>
+          <p:cNvPr id="13" name="矩形 12"/>
+          <p:cNvSpPr/>
+          <p:nvPr/>
+        </p:nvSpPr>
+        <p:spPr>
+          <a:xfrm>
+            <a:off x="5357818" y="3357562"/>
+            <a:ext cx="1714512" cy="571504"/>
+          </a:xfrm>
+          <a:prstGeom prst="rect">
+            <a:avLst/>
+          </a:prstGeom>
+        </p:spPr>
+        <p:style>
+          <a:lnRef idx="2">
+            <a:schemeClr val="dk1"/>
+          </a:lnRef>
+          <a:fillRef idx="1">
+            <a:schemeClr val="lt1"/>
+          </a:fillRef>
+          <a:effectRef idx="0">
+            <a:schemeClr val="dk1"/>
+          </a:effectRef>
+          <a:fontRef idx="minor">
+            <a:schemeClr val="dk1"/>
+          </a:fontRef>
+        </p:style>
+        <p:txBody>
+          <a:bodyPr rtlCol="0" anchor="ctr"/>
+          <a:lstStyle/>
+          <a:p>
+            <a:pPr algn="ctr"/>
+            <a:r>
+              <a:rPr lang="en-US" altLang="zh-TW" sz="2400" dirty="0" smtClean="0"/>
+              <a:t>Right Speed</a:t>
+            </a:r>
+            <a:endParaRPr lang="zh-TW" altLang="en-US" sz="2400" dirty="0"/>
+          </a:p>
+        </p:txBody>
+      </p:sp>
+      <p:sp>
+        <p:nvSpPr>
+          <p:cNvPr id="15" name="矩形 14"/>
+          <p:cNvSpPr/>
+          <p:nvPr/>
+        </p:nvSpPr>
+        <p:spPr>
+          <a:xfrm>
+            <a:off x="7286644" y="3357562"/>
+            <a:ext cx="1571636" cy="571504"/>
+          </a:xfrm>
+          <a:prstGeom prst="rect">
+            <a:avLst/>
+          </a:prstGeom>
+        </p:spPr>
+        <p:style>
+          <a:lnRef idx="2">
+            <a:schemeClr val="dk1"/>
+          </a:lnRef>
+          <a:fillRef idx="1">
+            <a:schemeClr val="lt1"/>
+          </a:fillRef>
+          <a:effectRef idx="0">
+            <a:schemeClr val="dk1"/>
+          </a:effectRef>
+          <a:fontRef idx="minor">
+            <a:schemeClr val="dk1"/>
+          </a:fontRef>
+        </p:style>
+        <p:txBody>
+          <a:bodyPr rtlCol="0" anchor="ctr"/>
+          <a:lstStyle/>
+          <a:p>
+            <a:pPr algn="ctr"/>
+            <a:r>
+              <a:rPr lang="en-US" altLang="zh-TW" sz="2400" dirty="0" smtClean="0"/>
+              <a:t>Right Jump</a:t>
+            </a:r>
+            <a:endParaRPr lang="zh-TW" altLang="en-US" sz="2400" dirty="0"/>
+          </a:p>
+        </p:txBody>
+      </p:sp>
+      <p:sp>
+        <p:nvSpPr>
+          <p:cNvPr id="16" name="矩形 15"/>
+          <p:cNvSpPr/>
+          <p:nvPr/>
+        </p:nvSpPr>
+        <p:spPr>
+          <a:xfrm>
+            <a:off x="785786" y="4786322"/>
+            <a:ext cx="2347898" cy="571504"/>
+          </a:xfrm>
+          <a:prstGeom prst="rect">
+            <a:avLst/>
+          </a:prstGeom>
+        </p:spPr>
+        <p:style>
+          <a:lnRef idx="2">
+            <a:schemeClr val="dk1"/>
+          </a:lnRef>
+          <a:fillRef idx="1">
+            <a:schemeClr val="lt1"/>
+          </a:fillRef>
+          <a:effectRef idx="0">
+            <a:schemeClr val="dk1"/>
+          </a:effectRef>
+          <a:fontRef idx="minor">
+            <a:schemeClr val="dk1"/>
+          </a:fontRef>
+        </p:style>
+        <p:txBody>
+          <a:bodyPr rtlCol="0" anchor="ctr"/>
+          <a:lstStyle/>
+          <a:p>
+            <a:pPr algn="ctr"/>
+            <a:r>
+              <a:rPr lang="en-US" altLang="zh-TW" sz="2400" dirty="0" smtClean="0"/>
+              <a:t>Left Speed Jump</a:t>
+            </a:r>
+            <a:endParaRPr lang="zh-TW" altLang="en-US" sz="2400" dirty="0"/>
+          </a:p>
+        </p:txBody>
+      </p:sp>
+      <p:sp>
+        <p:nvSpPr>
+          <p:cNvPr id="17" name="矩形 16"/>
+          <p:cNvSpPr/>
+          <p:nvPr/>
+        </p:nvSpPr>
+        <p:spPr>
+          <a:xfrm>
+            <a:off x="4143372" y="3357562"/>
+            <a:ext cx="1071570" cy="571504"/>
+          </a:xfrm>
+          <a:prstGeom prst="rect">
+            <a:avLst/>
+          </a:prstGeom>
+        </p:spPr>
+        <p:style>
+          <a:lnRef idx="2">
+            <a:schemeClr val="dk1"/>
+          </a:lnRef>
+          <a:fillRef idx="1">
+            <a:schemeClr val="lt1"/>
+          </a:fillRef>
+          <a:effectRef idx="0">
+            <a:schemeClr val="dk1"/>
+          </a:effectRef>
+          <a:fontRef idx="minor">
+            <a:schemeClr val="dk1"/>
+          </a:fontRef>
+        </p:style>
+        <p:txBody>
+          <a:bodyPr rtlCol="0" anchor="ctr"/>
+          <a:lstStyle/>
+          <a:p>
+            <a:pPr algn="ctr"/>
+            <a:r>
+              <a:rPr lang="en-US" altLang="zh-TW" sz="2400" dirty="0" smtClean="0"/>
+              <a:t>Right</a:t>
+            </a:r>
+            <a:endParaRPr lang="zh-TW" altLang="en-US" sz="2400" dirty="0"/>
+          </a:p>
+        </p:txBody>
+      </p:sp>
+      <p:sp>
+        <p:nvSpPr>
+          <p:cNvPr id="18" name="矩形 17"/>
+          <p:cNvSpPr/>
+          <p:nvPr/>
+        </p:nvSpPr>
+        <p:spPr>
+          <a:xfrm>
+            <a:off x="3643306" y="3929066"/>
+            <a:ext cx="1071570" cy="571504"/>
+          </a:xfrm>
+          <a:prstGeom prst="rect">
+            <a:avLst/>
+          </a:prstGeom>
+        </p:spPr>
+        <p:style>
+          <a:lnRef idx="2">
+            <a:schemeClr val="dk1"/>
+          </a:lnRef>
+          <a:fillRef idx="1">
+            <a:schemeClr val="lt1"/>
+          </a:fillRef>
+          <a:effectRef idx="0">
+            <a:schemeClr val="dk1"/>
+          </a:effectRef>
+          <a:fontRef idx="minor">
+            <a:schemeClr val="dk1"/>
+          </a:fontRef>
+        </p:style>
+        <p:txBody>
+          <a:bodyPr rtlCol="0" anchor="ctr"/>
+          <a:lstStyle/>
+          <a:p>
+            <a:pPr algn="ctr"/>
+            <a:r>
+              <a:rPr lang="en-US" altLang="zh-TW" sz="2400" dirty="0" smtClean="0"/>
+              <a:t>Jump</a:t>
+            </a:r>
+            <a:endParaRPr lang="zh-TW" altLang="en-US" sz="2400" dirty="0"/>
+          </a:p>
+        </p:txBody>
+      </p:sp>
+      <p:sp>
+        <p:nvSpPr>
+          <p:cNvPr id="19" name="矩形 18"/>
+          <p:cNvSpPr/>
+          <p:nvPr/>
+        </p:nvSpPr>
+        <p:spPr>
+          <a:xfrm>
+            <a:off x="5929322" y="4286256"/>
+            <a:ext cx="2643174" cy="571504"/>
+          </a:xfrm>
+          <a:prstGeom prst="rect">
+            <a:avLst/>
+          </a:prstGeom>
+        </p:spPr>
+        <p:style>
+          <a:lnRef idx="2">
+            <a:schemeClr val="dk1"/>
+          </a:lnRef>
+          <a:fillRef idx="1">
+            <a:schemeClr val="lt1"/>
+          </a:fillRef>
+          <a:effectRef idx="0">
+            <a:schemeClr val="dk1"/>
+          </a:effectRef>
+          <a:fontRef idx="minor">
+            <a:schemeClr val="dk1"/>
+          </a:fontRef>
+        </p:style>
+        <p:txBody>
+          <a:bodyPr rtlCol="0" anchor="ctr"/>
+          <a:lstStyle/>
+          <a:p>
+            <a:pPr algn="ctr"/>
+            <a:r>
+              <a:rPr lang="en-US" altLang="zh-TW" sz="2400" dirty="0" smtClean="0"/>
+              <a:t>Right Speed Jump</a:t>
+            </a:r>
+            <a:endParaRPr lang="zh-TW" altLang="en-US" sz="2400" dirty="0"/>
+          </a:p>
+        </p:txBody>
+      </p:sp>
+      <p:sp>
+        <p:nvSpPr>
+          <p:cNvPr id="20" name="矩形 19"/>
+          <p:cNvSpPr/>
+          <p:nvPr/>
+        </p:nvSpPr>
+        <p:spPr>
+          <a:xfrm>
+            <a:off x="1500166" y="3857628"/>
+            <a:ext cx="1928826" cy="571504"/>
+          </a:xfrm>
+          <a:prstGeom prst="rect">
+            <a:avLst/>
+          </a:prstGeom>
+        </p:spPr>
+        <p:style>
+          <a:lnRef idx="2">
+            <a:schemeClr val="dk1"/>
+          </a:lnRef>
+          <a:fillRef idx="1">
+            <a:schemeClr val="lt1"/>
+          </a:fillRef>
+          <a:effectRef idx="0">
+            <a:schemeClr val="dk1"/>
+          </a:effectRef>
+          <a:fontRef idx="minor">
+            <a:schemeClr val="dk1"/>
+          </a:fontRef>
+        </p:style>
+        <p:txBody>
+          <a:bodyPr rtlCol="0" anchor="ctr"/>
+          <a:lstStyle/>
+          <a:p>
+            <a:pPr algn="ctr"/>
+            <a:r>
+              <a:rPr lang="en-US" altLang="zh-TW" sz="2400" dirty="0" smtClean="0"/>
+              <a:t>Jump Speed</a:t>
+            </a:r>
+            <a:endParaRPr lang="zh-TW" altLang="en-US" sz="2400" dirty="0"/>
           </a:p>
         </p:txBody>
       </p:sp>
@@ -27862,88 +28971,56 @@
         </p:nvSpPr>
         <p:spPr/>
         <p:txBody>
-          <a:bodyPr>
-            <a:normAutofit fontScale="92500" lnSpcReduction="10000"/>
-          </a:bodyPr>
+          <a:bodyPr/>
           <a:lstStyle/>
           <a:p>
             <a:r>
               <a:rPr lang="en-US" altLang="zh-TW" dirty="0" smtClean="0"/>
-              <a:t>Why Mario is important</a:t>
+              <a:t>How I played video games:</a:t>
             </a:r>
           </a:p>
           <a:p>
             <a:pPr lvl="1"/>
             <a:r>
               <a:rPr lang="en-US" altLang="zh-TW" dirty="0" smtClean="0"/>
-              <a:t>A robot uses its sensor </a:t>
+              <a:t>Prediction (planning)</a:t>
+            </a:r>
+          </a:p>
+          <a:p>
+            <a:pPr lvl="1"/>
+            <a:r>
+              <a:rPr lang="en-US" altLang="zh-TW" dirty="0" smtClean="0"/>
+              <a:t>In a complex </a:t>
+            </a:r>
+            <a:r>
+              <a:rPr lang="en-US" altLang="zh-TW" dirty="0" err="1" smtClean="0"/>
+              <a:t>secenario</a:t>
+            </a:r>
+            <a:r>
+              <a:rPr lang="en-US" altLang="zh-TW" dirty="0" smtClean="0"/>
+              <a:t> (too many monsters)</a:t>
             </a:r>
           </a:p>
           <a:p>
             <a:pPr lvl="2"/>
             <a:r>
               <a:rPr lang="en-US" altLang="zh-TW" dirty="0" smtClean="0"/>
-              <a:t>Video camera</a:t>
+              <a:t>Planning doesn’t work</a:t>
             </a:r>
           </a:p>
           <a:p>
             <a:pPr lvl="2"/>
             <a:r>
               <a:rPr lang="en-US" altLang="zh-TW" dirty="0" smtClean="0"/>
-              <a:t>Computer vision, tracking</a:t>
-            </a:r>
-          </a:p>
-          <a:p>
-            <a:pPr lvl="1"/>
-            <a:r>
-              <a:rPr lang="en-US" altLang="zh-TW" dirty="0" smtClean="0"/>
-              <a:t>Build a model of it’s own dynamic through interaction</a:t>
-            </a:r>
-          </a:p>
-          <a:p>
-            <a:pPr lvl="1"/>
-            <a:r>
-              <a:rPr lang="en-US" altLang="zh-TW" dirty="0" smtClean="0"/>
-              <a:t>Other unknown object cannot be model</a:t>
-            </a:r>
-          </a:p>
-          <a:p>
-            <a:pPr lvl="2"/>
-            <a:r>
-              <a:rPr lang="en-US" altLang="zh-TW" dirty="0" smtClean="0"/>
-              <a:t>Use model-free instead</a:t>
-            </a:r>
-          </a:p>
-          <a:p>
-            <a:r>
-              <a:rPr lang="en-US" altLang="zh-TW" dirty="0" smtClean="0"/>
-              <a:t>Learns how to </a:t>
-            </a:r>
-            <a:r>
-              <a:rPr lang="en-US" altLang="zh-TW" dirty="0" err="1" smtClean="0"/>
-              <a:t>destory</a:t>
-            </a:r>
-            <a:r>
-              <a:rPr lang="en-US" altLang="zh-TW" dirty="0" smtClean="0"/>
-              <a:t> </a:t>
-            </a:r>
-            <a:r>
-              <a:rPr lang="en-US" altLang="zh-TW" dirty="0" err="1" smtClean="0"/>
-              <a:t>koobma</a:t>
-            </a:r>
-            <a:r>
-              <a:rPr lang="en-US" altLang="zh-TW" dirty="0" smtClean="0"/>
-              <a:t> and save princess</a:t>
-            </a:r>
-          </a:p>
-          <a:p>
-            <a:r>
-              <a:rPr lang="en-US" altLang="zh-TW" dirty="0" smtClean="0"/>
-              <a:t>Move around obstacles, avoid dangerous creature</a:t>
-            </a:r>
-          </a:p>
-          <a:p>
-            <a:pPr lvl="1"/>
+              <a:t>Trial and error-&gt; use experience </a:t>
+            </a:r>
+            <a:r>
+              <a:rPr lang="en-US" altLang="zh-TW" smtClean="0"/>
+              <a:t>and memory</a:t>
+            </a:r>
+          </a:p>
+          <a:p>
+            <a:pPr lvl="3"/>
             <a:endParaRPr lang="zh-TW" altLang="en-US" dirty="0"/>
           </a:p>
         </p:txBody>
@@ -28084,15 +29161,7 @@
             </a:r>
             <a:r>
               <a:rPr lang="en-US" altLang="zh-TW" dirty="0" smtClean="0"/>
-              <a:t>to new problems and situations </a:t>
-            </a:r>
-            <a:r>
-              <a:rPr lang="en-US" altLang="zh-TW" dirty="0" smtClean="0"/>
-              <a:t> </a:t>
-            </a:r>
-            <a:r>
-              <a:rPr lang="en-US" altLang="zh-TW" dirty="0" smtClean="0"/>
-              <a:t>-- Linear </a:t>
+              <a:t>to new problems and situations  -- Linear </a:t>
             </a:r>
             <a:r>
               <a:rPr lang="en-US" altLang="zh-TW" dirty="0" err="1" smtClean="0"/>
@@ -28100,13 +29169,8 @@
             </a:r>
             <a:r>
               <a:rPr lang="en-US" altLang="zh-TW" dirty="0" smtClean="0"/>
-              <a:t> (Sutton </a:t>
-            </a:r>
-            <a:r>
-              <a:rPr lang="en-US" altLang="zh-TW" dirty="0" smtClean="0"/>
-              <a:t>et al. 2008)</a:t>
-            </a:r>
-            <a:endParaRPr lang="en-US" altLang="zh-TW" dirty="0" smtClean="0"/>
+              <a:t> (Sutton et al. 2008)</a:t>
+            </a:r>
           </a:p>
         </p:txBody>
       </p:sp>
@@ -28175,15 +29239,7 @@
                   <a:schemeClr val="accent2"/>
                 </a:solidFill>
               </a:rPr>
-              <a:t>3. Rapid </a:t>
-            </a:r>
-            <a:r>
-              <a:rPr lang="en-US" altLang="zh-TW" b="1" dirty="0" smtClean="0">
-                <a:solidFill>
-                  <a:schemeClr val="accent2"/>
-                </a:solidFill>
-              </a:rPr>
-              <a:t>adaptation to new problems</a:t>
+              <a:t>3. Rapid adaptation to new problems</a:t>
             </a:r>
             <a:endParaRPr lang="zh-TW" altLang="en-US" b="1" dirty="0">
               <a:solidFill>
@@ -28228,15 +29284,7 @@
                   <a:schemeClr val="accent4"/>
                 </a:solidFill>
               </a:rPr>
-              <a:t>Model-Free</a:t>
-            </a:r>
-            <a:r>
-              <a:rPr lang="en-US" altLang="zh-TW" b="1" dirty="0" smtClean="0">
-                <a:solidFill>
-                  <a:schemeClr val="accent4"/>
-                </a:solidFill>
-              </a:rPr>
-              <a:t>:</a:t>
+              <a:t>Model-Free:</a:t>
             </a:r>
           </a:p>
           <a:p>
@@ -28264,11 +29312,6 @@
               </a:rPr>
               <a:t>Better policy</a:t>
             </a:r>
-            <a:endParaRPr lang="en-US" altLang="zh-TW" b="1" dirty="0" smtClean="0">
-              <a:solidFill>
-                <a:schemeClr val="accent4"/>
-              </a:solidFill>
-            </a:endParaRPr>
           </a:p>
         </p:txBody>
       </p:sp>
@@ -28528,7 +29571,7 @@
           <a:bodyPr/>
           <a:lstStyle/>
           <a:p>
-            <a:endParaRPr lang="en-CA"/>
+            <a:endParaRPr lang="zh-TW" altLang="en-US"/>
           </a:p>
         </p:txBody>
       </p:sp>
@@ -28544,33 +29587,89 @@
         </p:nvSpPr>
         <p:spPr/>
         <p:txBody>
-          <a:bodyPr/>
-          <a:lstStyle/>
-          <a:p>
-            <a:r>
-              <a:rPr lang="en-CA" dirty="0" smtClean="0"/>
-              <a:t>Two Baseline Algorithm</a:t>
+          <a:bodyPr>
+            <a:normAutofit fontScale="92500" lnSpcReduction="10000"/>
+          </a:bodyPr>
+          <a:lstStyle/>
+          <a:p>
+            <a:r>
+              <a:rPr lang="en-US" altLang="zh-TW" dirty="0" smtClean="0"/>
+              <a:t>Why Mario is important</a:t>
             </a:r>
           </a:p>
           <a:p>
             <a:pPr lvl="1"/>
             <a:r>
-              <a:rPr lang="en-CA" dirty="0" smtClean="0"/>
-              <a:t>Mario Competition 2009 Champion</a:t>
+              <a:rPr lang="en-US" altLang="zh-TW" dirty="0" smtClean="0"/>
+              <a:t>A robot uses its sensor </a:t>
+            </a:r>
+          </a:p>
+          <a:p>
+            <a:pPr lvl="2"/>
+            <a:r>
+              <a:rPr lang="en-US" altLang="zh-TW" dirty="0" smtClean="0"/>
+              <a:t>Video camera</a:t>
+            </a:r>
+          </a:p>
+          <a:p>
+            <a:pPr lvl="2"/>
+            <a:r>
+              <a:rPr lang="en-US" altLang="zh-TW" dirty="0" smtClean="0"/>
+              <a:t>Computer vision, tracking</a:t>
             </a:r>
           </a:p>
           <a:p>
             <a:pPr lvl="1"/>
             <a:r>
-              <a:rPr lang="en-CA" dirty="0" smtClean="0"/>
-              <a:t>RL Competition 2009 Champion</a:t>
-            </a:r>
-          </a:p>
-          <a:p>
-            <a:pPr lvl="1">
-              <a:buNone/>
-            </a:pPr>
-            <a:endParaRPr lang="en-CA" dirty="0"/>
+              <a:rPr lang="en-US" altLang="zh-TW" dirty="0" smtClean="0"/>
+              <a:t>Build a model of it’s own dynamic through interaction</a:t>
+            </a:r>
+          </a:p>
+          <a:p>
+            <a:pPr lvl="1"/>
+            <a:r>
+              <a:rPr lang="en-US" altLang="zh-TW" dirty="0" smtClean="0"/>
+              <a:t>Other unknown object cannot be model</a:t>
+            </a:r>
+          </a:p>
+          <a:p>
+            <a:pPr lvl="2"/>
+            <a:r>
+              <a:rPr lang="en-US" altLang="zh-TW" dirty="0" smtClean="0"/>
+              <a:t>Use model-free instead</a:t>
+            </a:r>
+          </a:p>
+          <a:p>
+            <a:r>
+              <a:rPr lang="en-US" altLang="zh-TW" dirty="0" smtClean="0"/>
+              <a:t>Learns how to </a:t>
+            </a:r>
+            <a:r>
+              <a:rPr lang="en-US" altLang="zh-TW" dirty="0" err="1" smtClean="0"/>
+              <a:t>destory</a:t>
+            </a:r>
+            <a:r>
+              <a:rPr lang="en-US" altLang="zh-TW" dirty="0" smtClean="0"/>
+              <a:t> </a:t>
+            </a:r>
+            <a:r>
+              <a:rPr lang="en-US" altLang="zh-TW" dirty="0" err="1" smtClean="0"/>
+              <a:t>koobma</a:t>
+            </a:r>
+            <a:r>
+              <a:rPr lang="en-US" altLang="zh-TW" dirty="0" smtClean="0"/>
+              <a:t> and save princess</a:t>
+            </a:r>
+          </a:p>
+          <a:p>
+            <a:r>
+              <a:rPr lang="en-US" altLang="zh-TW" dirty="0" smtClean="0"/>
+              <a:t>Move around obstacles, avoid dangerous creature</a:t>
+            </a:r>
+          </a:p>
+          <a:p>
+            <a:pPr lvl="1"/>
+            <a:endParaRPr lang="zh-TW" altLang="en-US" dirty="0"/>
           </a:p>
         </p:txBody>
       </p:sp>
@@ -28621,63 +29720,48 @@
           <a:bodyPr/>
           <a:lstStyle/>
           <a:p>
+            <a:endParaRPr lang="en-CA"/>
+          </a:p>
+        </p:txBody>
+      </p:sp>
+      <p:sp>
+        <p:nvSpPr>
+          <p:cNvPr id="3" name="內容版面配置區 2"/>
+          <p:cNvSpPr>
+            <a:spLocks noGrp="1"/>
+          </p:cNvSpPr>
+          <p:nvPr>
+            <p:ph idx="1"/>
+          </p:nvPr>
+        </p:nvSpPr>
+        <p:spPr/>
+        <p:txBody>
+          <a:bodyPr/>
+          <a:lstStyle/>
+          <a:p>
             <a:r>
               <a:rPr lang="en-CA" dirty="0" smtClean="0"/>
-              <a:t>Mario Competition </a:t>
-            </a:r>
+              <a:t>Two Baseline Algorithm</a:t>
+            </a:r>
+          </a:p>
+          <a:p>
+            <a:pPr lvl="1"/>
             <a:r>
               <a:rPr lang="en-CA" dirty="0" smtClean="0"/>
-              <a:t>2009</a:t>
-            </a:r>
-            <a:endParaRPr lang="en-CA" dirty="0"/>
-          </a:p>
-        </p:txBody>
-      </p:sp>
-      <p:sp>
-        <p:nvSpPr>
-          <p:cNvPr id="3" name="內容版面配置區 2"/>
-          <p:cNvSpPr>
-            <a:spLocks noGrp="1"/>
-          </p:cNvSpPr>
-          <p:nvPr>
-            <p:ph idx="1"/>
-          </p:nvPr>
-        </p:nvSpPr>
-        <p:spPr/>
-        <p:txBody>
-          <a:bodyPr/>
-          <a:lstStyle/>
-          <a:p>
+              <a:t>Mario Competition 2009 Champion</a:t>
+            </a:r>
+          </a:p>
+          <a:p>
+            <a:pPr lvl="1"/>
             <a:r>
               <a:rPr lang="en-CA" dirty="0" smtClean="0"/>
-              <a:t>A*</a:t>
-            </a:r>
-          </a:p>
-          <a:p>
-            <a:r>
-              <a:rPr lang="en-CA" dirty="0" smtClean="0"/>
-              <a:t>Assume a perfect knowledge about the game</a:t>
-            </a:r>
-          </a:p>
-          <a:p>
-            <a:pPr lvl="1"/>
-            <a:r>
-              <a:rPr lang="en-CA" dirty="0" smtClean="0"/>
-              <a:t>Have access to the simulator interface</a:t>
-            </a:r>
-          </a:p>
-          <a:p>
-            <a:r>
-              <a:rPr lang="en-CA" dirty="0" smtClean="0"/>
-              <a:t>My approach: A* with “learned model”</a:t>
-            </a:r>
-          </a:p>
-          <a:p>
-            <a:pPr lvl="1"/>
-            <a:r>
-              <a:rPr lang="en-CA" dirty="0" smtClean="0"/>
-              <a:t>And static assumption</a:t>
-            </a:r>
+              <a:t>RL Competition 2009 Champion</a:t>
+            </a:r>
+          </a:p>
+          <a:p>
+            <a:pPr lvl="1">
+              <a:buNone/>
+            </a:pPr>
             <a:endParaRPr lang="en-CA" dirty="0"/>
           </a:p>
         </p:txBody>
@@ -28731,13 +29815,9 @@
           <a:p>
             <a:r>
               <a:rPr lang="en-CA" dirty="0" smtClean="0"/>
-              <a:t>Static </a:t>
-            </a:r>
-            <a:r>
-              <a:rPr lang="en-CA" smtClean="0"/>
-              <a:t>Assumption Planning</a:t>
-            </a:r>
-            <a:endParaRPr lang="en-CA"/>
+              <a:t>Mario Competition 2009</a:t>
+            </a:r>
+            <a:endParaRPr lang="en-CA" dirty="0"/>
           </a:p>
         </p:txBody>
       </p:sp>
@@ -28758,54 +29838,34 @@
           <a:p>
             <a:r>
               <a:rPr lang="en-CA" dirty="0" smtClean="0"/>
-              <a:t>Learner</a:t>
+              <a:t>A*</a:t>
+            </a:r>
+          </a:p>
+          <a:p>
+            <a:r>
+              <a:rPr lang="en-CA" dirty="0" smtClean="0"/>
+              <a:t>Assume a perfect knowledge about the game</a:t>
             </a:r>
           </a:p>
           <a:p>
             <a:pPr lvl="1"/>
             <a:r>
               <a:rPr lang="en-CA" dirty="0" smtClean="0"/>
-              <a:t>Regression Tree</a:t>
+              <a:t>Have access to the simulator interface</a:t>
+            </a:r>
+          </a:p>
+          <a:p>
+            <a:r>
+              <a:rPr lang="en-CA" dirty="0" smtClean="0"/>
+              <a:t>My approach: A* with “learned model”</a:t>
             </a:r>
           </a:p>
           <a:p>
             <a:pPr lvl="1"/>
             <a:r>
               <a:rPr lang="en-CA" dirty="0" smtClean="0"/>
-              <a:t>Predict the future location of </a:t>
-            </a:r>
-            <a:r>
-              <a:rPr lang="en-CA" dirty="0" err="1" smtClean="0"/>
-              <a:t>mario</a:t>
-            </a:r>
-            <a:r>
-              <a:rPr lang="en-CA" dirty="0" smtClean="0"/>
-              <a:t>, and speed and reward</a:t>
-            </a:r>
-          </a:p>
-          <a:p>
-            <a:pPr lvl="1"/>
-            <a:r>
-              <a:rPr lang="en-CA" dirty="0" smtClean="0"/>
-              <a:t>Heuristic to reduce the branch</a:t>
-            </a:r>
-          </a:p>
-          <a:p>
-            <a:pPr lvl="2"/>
-            <a:r>
-              <a:rPr lang="en-CA" dirty="0" smtClean="0"/>
-              <a:t>Jump</a:t>
-            </a:r>
-          </a:p>
-          <a:p>
-            <a:pPr lvl="2"/>
-            <a:r>
-              <a:rPr lang="en-CA" dirty="0" smtClean="0"/>
-              <a:t>From HORDQ</a:t>
-            </a:r>
-          </a:p>
-          <a:p>
-            <a:pPr lvl="1"/>
+              <a:t>And static assumption</a:t>
+            </a:r>
             <a:endParaRPr lang="en-CA" dirty="0"/>
           </a:p>
         </p:txBody>
@@ -28857,6 +29917,14 @@
           <a:bodyPr/>
           <a:lstStyle/>
           <a:p>
+            <a:r>
+              <a:rPr lang="en-CA" dirty="0" smtClean="0"/>
+              <a:t>Static </a:t>
+            </a:r>
+            <a:r>
+              <a:rPr lang="en-CA" smtClean="0"/>
+              <a:t>Assumption Planning</a:t>
+            </a:r>
             <a:endParaRPr lang="en-CA"/>
           </a:p>
         </p:txBody>
@@ -28873,141 +29941,59 @@
         </p:nvSpPr>
         <p:spPr/>
         <p:txBody>
-          <a:bodyPr>
-            <a:normAutofit fontScale="85000" lnSpcReduction="20000"/>
-          </a:bodyPr>
+          <a:bodyPr/>
           <a:lstStyle/>
           <a:p>
             <a:r>
               <a:rPr lang="en-CA" dirty="0" smtClean="0"/>
-              <a:t>Mario:</a:t>
+              <a:t>Learner</a:t>
             </a:r>
           </a:p>
           <a:p>
             <a:pPr lvl="1"/>
             <a:r>
               <a:rPr lang="en-CA" dirty="0" smtClean="0"/>
-              <a:t>Why model-based is </a:t>
+              <a:t>Regression Tree</a:t>
+            </a:r>
+          </a:p>
+          <a:p>
+            <a:pPr lvl="1"/>
+            <a:r>
+              <a:rPr lang="en-CA" dirty="0" smtClean="0"/>
+              <a:t>Predict the future location of </a:t>
             </a:r>
             <a:r>
               <a:rPr lang="en-CA" dirty="0" err="1" smtClean="0"/>
-              <a:t>neccessary</a:t>
+              <a:t>mario</a:t>
             </a:r>
             <a:r>
               <a:rPr lang="en-CA" dirty="0" smtClean="0"/>
-              <a:t>-&gt;the pit</a:t>
+              <a:t>, and speed and reward</a:t>
+            </a:r>
+          </a:p>
+          <a:p>
+            <a:pPr lvl="1"/>
+            <a:r>
+              <a:rPr lang="en-CA" dirty="0" smtClean="0"/>
+              <a:t>Heuristic to reduce the branch</a:t>
             </a:r>
           </a:p>
           <a:p>
             <a:pPr lvl="2"/>
             <a:r>
               <a:rPr lang="en-CA" dirty="0" smtClean="0"/>
-              <a:t>Model-based can model the terrain, but model-free cannot</a:t>
+              <a:t>Jump</a:t>
+            </a:r>
+          </a:p>
+          <a:p>
+            <a:pPr lvl="2"/>
+            <a:r>
+              <a:rPr lang="en-CA" dirty="0" smtClean="0"/>
+              <a:t>From HORDQ</a:t>
             </a:r>
           </a:p>
           <a:p>
             <a:pPr lvl="1"/>
-            <a:r>
-              <a:rPr lang="en-CA" dirty="0" smtClean="0"/>
-              <a:t>Why model-free is </a:t>
-            </a:r>
-            <a:r>
-              <a:rPr lang="en-CA" dirty="0" err="1" smtClean="0"/>
-              <a:t>neccessary</a:t>
-            </a:r>
-            <a:r>
-              <a:rPr lang="en-CA" dirty="0" smtClean="0"/>
-              <a:t> -&gt;</a:t>
-            </a:r>
-          </a:p>
-          <a:p>
-            <a:pPr lvl="2"/>
-            <a:r>
-              <a:rPr lang="en-CA" dirty="0" smtClean="0"/>
-              <a:t>Not everything can be modeled –</a:t>
-            </a:r>
-          </a:p>
-          <a:p>
-            <a:pPr lvl="3"/>
-            <a:r>
-              <a:rPr lang="en-CA" dirty="0" smtClean="0"/>
-              <a:t>We don’t know when</a:t>
-            </a:r>
-          </a:p>
-          <a:p>
-            <a:pPr lvl="3"/>
-            <a:r>
-              <a:rPr lang="en-CA" dirty="0" smtClean="0"/>
-              <a:t>Moving monster</a:t>
-            </a:r>
-          </a:p>
-          <a:p>
-            <a:pPr lvl="3"/>
-            <a:r>
-              <a:rPr lang="en-CA" dirty="0" smtClean="0"/>
-              <a:t> Turtle will be turned into shell Turtle-&gt;shell</a:t>
-            </a:r>
-          </a:p>
-          <a:p>
-            <a:pPr lvl="3"/>
-            <a:r>
-              <a:rPr lang="en-CA" dirty="0" smtClean="0"/>
-              <a:t>Kick shell to the wall</a:t>
-            </a:r>
-          </a:p>
-          <a:p>
-            <a:pPr lvl="3"/>
-            <a:r>
-              <a:rPr lang="en-CA" dirty="0" err="1" smtClean="0"/>
-              <a:t>Piraha</a:t>
-            </a:r>
-            <a:r>
-              <a:rPr lang="en-CA" dirty="0" smtClean="0"/>
-              <a:t> flower</a:t>
-            </a:r>
-          </a:p>
-          <a:p>
-            <a:pPr lvl="3"/>
-            <a:r>
-              <a:rPr lang="en-CA" dirty="0" smtClean="0"/>
-              <a:t>Monsters comes out from right edge of the screen</a:t>
-            </a:r>
-          </a:p>
-          <a:p>
-            <a:pPr lvl="3"/>
-            <a:r>
-              <a:rPr lang="en-CA" dirty="0" smtClean="0"/>
-              <a:t>Fireball kills the monster</a:t>
-            </a:r>
-          </a:p>
-          <a:p>
-            <a:pPr lvl="2"/>
-            <a:r>
-              <a:rPr lang="en-CA" dirty="0" smtClean="0"/>
-              <a:t>Mario is the only moving subject</a:t>
-            </a:r>
-          </a:p>
-          <a:p>
-            <a:pPr lvl="2"/>
-            <a:r>
-              <a:rPr lang="en-CA" dirty="0" smtClean="0"/>
-              <a:t>No 100% </a:t>
-            </a:r>
-            <a:r>
-              <a:rPr lang="en-CA" dirty="0" err="1" smtClean="0"/>
-              <a:t>accurary</a:t>
-            </a:r>
-            <a:r>
-              <a:rPr lang="en-CA" dirty="0" smtClean="0"/>
-              <a:t> classifier</a:t>
-            </a:r>
-          </a:p>
-          <a:p>
-            <a:pPr lvl="3"/>
-            <a:r>
-              <a:rPr lang="en-CA" dirty="0" smtClean="0"/>
-              <a:t>It will make a suboptimal decision at some point</a:t>
-            </a:r>
             <a:endParaRPr lang="en-CA" dirty="0"/>
           </a:p>
         </p:txBody>
@@ -29059,7 +30045,7 @@
           <a:bodyPr/>
           <a:lstStyle/>
           <a:p>
-            <a:endParaRPr lang="zh-TW" altLang="en-US"/>
+            <a:endParaRPr lang="en-CA"/>
           </a:p>
         </p:txBody>
       </p:sp>
@@ -29075,28 +30061,142 @@
         </p:nvSpPr>
         <p:spPr/>
         <p:txBody>
-          <a:bodyPr/>
-          <a:lstStyle/>
-          <a:p>
-            <a:r>
-              <a:rPr lang="en-US" altLang="zh-TW" dirty="0" smtClean="0"/>
-              <a:t>A picture with moving path</a:t>
+          <a:bodyPr>
+            <a:normAutofit fontScale="85000" lnSpcReduction="20000"/>
+          </a:bodyPr>
+          <a:lstStyle/>
+          <a:p>
+            <a:r>
+              <a:rPr lang="en-CA" dirty="0" smtClean="0"/>
+              <a:t>Mario:</a:t>
             </a:r>
           </a:p>
           <a:p>
             <a:pPr lvl="1"/>
             <a:r>
-              <a:rPr lang="en-US" altLang="zh-TW" dirty="0" smtClean="0"/>
-              <a:t>No monster </a:t>
+              <a:rPr lang="en-CA" dirty="0" smtClean="0"/>
+              <a:t>Why model-based is </a:t>
+            </a:r>
+            <a:r>
+              <a:rPr lang="en-CA" dirty="0" err="1" smtClean="0"/>
+              <a:t>neccessary</a:t>
+            </a:r>
+            <a:r>
+              <a:rPr lang="en-CA" dirty="0" smtClean="0"/>
+              <a:t>-&gt;the pit</a:t>
+            </a:r>
+          </a:p>
+          <a:p>
+            <a:pPr lvl="2"/>
+            <a:r>
+              <a:rPr lang="en-CA" dirty="0" smtClean="0"/>
+              <a:t>Model-based can model the terrain, but model-free cannot</a:t>
             </a:r>
           </a:p>
           <a:p>
             <a:pPr lvl="1"/>
             <a:r>
-              <a:rPr lang="en-US" altLang="zh-TW" dirty="0" smtClean="0"/>
-              <a:t>To show how Model-based approach can work</a:t>
-            </a:r>
-            <a:endParaRPr lang="zh-TW" altLang="en-US" dirty="0"/>
+              <a:rPr lang="en-CA" dirty="0" smtClean="0"/>
+              <a:t>Why model-free is </a:t>
+            </a:r>
+            <a:r>
+              <a:rPr lang="en-CA" dirty="0" err="1" smtClean="0"/>
+              <a:t>neccessary</a:t>
+            </a:r>
+            <a:r>
+              <a:rPr lang="en-CA" dirty="0" smtClean="0"/>
+              <a:t> -&gt;</a:t>
+            </a:r>
+          </a:p>
+          <a:p>
+            <a:pPr lvl="2"/>
+            <a:r>
+              <a:rPr lang="en-CA" dirty="0" smtClean="0"/>
+              <a:t>Not everything can be modeled –</a:t>
+            </a:r>
+          </a:p>
+          <a:p>
+            <a:pPr lvl="3"/>
+            <a:r>
+              <a:rPr lang="en-CA" dirty="0" smtClean="0"/>
+              <a:t>We don’t know when</a:t>
+            </a:r>
+          </a:p>
+          <a:p>
+            <a:pPr lvl="3"/>
+            <a:r>
+              <a:rPr lang="en-CA" dirty="0" smtClean="0"/>
+              <a:t>Moving monster</a:t>
+            </a:r>
+          </a:p>
+          <a:p>
+            <a:pPr lvl="3"/>
+            <a:r>
+              <a:rPr lang="en-CA" dirty="0" smtClean="0"/>
+              <a:t> Turtle will be turned into shell Turtle-&gt;shell</a:t>
+            </a:r>
+          </a:p>
+          <a:p>
+            <a:pPr lvl="3"/>
+            <a:r>
+              <a:rPr lang="en-CA" dirty="0" smtClean="0"/>
+              <a:t>Kick shell to the wall</a:t>
+            </a:r>
+          </a:p>
+          <a:p>
+            <a:pPr lvl="3"/>
+            <a:r>
+              <a:rPr lang="en-CA" dirty="0" err="1" smtClean="0"/>
+              <a:t>Piraha</a:t>
+            </a:r>
+            <a:r>
+              <a:rPr lang="en-CA" dirty="0" smtClean="0"/>
+              <a:t> flower</a:t>
+            </a:r>
+          </a:p>
+          <a:p>
+            <a:pPr lvl="3"/>
+            <a:r>
+              <a:rPr lang="en-CA" dirty="0" smtClean="0"/>
+              <a:t>Monsters comes out from right edge of the screen</a:t>
+            </a:r>
+          </a:p>
+          <a:p>
+            <a:pPr lvl="3"/>
+            <a:r>
+              <a:rPr lang="en-CA" dirty="0" smtClean="0"/>
+              <a:t>Fireball kills the monster</a:t>
+            </a:r>
+          </a:p>
+          <a:p>
+            <a:pPr lvl="2"/>
+            <a:r>
+              <a:rPr lang="en-CA" dirty="0" smtClean="0"/>
+              <a:t>Mario is the only moving subject</a:t>
+            </a:r>
+          </a:p>
+          <a:p>
+            <a:pPr lvl="2"/>
+            <a:r>
+              <a:rPr lang="en-CA" dirty="0" smtClean="0"/>
+              <a:t>No 100% </a:t>
+            </a:r>
+            <a:r>
+              <a:rPr lang="en-CA" dirty="0" err="1" smtClean="0"/>
+              <a:t>accurary</a:t>
+            </a:r>
+            <a:r>
+              <a:rPr lang="en-CA" dirty="0" smtClean="0"/>
+              <a:t> classifier</a:t>
+            </a:r>
+          </a:p>
+          <a:p>
+            <a:pPr lvl="3"/>
+            <a:r>
+              <a:rPr lang="en-CA" dirty="0" smtClean="0"/>
+              <a:t>It will make a suboptimal decision at some point</a:t>
+            </a:r>
+            <a:endParaRPr lang="en-CA" dirty="0"/>
           </a:p>
         </p:txBody>
       </p:sp>
@@ -29168,55 +30268,21 @@
           <a:p>
             <a:r>
               <a:rPr lang="en-US" altLang="zh-TW" dirty="0" smtClean="0"/>
-              <a:t>No dynamic programming anymore</a:t>
+              <a:t>A picture with moving path</a:t>
             </a:r>
           </a:p>
           <a:p>
             <a:pPr lvl="1"/>
             <a:r>
               <a:rPr lang="en-US" altLang="zh-TW" dirty="0" smtClean="0"/>
-              <a:t>(x, y, </a:t>
-            </a:r>
-            <a:r>
-              <a:rPr lang="en-US" altLang="zh-TW" dirty="0" err="1" smtClean="0"/>
-              <a:t>dx</a:t>
-            </a:r>
+              <a:t>No monster </a:t>
+            </a:r>
+          </a:p>
+          <a:p>
+            <a:pPr lvl="1"/>
             <a:r>
               <a:rPr lang="en-US" altLang="zh-TW" dirty="0" smtClean="0"/>
-              <a:t>, </a:t>
-            </a:r>
-            <a:r>
-              <a:rPr lang="en-US" altLang="zh-TW" dirty="0" err="1" smtClean="0"/>
-              <a:t>dy</a:t>
-            </a:r>
-            <a:r>
-              <a:rPr lang="en-US" altLang="zh-TW" dirty="0" smtClean="0"/>
-              <a:t>) is too huge to </a:t>
-            </a:r>
-            <a:r>
-              <a:rPr lang="en-US" altLang="zh-TW" dirty="0" err="1" smtClean="0"/>
-              <a:t>emeuerate</a:t>
-            </a:r>
-            <a:endParaRPr lang="en-US" altLang="zh-TW" dirty="0" smtClean="0"/>
-          </a:p>
-          <a:p>
-            <a:r>
-              <a:rPr lang="en-US" altLang="zh-TW" dirty="0" smtClean="0"/>
-              <a:t>Use k-step look ahead planning</a:t>
-            </a:r>
-          </a:p>
-          <a:p>
-            <a:pPr lvl="1"/>
-            <a:r>
-              <a:rPr lang="en-US" altLang="zh-TW" dirty="0" smtClean="0"/>
-              <a:t>Similar to Robin’s idea</a:t>
-            </a:r>
-          </a:p>
-          <a:p>
-            <a:pPr lvl="1"/>
-            <a:r>
-              <a:rPr lang="en-US" altLang="zh-TW" dirty="0" smtClean="0"/>
-              <a:t>Search for N nodes</a:t>
+              <a:t>To show how Model-based approach can work</a:t>
             </a:r>
             <a:endParaRPr lang="zh-TW" altLang="en-US" dirty="0"/>
           </a:p>
@@ -29290,43 +30356,57 @@
           <a:p>
             <a:r>
               <a:rPr lang="en-US" altLang="zh-TW" dirty="0" smtClean="0"/>
-              <a:t>Model-free</a:t>
+              <a:t>No dynamic programming anymore</a:t>
             </a:r>
           </a:p>
           <a:p>
             <a:pPr lvl="1"/>
             <a:r>
               <a:rPr lang="en-US" altLang="zh-TW" dirty="0" smtClean="0"/>
-              <a:t>Use </a:t>
+              <a:t>(x, y, </a:t>
             </a:r>
             <a:r>
               <a:rPr lang="en-US" altLang="zh-TW" dirty="0" err="1" smtClean="0"/>
-              <a:t>xx’s</a:t>
+              <a:t>dx</a:t>
             </a:r>
             <a:r>
               <a:rPr lang="en-US" altLang="zh-TW" dirty="0" smtClean="0"/>
-              <a:t> idea</a:t>
+              <a:t>, </a:t>
+            </a:r>
+            <a:r>
+              <a:rPr lang="en-US" altLang="zh-TW" dirty="0" err="1" smtClean="0"/>
+              <a:t>dy</a:t>
+            </a:r>
+            <a:r>
+              <a:rPr lang="en-US" altLang="zh-TW" dirty="0" smtClean="0"/>
+              <a:t>) is too huge to </a:t>
+            </a:r>
+            <a:r>
+              <a:rPr lang="en-US" altLang="zh-TW" dirty="0" err="1" smtClean="0"/>
+              <a:t>emeuerate</a:t>
+            </a:r>
+            <a:endParaRPr lang="en-US" altLang="zh-TW" dirty="0" smtClean="0"/>
+          </a:p>
+          <a:p>
+            <a:r>
+              <a:rPr lang="en-US" altLang="zh-TW" dirty="0" smtClean="0"/>
+              <a:t>Use k-step look ahead planning</a:t>
             </a:r>
           </a:p>
           <a:p>
             <a:pPr lvl="1"/>
             <a:r>
               <a:rPr lang="en-US" altLang="zh-TW" dirty="0" smtClean="0"/>
-              <a:t>State </a:t>
-            </a:r>
-            <a:r>
-              <a:rPr lang="en-US" altLang="zh-TW" dirty="0" err="1" smtClean="0"/>
-              <a:t>abstraciton</a:t>
-            </a:r>
-            <a:endParaRPr lang="en-US" altLang="zh-TW" dirty="0" smtClean="0"/>
+              <a:t>Similar to Robin’s idea</a:t>
+            </a:r>
           </a:p>
           <a:p>
             <a:pPr lvl="1"/>
             <a:r>
-              <a:rPr lang="en-US" altLang="zh-TW" smtClean="0"/>
-              <a:t>Feature </a:t>
-            </a:r>
-            <a:endParaRPr lang="zh-TW" altLang="en-US"/>
+              <a:rPr lang="en-US" altLang="zh-TW" dirty="0" smtClean="0"/>
+              <a:t>Search for N nodes</a:t>
+            </a:r>
+            <a:endParaRPr lang="zh-TW" altLang="en-US" dirty="0"/>
           </a:p>
         </p:txBody>
       </p:sp>
@@ -29377,7 +30457,7 @@
           <a:bodyPr/>
           <a:lstStyle/>
           <a:p>
-            <a:endParaRPr lang="en-CA"/>
+            <a:endParaRPr lang="zh-TW" altLang="en-US"/>
           </a:p>
         </p:txBody>
       </p:sp>
@@ -29397,48 +30477,44 @@
           <a:lstStyle/>
           <a:p>
             <a:r>
-              <a:rPr lang="en-CA" b="1" dirty="0" smtClean="0"/>
-              <a:t>Pavlov’s pet </a:t>
-            </a:r>
-          </a:p>
-          <a:p>
-            <a:r>
-              <a:rPr lang="en-CA" dirty="0" err="1" smtClean="0"/>
-              <a:t>SaeHoon</a:t>
-            </a:r>
-            <a:r>
-              <a:rPr lang="en-CA" dirty="0" smtClean="0"/>
-              <a:t> Yi (USA)</a:t>
-            </a:r>
-          </a:p>
-          <a:p>
-            <a:r>
-              <a:rPr lang="en-CA" dirty="0" smtClean="0"/>
-              <a:t>• Paul </a:t>
-            </a:r>
-            <a:r>
-              <a:rPr lang="en-CA" dirty="0" err="1" smtClean="0"/>
-              <a:t>Ringstad</a:t>
-            </a:r>
-            <a:r>
-              <a:rPr lang="en-CA" dirty="0" smtClean="0"/>
-              <a:t> (USA)</a:t>
-            </a:r>
-          </a:p>
-          <a:p>
-            <a:r>
-              <a:rPr lang="en-CA" dirty="0" smtClean="0"/>
-              <a:t>• </a:t>
-            </a:r>
-            <a:r>
-              <a:rPr lang="en-CA" dirty="0" err="1" smtClean="0"/>
-              <a:t>Fengming</a:t>
-            </a:r>
-            <a:r>
-              <a:rPr lang="en-CA" dirty="0" smtClean="0"/>
-              <a:t> Wang (USA)</a:t>
-            </a:r>
-            <a:endParaRPr lang="en-CA" dirty="0"/>
+              <a:rPr lang="en-US" altLang="zh-TW" dirty="0" smtClean="0"/>
+              <a:t>Model-free</a:t>
+            </a:r>
+          </a:p>
+          <a:p>
+            <a:pPr lvl="1"/>
+            <a:r>
+              <a:rPr lang="en-US" altLang="zh-TW" dirty="0" smtClean="0"/>
+              <a:t>Use </a:t>
+            </a:r>
+            <a:r>
+              <a:rPr lang="en-US" altLang="zh-TW" dirty="0" err="1" smtClean="0"/>
+              <a:t>xx’s</a:t>
+            </a:r>
+            <a:r>
+              <a:rPr lang="en-US" altLang="zh-TW" dirty="0" smtClean="0"/>
+              <a:t> idea</a:t>
+            </a:r>
+          </a:p>
+          <a:p>
+            <a:pPr lvl="1"/>
+            <a:r>
+              <a:rPr lang="en-US" altLang="zh-TW" dirty="0" smtClean="0"/>
+              <a:t>State </a:t>
+            </a:r>
+            <a:r>
+              <a:rPr lang="en-US" altLang="zh-TW" dirty="0" err="1" smtClean="0"/>
+              <a:t>abstraciton</a:t>
+            </a:r>
+            <a:endParaRPr lang="en-US" altLang="zh-TW" dirty="0" smtClean="0"/>
+          </a:p>
+          <a:p>
+            <a:pPr lvl="1"/>
+            <a:r>
+              <a:rPr lang="en-US" altLang="zh-TW" smtClean="0"/>
+              <a:t>Feature </a:t>
+            </a:r>
+            <a:endParaRPr lang="zh-TW" altLang="en-US"/>
           </a:p>
         </p:txBody>
       </p:sp>
@@ -29489,7 +30565,7 @@
           <a:bodyPr/>
           <a:lstStyle/>
           <a:p>
-            <a:endParaRPr lang="zh-TW" altLang="en-US"/>
+            <a:endParaRPr lang="en-CA"/>
           </a:p>
         </p:txBody>
       </p:sp>
@@ -29505,80 +30581,52 @@
         </p:nvSpPr>
         <p:spPr/>
         <p:txBody>
-          <a:bodyPr>
-            <a:normAutofit lnSpcReduction="10000"/>
-          </a:bodyPr>
-          <a:lstStyle/>
-          <a:p>
-            <a:r>
-              <a:rPr lang="en-US" altLang="zh-TW" dirty="0" smtClean="0"/>
-              <a:t>The Hierarchy for Mario</a:t>
-            </a:r>
-          </a:p>
-          <a:p>
-            <a:pPr lvl="1"/>
-            <a:r>
-              <a:rPr lang="en-US" altLang="zh-TW" dirty="0" err="1" smtClean="0"/>
-              <a:t>Pics</a:t>
-            </a:r>
-            <a:r>
-              <a:rPr lang="en-US" altLang="zh-TW" dirty="0" smtClean="0"/>
-              <a:t> here</a:t>
-            </a:r>
-          </a:p>
-          <a:p>
-            <a:pPr lvl="1"/>
-            <a:r>
-              <a:rPr lang="en-US" altLang="zh-TW" dirty="0" smtClean="0"/>
-              <a:t>9 actions</a:t>
-            </a:r>
-          </a:p>
-          <a:p>
-            <a:r>
-              <a:rPr lang="en-US" altLang="zh-TW" dirty="0" smtClean="0"/>
-              <a:t>No temporal abstraction and spatial abstraction</a:t>
-            </a:r>
-          </a:p>
-          <a:p>
-            <a:pPr lvl="1"/>
-            <a:r>
-              <a:rPr lang="en-US" altLang="zh-TW" dirty="0" smtClean="0"/>
-              <a:t>No benefit from hierarchical representation</a:t>
-            </a:r>
-          </a:p>
-          <a:p>
-            <a:pPr lvl="1"/>
-            <a:r>
-              <a:rPr lang="en-US" altLang="zh-TW" dirty="0" smtClean="0"/>
-              <a:t>All subtasks finished in single step</a:t>
-            </a:r>
-          </a:p>
-          <a:p>
-            <a:r>
-              <a:rPr lang="en-US" altLang="zh-TW" dirty="0" smtClean="0"/>
-              <a:t>The benefit from my </a:t>
-            </a:r>
-            <a:r>
-              <a:rPr lang="en-US" altLang="zh-TW" dirty="0" err="1" smtClean="0"/>
-              <a:t>appraoch</a:t>
-            </a:r>
-            <a:endParaRPr lang="en-US" altLang="zh-TW" dirty="0" smtClean="0"/>
-          </a:p>
-          <a:p>
-            <a:pPr lvl="1"/>
-            <a:r>
-              <a:rPr lang="en-US" altLang="zh-TW" dirty="0" smtClean="0"/>
-              <a:t>The combination of two complementary </a:t>
-            </a:r>
-            <a:r>
-              <a:rPr lang="en-US" altLang="zh-TW" dirty="0" err="1" smtClean="0"/>
-              <a:t>appraoch</a:t>
-            </a:r>
-            <a:endParaRPr lang="en-US" altLang="zh-TW" dirty="0" smtClean="0"/>
-          </a:p>
-          <a:p>
-            <a:pPr lvl="1"/>
-            <a:endParaRPr lang="zh-TW" altLang="en-US" dirty="0"/>
+          <a:bodyPr/>
+          <a:lstStyle/>
+          <a:p>
+            <a:r>
+              <a:rPr lang="en-CA" b="1" dirty="0" smtClean="0"/>
+              <a:t>Pavlov’s pet </a:t>
+            </a:r>
+          </a:p>
+          <a:p>
+            <a:r>
+              <a:rPr lang="en-CA" dirty="0" err="1" smtClean="0"/>
+              <a:t>SaeHoon</a:t>
+            </a:r>
+            <a:r>
+              <a:rPr lang="en-CA" dirty="0" smtClean="0"/>
+              <a:t> Yi (USA)</a:t>
+            </a:r>
+          </a:p>
+          <a:p>
+            <a:r>
+              <a:rPr lang="en-CA" dirty="0" smtClean="0"/>
+              <a:t>• Paul </a:t>
+            </a:r>
+            <a:r>
+              <a:rPr lang="en-CA" dirty="0" err="1" smtClean="0"/>
+              <a:t>Ringstad</a:t>
+            </a:r>
+            <a:r>
+              <a:rPr lang="en-CA" dirty="0" smtClean="0"/>
+              <a:t> (USA)</a:t>
+            </a:r>
+          </a:p>
+          <a:p>
+            <a:r>
+              <a:rPr lang="en-CA" dirty="0" smtClean="0"/>
+              <a:t>• </a:t>
+            </a:r>
+            <a:r>
+              <a:rPr lang="en-CA" dirty="0" err="1" smtClean="0"/>
+              <a:t>Fengming</a:t>
+            </a:r>
+            <a:r>
+              <a:rPr lang="en-CA" dirty="0" smtClean="0"/>
+              <a:t> Wang (USA)</a:t>
+            </a:r>
+            <a:endParaRPr lang="en-CA" dirty="0"/>
           </a:p>
         </p:txBody>
       </p:sp>
@@ -29645,19 +30693,79 @@
         </p:nvSpPr>
         <p:spPr/>
         <p:txBody>
-          <a:bodyPr/>
+          <a:bodyPr>
+            <a:normAutofit lnSpcReduction="10000"/>
+          </a:bodyPr>
           <a:lstStyle/>
           <a:p>
             <a:r>
               <a:rPr lang="en-US" altLang="zh-TW" dirty="0" smtClean="0"/>
-              <a:t>Why model-based approach can handle pit?</a:t>
-            </a:r>
-          </a:p>
-          <a:p>
+              <a:t>The Hierarchy for Mario</a:t>
+            </a:r>
+          </a:p>
+          <a:p>
+            <a:pPr lvl="1"/>
+            <a:r>
+              <a:rPr lang="en-US" altLang="zh-TW" dirty="0" err="1" smtClean="0"/>
+              <a:t>Pics</a:t>
+            </a:r>
             <a:r>
               <a:rPr lang="en-US" altLang="zh-TW" dirty="0" smtClean="0"/>
-              <a:t>Why model-free approach can’t?</a:t>
-            </a:r>
+              <a:t> here</a:t>
+            </a:r>
+          </a:p>
+          <a:p>
+            <a:pPr lvl="1"/>
+            <a:r>
+              <a:rPr lang="en-US" altLang="zh-TW" dirty="0" smtClean="0"/>
+              <a:t>9 actions</a:t>
+            </a:r>
+          </a:p>
+          <a:p>
+            <a:r>
+              <a:rPr lang="en-US" altLang="zh-TW" dirty="0" smtClean="0"/>
+              <a:t>No temporal abstraction and spatial abstraction</a:t>
+            </a:r>
+          </a:p>
+          <a:p>
+            <a:pPr lvl="1"/>
+            <a:r>
+              <a:rPr lang="en-US" altLang="zh-TW" dirty="0" smtClean="0"/>
+              <a:t>No benefit from hierarchical representation</a:t>
+            </a:r>
+          </a:p>
+          <a:p>
+            <a:pPr lvl="1"/>
+            <a:r>
+              <a:rPr lang="en-US" altLang="zh-TW" dirty="0" smtClean="0"/>
+              <a:t>All subtasks finished in single step</a:t>
+            </a:r>
+          </a:p>
+          <a:p>
+            <a:r>
+              <a:rPr lang="en-US" altLang="zh-TW" dirty="0" smtClean="0"/>
+              <a:t>The benefit from my </a:t>
+            </a:r>
+            <a:r>
+              <a:rPr lang="en-US" altLang="zh-TW" dirty="0" err="1" smtClean="0"/>
+              <a:t>appraoch</a:t>
+            </a:r>
+            <a:endParaRPr lang="en-US" altLang="zh-TW" dirty="0" smtClean="0"/>
+          </a:p>
+          <a:p>
+            <a:pPr lvl="1"/>
+            <a:r>
+              <a:rPr lang="en-US" altLang="zh-TW" dirty="0" smtClean="0"/>
+              <a:t>The combination of two complementary </a:t>
+            </a:r>
+            <a:r>
+              <a:rPr lang="en-US" altLang="zh-TW" dirty="0" err="1" smtClean="0"/>
+              <a:t>appraoch</a:t>
+            </a:r>
+            <a:endParaRPr lang="en-US" altLang="zh-TW" dirty="0" smtClean="0"/>
+          </a:p>
+          <a:p>
+            <a:pPr lvl="1"/>
             <a:endParaRPr lang="zh-TW" altLang="en-US" dirty="0"/>
           </a:p>
         </p:txBody>
@@ -29732,19 +30840,7 @@
           <a:p>
             <a:r>
               <a:rPr lang="en-CA" dirty="0" smtClean="0"/>
-              <a:t>Can we get </a:t>
-            </a:r>
-            <a:r>
-              <a:rPr lang="en-CA" dirty="0" smtClean="0"/>
-              <a:t>both </a:t>
-            </a:r>
-            <a:r>
-              <a:rPr lang="en-CA" dirty="0" smtClean="0"/>
-              <a:t>of it</a:t>
-            </a:r>
-            <a:r>
-              <a:rPr lang="en-CA" dirty="0" smtClean="0"/>
-              <a:t>?</a:t>
+              <a:t>Can we get both of it?</a:t>
             </a:r>
           </a:p>
           <a:p>
@@ -29760,31 +30856,13 @@
               <a:rPr lang="en-CA" dirty="0" smtClean="0"/>
               <a:t>Learns the optimal policy</a:t>
             </a:r>
-            <a:endParaRPr lang="en-CA" dirty="0" smtClean="0"/>
           </a:p>
           <a:p>
             <a:pPr lvl="2"/>
             <a:r>
               <a:rPr lang="en-CA" dirty="0" smtClean="0"/>
-              <a:t>When structural </a:t>
-            </a:r>
-            <a:r>
-              <a:rPr lang="en-CA" dirty="0" smtClean="0"/>
-              <a:t>a</a:t>
-            </a:r>
-            <a:r>
-              <a:rPr lang="en-CA" dirty="0" smtClean="0"/>
-              <a:t>ssumption of the model is </a:t>
-            </a:r>
-            <a:r>
-              <a:rPr lang="en-CA" dirty="0" smtClean="0"/>
-              <a:t>not </a:t>
-            </a:r>
-            <a:r>
-              <a:rPr lang="en-CA" dirty="0" smtClean="0"/>
-              <a:t>satisfied</a:t>
-            </a:r>
-            <a:endParaRPr lang="en-CA" dirty="0" smtClean="0"/>
+              <a:t>When structural assumption of the model is not satisfied</a:t>
+            </a:r>
           </a:p>
         </p:txBody>
       </p:sp>
@@ -29855,24 +30933,16 @@
           <a:lstStyle/>
           <a:p>
             <a:r>
-              <a:rPr lang="en-US" dirty="0" smtClean="0"/>
-              <a:t>Model-based approach encodes our prior knowledge about the </a:t>
-            </a:r>
-            <a:br>
-              <a:rPr lang="en-US" dirty="0" smtClean="0"/>
-            </a:br>
-            <a:r>
-              <a:rPr lang="en-US" dirty="0" smtClean="0"/>
-              <a:t>system dynamics. It is beneficial if the agent possess such knowledge.</a:t>
-            </a:r>
-            <a:br>
-              <a:rPr lang="en-US" dirty="0" smtClean="0"/>
-            </a:br>
-            <a:r>
-              <a:rPr lang="en-US" smtClean="0"/>
-              <a:t>However, our dynamical model may be not perfect....</a:t>
-            </a:r>
-            <a:endParaRPr lang="zh-TW" altLang="en-US"/>
+              <a:rPr lang="en-US" altLang="zh-TW" dirty="0" smtClean="0"/>
+              <a:t>Why model-based approach can handle pit?</a:t>
+            </a:r>
+          </a:p>
+          <a:p>
+            <a:r>
+              <a:rPr lang="en-US" altLang="zh-TW" dirty="0" smtClean="0"/>
+              <a:t>Why model-free approach can’t?</a:t>
+            </a:r>
+            <a:endParaRPr lang="zh-TW" altLang="en-US" dirty="0"/>
           </a:p>
         </p:txBody>
       </p:sp>
@@ -29910,7 +30980,7 @@
       </p:grpSpPr>
       <p:sp>
         <p:nvSpPr>
-          <p:cNvPr id="2" name="Title 1"/>
+          <p:cNvPr id="2" name="標題 1"/>
           <p:cNvSpPr>
             <a:spLocks noGrp="1"/>
           </p:cNvSpPr>
@@ -29923,471 +30993,47 @@
           <a:bodyPr/>
           <a:lstStyle/>
           <a:p>
+            <a:endParaRPr lang="zh-TW" altLang="en-US"/>
+          </a:p>
+        </p:txBody>
+      </p:sp>
+      <p:sp>
+        <p:nvSpPr>
+          <p:cNvPr id="3" name="內容版面配置區 2"/>
+          <p:cNvSpPr>
+            <a:spLocks noGrp="1"/>
+          </p:cNvSpPr>
+          <p:nvPr>
+            <p:ph idx="1"/>
+          </p:nvPr>
+        </p:nvSpPr>
+        <p:spPr/>
+        <p:txBody>
+          <a:bodyPr/>
+          <a:lstStyle/>
+          <a:p>
             <a:r>
               <a:rPr lang="en-US" dirty="0" smtClean="0"/>
-              <a:t>Infinite Mario</a:t>
-            </a:r>
-            <a:endParaRPr lang="en-US" dirty="0"/>
-          </a:p>
-        </p:txBody>
-      </p:sp>
-      <p:sp>
-        <p:nvSpPr>
-          <p:cNvPr id="5" name="TextBox 4"/>
-          <p:cNvSpPr txBox="1"/>
-          <p:nvPr/>
-        </p:nvSpPr>
-        <p:spPr>
-          <a:xfrm>
-            <a:off x="1600200" y="1752600"/>
-            <a:ext cx="4038600" cy="1077218"/>
-          </a:xfrm>
-          <a:prstGeom prst="rect">
-            <a:avLst/>
-          </a:prstGeom>
-          <a:noFill/>
-        </p:spPr>
-        <p:txBody>
-          <a:bodyPr wrap="square" rtlCol="0">
-            <a:spAutoFit/>
-          </a:bodyPr>
-          <a:lstStyle/>
-          <a:p>
-            <a:r>
-              <a:rPr lang="en-US" sz="1600" b="1" dirty="0" smtClean="0">
-                <a:solidFill>
-                  <a:schemeClr val="tx1">
-                    <a:lumMod val="50000"/>
-                    <a:lumOff val="50000"/>
-                  </a:schemeClr>
-                </a:solidFill>
-                <a:latin typeface="Tahoma" pitchFamily="34" charset="0"/>
-                <a:cs typeface="Tahoma" pitchFamily="34" charset="0"/>
-              </a:rPr>
-              <a:t>Mixed discrete continuous</a:t>
-            </a:r>
-          </a:p>
-          <a:p>
-            <a:r>
-              <a:rPr lang="en-US" sz="1600" b="1" dirty="0" smtClean="0">
-                <a:solidFill>
-                  <a:schemeClr val="tx1">
-                    <a:lumMod val="50000"/>
-                    <a:lumOff val="50000"/>
-                  </a:schemeClr>
-                </a:solidFill>
-                <a:latin typeface="Tahoma" pitchFamily="34" charset="0"/>
-                <a:cs typeface="Tahoma" pitchFamily="34" charset="0"/>
-              </a:rPr>
-              <a:t>Visible board, monster descriptions</a:t>
-            </a:r>
-          </a:p>
-          <a:p>
-            <a:r>
-              <a:rPr lang="en-US" sz="1600" b="1" dirty="0" smtClean="0">
-                <a:solidFill>
-                  <a:schemeClr val="tx1">
-                    <a:lumMod val="50000"/>
-                    <a:lumOff val="50000"/>
-                  </a:schemeClr>
-                </a:solidFill>
-                <a:latin typeface="Tahoma" pitchFamily="34" charset="0"/>
-                <a:cs typeface="Tahoma" pitchFamily="34" charset="0"/>
-              </a:rPr>
-              <a:t>Variable dimensionality</a:t>
-            </a:r>
-          </a:p>
-          <a:p>
-            <a:r>
-              <a:rPr lang="en-US" sz="1600" b="1" dirty="0" smtClean="0">
-                <a:solidFill>
-                  <a:schemeClr val="tx1">
-                    <a:lumMod val="50000"/>
-                    <a:lumOff val="50000"/>
-                  </a:schemeClr>
-                </a:solidFill>
-                <a:latin typeface="Tahoma" pitchFamily="34" charset="0"/>
-                <a:cs typeface="Tahoma" pitchFamily="34" charset="0"/>
-              </a:rPr>
-              <a:t>Compositional / object oriented </a:t>
-            </a:r>
-            <a:endParaRPr lang="en-US" sz="1600" b="1" dirty="0">
-              <a:solidFill>
-                <a:schemeClr val="tx1">
-                  <a:lumMod val="50000"/>
-                  <a:lumOff val="50000"/>
-                </a:schemeClr>
-              </a:solidFill>
-              <a:latin typeface="Tahoma" pitchFamily="34" charset="0"/>
-              <a:cs typeface="Tahoma" pitchFamily="34" charset="0"/>
-            </a:endParaRPr>
-          </a:p>
-        </p:txBody>
-      </p:sp>
-      <p:sp>
-        <p:nvSpPr>
-          <p:cNvPr id="6" name="TextBox 5"/>
-          <p:cNvSpPr txBox="1"/>
-          <p:nvPr/>
-        </p:nvSpPr>
-        <p:spPr>
-          <a:xfrm>
-            <a:off x="1143000" y="1447800"/>
-            <a:ext cx="4114800" cy="338554"/>
-          </a:xfrm>
-          <a:prstGeom prst="rect">
-            <a:avLst/>
-          </a:prstGeom>
-          <a:noFill/>
-        </p:spPr>
-        <p:txBody>
-          <a:bodyPr wrap="square" rtlCol="0">
-            <a:spAutoFit/>
-          </a:bodyPr>
-          <a:lstStyle/>
-          <a:p>
-            <a:r>
-              <a:rPr lang="en-US" sz="1600" b="1" dirty="0" smtClean="0">
-                <a:solidFill>
-                  <a:schemeClr val="tx1">
-                    <a:lumMod val="50000"/>
-                    <a:lumOff val="50000"/>
-                  </a:schemeClr>
-                </a:solidFill>
-                <a:latin typeface="Tahoma" pitchFamily="34" charset="0"/>
-                <a:cs typeface="Tahoma" pitchFamily="34" charset="0"/>
-              </a:rPr>
-              <a:t>Observation Space</a:t>
-            </a:r>
-            <a:endParaRPr lang="en-US" sz="1600" b="1" dirty="0">
-              <a:solidFill>
-                <a:schemeClr val="tx1">
-                  <a:lumMod val="50000"/>
-                  <a:lumOff val="50000"/>
-                </a:schemeClr>
-              </a:solidFill>
-              <a:latin typeface="Tahoma" pitchFamily="34" charset="0"/>
-              <a:cs typeface="Tahoma" pitchFamily="34" charset="0"/>
-            </a:endParaRPr>
-          </a:p>
-        </p:txBody>
-      </p:sp>
-      <p:sp>
-        <p:nvSpPr>
-          <p:cNvPr id="7" name="TextBox 6"/>
-          <p:cNvSpPr txBox="1"/>
-          <p:nvPr/>
-        </p:nvSpPr>
-        <p:spPr>
-          <a:xfrm>
-            <a:off x="1600200" y="3197423"/>
-            <a:ext cx="4953000" cy="584775"/>
-          </a:xfrm>
-          <a:prstGeom prst="rect">
-            <a:avLst/>
-          </a:prstGeom>
-          <a:noFill/>
-        </p:spPr>
-        <p:txBody>
-          <a:bodyPr wrap="square" rtlCol="0">
-            <a:spAutoFit/>
-          </a:bodyPr>
-          <a:lstStyle/>
-          <a:p>
-            <a:r>
-              <a:rPr lang="en-US" sz="1600" b="1" dirty="0" smtClean="0">
-                <a:solidFill>
-                  <a:schemeClr val="tx1">
-                    <a:lumMod val="50000"/>
-                    <a:lumOff val="50000"/>
-                  </a:schemeClr>
-                </a:solidFill>
-                <a:latin typeface="Tahoma" pitchFamily="34" charset="0"/>
-                <a:cs typeface="Tahoma" pitchFamily="34" charset="0"/>
-              </a:rPr>
-              <a:t>3 integers, representing the buttons</a:t>
-            </a:r>
-          </a:p>
-          <a:p>
-            <a:r>
-              <a:rPr lang="en-US" sz="1600" b="1" dirty="0" smtClean="0">
-                <a:solidFill>
-                  <a:schemeClr val="tx1">
-                    <a:lumMod val="50000"/>
-                    <a:lumOff val="50000"/>
-                  </a:schemeClr>
-                </a:solidFill>
-                <a:latin typeface="Tahoma" pitchFamily="34" charset="0"/>
-                <a:cs typeface="Tahoma" pitchFamily="34" charset="0"/>
-              </a:rPr>
-              <a:t>    on a Nintendo controller!</a:t>
-            </a:r>
-          </a:p>
-        </p:txBody>
-      </p:sp>
-      <p:sp>
-        <p:nvSpPr>
-          <p:cNvPr id="8" name="TextBox 7"/>
-          <p:cNvSpPr txBox="1"/>
-          <p:nvPr/>
-        </p:nvSpPr>
-        <p:spPr>
-          <a:xfrm>
-            <a:off x="1143000" y="2895600"/>
-            <a:ext cx="4114800" cy="338554"/>
-          </a:xfrm>
-          <a:prstGeom prst="rect">
-            <a:avLst/>
-          </a:prstGeom>
-          <a:noFill/>
-        </p:spPr>
-        <p:txBody>
-          <a:bodyPr wrap="square" rtlCol="0">
-            <a:spAutoFit/>
-          </a:bodyPr>
-          <a:lstStyle/>
-          <a:p>
-            <a:r>
-              <a:rPr lang="en-US" sz="1600" b="1" dirty="0" smtClean="0">
-                <a:solidFill>
-                  <a:schemeClr val="tx1">
-                    <a:lumMod val="50000"/>
-                    <a:lumOff val="50000"/>
-                  </a:schemeClr>
-                </a:solidFill>
-                <a:latin typeface="Tahoma" pitchFamily="34" charset="0"/>
-                <a:cs typeface="Tahoma" pitchFamily="34" charset="0"/>
-              </a:rPr>
-              <a:t>Action Space</a:t>
-            </a:r>
-            <a:endParaRPr lang="en-US" sz="1600" b="1" dirty="0">
-              <a:solidFill>
-                <a:schemeClr val="tx1">
-                  <a:lumMod val="50000"/>
-                  <a:lumOff val="50000"/>
-                </a:schemeClr>
-              </a:solidFill>
-              <a:latin typeface="Tahoma" pitchFamily="34" charset="0"/>
-              <a:cs typeface="Tahoma" pitchFamily="34" charset="0"/>
-            </a:endParaRPr>
-          </a:p>
-        </p:txBody>
-      </p:sp>
-      <p:sp>
-        <p:nvSpPr>
-          <p:cNvPr id="9" name="TextBox 8"/>
-          <p:cNvSpPr txBox="1"/>
-          <p:nvPr/>
-        </p:nvSpPr>
-        <p:spPr>
-          <a:xfrm>
-            <a:off x="1600200" y="4111823"/>
-            <a:ext cx="4953000" cy="338554"/>
-          </a:xfrm>
-          <a:prstGeom prst="rect">
-            <a:avLst/>
-          </a:prstGeom>
-          <a:noFill/>
-        </p:spPr>
-        <p:txBody>
-          <a:bodyPr wrap="square" rtlCol="0">
-            <a:spAutoFit/>
-          </a:bodyPr>
-          <a:lstStyle/>
-          <a:p>
-            <a:r>
-              <a:rPr lang="en-US" sz="1600" b="1" dirty="0" smtClean="0">
-                <a:solidFill>
-                  <a:schemeClr val="tx1">
-                    <a:lumMod val="50000"/>
-                    <a:lumOff val="50000"/>
-                  </a:schemeClr>
-                </a:solidFill>
-                <a:latin typeface="Tahoma" pitchFamily="34" charset="0"/>
-                <a:cs typeface="Tahoma" pitchFamily="34" charset="0"/>
-              </a:rPr>
-              <a:t>Variable (!)</a:t>
-            </a:r>
-            <a:endParaRPr lang="en-US" sz="1600" b="1" dirty="0">
-              <a:solidFill>
-                <a:schemeClr val="tx1">
-                  <a:lumMod val="50000"/>
-                  <a:lumOff val="50000"/>
-                </a:schemeClr>
-              </a:solidFill>
-              <a:latin typeface="Tahoma" pitchFamily="34" charset="0"/>
-              <a:cs typeface="Tahoma" pitchFamily="34" charset="0"/>
-            </a:endParaRPr>
-          </a:p>
-        </p:txBody>
-      </p:sp>
-      <p:sp>
-        <p:nvSpPr>
-          <p:cNvPr id="10" name="TextBox 9"/>
-          <p:cNvSpPr txBox="1"/>
-          <p:nvPr/>
-        </p:nvSpPr>
-        <p:spPr>
-          <a:xfrm>
-            <a:off x="1143000" y="3810000"/>
-            <a:ext cx="4114800" cy="338554"/>
-          </a:xfrm>
-          <a:prstGeom prst="rect">
-            <a:avLst/>
-          </a:prstGeom>
-          <a:noFill/>
-        </p:spPr>
-        <p:txBody>
-          <a:bodyPr wrap="square" rtlCol="0">
-            <a:spAutoFit/>
-          </a:bodyPr>
-          <a:lstStyle/>
-          <a:p>
-            <a:r>
-              <a:rPr lang="en-US" sz="1600" b="1" dirty="0" smtClean="0">
-                <a:solidFill>
-                  <a:schemeClr val="tx1">
-                    <a:lumMod val="50000"/>
-                    <a:lumOff val="50000"/>
-                  </a:schemeClr>
-                </a:solidFill>
-                <a:latin typeface="Tahoma" pitchFamily="34" charset="0"/>
-                <a:cs typeface="Tahoma" pitchFamily="34" charset="0"/>
-              </a:rPr>
-              <a:t>Rewards</a:t>
-            </a:r>
-            <a:endParaRPr lang="en-US" sz="1600" b="1" dirty="0">
-              <a:solidFill>
-                <a:schemeClr val="tx1">
-                  <a:lumMod val="50000"/>
-                  <a:lumOff val="50000"/>
-                </a:schemeClr>
-              </a:solidFill>
-              <a:latin typeface="Tahoma" pitchFamily="34" charset="0"/>
-              <a:cs typeface="Tahoma" pitchFamily="34" charset="0"/>
-            </a:endParaRPr>
-          </a:p>
-        </p:txBody>
-      </p:sp>
-      <p:sp>
-        <p:nvSpPr>
-          <p:cNvPr id="11" name="TextBox 10"/>
-          <p:cNvSpPr txBox="1"/>
-          <p:nvPr/>
-        </p:nvSpPr>
-        <p:spPr>
-          <a:xfrm>
-            <a:off x="1600200" y="4850487"/>
-            <a:ext cx="4953000" cy="584775"/>
-          </a:xfrm>
-          <a:prstGeom prst="rect">
-            <a:avLst/>
-          </a:prstGeom>
-          <a:noFill/>
-        </p:spPr>
-        <p:txBody>
-          <a:bodyPr wrap="square" rtlCol="0">
-            <a:spAutoFit/>
-          </a:bodyPr>
-          <a:lstStyle/>
-          <a:p>
-            <a:r>
-              <a:rPr lang="en-US" sz="1600" b="1" dirty="0" smtClean="0">
-                <a:solidFill>
-                  <a:schemeClr val="tx1">
-                    <a:lumMod val="50000"/>
-                    <a:lumOff val="50000"/>
-                  </a:schemeClr>
-                </a:solidFill>
-                <a:latin typeface="Tahoma" pitchFamily="34" charset="0"/>
-                <a:cs typeface="Tahoma" pitchFamily="34" charset="0"/>
-              </a:rPr>
-              <a:t>Speed, critter dynamics, reward function, action mappings</a:t>
-            </a:r>
-            <a:endParaRPr lang="en-US" sz="1600" b="1" dirty="0">
-              <a:solidFill>
-                <a:schemeClr val="tx1">
-                  <a:lumMod val="50000"/>
-                  <a:lumOff val="50000"/>
-                </a:schemeClr>
-              </a:solidFill>
-              <a:latin typeface="Tahoma" pitchFamily="34" charset="0"/>
-              <a:cs typeface="Tahoma" pitchFamily="34" charset="0"/>
-            </a:endParaRPr>
-          </a:p>
-        </p:txBody>
-      </p:sp>
-      <p:sp>
-        <p:nvSpPr>
-          <p:cNvPr id="12" name="TextBox 11"/>
-          <p:cNvSpPr txBox="1"/>
-          <p:nvPr/>
-        </p:nvSpPr>
-        <p:spPr>
-          <a:xfrm>
-            <a:off x="1143000" y="4548664"/>
-            <a:ext cx="4114800" cy="338554"/>
-          </a:xfrm>
-          <a:prstGeom prst="rect">
-            <a:avLst/>
-          </a:prstGeom>
-          <a:noFill/>
-        </p:spPr>
-        <p:txBody>
-          <a:bodyPr wrap="square" rtlCol="0">
-            <a:spAutoFit/>
-          </a:bodyPr>
-          <a:lstStyle/>
-          <a:p>
-            <a:r>
-              <a:rPr lang="en-US" sz="1600" b="1" dirty="0" smtClean="0">
-                <a:solidFill>
-                  <a:schemeClr val="tx1">
-                    <a:lumMod val="50000"/>
-                    <a:lumOff val="50000"/>
-                  </a:schemeClr>
-                </a:solidFill>
-                <a:latin typeface="Tahoma" pitchFamily="34" charset="0"/>
-                <a:cs typeface="Tahoma" pitchFamily="34" charset="0"/>
-              </a:rPr>
-              <a:t>Parameterization</a:t>
-            </a:r>
-            <a:endParaRPr lang="en-US" sz="1600" b="1" dirty="0">
-              <a:solidFill>
-                <a:schemeClr val="tx1">
-                  <a:lumMod val="50000"/>
-                  <a:lumOff val="50000"/>
-                </a:schemeClr>
-              </a:solidFill>
-              <a:latin typeface="Tahoma" pitchFamily="34" charset="0"/>
-              <a:cs typeface="Tahoma" pitchFamily="34" charset="0"/>
-            </a:endParaRPr>
-          </a:p>
-        </p:txBody>
-      </p:sp>
-      <p:pic>
-        <p:nvPicPr>
-          <p:cNvPr id="14" name="Content Placeholder 13" descr="infinitemariobross.gif"/>
-          <p:cNvPicPr>
-            <a:picLocks noGrp="1" noChangeAspect="1"/>
-          </p:cNvPicPr>
-          <p:nvPr>
-            <p:ph idx="1"/>
-          </p:nvPr>
-        </p:nvPicPr>
-        <p:blipFill>
-          <a:blip r:embed="rId3"/>
-          <a:stretch>
-            <a:fillRect/>
-          </a:stretch>
-        </p:blipFill>
-        <p:spPr>
-          <a:xfrm>
-            <a:off x="5486400" y="1447800"/>
-            <a:ext cx="3352800" cy="2514600"/>
-          </a:xfrm>
-        </p:spPr>
-      </p:pic>
+              <a:t>Model-based approach encodes our prior knowledge about the </a:t>
+            </a:r>
+            <a:br>
+              <a:rPr lang="en-US" dirty="0" smtClean="0"/>
+            </a:br>
+            <a:r>
+              <a:rPr lang="en-US" dirty="0" smtClean="0"/>
+              <a:t>system dynamics. It is beneficial if the agent possess such knowledge.</a:t>
+            </a:r>
+            <a:br>
+              <a:rPr lang="en-US" dirty="0" smtClean="0"/>
+            </a:br>
+            <a:r>
+              <a:rPr lang="en-US" smtClean="0"/>
+              <a:t>However, our dynamical model may be not perfect....</a:t>
+            </a:r>
+            <a:endParaRPr lang="zh-TW" altLang="en-US"/>
+          </a:p>
+        </p:txBody>
+      </p:sp>
     </p:spTree>
   </p:cSld>
   <p:clrMapOvr>
@@ -30422,7 +31068,7 @@
       </p:grpSpPr>
       <p:sp>
         <p:nvSpPr>
-          <p:cNvPr id="2" name="標題 1"/>
+          <p:cNvPr id="2" name="Title 1"/>
           <p:cNvSpPr>
             <a:spLocks noGrp="1"/>
           </p:cNvSpPr>
@@ -30436,152 +31082,470 @@
           <a:lstStyle/>
           <a:p>
             <a:r>
-              <a:rPr lang="en-CA" dirty="0" smtClean="0"/>
-              <a:t>RL Competition</a:t>
-            </a:r>
-            <a:endParaRPr lang="en-CA" dirty="0"/>
-          </a:p>
-        </p:txBody>
-      </p:sp>
-      <p:sp>
-        <p:nvSpPr>
-          <p:cNvPr id="3" name="內容版面配置區 2"/>
-          <p:cNvSpPr>
-            <a:spLocks noGrp="1"/>
-          </p:cNvSpPr>
+              <a:rPr lang="en-US" dirty="0" smtClean="0"/>
+              <a:t>Infinite Mario</a:t>
+            </a:r>
+            <a:endParaRPr lang="en-US" dirty="0"/>
+          </a:p>
+        </p:txBody>
+      </p:sp>
+      <p:sp>
+        <p:nvSpPr>
+          <p:cNvPr id="5" name="TextBox 4"/>
+          <p:cNvSpPr txBox="1"/>
+          <p:nvPr/>
+        </p:nvSpPr>
+        <p:spPr>
+          <a:xfrm>
+            <a:off x="1600200" y="1752600"/>
+            <a:ext cx="4038600" cy="1077218"/>
+          </a:xfrm>
+          <a:prstGeom prst="rect">
+            <a:avLst/>
+          </a:prstGeom>
+          <a:noFill/>
+        </p:spPr>
+        <p:txBody>
+          <a:bodyPr wrap="square" rtlCol="0">
+            <a:spAutoFit/>
+          </a:bodyPr>
+          <a:lstStyle/>
+          <a:p>
+            <a:r>
+              <a:rPr lang="en-US" sz="1600" b="1" dirty="0" smtClean="0">
+                <a:solidFill>
+                  <a:schemeClr val="tx1">
+                    <a:lumMod val="50000"/>
+                    <a:lumOff val="50000"/>
+                  </a:schemeClr>
+                </a:solidFill>
+                <a:latin typeface="Tahoma" pitchFamily="34" charset="0"/>
+                <a:cs typeface="Tahoma" pitchFamily="34" charset="0"/>
+              </a:rPr>
+              <a:t>Mixed discrete continuous</a:t>
+            </a:r>
+          </a:p>
+          <a:p>
+            <a:r>
+              <a:rPr lang="en-US" sz="1600" b="1" dirty="0" smtClean="0">
+                <a:solidFill>
+                  <a:schemeClr val="tx1">
+                    <a:lumMod val="50000"/>
+                    <a:lumOff val="50000"/>
+                  </a:schemeClr>
+                </a:solidFill>
+                <a:latin typeface="Tahoma" pitchFamily="34" charset="0"/>
+                <a:cs typeface="Tahoma" pitchFamily="34" charset="0"/>
+              </a:rPr>
+              <a:t>Visible board, monster descriptions</a:t>
+            </a:r>
+          </a:p>
+          <a:p>
+            <a:r>
+              <a:rPr lang="en-US" sz="1600" b="1" dirty="0" smtClean="0">
+                <a:solidFill>
+                  <a:schemeClr val="tx1">
+                    <a:lumMod val="50000"/>
+                    <a:lumOff val="50000"/>
+                  </a:schemeClr>
+                </a:solidFill>
+                <a:latin typeface="Tahoma" pitchFamily="34" charset="0"/>
+                <a:cs typeface="Tahoma" pitchFamily="34" charset="0"/>
+              </a:rPr>
+              <a:t>Variable dimensionality</a:t>
+            </a:r>
+          </a:p>
+          <a:p>
+            <a:r>
+              <a:rPr lang="en-US" sz="1600" b="1" dirty="0" smtClean="0">
+                <a:solidFill>
+                  <a:schemeClr val="tx1">
+                    <a:lumMod val="50000"/>
+                    <a:lumOff val="50000"/>
+                  </a:schemeClr>
+                </a:solidFill>
+                <a:latin typeface="Tahoma" pitchFamily="34" charset="0"/>
+                <a:cs typeface="Tahoma" pitchFamily="34" charset="0"/>
+              </a:rPr>
+              <a:t>Compositional / object oriented </a:t>
+            </a:r>
+            <a:endParaRPr lang="en-US" sz="1600" b="1" dirty="0">
+              <a:solidFill>
+                <a:schemeClr val="tx1">
+                  <a:lumMod val="50000"/>
+                  <a:lumOff val="50000"/>
+                </a:schemeClr>
+              </a:solidFill>
+              <a:latin typeface="Tahoma" pitchFamily="34" charset="0"/>
+              <a:cs typeface="Tahoma" pitchFamily="34" charset="0"/>
+            </a:endParaRPr>
+          </a:p>
+        </p:txBody>
+      </p:sp>
+      <p:sp>
+        <p:nvSpPr>
+          <p:cNvPr id="6" name="TextBox 5"/>
+          <p:cNvSpPr txBox="1"/>
+          <p:nvPr/>
+        </p:nvSpPr>
+        <p:spPr>
+          <a:xfrm>
+            <a:off x="1143000" y="1447800"/>
+            <a:ext cx="4114800" cy="338554"/>
+          </a:xfrm>
+          <a:prstGeom prst="rect">
+            <a:avLst/>
+          </a:prstGeom>
+          <a:noFill/>
+        </p:spPr>
+        <p:txBody>
+          <a:bodyPr wrap="square" rtlCol="0">
+            <a:spAutoFit/>
+          </a:bodyPr>
+          <a:lstStyle/>
+          <a:p>
+            <a:r>
+              <a:rPr lang="en-US" sz="1600" b="1" dirty="0" smtClean="0">
+                <a:solidFill>
+                  <a:schemeClr val="tx1">
+                    <a:lumMod val="50000"/>
+                    <a:lumOff val="50000"/>
+                  </a:schemeClr>
+                </a:solidFill>
+                <a:latin typeface="Tahoma" pitchFamily="34" charset="0"/>
+                <a:cs typeface="Tahoma" pitchFamily="34" charset="0"/>
+              </a:rPr>
+              <a:t>Observation Space</a:t>
+            </a:r>
+            <a:endParaRPr lang="en-US" sz="1600" b="1" dirty="0">
+              <a:solidFill>
+                <a:schemeClr val="tx1">
+                  <a:lumMod val="50000"/>
+                  <a:lumOff val="50000"/>
+                </a:schemeClr>
+              </a:solidFill>
+              <a:latin typeface="Tahoma" pitchFamily="34" charset="0"/>
+              <a:cs typeface="Tahoma" pitchFamily="34" charset="0"/>
+            </a:endParaRPr>
+          </a:p>
+        </p:txBody>
+      </p:sp>
+      <p:sp>
+        <p:nvSpPr>
+          <p:cNvPr id="7" name="TextBox 6"/>
+          <p:cNvSpPr txBox="1"/>
+          <p:nvPr/>
+        </p:nvSpPr>
+        <p:spPr>
+          <a:xfrm>
+            <a:off x="1600200" y="3197423"/>
+            <a:ext cx="4953000" cy="584775"/>
+          </a:xfrm>
+          <a:prstGeom prst="rect">
+            <a:avLst/>
+          </a:prstGeom>
+          <a:noFill/>
+        </p:spPr>
+        <p:txBody>
+          <a:bodyPr wrap="square" rtlCol="0">
+            <a:spAutoFit/>
+          </a:bodyPr>
+          <a:lstStyle/>
+          <a:p>
+            <a:r>
+              <a:rPr lang="en-US" sz="1600" b="1" dirty="0" smtClean="0">
+                <a:solidFill>
+                  <a:schemeClr val="tx1">
+                    <a:lumMod val="50000"/>
+                    <a:lumOff val="50000"/>
+                  </a:schemeClr>
+                </a:solidFill>
+                <a:latin typeface="Tahoma" pitchFamily="34" charset="0"/>
+                <a:cs typeface="Tahoma" pitchFamily="34" charset="0"/>
+              </a:rPr>
+              <a:t>3 integers, representing the buttons</a:t>
+            </a:r>
+          </a:p>
+          <a:p>
+            <a:r>
+              <a:rPr lang="en-US" sz="1600" b="1" dirty="0" smtClean="0">
+                <a:solidFill>
+                  <a:schemeClr val="tx1">
+                    <a:lumMod val="50000"/>
+                    <a:lumOff val="50000"/>
+                  </a:schemeClr>
+                </a:solidFill>
+                <a:latin typeface="Tahoma" pitchFamily="34" charset="0"/>
+                <a:cs typeface="Tahoma" pitchFamily="34" charset="0"/>
+              </a:rPr>
+              <a:t>    on a Nintendo controller!</a:t>
+            </a:r>
+          </a:p>
+        </p:txBody>
+      </p:sp>
+      <p:sp>
+        <p:nvSpPr>
+          <p:cNvPr id="8" name="TextBox 7"/>
+          <p:cNvSpPr txBox="1"/>
+          <p:nvPr/>
+        </p:nvSpPr>
+        <p:spPr>
+          <a:xfrm>
+            <a:off x="1143000" y="2895600"/>
+            <a:ext cx="4114800" cy="338554"/>
+          </a:xfrm>
+          <a:prstGeom prst="rect">
+            <a:avLst/>
+          </a:prstGeom>
+          <a:noFill/>
+        </p:spPr>
+        <p:txBody>
+          <a:bodyPr wrap="square" rtlCol="0">
+            <a:spAutoFit/>
+          </a:bodyPr>
+          <a:lstStyle/>
+          <a:p>
+            <a:r>
+              <a:rPr lang="en-US" sz="1600" b="1" dirty="0" smtClean="0">
+                <a:solidFill>
+                  <a:schemeClr val="tx1">
+                    <a:lumMod val="50000"/>
+                    <a:lumOff val="50000"/>
+                  </a:schemeClr>
+                </a:solidFill>
+                <a:latin typeface="Tahoma" pitchFamily="34" charset="0"/>
+                <a:cs typeface="Tahoma" pitchFamily="34" charset="0"/>
+              </a:rPr>
+              <a:t>Action Space</a:t>
+            </a:r>
+            <a:endParaRPr lang="en-US" sz="1600" b="1" dirty="0">
+              <a:solidFill>
+                <a:schemeClr val="tx1">
+                  <a:lumMod val="50000"/>
+                  <a:lumOff val="50000"/>
+                </a:schemeClr>
+              </a:solidFill>
+              <a:latin typeface="Tahoma" pitchFamily="34" charset="0"/>
+              <a:cs typeface="Tahoma" pitchFamily="34" charset="0"/>
+            </a:endParaRPr>
+          </a:p>
+        </p:txBody>
+      </p:sp>
+      <p:sp>
+        <p:nvSpPr>
+          <p:cNvPr id="9" name="TextBox 8"/>
+          <p:cNvSpPr txBox="1"/>
+          <p:nvPr/>
+        </p:nvSpPr>
+        <p:spPr>
+          <a:xfrm>
+            <a:off x="1600200" y="4111823"/>
+            <a:ext cx="4953000" cy="338554"/>
+          </a:xfrm>
+          <a:prstGeom prst="rect">
+            <a:avLst/>
+          </a:prstGeom>
+          <a:noFill/>
+        </p:spPr>
+        <p:txBody>
+          <a:bodyPr wrap="square" rtlCol="0">
+            <a:spAutoFit/>
+          </a:bodyPr>
+          <a:lstStyle/>
+          <a:p>
+            <a:r>
+              <a:rPr lang="en-US" sz="1600" b="1" dirty="0" smtClean="0">
+                <a:solidFill>
+                  <a:schemeClr val="tx1">
+                    <a:lumMod val="50000"/>
+                    <a:lumOff val="50000"/>
+                  </a:schemeClr>
+                </a:solidFill>
+                <a:latin typeface="Tahoma" pitchFamily="34" charset="0"/>
+                <a:cs typeface="Tahoma" pitchFamily="34" charset="0"/>
+              </a:rPr>
+              <a:t>Variable (!)</a:t>
+            </a:r>
+            <a:endParaRPr lang="en-US" sz="1600" b="1" dirty="0">
+              <a:solidFill>
+                <a:schemeClr val="tx1">
+                  <a:lumMod val="50000"/>
+                  <a:lumOff val="50000"/>
+                </a:schemeClr>
+              </a:solidFill>
+              <a:latin typeface="Tahoma" pitchFamily="34" charset="0"/>
+              <a:cs typeface="Tahoma" pitchFamily="34" charset="0"/>
+            </a:endParaRPr>
+          </a:p>
+        </p:txBody>
+      </p:sp>
+      <p:sp>
+        <p:nvSpPr>
+          <p:cNvPr id="10" name="TextBox 9"/>
+          <p:cNvSpPr txBox="1"/>
+          <p:nvPr/>
+        </p:nvSpPr>
+        <p:spPr>
+          <a:xfrm>
+            <a:off x="1143000" y="3810000"/>
+            <a:ext cx="4114800" cy="338554"/>
+          </a:xfrm>
+          <a:prstGeom prst="rect">
+            <a:avLst/>
+          </a:prstGeom>
+          <a:noFill/>
+        </p:spPr>
+        <p:txBody>
+          <a:bodyPr wrap="square" rtlCol="0">
+            <a:spAutoFit/>
+          </a:bodyPr>
+          <a:lstStyle/>
+          <a:p>
+            <a:r>
+              <a:rPr lang="en-US" sz="1600" b="1" dirty="0" smtClean="0">
+                <a:solidFill>
+                  <a:schemeClr val="tx1">
+                    <a:lumMod val="50000"/>
+                    <a:lumOff val="50000"/>
+                  </a:schemeClr>
+                </a:solidFill>
+                <a:latin typeface="Tahoma" pitchFamily="34" charset="0"/>
+                <a:cs typeface="Tahoma" pitchFamily="34" charset="0"/>
+              </a:rPr>
+              <a:t>Rewards</a:t>
+            </a:r>
+            <a:endParaRPr lang="en-US" sz="1600" b="1" dirty="0">
+              <a:solidFill>
+                <a:schemeClr val="tx1">
+                  <a:lumMod val="50000"/>
+                  <a:lumOff val="50000"/>
+                </a:schemeClr>
+              </a:solidFill>
+              <a:latin typeface="Tahoma" pitchFamily="34" charset="0"/>
+              <a:cs typeface="Tahoma" pitchFamily="34" charset="0"/>
+            </a:endParaRPr>
+          </a:p>
+        </p:txBody>
+      </p:sp>
+      <p:sp>
+        <p:nvSpPr>
+          <p:cNvPr id="11" name="TextBox 10"/>
+          <p:cNvSpPr txBox="1"/>
+          <p:nvPr/>
+        </p:nvSpPr>
+        <p:spPr>
+          <a:xfrm>
+            <a:off x="1600200" y="4850487"/>
+            <a:ext cx="4953000" cy="584775"/>
+          </a:xfrm>
+          <a:prstGeom prst="rect">
+            <a:avLst/>
+          </a:prstGeom>
+          <a:noFill/>
+        </p:spPr>
+        <p:txBody>
+          <a:bodyPr wrap="square" rtlCol="0">
+            <a:spAutoFit/>
+          </a:bodyPr>
+          <a:lstStyle/>
+          <a:p>
+            <a:r>
+              <a:rPr lang="en-US" sz="1600" b="1" dirty="0" smtClean="0">
+                <a:solidFill>
+                  <a:schemeClr val="tx1">
+                    <a:lumMod val="50000"/>
+                    <a:lumOff val="50000"/>
+                  </a:schemeClr>
+                </a:solidFill>
+                <a:latin typeface="Tahoma" pitchFamily="34" charset="0"/>
+                <a:cs typeface="Tahoma" pitchFamily="34" charset="0"/>
+              </a:rPr>
+              <a:t>Speed, critter dynamics, reward function, action mappings</a:t>
+            </a:r>
+            <a:endParaRPr lang="en-US" sz="1600" b="1" dirty="0">
+              <a:solidFill>
+                <a:schemeClr val="tx1">
+                  <a:lumMod val="50000"/>
+                  <a:lumOff val="50000"/>
+                </a:schemeClr>
+              </a:solidFill>
+              <a:latin typeface="Tahoma" pitchFamily="34" charset="0"/>
+              <a:cs typeface="Tahoma" pitchFamily="34" charset="0"/>
+            </a:endParaRPr>
+          </a:p>
+        </p:txBody>
+      </p:sp>
+      <p:sp>
+        <p:nvSpPr>
+          <p:cNvPr id="12" name="TextBox 11"/>
+          <p:cNvSpPr txBox="1"/>
+          <p:nvPr/>
+        </p:nvSpPr>
+        <p:spPr>
+          <a:xfrm>
+            <a:off x="1143000" y="4548664"/>
+            <a:ext cx="4114800" cy="338554"/>
+          </a:xfrm>
+          <a:prstGeom prst="rect">
+            <a:avLst/>
+          </a:prstGeom>
+          <a:noFill/>
+        </p:spPr>
+        <p:txBody>
+          <a:bodyPr wrap="square" rtlCol="0">
+            <a:spAutoFit/>
+          </a:bodyPr>
+          <a:lstStyle/>
+          <a:p>
+            <a:r>
+              <a:rPr lang="en-US" sz="1600" b="1" dirty="0" smtClean="0">
+                <a:solidFill>
+                  <a:schemeClr val="tx1">
+                    <a:lumMod val="50000"/>
+                    <a:lumOff val="50000"/>
+                  </a:schemeClr>
+                </a:solidFill>
+                <a:latin typeface="Tahoma" pitchFamily="34" charset="0"/>
+                <a:cs typeface="Tahoma" pitchFamily="34" charset="0"/>
+              </a:rPr>
+              <a:t>Parameterization</a:t>
+            </a:r>
+            <a:endParaRPr lang="en-US" sz="1600" b="1" dirty="0">
+              <a:solidFill>
+                <a:schemeClr val="tx1">
+                  <a:lumMod val="50000"/>
+                  <a:lumOff val="50000"/>
+                </a:schemeClr>
+              </a:solidFill>
+              <a:latin typeface="Tahoma" pitchFamily="34" charset="0"/>
+              <a:cs typeface="Tahoma" pitchFamily="34" charset="0"/>
+            </a:endParaRPr>
+          </a:p>
+        </p:txBody>
+      </p:sp>
+      <p:pic>
+        <p:nvPicPr>
+          <p:cNvPr id="14" name="Content Placeholder 13" descr="infinitemariobross.gif"/>
+          <p:cNvPicPr>
+            <a:picLocks noGrp="1" noChangeAspect="1"/>
+          </p:cNvPicPr>
           <p:nvPr>
             <p:ph idx="1"/>
           </p:nvPr>
-        </p:nvSpPr>
-        <p:spPr/>
-        <p:txBody>
-          <a:bodyPr>
-            <a:normAutofit fontScale="85000" lnSpcReduction="20000"/>
-          </a:bodyPr>
-          <a:lstStyle/>
-          <a:p>
-            <a:r>
-              <a:rPr lang="en-CA" dirty="0" smtClean="0"/>
-              <a:t>Input Features:</a:t>
-            </a:r>
-          </a:p>
-          <a:p>
-            <a:pPr lvl="1"/>
-            <a:r>
-              <a:rPr lang="en-CA" dirty="0" smtClean="0"/>
-              <a:t>Screen features</a:t>
-            </a:r>
-          </a:p>
-          <a:p>
-            <a:pPr lvl="2"/>
-            <a:r>
-              <a:rPr lang="en-CA" dirty="0" smtClean="0"/>
-              <a:t>No </a:t>
-            </a:r>
-            <a:r>
-              <a:rPr lang="en-CA" dirty="0" err="1" smtClean="0"/>
-              <a:t>onGround</a:t>
-            </a:r>
-            <a:r>
-              <a:rPr lang="en-CA" dirty="0" smtClean="0"/>
-              <a:t>, </a:t>
-            </a:r>
-            <a:r>
-              <a:rPr lang="en-CA" dirty="0" err="1" smtClean="0"/>
-              <a:t>isSliding</a:t>
-            </a:r>
-            <a:r>
-              <a:rPr lang="en-CA" dirty="0" smtClean="0"/>
-              <a:t>, </a:t>
-            </a:r>
-            <a:r>
-              <a:rPr lang="en-CA" dirty="0" err="1" smtClean="0"/>
-              <a:t>isMonsterAhead</a:t>
-            </a:r>
-            <a:r>
-              <a:rPr lang="en-CA" dirty="0" smtClean="0"/>
-              <a:t>, </a:t>
-            </a:r>
-            <a:r>
-              <a:rPr lang="en-CA" dirty="0" err="1" smtClean="0"/>
-              <a:t>isPit</a:t>
-            </a:r>
-            <a:endParaRPr lang="en-CA" dirty="0" smtClean="0"/>
-          </a:p>
-          <a:p>
-            <a:pPr lvl="2"/>
-            <a:r>
-              <a:rPr lang="en-CA" dirty="0" smtClean="0"/>
-              <a:t>Unlike Mario competition</a:t>
-            </a:r>
-          </a:p>
-          <a:p>
-            <a:pPr lvl="3"/>
-            <a:r>
-              <a:rPr lang="en-CA" dirty="0" smtClean="0"/>
-              <a:t>No </a:t>
-            </a:r>
-            <a:r>
-              <a:rPr lang="en-CA" dirty="0" err="1" smtClean="0"/>
-              <a:t>fireflower</a:t>
-            </a:r>
-            <a:endParaRPr lang="en-CA" dirty="0" smtClean="0"/>
-          </a:p>
-          <a:p>
-            <a:pPr lvl="1"/>
-            <a:r>
-              <a:rPr lang="en-CA" dirty="0" smtClean="0"/>
-              <a:t>22x16 Tiles (not including monsters)</a:t>
-            </a:r>
-          </a:p>
-          <a:p>
-            <a:pPr lvl="1"/>
-            <a:r>
-              <a:rPr lang="en-CA" dirty="0" smtClean="0"/>
-              <a:t>List of monsters (including speed and position)</a:t>
-            </a:r>
-          </a:p>
-          <a:p>
-            <a:r>
-              <a:rPr lang="en-CA" dirty="0" smtClean="0"/>
-              <a:t>Linear </a:t>
-            </a:r>
-            <a:r>
-              <a:rPr lang="en-CA" dirty="0" err="1" smtClean="0"/>
-              <a:t>Sarsa</a:t>
-            </a:r>
-            <a:endParaRPr lang="en-CA" dirty="0" smtClean="0"/>
-          </a:p>
-          <a:p>
-            <a:r>
-              <a:rPr lang="en-CA" dirty="0" smtClean="0"/>
-              <a:t>3 nearest monster or pit</a:t>
-            </a:r>
-          </a:p>
-          <a:p>
-            <a:pPr lvl="1"/>
-            <a:r>
-              <a:rPr lang="en-CA" dirty="0" smtClean="0"/>
-              <a:t>How to represent the pit</a:t>
-            </a:r>
-          </a:p>
-          <a:p>
-            <a:pPr lvl="1"/>
-            <a:r>
-              <a:rPr lang="en-CA" dirty="0" smtClean="0"/>
-              <a:t>Theirs-&gt; hand-coded the pit feature</a:t>
-            </a:r>
-          </a:p>
-          <a:p>
-            <a:pPr lvl="1"/>
-            <a:r>
-              <a:rPr lang="en-CA" dirty="0" smtClean="0"/>
-              <a:t>Mine-&gt; work on 5x5 tiles</a:t>
-            </a:r>
-            <a:endParaRPr lang="en-CA" dirty="0"/>
-          </a:p>
-        </p:txBody>
-      </p:sp>
+        </p:nvPicPr>
+        <p:blipFill>
+          <a:blip r:embed="rId3"/>
+          <a:stretch>
+            <a:fillRect/>
+          </a:stretch>
+        </p:blipFill>
+        <p:spPr>
+          <a:xfrm>
+            <a:off x="5486400" y="1447800"/>
+            <a:ext cx="3352800" cy="2514600"/>
+          </a:xfrm>
+        </p:spPr>
+      </p:pic>
     </p:spTree>
   </p:cSld>
   <p:clrMapOvr>
@@ -30598,6 +31562,200 @@
 </file>
 
 <file path=ppt/slides/slide73.xml><?xml version="1.0" encoding="utf-8"?>
+<p:sld xmlns:a="http://schemas.openxmlformats.org/drawingml/2006/main" xmlns:r="http://schemas.openxmlformats.org/officeDocument/2006/relationships" xmlns:p="http://schemas.openxmlformats.org/presentationml/2006/main">
+  <p:cSld>
+    <p:spTree>
+      <p:nvGrpSpPr>
+        <p:cNvPr id="1" name=""/>
+        <p:cNvGrpSpPr/>
+        <p:nvPr/>
+      </p:nvGrpSpPr>
+      <p:grpSpPr>
+        <a:xfrm>
+          <a:off x="0" y="0"/>
+          <a:ext cx="0" cy="0"/>
+          <a:chOff x="0" y="0"/>
+          <a:chExt cx="0" cy="0"/>
+        </a:xfrm>
+      </p:grpSpPr>
+      <p:sp>
+        <p:nvSpPr>
+          <p:cNvPr id="2" name="標題 1"/>
+          <p:cNvSpPr>
+            <a:spLocks noGrp="1"/>
+          </p:cNvSpPr>
+          <p:nvPr>
+            <p:ph type="title"/>
+          </p:nvPr>
+        </p:nvSpPr>
+        <p:spPr/>
+        <p:txBody>
+          <a:bodyPr/>
+          <a:lstStyle/>
+          <a:p>
+            <a:r>
+              <a:rPr lang="en-CA" dirty="0" smtClean="0"/>
+              <a:t>RL Competition</a:t>
+            </a:r>
+            <a:endParaRPr lang="en-CA" dirty="0"/>
+          </a:p>
+        </p:txBody>
+      </p:sp>
+      <p:sp>
+        <p:nvSpPr>
+          <p:cNvPr id="3" name="內容版面配置區 2"/>
+          <p:cNvSpPr>
+            <a:spLocks noGrp="1"/>
+          </p:cNvSpPr>
+          <p:nvPr>
+            <p:ph idx="1"/>
+          </p:nvPr>
+        </p:nvSpPr>
+        <p:spPr/>
+        <p:txBody>
+          <a:bodyPr>
+            <a:normAutofit fontScale="85000" lnSpcReduction="20000"/>
+          </a:bodyPr>
+          <a:lstStyle/>
+          <a:p>
+            <a:r>
+              <a:rPr lang="en-CA" dirty="0" smtClean="0"/>
+              <a:t>Input Features:</a:t>
+            </a:r>
+          </a:p>
+          <a:p>
+            <a:pPr lvl="1"/>
+            <a:r>
+              <a:rPr lang="en-CA" dirty="0" smtClean="0"/>
+              <a:t>Screen features</a:t>
+            </a:r>
+          </a:p>
+          <a:p>
+            <a:pPr lvl="2"/>
+            <a:r>
+              <a:rPr lang="en-CA" dirty="0" smtClean="0"/>
+              <a:t>No </a:t>
+            </a:r>
+            <a:r>
+              <a:rPr lang="en-CA" dirty="0" err="1" smtClean="0"/>
+              <a:t>onGround</a:t>
+            </a:r>
+            <a:r>
+              <a:rPr lang="en-CA" dirty="0" smtClean="0"/>
+              <a:t>, </a:t>
+            </a:r>
+            <a:r>
+              <a:rPr lang="en-CA" dirty="0" err="1" smtClean="0"/>
+              <a:t>isSliding</a:t>
+            </a:r>
+            <a:r>
+              <a:rPr lang="en-CA" dirty="0" smtClean="0"/>
+              <a:t>, </a:t>
+            </a:r>
+            <a:r>
+              <a:rPr lang="en-CA" dirty="0" err="1" smtClean="0"/>
+              <a:t>isMonsterAhead</a:t>
+            </a:r>
+            <a:r>
+              <a:rPr lang="en-CA" dirty="0" smtClean="0"/>
+              <a:t>, </a:t>
+            </a:r>
+            <a:r>
+              <a:rPr lang="en-CA" dirty="0" err="1" smtClean="0"/>
+              <a:t>isPit</a:t>
+            </a:r>
+            <a:endParaRPr lang="en-CA" dirty="0" smtClean="0"/>
+          </a:p>
+          <a:p>
+            <a:pPr lvl="2"/>
+            <a:r>
+              <a:rPr lang="en-CA" dirty="0" smtClean="0"/>
+              <a:t>Unlike Mario competition</a:t>
+            </a:r>
+          </a:p>
+          <a:p>
+            <a:pPr lvl="3"/>
+            <a:r>
+              <a:rPr lang="en-CA" dirty="0" smtClean="0"/>
+              <a:t>No </a:t>
+            </a:r>
+            <a:r>
+              <a:rPr lang="en-CA" dirty="0" err="1" smtClean="0"/>
+              <a:t>fireflower</a:t>
+            </a:r>
+            <a:endParaRPr lang="en-CA" dirty="0" smtClean="0"/>
+          </a:p>
+          <a:p>
+            <a:pPr lvl="1"/>
+            <a:r>
+              <a:rPr lang="en-CA" dirty="0" smtClean="0"/>
+              <a:t>22x16 Tiles (not including monsters)</a:t>
+            </a:r>
+          </a:p>
+          <a:p>
+            <a:pPr lvl="1"/>
+            <a:r>
+              <a:rPr lang="en-CA" dirty="0" smtClean="0"/>
+              <a:t>List of monsters (including speed and position)</a:t>
+            </a:r>
+          </a:p>
+          <a:p>
+            <a:r>
+              <a:rPr lang="en-CA" dirty="0" smtClean="0"/>
+              <a:t>Linear </a:t>
+            </a:r>
+            <a:r>
+              <a:rPr lang="en-CA" dirty="0" err="1" smtClean="0"/>
+              <a:t>Sarsa</a:t>
+            </a:r>
+            <a:endParaRPr lang="en-CA" dirty="0" smtClean="0"/>
+          </a:p>
+          <a:p>
+            <a:r>
+              <a:rPr lang="en-CA" dirty="0" smtClean="0"/>
+              <a:t>3 nearest monster or pit</a:t>
+            </a:r>
+          </a:p>
+          <a:p>
+            <a:pPr lvl="1"/>
+            <a:r>
+              <a:rPr lang="en-CA" dirty="0" smtClean="0"/>
+              <a:t>How to represent the pit</a:t>
+            </a:r>
+          </a:p>
+          <a:p>
+            <a:pPr lvl="1"/>
+            <a:r>
+              <a:rPr lang="en-CA" dirty="0" smtClean="0"/>
+              <a:t>Theirs-&gt; hand-coded the pit feature</a:t>
+            </a:r>
+          </a:p>
+          <a:p>
+            <a:pPr lvl="1"/>
+            <a:r>
+              <a:rPr lang="en-CA" dirty="0" smtClean="0"/>
+              <a:t>Mine-&gt; work on 5x5 tiles</a:t>
+            </a:r>
+            <a:endParaRPr lang="en-CA" dirty="0"/>
+          </a:p>
+        </p:txBody>
+      </p:sp>
+    </p:spTree>
+  </p:cSld>
+  <p:clrMapOvr>
+    <a:masterClrMapping/>
+  </p:clrMapOvr>
+  <p:timing>
+    <p:tnLst>
+      <p:par>
+        <p:cTn id="1" dur="indefinite" restart="never" nodeType="tmRoot"/>
+      </p:par>
+    </p:tnLst>
+  </p:timing>
+</p:sld>
+</file>
+
+<file path=ppt/slides/slide74.xml><?xml version="1.0" encoding="utf-8"?>
 <p:sld xmlns:a="http://schemas.openxmlformats.org/drawingml/2006/main" xmlns:r="http://schemas.openxmlformats.org/officeDocument/2006/relationships" xmlns:p="http://schemas.openxmlformats.org/presentationml/2006/main">
   <p:cSld>
     <p:spTree>
@@ -30681,7 +31839,7 @@
 </p:sld>
 </file>
 
-<file path=ppt/slides/slide74.xml><?xml version="1.0" encoding="utf-8"?>
+<file path=ppt/slides/slide75.xml><?xml version="1.0" encoding="utf-8"?>
 <p:sld xmlns:a="http://schemas.openxmlformats.org/drawingml/2006/main" xmlns:r="http://schemas.openxmlformats.org/officeDocument/2006/relationships" xmlns:p="http://schemas.openxmlformats.org/presentationml/2006/main">
   <p:cSld>
     <p:spTree>
@@ -30758,84 +31916,6 @@
 </p:sld>
 </file>
 
-<file path=ppt/slides/slide75.xml><?xml version="1.0" encoding="utf-8"?>
-<p:sld xmlns:a="http://schemas.openxmlformats.org/drawingml/2006/main" xmlns:r="http://schemas.openxmlformats.org/officeDocument/2006/relationships" xmlns:p="http://schemas.openxmlformats.org/presentationml/2006/main">
-  <p:cSld>
-    <p:spTree>
-      <p:nvGrpSpPr>
-        <p:cNvPr id="1" name=""/>
-        <p:cNvGrpSpPr/>
-        <p:nvPr/>
-      </p:nvGrpSpPr>
-      <p:grpSpPr>
-        <a:xfrm>
-          <a:off x="0" y="0"/>
-          <a:ext cx="0" cy="0"/>
-          <a:chOff x="0" y="0"/>
-          <a:chExt cx="0" cy="0"/>
-        </a:xfrm>
-      </p:grpSpPr>
-      <p:sp>
-        <p:nvSpPr>
-          <p:cNvPr id="2" name="標題 1"/>
-          <p:cNvSpPr>
-            <a:spLocks noGrp="1"/>
-          </p:cNvSpPr>
-          <p:nvPr>
-            <p:ph type="title"/>
-          </p:nvPr>
-        </p:nvSpPr>
-        <p:spPr/>
-        <p:txBody>
-          <a:bodyPr/>
-          <a:lstStyle/>
-          <a:p>
-            <a:endParaRPr lang="en-CA" dirty="0"/>
-          </a:p>
-        </p:txBody>
-      </p:sp>
-      <p:sp>
-        <p:nvSpPr>
-          <p:cNvPr id="3" name="內容版面配置區 2"/>
-          <p:cNvSpPr>
-            <a:spLocks noGrp="1"/>
-          </p:cNvSpPr>
-          <p:nvPr>
-            <p:ph idx="1"/>
-          </p:nvPr>
-        </p:nvSpPr>
-        <p:spPr/>
-        <p:txBody>
-          <a:bodyPr/>
-          <a:lstStyle/>
-          <a:p>
-            <a:r>
-              <a:rPr lang="en-CA" dirty="0" smtClean="0"/>
-              <a:t>if </a:t>
-            </a:r>
-            <a:r>
-              <a:rPr lang="en-CA" dirty="0" smtClean="0"/>
-              <a:t>it will converge</a:t>
-            </a:r>
-            <a:endParaRPr lang="en-CA" dirty="0"/>
-          </a:p>
-        </p:txBody>
-      </p:sp>
-    </p:spTree>
-  </p:cSld>
-  <p:clrMapOvr>
-    <a:masterClrMapping/>
-  </p:clrMapOvr>
-  <p:timing>
-    <p:tnLst>
-      <p:par>
-        <p:cTn id="1" dur="indefinite" restart="never" nodeType="tmRoot"/>
-      </p:par>
-    </p:tnLst>
-  </p:timing>
-</p:sld>
-</file>
-
 <file path=ppt/slides/slide76.xml><?xml version="1.0" encoding="utf-8"?>
 <p:sld xmlns:a="http://schemas.openxmlformats.org/drawingml/2006/main" xmlns:r="http://schemas.openxmlformats.org/officeDocument/2006/relationships" xmlns:p="http://schemas.openxmlformats.org/presentationml/2006/main">
   <p:cSld>
@@ -30868,7 +31948,7 @@
           <a:bodyPr/>
           <a:lstStyle/>
           <a:p>
-            <a:endParaRPr lang="zh-TW" altLang="en-US"/>
+            <a:endParaRPr lang="en-CA" dirty="0"/>
           </a:p>
         </p:txBody>
       </p:sp>
@@ -30888,41 +31968,10 @@
           <a:lstStyle/>
           <a:p>
             <a:r>
-              <a:rPr lang="en-US" altLang="zh-TW" dirty="0" smtClean="0"/>
-              <a:t>Will it converge?</a:t>
-            </a:r>
-          </a:p>
-          <a:p>
-            <a:pPr lvl="1"/>
-            <a:r>
-              <a:rPr lang="en-US" altLang="zh-TW" dirty="0" smtClean="0"/>
-              <a:t>Open problem (</a:t>
-            </a:r>
-            <a:r>
-              <a:rPr lang="en-US" altLang="zh-TW" dirty="0" err="1" smtClean="0"/>
-              <a:t>russel</a:t>
-            </a:r>
-            <a:r>
-              <a:rPr lang="en-US" altLang="zh-TW" dirty="0" smtClean="0"/>
-              <a:t> and </a:t>
-            </a:r>
-            <a:r>
-              <a:rPr lang="en-US" altLang="zh-TW" dirty="0" err="1" smtClean="0"/>
-              <a:t>david</a:t>
-            </a:r>
-            <a:r>
-              <a:rPr lang="en-US" altLang="zh-TW" dirty="0" smtClean="0"/>
-              <a:t> </a:t>
-            </a:r>
-            <a:r>
-              <a:rPr lang="en-US" altLang="zh-TW" dirty="0" err="1" smtClean="0"/>
-              <a:t>andre</a:t>
-            </a:r>
-            <a:r>
-              <a:rPr lang="en-US" altLang="zh-TW" dirty="0" smtClean="0"/>
-              <a:t> fail to prove it(</a:t>
-            </a:r>
-            <a:endParaRPr lang="zh-TW" altLang="en-US" dirty="0"/>
+              <a:rPr lang="en-CA" dirty="0" smtClean="0"/>
+              <a:t>if it will converge</a:t>
+            </a:r>
+            <a:endParaRPr lang="en-CA" dirty="0"/>
           </a:p>
         </p:txBody>
       </p:sp>
@@ -30942,6 +31991,111 @@
 </file>
 
 <file path=ppt/slides/slide77.xml><?xml version="1.0" encoding="utf-8"?>
+<p:sld xmlns:a="http://schemas.openxmlformats.org/drawingml/2006/main" xmlns:r="http://schemas.openxmlformats.org/officeDocument/2006/relationships" xmlns:p="http://schemas.openxmlformats.org/presentationml/2006/main">
+  <p:cSld>
+    <p:spTree>
+      <p:nvGrpSpPr>
+        <p:cNvPr id="1" name=""/>
+        <p:cNvGrpSpPr/>
+        <p:nvPr/>
+      </p:nvGrpSpPr>
+      <p:grpSpPr>
+        <a:xfrm>
+          <a:off x="0" y="0"/>
+          <a:ext cx="0" cy="0"/>
+          <a:chOff x="0" y="0"/>
+          <a:chExt cx="0" cy="0"/>
+        </a:xfrm>
+      </p:grpSpPr>
+      <p:sp>
+        <p:nvSpPr>
+          <p:cNvPr id="2" name="標題 1"/>
+          <p:cNvSpPr>
+            <a:spLocks noGrp="1"/>
+          </p:cNvSpPr>
+          <p:nvPr>
+            <p:ph type="title"/>
+          </p:nvPr>
+        </p:nvSpPr>
+        <p:spPr/>
+        <p:txBody>
+          <a:bodyPr/>
+          <a:lstStyle/>
+          <a:p>
+            <a:endParaRPr lang="zh-TW" altLang="en-US"/>
+          </a:p>
+        </p:txBody>
+      </p:sp>
+      <p:sp>
+        <p:nvSpPr>
+          <p:cNvPr id="3" name="內容版面配置區 2"/>
+          <p:cNvSpPr>
+            <a:spLocks noGrp="1"/>
+          </p:cNvSpPr>
+          <p:nvPr>
+            <p:ph idx="1"/>
+          </p:nvPr>
+        </p:nvSpPr>
+        <p:spPr/>
+        <p:txBody>
+          <a:bodyPr/>
+          <a:lstStyle/>
+          <a:p>
+            <a:r>
+              <a:rPr lang="en-US" altLang="zh-TW" dirty="0" smtClean="0"/>
+              <a:t>Will it converge?</a:t>
+            </a:r>
+          </a:p>
+          <a:p>
+            <a:pPr lvl="1"/>
+            <a:r>
+              <a:rPr lang="en-US" altLang="zh-TW" dirty="0" smtClean="0"/>
+              <a:t>Open problem (</a:t>
+            </a:r>
+            <a:r>
+              <a:rPr lang="en-US" altLang="zh-TW" dirty="0" err="1" smtClean="0"/>
+              <a:t>russel</a:t>
+            </a:r>
+            <a:r>
+              <a:rPr lang="en-US" altLang="zh-TW" dirty="0" smtClean="0"/>
+              <a:t> and </a:t>
+            </a:r>
+            <a:r>
+              <a:rPr lang="en-US" altLang="zh-TW" dirty="0" err="1" smtClean="0"/>
+              <a:t>david</a:t>
+            </a:r>
+            <a:r>
+              <a:rPr lang="en-US" altLang="zh-TW" dirty="0" smtClean="0"/>
+              <a:t> </a:t>
+            </a:r>
+            <a:r>
+              <a:rPr lang="en-US" altLang="zh-TW" dirty="0" err="1" smtClean="0"/>
+              <a:t>andre</a:t>
+            </a:r>
+            <a:r>
+              <a:rPr lang="en-US" altLang="zh-TW" dirty="0" smtClean="0"/>
+              <a:t> fail to prove it(</a:t>
+            </a:r>
+            <a:endParaRPr lang="zh-TW" altLang="en-US" dirty="0"/>
+          </a:p>
+        </p:txBody>
+      </p:sp>
+    </p:spTree>
+  </p:cSld>
+  <p:clrMapOvr>
+    <a:masterClrMapping/>
+  </p:clrMapOvr>
+  <p:timing>
+    <p:tnLst>
+      <p:par>
+        <p:cTn id="1" dur="indefinite" restart="never" nodeType="tmRoot"/>
+      </p:par>
+    </p:tnLst>
+  </p:timing>
+</p:sld>
+</file>
+
+<file path=ppt/slides/slide78.xml><?xml version="1.0" encoding="utf-8"?>
 <p:sld xmlns:a="http://schemas.openxmlformats.org/drawingml/2006/main" xmlns:r="http://schemas.openxmlformats.org/officeDocument/2006/relationships" xmlns:p="http://schemas.openxmlformats.org/presentationml/2006/main">
   <p:cSld>
     <p:spTree>
@@ -31010,6 +32164,743 @@
           <a:effectLst/>
         </p:spPr>
       </p:pic>
+    </p:spTree>
+  </p:cSld>
+  <p:clrMapOvr>
+    <a:masterClrMapping/>
+  </p:clrMapOvr>
+  <p:timing>
+    <p:tnLst>
+      <p:par>
+        <p:cTn id="1" dur="indefinite" restart="never" nodeType="tmRoot"/>
+      </p:par>
+    </p:tnLst>
+  </p:timing>
+</p:sld>
+</file>
+
+<file path=ppt/slides/slide79.xml><?xml version="1.0" encoding="utf-8"?>
+<p:sld xmlns:a="http://schemas.openxmlformats.org/drawingml/2006/main" xmlns:r="http://schemas.openxmlformats.org/officeDocument/2006/relationships" xmlns:p="http://schemas.openxmlformats.org/presentationml/2006/main">
+  <p:cSld>
+    <p:spTree>
+      <p:nvGrpSpPr>
+        <p:cNvPr id="1" name=""/>
+        <p:cNvGrpSpPr/>
+        <p:nvPr/>
+      </p:nvGrpSpPr>
+      <p:grpSpPr>
+        <a:xfrm>
+          <a:off x="0" y="0"/>
+          <a:ext cx="0" cy="0"/>
+          <a:chOff x="0" y="0"/>
+          <a:chExt cx="0" cy="0"/>
+        </a:xfrm>
+      </p:grpSpPr>
+      <p:sp>
+        <p:nvSpPr>
+          <p:cNvPr id="20" name="圓角矩形 19"/>
+          <p:cNvSpPr/>
+          <p:nvPr/>
+        </p:nvSpPr>
+        <p:spPr>
+          <a:xfrm>
+            <a:off x="2143108" y="1285860"/>
+            <a:ext cx="3571900" cy="2143140"/>
+          </a:xfrm>
+          <a:prstGeom prst="roundRect">
+            <a:avLst/>
+          </a:prstGeom>
+        </p:spPr>
+        <p:style>
+          <a:lnRef idx="2">
+            <a:schemeClr val="accent2"/>
+          </a:lnRef>
+          <a:fillRef idx="1">
+            <a:schemeClr val="lt1"/>
+          </a:fillRef>
+          <a:effectRef idx="0">
+            <a:schemeClr val="accent2"/>
+          </a:effectRef>
+          <a:fontRef idx="minor">
+            <a:schemeClr val="dk1"/>
+          </a:fontRef>
+        </p:style>
+        <p:txBody>
+          <a:bodyPr rtlCol="0" anchor="ctr"/>
+          <a:lstStyle/>
+          <a:p>
+            <a:pPr algn="ctr"/>
+            <a:endParaRPr lang="en-CA"/>
+          </a:p>
+        </p:txBody>
+      </p:sp>
+      <p:sp>
+        <p:nvSpPr>
+          <p:cNvPr id="2" name="標題 1"/>
+          <p:cNvSpPr>
+            <a:spLocks noGrp="1"/>
+          </p:cNvSpPr>
+          <p:nvPr>
+            <p:ph type="title"/>
+          </p:nvPr>
+        </p:nvSpPr>
+        <p:spPr/>
+        <p:txBody>
+          <a:bodyPr/>
+          <a:lstStyle/>
+          <a:p>
+            <a:endParaRPr lang="en-CA"/>
+          </a:p>
+        </p:txBody>
+      </p:sp>
+      <p:sp>
+        <p:nvSpPr>
+          <p:cNvPr id="4" name="橢圓 3"/>
+          <p:cNvSpPr/>
+          <p:nvPr/>
+        </p:nvSpPr>
+        <p:spPr>
+          <a:xfrm>
+            <a:off x="3643306" y="1500174"/>
+            <a:ext cx="428628" cy="428628"/>
+          </a:xfrm>
+          <a:prstGeom prst="ellipse">
+            <a:avLst/>
+          </a:prstGeom>
+        </p:spPr>
+        <p:style>
+          <a:lnRef idx="2">
+            <a:schemeClr val="dk1"/>
+          </a:lnRef>
+          <a:fillRef idx="1">
+            <a:schemeClr val="lt1"/>
+          </a:fillRef>
+          <a:effectRef idx="0">
+            <a:schemeClr val="dk1"/>
+          </a:effectRef>
+          <a:fontRef idx="minor">
+            <a:schemeClr val="dk1"/>
+          </a:fontRef>
+        </p:style>
+        <p:txBody>
+          <a:bodyPr rtlCol="0" anchor="ctr"/>
+          <a:lstStyle/>
+          <a:p>
+            <a:pPr algn="ctr"/>
+            <a:endParaRPr lang="en-CA"/>
+          </a:p>
+        </p:txBody>
+      </p:sp>
+      <p:sp>
+        <p:nvSpPr>
+          <p:cNvPr id="6" name="橢圓 5"/>
+          <p:cNvSpPr/>
+          <p:nvPr/>
+        </p:nvSpPr>
+        <p:spPr>
+          <a:xfrm>
+            <a:off x="3000364" y="2214554"/>
+            <a:ext cx="428628" cy="428628"/>
+          </a:xfrm>
+          <a:prstGeom prst="ellipse">
+            <a:avLst/>
+          </a:prstGeom>
+        </p:spPr>
+        <p:style>
+          <a:lnRef idx="2">
+            <a:schemeClr val="dk1"/>
+          </a:lnRef>
+          <a:fillRef idx="1">
+            <a:schemeClr val="lt1"/>
+          </a:fillRef>
+          <a:effectRef idx="0">
+            <a:schemeClr val="dk1"/>
+          </a:effectRef>
+          <a:fontRef idx="minor">
+            <a:schemeClr val="dk1"/>
+          </a:fontRef>
+        </p:style>
+        <p:txBody>
+          <a:bodyPr rtlCol="0" anchor="ctr"/>
+          <a:lstStyle/>
+          <a:p>
+            <a:pPr algn="ctr"/>
+            <a:endParaRPr lang="en-CA"/>
+          </a:p>
+        </p:txBody>
+      </p:sp>
+      <p:sp>
+        <p:nvSpPr>
+          <p:cNvPr id="8" name="橢圓 7"/>
+          <p:cNvSpPr/>
+          <p:nvPr/>
+        </p:nvSpPr>
+        <p:spPr>
+          <a:xfrm>
+            <a:off x="2643174" y="2857496"/>
+            <a:ext cx="428628" cy="428628"/>
+          </a:xfrm>
+          <a:prstGeom prst="ellipse">
+            <a:avLst/>
+          </a:prstGeom>
+        </p:spPr>
+        <p:style>
+          <a:lnRef idx="2">
+            <a:schemeClr val="dk1"/>
+          </a:lnRef>
+          <a:fillRef idx="1">
+            <a:schemeClr val="lt1"/>
+          </a:fillRef>
+          <a:effectRef idx="0">
+            <a:schemeClr val="dk1"/>
+          </a:effectRef>
+          <a:fontRef idx="minor">
+            <a:schemeClr val="dk1"/>
+          </a:fontRef>
+        </p:style>
+        <p:txBody>
+          <a:bodyPr rtlCol="0" anchor="ctr"/>
+          <a:lstStyle/>
+          <a:p>
+            <a:pPr algn="ctr"/>
+            <a:endParaRPr lang="en-CA"/>
+          </a:p>
+        </p:txBody>
+      </p:sp>
+      <p:sp>
+        <p:nvSpPr>
+          <p:cNvPr id="9" name="橢圓 8"/>
+          <p:cNvSpPr/>
+          <p:nvPr/>
+        </p:nvSpPr>
+        <p:spPr>
+          <a:xfrm>
+            <a:off x="3357554" y="2857496"/>
+            <a:ext cx="428628" cy="428628"/>
+          </a:xfrm>
+          <a:prstGeom prst="ellipse">
+            <a:avLst/>
+          </a:prstGeom>
+        </p:spPr>
+        <p:style>
+          <a:lnRef idx="2">
+            <a:schemeClr val="dk1"/>
+          </a:lnRef>
+          <a:fillRef idx="1">
+            <a:schemeClr val="lt1"/>
+          </a:fillRef>
+          <a:effectRef idx="0">
+            <a:schemeClr val="dk1"/>
+          </a:effectRef>
+          <a:fontRef idx="minor">
+            <a:schemeClr val="dk1"/>
+          </a:fontRef>
+        </p:style>
+        <p:txBody>
+          <a:bodyPr rtlCol="0" anchor="ctr"/>
+          <a:lstStyle/>
+          <a:p>
+            <a:pPr algn="ctr"/>
+            <a:endParaRPr lang="en-CA"/>
+          </a:p>
+        </p:txBody>
+      </p:sp>
+      <p:sp>
+        <p:nvSpPr>
+          <p:cNvPr id="12" name="橢圓 11"/>
+          <p:cNvSpPr/>
+          <p:nvPr/>
+        </p:nvSpPr>
+        <p:spPr>
+          <a:xfrm>
+            <a:off x="4429124" y="2214554"/>
+            <a:ext cx="428628" cy="428628"/>
+          </a:xfrm>
+          <a:prstGeom prst="ellipse">
+            <a:avLst/>
+          </a:prstGeom>
+        </p:spPr>
+        <p:style>
+          <a:lnRef idx="2">
+            <a:schemeClr val="dk1"/>
+          </a:lnRef>
+          <a:fillRef idx="1">
+            <a:schemeClr val="lt1"/>
+          </a:fillRef>
+          <a:effectRef idx="0">
+            <a:schemeClr val="dk1"/>
+          </a:effectRef>
+          <a:fontRef idx="minor">
+            <a:schemeClr val="dk1"/>
+          </a:fontRef>
+        </p:style>
+        <p:txBody>
+          <a:bodyPr rtlCol="0" anchor="ctr"/>
+          <a:lstStyle/>
+          <a:p>
+            <a:pPr algn="ctr"/>
+            <a:endParaRPr lang="en-CA"/>
+          </a:p>
+        </p:txBody>
+      </p:sp>
+      <p:sp>
+        <p:nvSpPr>
+          <p:cNvPr id="13" name="橢圓 12"/>
+          <p:cNvSpPr/>
+          <p:nvPr/>
+        </p:nvSpPr>
+        <p:spPr>
+          <a:xfrm>
+            <a:off x="4071934" y="2857496"/>
+            <a:ext cx="428628" cy="428628"/>
+          </a:xfrm>
+          <a:prstGeom prst="ellipse">
+            <a:avLst/>
+          </a:prstGeom>
+        </p:spPr>
+        <p:style>
+          <a:lnRef idx="2">
+            <a:schemeClr val="dk1"/>
+          </a:lnRef>
+          <a:fillRef idx="1">
+            <a:schemeClr val="lt1"/>
+          </a:fillRef>
+          <a:effectRef idx="0">
+            <a:schemeClr val="dk1"/>
+          </a:effectRef>
+          <a:fontRef idx="minor">
+            <a:schemeClr val="dk1"/>
+          </a:fontRef>
+        </p:style>
+        <p:txBody>
+          <a:bodyPr rtlCol="0" anchor="ctr"/>
+          <a:lstStyle/>
+          <a:p>
+            <a:pPr algn="ctr"/>
+            <a:endParaRPr lang="en-CA"/>
+          </a:p>
+        </p:txBody>
+      </p:sp>
+      <p:sp>
+        <p:nvSpPr>
+          <p:cNvPr id="14" name="橢圓 13"/>
+          <p:cNvSpPr/>
+          <p:nvPr/>
+        </p:nvSpPr>
+        <p:spPr>
+          <a:xfrm>
+            <a:off x="4786314" y="2857496"/>
+            <a:ext cx="428628" cy="428628"/>
+          </a:xfrm>
+          <a:prstGeom prst="ellipse">
+            <a:avLst/>
+          </a:prstGeom>
+        </p:spPr>
+        <p:style>
+          <a:lnRef idx="2">
+            <a:schemeClr val="dk1"/>
+          </a:lnRef>
+          <a:fillRef idx="1">
+            <a:schemeClr val="lt1"/>
+          </a:fillRef>
+          <a:effectRef idx="0">
+            <a:schemeClr val="dk1"/>
+          </a:effectRef>
+          <a:fontRef idx="minor">
+            <a:schemeClr val="dk1"/>
+          </a:fontRef>
+        </p:style>
+        <p:txBody>
+          <a:bodyPr rtlCol="0" anchor="ctr"/>
+          <a:lstStyle/>
+          <a:p>
+            <a:pPr algn="ctr"/>
+            <a:endParaRPr lang="en-CA"/>
+          </a:p>
+        </p:txBody>
+      </p:sp>
+      <p:sp>
+        <p:nvSpPr>
+          <p:cNvPr id="15" name="橢圓 14"/>
+          <p:cNvSpPr/>
+          <p:nvPr/>
+        </p:nvSpPr>
+        <p:spPr>
+          <a:xfrm>
+            <a:off x="2285984" y="3571876"/>
+            <a:ext cx="428628" cy="428628"/>
+          </a:xfrm>
+          <a:prstGeom prst="ellipse">
+            <a:avLst/>
+          </a:prstGeom>
+        </p:spPr>
+        <p:style>
+          <a:lnRef idx="2">
+            <a:schemeClr val="dk1"/>
+          </a:lnRef>
+          <a:fillRef idx="1">
+            <a:schemeClr val="lt1"/>
+          </a:fillRef>
+          <a:effectRef idx="0">
+            <a:schemeClr val="dk1"/>
+          </a:effectRef>
+          <a:fontRef idx="minor">
+            <a:schemeClr val="dk1"/>
+          </a:fontRef>
+        </p:style>
+        <p:txBody>
+          <a:bodyPr rtlCol="0" anchor="ctr"/>
+          <a:lstStyle/>
+          <a:p>
+            <a:pPr algn="ctr"/>
+            <a:endParaRPr lang="en-CA"/>
+          </a:p>
+        </p:txBody>
+      </p:sp>
+      <p:sp>
+        <p:nvSpPr>
+          <p:cNvPr id="16" name="橢圓 15"/>
+          <p:cNvSpPr/>
+          <p:nvPr/>
+        </p:nvSpPr>
+        <p:spPr>
+          <a:xfrm>
+            <a:off x="3000364" y="3571876"/>
+            <a:ext cx="428628" cy="428628"/>
+          </a:xfrm>
+          <a:prstGeom prst="ellipse">
+            <a:avLst/>
+          </a:prstGeom>
+        </p:spPr>
+        <p:style>
+          <a:lnRef idx="2">
+            <a:schemeClr val="dk1"/>
+          </a:lnRef>
+          <a:fillRef idx="1">
+            <a:schemeClr val="lt1"/>
+          </a:fillRef>
+          <a:effectRef idx="0">
+            <a:schemeClr val="dk1"/>
+          </a:effectRef>
+          <a:fontRef idx="minor">
+            <a:schemeClr val="dk1"/>
+          </a:fontRef>
+        </p:style>
+        <p:txBody>
+          <a:bodyPr rtlCol="0" anchor="ctr"/>
+          <a:lstStyle/>
+          <a:p>
+            <a:pPr algn="ctr"/>
+            <a:endParaRPr lang="en-CA"/>
+          </a:p>
+        </p:txBody>
+      </p:sp>
+      <p:sp>
+        <p:nvSpPr>
+          <p:cNvPr id="17" name="橢圓 16"/>
+          <p:cNvSpPr/>
+          <p:nvPr/>
+        </p:nvSpPr>
+        <p:spPr>
+          <a:xfrm>
+            <a:off x="3714744" y="3571876"/>
+            <a:ext cx="428628" cy="428628"/>
+          </a:xfrm>
+          <a:prstGeom prst="ellipse">
+            <a:avLst/>
+          </a:prstGeom>
+        </p:spPr>
+        <p:style>
+          <a:lnRef idx="2">
+            <a:schemeClr val="dk1"/>
+          </a:lnRef>
+          <a:fillRef idx="1">
+            <a:schemeClr val="lt1"/>
+          </a:fillRef>
+          <a:effectRef idx="0">
+            <a:schemeClr val="dk1"/>
+          </a:effectRef>
+          <a:fontRef idx="minor">
+            <a:schemeClr val="dk1"/>
+          </a:fontRef>
+        </p:style>
+        <p:txBody>
+          <a:bodyPr rtlCol="0" anchor="ctr"/>
+          <a:lstStyle/>
+          <a:p>
+            <a:pPr algn="ctr"/>
+            <a:endParaRPr lang="en-CA"/>
+          </a:p>
+        </p:txBody>
+      </p:sp>
+      <p:sp>
+        <p:nvSpPr>
+          <p:cNvPr id="18" name="橢圓 17"/>
+          <p:cNvSpPr/>
+          <p:nvPr/>
+        </p:nvSpPr>
+        <p:spPr>
+          <a:xfrm>
+            <a:off x="4429124" y="3571876"/>
+            <a:ext cx="428628" cy="428628"/>
+          </a:xfrm>
+          <a:prstGeom prst="ellipse">
+            <a:avLst/>
+          </a:prstGeom>
+        </p:spPr>
+        <p:style>
+          <a:lnRef idx="2">
+            <a:schemeClr val="dk1"/>
+          </a:lnRef>
+          <a:fillRef idx="1">
+            <a:schemeClr val="lt1"/>
+          </a:fillRef>
+          <a:effectRef idx="0">
+            <a:schemeClr val="dk1"/>
+          </a:effectRef>
+          <a:fontRef idx="minor">
+            <a:schemeClr val="dk1"/>
+          </a:fontRef>
+        </p:style>
+        <p:txBody>
+          <a:bodyPr rtlCol="0" anchor="ctr"/>
+          <a:lstStyle/>
+          <a:p>
+            <a:pPr algn="ctr"/>
+            <a:endParaRPr lang="en-CA"/>
+          </a:p>
+        </p:txBody>
+      </p:sp>
+      <p:sp>
+        <p:nvSpPr>
+          <p:cNvPr id="19" name="橢圓 18"/>
+          <p:cNvSpPr/>
+          <p:nvPr/>
+        </p:nvSpPr>
+        <p:spPr>
+          <a:xfrm>
+            <a:off x="5214942" y="3571876"/>
+            <a:ext cx="428628" cy="428628"/>
+          </a:xfrm>
+          <a:prstGeom prst="ellipse">
+            <a:avLst/>
+          </a:prstGeom>
+        </p:spPr>
+        <p:style>
+          <a:lnRef idx="2">
+            <a:schemeClr val="dk1"/>
+          </a:lnRef>
+          <a:fillRef idx="1">
+            <a:schemeClr val="lt1"/>
+          </a:fillRef>
+          <a:effectRef idx="0">
+            <a:schemeClr val="dk1"/>
+          </a:effectRef>
+          <a:fontRef idx="minor">
+            <a:schemeClr val="dk1"/>
+          </a:fontRef>
+        </p:style>
+        <p:txBody>
+          <a:bodyPr rtlCol="0" anchor="ctr"/>
+          <a:lstStyle/>
+          <a:p>
+            <a:pPr algn="ctr"/>
+            <a:endParaRPr lang="en-CA"/>
+          </a:p>
+        </p:txBody>
+      </p:sp>
+      <p:sp>
+        <p:nvSpPr>
+          <p:cNvPr id="21" name="文字方塊 20"/>
+          <p:cNvSpPr txBox="1"/>
+          <p:nvPr/>
+        </p:nvSpPr>
+        <p:spPr>
+          <a:xfrm>
+            <a:off x="6143636" y="2285992"/>
+            <a:ext cx="784189" cy="369332"/>
+          </a:xfrm>
+          <a:prstGeom prst="rect">
+            <a:avLst/>
+          </a:prstGeom>
+          <a:noFill/>
+        </p:spPr>
+        <p:txBody>
+          <a:bodyPr wrap="none" rtlCol="0">
+            <a:spAutoFit/>
+          </a:bodyPr>
+          <a:lstStyle/>
+          <a:p>
+            <a:r>
+              <a:rPr lang="en-CA" dirty="0" smtClean="0"/>
+              <a:t>MAXQ</a:t>
+            </a:r>
+            <a:endParaRPr lang="en-CA" dirty="0"/>
+          </a:p>
+        </p:txBody>
+      </p:sp>
+      <p:sp>
+        <p:nvSpPr>
+          <p:cNvPr id="22" name="文字方塊 21"/>
+          <p:cNvSpPr txBox="1"/>
+          <p:nvPr/>
+        </p:nvSpPr>
+        <p:spPr>
+          <a:xfrm>
+            <a:off x="6215074" y="3571876"/>
+            <a:ext cx="904415" cy="369332"/>
+          </a:xfrm>
+          <a:prstGeom prst="rect">
+            <a:avLst/>
+          </a:prstGeom>
+          <a:noFill/>
+        </p:spPr>
+        <p:txBody>
+          <a:bodyPr wrap="none" rtlCol="0">
+            <a:spAutoFit/>
+          </a:bodyPr>
+          <a:lstStyle/>
+          <a:p>
+            <a:r>
+              <a:rPr lang="en-CA" dirty="0" smtClean="0"/>
+              <a:t>HORDQ</a:t>
+            </a:r>
+            <a:endParaRPr lang="en-CA" dirty="0"/>
+          </a:p>
+        </p:txBody>
+      </p:sp>
+      <p:sp>
+        <p:nvSpPr>
+          <p:cNvPr id="23" name="向左箭號 22"/>
+          <p:cNvSpPr/>
+          <p:nvPr/>
+        </p:nvSpPr>
+        <p:spPr>
+          <a:xfrm>
+            <a:off x="6000760" y="1643050"/>
+            <a:ext cx="1285884" cy="428628"/>
+          </a:xfrm>
+          <a:prstGeom prst="leftArrow">
+            <a:avLst/>
+          </a:prstGeom>
+        </p:spPr>
+        <p:style>
+          <a:lnRef idx="2">
+            <a:schemeClr val="accent1">
+              <a:shade val="50000"/>
+            </a:schemeClr>
+          </a:lnRef>
+          <a:fillRef idx="1">
+            <a:schemeClr val="accent1"/>
+          </a:fillRef>
+          <a:effectRef idx="0">
+            <a:schemeClr val="accent1"/>
+          </a:effectRef>
+          <a:fontRef idx="minor">
+            <a:schemeClr val="lt1"/>
+          </a:fontRef>
+        </p:style>
+        <p:txBody>
+          <a:bodyPr rtlCol="0" anchor="ctr"/>
+          <a:lstStyle/>
+          <a:p>
+            <a:pPr algn="ctr"/>
+            <a:endParaRPr lang="en-CA"/>
+          </a:p>
+        </p:txBody>
+      </p:sp>
+      <p:sp>
+        <p:nvSpPr>
+          <p:cNvPr id="24" name="文字方塊 23"/>
+          <p:cNvSpPr txBox="1"/>
+          <p:nvPr/>
+        </p:nvSpPr>
+        <p:spPr>
+          <a:xfrm>
+            <a:off x="7500958" y="1714488"/>
+            <a:ext cx="2880597" cy="3416320"/>
+          </a:xfrm>
+          <a:prstGeom prst="rect">
+            <a:avLst/>
+          </a:prstGeom>
+          <a:noFill/>
+        </p:spPr>
+        <p:txBody>
+          <a:bodyPr wrap="none" rtlCol="0">
+            <a:spAutoFit/>
+          </a:bodyPr>
+          <a:lstStyle/>
+          <a:p>
+            <a:r>
+              <a:rPr lang="en-CA" dirty="0" smtClean="0"/>
+              <a:t>You can put </a:t>
+            </a:r>
+          </a:p>
+          <a:p>
+            <a:r>
+              <a:rPr lang="en-CA" dirty="0" smtClean="0"/>
+              <a:t>Anything here:</a:t>
+            </a:r>
+          </a:p>
+          <a:p>
+            <a:r>
+              <a:rPr lang="en-CA" dirty="0" smtClean="0"/>
+              <a:t>Model-free RL</a:t>
+            </a:r>
+          </a:p>
+          <a:p>
+            <a:r>
+              <a:rPr lang="en-CA" dirty="0" smtClean="0"/>
+              <a:t>Model-based RL</a:t>
+            </a:r>
+          </a:p>
+          <a:p>
+            <a:r>
+              <a:rPr lang="en-CA" dirty="0" smtClean="0"/>
+              <a:t>Include all</a:t>
+            </a:r>
+          </a:p>
+          <a:p>
+            <a:r>
+              <a:rPr lang="en-CA" dirty="0" smtClean="0"/>
+              <a:t>Classical planning algorithms</a:t>
+            </a:r>
+          </a:p>
+          <a:p>
+            <a:r>
+              <a:rPr lang="en-CA" dirty="0" smtClean="0"/>
+              <a:t>And still get an optimal</a:t>
+            </a:r>
+          </a:p>
+          <a:p>
+            <a:r>
+              <a:rPr lang="en-CA" dirty="0" smtClean="0"/>
+              <a:t>Policy!! for an MDP</a:t>
+            </a:r>
+          </a:p>
+          <a:p>
+            <a:r>
+              <a:rPr lang="en-CA" dirty="0" smtClean="0"/>
+              <a:t>Symbolic programming</a:t>
+            </a:r>
+          </a:p>
+          <a:p>
+            <a:r>
+              <a:rPr lang="en-CA" dirty="0" smtClean="0"/>
+              <a:t>A*</a:t>
+            </a:r>
+          </a:p>
+          <a:p>
+            <a:r>
+              <a:rPr lang="en-CA" dirty="0" smtClean="0"/>
+              <a:t>STRIPS</a:t>
+            </a:r>
+          </a:p>
+          <a:p>
+            <a:endParaRPr lang="en-CA" dirty="0" smtClean="0"/>
+          </a:p>
+        </p:txBody>
+      </p:sp>
     </p:spTree>
   </p:cSld>
   <p:clrMapOvr>

--- a/OptimalPlanning.pptx
+++ b/OptimalPlanning.pptx
@@ -5,7 +5,7 @@
     <p:sldMasterId id="2147483648" r:id="rId1"/>
   </p:sldMasterIdLst>
   <p:notesMasterIdLst>
-    <p:notesMasterId r:id="rId81"/>
+    <p:notesMasterId r:id="rId84"/>
   </p:notesMasterIdLst>
   <p:sldIdLst>
     <p:sldId id="256" r:id="rId2"/>
@@ -46,7 +46,7 @@
     <p:sldId id="379" r:id="rId37"/>
     <p:sldId id="383" r:id="rId38"/>
     <p:sldId id="387" r:id="rId39"/>
-    <p:sldId id="395" r:id="rId40"/>
+    <p:sldId id="401" r:id="rId40"/>
     <p:sldId id="390" r:id="rId41"/>
     <p:sldId id="391" r:id="rId42"/>
     <p:sldId id="276" r:id="rId43"/>
@@ -87,6 +87,9 @@
     <p:sldId id="393" r:id="rId78"/>
     <p:sldId id="394" r:id="rId79"/>
     <p:sldId id="397" r:id="rId80"/>
+    <p:sldId id="398" r:id="rId81"/>
+    <p:sldId id="399" r:id="rId82"/>
+    <p:sldId id="400" r:id="rId83"/>
   </p:sldIdLst>
   <p:sldSz cx="9144000" cy="6858000" type="screen4x3"/>
   <p:notesSz cx="6858000" cy="9144000"/>
@@ -3176,7 +3179,92 @@
           </a:bodyPr>
           <a:lstStyle/>
           <a:p>
-            <a:endParaRPr lang="en-CA"/>
+            <a:pPr marL="1143000" lvl="2" indent="-228600">
+              <a:spcBef>
+                <a:spcPct val="20000"/>
+              </a:spcBef>
+              <a:buFont typeface="Arial" pitchFamily="34" charset="0"/>
+              <a:buChar char="•"/>
+            </a:pPr>
+            <a:r>
+              <a:rPr lang="en-CA" sz="2400" dirty="0" smtClean="0"/>
+              <a:t>Choose as small reward as possible</a:t>
+            </a:r>
+          </a:p>
+          <a:p>
+            <a:pPr marL="1143000" marR="0" lvl="2" indent="-228600" algn="l" defTabSz="914400" rtl="0" eaLnBrk="1" fontAlgn="auto" latinLnBrk="0" hangingPunct="1">
+              <a:lnSpc>
+                <a:spcPct val="100000"/>
+              </a:lnSpc>
+              <a:spcBef>
+                <a:spcPct val="20000"/>
+              </a:spcBef>
+              <a:spcAft>
+                <a:spcPts val="0"/>
+              </a:spcAft>
+              <a:buClrTx/>
+              <a:buSzTx/>
+              <a:buFont typeface="Arial" pitchFamily="34" charset="0"/>
+              <a:buChar char="•"/>
+              <a:tabLst/>
+              <a:defRPr/>
+            </a:pPr>
+            <a:r>
+              <a:rPr kumimoji="0" lang="en-CA" sz="2400" b="0" i="0" u="none" strike="noStrike" kern="1200" cap="none" spc="0" normalizeH="0" baseline="0" noProof="0" dirty="0" smtClean="0">
+                <a:ln>
+                  <a:noFill/>
+                </a:ln>
+                <a:solidFill>
+                  <a:schemeClr val="tx1"/>
+                </a:solidFill>
+                <a:effectLst/>
+                <a:uLnTx/>
+                <a:uFillTx/>
+                <a:latin typeface="+mn-lt"/>
+                <a:ea typeface="+mn-ea"/>
+                <a:cs typeface="+mn-cs"/>
+              </a:rPr>
+              <a:t>Decrease it when the policy is “good enough”</a:t>
+            </a:r>
+          </a:p>
+          <a:p>
+            <a:pPr marL="1143000" marR="0" lvl="2" indent="-228600" algn="l" defTabSz="914400" rtl="0" eaLnBrk="1" fontAlgn="auto" latinLnBrk="0" hangingPunct="1">
+              <a:lnSpc>
+                <a:spcPct val="100000"/>
+              </a:lnSpc>
+              <a:spcBef>
+                <a:spcPct val="20000"/>
+              </a:spcBef>
+              <a:spcAft>
+                <a:spcPts val="0"/>
+              </a:spcAft>
+              <a:buClrTx/>
+              <a:buSzTx/>
+              <a:buFont typeface="Arial" pitchFamily="34" charset="0"/>
+              <a:buChar char="•"/>
+              <a:tabLst/>
+              <a:defRPr/>
+            </a:pPr>
+            <a:r>
+              <a:rPr kumimoji="0" lang="en-CA" sz="2400" b="0" i="0" u="none" strike="noStrike" kern="1200" cap="none" spc="0" normalizeH="0" baseline="0" noProof="0" dirty="0" smtClean="0">
+                <a:ln>
+                  <a:noFill/>
+                </a:ln>
+                <a:solidFill>
+                  <a:schemeClr val="tx1"/>
+                </a:solidFill>
+                <a:effectLst/>
+                <a:uLnTx/>
+                <a:uFillTx/>
+                <a:latin typeface="+mn-lt"/>
+                <a:ea typeface="+mn-ea"/>
+                <a:cs typeface="+mn-cs"/>
+              </a:rPr>
+              <a:t>No theory here</a:t>
+            </a:r>
+          </a:p>
+          <a:p>
+            <a:endParaRPr lang="en-CA" dirty="0"/>
           </a:p>
         </p:txBody>
       </p:sp>
@@ -8187,6 +8275,293 @@
               <a:rPr lang="en-CA" smtClean="0"/>
               <a:pPr/>
               <a:t>8</a:t>
+            </a:fld>
+            <a:endParaRPr lang="en-CA"/>
+          </a:p>
+        </p:txBody>
+      </p:sp>
+    </p:spTree>
+  </p:cSld>
+  <p:clrMapOvr>
+    <a:masterClrMapping/>
+  </p:clrMapOvr>
+</p:notes>
+</file>
+
+<file path=ppt/notesSlides/notesSlide80.xml><?xml version="1.0" encoding="utf-8"?>
+<p:notes xmlns:a="http://schemas.openxmlformats.org/drawingml/2006/main" xmlns:r="http://schemas.openxmlformats.org/officeDocument/2006/relationships" xmlns:p="http://schemas.openxmlformats.org/presentationml/2006/main">
+  <p:cSld>
+    <p:spTree>
+      <p:nvGrpSpPr>
+        <p:cNvPr id="1" name=""/>
+        <p:cNvGrpSpPr/>
+        <p:nvPr/>
+      </p:nvGrpSpPr>
+      <p:grpSpPr>
+        <a:xfrm>
+          <a:off x="0" y="0"/>
+          <a:ext cx="0" cy="0"/>
+          <a:chOff x="0" y="0"/>
+          <a:chExt cx="0" cy="0"/>
+        </a:xfrm>
+      </p:grpSpPr>
+      <p:sp>
+        <p:nvSpPr>
+          <p:cNvPr id="2" name="投影片圖像版面配置區 1"/>
+          <p:cNvSpPr>
+            <a:spLocks noGrp="1" noRot="1" noChangeAspect="1"/>
+          </p:cNvSpPr>
+          <p:nvPr>
+            <p:ph type="sldImg"/>
+          </p:nvPr>
+        </p:nvSpPr>
+        <p:spPr/>
+      </p:sp>
+      <p:sp>
+        <p:nvSpPr>
+          <p:cNvPr id="3" name="備忘稿版面配置區 2"/>
+          <p:cNvSpPr>
+            <a:spLocks noGrp="1"/>
+          </p:cNvSpPr>
+          <p:nvPr>
+            <p:ph type="body" idx="1"/>
+          </p:nvPr>
+        </p:nvSpPr>
+        <p:spPr/>
+        <p:txBody>
+          <a:bodyPr>
+            <a:normAutofit/>
+          </a:bodyPr>
+          <a:lstStyle/>
+          <a:p>
+            <a:pPr lvl="1"/>
+            <a:r>
+              <a:rPr lang="en-US" altLang="zh-TW" dirty="0" smtClean="0"/>
+              <a:t>Model-free</a:t>
+            </a:r>
+            <a:r>
+              <a:rPr lang="en-US" altLang="zh-TW" baseline="0" dirty="0" smtClean="0"/>
+              <a:t> approaches fail to learn the </a:t>
+            </a:r>
+          </a:p>
+          <a:p>
+            <a:pPr lvl="1"/>
+            <a:r>
+              <a:rPr lang="en-US" altLang="zh-TW" baseline="0" dirty="0" smtClean="0"/>
+              <a:t>Model-based approaches</a:t>
+            </a:r>
+            <a:endParaRPr lang="en-US" altLang="zh-TW" dirty="0" smtClean="0"/>
+          </a:p>
+          <a:p>
+            <a:pPr lvl="1"/>
+            <a:endParaRPr lang="en-US" altLang="zh-TW" dirty="0" smtClean="0"/>
+          </a:p>
+          <a:p>
+            <a:pPr lvl="1"/>
+            <a:r>
+              <a:rPr lang="en-US" altLang="zh-TW" dirty="0" smtClean="0"/>
+              <a:t>Build </a:t>
+            </a:r>
+            <a:r>
+              <a:rPr lang="en-US" altLang="zh-TW" dirty="0" smtClean="0"/>
+              <a:t>a model of it’s own dynamic through interaction</a:t>
+            </a:r>
+          </a:p>
+          <a:p>
+            <a:pPr lvl="1"/>
+            <a:r>
+              <a:rPr lang="en-US" altLang="zh-TW" dirty="0" smtClean="0"/>
+              <a:t>Other unknown object cannot</a:t>
+            </a:r>
+          </a:p>
+          <a:p>
+            <a:endParaRPr lang="en-CA" dirty="0"/>
+          </a:p>
+        </p:txBody>
+      </p:sp>
+      <p:sp>
+        <p:nvSpPr>
+          <p:cNvPr id="4" name="投影片編號版面配置區 3"/>
+          <p:cNvSpPr>
+            <a:spLocks noGrp="1"/>
+          </p:cNvSpPr>
+          <p:nvPr>
+            <p:ph type="sldNum" sz="quarter" idx="10"/>
+          </p:nvPr>
+        </p:nvSpPr>
+        <p:spPr/>
+        <p:txBody>
+          <a:bodyPr/>
+          <a:lstStyle/>
+          <a:p>
+            <a:fld id="{4746D9A5-85CA-4182-8A94-C906263A7ECD}" type="slidenum">
+              <a:rPr lang="en-CA" smtClean="0"/>
+              <a:pPr/>
+              <a:t>80</a:t>
+            </a:fld>
+            <a:endParaRPr lang="en-CA"/>
+          </a:p>
+        </p:txBody>
+      </p:sp>
+    </p:spTree>
+  </p:cSld>
+  <p:clrMapOvr>
+    <a:masterClrMapping/>
+  </p:clrMapOvr>
+</p:notes>
+</file>
+
+<file path=ppt/notesSlides/notesSlide81.xml><?xml version="1.0" encoding="utf-8"?>
+<p:notes xmlns:a="http://schemas.openxmlformats.org/drawingml/2006/main" xmlns:r="http://schemas.openxmlformats.org/officeDocument/2006/relationships" xmlns:p="http://schemas.openxmlformats.org/presentationml/2006/main">
+  <p:cSld>
+    <p:spTree>
+      <p:nvGrpSpPr>
+        <p:cNvPr id="1" name=""/>
+        <p:cNvGrpSpPr/>
+        <p:nvPr/>
+      </p:nvGrpSpPr>
+      <p:grpSpPr>
+        <a:xfrm>
+          <a:off x="0" y="0"/>
+          <a:ext cx="0" cy="0"/>
+          <a:chOff x="0" y="0"/>
+          <a:chExt cx="0" cy="0"/>
+        </a:xfrm>
+      </p:grpSpPr>
+      <p:sp>
+        <p:nvSpPr>
+          <p:cNvPr id="2" name="投影片圖像版面配置區 1"/>
+          <p:cNvSpPr>
+            <a:spLocks noGrp="1" noRot="1" noChangeAspect="1"/>
+          </p:cNvSpPr>
+          <p:nvPr>
+            <p:ph type="sldImg"/>
+          </p:nvPr>
+        </p:nvSpPr>
+        <p:spPr/>
+      </p:sp>
+      <p:sp>
+        <p:nvSpPr>
+          <p:cNvPr id="3" name="備忘稿版面配置區 2"/>
+          <p:cNvSpPr>
+            <a:spLocks noGrp="1"/>
+          </p:cNvSpPr>
+          <p:nvPr>
+            <p:ph type="body" idx="1"/>
+          </p:nvPr>
+        </p:nvSpPr>
+        <p:spPr/>
+        <p:txBody>
+          <a:bodyPr>
+            <a:normAutofit/>
+          </a:bodyPr>
+          <a:lstStyle/>
+          <a:p>
+            <a:endParaRPr lang="en-CA"/>
+          </a:p>
+        </p:txBody>
+      </p:sp>
+      <p:sp>
+        <p:nvSpPr>
+          <p:cNvPr id="4" name="投影片編號版面配置區 3"/>
+          <p:cNvSpPr>
+            <a:spLocks noGrp="1"/>
+          </p:cNvSpPr>
+          <p:nvPr>
+            <p:ph type="sldNum" sz="quarter" idx="10"/>
+          </p:nvPr>
+        </p:nvSpPr>
+        <p:spPr/>
+        <p:txBody>
+          <a:bodyPr/>
+          <a:lstStyle/>
+          <a:p>
+            <a:fld id="{4746D9A5-85CA-4182-8A94-C906263A7ECD}" type="slidenum">
+              <a:rPr lang="en-CA" smtClean="0"/>
+              <a:pPr/>
+              <a:t>81</a:t>
+            </a:fld>
+            <a:endParaRPr lang="en-CA"/>
+          </a:p>
+        </p:txBody>
+      </p:sp>
+    </p:spTree>
+  </p:cSld>
+  <p:clrMapOvr>
+    <a:masterClrMapping/>
+  </p:clrMapOvr>
+</p:notes>
+</file>
+
+<file path=ppt/notesSlides/notesSlide82.xml><?xml version="1.0" encoding="utf-8"?>
+<p:notes xmlns:a="http://schemas.openxmlformats.org/drawingml/2006/main" xmlns:r="http://schemas.openxmlformats.org/officeDocument/2006/relationships" xmlns:p="http://schemas.openxmlformats.org/presentationml/2006/main">
+  <p:cSld>
+    <p:spTree>
+      <p:nvGrpSpPr>
+        <p:cNvPr id="1" name=""/>
+        <p:cNvGrpSpPr/>
+        <p:nvPr/>
+      </p:nvGrpSpPr>
+      <p:grpSpPr>
+        <a:xfrm>
+          <a:off x="0" y="0"/>
+          <a:ext cx="0" cy="0"/>
+          <a:chOff x="0" y="0"/>
+          <a:chExt cx="0" cy="0"/>
+        </a:xfrm>
+      </p:grpSpPr>
+      <p:sp>
+        <p:nvSpPr>
+          <p:cNvPr id="2" name="投影片圖像版面配置區 1"/>
+          <p:cNvSpPr>
+            <a:spLocks noGrp="1" noRot="1" noChangeAspect="1"/>
+          </p:cNvSpPr>
+          <p:nvPr>
+            <p:ph type="sldImg"/>
+          </p:nvPr>
+        </p:nvSpPr>
+        <p:spPr/>
+      </p:sp>
+      <p:sp>
+        <p:nvSpPr>
+          <p:cNvPr id="3" name="備忘稿版面配置區 2"/>
+          <p:cNvSpPr>
+            <a:spLocks noGrp="1"/>
+          </p:cNvSpPr>
+          <p:nvPr>
+            <p:ph type="body" idx="1"/>
+          </p:nvPr>
+        </p:nvSpPr>
+        <p:spPr/>
+        <p:txBody>
+          <a:bodyPr>
+            <a:normAutofit/>
+          </a:bodyPr>
+          <a:lstStyle/>
+          <a:p>
+            <a:endParaRPr lang="en-CA"/>
+          </a:p>
+        </p:txBody>
+      </p:sp>
+      <p:sp>
+        <p:nvSpPr>
+          <p:cNvPr id="4" name="投影片編號版面配置區 3"/>
+          <p:cNvSpPr>
+            <a:spLocks noGrp="1"/>
+          </p:cNvSpPr>
+          <p:nvPr>
+            <p:ph type="sldNum" sz="quarter" idx="10"/>
+          </p:nvPr>
+        </p:nvSpPr>
+        <p:spPr/>
+        <p:txBody>
+          <a:bodyPr/>
+          <a:lstStyle/>
+          <a:p>
+            <a:fld id="{4746D9A5-85CA-4182-8A94-C906263A7ECD}" type="slidenum">
+              <a:rPr lang="en-CA" smtClean="0"/>
+              <a:pPr/>
+              <a:t>82</a:t>
             </a:fld>
             <a:endParaRPr lang="en-CA"/>
           </a:p>
@@ -18412,7 +18787,7 @@
         </p:spPr>
         <p:txBody>
           <a:bodyPr>
-            <a:normAutofit/>
+            <a:normAutofit fontScale="92500" lnSpcReduction="20000"/>
           </a:bodyPr>
           <a:lstStyle/>
           <a:p>
@@ -18488,8 +18863,43 @@
               <a:rPr lang="en-CA" dirty="0" smtClean="0">
                 <a:sym typeface="Wingdings" pitchFamily="2" charset="2"/>
               </a:rPr>
-              <a:t>Lose optimality</a:t>
-            </a:r>
+              <a:t>Lose </a:t>
+            </a:r>
+            <a:r>
+              <a:rPr lang="en-CA" dirty="0" smtClean="0">
+                <a:sym typeface="Wingdings" pitchFamily="2" charset="2"/>
+              </a:rPr>
+              <a:t>optimality</a:t>
+            </a:r>
+          </a:p>
+          <a:p>
+            <a:pPr lvl="1"/>
+            <a:r>
+              <a:rPr lang="en-CA" dirty="0" smtClean="0"/>
+              <a:t>Decrease </a:t>
+            </a:r>
+            <a:r>
+              <a:rPr lang="en-CA" dirty="0" smtClean="0"/>
+              <a:t>the pseudo-reward to </a:t>
+            </a:r>
+            <a:r>
+              <a:rPr lang="en-CA" dirty="0" smtClean="0"/>
+              <a:t>zero</a:t>
+            </a:r>
+          </a:p>
+          <a:p>
+            <a:pPr lvl="2"/>
+            <a:r>
+              <a:rPr lang="en-CA" dirty="0" smtClean="0"/>
+              <a:t>To learn the optimal </a:t>
+            </a:r>
+            <a:r>
+              <a:rPr lang="en-CA" dirty="0" smtClean="0"/>
+              <a:t>policy</a:t>
+            </a:r>
+            <a:endParaRPr lang="en-CA" dirty="0" smtClean="0">
+              <a:sym typeface="Wingdings" pitchFamily="2" charset="2"/>
+            </a:endParaRPr>
           </a:p>
           <a:p>
             <a:pPr lvl="1"/>
@@ -21140,7 +21550,11 @@
             <a:pPr lvl="1"/>
             <a:r>
               <a:rPr lang="en-CA" dirty="0" smtClean="0"/>
-              <a:t>Larger than the step cost of reaching the </a:t>
+              <a:t>Larger than the </a:t>
+            </a:r>
+            <a:r>
+              <a:rPr lang="en-CA" dirty="0" smtClean="0"/>
+              <a:t>step cost of reaching the </a:t>
             </a:r>
             <a:r>
               <a:rPr lang="en-CA" dirty="0" err="1" smtClean="0"/>
@@ -21186,16 +21600,133 @@
             <a:pPr lvl="1"/>
             <a:r>
               <a:rPr lang="en-CA" dirty="0" smtClean="0"/>
-              <a:t>What is the decreasing rate?</a:t>
-            </a:r>
+              <a:t>What </a:t>
+            </a:r>
+            <a:r>
+              <a:rPr lang="en-CA" dirty="0" smtClean="0"/>
+              <a:t>is the decreasing rate</a:t>
+            </a:r>
+            <a:r>
+              <a:rPr lang="en-CA" dirty="0" smtClean="0"/>
+              <a:t>?</a:t>
+            </a:r>
+            <a:endParaRPr lang="en-CA" dirty="0" smtClean="0"/>
           </a:p>
           <a:p>
             <a:pPr lvl="1"/>
             <a:endParaRPr lang="en-CA" dirty="0" smtClean="0"/>
           </a:p>
-          <a:p>
-            <a:pPr lvl="1"/>
-            <a:endParaRPr lang="en-CA" dirty="0" smtClean="0"/>
+        </p:txBody>
+      </p:sp>
+      <p:sp>
+        <p:nvSpPr>
+          <p:cNvPr id="4" name="內容版面配置區 2"/>
+          <p:cNvSpPr txBox="1">
+            <a:spLocks/>
+          </p:cNvSpPr>
+          <p:nvPr/>
+        </p:nvSpPr>
+        <p:spPr>
+          <a:xfrm>
+            <a:off x="609600" y="1752600"/>
+            <a:ext cx="8229600" cy="4525963"/>
+          </a:xfrm>
+          <a:prstGeom prst="rect">
+            <a:avLst/>
+          </a:prstGeom>
+        </p:spPr>
+        <p:txBody>
+          <a:bodyPr vert="horz" lIns="91440" tIns="45720" rIns="91440" bIns="45720" rtlCol="0">
+            <a:normAutofit/>
+          </a:bodyPr>
+          <a:lstStyle/>
+          <a:p>
+            <a:pPr marL="742950" marR="0" lvl="1" indent="-285750" algn="l" defTabSz="914400" rtl="0" eaLnBrk="1" fontAlgn="auto" latinLnBrk="0" hangingPunct="1">
+              <a:lnSpc>
+                <a:spcPct val="100000"/>
+              </a:lnSpc>
+              <a:spcBef>
+                <a:spcPct val="20000"/>
+              </a:spcBef>
+              <a:spcAft>
+                <a:spcPts val="0"/>
+              </a:spcAft>
+              <a:buClrTx/>
+              <a:buSzTx/>
+              <a:tabLst/>
+              <a:defRPr/>
+            </a:pPr>
+            <a:endParaRPr kumimoji="0" lang="en-CA" sz="2800" b="0" i="0" u="none" strike="noStrike" kern="1200" cap="none" spc="0" normalizeH="0" baseline="0" noProof="0" dirty="0" smtClean="0">
+              <a:ln>
+                <a:noFill/>
+              </a:ln>
+              <a:solidFill>
+                <a:schemeClr val="tx1"/>
+              </a:solidFill>
+              <a:effectLst/>
+              <a:uLnTx/>
+              <a:uFillTx/>
+              <a:latin typeface="+mn-lt"/>
+              <a:ea typeface="+mn-ea"/>
+              <a:cs typeface="+mn-cs"/>
+            </a:endParaRPr>
+          </a:p>
+        </p:txBody>
+      </p:sp>
+      <p:sp>
+        <p:nvSpPr>
+          <p:cNvPr id="6" name="內容版面配置區 2"/>
+          <p:cNvSpPr txBox="1">
+            <a:spLocks/>
+          </p:cNvSpPr>
+          <p:nvPr/>
+        </p:nvSpPr>
+        <p:spPr>
+          <a:xfrm>
+            <a:off x="642910" y="571480"/>
+            <a:ext cx="8229600" cy="4525963"/>
+          </a:xfrm>
+          <a:prstGeom prst="rect">
+            <a:avLst/>
+          </a:prstGeom>
+        </p:spPr>
+        <p:txBody>
+          <a:bodyPr vert="horz" lIns="91440" tIns="45720" rIns="91440" bIns="45720" rtlCol="0">
+            <a:normAutofit/>
+          </a:bodyPr>
+          <a:lstStyle/>
+          <a:p>
+            <a:pPr marL="742950" marR="0" lvl="1" indent="-285750" algn="l" defTabSz="914400" rtl="0" eaLnBrk="1" fontAlgn="auto" latinLnBrk="0" hangingPunct="1">
+              <a:lnSpc>
+                <a:spcPct val="100000"/>
+              </a:lnSpc>
+              <a:spcBef>
+                <a:spcPct val="20000"/>
+              </a:spcBef>
+              <a:spcAft>
+                <a:spcPts val="0"/>
+              </a:spcAft>
+              <a:buClrTx/>
+              <a:buSzTx/>
+              <a:buFont typeface="Arial" pitchFamily="34" charset="0"/>
+              <a:buChar char="–"/>
+              <a:tabLst/>
+              <a:defRPr/>
+            </a:pPr>
+            <a:endParaRPr kumimoji="0" lang="en-CA" sz="2800" b="0" i="0" u="none" strike="noStrike" kern="1200" cap="none" spc="0" normalizeH="0" baseline="0" noProof="0" dirty="0" smtClean="0">
+              <a:ln>
+                <a:noFill/>
+              </a:ln>
+              <a:solidFill>
+                <a:schemeClr val="tx1"/>
+              </a:solidFill>
+              <a:effectLst/>
+              <a:uLnTx/>
+              <a:uFillTx/>
+              <a:latin typeface="+mn-lt"/>
+              <a:ea typeface="+mn-ea"/>
+              <a:cs typeface="+mn-cs"/>
+            </a:endParaRPr>
           </a:p>
         </p:txBody>
       </p:sp>
@@ -25181,7 +25712,7 @@
       </p:sp>
       <p:pic>
         <p:nvPicPr>
-          <p:cNvPr id="1026" name="Picture 2"/>
+          <p:cNvPr id="9" name="Picture 2"/>
           <p:cNvPicPr>
             <a:picLocks noChangeAspect="1" noChangeArrowheads="1"/>
           </p:cNvPicPr>
@@ -25196,7 +25727,7 @@
         </p:blipFill>
         <p:spPr bwMode="auto">
           <a:xfrm>
-            <a:off x="1928794" y="2643182"/>
+            <a:off x="2071670" y="2857500"/>
             <a:ext cx="5334000" cy="4000500"/>
           </a:xfrm>
           <a:prstGeom prst="rect">
@@ -25311,6 +25842,21 @@
             <a:r>
               <a:rPr lang="en-CA" dirty="0" smtClean="0"/>
               <a:t>(10): 277/1000</a:t>
+            </a:r>
+          </a:p>
+          <a:p>
+            <a:pPr lvl="1"/>
+            <a:r>
+              <a:rPr lang="en-CA" dirty="0" err="1" smtClean="0"/>
+              <a:t>Model+HORDQ</a:t>
+            </a:r>
+            <a:r>
+              <a:rPr lang="en-CA" dirty="0" smtClean="0"/>
+              <a:t>(10): </a:t>
+            </a:r>
+            <a:r>
+              <a:rPr lang="en-CA" dirty="0" smtClean="0"/>
+              <a:t>64/1000</a:t>
             </a:r>
           </a:p>
           <a:p>
@@ -25765,72 +26311,10 @@
         <p:spPr/>
         <p:txBody>
           <a:bodyPr>
-            <a:normAutofit fontScale="92500" lnSpcReduction="20000"/>
+            <a:normAutofit/>
           </a:bodyPr>
           <a:lstStyle/>
           <a:p>
-            <a:r>
-              <a:rPr lang="en-CA" dirty="0" smtClean="0"/>
-              <a:t>I combine two champion approaches and produce a better one</a:t>
-            </a:r>
-          </a:p>
-          <a:p>
-            <a:r>
-              <a:rPr lang="en-CA" dirty="0" smtClean="0"/>
-              <a:t>A* is still the state of the art for Mario</a:t>
-            </a:r>
-          </a:p>
-          <a:p>
-            <a:pPr lvl="1"/>
-            <a:r>
-              <a:rPr lang="en-CA" dirty="0" smtClean="0"/>
-              <a:t>With a perfect model</a:t>
-            </a:r>
-          </a:p>
-          <a:p>
-            <a:pPr lvl="1"/>
-            <a:r>
-              <a:rPr lang="en-CA" dirty="0" smtClean="0"/>
-              <a:t>without, my approach is better</a:t>
-            </a:r>
-          </a:p>
-          <a:p>
-            <a:r>
-              <a:rPr lang="en-CA" dirty="0" smtClean="0"/>
-              <a:t>Compare to RL competition</a:t>
-            </a:r>
-          </a:p>
-          <a:p>
-            <a:pPr lvl="1"/>
-            <a:r>
-              <a:rPr lang="en-CA" dirty="0" smtClean="0"/>
-              <a:t>We include the terrain information</a:t>
-            </a:r>
-          </a:p>
-          <a:p>
-            <a:pPr lvl="1"/>
-            <a:r>
-              <a:rPr lang="en-CA" dirty="0" smtClean="0"/>
-              <a:t>Move efficiently</a:t>
-            </a:r>
-          </a:p>
-          <a:p>
-            <a:pPr lvl="1"/>
-            <a:r>
-              <a:rPr lang="en-CA" dirty="0" smtClean="0"/>
-              <a:t>Less sample</a:t>
-            </a:r>
-          </a:p>
-          <a:p>
-            <a:pPr lvl="1"/>
-            <a:r>
-              <a:rPr lang="en-CA" dirty="0" smtClean="0"/>
-              <a:t>Easier to generalize to </a:t>
-            </a:r>
-            <a:r>
-              <a:rPr lang="en-CA" smtClean="0"/>
-              <a:t>new level</a:t>
-            </a:r>
             <a:endParaRPr lang="en-CA" dirty="0"/>
           </a:p>
         </p:txBody>
@@ -32985,6 +33469,391 @@
           </a:p>
         </p:txBody>
       </p:sp>
+    </p:spTree>
+  </p:cSld>
+  <p:clrMapOvr>
+    <a:masterClrMapping/>
+  </p:clrMapOvr>
+  <p:timing>
+    <p:tnLst>
+      <p:par>
+        <p:cTn id="1" dur="indefinite" restart="never" nodeType="tmRoot"/>
+      </p:par>
+    </p:tnLst>
+  </p:timing>
+</p:sld>
+</file>
+
+<file path=ppt/slides/slide80.xml><?xml version="1.0" encoding="utf-8"?>
+<p:sld xmlns:a="http://schemas.openxmlformats.org/drawingml/2006/main" xmlns:r="http://schemas.openxmlformats.org/officeDocument/2006/relationships" xmlns:p="http://schemas.openxmlformats.org/presentationml/2006/main">
+  <p:cSld>
+    <p:spTree>
+      <p:nvGrpSpPr>
+        <p:cNvPr id="1" name=""/>
+        <p:cNvGrpSpPr/>
+        <p:nvPr/>
+      </p:nvGrpSpPr>
+      <p:grpSpPr>
+        <a:xfrm>
+          <a:off x="0" y="0"/>
+          <a:ext cx="0" cy="0"/>
+          <a:chOff x="0" y="0"/>
+          <a:chExt cx="0" cy="0"/>
+        </a:xfrm>
+      </p:grpSpPr>
+      <p:sp>
+        <p:nvSpPr>
+          <p:cNvPr id="2" name="標題 1"/>
+          <p:cNvSpPr>
+            <a:spLocks noGrp="1"/>
+          </p:cNvSpPr>
+          <p:nvPr>
+            <p:ph type="title"/>
+          </p:nvPr>
+        </p:nvSpPr>
+        <p:spPr/>
+        <p:txBody>
+          <a:bodyPr/>
+          <a:lstStyle/>
+          <a:p>
+            <a:r>
+              <a:rPr lang="en-CA" dirty="0" smtClean="0"/>
+              <a:t>Experiment 2: Result</a:t>
+            </a:r>
+            <a:endParaRPr lang="en-CA" dirty="0"/>
+          </a:p>
+        </p:txBody>
+      </p:sp>
+      <p:sp>
+        <p:nvSpPr>
+          <p:cNvPr id="3" name="內容版面配置區 2"/>
+          <p:cNvSpPr>
+            <a:spLocks noGrp="1"/>
+          </p:cNvSpPr>
+          <p:nvPr>
+            <p:ph idx="1"/>
+          </p:nvPr>
+        </p:nvSpPr>
+        <p:spPr>
+          <a:xfrm>
+            <a:off x="457200" y="1600200"/>
+            <a:ext cx="8229600" cy="4757757"/>
+          </a:xfrm>
+        </p:spPr>
+        <p:txBody>
+          <a:bodyPr>
+            <a:normAutofit/>
+          </a:bodyPr>
+          <a:lstStyle/>
+          <a:p>
+            <a:r>
+              <a:rPr lang="en-CA" dirty="0" smtClean="0"/>
+              <a:t>The number of times to pass the level:</a:t>
+            </a:r>
+            <a:endParaRPr lang="en-CA" dirty="0" smtClean="0"/>
+          </a:p>
+          <a:p>
+            <a:pPr lvl="1"/>
+            <a:r>
+              <a:rPr lang="en-CA" dirty="0" smtClean="0"/>
+              <a:t>SARSA: 1/1000</a:t>
+            </a:r>
+          </a:p>
+          <a:p>
+            <a:pPr lvl="1"/>
+            <a:r>
+              <a:rPr lang="en-CA" dirty="0" err="1" smtClean="0"/>
+              <a:t>Model+HORDQ</a:t>
+            </a:r>
+            <a:r>
+              <a:rPr lang="en-CA" dirty="0" smtClean="0"/>
+              <a:t>(10): 277/1000</a:t>
+            </a:r>
+          </a:p>
+          <a:p>
+            <a:pPr lvl="1"/>
+            <a:r>
+              <a:rPr lang="en-CA" dirty="0" err="1" smtClean="0"/>
+              <a:t>Model+HORDQ</a:t>
+            </a:r>
+            <a:r>
+              <a:rPr lang="en-CA" dirty="0" smtClean="0"/>
+              <a:t>(10): </a:t>
+            </a:r>
+            <a:r>
+              <a:rPr lang="en-CA" dirty="0" smtClean="0"/>
+              <a:t>64/1000</a:t>
+            </a:r>
+          </a:p>
+          <a:p>
+            <a:pPr lvl="1"/>
+            <a:r>
+              <a:rPr lang="en-CA" dirty="0" smtClean="0"/>
+              <a:t>Model: 0/1000</a:t>
+            </a:r>
+            <a:endParaRPr lang="en-CA" dirty="0" smtClean="0"/>
+          </a:p>
+          <a:p>
+            <a:pPr lvl="2"/>
+            <a:endParaRPr lang="en-US" altLang="zh-TW" dirty="0" smtClean="0"/>
+          </a:p>
+        </p:txBody>
+      </p:sp>
+    </p:spTree>
+  </p:cSld>
+  <p:clrMapOvr>
+    <a:masterClrMapping/>
+  </p:clrMapOvr>
+  <p:timing>
+    <p:tnLst>
+      <p:par>
+        <p:cTn id="1" dur="indefinite" restart="never" nodeType="tmRoot"/>
+      </p:par>
+    </p:tnLst>
+  </p:timing>
+</p:sld>
+</file>
+
+<file path=ppt/slides/slide81.xml><?xml version="1.0" encoding="utf-8"?>
+<p:sld xmlns:a="http://schemas.openxmlformats.org/drawingml/2006/main" xmlns:r="http://schemas.openxmlformats.org/officeDocument/2006/relationships" xmlns:p="http://schemas.openxmlformats.org/presentationml/2006/main">
+  <p:cSld>
+    <p:spTree>
+      <p:nvGrpSpPr>
+        <p:cNvPr id="1" name=""/>
+        <p:cNvGrpSpPr/>
+        <p:nvPr/>
+      </p:nvGrpSpPr>
+      <p:grpSpPr>
+        <a:xfrm>
+          <a:off x="0" y="0"/>
+          <a:ext cx="0" cy="0"/>
+          <a:chOff x="0" y="0"/>
+          <a:chExt cx="0" cy="0"/>
+        </a:xfrm>
+      </p:grpSpPr>
+      <p:sp>
+        <p:nvSpPr>
+          <p:cNvPr id="2" name="標題 1"/>
+          <p:cNvSpPr>
+            <a:spLocks noGrp="1"/>
+          </p:cNvSpPr>
+          <p:nvPr>
+            <p:ph type="title"/>
+          </p:nvPr>
+        </p:nvSpPr>
+        <p:spPr/>
+        <p:txBody>
+          <a:bodyPr/>
+          <a:lstStyle/>
+          <a:p>
+            <a:r>
+              <a:rPr lang="en-CA" dirty="0" smtClean="0"/>
+              <a:t>Conclusion</a:t>
+            </a:r>
+            <a:endParaRPr lang="en-CA" dirty="0"/>
+          </a:p>
+        </p:txBody>
+      </p:sp>
+      <p:sp>
+        <p:nvSpPr>
+          <p:cNvPr id="3" name="內容版面配置區 2"/>
+          <p:cNvSpPr>
+            <a:spLocks noGrp="1"/>
+          </p:cNvSpPr>
+          <p:nvPr>
+            <p:ph idx="1"/>
+          </p:nvPr>
+        </p:nvSpPr>
+        <p:spPr/>
+        <p:txBody>
+          <a:bodyPr>
+            <a:normAutofit fontScale="92500" lnSpcReduction="20000"/>
+          </a:bodyPr>
+          <a:lstStyle/>
+          <a:p>
+            <a:r>
+              <a:rPr lang="en-CA" dirty="0" smtClean="0"/>
+              <a:t>I combine two champion approaches and produce a better one</a:t>
+            </a:r>
+          </a:p>
+          <a:p>
+            <a:r>
+              <a:rPr lang="en-CA" dirty="0" smtClean="0"/>
+              <a:t>A* is still the state of the art for Mario</a:t>
+            </a:r>
+          </a:p>
+          <a:p>
+            <a:pPr lvl="1"/>
+            <a:r>
+              <a:rPr lang="en-CA" dirty="0" smtClean="0"/>
+              <a:t>With a perfect model</a:t>
+            </a:r>
+          </a:p>
+          <a:p>
+            <a:pPr lvl="1"/>
+            <a:r>
+              <a:rPr lang="en-CA" dirty="0" smtClean="0"/>
+              <a:t>without, my approach is better</a:t>
+            </a:r>
+          </a:p>
+          <a:p>
+            <a:r>
+              <a:rPr lang="en-CA" dirty="0" smtClean="0"/>
+              <a:t>Compare to RL competition</a:t>
+            </a:r>
+          </a:p>
+          <a:p>
+            <a:pPr lvl="1"/>
+            <a:r>
+              <a:rPr lang="en-CA" dirty="0" smtClean="0"/>
+              <a:t>We include the terrain information</a:t>
+            </a:r>
+          </a:p>
+          <a:p>
+            <a:pPr lvl="1"/>
+            <a:r>
+              <a:rPr lang="en-CA" dirty="0" smtClean="0"/>
+              <a:t>Move efficiently</a:t>
+            </a:r>
+          </a:p>
+          <a:p>
+            <a:pPr lvl="1"/>
+            <a:r>
+              <a:rPr lang="en-CA" dirty="0" smtClean="0"/>
+              <a:t>Less sample</a:t>
+            </a:r>
+          </a:p>
+          <a:p>
+            <a:pPr lvl="1"/>
+            <a:r>
+              <a:rPr lang="en-CA" dirty="0" smtClean="0"/>
+              <a:t>Easier to generalize to </a:t>
+            </a:r>
+            <a:r>
+              <a:rPr lang="en-CA" smtClean="0"/>
+              <a:t>new level</a:t>
+            </a:r>
+            <a:endParaRPr lang="en-CA" dirty="0"/>
+          </a:p>
+        </p:txBody>
+      </p:sp>
+    </p:spTree>
+  </p:cSld>
+  <p:clrMapOvr>
+    <a:masterClrMapping/>
+  </p:clrMapOvr>
+  <p:timing>
+    <p:tnLst>
+      <p:par>
+        <p:cTn id="1" dur="indefinite" restart="never" nodeType="tmRoot"/>
+      </p:par>
+    </p:tnLst>
+  </p:timing>
+</p:sld>
+</file>
+
+<file path=ppt/slides/slide82.xml><?xml version="1.0" encoding="utf-8"?>
+<p:sld xmlns:a="http://schemas.openxmlformats.org/drawingml/2006/main" xmlns:r="http://schemas.openxmlformats.org/officeDocument/2006/relationships" xmlns:p="http://schemas.openxmlformats.org/presentationml/2006/main">
+  <p:cSld>
+    <p:spTree>
+      <p:nvGrpSpPr>
+        <p:cNvPr id="1" name=""/>
+        <p:cNvGrpSpPr/>
+        <p:nvPr/>
+      </p:nvGrpSpPr>
+      <p:grpSpPr>
+        <a:xfrm>
+          <a:off x="0" y="0"/>
+          <a:ext cx="0" cy="0"/>
+          <a:chOff x="0" y="0"/>
+          <a:chExt cx="0" cy="0"/>
+        </a:xfrm>
+      </p:grpSpPr>
+      <p:sp>
+        <p:nvSpPr>
+          <p:cNvPr id="2" name="標題 1"/>
+          <p:cNvSpPr>
+            <a:spLocks noGrp="1"/>
+          </p:cNvSpPr>
+          <p:nvPr>
+            <p:ph type="title"/>
+          </p:nvPr>
+        </p:nvSpPr>
+        <p:spPr/>
+        <p:txBody>
+          <a:bodyPr/>
+          <a:lstStyle/>
+          <a:p>
+            <a:endParaRPr lang="en-CA"/>
+          </a:p>
+        </p:txBody>
+      </p:sp>
+      <p:pic>
+        <p:nvPicPr>
+          <p:cNvPr id="2050" name="Picture 2"/>
+          <p:cNvPicPr>
+            <a:picLocks noChangeAspect="1" noChangeArrowheads="1"/>
+          </p:cNvPicPr>
+          <p:nvPr/>
+        </p:nvPicPr>
+        <p:blipFill>
+          <a:blip r:embed="rId3"/>
+          <a:srcRect/>
+          <a:stretch>
+            <a:fillRect/>
+          </a:stretch>
+        </p:blipFill>
+        <p:spPr bwMode="auto">
+          <a:xfrm>
+            <a:off x="1905000" y="1428750"/>
+            <a:ext cx="5334000" cy="4000500"/>
+          </a:xfrm>
+          <a:prstGeom prst="rect">
+            <a:avLst/>
+          </a:prstGeom>
+          <a:noFill/>
+          <a:ln w="9525">
+            <a:noFill/>
+            <a:miter lim="800000"/>
+            <a:headEnd/>
+            <a:tailEnd/>
+          </a:ln>
+          <a:effectLst/>
+        </p:spPr>
+      </p:pic>
+      <p:pic>
+        <p:nvPicPr>
+          <p:cNvPr id="5" name="Picture 3"/>
+          <p:cNvPicPr>
+            <a:picLocks noChangeAspect="1" noChangeArrowheads="1"/>
+          </p:cNvPicPr>
+          <p:nvPr/>
+        </p:nvPicPr>
+        <p:blipFill>
+          <a:blip r:embed="rId4"/>
+          <a:srcRect/>
+          <a:stretch>
+            <a:fillRect/>
+          </a:stretch>
+        </p:blipFill>
+        <p:spPr bwMode="auto">
+          <a:xfrm>
+            <a:off x="2071670" y="2643182"/>
+            <a:ext cx="5334000" cy="4000500"/>
+          </a:xfrm>
+          <a:prstGeom prst="rect">
+            <a:avLst/>
+          </a:prstGeom>
+          <a:noFill/>
+          <a:ln w="9525">
+            <a:noFill/>
+            <a:miter lim="800000"/>
+            <a:headEnd/>
+            <a:tailEnd/>
+          </a:ln>
+          <a:effectLst/>
+        </p:spPr>
+      </p:pic>
     </p:spTree>
   </p:cSld>
   <p:clrMapOvr>
